--- a/relatorio_preliminar/presentation.pptx
+++ b/relatorio_preliminar/presentation.pptx
@@ -5,10 +5,10 @@
     <p:sldMasterId id="2147483648" r:id="rId4"/>
   </p:sldMasterIdLst>
   <p:notesMasterIdLst>
-    <p:notesMasterId r:id="rId25"/>
+    <p:notesMasterId r:id="rId26"/>
   </p:notesMasterIdLst>
   <p:handoutMasterIdLst>
-    <p:handoutMasterId r:id="rId26"/>
+    <p:handoutMasterId r:id="rId27"/>
   </p:handoutMasterIdLst>
   <p:sldIdLst>
     <p:sldId id="256" r:id="rId5"/>
@@ -29,8 +29,9 @@
     <p:sldId id="295" r:id="rId20"/>
     <p:sldId id="299" r:id="rId21"/>
     <p:sldId id="301" r:id="rId22"/>
-    <p:sldId id="296" r:id="rId23"/>
-    <p:sldId id="269" r:id="rId24"/>
+    <p:sldId id="302" r:id="rId23"/>
+    <p:sldId id="296" r:id="rId24"/>
+    <p:sldId id="269" r:id="rId25"/>
   </p:sldIdLst>
   <p:sldSz cx="12192000" cy="6858000"/>
   <p:notesSz cx="6858000" cy="9144000"/>
@@ -178,7 +179,7 @@
           <p:cNvPr id="2" name="Header Placeholder 1">
             <a:extLst>
               <a:ext uri="{FF2B5EF4-FFF2-40B4-BE49-F238E27FC236}">
-                <a16:creationId xmlns="" xmlns:a16="http://schemas.microsoft.com/office/drawing/2014/main" id="{E62FF6B6-4F8A-40F7-B5F4-FC3996824D73}"/>
+                <a16:creationId xmlns:a16="http://schemas.microsoft.com/office/drawing/2014/main" xmlns="" id="{E62FF6B6-4F8A-40F7-B5F4-FC3996824D73}"/>
               </a:ext>
             </a:extLst>
           </p:cNvPr>
@@ -215,7 +216,7 @@
           <p:cNvPr id="3" name="Date Placeholder 2">
             <a:extLst>
               <a:ext uri="{FF2B5EF4-FFF2-40B4-BE49-F238E27FC236}">
-                <a16:creationId xmlns="" xmlns:a16="http://schemas.microsoft.com/office/drawing/2014/main" id="{8910A999-F365-48DF-976A-0517FE045440}"/>
+                <a16:creationId xmlns:a16="http://schemas.microsoft.com/office/drawing/2014/main" xmlns="" id="{8910A999-F365-48DF-976A-0517FE045440}"/>
               </a:ext>
             </a:extLst>
           </p:cNvPr>
@@ -245,7 +246,7 @@
           <a:p>
             <a:fld id="{1CA5457B-CDAE-4DEB-AEC8-C82DE2312E37}" type="datetimeFigureOut">
               <a:rPr lang="en-US" smtClean="0"/>
-              <a:t>2/19/2022</a:t>
+              <a:t>2/21/2022</a:t>
             </a:fld>
             <a:endParaRPr lang="en-US" dirty="0"/>
           </a:p>
@@ -256,7 +257,7 @@
           <p:cNvPr id="4" name="Footer Placeholder 3">
             <a:extLst>
               <a:ext uri="{FF2B5EF4-FFF2-40B4-BE49-F238E27FC236}">
-                <a16:creationId xmlns="" xmlns:a16="http://schemas.microsoft.com/office/drawing/2014/main" id="{F8735C90-ADBF-4B9E-BE88-E1C8F83EB4D2}"/>
+                <a16:creationId xmlns:a16="http://schemas.microsoft.com/office/drawing/2014/main" xmlns="" id="{F8735C90-ADBF-4B9E-BE88-E1C8F83EB4D2}"/>
               </a:ext>
             </a:extLst>
           </p:cNvPr>
@@ -293,7 +294,7 @@
           <p:cNvPr id="5" name="Slide Number Placeholder 4">
             <a:extLst>
               <a:ext uri="{FF2B5EF4-FFF2-40B4-BE49-F238E27FC236}">
-                <a16:creationId xmlns="" xmlns:a16="http://schemas.microsoft.com/office/drawing/2014/main" id="{82506A01-6D0A-45EF-A584-05A3361D66F7}"/>
+                <a16:creationId xmlns:a16="http://schemas.microsoft.com/office/drawing/2014/main" xmlns="" id="{82506A01-6D0A-45EF-A584-05A3361D66F7}"/>
               </a:ext>
             </a:extLst>
           </p:cNvPr>
@@ -422,7 +423,7 @@
           <a:p>
             <a:fld id="{090B78EA-28CE-41D8-9043-90E391E5F567}" type="datetimeFigureOut">
               <a:rPr lang="en-US" noProof="0" smtClean="0"/>
-              <a:t>2/19/2022</a:t>
+              <a:t>2/21/2022</a:t>
             </a:fld>
             <a:endParaRPr lang="en-US" noProof="0" dirty="0"/>
           </a:p>
@@ -711,7 +712,7 @@
           <p:cNvPr id="21" name="Rectangle 20">
             <a:extLst>
               <a:ext uri="{FF2B5EF4-FFF2-40B4-BE49-F238E27FC236}">
-                <a16:creationId xmlns="" xmlns:a16="http://schemas.microsoft.com/office/drawing/2014/main" id="{6E739168-A5E8-443A-B392-7AD4CF8977AD}"/>
+                <a16:creationId xmlns:a16="http://schemas.microsoft.com/office/drawing/2014/main" xmlns="" id="{6E739168-A5E8-443A-B392-7AD4CF8977AD}"/>
               </a:ext>
             </a:extLst>
           </p:cNvPr>
@@ -763,7 +764,7 @@
           <p:cNvPr id="7" name="Group 6">
             <a:extLst>
               <a:ext uri="{FF2B5EF4-FFF2-40B4-BE49-F238E27FC236}">
-                <a16:creationId xmlns="" xmlns:a16="http://schemas.microsoft.com/office/drawing/2014/main" id="{4CA15AFD-4983-47DD-9ED0-D3B27E5A096F}"/>
+                <a16:creationId xmlns:a16="http://schemas.microsoft.com/office/drawing/2014/main" xmlns="" id="{4CA15AFD-4983-47DD-9ED0-D3B27E5A096F}"/>
               </a:ext>
             </a:extLst>
           </p:cNvPr>
@@ -783,7 +784,7 @@
             <p:cNvPr id="8" name="Group 7">
               <a:extLst>
                 <a:ext uri="{FF2B5EF4-FFF2-40B4-BE49-F238E27FC236}">
-                  <a16:creationId xmlns="" xmlns:a16="http://schemas.microsoft.com/office/drawing/2014/main" id="{2222D5E2-E9B4-4180-98B8-4E514C9ADB28}"/>
+                  <a16:creationId xmlns:a16="http://schemas.microsoft.com/office/drawing/2014/main" xmlns="" id="{2222D5E2-E9B4-4180-98B8-4E514C9ADB28}"/>
                 </a:ext>
               </a:extLst>
             </p:cNvPr>
@@ -803,7 +804,7 @@
               <p:cNvPr id="15" name="Freeform: Shape 14">
                 <a:extLst>
                   <a:ext uri="{FF2B5EF4-FFF2-40B4-BE49-F238E27FC236}">
-                    <a16:creationId xmlns="" xmlns:a16="http://schemas.microsoft.com/office/drawing/2014/main" id="{41E10E1E-5268-4F03-BA64-07E19DE26739}"/>
+                    <a16:creationId xmlns:a16="http://schemas.microsoft.com/office/drawing/2014/main" xmlns="" id="{41E10E1E-5268-4F03-BA64-07E19DE26739}"/>
                   </a:ext>
                 </a:extLst>
               </p:cNvPr>
@@ -940,7 +941,7 @@
               <p:cNvPr id="16" name="Freeform: Shape 15">
                 <a:extLst>
                   <a:ext uri="{FF2B5EF4-FFF2-40B4-BE49-F238E27FC236}">
-                    <a16:creationId xmlns="" xmlns:a16="http://schemas.microsoft.com/office/drawing/2014/main" id="{B989C45D-BDFF-418F-BE79-03FF70015770}"/>
+                    <a16:creationId xmlns:a16="http://schemas.microsoft.com/office/drawing/2014/main" xmlns="" id="{B989C45D-BDFF-418F-BE79-03FF70015770}"/>
                   </a:ext>
                 </a:extLst>
               </p:cNvPr>
@@ -1104,7 +1105,7 @@
               <p:cNvPr id="17" name="Right Triangle 16">
                 <a:extLst>
                   <a:ext uri="{FF2B5EF4-FFF2-40B4-BE49-F238E27FC236}">
-                    <a16:creationId xmlns="" xmlns:a16="http://schemas.microsoft.com/office/drawing/2014/main" id="{8DCD5806-2A2F-4ABF-8057-245681C498E6}"/>
+                    <a16:creationId xmlns:a16="http://schemas.microsoft.com/office/drawing/2014/main" xmlns="" id="{8DCD5806-2A2F-4ABF-8057-245681C498E6}"/>
                   </a:ext>
                 </a:extLst>
               </p:cNvPr>
@@ -1158,7 +1159,7 @@
               <p:cNvPr id="18" name="Right Triangle 17">
                 <a:extLst>
                   <a:ext uri="{FF2B5EF4-FFF2-40B4-BE49-F238E27FC236}">
-                    <a16:creationId xmlns="" xmlns:a16="http://schemas.microsoft.com/office/drawing/2014/main" id="{3A93038F-E9E4-4FFD-B3DF-28DB7C2C1490}"/>
+                    <a16:creationId xmlns:a16="http://schemas.microsoft.com/office/drawing/2014/main" xmlns="" id="{3A93038F-E9E4-4FFD-B3DF-28DB7C2C1490}"/>
                   </a:ext>
                 </a:extLst>
               </p:cNvPr>
@@ -1215,7 +1216,7 @@
               <p:cNvPr id="19" name="Right Triangle 18">
                 <a:extLst>
                   <a:ext uri="{FF2B5EF4-FFF2-40B4-BE49-F238E27FC236}">
-                    <a16:creationId xmlns="" xmlns:a16="http://schemas.microsoft.com/office/drawing/2014/main" id="{5DEA1E02-BBD0-4AE3-AF22-433B90272178}"/>
+                    <a16:creationId xmlns:a16="http://schemas.microsoft.com/office/drawing/2014/main" xmlns="" id="{5DEA1E02-BBD0-4AE3-AF22-433B90272178}"/>
                   </a:ext>
                 </a:extLst>
               </p:cNvPr>
@@ -1269,7 +1270,7 @@
               <p:cNvPr id="20" name="Freeform: Shape 19">
                 <a:extLst>
                   <a:ext uri="{FF2B5EF4-FFF2-40B4-BE49-F238E27FC236}">
-                    <a16:creationId xmlns="" xmlns:a16="http://schemas.microsoft.com/office/drawing/2014/main" id="{0027A677-9ACB-4264-B148-4806678FB83F}"/>
+                    <a16:creationId xmlns:a16="http://schemas.microsoft.com/office/drawing/2014/main" xmlns="" id="{0027A677-9ACB-4264-B148-4806678FB83F}"/>
                   </a:ext>
                 </a:extLst>
               </p:cNvPr>
@@ -1432,7 +1433,7 @@
             <p:cNvPr id="9" name="Freeform: Shape 12">
               <a:extLst>
                 <a:ext uri="{FF2B5EF4-FFF2-40B4-BE49-F238E27FC236}">
-                  <a16:creationId xmlns="" xmlns:a16="http://schemas.microsoft.com/office/drawing/2014/main" id="{E3AAB79D-382D-4A95-965E-526B6A681DA7}"/>
+                  <a16:creationId xmlns:a16="http://schemas.microsoft.com/office/drawing/2014/main" xmlns="" id="{E3AAB79D-382D-4A95-965E-526B6A681DA7}"/>
                 </a:ext>
               </a:extLst>
             </p:cNvPr>
@@ -1522,7 +1523,7 @@
             <p:cNvPr id="10" name="Freeform: Shape 9">
               <a:extLst>
                 <a:ext uri="{FF2B5EF4-FFF2-40B4-BE49-F238E27FC236}">
-                  <a16:creationId xmlns="" xmlns:a16="http://schemas.microsoft.com/office/drawing/2014/main" id="{C0A22127-2B4A-4B15-B0A9-F019A30347A1}"/>
+                  <a16:creationId xmlns:a16="http://schemas.microsoft.com/office/drawing/2014/main" xmlns="" id="{C0A22127-2B4A-4B15-B0A9-F019A30347A1}"/>
                 </a:ext>
               </a:extLst>
             </p:cNvPr>
@@ -1625,7 +1626,7 @@
             <p:cNvPr id="11" name="Freeform: Shape 12">
               <a:extLst>
                 <a:ext uri="{FF2B5EF4-FFF2-40B4-BE49-F238E27FC236}">
-                  <a16:creationId xmlns="" xmlns:a16="http://schemas.microsoft.com/office/drawing/2014/main" id="{F04D9FDC-1B67-4254-9535-CD32E81F0C3E}"/>
+                  <a16:creationId xmlns:a16="http://schemas.microsoft.com/office/drawing/2014/main" xmlns="" id="{F04D9FDC-1B67-4254-9535-CD32E81F0C3E}"/>
                 </a:ext>
               </a:extLst>
             </p:cNvPr>
@@ -1723,7 +1724,7 @@
             <p:cNvPr id="12" name="Group 11">
               <a:extLst>
                 <a:ext uri="{FF2B5EF4-FFF2-40B4-BE49-F238E27FC236}">
-                  <a16:creationId xmlns="" xmlns:a16="http://schemas.microsoft.com/office/drawing/2014/main" id="{0A86C4EA-4CF8-4531-845D-4FCB1E2F7422}"/>
+                  <a16:creationId xmlns:a16="http://schemas.microsoft.com/office/drawing/2014/main" xmlns="" id="{0A86C4EA-4CF8-4531-845D-4FCB1E2F7422}"/>
                 </a:ext>
               </a:extLst>
             </p:cNvPr>
@@ -1743,7 +1744,7 @@
               <p:cNvPr id="13" name="Freeform: Shape 12">
                 <a:extLst>
                   <a:ext uri="{FF2B5EF4-FFF2-40B4-BE49-F238E27FC236}">
-                    <a16:creationId xmlns="" xmlns:a16="http://schemas.microsoft.com/office/drawing/2014/main" id="{1101B195-C112-4D20-8D19-4D22479B150D}"/>
+                    <a16:creationId xmlns:a16="http://schemas.microsoft.com/office/drawing/2014/main" xmlns="" id="{1101B195-C112-4D20-8D19-4D22479B150D}"/>
                   </a:ext>
                 </a:extLst>
               </p:cNvPr>
@@ -1833,7 +1834,7 @@
               <p:cNvPr id="14" name="Freeform: Shape 12">
                 <a:extLst>
                   <a:ext uri="{FF2B5EF4-FFF2-40B4-BE49-F238E27FC236}">
-                    <a16:creationId xmlns="" xmlns:a16="http://schemas.microsoft.com/office/drawing/2014/main" id="{CA755F1F-9955-4CBB-8F34-F7801CA44CE7}"/>
+                    <a16:creationId xmlns:a16="http://schemas.microsoft.com/office/drawing/2014/main" xmlns="" id="{CA755F1F-9955-4CBB-8F34-F7801CA44CE7}"/>
                   </a:ext>
                 </a:extLst>
               </p:cNvPr>
@@ -1933,7 +1934,7 @@
           <p:cNvPr id="2" name="Title 1">
             <a:extLst>
               <a:ext uri="{FF2B5EF4-FFF2-40B4-BE49-F238E27FC236}">
-                <a16:creationId xmlns="" xmlns:a16="http://schemas.microsoft.com/office/drawing/2014/main" id="{9E597736-C478-4C26-9BAF-205FE31E977C}"/>
+                <a16:creationId xmlns:a16="http://schemas.microsoft.com/office/drawing/2014/main" xmlns="" id="{9E597736-C478-4C26-9BAF-205FE31E977C}"/>
               </a:ext>
             </a:extLst>
           </p:cNvPr>
@@ -1980,7 +1981,7 @@
           <p:cNvPr id="3" name="Subtitle 2">
             <a:extLst>
               <a:ext uri="{FF2B5EF4-FFF2-40B4-BE49-F238E27FC236}">
-                <a16:creationId xmlns="" xmlns:a16="http://schemas.microsoft.com/office/drawing/2014/main" id="{C3D2DEF0-A0B0-4CFE-B67D-A9D75E2368DC}"/>
+                <a16:creationId xmlns:a16="http://schemas.microsoft.com/office/drawing/2014/main" xmlns="" id="{C3D2DEF0-A0B0-4CFE-B67D-A9D75E2368DC}"/>
               </a:ext>
             </a:extLst>
           </p:cNvPr>
@@ -2033,11 +2034,11 @@
   <p:clrMapOvr>
     <a:masterClrMapping/>
   </p:clrMapOvr>
-  <mc:AlternateContent xmlns:mc="http://schemas.openxmlformats.org/markup-compatibility/2006">
-    <mc:Choice xmlns:p14="http://schemas.microsoft.com/office/powerpoint/2010/main" Requires="p14">
+  <mc:AlternateContent xmlns:mc="http://schemas.openxmlformats.org/markup-compatibility/2006" xmlns:p14="http://schemas.microsoft.com/office/powerpoint/2010/main">
+    <mc:Choice Requires="p14">
       <p:transition p14:dur="0"/>
     </mc:Choice>
-    <mc:Fallback>
+    <mc:Fallback xmlns="">
       <p:transition/>
     </mc:Fallback>
   </mc:AlternateContent>
@@ -2074,7 +2075,7 @@
           <p:cNvPr id="11" name="Rectangle 10">
             <a:extLst>
               <a:ext uri="{FF2B5EF4-FFF2-40B4-BE49-F238E27FC236}">
-                <a16:creationId xmlns="" xmlns:a16="http://schemas.microsoft.com/office/drawing/2014/main" id="{EB3E033F-4449-40FA-BC85-BD2712D313DD}"/>
+                <a16:creationId xmlns:a16="http://schemas.microsoft.com/office/drawing/2014/main" xmlns="" id="{EB3E033F-4449-40FA-BC85-BD2712D313DD}"/>
               </a:ext>
             </a:extLst>
           </p:cNvPr>
@@ -2128,7 +2129,7 @@
           <p:cNvPr id="10" name="Freeform: Shape 9">
             <a:extLst>
               <a:ext uri="{FF2B5EF4-FFF2-40B4-BE49-F238E27FC236}">
-                <a16:creationId xmlns="" xmlns:a16="http://schemas.microsoft.com/office/drawing/2014/main" id="{63D26743-0505-444C-80B3-E88EE87DF72B}"/>
+                <a16:creationId xmlns:a16="http://schemas.microsoft.com/office/drawing/2014/main" xmlns="" id="{63D26743-0505-444C-80B3-E88EE87DF72B}"/>
               </a:ext>
             </a:extLst>
           </p:cNvPr>
@@ -2251,7 +2252,7 @@
           <p:cNvPr id="18" name="Freeform: Shape 17">
             <a:extLst>
               <a:ext uri="{FF2B5EF4-FFF2-40B4-BE49-F238E27FC236}">
-                <a16:creationId xmlns="" xmlns:a16="http://schemas.microsoft.com/office/drawing/2014/main" id="{E37145E9-AC61-47D5-9288-8789940F81B6}"/>
+                <a16:creationId xmlns:a16="http://schemas.microsoft.com/office/drawing/2014/main" xmlns="" id="{E37145E9-AC61-47D5-9288-8789940F81B6}"/>
               </a:ext>
             </a:extLst>
           </p:cNvPr>
@@ -2403,7 +2404,7 @@
           <p:cNvPr id="12" name="Freeform: Shape 11">
             <a:extLst>
               <a:ext uri="{FF2B5EF4-FFF2-40B4-BE49-F238E27FC236}">
-                <a16:creationId xmlns="" xmlns:a16="http://schemas.microsoft.com/office/drawing/2014/main" id="{A5E2B3ED-9A49-40A7-B8A3-62595FE513F9}"/>
+                <a16:creationId xmlns:a16="http://schemas.microsoft.com/office/drawing/2014/main" xmlns="" id="{A5E2B3ED-9A49-40A7-B8A3-62595FE513F9}"/>
               </a:ext>
             </a:extLst>
           </p:cNvPr>
@@ -2553,7 +2554,7 @@
           <p:cNvPr id="8" name="Freeform: Shape 7">
             <a:extLst>
               <a:ext uri="{FF2B5EF4-FFF2-40B4-BE49-F238E27FC236}">
-                <a16:creationId xmlns="" xmlns:a16="http://schemas.microsoft.com/office/drawing/2014/main" id="{1599AF7E-3E34-4597-AA72-9373A7FDB020}"/>
+                <a16:creationId xmlns:a16="http://schemas.microsoft.com/office/drawing/2014/main" xmlns="" id="{1599AF7E-3E34-4597-AA72-9373A7FDB020}"/>
               </a:ext>
             </a:extLst>
           </p:cNvPr>
@@ -2699,7 +2700,7 @@
           <p:cNvPr id="2" name="Title 1">
             <a:extLst>
               <a:ext uri="{FF2B5EF4-FFF2-40B4-BE49-F238E27FC236}">
-                <a16:creationId xmlns="" xmlns:a16="http://schemas.microsoft.com/office/drawing/2014/main" id="{4A2DF563-7FAC-46B3-B24C-7E45CD89DA2B}"/>
+                <a16:creationId xmlns:a16="http://schemas.microsoft.com/office/drawing/2014/main" xmlns="" id="{4A2DF563-7FAC-46B3-B24C-7E45CD89DA2B}"/>
               </a:ext>
             </a:extLst>
           </p:cNvPr>
@@ -2745,7 +2746,7 @@
           <p:cNvPr id="15" name="Group 14">
             <a:extLst>
               <a:ext uri="{FF2B5EF4-FFF2-40B4-BE49-F238E27FC236}">
-                <a16:creationId xmlns="" xmlns:a16="http://schemas.microsoft.com/office/drawing/2014/main" id="{7732E1E7-45E3-4264-8F26-66758696DD1E}"/>
+                <a16:creationId xmlns:a16="http://schemas.microsoft.com/office/drawing/2014/main" xmlns="" id="{7732E1E7-45E3-4264-8F26-66758696DD1E}"/>
               </a:ext>
             </a:extLst>
           </p:cNvPr>
@@ -2765,7 +2766,7 @@
             <p:cNvPr id="16" name="Freeform: Shape 15">
               <a:extLst>
                 <a:ext uri="{FF2B5EF4-FFF2-40B4-BE49-F238E27FC236}">
-                  <a16:creationId xmlns="" xmlns:a16="http://schemas.microsoft.com/office/drawing/2014/main" id="{2E3DF883-8093-49FA-81E1-E5D77F086A25}"/>
+                  <a16:creationId xmlns:a16="http://schemas.microsoft.com/office/drawing/2014/main" xmlns="" id="{2E3DF883-8093-49FA-81E1-E5D77F086A25}"/>
                 </a:ext>
               </a:extLst>
             </p:cNvPr>
@@ -2855,7 +2856,7 @@
             <p:cNvPr id="17" name="Freeform: Shape 16">
               <a:extLst>
                 <a:ext uri="{FF2B5EF4-FFF2-40B4-BE49-F238E27FC236}">
-                  <a16:creationId xmlns="" xmlns:a16="http://schemas.microsoft.com/office/drawing/2014/main" id="{18944C90-37E5-4BBE-89FF-060627168050}"/>
+                  <a16:creationId xmlns:a16="http://schemas.microsoft.com/office/drawing/2014/main" xmlns="" id="{18944C90-37E5-4BBE-89FF-060627168050}"/>
                 </a:ext>
               </a:extLst>
             </p:cNvPr>
@@ -2954,7 +2955,7 @@
           <p:cNvPr id="6" name="Group 5">
             <a:extLst>
               <a:ext uri="{FF2B5EF4-FFF2-40B4-BE49-F238E27FC236}">
-                <a16:creationId xmlns="" xmlns:a16="http://schemas.microsoft.com/office/drawing/2014/main" id="{D9EBF8BB-A805-4DDB-B459-082F99815B95}"/>
+                <a16:creationId xmlns:a16="http://schemas.microsoft.com/office/drawing/2014/main" xmlns="" id="{D9EBF8BB-A805-4DDB-B459-082F99815B95}"/>
               </a:ext>
             </a:extLst>
           </p:cNvPr>
@@ -2974,7 +2975,7 @@
             <p:cNvPr id="19" name="Rectangle: Single Corner Snipped 18">
               <a:extLst>
                 <a:ext uri="{FF2B5EF4-FFF2-40B4-BE49-F238E27FC236}">
-                  <a16:creationId xmlns="" xmlns:a16="http://schemas.microsoft.com/office/drawing/2014/main" id="{5D638788-DD47-45E7-939A-FA108A818173}"/>
+                  <a16:creationId xmlns:a16="http://schemas.microsoft.com/office/drawing/2014/main" xmlns="" id="{5D638788-DD47-45E7-939A-FA108A818173}"/>
                 </a:ext>
               </a:extLst>
             </p:cNvPr>
@@ -3040,7 +3041,7 @@
             <p:cNvPr id="3" name="Rectangle: Single Corner Snipped 2">
               <a:extLst>
                 <a:ext uri="{FF2B5EF4-FFF2-40B4-BE49-F238E27FC236}">
-                  <a16:creationId xmlns="" xmlns:a16="http://schemas.microsoft.com/office/drawing/2014/main" id="{74BDECEF-EEFE-4332-B3B2-BDE4F82C10FC}"/>
+                  <a16:creationId xmlns:a16="http://schemas.microsoft.com/office/drawing/2014/main" xmlns="" id="{74BDECEF-EEFE-4332-B3B2-BDE4F82C10FC}"/>
                 </a:ext>
               </a:extLst>
             </p:cNvPr>
@@ -3097,7 +3098,7 @@
           <p:cNvPr id="24" name="Freeform: Shape 23">
             <a:extLst>
               <a:ext uri="{FF2B5EF4-FFF2-40B4-BE49-F238E27FC236}">
-                <a16:creationId xmlns="" xmlns:a16="http://schemas.microsoft.com/office/drawing/2014/main" id="{18103E00-7E4A-44CD-81AC-06433CAE1110}"/>
+                <a16:creationId xmlns:a16="http://schemas.microsoft.com/office/drawing/2014/main" xmlns="" id="{18103E00-7E4A-44CD-81AC-06433CAE1110}"/>
               </a:ext>
             </a:extLst>
           </p:cNvPr>
@@ -3192,7 +3193,7 @@
           <p:cNvPr id="5" name="Slide Number Placeholder 4">
             <a:extLst>
               <a:ext uri="{FF2B5EF4-FFF2-40B4-BE49-F238E27FC236}">
-                <a16:creationId xmlns="" xmlns:a16="http://schemas.microsoft.com/office/drawing/2014/main" id="{87B51822-97FF-47A7-8E4E-A0F79B4EB237}"/>
+                <a16:creationId xmlns:a16="http://schemas.microsoft.com/office/drawing/2014/main" xmlns="" id="{87B51822-97FF-47A7-8E4E-A0F79B4EB237}"/>
               </a:ext>
             </a:extLst>
           </p:cNvPr>
@@ -3236,7 +3237,7 @@
           <p:cNvPr id="20" name="Content Placeholder 2">
             <a:extLst>
               <a:ext uri="{FF2B5EF4-FFF2-40B4-BE49-F238E27FC236}">
-                <a16:creationId xmlns="" xmlns:a16="http://schemas.microsoft.com/office/drawing/2014/main" id="{FE796BFF-6E5F-4DE7-B193-F501FC094D63}"/>
+                <a16:creationId xmlns:a16="http://schemas.microsoft.com/office/drawing/2014/main" xmlns="" id="{FE796BFF-6E5F-4DE7-B193-F501FC094D63}"/>
               </a:ext>
             </a:extLst>
           </p:cNvPr>
@@ -3347,7 +3348,7 @@
           <p:cNvPr id="21" name="Content Placeholder 3">
             <a:extLst>
               <a:ext uri="{FF2B5EF4-FFF2-40B4-BE49-F238E27FC236}">
-                <a16:creationId xmlns="" xmlns:a16="http://schemas.microsoft.com/office/drawing/2014/main" id="{78622754-CA4D-4C27-A37F-B26E7B4C9CA2}"/>
+                <a16:creationId xmlns:a16="http://schemas.microsoft.com/office/drawing/2014/main" xmlns="" id="{78622754-CA4D-4C27-A37F-B26E7B4C9CA2}"/>
               </a:ext>
             </a:extLst>
           </p:cNvPr>
@@ -3453,11 +3454,11 @@
   <p:clrMapOvr>
     <a:masterClrMapping/>
   </p:clrMapOvr>
-  <mc:AlternateContent xmlns:mc="http://schemas.openxmlformats.org/markup-compatibility/2006">
-    <mc:Choice xmlns:p14="http://schemas.microsoft.com/office/powerpoint/2010/main" Requires="p14">
+  <mc:AlternateContent xmlns:mc="http://schemas.openxmlformats.org/markup-compatibility/2006" xmlns:p14="http://schemas.microsoft.com/office/powerpoint/2010/main">
+    <mc:Choice Requires="p14">
       <p:transition p14:dur="0"/>
     </mc:Choice>
-    <mc:Fallback>
+    <mc:Fallback xmlns="">
       <p:transition/>
     </mc:Fallback>
   </mc:AlternateContent>
@@ -3494,7 +3495,7 @@
           <p:cNvPr id="11" name="Rectangle 10">
             <a:extLst>
               <a:ext uri="{FF2B5EF4-FFF2-40B4-BE49-F238E27FC236}">
-                <a16:creationId xmlns="" xmlns:a16="http://schemas.microsoft.com/office/drawing/2014/main" id="{EB3E033F-4449-40FA-BC85-BD2712D313DD}"/>
+                <a16:creationId xmlns:a16="http://schemas.microsoft.com/office/drawing/2014/main" xmlns="" id="{EB3E033F-4449-40FA-BC85-BD2712D313DD}"/>
               </a:ext>
             </a:extLst>
           </p:cNvPr>
@@ -3548,7 +3549,7 @@
           <p:cNvPr id="10" name="Freeform: Shape 9">
             <a:extLst>
               <a:ext uri="{FF2B5EF4-FFF2-40B4-BE49-F238E27FC236}">
-                <a16:creationId xmlns="" xmlns:a16="http://schemas.microsoft.com/office/drawing/2014/main" id="{63D26743-0505-444C-80B3-E88EE87DF72B}"/>
+                <a16:creationId xmlns:a16="http://schemas.microsoft.com/office/drawing/2014/main" xmlns="" id="{63D26743-0505-444C-80B3-E88EE87DF72B}"/>
               </a:ext>
             </a:extLst>
           </p:cNvPr>
@@ -3671,7 +3672,7 @@
           <p:cNvPr id="18" name="Freeform: Shape 17">
             <a:extLst>
               <a:ext uri="{FF2B5EF4-FFF2-40B4-BE49-F238E27FC236}">
-                <a16:creationId xmlns="" xmlns:a16="http://schemas.microsoft.com/office/drawing/2014/main" id="{E37145E9-AC61-47D5-9288-8789940F81B6}"/>
+                <a16:creationId xmlns:a16="http://schemas.microsoft.com/office/drawing/2014/main" xmlns="" id="{E37145E9-AC61-47D5-9288-8789940F81B6}"/>
               </a:ext>
             </a:extLst>
           </p:cNvPr>
@@ -3823,7 +3824,7 @@
           <p:cNvPr id="12" name="Freeform: Shape 11">
             <a:extLst>
               <a:ext uri="{FF2B5EF4-FFF2-40B4-BE49-F238E27FC236}">
-                <a16:creationId xmlns="" xmlns:a16="http://schemas.microsoft.com/office/drawing/2014/main" id="{A5E2B3ED-9A49-40A7-B8A3-62595FE513F9}"/>
+                <a16:creationId xmlns:a16="http://schemas.microsoft.com/office/drawing/2014/main" xmlns="" id="{A5E2B3ED-9A49-40A7-B8A3-62595FE513F9}"/>
               </a:ext>
             </a:extLst>
           </p:cNvPr>
@@ -3973,7 +3974,7 @@
           <p:cNvPr id="8" name="Freeform: Shape 7">
             <a:extLst>
               <a:ext uri="{FF2B5EF4-FFF2-40B4-BE49-F238E27FC236}">
-                <a16:creationId xmlns="" xmlns:a16="http://schemas.microsoft.com/office/drawing/2014/main" id="{1599AF7E-3E34-4597-AA72-9373A7FDB020}"/>
+                <a16:creationId xmlns:a16="http://schemas.microsoft.com/office/drawing/2014/main" xmlns="" id="{1599AF7E-3E34-4597-AA72-9373A7FDB020}"/>
               </a:ext>
             </a:extLst>
           </p:cNvPr>
@@ -4119,7 +4120,7 @@
           <p:cNvPr id="2" name="Title 1">
             <a:extLst>
               <a:ext uri="{FF2B5EF4-FFF2-40B4-BE49-F238E27FC236}">
-                <a16:creationId xmlns="" xmlns:a16="http://schemas.microsoft.com/office/drawing/2014/main" id="{4A2DF563-7FAC-46B3-B24C-7E45CD89DA2B}"/>
+                <a16:creationId xmlns:a16="http://schemas.microsoft.com/office/drawing/2014/main" xmlns="" id="{4A2DF563-7FAC-46B3-B24C-7E45CD89DA2B}"/>
               </a:ext>
             </a:extLst>
           </p:cNvPr>
@@ -4165,7 +4166,7 @@
           <p:cNvPr id="15" name="Group 14">
             <a:extLst>
               <a:ext uri="{FF2B5EF4-FFF2-40B4-BE49-F238E27FC236}">
-                <a16:creationId xmlns="" xmlns:a16="http://schemas.microsoft.com/office/drawing/2014/main" id="{7732E1E7-45E3-4264-8F26-66758696DD1E}"/>
+                <a16:creationId xmlns:a16="http://schemas.microsoft.com/office/drawing/2014/main" xmlns="" id="{7732E1E7-45E3-4264-8F26-66758696DD1E}"/>
               </a:ext>
             </a:extLst>
           </p:cNvPr>
@@ -4185,7 +4186,7 @@
             <p:cNvPr id="16" name="Freeform: Shape 15">
               <a:extLst>
                 <a:ext uri="{FF2B5EF4-FFF2-40B4-BE49-F238E27FC236}">
-                  <a16:creationId xmlns="" xmlns:a16="http://schemas.microsoft.com/office/drawing/2014/main" id="{2E3DF883-8093-49FA-81E1-E5D77F086A25}"/>
+                  <a16:creationId xmlns:a16="http://schemas.microsoft.com/office/drawing/2014/main" xmlns="" id="{2E3DF883-8093-49FA-81E1-E5D77F086A25}"/>
                 </a:ext>
               </a:extLst>
             </p:cNvPr>
@@ -4275,7 +4276,7 @@
             <p:cNvPr id="17" name="Freeform: Shape 16">
               <a:extLst>
                 <a:ext uri="{FF2B5EF4-FFF2-40B4-BE49-F238E27FC236}">
-                  <a16:creationId xmlns="" xmlns:a16="http://schemas.microsoft.com/office/drawing/2014/main" id="{18944C90-37E5-4BBE-89FF-060627168050}"/>
+                  <a16:creationId xmlns:a16="http://schemas.microsoft.com/office/drawing/2014/main" xmlns="" id="{18944C90-37E5-4BBE-89FF-060627168050}"/>
                 </a:ext>
               </a:extLst>
             </p:cNvPr>
@@ -4374,7 +4375,7 @@
           <p:cNvPr id="6" name="Group 5">
             <a:extLst>
               <a:ext uri="{FF2B5EF4-FFF2-40B4-BE49-F238E27FC236}">
-                <a16:creationId xmlns="" xmlns:a16="http://schemas.microsoft.com/office/drawing/2014/main" id="{D9EBF8BB-A805-4DDB-B459-082F99815B95}"/>
+                <a16:creationId xmlns:a16="http://schemas.microsoft.com/office/drawing/2014/main" xmlns="" id="{D9EBF8BB-A805-4DDB-B459-082F99815B95}"/>
               </a:ext>
             </a:extLst>
           </p:cNvPr>
@@ -4394,7 +4395,7 @@
             <p:cNvPr id="19" name="Rectangle: Single Corner Snipped 18">
               <a:extLst>
                 <a:ext uri="{FF2B5EF4-FFF2-40B4-BE49-F238E27FC236}">
-                  <a16:creationId xmlns="" xmlns:a16="http://schemas.microsoft.com/office/drawing/2014/main" id="{5D638788-DD47-45E7-939A-FA108A818173}"/>
+                  <a16:creationId xmlns:a16="http://schemas.microsoft.com/office/drawing/2014/main" xmlns="" id="{5D638788-DD47-45E7-939A-FA108A818173}"/>
                 </a:ext>
               </a:extLst>
             </p:cNvPr>
@@ -4455,7 +4456,7 @@
             <p:cNvPr id="3" name="Rectangle: Single Corner Snipped 2">
               <a:extLst>
                 <a:ext uri="{FF2B5EF4-FFF2-40B4-BE49-F238E27FC236}">
-                  <a16:creationId xmlns="" xmlns:a16="http://schemas.microsoft.com/office/drawing/2014/main" id="{74BDECEF-EEFE-4332-B3B2-BDE4F82C10FC}"/>
+                  <a16:creationId xmlns:a16="http://schemas.microsoft.com/office/drawing/2014/main" xmlns="" id="{74BDECEF-EEFE-4332-B3B2-BDE4F82C10FC}"/>
                 </a:ext>
               </a:extLst>
             </p:cNvPr>
@@ -4512,7 +4513,7 @@
           <p:cNvPr id="20" name="Picture Placeholder 8">
             <a:extLst>
               <a:ext uri="{FF2B5EF4-FFF2-40B4-BE49-F238E27FC236}">
-                <a16:creationId xmlns="" xmlns:a16="http://schemas.microsoft.com/office/drawing/2014/main" id="{6D00E6B4-1CBE-404E-B943-5F1832320C1C}"/>
+                <a16:creationId xmlns:a16="http://schemas.microsoft.com/office/drawing/2014/main" xmlns="" id="{6D00E6B4-1CBE-404E-B943-5F1832320C1C}"/>
               </a:ext>
             </a:extLst>
           </p:cNvPr>
@@ -4575,7 +4576,7 @@
           <p:cNvPr id="21" name="Picture Placeholder 8">
             <a:extLst>
               <a:ext uri="{FF2B5EF4-FFF2-40B4-BE49-F238E27FC236}">
-                <a16:creationId xmlns="" xmlns:a16="http://schemas.microsoft.com/office/drawing/2014/main" id="{7CD59BFD-62BE-4E33-92A5-B84A2A9A8D3B}"/>
+                <a16:creationId xmlns:a16="http://schemas.microsoft.com/office/drawing/2014/main" xmlns="" id="{7CD59BFD-62BE-4E33-92A5-B84A2A9A8D3B}"/>
               </a:ext>
             </a:extLst>
           </p:cNvPr>
@@ -4638,7 +4639,7 @@
           <p:cNvPr id="22" name="Picture Placeholder 8">
             <a:extLst>
               <a:ext uri="{FF2B5EF4-FFF2-40B4-BE49-F238E27FC236}">
-                <a16:creationId xmlns="" xmlns:a16="http://schemas.microsoft.com/office/drawing/2014/main" id="{60DC5978-55B8-421D-91B4-29F8210A7B2C}"/>
+                <a16:creationId xmlns:a16="http://schemas.microsoft.com/office/drawing/2014/main" xmlns="" id="{60DC5978-55B8-421D-91B4-29F8210A7B2C}"/>
               </a:ext>
             </a:extLst>
           </p:cNvPr>
@@ -4701,7 +4702,7 @@
           <p:cNvPr id="23" name="Picture Placeholder 8">
             <a:extLst>
               <a:ext uri="{FF2B5EF4-FFF2-40B4-BE49-F238E27FC236}">
-                <a16:creationId xmlns="" xmlns:a16="http://schemas.microsoft.com/office/drawing/2014/main" id="{BE3FB8C3-2C7E-4C59-8BD5-53FA2772DB56}"/>
+                <a16:creationId xmlns:a16="http://schemas.microsoft.com/office/drawing/2014/main" xmlns="" id="{BE3FB8C3-2C7E-4C59-8BD5-53FA2772DB56}"/>
               </a:ext>
             </a:extLst>
           </p:cNvPr>
@@ -4764,7 +4765,7 @@
           <p:cNvPr id="24" name="Picture Placeholder 8">
             <a:extLst>
               <a:ext uri="{FF2B5EF4-FFF2-40B4-BE49-F238E27FC236}">
-                <a16:creationId xmlns="" xmlns:a16="http://schemas.microsoft.com/office/drawing/2014/main" id="{FD8FA9DA-C36B-4889-B88F-28B5829E53E2}"/>
+                <a16:creationId xmlns:a16="http://schemas.microsoft.com/office/drawing/2014/main" xmlns="" id="{FD8FA9DA-C36B-4889-B88F-28B5829E53E2}"/>
               </a:ext>
             </a:extLst>
           </p:cNvPr>
@@ -4827,7 +4828,7 @@
           <p:cNvPr id="26" name="Text Placeholder 22">
             <a:extLst>
               <a:ext uri="{FF2B5EF4-FFF2-40B4-BE49-F238E27FC236}">
-                <a16:creationId xmlns="" xmlns:a16="http://schemas.microsoft.com/office/drawing/2014/main" id="{2A19101D-7C37-42BF-8167-5391EA65EC3A}"/>
+                <a16:creationId xmlns:a16="http://schemas.microsoft.com/office/drawing/2014/main" xmlns="" id="{2A19101D-7C37-42BF-8167-5391EA65EC3A}"/>
               </a:ext>
             </a:extLst>
           </p:cNvPr>
@@ -4937,7 +4938,7 @@
           <p:cNvPr id="27" name="Text Placeholder 22">
             <a:extLst>
               <a:ext uri="{FF2B5EF4-FFF2-40B4-BE49-F238E27FC236}">
-                <a16:creationId xmlns="" xmlns:a16="http://schemas.microsoft.com/office/drawing/2014/main" id="{05F72315-51A9-431C-B80A-45E4FB1D6BD6}"/>
+                <a16:creationId xmlns:a16="http://schemas.microsoft.com/office/drawing/2014/main" xmlns="" id="{05F72315-51A9-431C-B80A-45E4FB1D6BD6}"/>
               </a:ext>
             </a:extLst>
           </p:cNvPr>
@@ -5047,7 +5048,7 @@
           <p:cNvPr id="28" name="Text Placeholder 22">
             <a:extLst>
               <a:ext uri="{FF2B5EF4-FFF2-40B4-BE49-F238E27FC236}">
-                <a16:creationId xmlns="" xmlns:a16="http://schemas.microsoft.com/office/drawing/2014/main" id="{883D1F0C-34F1-46E1-B178-E4AB82B14631}"/>
+                <a16:creationId xmlns:a16="http://schemas.microsoft.com/office/drawing/2014/main" xmlns="" id="{883D1F0C-34F1-46E1-B178-E4AB82B14631}"/>
               </a:ext>
             </a:extLst>
           </p:cNvPr>
@@ -5157,7 +5158,7 @@
           <p:cNvPr id="29" name="Text Placeholder 22">
             <a:extLst>
               <a:ext uri="{FF2B5EF4-FFF2-40B4-BE49-F238E27FC236}">
-                <a16:creationId xmlns="" xmlns:a16="http://schemas.microsoft.com/office/drawing/2014/main" id="{7202A849-DF14-40E7-B38D-1185F72603EC}"/>
+                <a16:creationId xmlns:a16="http://schemas.microsoft.com/office/drawing/2014/main" xmlns="" id="{7202A849-DF14-40E7-B38D-1185F72603EC}"/>
               </a:ext>
             </a:extLst>
           </p:cNvPr>
@@ -5267,7 +5268,7 @@
           <p:cNvPr id="30" name="Text Placeholder 22">
             <a:extLst>
               <a:ext uri="{FF2B5EF4-FFF2-40B4-BE49-F238E27FC236}">
-                <a16:creationId xmlns="" xmlns:a16="http://schemas.microsoft.com/office/drawing/2014/main" id="{CCFC1ADF-AC11-4CCD-AC2D-478B6FFEA5EA}"/>
+                <a16:creationId xmlns:a16="http://schemas.microsoft.com/office/drawing/2014/main" xmlns="" id="{CCFC1ADF-AC11-4CCD-AC2D-478B6FFEA5EA}"/>
               </a:ext>
             </a:extLst>
           </p:cNvPr>
@@ -5377,7 +5378,7 @@
           <p:cNvPr id="7" name="Straight Connector 6">
             <a:extLst>
               <a:ext uri="{FF2B5EF4-FFF2-40B4-BE49-F238E27FC236}">
-                <a16:creationId xmlns="" xmlns:a16="http://schemas.microsoft.com/office/drawing/2014/main" id="{2B4CB326-DA0E-488E-B236-7017E8438FBB}"/>
+                <a16:creationId xmlns:a16="http://schemas.microsoft.com/office/drawing/2014/main" xmlns="" id="{2B4CB326-DA0E-488E-B236-7017E8438FBB}"/>
               </a:ext>
             </a:extLst>
           </p:cNvPr>
@@ -5418,7 +5419,7 @@
           <p:cNvPr id="31" name="Straight Connector 30">
             <a:extLst>
               <a:ext uri="{FF2B5EF4-FFF2-40B4-BE49-F238E27FC236}">
-                <a16:creationId xmlns="" xmlns:a16="http://schemas.microsoft.com/office/drawing/2014/main" id="{9366B533-7212-4A36-9CE2-D6302E721F8F}"/>
+                <a16:creationId xmlns:a16="http://schemas.microsoft.com/office/drawing/2014/main" xmlns="" id="{9366B533-7212-4A36-9CE2-D6302E721F8F}"/>
               </a:ext>
             </a:extLst>
           </p:cNvPr>
@@ -5459,7 +5460,7 @@
           <p:cNvPr id="32" name="Straight Connector 31">
             <a:extLst>
               <a:ext uri="{FF2B5EF4-FFF2-40B4-BE49-F238E27FC236}">
-                <a16:creationId xmlns="" xmlns:a16="http://schemas.microsoft.com/office/drawing/2014/main" id="{AD7474CD-E230-4E14-8274-5E20F673F401}"/>
+                <a16:creationId xmlns:a16="http://schemas.microsoft.com/office/drawing/2014/main" xmlns="" id="{AD7474CD-E230-4E14-8274-5E20F673F401}"/>
               </a:ext>
             </a:extLst>
           </p:cNvPr>
@@ -5500,7 +5501,7 @@
           <p:cNvPr id="33" name="Straight Connector 32">
             <a:extLst>
               <a:ext uri="{FF2B5EF4-FFF2-40B4-BE49-F238E27FC236}">
-                <a16:creationId xmlns="" xmlns:a16="http://schemas.microsoft.com/office/drawing/2014/main" id="{6BF71FCE-6F39-4D2F-82BE-7D9F1D2ED59F}"/>
+                <a16:creationId xmlns:a16="http://schemas.microsoft.com/office/drawing/2014/main" xmlns="" id="{6BF71FCE-6F39-4D2F-82BE-7D9F1D2ED59F}"/>
               </a:ext>
             </a:extLst>
           </p:cNvPr>
@@ -5541,7 +5542,7 @@
           <p:cNvPr id="34" name="Straight Connector 33">
             <a:extLst>
               <a:ext uri="{FF2B5EF4-FFF2-40B4-BE49-F238E27FC236}">
-                <a16:creationId xmlns="" xmlns:a16="http://schemas.microsoft.com/office/drawing/2014/main" id="{AE97AC7A-17D9-4F42-9DD0-94FE4FC6BF19}"/>
+                <a16:creationId xmlns:a16="http://schemas.microsoft.com/office/drawing/2014/main" xmlns="" id="{AE97AC7A-17D9-4F42-9DD0-94FE4FC6BF19}"/>
               </a:ext>
             </a:extLst>
           </p:cNvPr>
@@ -5582,7 +5583,7 @@
           <p:cNvPr id="35" name="Freeform: Shape 34">
             <a:extLst>
               <a:ext uri="{FF2B5EF4-FFF2-40B4-BE49-F238E27FC236}">
-                <a16:creationId xmlns="" xmlns:a16="http://schemas.microsoft.com/office/drawing/2014/main" id="{62EEBF51-DCAD-4335-85E9-52801031A1BF}"/>
+                <a16:creationId xmlns:a16="http://schemas.microsoft.com/office/drawing/2014/main" xmlns="" id="{62EEBF51-DCAD-4335-85E9-52801031A1BF}"/>
               </a:ext>
             </a:extLst>
           </p:cNvPr>
@@ -5677,7 +5678,7 @@
           <p:cNvPr id="5" name="Slide Number Placeholder 4">
             <a:extLst>
               <a:ext uri="{FF2B5EF4-FFF2-40B4-BE49-F238E27FC236}">
-                <a16:creationId xmlns="" xmlns:a16="http://schemas.microsoft.com/office/drawing/2014/main" id="{87B51822-97FF-47A7-8E4E-A0F79B4EB237}"/>
+                <a16:creationId xmlns:a16="http://schemas.microsoft.com/office/drawing/2014/main" xmlns="" id="{87B51822-97FF-47A7-8E4E-A0F79B4EB237}"/>
               </a:ext>
             </a:extLst>
           </p:cNvPr>
@@ -5726,11 +5727,11 @@
   <p:clrMapOvr>
     <a:masterClrMapping/>
   </p:clrMapOvr>
-  <mc:AlternateContent xmlns:mc="http://schemas.openxmlformats.org/markup-compatibility/2006">
-    <mc:Choice xmlns:p14="http://schemas.microsoft.com/office/powerpoint/2010/main" Requires="p14">
+  <mc:AlternateContent xmlns:mc="http://schemas.openxmlformats.org/markup-compatibility/2006" xmlns:p14="http://schemas.microsoft.com/office/powerpoint/2010/main">
+    <mc:Choice Requires="p14">
       <p:transition p14:dur="0"/>
     </mc:Choice>
-    <mc:Fallback>
+    <mc:Fallback xmlns="">
       <p:transition/>
     </mc:Fallback>
   </mc:AlternateContent>
@@ -5767,7 +5768,7 @@
           <p:cNvPr id="11" name="Rectangle 10">
             <a:extLst>
               <a:ext uri="{FF2B5EF4-FFF2-40B4-BE49-F238E27FC236}">
-                <a16:creationId xmlns="" xmlns:a16="http://schemas.microsoft.com/office/drawing/2014/main" id="{EB3E033F-4449-40FA-BC85-BD2712D313DD}"/>
+                <a16:creationId xmlns:a16="http://schemas.microsoft.com/office/drawing/2014/main" xmlns="" id="{EB3E033F-4449-40FA-BC85-BD2712D313DD}"/>
               </a:ext>
             </a:extLst>
           </p:cNvPr>
@@ -5821,7 +5822,7 @@
           <p:cNvPr id="10" name="Freeform: Shape 9">
             <a:extLst>
               <a:ext uri="{FF2B5EF4-FFF2-40B4-BE49-F238E27FC236}">
-                <a16:creationId xmlns="" xmlns:a16="http://schemas.microsoft.com/office/drawing/2014/main" id="{63D26743-0505-444C-80B3-E88EE87DF72B}"/>
+                <a16:creationId xmlns:a16="http://schemas.microsoft.com/office/drawing/2014/main" xmlns="" id="{63D26743-0505-444C-80B3-E88EE87DF72B}"/>
               </a:ext>
             </a:extLst>
           </p:cNvPr>
@@ -5944,7 +5945,7 @@
           <p:cNvPr id="18" name="Freeform: Shape 17">
             <a:extLst>
               <a:ext uri="{FF2B5EF4-FFF2-40B4-BE49-F238E27FC236}">
-                <a16:creationId xmlns="" xmlns:a16="http://schemas.microsoft.com/office/drawing/2014/main" id="{E37145E9-AC61-47D5-9288-8789940F81B6}"/>
+                <a16:creationId xmlns:a16="http://schemas.microsoft.com/office/drawing/2014/main" xmlns="" id="{E37145E9-AC61-47D5-9288-8789940F81B6}"/>
               </a:ext>
             </a:extLst>
           </p:cNvPr>
@@ -6096,7 +6097,7 @@
           <p:cNvPr id="12" name="Freeform: Shape 11">
             <a:extLst>
               <a:ext uri="{FF2B5EF4-FFF2-40B4-BE49-F238E27FC236}">
-                <a16:creationId xmlns="" xmlns:a16="http://schemas.microsoft.com/office/drawing/2014/main" id="{A5E2B3ED-9A49-40A7-B8A3-62595FE513F9}"/>
+                <a16:creationId xmlns:a16="http://schemas.microsoft.com/office/drawing/2014/main" xmlns="" id="{A5E2B3ED-9A49-40A7-B8A3-62595FE513F9}"/>
               </a:ext>
             </a:extLst>
           </p:cNvPr>
@@ -6246,7 +6247,7 @@
           <p:cNvPr id="8" name="Freeform: Shape 7">
             <a:extLst>
               <a:ext uri="{FF2B5EF4-FFF2-40B4-BE49-F238E27FC236}">
-                <a16:creationId xmlns="" xmlns:a16="http://schemas.microsoft.com/office/drawing/2014/main" id="{1599AF7E-3E34-4597-AA72-9373A7FDB020}"/>
+                <a16:creationId xmlns:a16="http://schemas.microsoft.com/office/drawing/2014/main" xmlns="" id="{1599AF7E-3E34-4597-AA72-9373A7FDB020}"/>
               </a:ext>
             </a:extLst>
           </p:cNvPr>
@@ -6392,7 +6393,7 @@
           <p:cNvPr id="2" name="Title 1">
             <a:extLst>
               <a:ext uri="{FF2B5EF4-FFF2-40B4-BE49-F238E27FC236}">
-                <a16:creationId xmlns="" xmlns:a16="http://schemas.microsoft.com/office/drawing/2014/main" id="{4A2DF563-7FAC-46B3-B24C-7E45CD89DA2B}"/>
+                <a16:creationId xmlns:a16="http://schemas.microsoft.com/office/drawing/2014/main" xmlns="" id="{4A2DF563-7FAC-46B3-B24C-7E45CD89DA2B}"/>
               </a:ext>
             </a:extLst>
           </p:cNvPr>
@@ -6438,7 +6439,7 @@
           <p:cNvPr id="15" name="Group 14">
             <a:extLst>
               <a:ext uri="{FF2B5EF4-FFF2-40B4-BE49-F238E27FC236}">
-                <a16:creationId xmlns="" xmlns:a16="http://schemas.microsoft.com/office/drawing/2014/main" id="{7732E1E7-45E3-4264-8F26-66758696DD1E}"/>
+                <a16:creationId xmlns:a16="http://schemas.microsoft.com/office/drawing/2014/main" xmlns="" id="{7732E1E7-45E3-4264-8F26-66758696DD1E}"/>
               </a:ext>
             </a:extLst>
           </p:cNvPr>
@@ -6458,7 +6459,7 @@
             <p:cNvPr id="16" name="Freeform: Shape 15">
               <a:extLst>
                 <a:ext uri="{FF2B5EF4-FFF2-40B4-BE49-F238E27FC236}">
-                  <a16:creationId xmlns="" xmlns:a16="http://schemas.microsoft.com/office/drawing/2014/main" id="{2E3DF883-8093-49FA-81E1-E5D77F086A25}"/>
+                  <a16:creationId xmlns:a16="http://schemas.microsoft.com/office/drawing/2014/main" xmlns="" id="{2E3DF883-8093-49FA-81E1-E5D77F086A25}"/>
                 </a:ext>
               </a:extLst>
             </p:cNvPr>
@@ -6548,7 +6549,7 @@
             <p:cNvPr id="17" name="Freeform: Shape 16">
               <a:extLst>
                 <a:ext uri="{FF2B5EF4-FFF2-40B4-BE49-F238E27FC236}">
-                  <a16:creationId xmlns="" xmlns:a16="http://schemas.microsoft.com/office/drawing/2014/main" id="{18944C90-37E5-4BBE-89FF-060627168050}"/>
+                  <a16:creationId xmlns:a16="http://schemas.microsoft.com/office/drawing/2014/main" xmlns="" id="{18944C90-37E5-4BBE-89FF-060627168050}"/>
                 </a:ext>
               </a:extLst>
             </p:cNvPr>
@@ -6647,7 +6648,7 @@
           <p:cNvPr id="6" name="Group 5">
             <a:extLst>
               <a:ext uri="{FF2B5EF4-FFF2-40B4-BE49-F238E27FC236}">
-                <a16:creationId xmlns="" xmlns:a16="http://schemas.microsoft.com/office/drawing/2014/main" id="{D9EBF8BB-A805-4DDB-B459-082F99815B95}"/>
+                <a16:creationId xmlns:a16="http://schemas.microsoft.com/office/drawing/2014/main" xmlns="" id="{D9EBF8BB-A805-4DDB-B459-082F99815B95}"/>
               </a:ext>
             </a:extLst>
           </p:cNvPr>
@@ -6667,7 +6668,7 @@
             <p:cNvPr id="19" name="Rectangle: Single Corner Snipped 18">
               <a:extLst>
                 <a:ext uri="{FF2B5EF4-FFF2-40B4-BE49-F238E27FC236}">
-                  <a16:creationId xmlns="" xmlns:a16="http://schemas.microsoft.com/office/drawing/2014/main" id="{5D638788-DD47-45E7-939A-FA108A818173}"/>
+                  <a16:creationId xmlns:a16="http://schemas.microsoft.com/office/drawing/2014/main" xmlns="" id="{5D638788-DD47-45E7-939A-FA108A818173}"/>
                 </a:ext>
               </a:extLst>
             </p:cNvPr>
@@ -6728,7 +6729,7 @@
             <p:cNvPr id="3" name="Rectangle: Single Corner Snipped 2">
               <a:extLst>
                 <a:ext uri="{FF2B5EF4-FFF2-40B4-BE49-F238E27FC236}">
-                  <a16:creationId xmlns="" xmlns:a16="http://schemas.microsoft.com/office/drawing/2014/main" id="{74BDECEF-EEFE-4332-B3B2-BDE4F82C10FC}"/>
+                  <a16:creationId xmlns:a16="http://schemas.microsoft.com/office/drawing/2014/main" xmlns="" id="{74BDECEF-EEFE-4332-B3B2-BDE4F82C10FC}"/>
                 </a:ext>
               </a:extLst>
             </p:cNvPr>
@@ -6785,7 +6786,7 @@
           <p:cNvPr id="26" name="Text Placeholder 22">
             <a:extLst>
               <a:ext uri="{FF2B5EF4-FFF2-40B4-BE49-F238E27FC236}">
-                <a16:creationId xmlns="" xmlns:a16="http://schemas.microsoft.com/office/drawing/2014/main" id="{2A19101D-7C37-42BF-8167-5391EA65EC3A}"/>
+                <a16:creationId xmlns:a16="http://schemas.microsoft.com/office/drawing/2014/main" xmlns="" id="{2A19101D-7C37-42BF-8167-5391EA65EC3A}"/>
               </a:ext>
             </a:extLst>
           </p:cNvPr>
@@ -6895,7 +6896,7 @@
           <p:cNvPr id="35" name="Freeform: Shape 34">
             <a:extLst>
               <a:ext uri="{FF2B5EF4-FFF2-40B4-BE49-F238E27FC236}">
-                <a16:creationId xmlns="" xmlns:a16="http://schemas.microsoft.com/office/drawing/2014/main" id="{62EEBF51-DCAD-4335-85E9-52801031A1BF}"/>
+                <a16:creationId xmlns:a16="http://schemas.microsoft.com/office/drawing/2014/main" xmlns="" id="{62EEBF51-DCAD-4335-85E9-52801031A1BF}"/>
               </a:ext>
             </a:extLst>
           </p:cNvPr>
@@ -6990,7 +6991,7 @@
           <p:cNvPr id="5" name="Slide Number Placeholder 4">
             <a:extLst>
               <a:ext uri="{FF2B5EF4-FFF2-40B4-BE49-F238E27FC236}">
-                <a16:creationId xmlns="" xmlns:a16="http://schemas.microsoft.com/office/drawing/2014/main" id="{87B51822-97FF-47A7-8E4E-A0F79B4EB237}"/>
+                <a16:creationId xmlns:a16="http://schemas.microsoft.com/office/drawing/2014/main" xmlns="" id="{87B51822-97FF-47A7-8E4E-A0F79B4EB237}"/>
               </a:ext>
             </a:extLst>
           </p:cNvPr>
@@ -7034,7 +7035,7 @@
           <p:cNvPr id="13" name="Picture Placeholder 12">
             <a:extLst>
               <a:ext uri="{FF2B5EF4-FFF2-40B4-BE49-F238E27FC236}">
-                <a16:creationId xmlns="" xmlns:a16="http://schemas.microsoft.com/office/drawing/2014/main" id="{231B97CF-FD24-4932-8459-893B1AC73D33}"/>
+                <a16:creationId xmlns:a16="http://schemas.microsoft.com/office/drawing/2014/main" xmlns="" id="{231B97CF-FD24-4932-8459-893B1AC73D33}"/>
               </a:ext>
             </a:extLst>
           </p:cNvPr>
@@ -7079,7 +7080,7 @@
           <p:cNvPr id="36" name="Text Placeholder 22">
             <a:extLst>
               <a:ext uri="{FF2B5EF4-FFF2-40B4-BE49-F238E27FC236}">
-                <a16:creationId xmlns="" xmlns:a16="http://schemas.microsoft.com/office/drawing/2014/main" id="{642D3CE0-C3B4-4F3F-A650-AB452B3AD4BA}"/>
+                <a16:creationId xmlns:a16="http://schemas.microsoft.com/office/drawing/2014/main" xmlns="" id="{642D3CE0-C3B4-4F3F-A650-AB452B3AD4BA}"/>
               </a:ext>
             </a:extLst>
           </p:cNvPr>
@@ -7189,7 +7190,7 @@
           <p:cNvPr id="37" name="Text Placeholder 22">
             <a:extLst>
               <a:ext uri="{FF2B5EF4-FFF2-40B4-BE49-F238E27FC236}">
-                <a16:creationId xmlns="" xmlns:a16="http://schemas.microsoft.com/office/drawing/2014/main" id="{DBED2BB0-CDAD-40EE-8B35-C66DF45EE29D}"/>
+                <a16:creationId xmlns:a16="http://schemas.microsoft.com/office/drawing/2014/main" xmlns="" id="{DBED2BB0-CDAD-40EE-8B35-C66DF45EE29D}"/>
               </a:ext>
             </a:extLst>
           </p:cNvPr>
@@ -7304,11 +7305,11 @@
   <p:clrMapOvr>
     <a:masterClrMapping/>
   </p:clrMapOvr>
-  <mc:AlternateContent xmlns:mc="http://schemas.openxmlformats.org/markup-compatibility/2006">
-    <mc:Choice xmlns:p14="http://schemas.microsoft.com/office/powerpoint/2010/main" Requires="p14">
+  <mc:AlternateContent xmlns:mc="http://schemas.openxmlformats.org/markup-compatibility/2006" xmlns:p14="http://schemas.microsoft.com/office/powerpoint/2010/main">
+    <mc:Choice Requires="p14">
       <p:transition p14:dur="0"/>
     </mc:Choice>
-    <mc:Fallback>
+    <mc:Fallback xmlns="">
       <p:transition/>
     </mc:Fallback>
   </mc:AlternateContent>
@@ -7345,7 +7346,7 @@
           <p:cNvPr id="11" name="Rectangle 10">
             <a:extLst>
               <a:ext uri="{FF2B5EF4-FFF2-40B4-BE49-F238E27FC236}">
-                <a16:creationId xmlns="" xmlns:a16="http://schemas.microsoft.com/office/drawing/2014/main" id="{EB3E033F-4449-40FA-BC85-BD2712D313DD}"/>
+                <a16:creationId xmlns:a16="http://schemas.microsoft.com/office/drawing/2014/main" xmlns="" id="{EB3E033F-4449-40FA-BC85-BD2712D313DD}"/>
               </a:ext>
             </a:extLst>
           </p:cNvPr>
@@ -7399,7 +7400,7 @@
           <p:cNvPr id="10" name="Freeform: Shape 9">
             <a:extLst>
               <a:ext uri="{FF2B5EF4-FFF2-40B4-BE49-F238E27FC236}">
-                <a16:creationId xmlns="" xmlns:a16="http://schemas.microsoft.com/office/drawing/2014/main" id="{63D26743-0505-444C-80B3-E88EE87DF72B}"/>
+                <a16:creationId xmlns:a16="http://schemas.microsoft.com/office/drawing/2014/main" xmlns="" id="{63D26743-0505-444C-80B3-E88EE87DF72B}"/>
               </a:ext>
             </a:extLst>
           </p:cNvPr>
@@ -7522,7 +7523,7 @@
           <p:cNvPr id="18" name="Freeform: Shape 17">
             <a:extLst>
               <a:ext uri="{FF2B5EF4-FFF2-40B4-BE49-F238E27FC236}">
-                <a16:creationId xmlns="" xmlns:a16="http://schemas.microsoft.com/office/drawing/2014/main" id="{E37145E9-AC61-47D5-9288-8789940F81B6}"/>
+                <a16:creationId xmlns:a16="http://schemas.microsoft.com/office/drawing/2014/main" xmlns="" id="{E37145E9-AC61-47D5-9288-8789940F81B6}"/>
               </a:ext>
             </a:extLst>
           </p:cNvPr>
@@ -7674,7 +7675,7 @@
           <p:cNvPr id="12" name="Freeform: Shape 11">
             <a:extLst>
               <a:ext uri="{FF2B5EF4-FFF2-40B4-BE49-F238E27FC236}">
-                <a16:creationId xmlns="" xmlns:a16="http://schemas.microsoft.com/office/drawing/2014/main" id="{A5E2B3ED-9A49-40A7-B8A3-62595FE513F9}"/>
+                <a16:creationId xmlns:a16="http://schemas.microsoft.com/office/drawing/2014/main" xmlns="" id="{A5E2B3ED-9A49-40A7-B8A3-62595FE513F9}"/>
               </a:ext>
             </a:extLst>
           </p:cNvPr>
@@ -7824,7 +7825,7 @@
           <p:cNvPr id="8" name="Freeform: Shape 7">
             <a:extLst>
               <a:ext uri="{FF2B5EF4-FFF2-40B4-BE49-F238E27FC236}">
-                <a16:creationId xmlns="" xmlns:a16="http://schemas.microsoft.com/office/drawing/2014/main" id="{1599AF7E-3E34-4597-AA72-9373A7FDB020}"/>
+                <a16:creationId xmlns:a16="http://schemas.microsoft.com/office/drawing/2014/main" xmlns="" id="{1599AF7E-3E34-4597-AA72-9373A7FDB020}"/>
               </a:ext>
             </a:extLst>
           </p:cNvPr>
@@ -7970,7 +7971,7 @@
           <p:cNvPr id="2" name="Title 1">
             <a:extLst>
               <a:ext uri="{FF2B5EF4-FFF2-40B4-BE49-F238E27FC236}">
-                <a16:creationId xmlns="" xmlns:a16="http://schemas.microsoft.com/office/drawing/2014/main" id="{4A2DF563-7FAC-46B3-B24C-7E45CD89DA2B}"/>
+                <a16:creationId xmlns:a16="http://schemas.microsoft.com/office/drawing/2014/main" xmlns="" id="{4A2DF563-7FAC-46B3-B24C-7E45CD89DA2B}"/>
               </a:ext>
             </a:extLst>
           </p:cNvPr>
@@ -8016,7 +8017,7 @@
           <p:cNvPr id="15" name="Group 14">
             <a:extLst>
               <a:ext uri="{FF2B5EF4-FFF2-40B4-BE49-F238E27FC236}">
-                <a16:creationId xmlns="" xmlns:a16="http://schemas.microsoft.com/office/drawing/2014/main" id="{7732E1E7-45E3-4264-8F26-66758696DD1E}"/>
+                <a16:creationId xmlns:a16="http://schemas.microsoft.com/office/drawing/2014/main" xmlns="" id="{7732E1E7-45E3-4264-8F26-66758696DD1E}"/>
               </a:ext>
             </a:extLst>
           </p:cNvPr>
@@ -8036,7 +8037,7 @@
             <p:cNvPr id="16" name="Freeform: Shape 15">
               <a:extLst>
                 <a:ext uri="{FF2B5EF4-FFF2-40B4-BE49-F238E27FC236}">
-                  <a16:creationId xmlns="" xmlns:a16="http://schemas.microsoft.com/office/drawing/2014/main" id="{2E3DF883-8093-49FA-81E1-E5D77F086A25}"/>
+                  <a16:creationId xmlns:a16="http://schemas.microsoft.com/office/drawing/2014/main" xmlns="" id="{2E3DF883-8093-49FA-81E1-E5D77F086A25}"/>
                 </a:ext>
               </a:extLst>
             </p:cNvPr>
@@ -8126,7 +8127,7 @@
             <p:cNvPr id="17" name="Freeform: Shape 16">
               <a:extLst>
                 <a:ext uri="{FF2B5EF4-FFF2-40B4-BE49-F238E27FC236}">
-                  <a16:creationId xmlns="" xmlns:a16="http://schemas.microsoft.com/office/drawing/2014/main" id="{18944C90-37E5-4BBE-89FF-060627168050}"/>
+                  <a16:creationId xmlns:a16="http://schemas.microsoft.com/office/drawing/2014/main" xmlns="" id="{18944C90-37E5-4BBE-89FF-060627168050}"/>
                 </a:ext>
               </a:extLst>
             </p:cNvPr>
@@ -8225,7 +8226,7 @@
           <p:cNvPr id="6" name="Group 5">
             <a:extLst>
               <a:ext uri="{FF2B5EF4-FFF2-40B4-BE49-F238E27FC236}">
-                <a16:creationId xmlns="" xmlns:a16="http://schemas.microsoft.com/office/drawing/2014/main" id="{D9EBF8BB-A805-4DDB-B459-082F99815B95}"/>
+                <a16:creationId xmlns:a16="http://schemas.microsoft.com/office/drawing/2014/main" xmlns="" id="{D9EBF8BB-A805-4DDB-B459-082F99815B95}"/>
               </a:ext>
             </a:extLst>
           </p:cNvPr>
@@ -8245,7 +8246,7 @@
             <p:cNvPr id="19" name="Rectangle: Single Corner Snipped 18">
               <a:extLst>
                 <a:ext uri="{FF2B5EF4-FFF2-40B4-BE49-F238E27FC236}">
-                  <a16:creationId xmlns="" xmlns:a16="http://schemas.microsoft.com/office/drawing/2014/main" id="{5D638788-DD47-45E7-939A-FA108A818173}"/>
+                  <a16:creationId xmlns:a16="http://schemas.microsoft.com/office/drawing/2014/main" xmlns="" id="{5D638788-DD47-45E7-939A-FA108A818173}"/>
                 </a:ext>
               </a:extLst>
             </p:cNvPr>
@@ -8306,7 +8307,7 @@
             <p:cNvPr id="3" name="Rectangle: Single Corner Snipped 2">
               <a:extLst>
                 <a:ext uri="{FF2B5EF4-FFF2-40B4-BE49-F238E27FC236}">
-                  <a16:creationId xmlns="" xmlns:a16="http://schemas.microsoft.com/office/drawing/2014/main" id="{74BDECEF-EEFE-4332-B3B2-BDE4F82C10FC}"/>
+                  <a16:creationId xmlns:a16="http://schemas.microsoft.com/office/drawing/2014/main" xmlns="" id="{74BDECEF-EEFE-4332-B3B2-BDE4F82C10FC}"/>
                 </a:ext>
               </a:extLst>
             </p:cNvPr>
@@ -8363,7 +8364,7 @@
           <p:cNvPr id="26" name="Text Placeholder 22">
             <a:extLst>
               <a:ext uri="{FF2B5EF4-FFF2-40B4-BE49-F238E27FC236}">
-                <a16:creationId xmlns="" xmlns:a16="http://schemas.microsoft.com/office/drawing/2014/main" id="{2A19101D-7C37-42BF-8167-5391EA65EC3A}"/>
+                <a16:creationId xmlns:a16="http://schemas.microsoft.com/office/drawing/2014/main" xmlns="" id="{2A19101D-7C37-42BF-8167-5391EA65EC3A}"/>
               </a:ext>
             </a:extLst>
           </p:cNvPr>
@@ -8473,7 +8474,7 @@
           <p:cNvPr id="35" name="Freeform: Shape 34">
             <a:extLst>
               <a:ext uri="{FF2B5EF4-FFF2-40B4-BE49-F238E27FC236}">
-                <a16:creationId xmlns="" xmlns:a16="http://schemas.microsoft.com/office/drawing/2014/main" id="{62EEBF51-DCAD-4335-85E9-52801031A1BF}"/>
+                <a16:creationId xmlns:a16="http://schemas.microsoft.com/office/drawing/2014/main" xmlns="" id="{62EEBF51-DCAD-4335-85E9-52801031A1BF}"/>
               </a:ext>
             </a:extLst>
           </p:cNvPr>
@@ -8568,7 +8569,7 @@
           <p:cNvPr id="5" name="Slide Number Placeholder 4">
             <a:extLst>
               <a:ext uri="{FF2B5EF4-FFF2-40B4-BE49-F238E27FC236}">
-                <a16:creationId xmlns="" xmlns:a16="http://schemas.microsoft.com/office/drawing/2014/main" id="{87B51822-97FF-47A7-8E4E-A0F79B4EB237}"/>
+                <a16:creationId xmlns:a16="http://schemas.microsoft.com/office/drawing/2014/main" xmlns="" id="{87B51822-97FF-47A7-8E4E-A0F79B4EB237}"/>
               </a:ext>
             </a:extLst>
           </p:cNvPr>
@@ -8612,7 +8613,7 @@
           <p:cNvPr id="13" name="Picture Placeholder 12">
             <a:extLst>
               <a:ext uri="{FF2B5EF4-FFF2-40B4-BE49-F238E27FC236}">
-                <a16:creationId xmlns="" xmlns:a16="http://schemas.microsoft.com/office/drawing/2014/main" id="{231B97CF-FD24-4932-8459-893B1AC73D33}"/>
+                <a16:creationId xmlns:a16="http://schemas.microsoft.com/office/drawing/2014/main" xmlns="" id="{231B97CF-FD24-4932-8459-893B1AC73D33}"/>
               </a:ext>
             </a:extLst>
           </p:cNvPr>
@@ -8662,11 +8663,11 @@
   <p:clrMapOvr>
     <a:masterClrMapping/>
   </p:clrMapOvr>
-  <mc:AlternateContent xmlns:mc="http://schemas.openxmlformats.org/markup-compatibility/2006">
-    <mc:Choice xmlns:p14="http://schemas.microsoft.com/office/powerpoint/2010/main" Requires="p14">
+  <mc:AlternateContent xmlns:mc="http://schemas.openxmlformats.org/markup-compatibility/2006" xmlns:p14="http://schemas.microsoft.com/office/powerpoint/2010/main">
+    <mc:Choice Requires="p14">
       <p:transition p14:dur="0"/>
     </mc:Choice>
-    <mc:Fallback>
+    <mc:Fallback xmlns="">
       <p:transition/>
     </mc:Fallback>
   </mc:AlternateContent>
@@ -8703,7 +8704,7 @@
           <p:cNvPr id="11" name="Rectangle 10">
             <a:extLst>
               <a:ext uri="{FF2B5EF4-FFF2-40B4-BE49-F238E27FC236}">
-                <a16:creationId xmlns="" xmlns:a16="http://schemas.microsoft.com/office/drawing/2014/main" id="{EB3E033F-4449-40FA-BC85-BD2712D313DD}"/>
+                <a16:creationId xmlns:a16="http://schemas.microsoft.com/office/drawing/2014/main" xmlns="" id="{EB3E033F-4449-40FA-BC85-BD2712D313DD}"/>
               </a:ext>
             </a:extLst>
           </p:cNvPr>
@@ -8757,7 +8758,7 @@
           <p:cNvPr id="10" name="Freeform: Shape 9">
             <a:extLst>
               <a:ext uri="{FF2B5EF4-FFF2-40B4-BE49-F238E27FC236}">
-                <a16:creationId xmlns="" xmlns:a16="http://schemas.microsoft.com/office/drawing/2014/main" id="{63D26743-0505-444C-80B3-E88EE87DF72B}"/>
+                <a16:creationId xmlns:a16="http://schemas.microsoft.com/office/drawing/2014/main" xmlns="" id="{63D26743-0505-444C-80B3-E88EE87DF72B}"/>
               </a:ext>
             </a:extLst>
           </p:cNvPr>
@@ -8880,7 +8881,7 @@
           <p:cNvPr id="18" name="Freeform: Shape 17">
             <a:extLst>
               <a:ext uri="{FF2B5EF4-FFF2-40B4-BE49-F238E27FC236}">
-                <a16:creationId xmlns="" xmlns:a16="http://schemas.microsoft.com/office/drawing/2014/main" id="{E37145E9-AC61-47D5-9288-8789940F81B6}"/>
+                <a16:creationId xmlns:a16="http://schemas.microsoft.com/office/drawing/2014/main" xmlns="" id="{E37145E9-AC61-47D5-9288-8789940F81B6}"/>
               </a:ext>
             </a:extLst>
           </p:cNvPr>
@@ -9032,7 +9033,7 @@
           <p:cNvPr id="12" name="Freeform: Shape 11">
             <a:extLst>
               <a:ext uri="{FF2B5EF4-FFF2-40B4-BE49-F238E27FC236}">
-                <a16:creationId xmlns="" xmlns:a16="http://schemas.microsoft.com/office/drawing/2014/main" id="{A5E2B3ED-9A49-40A7-B8A3-62595FE513F9}"/>
+                <a16:creationId xmlns:a16="http://schemas.microsoft.com/office/drawing/2014/main" xmlns="" id="{A5E2B3ED-9A49-40A7-B8A3-62595FE513F9}"/>
               </a:ext>
             </a:extLst>
           </p:cNvPr>
@@ -9182,7 +9183,7 @@
           <p:cNvPr id="8" name="Freeform: Shape 7">
             <a:extLst>
               <a:ext uri="{FF2B5EF4-FFF2-40B4-BE49-F238E27FC236}">
-                <a16:creationId xmlns="" xmlns:a16="http://schemas.microsoft.com/office/drawing/2014/main" id="{1599AF7E-3E34-4597-AA72-9373A7FDB020}"/>
+                <a16:creationId xmlns:a16="http://schemas.microsoft.com/office/drawing/2014/main" xmlns="" id="{1599AF7E-3E34-4597-AA72-9373A7FDB020}"/>
               </a:ext>
             </a:extLst>
           </p:cNvPr>
@@ -9328,7 +9329,7 @@
           <p:cNvPr id="2" name="Title 1">
             <a:extLst>
               <a:ext uri="{FF2B5EF4-FFF2-40B4-BE49-F238E27FC236}">
-                <a16:creationId xmlns="" xmlns:a16="http://schemas.microsoft.com/office/drawing/2014/main" id="{4A2DF563-7FAC-46B3-B24C-7E45CD89DA2B}"/>
+                <a16:creationId xmlns:a16="http://schemas.microsoft.com/office/drawing/2014/main" xmlns="" id="{4A2DF563-7FAC-46B3-B24C-7E45CD89DA2B}"/>
               </a:ext>
             </a:extLst>
           </p:cNvPr>
@@ -9374,7 +9375,7 @@
           <p:cNvPr id="15" name="Group 14">
             <a:extLst>
               <a:ext uri="{FF2B5EF4-FFF2-40B4-BE49-F238E27FC236}">
-                <a16:creationId xmlns="" xmlns:a16="http://schemas.microsoft.com/office/drawing/2014/main" id="{7732E1E7-45E3-4264-8F26-66758696DD1E}"/>
+                <a16:creationId xmlns:a16="http://schemas.microsoft.com/office/drawing/2014/main" xmlns="" id="{7732E1E7-45E3-4264-8F26-66758696DD1E}"/>
               </a:ext>
             </a:extLst>
           </p:cNvPr>
@@ -9394,7 +9395,7 @@
             <p:cNvPr id="16" name="Freeform: Shape 15">
               <a:extLst>
                 <a:ext uri="{FF2B5EF4-FFF2-40B4-BE49-F238E27FC236}">
-                  <a16:creationId xmlns="" xmlns:a16="http://schemas.microsoft.com/office/drawing/2014/main" id="{2E3DF883-8093-49FA-81E1-E5D77F086A25}"/>
+                  <a16:creationId xmlns:a16="http://schemas.microsoft.com/office/drawing/2014/main" xmlns="" id="{2E3DF883-8093-49FA-81E1-E5D77F086A25}"/>
                 </a:ext>
               </a:extLst>
             </p:cNvPr>
@@ -9484,7 +9485,7 @@
             <p:cNvPr id="17" name="Freeform: Shape 16">
               <a:extLst>
                 <a:ext uri="{FF2B5EF4-FFF2-40B4-BE49-F238E27FC236}">
-                  <a16:creationId xmlns="" xmlns:a16="http://schemas.microsoft.com/office/drawing/2014/main" id="{18944C90-37E5-4BBE-89FF-060627168050}"/>
+                  <a16:creationId xmlns:a16="http://schemas.microsoft.com/office/drawing/2014/main" xmlns="" id="{18944C90-37E5-4BBE-89FF-060627168050}"/>
                 </a:ext>
               </a:extLst>
             </p:cNvPr>
@@ -9583,7 +9584,7 @@
           <p:cNvPr id="6" name="Group 5">
             <a:extLst>
               <a:ext uri="{FF2B5EF4-FFF2-40B4-BE49-F238E27FC236}">
-                <a16:creationId xmlns="" xmlns:a16="http://schemas.microsoft.com/office/drawing/2014/main" id="{D9EBF8BB-A805-4DDB-B459-082F99815B95}"/>
+                <a16:creationId xmlns:a16="http://schemas.microsoft.com/office/drawing/2014/main" xmlns="" id="{D9EBF8BB-A805-4DDB-B459-082F99815B95}"/>
               </a:ext>
             </a:extLst>
           </p:cNvPr>
@@ -9603,7 +9604,7 @@
             <p:cNvPr id="19" name="Rectangle: Single Corner Snipped 18">
               <a:extLst>
                 <a:ext uri="{FF2B5EF4-FFF2-40B4-BE49-F238E27FC236}">
-                  <a16:creationId xmlns="" xmlns:a16="http://schemas.microsoft.com/office/drawing/2014/main" id="{5D638788-DD47-45E7-939A-FA108A818173}"/>
+                  <a16:creationId xmlns:a16="http://schemas.microsoft.com/office/drawing/2014/main" xmlns="" id="{5D638788-DD47-45E7-939A-FA108A818173}"/>
                 </a:ext>
               </a:extLst>
             </p:cNvPr>
@@ -9664,7 +9665,7 @@
             <p:cNvPr id="3" name="Rectangle: Single Corner Snipped 2">
               <a:extLst>
                 <a:ext uri="{FF2B5EF4-FFF2-40B4-BE49-F238E27FC236}">
-                  <a16:creationId xmlns="" xmlns:a16="http://schemas.microsoft.com/office/drawing/2014/main" id="{74BDECEF-EEFE-4332-B3B2-BDE4F82C10FC}"/>
+                  <a16:creationId xmlns:a16="http://schemas.microsoft.com/office/drawing/2014/main" xmlns="" id="{74BDECEF-EEFE-4332-B3B2-BDE4F82C10FC}"/>
                 </a:ext>
               </a:extLst>
             </p:cNvPr>
@@ -9721,7 +9722,7 @@
           <p:cNvPr id="35" name="Freeform: Shape 34">
             <a:extLst>
               <a:ext uri="{FF2B5EF4-FFF2-40B4-BE49-F238E27FC236}">
-                <a16:creationId xmlns="" xmlns:a16="http://schemas.microsoft.com/office/drawing/2014/main" id="{62EEBF51-DCAD-4335-85E9-52801031A1BF}"/>
+                <a16:creationId xmlns:a16="http://schemas.microsoft.com/office/drawing/2014/main" xmlns="" id="{62EEBF51-DCAD-4335-85E9-52801031A1BF}"/>
               </a:ext>
             </a:extLst>
           </p:cNvPr>
@@ -9816,7 +9817,7 @@
           <p:cNvPr id="5" name="Slide Number Placeholder 4">
             <a:extLst>
               <a:ext uri="{FF2B5EF4-FFF2-40B4-BE49-F238E27FC236}">
-                <a16:creationId xmlns="" xmlns:a16="http://schemas.microsoft.com/office/drawing/2014/main" id="{87B51822-97FF-47A7-8E4E-A0F79B4EB237}"/>
+                <a16:creationId xmlns:a16="http://schemas.microsoft.com/office/drawing/2014/main" xmlns="" id="{87B51822-97FF-47A7-8E4E-A0F79B4EB237}"/>
               </a:ext>
             </a:extLst>
           </p:cNvPr>
@@ -9860,7 +9861,7 @@
           <p:cNvPr id="20" name="Picture Placeholder 2">
             <a:extLst>
               <a:ext uri="{FF2B5EF4-FFF2-40B4-BE49-F238E27FC236}">
-                <a16:creationId xmlns="" xmlns:a16="http://schemas.microsoft.com/office/drawing/2014/main" id="{30B3A574-7940-4E35-857E-5CA35A5910E5}"/>
+                <a16:creationId xmlns:a16="http://schemas.microsoft.com/office/drawing/2014/main" xmlns="" id="{30B3A574-7940-4E35-857E-5CA35A5910E5}"/>
               </a:ext>
             </a:extLst>
           </p:cNvPr>
@@ -9937,7 +9938,7 @@
           <p:cNvPr id="21" name="Text Placeholder 3">
             <a:extLst>
               <a:ext uri="{FF2B5EF4-FFF2-40B4-BE49-F238E27FC236}">
-                <a16:creationId xmlns="" xmlns:a16="http://schemas.microsoft.com/office/drawing/2014/main" id="{912B51EA-3E6F-4BF6-BE48-62128AF32B85}"/>
+                <a16:creationId xmlns:a16="http://schemas.microsoft.com/office/drawing/2014/main" xmlns="" id="{912B51EA-3E6F-4BF6-BE48-62128AF32B85}"/>
               </a:ext>
             </a:extLst>
           </p:cNvPr>
@@ -10018,11 +10019,11 @@
   <p:clrMapOvr>
     <a:masterClrMapping/>
   </p:clrMapOvr>
-  <mc:AlternateContent xmlns:mc="http://schemas.openxmlformats.org/markup-compatibility/2006">
-    <mc:Choice xmlns:p14="http://schemas.microsoft.com/office/powerpoint/2010/main" Requires="p14">
+  <mc:AlternateContent xmlns:mc="http://schemas.openxmlformats.org/markup-compatibility/2006" xmlns:p14="http://schemas.microsoft.com/office/powerpoint/2010/main">
+    <mc:Choice Requires="p14">
       <p:transition p14:dur="0"/>
     </mc:Choice>
-    <mc:Fallback>
+    <mc:Fallback xmlns="">
       <p:transition/>
     </mc:Fallback>
   </mc:AlternateContent>
@@ -10059,7 +10060,7 @@
           <p:cNvPr id="11" name="Rectangle 10">
             <a:extLst>
               <a:ext uri="{FF2B5EF4-FFF2-40B4-BE49-F238E27FC236}">
-                <a16:creationId xmlns="" xmlns:a16="http://schemas.microsoft.com/office/drawing/2014/main" id="{EB3E033F-4449-40FA-BC85-BD2712D313DD}"/>
+                <a16:creationId xmlns:a16="http://schemas.microsoft.com/office/drawing/2014/main" xmlns="" id="{EB3E033F-4449-40FA-BC85-BD2712D313DD}"/>
               </a:ext>
             </a:extLst>
           </p:cNvPr>
@@ -10113,7 +10114,7 @@
           <p:cNvPr id="10" name="Freeform: Shape 9">
             <a:extLst>
               <a:ext uri="{FF2B5EF4-FFF2-40B4-BE49-F238E27FC236}">
-                <a16:creationId xmlns="" xmlns:a16="http://schemas.microsoft.com/office/drawing/2014/main" id="{63D26743-0505-444C-80B3-E88EE87DF72B}"/>
+                <a16:creationId xmlns:a16="http://schemas.microsoft.com/office/drawing/2014/main" xmlns="" id="{63D26743-0505-444C-80B3-E88EE87DF72B}"/>
               </a:ext>
             </a:extLst>
           </p:cNvPr>
@@ -10236,7 +10237,7 @@
           <p:cNvPr id="18" name="Freeform: Shape 17">
             <a:extLst>
               <a:ext uri="{FF2B5EF4-FFF2-40B4-BE49-F238E27FC236}">
-                <a16:creationId xmlns="" xmlns:a16="http://schemas.microsoft.com/office/drawing/2014/main" id="{E37145E9-AC61-47D5-9288-8789940F81B6}"/>
+                <a16:creationId xmlns:a16="http://schemas.microsoft.com/office/drawing/2014/main" xmlns="" id="{E37145E9-AC61-47D5-9288-8789940F81B6}"/>
               </a:ext>
             </a:extLst>
           </p:cNvPr>
@@ -10388,7 +10389,7 @@
           <p:cNvPr id="12" name="Freeform: Shape 11">
             <a:extLst>
               <a:ext uri="{FF2B5EF4-FFF2-40B4-BE49-F238E27FC236}">
-                <a16:creationId xmlns="" xmlns:a16="http://schemas.microsoft.com/office/drawing/2014/main" id="{A5E2B3ED-9A49-40A7-B8A3-62595FE513F9}"/>
+                <a16:creationId xmlns:a16="http://schemas.microsoft.com/office/drawing/2014/main" xmlns="" id="{A5E2B3ED-9A49-40A7-B8A3-62595FE513F9}"/>
               </a:ext>
             </a:extLst>
           </p:cNvPr>
@@ -10538,7 +10539,7 @@
           <p:cNvPr id="8" name="Freeform: Shape 7">
             <a:extLst>
               <a:ext uri="{FF2B5EF4-FFF2-40B4-BE49-F238E27FC236}">
-                <a16:creationId xmlns="" xmlns:a16="http://schemas.microsoft.com/office/drawing/2014/main" id="{1599AF7E-3E34-4597-AA72-9373A7FDB020}"/>
+                <a16:creationId xmlns:a16="http://schemas.microsoft.com/office/drawing/2014/main" xmlns="" id="{1599AF7E-3E34-4597-AA72-9373A7FDB020}"/>
               </a:ext>
             </a:extLst>
           </p:cNvPr>
@@ -10684,7 +10685,7 @@
           <p:cNvPr id="2" name="Title 1">
             <a:extLst>
               <a:ext uri="{FF2B5EF4-FFF2-40B4-BE49-F238E27FC236}">
-                <a16:creationId xmlns="" xmlns:a16="http://schemas.microsoft.com/office/drawing/2014/main" id="{4A2DF563-7FAC-46B3-B24C-7E45CD89DA2B}"/>
+                <a16:creationId xmlns:a16="http://schemas.microsoft.com/office/drawing/2014/main" xmlns="" id="{4A2DF563-7FAC-46B3-B24C-7E45CD89DA2B}"/>
               </a:ext>
             </a:extLst>
           </p:cNvPr>
@@ -10730,7 +10731,7 @@
           <p:cNvPr id="15" name="Group 14">
             <a:extLst>
               <a:ext uri="{FF2B5EF4-FFF2-40B4-BE49-F238E27FC236}">
-                <a16:creationId xmlns="" xmlns:a16="http://schemas.microsoft.com/office/drawing/2014/main" id="{7732E1E7-45E3-4264-8F26-66758696DD1E}"/>
+                <a16:creationId xmlns:a16="http://schemas.microsoft.com/office/drawing/2014/main" xmlns="" id="{7732E1E7-45E3-4264-8F26-66758696DD1E}"/>
               </a:ext>
             </a:extLst>
           </p:cNvPr>
@@ -10750,7 +10751,7 @@
             <p:cNvPr id="16" name="Freeform: Shape 15">
               <a:extLst>
                 <a:ext uri="{FF2B5EF4-FFF2-40B4-BE49-F238E27FC236}">
-                  <a16:creationId xmlns="" xmlns:a16="http://schemas.microsoft.com/office/drawing/2014/main" id="{2E3DF883-8093-49FA-81E1-E5D77F086A25}"/>
+                  <a16:creationId xmlns:a16="http://schemas.microsoft.com/office/drawing/2014/main" xmlns="" id="{2E3DF883-8093-49FA-81E1-E5D77F086A25}"/>
                 </a:ext>
               </a:extLst>
             </p:cNvPr>
@@ -10840,7 +10841,7 @@
             <p:cNvPr id="17" name="Freeform: Shape 16">
               <a:extLst>
                 <a:ext uri="{FF2B5EF4-FFF2-40B4-BE49-F238E27FC236}">
-                  <a16:creationId xmlns="" xmlns:a16="http://schemas.microsoft.com/office/drawing/2014/main" id="{18944C90-37E5-4BBE-89FF-060627168050}"/>
+                  <a16:creationId xmlns:a16="http://schemas.microsoft.com/office/drawing/2014/main" xmlns="" id="{18944C90-37E5-4BBE-89FF-060627168050}"/>
                 </a:ext>
               </a:extLst>
             </p:cNvPr>
@@ -10939,7 +10940,7 @@
           <p:cNvPr id="6" name="Group 5">
             <a:extLst>
               <a:ext uri="{FF2B5EF4-FFF2-40B4-BE49-F238E27FC236}">
-                <a16:creationId xmlns="" xmlns:a16="http://schemas.microsoft.com/office/drawing/2014/main" id="{D9EBF8BB-A805-4DDB-B459-082F99815B95}"/>
+                <a16:creationId xmlns:a16="http://schemas.microsoft.com/office/drawing/2014/main" xmlns="" id="{D9EBF8BB-A805-4DDB-B459-082F99815B95}"/>
               </a:ext>
             </a:extLst>
           </p:cNvPr>
@@ -10959,7 +10960,7 @@
             <p:cNvPr id="19" name="Rectangle: Single Corner Snipped 18">
               <a:extLst>
                 <a:ext uri="{FF2B5EF4-FFF2-40B4-BE49-F238E27FC236}">
-                  <a16:creationId xmlns="" xmlns:a16="http://schemas.microsoft.com/office/drawing/2014/main" id="{5D638788-DD47-45E7-939A-FA108A818173}"/>
+                  <a16:creationId xmlns:a16="http://schemas.microsoft.com/office/drawing/2014/main" xmlns="" id="{5D638788-DD47-45E7-939A-FA108A818173}"/>
                 </a:ext>
               </a:extLst>
             </p:cNvPr>
@@ -11020,7 +11021,7 @@
             <p:cNvPr id="3" name="Rectangle: Single Corner Snipped 2">
               <a:extLst>
                 <a:ext uri="{FF2B5EF4-FFF2-40B4-BE49-F238E27FC236}">
-                  <a16:creationId xmlns="" xmlns:a16="http://schemas.microsoft.com/office/drawing/2014/main" id="{74BDECEF-EEFE-4332-B3B2-BDE4F82C10FC}"/>
+                  <a16:creationId xmlns:a16="http://schemas.microsoft.com/office/drawing/2014/main" xmlns="" id="{74BDECEF-EEFE-4332-B3B2-BDE4F82C10FC}"/>
                 </a:ext>
               </a:extLst>
             </p:cNvPr>
@@ -11077,7 +11078,7 @@
           <p:cNvPr id="35" name="Freeform: Shape 34">
             <a:extLst>
               <a:ext uri="{FF2B5EF4-FFF2-40B4-BE49-F238E27FC236}">
-                <a16:creationId xmlns="" xmlns:a16="http://schemas.microsoft.com/office/drawing/2014/main" id="{62EEBF51-DCAD-4335-85E9-52801031A1BF}"/>
+                <a16:creationId xmlns:a16="http://schemas.microsoft.com/office/drawing/2014/main" xmlns="" id="{62EEBF51-DCAD-4335-85E9-52801031A1BF}"/>
               </a:ext>
             </a:extLst>
           </p:cNvPr>
@@ -11172,7 +11173,7 @@
           <p:cNvPr id="5" name="Slide Number Placeholder 4">
             <a:extLst>
               <a:ext uri="{FF2B5EF4-FFF2-40B4-BE49-F238E27FC236}">
-                <a16:creationId xmlns="" xmlns:a16="http://schemas.microsoft.com/office/drawing/2014/main" id="{87B51822-97FF-47A7-8E4E-A0F79B4EB237}"/>
+                <a16:creationId xmlns:a16="http://schemas.microsoft.com/office/drawing/2014/main" xmlns="" id="{87B51822-97FF-47A7-8E4E-A0F79B4EB237}"/>
               </a:ext>
             </a:extLst>
           </p:cNvPr>
@@ -11216,7 +11217,7 @@
           <p:cNvPr id="21" name="Text Placeholder 3">
             <a:extLst>
               <a:ext uri="{FF2B5EF4-FFF2-40B4-BE49-F238E27FC236}">
-                <a16:creationId xmlns="" xmlns:a16="http://schemas.microsoft.com/office/drawing/2014/main" id="{912B51EA-3E6F-4BF6-BE48-62128AF32B85}"/>
+                <a16:creationId xmlns:a16="http://schemas.microsoft.com/office/drawing/2014/main" xmlns="" id="{912B51EA-3E6F-4BF6-BE48-62128AF32B85}"/>
               </a:ext>
             </a:extLst>
           </p:cNvPr>
@@ -11292,7 +11293,7 @@
           <p:cNvPr id="22" name="Content Placeholder 2">
             <a:extLst>
               <a:ext uri="{FF2B5EF4-FFF2-40B4-BE49-F238E27FC236}">
-                <a16:creationId xmlns="" xmlns:a16="http://schemas.microsoft.com/office/drawing/2014/main" id="{A015C605-1D30-48BC-A0D6-3B11AF56CC53}"/>
+                <a16:creationId xmlns:a16="http://schemas.microsoft.com/office/drawing/2014/main" xmlns="" id="{A015C605-1D30-48BC-A0D6-3B11AF56CC53}"/>
               </a:ext>
             </a:extLst>
           </p:cNvPr>
@@ -11410,11 +11411,11 @@
   <p:clrMapOvr>
     <a:masterClrMapping/>
   </p:clrMapOvr>
-  <mc:AlternateContent xmlns:mc="http://schemas.openxmlformats.org/markup-compatibility/2006">
-    <mc:Choice xmlns:p14="http://schemas.microsoft.com/office/powerpoint/2010/main" Requires="p14">
+  <mc:AlternateContent xmlns:mc="http://schemas.openxmlformats.org/markup-compatibility/2006" xmlns:p14="http://schemas.microsoft.com/office/powerpoint/2010/main">
+    <mc:Choice Requires="p14">
       <p:transition p14:dur="0"/>
     </mc:Choice>
-    <mc:Fallback>
+    <mc:Fallback xmlns="">
       <p:transition/>
     </mc:Fallback>
   </mc:AlternateContent>
@@ -11443,7 +11444,7 @@
           <p:cNvPr id="18" name="Rectangle 17">
             <a:extLst>
               <a:ext uri="{FF2B5EF4-FFF2-40B4-BE49-F238E27FC236}">
-                <a16:creationId xmlns="" xmlns:a16="http://schemas.microsoft.com/office/drawing/2014/main" id="{D4494CD2-CCDD-0248-96F8-741002C44255}"/>
+                <a16:creationId xmlns:a16="http://schemas.microsoft.com/office/drawing/2014/main" xmlns="" id="{D4494CD2-CCDD-0248-96F8-741002C44255}"/>
               </a:ext>
             </a:extLst>
           </p:cNvPr>
@@ -11497,7 +11498,7 @@
           <p:cNvPr id="19" name="Freeform: Shape 9">
             <a:extLst>
               <a:ext uri="{FF2B5EF4-FFF2-40B4-BE49-F238E27FC236}">
-                <a16:creationId xmlns="" xmlns:a16="http://schemas.microsoft.com/office/drawing/2014/main" id="{07077B00-C1EE-7241-B441-7814F92A7EDF}"/>
+                <a16:creationId xmlns:a16="http://schemas.microsoft.com/office/drawing/2014/main" xmlns="" id="{07077B00-C1EE-7241-B441-7814F92A7EDF}"/>
               </a:ext>
             </a:extLst>
           </p:cNvPr>
@@ -11620,7 +11621,7 @@
           <p:cNvPr id="20" name="Freeform: Shape 17">
             <a:extLst>
               <a:ext uri="{FF2B5EF4-FFF2-40B4-BE49-F238E27FC236}">
-                <a16:creationId xmlns="" xmlns:a16="http://schemas.microsoft.com/office/drawing/2014/main" id="{3A1AEBC4-637E-F64C-9192-69AC4BB26D0C}"/>
+                <a16:creationId xmlns:a16="http://schemas.microsoft.com/office/drawing/2014/main" xmlns="" id="{3A1AEBC4-637E-F64C-9192-69AC4BB26D0C}"/>
               </a:ext>
             </a:extLst>
           </p:cNvPr>
@@ -11772,7 +11773,7 @@
           <p:cNvPr id="21" name="Freeform: Shape 11">
             <a:extLst>
               <a:ext uri="{FF2B5EF4-FFF2-40B4-BE49-F238E27FC236}">
-                <a16:creationId xmlns="" xmlns:a16="http://schemas.microsoft.com/office/drawing/2014/main" id="{669A7039-C54C-8E46-9A8B-DDB2547D989C}"/>
+                <a16:creationId xmlns:a16="http://schemas.microsoft.com/office/drawing/2014/main" xmlns="" id="{669A7039-C54C-8E46-9A8B-DDB2547D989C}"/>
               </a:ext>
             </a:extLst>
           </p:cNvPr>
@@ -11922,7 +11923,7 @@
           <p:cNvPr id="22" name="Freeform: Shape 7">
             <a:extLst>
               <a:ext uri="{FF2B5EF4-FFF2-40B4-BE49-F238E27FC236}">
-                <a16:creationId xmlns="" xmlns:a16="http://schemas.microsoft.com/office/drawing/2014/main" id="{4F173B32-87BB-9A40-8C91-4C1EED2B7ABF}"/>
+                <a16:creationId xmlns:a16="http://schemas.microsoft.com/office/drawing/2014/main" xmlns="" id="{4F173B32-87BB-9A40-8C91-4C1EED2B7ABF}"/>
               </a:ext>
             </a:extLst>
           </p:cNvPr>
@@ -12068,7 +12069,7 @@
           <p:cNvPr id="24" name="Group 23">
             <a:extLst>
               <a:ext uri="{FF2B5EF4-FFF2-40B4-BE49-F238E27FC236}">
-                <a16:creationId xmlns="" xmlns:a16="http://schemas.microsoft.com/office/drawing/2014/main" id="{4AC87F4E-12B5-1B42-AFD2-4DB39B7645C9}"/>
+                <a16:creationId xmlns:a16="http://schemas.microsoft.com/office/drawing/2014/main" xmlns="" id="{4AC87F4E-12B5-1B42-AFD2-4DB39B7645C9}"/>
               </a:ext>
             </a:extLst>
           </p:cNvPr>
@@ -12088,7 +12089,7 @@
             <p:cNvPr id="25" name="Freeform: Shape 15">
               <a:extLst>
                 <a:ext uri="{FF2B5EF4-FFF2-40B4-BE49-F238E27FC236}">
-                  <a16:creationId xmlns="" xmlns:a16="http://schemas.microsoft.com/office/drawing/2014/main" id="{03DD8765-59DF-A045-ADB5-E39FAEE153A0}"/>
+                  <a16:creationId xmlns:a16="http://schemas.microsoft.com/office/drawing/2014/main" xmlns="" id="{03DD8765-59DF-A045-ADB5-E39FAEE153A0}"/>
                 </a:ext>
               </a:extLst>
             </p:cNvPr>
@@ -12178,7 +12179,7 @@
             <p:cNvPr id="26" name="Freeform: Shape 16">
               <a:extLst>
                 <a:ext uri="{FF2B5EF4-FFF2-40B4-BE49-F238E27FC236}">
-                  <a16:creationId xmlns="" xmlns:a16="http://schemas.microsoft.com/office/drawing/2014/main" id="{B34B796C-A407-7B4D-B4F0-E58A44FE8DB4}"/>
+                  <a16:creationId xmlns:a16="http://schemas.microsoft.com/office/drawing/2014/main" xmlns="" id="{B34B796C-A407-7B4D-B4F0-E58A44FE8DB4}"/>
                 </a:ext>
               </a:extLst>
             </p:cNvPr>
@@ -12277,7 +12278,7 @@
           <p:cNvPr id="30" name="Freeform: Shape 23">
             <a:extLst>
               <a:ext uri="{FF2B5EF4-FFF2-40B4-BE49-F238E27FC236}">
-                <a16:creationId xmlns="" xmlns:a16="http://schemas.microsoft.com/office/drawing/2014/main" id="{CBE3FDC9-67CB-FA42-B127-A36BFF4678BB}"/>
+                <a16:creationId xmlns:a16="http://schemas.microsoft.com/office/drawing/2014/main" xmlns="" id="{CBE3FDC9-67CB-FA42-B127-A36BFF4678BB}"/>
               </a:ext>
             </a:extLst>
           </p:cNvPr>
@@ -12372,7 +12373,7 @@
           <p:cNvPr id="31" name="Slide Number Placeholder 4">
             <a:extLst>
               <a:ext uri="{FF2B5EF4-FFF2-40B4-BE49-F238E27FC236}">
-                <a16:creationId xmlns="" xmlns:a16="http://schemas.microsoft.com/office/drawing/2014/main" id="{1E902BFF-CA8F-D745-A819-A7BB38B30ED9}"/>
+                <a16:creationId xmlns:a16="http://schemas.microsoft.com/office/drawing/2014/main" xmlns="" id="{1E902BFF-CA8F-D745-A819-A7BB38B30ED9}"/>
               </a:ext>
             </a:extLst>
           </p:cNvPr>
@@ -12421,11 +12422,11 @@
   <p:clrMapOvr>
     <a:masterClrMapping/>
   </p:clrMapOvr>
-  <mc:AlternateContent xmlns:mc="http://schemas.openxmlformats.org/markup-compatibility/2006">
-    <mc:Choice xmlns:p14="http://schemas.microsoft.com/office/powerpoint/2010/main" Requires="p14">
+  <mc:AlternateContent xmlns:mc="http://schemas.openxmlformats.org/markup-compatibility/2006" xmlns:p14="http://schemas.microsoft.com/office/powerpoint/2010/main">
+    <mc:Choice Requires="p14">
       <p:transition p14:dur="0"/>
     </mc:Choice>
-    <mc:Fallback>
+    <mc:Fallback xmlns="">
       <p:transition/>
     </mc:Fallback>
   </mc:AlternateContent>
@@ -12454,7 +12455,7 @@
           <p:cNvPr id="21" name="Rectangle 20">
             <a:extLst>
               <a:ext uri="{FF2B5EF4-FFF2-40B4-BE49-F238E27FC236}">
-                <a16:creationId xmlns="" xmlns:a16="http://schemas.microsoft.com/office/drawing/2014/main" id="{6E739168-A5E8-443A-B392-7AD4CF8977AD}"/>
+                <a16:creationId xmlns:a16="http://schemas.microsoft.com/office/drawing/2014/main" xmlns="" id="{6E739168-A5E8-443A-B392-7AD4CF8977AD}"/>
               </a:ext>
             </a:extLst>
           </p:cNvPr>
@@ -12506,7 +12507,7 @@
           <p:cNvPr id="15" name="Freeform: Shape 14">
             <a:extLst>
               <a:ext uri="{FF2B5EF4-FFF2-40B4-BE49-F238E27FC236}">
-                <a16:creationId xmlns="" xmlns:a16="http://schemas.microsoft.com/office/drawing/2014/main" id="{41E10E1E-5268-4F03-BA64-07E19DE26739}"/>
+                <a16:creationId xmlns:a16="http://schemas.microsoft.com/office/drawing/2014/main" xmlns="" id="{41E10E1E-5268-4F03-BA64-07E19DE26739}"/>
               </a:ext>
             </a:extLst>
           </p:cNvPr>
@@ -12643,7 +12644,7 @@
           <p:cNvPr id="16" name="Freeform: Shape 15">
             <a:extLst>
               <a:ext uri="{FF2B5EF4-FFF2-40B4-BE49-F238E27FC236}">
-                <a16:creationId xmlns="" xmlns:a16="http://schemas.microsoft.com/office/drawing/2014/main" id="{B989C45D-BDFF-418F-BE79-03FF70015770}"/>
+                <a16:creationId xmlns:a16="http://schemas.microsoft.com/office/drawing/2014/main" xmlns="" id="{B989C45D-BDFF-418F-BE79-03FF70015770}"/>
               </a:ext>
             </a:extLst>
           </p:cNvPr>
@@ -12807,7 +12808,7 @@
           <p:cNvPr id="20" name="Freeform: Shape 19">
             <a:extLst>
               <a:ext uri="{FF2B5EF4-FFF2-40B4-BE49-F238E27FC236}">
-                <a16:creationId xmlns="" xmlns:a16="http://schemas.microsoft.com/office/drawing/2014/main" id="{0027A677-9ACB-4264-B148-4806678FB83F}"/>
+                <a16:creationId xmlns:a16="http://schemas.microsoft.com/office/drawing/2014/main" xmlns="" id="{0027A677-9ACB-4264-B148-4806678FB83F}"/>
               </a:ext>
             </a:extLst>
           </p:cNvPr>
@@ -12969,7 +12970,7 @@
           <p:cNvPr id="6" name="Group 5">
             <a:extLst>
               <a:ext uri="{FF2B5EF4-FFF2-40B4-BE49-F238E27FC236}">
-                <a16:creationId xmlns="" xmlns:a16="http://schemas.microsoft.com/office/drawing/2014/main" id="{EA7FF9D7-8545-4547-AC77-A0421EEB9B99}"/>
+                <a16:creationId xmlns:a16="http://schemas.microsoft.com/office/drawing/2014/main" xmlns="" id="{EA7FF9D7-8545-4547-AC77-A0421EEB9B99}"/>
               </a:ext>
             </a:extLst>
           </p:cNvPr>
@@ -12989,7 +12990,7 @@
             <p:cNvPr id="17" name="Right Triangle 16">
               <a:extLst>
                 <a:ext uri="{FF2B5EF4-FFF2-40B4-BE49-F238E27FC236}">
-                  <a16:creationId xmlns="" xmlns:a16="http://schemas.microsoft.com/office/drawing/2014/main" id="{8DCD5806-2A2F-4ABF-8057-245681C498E6}"/>
+                  <a16:creationId xmlns:a16="http://schemas.microsoft.com/office/drawing/2014/main" xmlns="" id="{8DCD5806-2A2F-4ABF-8057-245681C498E6}"/>
                 </a:ext>
               </a:extLst>
             </p:cNvPr>
@@ -13043,7 +13044,7 @@
             <p:cNvPr id="18" name="Right Triangle 17">
               <a:extLst>
                 <a:ext uri="{FF2B5EF4-FFF2-40B4-BE49-F238E27FC236}">
-                  <a16:creationId xmlns="" xmlns:a16="http://schemas.microsoft.com/office/drawing/2014/main" id="{3A93038F-E9E4-4FFD-B3DF-28DB7C2C1490}"/>
+                  <a16:creationId xmlns:a16="http://schemas.microsoft.com/office/drawing/2014/main" xmlns="" id="{3A93038F-E9E4-4FFD-B3DF-28DB7C2C1490}"/>
                 </a:ext>
               </a:extLst>
             </p:cNvPr>
@@ -13100,7 +13101,7 @@
             <p:cNvPr id="19" name="Right Triangle 18">
               <a:extLst>
                 <a:ext uri="{FF2B5EF4-FFF2-40B4-BE49-F238E27FC236}">
-                  <a16:creationId xmlns="" xmlns:a16="http://schemas.microsoft.com/office/drawing/2014/main" id="{5DEA1E02-BBD0-4AE3-AF22-433B90272178}"/>
+                  <a16:creationId xmlns:a16="http://schemas.microsoft.com/office/drawing/2014/main" xmlns="" id="{5DEA1E02-BBD0-4AE3-AF22-433B90272178}"/>
                 </a:ext>
               </a:extLst>
             </p:cNvPr>
@@ -13155,7 +13156,7 @@
           <p:cNvPr id="2" name="Title 1">
             <a:extLst>
               <a:ext uri="{FF2B5EF4-FFF2-40B4-BE49-F238E27FC236}">
-                <a16:creationId xmlns="" xmlns:a16="http://schemas.microsoft.com/office/drawing/2014/main" id="{9E597736-C478-4C26-9BAF-205FE31E977C}"/>
+                <a16:creationId xmlns:a16="http://schemas.microsoft.com/office/drawing/2014/main" xmlns="" id="{9E597736-C478-4C26-9BAF-205FE31E977C}"/>
               </a:ext>
             </a:extLst>
           </p:cNvPr>
@@ -13207,11 +13208,11 @@
   <p:clrMapOvr>
     <a:masterClrMapping/>
   </p:clrMapOvr>
-  <mc:AlternateContent xmlns:mc="http://schemas.openxmlformats.org/markup-compatibility/2006">
-    <mc:Choice xmlns:p14="http://schemas.microsoft.com/office/powerpoint/2010/main" Requires="p14">
+  <mc:AlternateContent xmlns:mc="http://schemas.openxmlformats.org/markup-compatibility/2006" xmlns:p14="http://schemas.microsoft.com/office/powerpoint/2010/main">
+    <mc:Choice Requires="p14">
       <p:transition p14:dur="0"/>
     </mc:Choice>
-    <mc:Fallback>
+    <mc:Fallback xmlns="">
       <p:transition/>
     </mc:Fallback>
   </mc:AlternateContent>
@@ -13240,7 +13241,7 @@
           <p:cNvPr id="21" name="Rectangle 20">
             <a:extLst>
               <a:ext uri="{FF2B5EF4-FFF2-40B4-BE49-F238E27FC236}">
-                <a16:creationId xmlns="" xmlns:a16="http://schemas.microsoft.com/office/drawing/2014/main" id="{6E739168-A5E8-443A-B392-7AD4CF8977AD}"/>
+                <a16:creationId xmlns:a16="http://schemas.microsoft.com/office/drawing/2014/main" xmlns="" id="{6E739168-A5E8-443A-B392-7AD4CF8977AD}"/>
               </a:ext>
             </a:extLst>
           </p:cNvPr>
@@ -13292,7 +13293,7 @@
           <p:cNvPr id="15" name="Freeform: Shape 14">
             <a:extLst>
               <a:ext uri="{FF2B5EF4-FFF2-40B4-BE49-F238E27FC236}">
-                <a16:creationId xmlns="" xmlns:a16="http://schemas.microsoft.com/office/drawing/2014/main" id="{41E10E1E-5268-4F03-BA64-07E19DE26739}"/>
+                <a16:creationId xmlns:a16="http://schemas.microsoft.com/office/drawing/2014/main" xmlns="" id="{41E10E1E-5268-4F03-BA64-07E19DE26739}"/>
               </a:ext>
             </a:extLst>
           </p:cNvPr>
@@ -13429,7 +13430,7 @@
           <p:cNvPr id="16" name="Freeform: Shape 15">
             <a:extLst>
               <a:ext uri="{FF2B5EF4-FFF2-40B4-BE49-F238E27FC236}">
-                <a16:creationId xmlns="" xmlns:a16="http://schemas.microsoft.com/office/drawing/2014/main" id="{B989C45D-BDFF-418F-BE79-03FF70015770}"/>
+                <a16:creationId xmlns:a16="http://schemas.microsoft.com/office/drawing/2014/main" xmlns="" id="{B989C45D-BDFF-418F-BE79-03FF70015770}"/>
               </a:ext>
             </a:extLst>
           </p:cNvPr>
@@ -13593,7 +13594,7 @@
           <p:cNvPr id="20" name="Freeform: Shape 19">
             <a:extLst>
               <a:ext uri="{FF2B5EF4-FFF2-40B4-BE49-F238E27FC236}">
-                <a16:creationId xmlns="" xmlns:a16="http://schemas.microsoft.com/office/drawing/2014/main" id="{0027A677-9ACB-4264-B148-4806678FB83F}"/>
+                <a16:creationId xmlns:a16="http://schemas.microsoft.com/office/drawing/2014/main" xmlns="" id="{0027A677-9ACB-4264-B148-4806678FB83F}"/>
               </a:ext>
             </a:extLst>
           </p:cNvPr>
@@ -13755,7 +13756,7 @@
           <p:cNvPr id="2" name="Title 1">
             <a:extLst>
               <a:ext uri="{FF2B5EF4-FFF2-40B4-BE49-F238E27FC236}">
-                <a16:creationId xmlns="" xmlns:a16="http://schemas.microsoft.com/office/drawing/2014/main" id="{9E597736-C478-4C26-9BAF-205FE31E977C}"/>
+                <a16:creationId xmlns:a16="http://schemas.microsoft.com/office/drawing/2014/main" xmlns="" id="{9E597736-C478-4C26-9BAF-205FE31E977C}"/>
               </a:ext>
             </a:extLst>
           </p:cNvPr>
@@ -13802,7 +13803,7 @@
           <p:cNvPr id="35" name="Freeform: Shape 34">
             <a:extLst>
               <a:ext uri="{FF2B5EF4-FFF2-40B4-BE49-F238E27FC236}">
-                <a16:creationId xmlns="" xmlns:a16="http://schemas.microsoft.com/office/drawing/2014/main" id="{C024DCDB-C6BF-455E-AAB8-EAF9DAB302A1}"/>
+                <a16:creationId xmlns:a16="http://schemas.microsoft.com/office/drawing/2014/main" xmlns="" id="{C024DCDB-C6BF-455E-AAB8-EAF9DAB302A1}"/>
               </a:ext>
             </a:extLst>
           </p:cNvPr>
@@ -13910,7 +13911,7 @@
           <p:cNvPr id="32" name="Freeform: Shape 31">
             <a:extLst>
               <a:ext uri="{FF2B5EF4-FFF2-40B4-BE49-F238E27FC236}">
-                <a16:creationId xmlns="" xmlns:a16="http://schemas.microsoft.com/office/drawing/2014/main" id="{26AFB47A-5D51-4F9C-B01B-977CE5E3C093}"/>
+                <a16:creationId xmlns:a16="http://schemas.microsoft.com/office/drawing/2014/main" xmlns="" id="{26AFB47A-5D51-4F9C-B01B-977CE5E3C093}"/>
               </a:ext>
             </a:extLst>
           </p:cNvPr>
@@ -14026,7 +14027,7 @@
           <p:cNvPr id="30" name="Freeform: Shape 29">
             <a:extLst>
               <a:ext uri="{FF2B5EF4-FFF2-40B4-BE49-F238E27FC236}">
-                <a16:creationId xmlns="" xmlns:a16="http://schemas.microsoft.com/office/drawing/2014/main" id="{6997A4FF-7390-4173-8ACD-6CF7145AACEC}"/>
+                <a16:creationId xmlns:a16="http://schemas.microsoft.com/office/drawing/2014/main" xmlns="" id="{6997A4FF-7390-4173-8ACD-6CF7145AACEC}"/>
               </a:ext>
             </a:extLst>
           </p:cNvPr>
@@ -14140,11 +14141,11 @@
   <p:clrMapOvr>
     <a:masterClrMapping/>
   </p:clrMapOvr>
-  <mc:AlternateContent xmlns:mc="http://schemas.openxmlformats.org/markup-compatibility/2006">
-    <mc:Choice xmlns:p14="http://schemas.microsoft.com/office/powerpoint/2010/main" Requires="p14">
+  <mc:AlternateContent xmlns:mc="http://schemas.openxmlformats.org/markup-compatibility/2006" xmlns:p14="http://schemas.microsoft.com/office/powerpoint/2010/main">
+    <mc:Choice Requires="p14">
       <p:transition p14:dur="0"/>
     </mc:Choice>
-    <mc:Fallback>
+    <mc:Fallback xmlns="">
       <p:transition/>
     </mc:Fallback>
   </mc:AlternateContent>
@@ -14173,7 +14174,7 @@
           <p:cNvPr id="7" name="Rectangle 6">
             <a:extLst>
               <a:ext uri="{FF2B5EF4-FFF2-40B4-BE49-F238E27FC236}">
-                <a16:creationId xmlns="" xmlns:a16="http://schemas.microsoft.com/office/drawing/2014/main" id="{B2838D16-809E-4EB1-8C0C-0E63D8139112}"/>
+                <a16:creationId xmlns:a16="http://schemas.microsoft.com/office/drawing/2014/main" xmlns="" id="{B2838D16-809E-4EB1-8C0C-0E63D8139112}"/>
               </a:ext>
             </a:extLst>
           </p:cNvPr>
@@ -14225,7 +14226,7 @@
           <p:cNvPr id="8" name="Freeform: Shape 7">
             <a:extLst>
               <a:ext uri="{FF2B5EF4-FFF2-40B4-BE49-F238E27FC236}">
-                <a16:creationId xmlns="" xmlns:a16="http://schemas.microsoft.com/office/drawing/2014/main" id="{01FEB333-94B4-4E53-9019-D584810903BB}"/>
+                <a16:creationId xmlns:a16="http://schemas.microsoft.com/office/drawing/2014/main" xmlns="" id="{01FEB333-94B4-4E53-9019-D584810903BB}"/>
               </a:ext>
             </a:extLst>
           </p:cNvPr>
@@ -14346,7 +14347,7 @@
           <p:cNvPr id="9" name="Freeform: Shape 8">
             <a:extLst>
               <a:ext uri="{FF2B5EF4-FFF2-40B4-BE49-F238E27FC236}">
-                <a16:creationId xmlns="" xmlns:a16="http://schemas.microsoft.com/office/drawing/2014/main" id="{A59B9489-0CD9-4DB7-AC82-6E7867F91403}"/>
+                <a16:creationId xmlns:a16="http://schemas.microsoft.com/office/drawing/2014/main" xmlns="" id="{A59B9489-0CD9-4DB7-AC82-6E7867F91403}"/>
               </a:ext>
             </a:extLst>
           </p:cNvPr>
@@ -14486,7 +14487,7 @@
           <p:cNvPr id="10" name="Right Triangle 9">
             <a:extLst>
               <a:ext uri="{FF2B5EF4-FFF2-40B4-BE49-F238E27FC236}">
-                <a16:creationId xmlns="" xmlns:a16="http://schemas.microsoft.com/office/drawing/2014/main" id="{A55D1C76-C591-4FA5-9780-87AB6B37C0FA}"/>
+                <a16:creationId xmlns:a16="http://schemas.microsoft.com/office/drawing/2014/main" xmlns="" id="{A55D1C76-C591-4FA5-9780-87AB6B37C0FA}"/>
               </a:ext>
             </a:extLst>
           </p:cNvPr>
@@ -14540,7 +14541,7 @@
           <p:cNvPr id="11" name="Freeform: Shape 10">
             <a:extLst>
               <a:ext uri="{FF2B5EF4-FFF2-40B4-BE49-F238E27FC236}">
-                <a16:creationId xmlns="" xmlns:a16="http://schemas.microsoft.com/office/drawing/2014/main" id="{A7DC1D12-670F-4235-8791-FA8C2B330871}"/>
+                <a16:creationId xmlns:a16="http://schemas.microsoft.com/office/drawing/2014/main" xmlns="" id="{A7DC1D12-670F-4235-8791-FA8C2B330871}"/>
               </a:ext>
             </a:extLst>
           </p:cNvPr>
@@ -14686,7 +14687,7 @@
           <p:cNvPr id="12" name="Freeform: Shape 11">
             <a:extLst>
               <a:ext uri="{FF2B5EF4-FFF2-40B4-BE49-F238E27FC236}">
-                <a16:creationId xmlns="" xmlns:a16="http://schemas.microsoft.com/office/drawing/2014/main" id="{859569CF-FDAC-47C4-A0F5-296F7117C398}"/>
+                <a16:creationId xmlns:a16="http://schemas.microsoft.com/office/drawing/2014/main" xmlns="" id="{859569CF-FDAC-47C4-A0F5-296F7117C398}"/>
               </a:ext>
             </a:extLst>
           </p:cNvPr>
@@ -14786,7 +14787,7 @@
           <p:cNvPr id="13" name="Freeform: Shape 12">
             <a:extLst>
               <a:ext uri="{FF2B5EF4-FFF2-40B4-BE49-F238E27FC236}">
-                <a16:creationId xmlns="" xmlns:a16="http://schemas.microsoft.com/office/drawing/2014/main" id="{D68D0C72-2B2C-4C85-A091-157853C71784}"/>
+                <a16:creationId xmlns:a16="http://schemas.microsoft.com/office/drawing/2014/main" xmlns="" id="{D68D0C72-2B2C-4C85-A091-157853C71784}"/>
               </a:ext>
             </a:extLst>
           </p:cNvPr>
@@ -14894,7 +14895,7 @@
           <p:cNvPr id="14" name="Freeform: Shape 13">
             <a:extLst>
               <a:ext uri="{FF2B5EF4-FFF2-40B4-BE49-F238E27FC236}">
-                <a16:creationId xmlns="" xmlns:a16="http://schemas.microsoft.com/office/drawing/2014/main" id="{8E25334A-5FE3-4DDA-8D32-4796CCFCAA74}"/>
+                <a16:creationId xmlns:a16="http://schemas.microsoft.com/office/drawing/2014/main" xmlns="" id="{8E25334A-5FE3-4DDA-8D32-4796CCFCAA74}"/>
               </a:ext>
             </a:extLst>
           </p:cNvPr>
@@ -14986,7 +14987,7 @@
           <p:cNvPr id="15" name="Freeform: Shape 14">
             <a:extLst>
               <a:ext uri="{FF2B5EF4-FFF2-40B4-BE49-F238E27FC236}">
-                <a16:creationId xmlns="" xmlns:a16="http://schemas.microsoft.com/office/drawing/2014/main" id="{18818DF1-D7FD-4C0F-875D-7A07E8F75C06}"/>
+                <a16:creationId xmlns:a16="http://schemas.microsoft.com/office/drawing/2014/main" xmlns="" id="{18818DF1-D7FD-4C0F-875D-7A07E8F75C06}"/>
               </a:ext>
             </a:extLst>
           </p:cNvPr>
@@ -15086,7 +15087,7 @@
           <p:cNvPr id="16" name="Group 15">
             <a:extLst>
               <a:ext uri="{FF2B5EF4-FFF2-40B4-BE49-F238E27FC236}">
-                <a16:creationId xmlns="" xmlns:a16="http://schemas.microsoft.com/office/drawing/2014/main" id="{8F9BB384-9E14-4CEA-82C1-21837229D3EF}"/>
+                <a16:creationId xmlns:a16="http://schemas.microsoft.com/office/drawing/2014/main" xmlns="" id="{8F9BB384-9E14-4CEA-82C1-21837229D3EF}"/>
               </a:ext>
             </a:extLst>
           </p:cNvPr>
@@ -15106,7 +15107,7 @@
             <p:cNvPr id="17" name="Freeform: Shape 16">
               <a:extLst>
                 <a:ext uri="{FF2B5EF4-FFF2-40B4-BE49-F238E27FC236}">
-                  <a16:creationId xmlns="" xmlns:a16="http://schemas.microsoft.com/office/drawing/2014/main" id="{0862A81A-959D-4EAB-90ED-DB20759BB397}"/>
+                  <a16:creationId xmlns:a16="http://schemas.microsoft.com/office/drawing/2014/main" xmlns="" id="{0862A81A-959D-4EAB-90ED-DB20759BB397}"/>
                 </a:ext>
               </a:extLst>
             </p:cNvPr>
@@ -15196,7 +15197,7 @@
             <p:cNvPr id="18" name="Freeform: Shape 17">
               <a:extLst>
                 <a:ext uri="{FF2B5EF4-FFF2-40B4-BE49-F238E27FC236}">
-                  <a16:creationId xmlns="" xmlns:a16="http://schemas.microsoft.com/office/drawing/2014/main" id="{AAB9E28C-9422-42BD-AECE-29B44B5D63E2}"/>
+                  <a16:creationId xmlns:a16="http://schemas.microsoft.com/office/drawing/2014/main" xmlns="" id="{AAB9E28C-9422-42BD-AECE-29B44B5D63E2}"/>
                 </a:ext>
               </a:extLst>
             </p:cNvPr>
@@ -15295,7 +15296,7 @@
           <p:cNvPr id="19" name="Group 18">
             <a:extLst>
               <a:ext uri="{FF2B5EF4-FFF2-40B4-BE49-F238E27FC236}">
-                <a16:creationId xmlns="" xmlns:a16="http://schemas.microsoft.com/office/drawing/2014/main" id="{2772239B-C46D-4458-BB4B-DDB12FAB0172}"/>
+                <a16:creationId xmlns:a16="http://schemas.microsoft.com/office/drawing/2014/main" xmlns="" id="{2772239B-C46D-4458-BB4B-DDB12FAB0172}"/>
               </a:ext>
             </a:extLst>
           </p:cNvPr>
@@ -15315,7 +15316,7 @@
             <p:cNvPr id="20" name="Freeform: Shape 19">
               <a:extLst>
                 <a:ext uri="{FF2B5EF4-FFF2-40B4-BE49-F238E27FC236}">
-                  <a16:creationId xmlns="" xmlns:a16="http://schemas.microsoft.com/office/drawing/2014/main" id="{3C8A2A1A-1FB9-4CA1-B74E-B293187E51AA}"/>
+                  <a16:creationId xmlns:a16="http://schemas.microsoft.com/office/drawing/2014/main" xmlns="" id="{3C8A2A1A-1FB9-4CA1-B74E-B293187E51AA}"/>
                 </a:ext>
               </a:extLst>
             </p:cNvPr>
@@ -15405,7 +15406,7 @@
             <p:cNvPr id="21" name="Freeform: Shape 20">
               <a:extLst>
                 <a:ext uri="{FF2B5EF4-FFF2-40B4-BE49-F238E27FC236}">
-                  <a16:creationId xmlns="" xmlns:a16="http://schemas.microsoft.com/office/drawing/2014/main" id="{DF2B18BA-6B43-40FA-A23B-D894D6AB468B}"/>
+                  <a16:creationId xmlns:a16="http://schemas.microsoft.com/office/drawing/2014/main" xmlns="" id="{DF2B18BA-6B43-40FA-A23B-D894D6AB468B}"/>
                 </a:ext>
               </a:extLst>
             </p:cNvPr>
@@ -15504,7 +15505,7 @@
           <p:cNvPr id="3" name="Text Placeholder 2">
             <a:extLst>
               <a:ext uri="{FF2B5EF4-FFF2-40B4-BE49-F238E27FC236}">
-                <a16:creationId xmlns="" xmlns:a16="http://schemas.microsoft.com/office/drawing/2014/main" id="{5E194264-A3F5-42E2-9A63-DCCED0457E1B}"/>
+                <a16:creationId xmlns:a16="http://schemas.microsoft.com/office/drawing/2014/main" xmlns="" id="{5E194264-A3F5-42E2-9A63-DCCED0457E1B}"/>
               </a:ext>
             </a:extLst>
           </p:cNvPr>
@@ -15554,7 +15555,7 @@
           <p:cNvPr id="22" name="Slide Number Placeholder 4">
             <a:extLst>
               <a:ext uri="{FF2B5EF4-FFF2-40B4-BE49-F238E27FC236}">
-                <a16:creationId xmlns="" xmlns:a16="http://schemas.microsoft.com/office/drawing/2014/main" id="{0F332671-6296-47C8-BF26-B2D962F5D03D}"/>
+                <a16:creationId xmlns:a16="http://schemas.microsoft.com/office/drawing/2014/main" xmlns="" id="{0F332671-6296-47C8-BF26-B2D962F5D03D}"/>
               </a:ext>
             </a:extLst>
           </p:cNvPr>
@@ -15598,7 +15599,7 @@
           <p:cNvPr id="23" name="Title 1">
             <a:extLst>
               <a:ext uri="{FF2B5EF4-FFF2-40B4-BE49-F238E27FC236}">
-                <a16:creationId xmlns="" xmlns:a16="http://schemas.microsoft.com/office/drawing/2014/main" id="{7772A652-7229-2B42-B87B-298C31D6F0CB}"/>
+                <a16:creationId xmlns:a16="http://schemas.microsoft.com/office/drawing/2014/main" xmlns="" id="{7772A652-7229-2B42-B87B-298C31D6F0CB}"/>
               </a:ext>
             </a:extLst>
           </p:cNvPr>
@@ -15648,11 +15649,11 @@
   <p:clrMapOvr>
     <a:masterClrMapping/>
   </p:clrMapOvr>
-  <mc:AlternateContent xmlns:mc="http://schemas.openxmlformats.org/markup-compatibility/2006">
-    <mc:Choice xmlns:p14="http://schemas.microsoft.com/office/powerpoint/2010/main" Requires="p14">
+  <mc:AlternateContent xmlns:mc="http://schemas.openxmlformats.org/markup-compatibility/2006" xmlns:p14="http://schemas.microsoft.com/office/powerpoint/2010/main">
+    <mc:Choice Requires="p14">
       <p:transition p14:dur="0"/>
     </mc:Choice>
-    <mc:Fallback>
+    <mc:Fallback xmlns="">
       <p:transition/>
     </mc:Fallback>
   </mc:AlternateContent>
@@ -15681,7 +15682,7 @@
           <p:cNvPr id="22" name="Rectangle 21">
             <a:extLst>
               <a:ext uri="{FF2B5EF4-FFF2-40B4-BE49-F238E27FC236}">
-                <a16:creationId xmlns="" xmlns:a16="http://schemas.microsoft.com/office/drawing/2014/main" id="{2CDBB6E5-B91E-4946-9390-E8693855103A}"/>
+                <a16:creationId xmlns:a16="http://schemas.microsoft.com/office/drawing/2014/main" xmlns="" id="{2CDBB6E5-B91E-4946-9390-E8693855103A}"/>
               </a:ext>
             </a:extLst>
           </p:cNvPr>
@@ -15735,7 +15736,7 @@
           <p:cNvPr id="34" name="Freeform: Shape 33">
             <a:extLst>
               <a:ext uri="{FF2B5EF4-FFF2-40B4-BE49-F238E27FC236}">
-                <a16:creationId xmlns="" xmlns:a16="http://schemas.microsoft.com/office/drawing/2014/main" id="{0C3CC1C9-1FA0-4FE4-8984-4A8B3728D674}"/>
+                <a16:creationId xmlns:a16="http://schemas.microsoft.com/office/drawing/2014/main" xmlns="" id="{0C3CC1C9-1FA0-4FE4-8984-4A8B3728D674}"/>
               </a:ext>
             </a:extLst>
           </p:cNvPr>
@@ -15880,7 +15881,7 @@
           <p:cNvPr id="24" name="Freeform: Shape 23">
             <a:extLst>
               <a:ext uri="{FF2B5EF4-FFF2-40B4-BE49-F238E27FC236}">
-                <a16:creationId xmlns="" xmlns:a16="http://schemas.microsoft.com/office/drawing/2014/main" id="{8E049265-431E-48DE-B7F7-4959930171DC}"/>
+                <a16:creationId xmlns:a16="http://schemas.microsoft.com/office/drawing/2014/main" xmlns="" id="{8E049265-431E-48DE-B7F7-4959930171DC}"/>
               </a:ext>
             </a:extLst>
           </p:cNvPr>
@@ -16020,7 +16021,7 @@
           <p:cNvPr id="25" name="Freeform: Shape 24">
             <a:extLst>
               <a:ext uri="{FF2B5EF4-FFF2-40B4-BE49-F238E27FC236}">
-                <a16:creationId xmlns="" xmlns:a16="http://schemas.microsoft.com/office/drawing/2014/main" id="{173E5F2D-1F8E-4DCC-857F-932C6C6539BB}"/>
+                <a16:creationId xmlns:a16="http://schemas.microsoft.com/office/drawing/2014/main" xmlns="" id="{173E5F2D-1F8E-4DCC-857F-932C6C6539BB}"/>
               </a:ext>
             </a:extLst>
           </p:cNvPr>
@@ -16166,7 +16167,7 @@
           <p:cNvPr id="26" name="Group 25">
             <a:extLst>
               <a:ext uri="{FF2B5EF4-FFF2-40B4-BE49-F238E27FC236}">
-                <a16:creationId xmlns="" xmlns:a16="http://schemas.microsoft.com/office/drawing/2014/main" id="{E9318B2B-E019-4078-9EF0-C9D6281AE31B}"/>
+                <a16:creationId xmlns:a16="http://schemas.microsoft.com/office/drawing/2014/main" xmlns="" id="{E9318B2B-E019-4078-9EF0-C9D6281AE31B}"/>
               </a:ext>
             </a:extLst>
           </p:cNvPr>
@@ -16186,7 +16187,7 @@
             <p:cNvPr id="27" name="Freeform: Shape 26">
               <a:extLst>
                 <a:ext uri="{FF2B5EF4-FFF2-40B4-BE49-F238E27FC236}">
-                  <a16:creationId xmlns="" xmlns:a16="http://schemas.microsoft.com/office/drawing/2014/main" id="{D3E625C0-9656-421F-861F-67C8F93362ED}"/>
+                  <a16:creationId xmlns:a16="http://schemas.microsoft.com/office/drawing/2014/main" xmlns="" id="{D3E625C0-9656-421F-861F-67C8F93362ED}"/>
                 </a:ext>
               </a:extLst>
             </p:cNvPr>
@@ -16286,7 +16287,7 @@
             <p:cNvPr id="28" name="Freeform: Shape 27">
               <a:extLst>
                 <a:ext uri="{FF2B5EF4-FFF2-40B4-BE49-F238E27FC236}">
-                  <a16:creationId xmlns="" xmlns:a16="http://schemas.microsoft.com/office/drawing/2014/main" id="{49F8E490-C6E3-4D00-866F-CD85DD88996E}"/>
+                  <a16:creationId xmlns:a16="http://schemas.microsoft.com/office/drawing/2014/main" xmlns="" id="{49F8E490-C6E3-4D00-866F-CD85DD88996E}"/>
                 </a:ext>
               </a:extLst>
             </p:cNvPr>
@@ -16395,7 +16396,7 @@
           <p:cNvPr id="29" name="Freeform: Shape 28">
             <a:extLst>
               <a:ext uri="{FF2B5EF4-FFF2-40B4-BE49-F238E27FC236}">
-                <a16:creationId xmlns="" xmlns:a16="http://schemas.microsoft.com/office/drawing/2014/main" id="{EE8F5B31-1523-46AE-9455-C33DFC1BDDE0}"/>
+                <a16:creationId xmlns:a16="http://schemas.microsoft.com/office/drawing/2014/main" xmlns="" id="{EE8F5B31-1523-46AE-9455-C33DFC1BDDE0}"/>
               </a:ext>
             </a:extLst>
           </p:cNvPr>
@@ -16487,7 +16488,7 @@
           <p:cNvPr id="30" name="Freeform: Shape 29">
             <a:extLst>
               <a:ext uri="{FF2B5EF4-FFF2-40B4-BE49-F238E27FC236}">
-                <a16:creationId xmlns="" xmlns:a16="http://schemas.microsoft.com/office/drawing/2014/main" id="{5D17048F-C2E1-4775-BC32-50BD6219F89D}"/>
+                <a16:creationId xmlns:a16="http://schemas.microsoft.com/office/drawing/2014/main" xmlns="" id="{5D17048F-C2E1-4775-BC32-50BD6219F89D}"/>
               </a:ext>
             </a:extLst>
           </p:cNvPr>
@@ -16587,7 +16588,7 @@
           <p:cNvPr id="31" name="Group 30">
             <a:extLst>
               <a:ext uri="{FF2B5EF4-FFF2-40B4-BE49-F238E27FC236}">
-                <a16:creationId xmlns="" xmlns:a16="http://schemas.microsoft.com/office/drawing/2014/main" id="{EAB002AA-4848-49C8-A834-036F860C79A3}"/>
+                <a16:creationId xmlns:a16="http://schemas.microsoft.com/office/drawing/2014/main" xmlns="" id="{EAB002AA-4848-49C8-A834-036F860C79A3}"/>
               </a:ext>
             </a:extLst>
           </p:cNvPr>
@@ -16607,7 +16608,7 @@
             <p:cNvPr id="32" name="Freeform: Shape 31">
               <a:extLst>
                 <a:ext uri="{FF2B5EF4-FFF2-40B4-BE49-F238E27FC236}">
-                  <a16:creationId xmlns="" xmlns:a16="http://schemas.microsoft.com/office/drawing/2014/main" id="{14B187A8-7F8D-469D-A03B-4F835A5746DE}"/>
+                  <a16:creationId xmlns:a16="http://schemas.microsoft.com/office/drawing/2014/main" xmlns="" id="{14B187A8-7F8D-469D-A03B-4F835A5746DE}"/>
                 </a:ext>
               </a:extLst>
             </p:cNvPr>
@@ -16697,7 +16698,7 @@
             <p:cNvPr id="33" name="Freeform: Shape 32">
               <a:extLst>
                 <a:ext uri="{FF2B5EF4-FFF2-40B4-BE49-F238E27FC236}">
-                  <a16:creationId xmlns="" xmlns:a16="http://schemas.microsoft.com/office/drawing/2014/main" id="{03D871D1-A11A-48FB-82A8-8D61AB5CB85C}"/>
+                  <a16:creationId xmlns:a16="http://schemas.microsoft.com/office/drawing/2014/main" xmlns="" id="{03D871D1-A11A-48FB-82A8-8D61AB5CB85C}"/>
                 </a:ext>
               </a:extLst>
             </p:cNvPr>
@@ -16796,7 +16797,7 @@
           <p:cNvPr id="2" name="Title 1">
             <a:extLst>
               <a:ext uri="{FF2B5EF4-FFF2-40B4-BE49-F238E27FC236}">
-                <a16:creationId xmlns="" xmlns:a16="http://schemas.microsoft.com/office/drawing/2014/main" id="{42374B20-3E42-44AF-BEF1-8AB33067395C}"/>
+                <a16:creationId xmlns:a16="http://schemas.microsoft.com/office/drawing/2014/main" xmlns="" id="{42374B20-3E42-44AF-BEF1-8AB33067395C}"/>
               </a:ext>
             </a:extLst>
           </p:cNvPr>
@@ -16841,7 +16842,7 @@
           <p:cNvPr id="3" name="Text Placeholder 2">
             <a:extLst>
               <a:ext uri="{FF2B5EF4-FFF2-40B4-BE49-F238E27FC236}">
-                <a16:creationId xmlns="" xmlns:a16="http://schemas.microsoft.com/office/drawing/2014/main" id="{5E194264-A3F5-42E2-9A63-DCCED0457E1B}"/>
+                <a16:creationId xmlns:a16="http://schemas.microsoft.com/office/drawing/2014/main" xmlns="" id="{5E194264-A3F5-42E2-9A63-DCCED0457E1B}"/>
               </a:ext>
             </a:extLst>
           </p:cNvPr>
@@ -16891,7 +16892,7 @@
           <p:cNvPr id="35" name="Slide Number Placeholder 4">
             <a:extLst>
               <a:ext uri="{FF2B5EF4-FFF2-40B4-BE49-F238E27FC236}">
-                <a16:creationId xmlns="" xmlns:a16="http://schemas.microsoft.com/office/drawing/2014/main" id="{6F73F836-940E-4B65-A29C-D0869263C935}"/>
+                <a16:creationId xmlns:a16="http://schemas.microsoft.com/office/drawing/2014/main" xmlns="" id="{6F73F836-940E-4B65-A29C-D0869263C935}"/>
               </a:ext>
             </a:extLst>
           </p:cNvPr>
@@ -16940,11 +16941,11 @@
   <p:clrMapOvr>
     <a:masterClrMapping/>
   </p:clrMapOvr>
-  <mc:AlternateContent xmlns:mc="http://schemas.openxmlformats.org/markup-compatibility/2006">
-    <mc:Choice xmlns:p14="http://schemas.microsoft.com/office/powerpoint/2010/main" Requires="p14">
+  <mc:AlternateContent xmlns:mc="http://schemas.openxmlformats.org/markup-compatibility/2006" xmlns:p14="http://schemas.microsoft.com/office/powerpoint/2010/main">
+    <mc:Choice Requires="p14">
       <p:transition p14:dur="0"/>
     </mc:Choice>
-    <mc:Fallback>
+    <mc:Fallback xmlns="">
       <p:transition/>
     </mc:Fallback>
   </mc:AlternateContent>
@@ -16973,7 +16974,7 @@
           <p:cNvPr id="22" name="Rectangle 21">
             <a:extLst>
               <a:ext uri="{FF2B5EF4-FFF2-40B4-BE49-F238E27FC236}">
-                <a16:creationId xmlns="" xmlns:a16="http://schemas.microsoft.com/office/drawing/2014/main" id="{2CDBB6E5-B91E-4946-9390-E8693855103A}"/>
+                <a16:creationId xmlns:a16="http://schemas.microsoft.com/office/drawing/2014/main" xmlns="" id="{2CDBB6E5-B91E-4946-9390-E8693855103A}"/>
               </a:ext>
             </a:extLst>
           </p:cNvPr>
@@ -17027,7 +17028,7 @@
           <p:cNvPr id="34" name="Freeform: Shape 33">
             <a:extLst>
               <a:ext uri="{FF2B5EF4-FFF2-40B4-BE49-F238E27FC236}">
-                <a16:creationId xmlns="" xmlns:a16="http://schemas.microsoft.com/office/drawing/2014/main" id="{0C3CC1C9-1FA0-4FE4-8984-4A8B3728D674}"/>
+                <a16:creationId xmlns:a16="http://schemas.microsoft.com/office/drawing/2014/main" xmlns="" id="{0C3CC1C9-1FA0-4FE4-8984-4A8B3728D674}"/>
               </a:ext>
             </a:extLst>
           </p:cNvPr>
@@ -17172,7 +17173,7 @@
           <p:cNvPr id="24" name="Freeform: Shape 23">
             <a:extLst>
               <a:ext uri="{FF2B5EF4-FFF2-40B4-BE49-F238E27FC236}">
-                <a16:creationId xmlns="" xmlns:a16="http://schemas.microsoft.com/office/drawing/2014/main" id="{8E049265-431E-48DE-B7F7-4959930171DC}"/>
+                <a16:creationId xmlns:a16="http://schemas.microsoft.com/office/drawing/2014/main" xmlns="" id="{8E049265-431E-48DE-B7F7-4959930171DC}"/>
               </a:ext>
             </a:extLst>
           </p:cNvPr>
@@ -17312,7 +17313,7 @@
           <p:cNvPr id="25" name="Freeform: Shape 24">
             <a:extLst>
               <a:ext uri="{FF2B5EF4-FFF2-40B4-BE49-F238E27FC236}">
-                <a16:creationId xmlns="" xmlns:a16="http://schemas.microsoft.com/office/drawing/2014/main" id="{173E5F2D-1F8E-4DCC-857F-932C6C6539BB}"/>
+                <a16:creationId xmlns:a16="http://schemas.microsoft.com/office/drawing/2014/main" xmlns="" id="{173E5F2D-1F8E-4DCC-857F-932C6C6539BB}"/>
               </a:ext>
             </a:extLst>
           </p:cNvPr>
@@ -17458,7 +17459,7 @@
           <p:cNvPr id="4" name="Oval 3">
             <a:extLst>
               <a:ext uri="{FF2B5EF4-FFF2-40B4-BE49-F238E27FC236}">
-                <a16:creationId xmlns="" xmlns:a16="http://schemas.microsoft.com/office/drawing/2014/main" id="{ECB4C115-EFF9-405C-98BE-F4077B9730D0}"/>
+                <a16:creationId xmlns:a16="http://schemas.microsoft.com/office/drawing/2014/main" xmlns="" id="{ECB4C115-EFF9-405C-98BE-F4077B9730D0}"/>
               </a:ext>
             </a:extLst>
           </p:cNvPr>
@@ -17516,7 +17517,7 @@
           <p:cNvPr id="18" name="Title 1">
             <a:extLst>
               <a:ext uri="{FF2B5EF4-FFF2-40B4-BE49-F238E27FC236}">
-                <a16:creationId xmlns="" xmlns:a16="http://schemas.microsoft.com/office/drawing/2014/main" id="{C9A300DD-BB54-44ED-A7E4-01CD41EC930F}"/>
+                <a16:creationId xmlns:a16="http://schemas.microsoft.com/office/drawing/2014/main" xmlns="" id="{C9A300DD-BB54-44ED-A7E4-01CD41EC930F}"/>
               </a:ext>
             </a:extLst>
           </p:cNvPr>
@@ -17579,7 +17580,7 @@
           <p:cNvPr id="2" name="Title 1">
             <a:extLst>
               <a:ext uri="{FF2B5EF4-FFF2-40B4-BE49-F238E27FC236}">
-                <a16:creationId xmlns="" xmlns:a16="http://schemas.microsoft.com/office/drawing/2014/main" id="{42374B20-3E42-44AF-BEF1-8AB33067395C}"/>
+                <a16:creationId xmlns:a16="http://schemas.microsoft.com/office/drawing/2014/main" xmlns="" id="{42374B20-3E42-44AF-BEF1-8AB33067395C}"/>
               </a:ext>
             </a:extLst>
           </p:cNvPr>
@@ -17627,7 +17628,7 @@
           <p:cNvPr id="19" name="Slide Number Placeholder 4">
             <a:extLst>
               <a:ext uri="{FF2B5EF4-FFF2-40B4-BE49-F238E27FC236}">
-                <a16:creationId xmlns="" xmlns:a16="http://schemas.microsoft.com/office/drawing/2014/main" id="{A4E6C1FF-5925-42B3-B7F9-0A0031BDAD30}"/>
+                <a16:creationId xmlns:a16="http://schemas.microsoft.com/office/drawing/2014/main" xmlns="" id="{A4E6C1FF-5925-42B3-B7F9-0A0031BDAD30}"/>
               </a:ext>
             </a:extLst>
           </p:cNvPr>
@@ -17676,11 +17677,11 @@
   <p:clrMapOvr>
     <a:masterClrMapping/>
   </p:clrMapOvr>
-  <mc:AlternateContent xmlns:mc="http://schemas.openxmlformats.org/markup-compatibility/2006">
-    <mc:Choice xmlns:p14="http://schemas.microsoft.com/office/powerpoint/2010/main" Requires="p14">
+  <mc:AlternateContent xmlns:mc="http://schemas.openxmlformats.org/markup-compatibility/2006" xmlns:p14="http://schemas.microsoft.com/office/powerpoint/2010/main">
+    <mc:Choice Requires="p14">
       <p:transition p14:dur="0"/>
     </mc:Choice>
-    <mc:Fallback>
+    <mc:Fallback xmlns="">
       <p:transition/>
     </mc:Fallback>
   </mc:AlternateContent>
@@ -17717,7 +17718,7 @@
           <p:cNvPr id="11" name="Rectangle 10">
             <a:extLst>
               <a:ext uri="{FF2B5EF4-FFF2-40B4-BE49-F238E27FC236}">
-                <a16:creationId xmlns="" xmlns:a16="http://schemas.microsoft.com/office/drawing/2014/main" id="{EB3E033F-4449-40FA-BC85-BD2712D313DD}"/>
+                <a16:creationId xmlns:a16="http://schemas.microsoft.com/office/drawing/2014/main" xmlns="" id="{EB3E033F-4449-40FA-BC85-BD2712D313DD}"/>
               </a:ext>
             </a:extLst>
           </p:cNvPr>
@@ -17771,7 +17772,7 @@
           <p:cNvPr id="10" name="Freeform: Shape 9">
             <a:extLst>
               <a:ext uri="{FF2B5EF4-FFF2-40B4-BE49-F238E27FC236}">
-                <a16:creationId xmlns="" xmlns:a16="http://schemas.microsoft.com/office/drawing/2014/main" id="{63D26743-0505-444C-80B3-E88EE87DF72B}"/>
+                <a16:creationId xmlns:a16="http://schemas.microsoft.com/office/drawing/2014/main" xmlns="" id="{63D26743-0505-444C-80B3-E88EE87DF72B}"/>
               </a:ext>
             </a:extLst>
           </p:cNvPr>
@@ -17894,7 +17895,7 @@
           <p:cNvPr id="8" name="Freeform: Shape 7">
             <a:extLst>
               <a:ext uri="{FF2B5EF4-FFF2-40B4-BE49-F238E27FC236}">
-                <a16:creationId xmlns="" xmlns:a16="http://schemas.microsoft.com/office/drawing/2014/main" id="{1599AF7E-3E34-4597-AA72-9373A7FDB020}"/>
+                <a16:creationId xmlns:a16="http://schemas.microsoft.com/office/drawing/2014/main" xmlns="" id="{1599AF7E-3E34-4597-AA72-9373A7FDB020}"/>
               </a:ext>
             </a:extLst>
           </p:cNvPr>
@@ -18040,7 +18041,7 @@
           <p:cNvPr id="2" name="Title 1">
             <a:extLst>
               <a:ext uri="{FF2B5EF4-FFF2-40B4-BE49-F238E27FC236}">
-                <a16:creationId xmlns="" xmlns:a16="http://schemas.microsoft.com/office/drawing/2014/main" id="{4A2DF563-7FAC-46B3-B24C-7E45CD89DA2B}"/>
+                <a16:creationId xmlns:a16="http://schemas.microsoft.com/office/drawing/2014/main" xmlns="" id="{4A2DF563-7FAC-46B3-B24C-7E45CD89DA2B}"/>
               </a:ext>
             </a:extLst>
           </p:cNvPr>
@@ -18086,7 +18087,7 @@
           <p:cNvPr id="5" name="Slide Number Placeholder 4">
             <a:extLst>
               <a:ext uri="{FF2B5EF4-FFF2-40B4-BE49-F238E27FC236}">
-                <a16:creationId xmlns="" xmlns:a16="http://schemas.microsoft.com/office/drawing/2014/main" id="{87B51822-97FF-47A7-8E4E-A0F79B4EB237}"/>
+                <a16:creationId xmlns:a16="http://schemas.microsoft.com/office/drawing/2014/main" xmlns="" id="{87B51822-97FF-47A7-8E4E-A0F79B4EB237}"/>
               </a:ext>
             </a:extLst>
           </p:cNvPr>
@@ -18130,7 +18131,7 @@
           <p:cNvPr id="15" name="Group 14">
             <a:extLst>
               <a:ext uri="{FF2B5EF4-FFF2-40B4-BE49-F238E27FC236}">
-                <a16:creationId xmlns="" xmlns:a16="http://schemas.microsoft.com/office/drawing/2014/main" id="{7732E1E7-45E3-4264-8F26-66758696DD1E}"/>
+                <a16:creationId xmlns:a16="http://schemas.microsoft.com/office/drawing/2014/main" xmlns="" id="{7732E1E7-45E3-4264-8F26-66758696DD1E}"/>
               </a:ext>
             </a:extLst>
           </p:cNvPr>
@@ -18150,7 +18151,7 @@
             <p:cNvPr id="16" name="Freeform: Shape 15">
               <a:extLst>
                 <a:ext uri="{FF2B5EF4-FFF2-40B4-BE49-F238E27FC236}">
-                  <a16:creationId xmlns="" xmlns:a16="http://schemas.microsoft.com/office/drawing/2014/main" id="{2E3DF883-8093-49FA-81E1-E5D77F086A25}"/>
+                  <a16:creationId xmlns:a16="http://schemas.microsoft.com/office/drawing/2014/main" xmlns="" id="{2E3DF883-8093-49FA-81E1-E5D77F086A25}"/>
                 </a:ext>
               </a:extLst>
             </p:cNvPr>
@@ -18240,7 +18241,7 @@
             <p:cNvPr id="17" name="Freeform: Shape 16">
               <a:extLst>
                 <a:ext uri="{FF2B5EF4-FFF2-40B4-BE49-F238E27FC236}">
-                  <a16:creationId xmlns="" xmlns:a16="http://schemas.microsoft.com/office/drawing/2014/main" id="{18944C90-37E5-4BBE-89FF-060627168050}"/>
+                  <a16:creationId xmlns:a16="http://schemas.microsoft.com/office/drawing/2014/main" xmlns="" id="{18944C90-37E5-4BBE-89FF-060627168050}"/>
                 </a:ext>
               </a:extLst>
             </p:cNvPr>
@@ -18339,7 +18340,7 @@
           <p:cNvPr id="23" name="Text Placeholder 22">
             <a:extLst>
               <a:ext uri="{FF2B5EF4-FFF2-40B4-BE49-F238E27FC236}">
-                <a16:creationId xmlns="" xmlns:a16="http://schemas.microsoft.com/office/drawing/2014/main" id="{03618670-D1E4-466C-BDB5-FC890AC31457}"/>
+                <a16:creationId xmlns:a16="http://schemas.microsoft.com/office/drawing/2014/main" xmlns="" id="{03618670-D1E4-466C-BDB5-FC890AC31457}"/>
               </a:ext>
             </a:extLst>
           </p:cNvPr>
@@ -18467,11 +18468,11 @@
   <p:clrMapOvr>
     <a:masterClrMapping/>
   </p:clrMapOvr>
-  <mc:AlternateContent xmlns:mc="http://schemas.openxmlformats.org/markup-compatibility/2006">
-    <mc:Choice xmlns:p14="http://schemas.microsoft.com/office/powerpoint/2010/main" Requires="p14">
+  <mc:AlternateContent xmlns:mc="http://schemas.openxmlformats.org/markup-compatibility/2006" xmlns:p14="http://schemas.microsoft.com/office/powerpoint/2010/main">
+    <mc:Choice Requires="p14">
       <p:transition p14:dur="0"/>
     </mc:Choice>
-    <mc:Fallback>
+    <mc:Fallback xmlns="">
       <p:transition/>
     </mc:Fallback>
   </mc:AlternateContent>
@@ -18508,7 +18509,7 @@
           <p:cNvPr id="11" name="Rectangle 10">
             <a:extLst>
               <a:ext uri="{FF2B5EF4-FFF2-40B4-BE49-F238E27FC236}">
-                <a16:creationId xmlns="" xmlns:a16="http://schemas.microsoft.com/office/drawing/2014/main" id="{EB3E033F-4449-40FA-BC85-BD2712D313DD}"/>
+                <a16:creationId xmlns:a16="http://schemas.microsoft.com/office/drawing/2014/main" xmlns="" id="{EB3E033F-4449-40FA-BC85-BD2712D313DD}"/>
               </a:ext>
             </a:extLst>
           </p:cNvPr>
@@ -18562,7 +18563,7 @@
           <p:cNvPr id="10" name="Freeform: Shape 9">
             <a:extLst>
               <a:ext uri="{FF2B5EF4-FFF2-40B4-BE49-F238E27FC236}">
-                <a16:creationId xmlns="" xmlns:a16="http://schemas.microsoft.com/office/drawing/2014/main" id="{63D26743-0505-444C-80B3-E88EE87DF72B}"/>
+                <a16:creationId xmlns:a16="http://schemas.microsoft.com/office/drawing/2014/main" xmlns="" id="{63D26743-0505-444C-80B3-E88EE87DF72B}"/>
               </a:ext>
             </a:extLst>
           </p:cNvPr>
@@ -18685,7 +18686,7 @@
           <p:cNvPr id="18" name="Freeform: Shape 17">
             <a:extLst>
               <a:ext uri="{FF2B5EF4-FFF2-40B4-BE49-F238E27FC236}">
-                <a16:creationId xmlns="" xmlns:a16="http://schemas.microsoft.com/office/drawing/2014/main" id="{E37145E9-AC61-47D5-9288-8789940F81B6}"/>
+                <a16:creationId xmlns:a16="http://schemas.microsoft.com/office/drawing/2014/main" xmlns="" id="{E37145E9-AC61-47D5-9288-8789940F81B6}"/>
               </a:ext>
             </a:extLst>
           </p:cNvPr>
@@ -18837,7 +18838,7 @@
           <p:cNvPr id="12" name="Freeform: Shape 11">
             <a:extLst>
               <a:ext uri="{FF2B5EF4-FFF2-40B4-BE49-F238E27FC236}">
-                <a16:creationId xmlns="" xmlns:a16="http://schemas.microsoft.com/office/drawing/2014/main" id="{A5E2B3ED-9A49-40A7-B8A3-62595FE513F9}"/>
+                <a16:creationId xmlns:a16="http://schemas.microsoft.com/office/drawing/2014/main" xmlns="" id="{A5E2B3ED-9A49-40A7-B8A3-62595FE513F9}"/>
               </a:ext>
             </a:extLst>
           </p:cNvPr>
@@ -18987,7 +18988,7 @@
           <p:cNvPr id="8" name="Freeform: Shape 7">
             <a:extLst>
               <a:ext uri="{FF2B5EF4-FFF2-40B4-BE49-F238E27FC236}">
-                <a16:creationId xmlns="" xmlns:a16="http://schemas.microsoft.com/office/drawing/2014/main" id="{1599AF7E-3E34-4597-AA72-9373A7FDB020}"/>
+                <a16:creationId xmlns:a16="http://schemas.microsoft.com/office/drawing/2014/main" xmlns="" id="{1599AF7E-3E34-4597-AA72-9373A7FDB020}"/>
               </a:ext>
             </a:extLst>
           </p:cNvPr>
@@ -19133,7 +19134,7 @@
           <p:cNvPr id="2" name="Title 1">
             <a:extLst>
               <a:ext uri="{FF2B5EF4-FFF2-40B4-BE49-F238E27FC236}">
-                <a16:creationId xmlns="" xmlns:a16="http://schemas.microsoft.com/office/drawing/2014/main" id="{4A2DF563-7FAC-46B3-B24C-7E45CD89DA2B}"/>
+                <a16:creationId xmlns:a16="http://schemas.microsoft.com/office/drawing/2014/main" xmlns="" id="{4A2DF563-7FAC-46B3-B24C-7E45CD89DA2B}"/>
               </a:ext>
             </a:extLst>
           </p:cNvPr>
@@ -19179,7 +19180,7 @@
           <p:cNvPr id="15" name="Group 14">
             <a:extLst>
               <a:ext uri="{FF2B5EF4-FFF2-40B4-BE49-F238E27FC236}">
-                <a16:creationId xmlns="" xmlns:a16="http://schemas.microsoft.com/office/drawing/2014/main" id="{7732E1E7-45E3-4264-8F26-66758696DD1E}"/>
+                <a16:creationId xmlns:a16="http://schemas.microsoft.com/office/drawing/2014/main" xmlns="" id="{7732E1E7-45E3-4264-8F26-66758696DD1E}"/>
               </a:ext>
             </a:extLst>
           </p:cNvPr>
@@ -19199,7 +19200,7 @@
             <p:cNvPr id="16" name="Freeform: Shape 15">
               <a:extLst>
                 <a:ext uri="{FF2B5EF4-FFF2-40B4-BE49-F238E27FC236}">
-                  <a16:creationId xmlns="" xmlns:a16="http://schemas.microsoft.com/office/drawing/2014/main" id="{2E3DF883-8093-49FA-81E1-E5D77F086A25}"/>
+                  <a16:creationId xmlns:a16="http://schemas.microsoft.com/office/drawing/2014/main" xmlns="" id="{2E3DF883-8093-49FA-81E1-E5D77F086A25}"/>
                 </a:ext>
               </a:extLst>
             </p:cNvPr>
@@ -19289,7 +19290,7 @@
             <p:cNvPr id="17" name="Freeform: Shape 16">
               <a:extLst>
                 <a:ext uri="{FF2B5EF4-FFF2-40B4-BE49-F238E27FC236}">
-                  <a16:creationId xmlns="" xmlns:a16="http://schemas.microsoft.com/office/drawing/2014/main" id="{18944C90-37E5-4BBE-89FF-060627168050}"/>
+                  <a16:creationId xmlns:a16="http://schemas.microsoft.com/office/drawing/2014/main" xmlns="" id="{18944C90-37E5-4BBE-89FF-060627168050}"/>
                 </a:ext>
               </a:extLst>
             </p:cNvPr>
@@ -19388,7 +19389,7 @@
           <p:cNvPr id="6" name="Group 5">
             <a:extLst>
               <a:ext uri="{FF2B5EF4-FFF2-40B4-BE49-F238E27FC236}">
-                <a16:creationId xmlns="" xmlns:a16="http://schemas.microsoft.com/office/drawing/2014/main" id="{D9EBF8BB-A805-4DDB-B459-082F99815B95}"/>
+                <a16:creationId xmlns:a16="http://schemas.microsoft.com/office/drawing/2014/main" xmlns="" id="{D9EBF8BB-A805-4DDB-B459-082F99815B95}"/>
               </a:ext>
             </a:extLst>
           </p:cNvPr>
@@ -19408,7 +19409,7 @@
             <p:cNvPr id="19" name="Rectangle: Single Corner Snipped 18">
               <a:extLst>
                 <a:ext uri="{FF2B5EF4-FFF2-40B4-BE49-F238E27FC236}">
-                  <a16:creationId xmlns="" xmlns:a16="http://schemas.microsoft.com/office/drawing/2014/main" id="{5D638788-DD47-45E7-939A-FA108A818173}"/>
+                  <a16:creationId xmlns:a16="http://schemas.microsoft.com/office/drawing/2014/main" xmlns="" id="{5D638788-DD47-45E7-939A-FA108A818173}"/>
                 </a:ext>
               </a:extLst>
             </p:cNvPr>
@@ -19474,7 +19475,7 @@
             <p:cNvPr id="3" name="Rectangle: Single Corner Snipped 2">
               <a:extLst>
                 <a:ext uri="{FF2B5EF4-FFF2-40B4-BE49-F238E27FC236}">
-                  <a16:creationId xmlns="" xmlns:a16="http://schemas.microsoft.com/office/drawing/2014/main" id="{74BDECEF-EEFE-4332-B3B2-BDE4F82C10FC}"/>
+                  <a16:creationId xmlns:a16="http://schemas.microsoft.com/office/drawing/2014/main" xmlns="" id="{74BDECEF-EEFE-4332-B3B2-BDE4F82C10FC}"/>
                 </a:ext>
               </a:extLst>
             </p:cNvPr>
@@ -19531,7 +19532,7 @@
           <p:cNvPr id="24" name="Freeform: Shape 23">
             <a:extLst>
               <a:ext uri="{FF2B5EF4-FFF2-40B4-BE49-F238E27FC236}">
-                <a16:creationId xmlns="" xmlns:a16="http://schemas.microsoft.com/office/drawing/2014/main" id="{18103E00-7E4A-44CD-81AC-06433CAE1110}"/>
+                <a16:creationId xmlns:a16="http://schemas.microsoft.com/office/drawing/2014/main" xmlns="" id="{18103E00-7E4A-44CD-81AC-06433CAE1110}"/>
               </a:ext>
             </a:extLst>
           </p:cNvPr>
@@ -19626,7 +19627,7 @@
           <p:cNvPr id="5" name="Slide Number Placeholder 4">
             <a:extLst>
               <a:ext uri="{FF2B5EF4-FFF2-40B4-BE49-F238E27FC236}">
-                <a16:creationId xmlns="" xmlns:a16="http://schemas.microsoft.com/office/drawing/2014/main" id="{87B51822-97FF-47A7-8E4E-A0F79B4EB237}"/>
+                <a16:creationId xmlns:a16="http://schemas.microsoft.com/office/drawing/2014/main" xmlns="" id="{87B51822-97FF-47A7-8E4E-A0F79B4EB237}"/>
               </a:ext>
             </a:extLst>
           </p:cNvPr>
@@ -19675,11 +19676,11 @@
   <p:clrMapOvr>
     <a:masterClrMapping/>
   </p:clrMapOvr>
-  <mc:AlternateContent xmlns:mc="http://schemas.openxmlformats.org/markup-compatibility/2006">
-    <mc:Choice xmlns:p14="http://schemas.microsoft.com/office/powerpoint/2010/main" Requires="p14">
+  <mc:AlternateContent xmlns:mc="http://schemas.openxmlformats.org/markup-compatibility/2006" xmlns:p14="http://schemas.microsoft.com/office/powerpoint/2010/main">
+    <mc:Choice Requires="p14">
       <p:transition p14:dur="0"/>
     </mc:Choice>
-    <mc:Fallback>
+    <mc:Fallback xmlns="">
       <p:transition/>
     </mc:Fallback>
   </mc:AlternateContent>
@@ -19716,7 +19717,7 @@
           <p:cNvPr id="11" name="Rectangle 10">
             <a:extLst>
               <a:ext uri="{FF2B5EF4-FFF2-40B4-BE49-F238E27FC236}">
-                <a16:creationId xmlns="" xmlns:a16="http://schemas.microsoft.com/office/drawing/2014/main" id="{EB3E033F-4449-40FA-BC85-BD2712D313DD}"/>
+                <a16:creationId xmlns:a16="http://schemas.microsoft.com/office/drawing/2014/main" xmlns="" id="{EB3E033F-4449-40FA-BC85-BD2712D313DD}"/>
               </a:ext>
             </a:extLst>
           </p:cNvPr>
@@ -19770,7 +19771,7 @@
           <p:cNvPr id="10" name="Freeform: Shape 9">
             <a:extLst>
               <a:ext uri="{FF2B5EF4-FFF2-40B4-BE49-F238E27FC236}">
-                <a16:creationId xmlns="" xmlns:a16="http://schemas.microsoft.com/office/drawing/2014/main" id="{63D26743-0505-444C-80B3-E88EE87DF72B}"/>
+                <a16:creationId xmlns:a16="http://schemas.microsoft.com/office/drawing/2014/main" xmlns="" id="{63D26743-0505-444C-80B3-E88EE87DF72B}"/>
               </a:ext>
             </a:extLst>
           </p:cNvPr>
@@ -19893,7 +19894,7 @@
           <p:cNvPr id="18" name="Freeform: Shape 17">
             <a:extLst>
               <a:ext uri="{FF2B5EF4-FFF2-40B4-BE49-F238E27FC236}">
-                <a16:creationId xmlns="" xmlns:a16="http://schemas.microsoft.com/office/drawing/2014/main" id="{E37145E9-AC61-47D5-9288-8789940F81B6}"/>
+                <a16:creationId xmlns:a16="http://schemas.microsoft.com/office/drawing/2014/main" xmlns="" id="{E37145E9-AC61-47D5-9288-8789940F81B6}"/>
               </a:ext>
             </a:extLst>
           </p:cNvPr>
@@ -20045,7 +20046,7 @@
           <p:cNvPr id="12" name="Freeform: Shape 11">
             <a:extLst>
               <a:ext uri="{FF2B5EF4-FFF2-40B4-BE49-F238E27FC236}">
-                <a16:creationId xmlns="" xmlns:a16="http://schemas.microsoft.com/office/drawing/2014/main" id="{A5E2B3ED-9A49-40A7-B8A3-62595FE513F9}"/>
+                <a16:creationId xmlns:a16="http://schemas.microsoft.com/office/drawing/2014/main" xmlns="" id="{A5E2B3ED-9A49-40A7-B8A3-62595FE513F9}"/>
               </a:ext>
             </a:extLst>
           </p:cNvPr>
@@ -20195,7 +20196,7 @@
           <p:cNvPr id="8" name="Freeform: Shape 7">
             <a:extLst>
               <a:ext uri="{FF2B5EF4-FFF2-40B4-BE49-F238E27FC236}">
-                <a16:creationId xmlns="" xmlns:a16="http://schemas.microsoft.com/office/drawing/2014/main" id="{1599AF7E-3E34-4597-AA72-9373A7FDB020}"/>
+                <a16:creationId xmlns:a16="http://schemas.microsoft.com/office/drawing/2014/main" xmlns="" id="{1599AF7E-3E34-4597-AA72-9373A7FDB020}"/>
               </a:ext>
             </a:extLst>
           </p:cNvPr>
@@ -20341,7 +20342,7 @@
           <p:cNvPr id="2" name="Title 1">
             <a:extLst>
               <a:ext uri="{FF2B5EF4-FFF2-40B4-BE49-F238E27FC236}">
-                <a16:creationId xmlns="" xmlns:a16="http://schemas.microsoft.com/office/drawing/2014/main" id="{4A2DF563-7FAC-46B3-B24C-7E45CD89DA2B}"/>
+                <a16:creationId xmlns:a16="http://schemas.microsoft.com/office/drawing/2014/main" xmlns="" id="{4A2DF563-7FAC-46B3-B24C-7E45CD89DA2B}"/>
               </a:ext>
             </a:extLst>
           </p:cNvPr>
@@ -20387,7 +20388,7 @@
           <p:cNvPr id="15" name="Group 14">
             <a:extLst>
               <a:ext uri="{FF2B5EF4-FFF2-40B4-BE49-F238E27FC236}">
-                <a16:creationId xmlns="" xmlns:a16="http://schemas.microsoft.com/office/drawing/2014/main" id="{7732E1E7-45E3-4264-8F26-66758696DD1E}"/>
+                <a16:creationId xmlns:a16="http://schemas.microsoft.com/office/drawing/2014/main" xmlns="" id="{7732E1E7-45E3-4264-8F26-66758696DD1E}"/>
               </a:ext>
             </a:extLst>
           </p:cNvPr>
@@ -20407,7 +20408,7 @@
             <p:cNvPr id="16" name="Freeform: Shape 15">
               <a:extLst>
                 <a:ext uri="{FF2B5EF4-FFF2-40B4-BE49-F238E27FC236}">
-                  <a16:creationId xmlns="" xmlns:a16="http://schemas.microsoft.com/office/drawing/2014/main" id="{2E3DF883-8093-49FA-81E1-E5D77F086A25}"/>
+                  <a16:creationId xmlns:a16="http://schemas.microsoft.com/office/drawing/2014/main" xmlns="" id="{2E3DF883-8093-49FA-81E1-E5D77F086A25}"/>
                 </a:ext>
               </a:extLst>
             </p:cNvPr>
@@ -20497,7 +20498,7 @@
             <p:cNvPr id="17" name="Freeform: Shape 16">
               <a:extLst>
                 <a:ext uri="{FF2B5EF4-FFF2-40B4-BE49-F238E27FC236}">
-                  <a16:creationId xmlns="" xmlns:a16="http://schemas.microsoft.com/office/drawing/2014/main" id="{18944C90-37E5-4BBE-89FF-060627168050}"/>
+                  <a16:creationId xmlns:a16="http://schemas.microsoft.com/office/drawing/2014/main" xmlns="" id="{18944C90-37E5-4BBE-89FF-060627168050}"/>
                 </a:ext>
               </a:extLst>
             </p:cNvPr>
@@ -20596,7 +20597,7 @@
           <p:cNvPr id="6" name="Group 5">
             <a:extLst>
               <a:ext uri="{FF2B5EF4-FFF2-40B4-BE49-F238E27FC236}">
-                <a16:creationId xmlns="" xmlns:a16="http://schemas.microsoft.com/office/drawing/2014/main" id="{D9EBF8BB-A805-4DDB-B459-082F99815B95}"/>
+                <a16:creationId xmlns:a16="http://schemas.microsoft.com/office/drawing/2014/main" xmlns="" id="{D9EBF8BB-A805-4DDB-B459-082F99815B95}"/>
               </a:ext>
             </a:extLst>
           </p:cNvPr>
@@ -20616,7 +20617,7 @@
             <p:cNvPr id="19" name="Rectangle: Single Corner Snipped 18">
               <a:extLst>
                 <a:ext uri="{FF2B5EF4-FFF2-40B4-BE49-F238E27FC236}">
-                  <a16:creationId xmlns="" xmlns:a16="http://schemas.microsoft.com/office/drawing/2014/main" id="{5D638788-DD47-45E7-939A-FA108A818173}"/>
+                  <a16:creationId xmlns:a16="http://schemas.microsoft.com/office/drawing/2014/main" xmlns="" id="{5D638788-DD47-45E7-939A-FA108A818173}"/>
                 </a:ext>
               </a:extLst>
             </p:cNvPr>
@@ -20682,7 +20683,7 @@
             <p:cNvPr id="3" name="Rectangle: Single Corner Snipped 2">
               <a:extLst>
                 <a:ext uri="{FF2B5EF4-FFF2-40B4-BE49-F238E27FC236}">
-                  <a16:creationId xmlns="" xmlns:a16="http://schemas.microsoft.com/office/drawing/2014/main" id="{74BDECEF-EEFE-4332-B3B2-BDE4F82C10FC}"/>
+                  <a16:creationId xmlns:a16="http://schemas.microsoft.com/office/drawing/2014/main" xmlns="" id="{74BDECEF-EEFE-4332-B3B2-BDE4F82C10FC}"/>
                 </a:ext>
               </a:extLst>
             </p:cNvPr>
@@ -20739,7 +20740,7 @@
           <p:cNvPr id="24" name="Freeform: Shape 23">
             <a:extLst>
               <a:ext uri="{FF2B5EF4-FFF2-40B4-BE49-F238E27FC236}">
-                <a16:creationId xmlns="" xmlns:a16="http://schemas.microsoft.com/office/drawing/2014/main" id="{18103E00-7E4A-44CD-81AC-06433CAE1110}"/>
+                <a16:creationId xmlns:a16="http://schemas.microsoft.com/office/drawing/2014/main" xmlns="" id="{18103E00-7E4A-44CD-81AC-06433CAE1110}"/>
               </a:ext>
             </a:extLst>
           </p:cNvPr>
@@ -20834,7 +20835,7 @@
           <p:cNvPr id="5" name="Slide Number Placeholder 4">
             <a:extLst>
               <a:ext uri="{FF2B5EF4-FFF2-40B4-BE49-F238E27FC236}">
-                <a16:creationId xmlns="" xmlns:a16="http://schemas.microsoft.com/office/drawing/2014/main" id="{87B51822-97FF-47A7-8E4E-A0F79B4EB237}"/>
+                <a16:creationId xmlns:a16="http://schemas.microsoft.com/office/drawing/2014/main" xmlns="" id="{87B51822-97FF-47A7-8E4E-A0F79B4EB237}"/>
               </a:ext>
             </a:extLst>
           </p:cNvPr>
@@ -20878,7 +20879,7 @@
           <p:cNvPr id="7" name="Text Placeholder 6">
             <a:extLst>
               <a:ext uri="{FF2B5EF4-FFF2-40B4-BE49-F238E27FC236}">
-                <a16:creationId xmlns="" xmlns:a16="http://schemas.microsoft.com/office/drawing/2014/main" id="{7E0C167E-2626-40DB-AACF-D02543E29BB3}"/>
+                <a16:creationId xmlns:a16="http://schemas.microsoft.com/office/drawing/2014/main" xmlns="" id="{7E0C167E-2626-40DB-AACF-D02543E29BB3}"/>
               </a:ext>
             </a:extLst>
           </p:cNvPr>
@@ -20928,11 +20929,11 @@
   <p:clrMapOvr>
     <a:masterClrMapping/>
   </p:clrMapOvr>
-  <mc:AlternateContent xmlns:mc="http://schemas.openxmlformats.org/markup-compatibility/2006">
-    <mc:Choice xmlns:p14="http://schemas.microsoft.com/office/powerpoint/2010/main" Requires="p14">
+  <mc:AlternateContent xmlns:mc="http://schemas.openxmlformats.org/markup-compatibility/2006" xmlns:p14="http://schemas.microsoft.com/office/powerpoint/2010/main">
+    <mc:Choice Requires="p14">
       <p:transition p14:dur="0"/>
     </mc:Choice>
-    <mc:Fallback>
+    <mc:Fallback xmlns="">
       <p:transition/>
     </mc:Fallback>
   </mc:AlternateContent>
@@ -20969,7 +20970,7 @@
           <p:cNvPr id="11" name="Rectangle 10">
             <a:extLst>
               <a:ext uri="{FF2B5EF4-FFF2-40B4-BE49-F238E27FC236}">
-                <a16:creationId xmlns="" xmlns:a16="http://schemas.microsoft.com/office/drawing/2014/main" id="{EB3E033F-4449-40FA-BC85-BD2712D313DD}"/>
+                <a16:creationId xmlns:a16="http://schemas.microsoft.com/office/drawing/2014/main" xmlns="" id="{EB3E033F-4449-40FA-BC85-BD2712D313DD}"/>
               </a:ext>
             </a:extLst>
           </p:cNvPr>
@@ -21023,7 +21024,7 @@
           <p:cNvPr id="10" name="Freeform: Shape 9">
             <a:extLst>
               <a:ext uri="{FF2B5EF4-FFF2-40B4-BE49-F238E27FC236}">
-                <a16:creationId xmlns="" xmlns:a16="http://schemas.microsoft.com/office/drawing/2014/main" id="{63D26743-0505-444C-80B3-E88EE87DF72B}"/>
+                <a16:creationId xmlns:a16="http://schemas.microsoft.com/office/drawing/2014/main" xmlns="" id="{63D26743-0505-444C-80B3-E88EE87DF72B}"/>
               </a:ext>
             </a:extLst>
           </p:cNvPr>
@@ -21146,7 +21147,7 @@
           <p:cNvPr id="18" name="Freeform: Shape 17">
             <a:extLst>
               <a:ext uri="{FF2B5EF4-FFF2-40B4-BE49-F238E27FC236}">
-                <a16:creationId xmlns="" xmlns:a16="http://schemas.microsoft.com/office/drawing/2014/main" id="{E37145E9-AC61-47D5-9288-8789940F81B6}"/>
+                <a16:creationId xmlns:a16="http://schemas.microsoft.com/office/drawing/2014/main" xmlns="" id="{E37145E9-AC61-47D5-9288-8789940F81B6}"/>
               </a:ext>
             </a:extLst>
           </p:cNvPr>
@@ -21298,7 +21299,7 @@
           <p:cNvPr id="12" name="Freeform: Shape 11">
             <a:extLst>
               <a:ext uri="{FF2B5EF4-FFF2-40B4-BE49-F238E27FC236}">
-                <a16:creationId xmlns="" xmlns:a16="http://schemas.microsoft.com/office/drawing/2014/main" id="{A5E2B3ED-9A49-40A7-B8A3-62595FE513F9}"/>
+                <a16:creationId xmlns:a16="http://schemas.microsoft.com/office/drawing/2014/main" xmlns="" id="{A5E2B3ED-9A49-40A7-B8A3-62595FE513F9}"/>
               </a:ext>
             </a:extLst>
           </p:cNvPr>
@@ -21448,7 +21449,7 @@
           <p:cNvPr id="8" name="Freeform: Shape 7">
             <a:extLst>
               <a:ext uri="{FF2B5EF4-FFF2-40B4-BE49-F238E27FC236}">
-                <a16:creationId xmlns="" xmlns:a16="http://schemas.microsoft.com/office/drawing/2014/main" id="{1599AF7E-3E34-4597-AA72-9373A7FDB020}"/>
+                <a16:creationId xmlns:a16="http://schemas.microsoft.com/office/drawing/2014/main" xmlns="" id="{1599AF7E-3E34-4597-AA72-9373A7FDB020}"/>
               </a:ext>
             </a:extLst>
           </p:cNvPr>
@@ -21594,7 +21595,7 @@
           <p:cNvPr id="2" name="Title 1">
             <a:extLst>
               <a:ext uri="{FF2B5EF4-FFF2-40B4-BE49-F238E27FC236}">
-                <a16:creationId xmlns="" xmlns:a16="http://schemas.microsoft.com/office/drawing/2014/main" id="{4A2DF563-7FAC-46B3-B24C-7E45CD89DA2B}"/>
+                <a16:creationId xmlns:a16="http://schemas.microsoft.com/office/drawing/2014/main" xmlns="" id="{4A2DF563-7FAC-46B3-B24C-7E45CD89DA2B}"/>
               </a:ext>
             </a:extLst>
           </p:cNvPr>
@@ -21640,7 +21641,7 @@
           <p:cNvPr id="15" name="Group 14">
             <a:extLst>
               <a:ext uri="{FF2B5EF4-FFF2-40B4-BE49-F238E27FC236}">
-                <a16:creationId xmlns="" xmlns:a16="http://schemas.microsoft.com/office/drawing/2014/main" id="{7732E1E7-45E3-4264-8F26-66758696DD1E}"/>
+                <a16:creationId xmlns:a16="http://schemas.microsoft.com/office/drawing/2014/main" xmlns="" id="{7732E1E7-45E3-4264-8F26-66758696DD1E}"/>
               </a:ext>
             </a:extLst>
           </p:cNvPr>
@@ -21660,7 +21661,7 @@
             <p:cNvPr id="16" name="Freeform: Shape 15">
               <a:extLst>
                 <a:ext uri="{FF2B5EF4-FFF2-40B4-BE49-F238E27FC236}">
-                  <a16:creationId xmlns="" xmlns:a16="http://schemas.microsoft.com/office/drawing/2014/main" id="{2E3DF883-8093-49FA-81E1-E5D77F086A25}"/>
+                  <a16:creationId xmlns:a16="http://schemas.microsoft.com/office/drawing/2014/main" xmlns="" id="{2E3DF883-8093-49FA-81E1-E5D77F086A25}"/>
                 </a:ext>
               </a:extLst>
             </p:cNvPr>
@@ -21750,7 +21751,7 @@
             <p:cNvPr id="17" name="Freeform: Shape 16">
               <a:extLst>
                 <a:ext uri="{FF2B5EF4-FFF2-40B4-BE49-F238E27FC236}">
-                  <a16:creationId xmlns="" xmlns:a16="http://schemas.microsoft.com/office/drawing/2014/main" id="{18944C90-37E5-4BBE-89FF-060627168050}"/>
+                  <a16:creationId xmlns:a16="http://schemas.microsoft.com/office/drawing/2014/main" xmlns="" id="{18944C90-37E5-4BBE-89FF-060627168050}"/>
                 </a:ext>
               </a:extLst>
             </p:cNvPr>
@@ -21849,7 +21850,7 @@
           <p:cNvPr id="6" name="Group 5">
             <a:extLst>
               <a:ext uri="{FF2B5EF4-FFF2-40B4-BE49-F238E27FC236}">
-                <a16:creationId xmlns="" xmlns:a16="http://schemas.microsoft.com/office/drawing/2014/main" id="{D9EBF8BB-A805-4DDB-B459-082F99815B95}"/>
+                <a16:creationId xmlns:a16="http://schemas.microsoft.com/office/drawing/2014/main" xmlns="" id="{D9EBF8BB-A805-4DDB-B459-082F99815B95}"/>
               </a:ext>
             </a:extLst>
           </p:cNvPr>
@@ -21869,7 +21870,7 @@
             <p:cNvPr id="19" name="Rectangle: Single Corner Snipped 18">
               <a:extLst>
                 <a:ext uri="{FF2B5EF4-FFF2-40B4-BE49-F238E27FC236}">
-                  <a16:creationId xmlns="" xmlns:a16="http://schemas.microsoft.com/office/drawing/2014/main" id="{5D638788-DD47-45E7-939A-FA108A818173}"/>
+                  <a16:creationId xmlns:a16="http://schemas.microsoft.com/office/drawing/2014/main" xmlns="" id="{5D638788-DD47-45E7-939A-FA108A818173}"/>
                 </a:ext>
               </a:extLst>
             </p:cNvPr>
@@ -21935,7 +21936,7 @@
             <p:cNvPr id="3" name="Rectangle: Single Corner Snipped 2">
               <a:extLst>
                 <a:ext uri="{FF2B5EF4-FFF2-40B4-BE49-F238E27FC236}">
-                  <a16:creationId xmlns="" xmlns:a16="http://schemas.microsoft.com/office/drawing/2014/main" id="{74BDECEF-EEFE-4332-B3B2-BDE4F82C10FC}"/>
+                  <a16:creationId xmlns:a16="http://schemas.microsoft.com/office/drawing/2014/main" xmlns="" id="{74BDECEF-EEFE-4332-B3B2-BDE4F82C10FC}"/>
                 </a:ext>
               </a:extLst>
             </p:cNvPr>
@@ -21992,7 +21993,7 @@
           <p:cNvPr id="24" name="Freeform: Shape 23">
             <a:extLst>
               <a:ext uri="{FF2B5EF4-FFF2-40B4-BE49-F238E27FC236}">
-                <a16:creationId xmlns="" xmlns:a16="http://schemas.microsoft.com/office/drawing/2014/main" id="{18103E00-7E4A-44CD-81AC-06433CAE1110}"/>
+                <a16:creationId xmlns:a16="http://schemas.microsoft.com/office/drawing/2014/main" xmlns="" id="{18103E00-7E4A-44CD-81AC-06433CAE1110}"/>
               </a:ext>
             </a:extLst>
           </p:cNvPr>
@@ -22087,7 +22088,7 @@
           <p:cNvPr id="5" name="Slide Number Placeholder 4">
             <a:extLst>
               <a:ext uri="{FF2B5EF4-FFF2-40B4-BE49-F238E27FC236}">
-                <a16:creationId xmlns="" xmlns:a16="http://schemas.microsoft.com/office/drawing/2014/main" id="{87B51822-97FF-47A7-8E4E-A0F79B4EB237}"/>
+                <a16:creationId xmlns:a16="http://schemas.microsoft.com/office/drawing/2014/main" xmlns="" id="{87B51822-97FF-47A7-8E4E-A0F79B4EB237}"/>
               </a:ext>
             </a:extLst>
           </p:cNvPr>
@@ -22131,7 +22132,7 @@
           <p:cNvPr id="20" name="Content Placeholder 2">
             <a:extLst>
               <a:ext uri="{FF2B5EF4-FFF2-40B4-BE49-F238E27FC236}">
-                <a16:creationId xmlns="" xmlns:a16="http://schemas.microsoft.com/office/drawing/2014/main" id="{0103A49C-32FF-49E6-86F3-FC2E19517BD5}"/>
+                <a16:creationId xmlns:a16="http://schemas.microsoft.com/office/drawing/2014/main" xmlns="" id="{0103A49C-32FF-49E6-86F3-FC2E19517BD5}"/>
               </a:ext>
             </a:extLst>
           </p:cNvPr>
@@ -22235,11 +22236,11 @@
   <p:clrMapOvr>
     <a:masterClrMapping/>
   </p:clrMapOvr>
-  <mc:AlternateContent xmlns:mc="http://schemas.openxmlformats.org/markup-compatibility/2006">
-    <mc:Choice xmlns:p14="http://schemas.microsoft.com/office/powerpoint/2010/main" Requires="p14">
+  <mc:AlternateContent xmlns:mc="http://schemas.openxmlformats.org/markup-compatibility/2006" xmlns:p14="http://schemas.microsoft.com/office/powerpoint/2010/main">
+    <mc:Choice Requires="p14">
       <p:transition p14:dur="0"/>
     </mc:Choice>
-    <mc:Fallback>
+    <mc:Fallback xmlns="">
       <p:transition/>
     </mc:Fallback>
   </mc:AlternateContent>
@@ -22276,7 +22277,7 @@
           <p:cNvPr id="11" name="Rectangle 10">
             <a:extLst>
               <a:ext uri="{FF2B5EF4-FFF2-40B4-BE49-F238E27FC236}">
-                <a16:creationId xmlns="" xmlns:a16="http://schemas.microsoft.com/office/drawing/2014/main" id="{EB3E033F-4449-40FA-BC85-BD2712D313DD}"/>
+                <a16:creationId xmlns:a16="http://schemas.microsoft.com/office/drawing/2014/main" xmlns="" id="{EB3E033F-4449-40FA-BC85-BD2712D313DD}"/>
               </a:ext>
             </a:extLst>
           </p:cNvPr>
@@ -22330,7 +22331,7 @@
           <p:cNvPr id="10" name="Freeform: Shape 9">
             <a:extLst>
               <a:ext uri="{FF2B5EF4-FFF2-40B4-BE49-F238E27FC236}">
-                <a16:creationId xmlns="" xmlns:a16="http://schemas.microsoft.com/office/drawing/2014/main" id="{63D26743-0505-444C-80B3-E88EE87DF72B}"/>
+                <a16:creationId xmlns:a16="http://schemas.microsoft.com/office/drawing/2014/main" xmlns="" id="{63D26743-0505-444C-80B3-E88EE87DF72B}"/>
               </a:ext>
             </a:extLst>
           </p:cNvPr>
@@ -22453,7 +22454,7 @@
           <p:cNvPr id="18" name="Freeform: Shape 17">
             <a:extLst>
               <a:ext uri="{FF2B5EF4-FFF2-40B4-BE49-F238E27FC236}">
-                <a16:creationId xmlns="" xmlns:a16="http://schemas.microsoft.com/office/drawing/2014/main" id="{E37145E9-AC61-47D5-9288-8789940F81B6}"/>
+                <a16:creationId xmlns:a16="http://schemas.microsoft.com/office/drawing/2014/main" xmlns="" id="{E37145E9-AC61-47D5-9288-8789940F81B6}"/>
               </a:ext>
             </a:extLst>
           </p:cNvPr>
@@ -22605,7 +22606,7 @@
           <p:cNvPr id="12" name="Freeform: Shape 11">
             <a:extLst>
               <a:ext uri="{FF2B5EF4-FFF2-40B4-BE49-F238E27FC236}">
-                <a16:creationId xmlns="" xmlns:a16="http://schemas.microsoft.com/office/drawing/2014/main" id="{A5E2B3ED-9A49-40A7-B8A3-62595FE513F9}"/>
+                <a16:creationId xmlns:a16="http://schemas.microsoft.com/office/drawing/2014/main" xmlns="" id="{A5E2B3ED-9A49-40A7-B8A3-62595FE513F9}"/>
               </a:ext>
             </a:extLst>
           </p:cNvPr>
@@ -22755,7 +22756,7 @@
           <p:cNvPr id="8" name="Freeform: Shape 7">
             <a:extLst>
               <a:ext uri="{FF2B5EF4-FFF2-40B4-BE49-F238E27FC236}">
-                <a16:creationId xmlns="" xmlns:a16="http://schemas.microsoft.com/office/drawing/2014/main" id="{1599AF7E-3E34-4597-AA72-9373A7FDB020}"/>
+                <a16:creationId xmlns:a16="http://schemas.microsoft.com/office/drawing/2014/main" xmlns="" id="{1599AF7E-3E34-4597-AA72-9373A7FDB020}"/>
               </a:ext>
             </a:extLst>
           </p:cNvPr>
@@ -22901,7 +22902,7 @@
           <p:cNvPr id="2" name="Title 1">
             <a:extLst>
               <a:ext uri="{FF2B5EF4-FFF2-40B4-BE49-F238E27FC236}">
-                <a16:creationId xmlns="" xmlns:a16="http://schemas.microsoft.com/office/drawing/2014/main" id="{4A2DF563-7FAC-46B3-B24C-7E45CD89DA2B}"/>
+                <a16:creationId xmlns:a16="http://schemas.microsoft.com/office/drawing/2014/main" xmlns="" id="{4A2DF563-7FAC-46B3-B24C-7E45CD89DA2B}"/>
               </a:ext>
             </a:extLst>
           </p:cNvPr>
@@ -22947,7 +22948,7 @@
           <p:cNvPr id="15" name="Group 14">
             <a:extLst>
               <a:ext uri="{FF2B5EF4-FFF2-40B4-BE49-F238E27FC236}">
-                <a16:creationId xmlns="" xmlns:a16="http://schemas.microsoft.com/office/drawing/2014/main" id="{7732E1E7-45E3-4264-8F26-66758696DD1E}"/>
+                <a16:creationId xmlns:a16="http://schemas.microsoft.com/office/drawing/2014/main" xmlns="" id="{7732E1E7-45E3-4264-8F26-66758696DD1E}"/>
               </a:ext>
             </a:extLst>
           </p:cNvPr>
@@ -22967,7 +22968,7 @@
             <p:cNvPr id="16" name="Freeform: Shape 15">
               <a:extLst>
                 <a:ext uri="{FF2B5EF4-FFF2-40B4-BE49-F238E27FC236}">
-                  <a16:creationId xmlns="" xmlns:a16="http://schemas.microsoft.com/office/drawing/2014/main" id="{2E3DF883-8093-49FA-81E1-E5D77F086A25}"/>
+                  <a16:creationId xmlns:a16="http://schemas.microsoft.com/office/drawing/2014/main" xmlns="" id="{2E3DF883-8093-49FA-81E1-E5D77F086A25}"/>
                 </a:ext>
               </a:extLst>
             </p:cNvPr>
@@ -23057,7 +23058,7 @@
             <p:cNvPr id="17" name="Freeform: Shape 16">
               <a:extLst>
                 <a:ext uri="{FF2B5EF4-FFF2-40B4-BE49-F238E27FC236}">
-                  <a16:creationId xmlns="" xmlns:a16="http://schemas.microsoft.com/office/drawing/2014/main" id="{18944C90-37E5-4BBE-89FF-060627168050}"/>
+                  <a16:creationId xmlns:a16="http://schemas.microsoft.com/office/drawing/2014/main" xmlns="" id="{18944C90-37E5-4BBE-89FF-060627168050}"/>
                 </a:ext>
               </a:extLst>
             </p:cNvPr>
@@ -23156,7 +23157,7 @@
           <p:cNvPr id="6" name="Group 5">
             <a:extLst>
               <a:ext uri="{FF2B5EF4-FFF2-40B4-BE49-F238E27FC236}">
-                <a16:creationId xmlns="" xmlns:a16="http://schemas.microsoft.com/office/drawing/2014/main" id="{D9EBF8BB-A805-4DDB-B459-082F99815B95}"/>
+                <a16:creationId xmlns:a16="http://schemas.microsoft.com/office/drawing/2014/main" xmlns="" id="{D9EBF8BB-A805-4DDB-B459-082F99815B95}"/>
               </a:ext>
             </a:extLst>
           </p:cNvPr>
@@ -23176,7 +23177,7 @@
             <p:cNvPr id="19" name="Rectangle: Single Corner Snipped 18">
               <a:extLst>
                 <a:ext uri="{FF2B5EF4-FFF2-40B4-BE49-F238E27FC236}">
-                  <a16:creationId xmlns="" xmlns:a16="http://schemas.microsoft.com/office/drawing/2014/main" id="{5D638788-DD47-45E7-939A-FA108A818173}"/>
+                  <a16:creationId xmlns:a16="http://schemas.microsoft.com/office/drawing/2014/main" xmlns="" id="{5D638788-DD47-45E7-939A-FA108A818173}"/>
                 </a:ext>
               </a:extLst>
             </p:cNvPr>
@@ -23242,7 +23243,7 @@
             <p:cNvPr id="3" name="Rectangle: Single Corner Snipped 2">
               <a:extLst>
                 <a:ext uri="{FF2B5EF4-FFF2-40B4-BE49-F238E27FC236}">
-                  <a16:creationId xmlns="" xmlns:a16="http://schemas.microsoft.com/office/drawing/2014/main" id="{74BDECEF-EEFE-4332-B3B2-BDE4F82C10FC}"/>
+                  <a16:creationId xmlns:a16="http://schemas.microsoft.com/office/drawing/2014/main" xmlns="" id="{74BDECEF-EEFE-4332-B3B2-BDE4F82C10FC}"/>
                 </a:ext>
               </a:extLst>
             </p:cNvPr>
@@ -23299,7 +23300,7 @@
           <p:cNvPr id="24" name="Freeform: Shape 23">
             <a:extLst>
               <a:ext uri="{FF2B5EF4-FFF2-40B4-BE49-F238E27FC236}">
-                <a16:creationId xmlns="" xmlns:a16="http://schemas.microsoft.com/office/drawing/2014/main" id="{18103E00-7E4A-44CD-81AC-06433CAE1110}"/>
+                <a16:creationId xmlns:a16="http://schemas.microsoft.com/office/drawing/2014/main" xmlns="" id="{18103E00-7E4A-44CD-81AC-06433CAE1110}"/>
               </a:ext>
             </a:extLst>
           </p:cNvPr>
@@ -23394,7 +23395,7 @@
           <p:cNvPr id="5" name="Slide Number Placeholder 4">
             <a:extLst>
               <a:ext uri="{FF2B5EF4-FFF2-40B4-BE49-F238E27FC236}">
-                <a16:creationId xmlns="" xmlns:a16="http://schemas.microsoft.com/office/drawing/2014/main" id="{87B51822-97FF-47A7-8E4E-A0F79B4EB237}"/>
+                <a16:creationId xmlns:a16="http://schemas.microsoft.com/office/drawing/2014/main" xmlns="" id="{87B51822-97FF-47A7-8E4E-A0F79B4EB237}"/>
               </a:ext>
             </a:extLst>
           </p:cNvPr>
@@ -23438,7 +23439,7 @@
           <p:cNvPr id="25" name="Text Placeholder 2">
             <a:extLst>
               <a:ext uri="{FF2B5EF4-FFF2-40B4-BE49-F238E27FC236}">
-                <a16:creationId xmlns="" xmlns:a16="http://schemas.microsoft.com/office/drawing/2014/main" id="{7FA80A70-18DE-4DB9-9982-BA75BE54CF93}"/>
+                <a16:creationId xmlns:a16="http://schemas.microsoft.com/office/drawing/2014/main" xmlns="" id="{7FA80A70-18DE-4DB9-9982-BA75BE54CF93}"/>
               </a:ext>
             </a:extLst>
           </p:cNvPr>
@@ -23516,7 +23517,7 @@
           <p:cNvPr id="26" name="Text Placeholder 4">
             <a:extLst>
               <a:ext uri="{FF2B5EF4-FFF2-40B4-BE49-F238E27FC236}">
-                <a16:creationId xmlns="" xmlns:a16="http://schemas.microsoft.com/office/drawing/2014/main" id="{2801C0EF-C078-44B0-AD01-4850E9A65EE0}"/>
+                <a16:creationId xmlns:a16="http://schemas.microsoft.com/office/drawing/2014/main" xmlns="" id="{2801C0EF-C078-44B0-AD01-4850E9A65EE0}"/>
               </a:ext>
             </a:extLst>
           </p:cNvPr>
@@ -23594,7 +23595,7 @@
           <p:cNvPr id="27" name="Content Placeholder 3">
             <a:extLst>
               <a:ext uri="{FF2B5EF4-FFF2-40B4-BE49-F238E27FC236}">
-                <a16:creationId xmlns="" xmlns:a16="http://schemas.microsoft.com/office/drawing/2014/main" id="{7C9DED91-45F6-4308-A085-1EFACA6468CF}"/>
+                <a16:creationId xmlns:a16="http://schemas.microsoft.com/office/drawing/2014/main" xmlns="" id="{7C9DED91-45F6-4308-A085-1EFACA6468CF}"/>
               </a:ext>
             </a:extLst>
           </p:cNvPr>
@@ -23695,7 +23696,7 @@
           <p:cNvPr id="28" name="Content Placeholder 5">
             <a:extLst>
               <a:ext uri="{FF2B5EF4-FFF2-40B4-BE49-F238E27FC236}">
-                <a16:creationId xmlns="" xmlns:a16="http://schemas.microsoft.com/office/drawing/2014/main" id="{0574B5E7-B666-439B-9278-67BE1EA6EBC5}"/>
+                <a16:creationId xmlns:a16="http://schemas.microsoft.com/office/drawing/2014/main" xmlns="" id="{0574B5E7-B666-439B-9278-67BE1EA6EBC5}"/>
               </a:ext>
             </a:extLst>
           </p:cNvPr>
@@ -23801,11 +23802,11 @@
   <p:clrMapOvr>
     <a:masterClrMapping/>
   </p:clrMapOvr>
-  <mc:AlternateContent xmlns:mc="http://schemas.openxmlformats.org/markup-compatibility/2006">
-    <mc:Choice xmlns:p14="http://schemas.microsoft.com/office/powerpoint/2010/main" Requires="p14">
+  <mc:AlternateContent xmlns:mc="http://schemas.openxmlformats.org/markup-compatibility/2006" xmlns:p14="http://schemas.microsoft.com/office/powerpoint/2010/main">
+    <mc:Choice Requires="p14">
       <p:transition p14:dur="0"/>
     </mc:Choice>
-    <mc:Fallback>
+    <mc:Fallback xmlns="">
       <p:transition/>
     </mc:Fallback>
   </mc:AlternateContent>
@@ -23839,7 +23840,7 @@
           <p:cNvPr id="2" name="Title Placeholder 1">
             <a:extLst>
               <a:ext uri="{FF2B5EF4-FFF2-40B4-BE49-F238E27FC236}">
-                <a16:creationId xmlns="" xmlns:a16="http://schemas.microsoft.com/office/drawing/2014/main" id="{761B0E15-6FC5-434E-8780-B186D9DB0CD0}"/>
+                <a16:creationId xmlns:a16="http://schemas.microsoft.com/office/drawing/2014/main" xmlns="" id="{761B0E15-6FC5-434E-8780-B186D9DB0CD0}"/>
               </a:ext>
             </a:extLst>
           </p:cNvPr>
@@ -23878,7 +23879,7 @@
           <p:cNvPr id="3" name="Text Placeholder 2">
             <a:extLst>
               <a:ext uri="{FF2B5EF4-FFF2-40B4-BE49-F238E27FC236}">
-                <a16:creationId xmlns="" xmlns:a16="http://schemas.microsoft.com/office/drawing/2014/main" id="{A9C7B128-34F3-405C-B601-8BAFDB43499C}"/>
+                <a16:creationId xmlns:a16="http://schemas.microsoft.com/office/drawing/2014/main" xmlns="" id="{A9C7B128-34F3-405C-B601-8BAFDB43499C}"/>
               </a:ext>
             </a:extLst>
           </p:cNvPr>
@@ -23946,7 +23947,7 @@
           <p:cNvPr id="6" name="Slide Number Placeholder 5">
             <a:extLst>
               <a:ext uri="{FF2B5EF4-FFF2-40B4-BE49-F238E27FC236}">
-                <a16:creationId xmlns="" xmlns:a16="http://schemas.microsoft.com/office/drawing/2014/main" id="{9F5A7754-E8C7-438B-922D-9027C6CF58E2}"/>
+                <a16:creationId xmlns:a16="http://schemas.microsoft.com/office/drawing/2014/main" xmlns="" id="{9F5A7754-E8C7-438B-922D-9027C6CF58E2}"/>
               </a:ext>
             </a:extLst>
           </p:cNvPr>
@@ -23993,7 +23994,7 @@
           <p:cNvPr id="5" name="Rectangle 4">
             <a:extLst>
               <a:ext uri="{FF2B5EF4-FFF2-40B4-BE49-F238E27FC236}">
-                <a16:creationId xmlns="" xmlns:a16="http://schemas.microsoft.com/office/drawing/2014/main" id="{7CDDDB7D-9189-9548-A2B9-81DC62C3C1A3}"/>
+                <a16:creationId xmlns:a16="http://schemas.microsoft.com/office/drawing/2014/main" xmlns="" id="{7CDDDB7D-9189-9548-A2B9-81DC62C3C1A3}"/>
               </a:ext>
             </a:extLst>
           </p:cNvPr>
@@ -24047,7 +24048,7 @@
           <p:cNvPr id="7" name="Freeform: Shape 9">
             <a:extLst>
               <a:ext uri="{FF2B5EF4-FFF2-40B4-BE49-F238E27FC236}">
-                <a16:creationId xmlns="" xmlns:a16="http://schemas.microsoft.com/office/drawing/2014/main" id="{096D8877-6B4A-4540-8927-767DD7401718}"/>
+                <a16:creationId xmlns:a16="http://schemas.microsoft.com/office/drawing/2014/main" xmlns="" id="{096D8877-6B4A-4540-8927-767DD7401718}"/>
               </a:ext>
             </a:extLst>
           </p:cNvPr>
@@ -24170,7 +24171,7 @@
           <p:cNvPr id="8" name="Freeform: Shape 17">
             <a:extLst>
               <a:ext uri="{FF2B5EF4-FFF2-40B4-BE49-F238E27FC236}">
-                <a16:creationId xmlns="" xmlns:a16="http://schemas.microsoft.com/office/drawing/2014/main" id="{5AF2E123-FE0F-8541-8E36-5030C450AA7E}"/>
+                <a16:creationId xmlns:a16="http://schemas.microsoft.com/office/drawing/2014/main" xmlns="" id="{5AF2E123-FE0F-8541-8E36-5030C450AA7E}"/>
               </a:ext>
             </a:extLst>
           </p:cNvPr>
@@ -24322,7 +24323,7 @@
           <p:cNvPr id="9" name="Freeform: Shape 11">
             <a:extLst>
               <a:ext uri="{FF2B5EF4-FFF2-40B4-BE49-F238E27FC236}">
-                <a16:creationId xmlns="" xmlns:a16="http://schemas.microsoft.com/office/drawing/2014/main" id="{E5519D99-3B68-924A-9CD0-14B911711CA8}"/>
+                <a16:creationId xmlns:a16="http://schemas.microsoft.com/office/drawing/2014/main" xmlns="" id="{E5519D99-3B68-924A-9CD0-14B911711CA8}"/>
               </a:ext>
             </a:extLst>
           </p:cNvPr>
@@ -24472,7 +24473,7 @@
           <p:cNvPr id="10" name="Freeform: Shape 7">
             <a:extLst>
               <a:ext uri="{FF2B5EF4-FFF2-40B4-BE49-F238E27FC236}">
-                <a16:creationId xmlns="" xmlns:a16="http://schemas.microsoft.com/office/drawing/2014/main" id="{A09E21A9-FBEF-144C-A152-FE484F3C55C1}"/>
+                <a16:creationId xmlns:a16="http://schemas.microsoft.com/office/drawing/2014/main" xmlns="" id="{A09E21A9-FBEF-144C-A152-FE484F3C55C1}"/>
               </a:ext>
             </a:extLst>
           </p:cNvPr>
@@ -24618,7 +24619,7 @@
           <p:cNvPr id="11" name="Title 1">
             <a:extLst>
               <a:ext uri="{FF2B5EF4-FFF2-40B4-BE49-F238E27FC236}">
-                <a16:creationId xmlns="" xmlns:a16="http://schemas.microsoft.com/office/drawing/2014/main" id="{70C7F2CB-A8CE-1545-A08D-93592C4BAEEA}"/>
+                <a16:creationId xmlns:a16="http://schemas.microsoft.com/office/drawing/2014/main" xmlns="" id="{70C7F2CB-A8CE-1545-A08D-93592C4BAEEA}"/>
               </a:ext>
             </a:extLst>
           </p:cNvPr>
@@ -24674,7 +24675,7 @@
           <p:cNvPr id="12" name="Group 11">
             <a:extLst>
               <a:ext uri="{FF2B5EF4-FFF2-40B4-BE49-F238E27FC236}">
-                <a16:creationId xmlns="" xmlns:a16="http://schemas.microsoft.com/office/drawing/2014/main" id="{7068FCE4-1B47-3C4B-B091-013120A97D09}"/>
+                <a16:creationId xmlns:a16="http://schemas.microsoft.com/office/drawing/2014/main" xmlns="" id="{7068FCE4-1B47-3C4B-B091-013120A97D09}"/>
               </a:ext>
             </a:extLst>
           </p:cNvPr>
@@ -24694,7 +24695,7 @@
             <p:cNvPr id="13" name="Freeform: Shape 15">
               <a:extLst>
                 <a:ext uri="{FF2B5EF4-FFF2-40B4-BE49-F238E27FC236}">
-                  <a16:creationId xmlns="" xmlns:a16="http://schemas.microsoft.com/office/drawing/2014/main" id="{FEC3FDE7-F27E-5E4E-8752-287CAB7792D4}"/>
+                  <a16:creationId xmlns:a16="http://schemas.microsoft.com/office/drawing/2014/main" xmlns="" id="{FEC3FDE7-F27E-5E4E-8752-287CAB7792D4}"/>
                 </a:ext>
               </a:extLst>
             </p:cNvPr>
@@ -24784,7 +24785,7 @@
             <p:cNvPr id="14" name="Freeform: Shape 16">
               <a:extLst>
                 <a:ext uri="{FF2B5EF4-FFF2-40B4-BE49-F238E27FC236}">
-                  <a16:creationId xmlns="" xmlns:a16="http://schemas.microsoft.com/office/drawing/2014/main" id="{81C902DB-0D21-5044-82B6-9E7A70A1BF62}"/>
+                  <a16:creationId xmlns:a16="http://schemas.microsoft.com/office/drawing/2014/main" xmlns="" id="{81C902DB-0D21-5044-82B6-9E7A70A1BF62}"/>
                 </a:ext>
               </a:extLst>
             </p:cNvPr>
@@ -24883,7 +24884,7 @@
           <p:cNvPr id="15" name="Group 14">
             <a:extLst>
               <a:ext uri="{FF2B5EF4-FFF2-40B4-BE49-F238E27FC236}">
-                <a16:creationId xmlns="" xmlns:a16="http://schemas.microsoft.com/office/drawing/2014/main" id="{BE1E08A0-195D-694F-947B-986A76FBB93E}"/>
+                <a16:creationId xmlns:a16="http://schemas.microsoft.com/office/drawing/2014/main" xmlns="" id="{BE1E08A0-195D-694F-947B-986A76FBB93E}"/>
               </a:ext>
             </a:extLst>
           </p:cNvPr>
@@ -24903,7 +24904,7 @@
             <p:cNvPr id="16" name="Rectangle: Single Corner Snipped 18">
               <a:extLst>
                 <a:ext uri="{FF2B5EF4-FFF2-40B4-BE49-F238E27FC236}">
-                  <a16:creationId xmlns="" xmlns:a16="http://schemas.microsoft.com/office/drawing/2014/main" id="{ED5DFFCD-1EE3-E64E-B51F-BD7D72413E0B}"/>
+                  <a16:creationId xmlns:a16="http://schemas.microsoft.com/office/drawing/2014/main" xmlns="" id="{ED5DFFCD-1EE3-E64E-B51F-BD7D72413E0B}"/>
                 </a:ext>
               </a:extLst>
             </p:cNvPr>
@@ -24969,7 +24970,7 @@
             <p:cNvPr id="17" name="Rectangle: Single Corner Snipped 2">
               <a:extLst>
                 <a:ext uri="{FF2B5EF4-FFF2-40B4-BE49-F238E27FC236}">
-                  <a16:creationId xmlns="" xmlns:a16="http://schemas.microsoft.com/office/drawing/2014/main" id="{C12DB3CA-8E64-AA43-BFBE-A2CA9A816DBE}"/>
+                  <a16:creationId xmlns:a16="http://schemas.microsoft.com/office/drawing/2014/main" xmlns="" id="{C12DB3CA-8E64-AA43-BFBE-A2CA9A816DBE}"/>
                 </a:ext>
               </a:extLst>
             </p:cNvPr>
@@ -25026,7 +25027,7 @@
           <p:cNvPr id="18" name="Freeform: Shape 23">
             <a:extLst>
               <a:ext uri="{FF2B5EF4-FFF2-40B4-BE49-F238E27FC236}">
-                <a16:creationId xmlns="" xmlns:a16="http://schemas.microsoft.com/office/drawing/2014/main" id="{A587DEFD-D470-4142-8E0D-A71DDB147C92}"/>
+                <a16:creationId xmlns:a16="http://schemas.microsoft.com/office/drawing/2014/main" xmlns="" id="{A587DEFD-D470-4142-8E0D-A71DDB147C92}"/>
               </a:ext>
             </a:extLst>
           </p:cNvPr>
@@ -25121,7 +25122,7 @@
           <p:cNvPr id="19" name="Slide Number Placeholder 4">
             <a:extLst>
               <a:ext uri="{FF2B5EF4-FFF2-40B4-BE49-F238E27FC236}">
-                <a16:creationId xmlns="" xmlns:a16="http://schemas.microsoft.com/office/drawing/2014/main" id="{7D9BF857-7910-734D-A217-5E3344220AA2}"/>
+                <a16:creationId xmlns:a16="http://schemas.microsoft.com/office/drawing/2014/main" xmlns="" id="{7D9BF857-7910-734D-A217-5E3344220AA2}"/>
               </a:ext>
             </a:extLst>
           </p:cNvPr>
@@ -25274,11 +25275,11 @@
     <p:sldLayoutId id="2147483667" r:id="rId17"/>
     <p:sldLayoutId id="2147483668" r:id="rId18"/>
   </p:sldLayoutIdLst>
-  <mc:AlternateContent xmlns:mc="http://schemas.openxmlformats.org/markup-compatibility/2006">
-    <mc:Choice xmlns:p14="http://schemas.microsoft.com/office/powerpoint/2010/main" Requires="p14">
+  <mc:AlternateContent xmlns:mc="http://schemas.openxmlformats.org/markup-compatibility/2006" xmlns:p14="http://schemas.microsoft.com/office/powerpoint/2010/main">
+    <mc:Choice Requires="p14">
       <p:transition p14:dur="0"/>
     </mc:Choice>
-    <mc:Fallback>
+    <mc:Fallback xmlns="">
       <p:transition/>
     </mc:Fallback>
   </mc:AlternateContent>
@@ -25647,7 +25648,7 @@
           <p:cNvPr id="2" name="Title 1">
             <a:extLst>
               <a:ext uri="{FF2B5EF4-FFF2-40B4-BE49-F238E27FC236}">
-                <a16:creationId xmlns="" xmlns:a16="http://schemas.microsoft.com/office/drawing/2014/main" id="{632BE5BF-9922-45FB-8F3F-4446D40A051B}"/>
+                <a16:creationId xmlns:a16="http://schemas.microsoft.com/office/drawing/2014/main" xmlns="" id="{632BE5BF-9922-45FB-8F3F-4446D40A051B}"/>
               </a:ext>
             </a:extLst>
           </p:cNvPr>
@@ -25689,7 +25690,7 @@
           <p:cNvPr id="3" name="Subtitle 2">
             <a:extLst>
               <a:ext uri="{FF2B5EF4-FFF2-40B4-BE49-F238E27FC236}">
-                <a16:creationId xmlns="" xmlns:a16="http://schemas.microsoft.com/office/drawing/2014/main" id="{0D537F64-4C96-4AA8-BB21-E8053A3186DD}"/>
+                <a16:creationId xmlns:a16="http://schemas.microsoft.com/office/drawing/2014/main" xmlns="" id="{0D537F64-4C96-4AA8-BB21-E8053A3186DD}"/>
               </a:ext>
             </a:extLst>
           </p:cNvPr>
@@ -25775,11 +25776,11 @@
   <p:clrMapOvr>
     <a:masterClrMapping/>
   </p:clrMapOvr>
-  <mc:AlternateContent xmlns:mc="http://schemas.openxmlformats.org/markup-compatibility/2006">
-    <mc:Choice xmlns:p14="http://schemas.microsoft.com/office/powerpoint/2010/main" Requires="p14">
+  <mc:AlternateContent xmlns:mc="http://schemas.openxmlformats.org/markup-compatibility/2006" xmlns:p14="http://schemas.microsoft.com/office/powerpoint/2010/main">
+    <mc:Choice Requires="p14">
       <p:transition p14:dur="0"/>
     </mc:Choice>
-    <mc:Fallback>
+    <mc:Fallback xmlns="">
       <p:transition/>
     </mc:Fallback>
   </mc:AlternateContent>
@@ -25815,7 +25816,7 @@
           <p:cNvPr id="4" name="Title 3">
             <a:extLst>
               <a:ext uri="{FF2B5EF4-FFF2-40B4-BE49-F238E27FC236}">
-                <a16:creationId xmlns="" xmlns:a16="http://schemas.microsoft.com/office/drawing/2014/main" id="{E3BD8413-C238-49D7-A4E1-E8FEF1811A0E}"/>
+                <a16:creationId xmlns:a16="http://schemas.microsoft.com/office/drawing/2014/main" xmlns="" id="{E3BD8413-C238-49D7-A4E1-E8FEF1811A0E}"/>
               </a:ext>
             </a:extLst>
           </p:cNvPr>
@@ -25846,7 +25847,7 @@
           <p:cNvPr id="2" name="Slide Number Placeholder 1">
             <a:extLst>
               <a:ext uri="{FF2B5EF4-FFF2-40B4-BE49-F238E27FC236}">
-                <a16:creationId xmlns="" xmlns:a16="http://schemas.microsoft.com/office/drawing/2014/main" id="{0B24BF10-2B55-43AB-9F77-F1A1410384A9}"/>
+                <a16:creationId xmlns:a16="http://schemas.microsoft.com/office/drawing/2014/main" xmlns="" id="{0B24BF10-2B55-43AB-9F77-F1A1410384A9}"/>
               </a:ext>
             </a:extLst>
           </p:cNvPr>
@@ -25900,11 +25901,11 @@
   <p:clrMapOvr>
     <a:masterClrMapping/>
   </p:clrMapOvr>
-  <mc:AlternateContent xmlns:mc="http://schemas.openxmlformats.org/markup-compatibility/2006">
-    <mc:Choice xmlns:p14="http://schemas.microsoft.com/office/powerpoint/2010/main" Requires="p14">
+  <mc:AlternateContent xmlns:mc="http://schemas.openxmlformats.org/markup-compatibility/2006" xmlns:p14="http://schemas.microsoft.com/office/powerpoint/2010/main">
+    <mc:Choice Requires="p14">
       <p:transition p14:dur="0"/>
     </mc:Choice>
-    <mc:Fallback>
+    <mc:Fallback xmlns="">
       <p:transition/>
     </mc:Fallback>
   </mc:AlternateContent>
@@ -25940,7 +25941,7 @@
           <p:cNvPr id="4" name="Title 3">
             <a:extLst>
               <a:ext uri="{FF2B5EF4-FFF2-40B4-BE49-F238E27FC236}">
-                <a16:creationId xmlns="" xmlns:a16="http://schemas.microsoft.com/office/drawing/2014/main" id="{315E3981-F0D7-482C-A8E0-6A57700BECA7}"/>
+                <a16:creationId xmlns:a16="http://schemas.microsoft.com/office/drawing/2014/main" xmlns="" id="{315E3981-F0D7-482C-A8E0-6A57700BECA7}"/>
               </a:ext>
             </a:extLst>
           </p:cNvPr>
@@ -25969,7 +25970,7 @@
           <p:cNvPr id="21" name="Text Placeholder 20">
             <a:extLst>
               <a:ext uri="{FF2B5EF4-FFF2-40B4-BE49-F238E27FC236}">
-                <a16:creationId xmlns="" xmlns:a16="http://schemas.microsoft.com/office/drawing/2014/main" id="{1B8F0371-4F69-4131-91BF-9AB99E6EE89B}"/>
+                <a16:creationId xmlns:a16="http://schemas.microsoft.com/office/drawing/2014/main" xmlns="" id="{1B8F0371-4F69-4131-91BF-9AB99E6EE89B}"/>
               </a:ext>
             </a:extLst>
           </p:cNvPr>
@@ -25997,7 +25998,7 @@
           <p:cNvPr id="22" name="Text Placeholder 21">
             <a:extLst>
               <a:ext uri="{FF2B5EF4-FFF2-40B4-BE49-F238E27FC236}">
-                <a16:creationId xmlns="" xmlns:a16="http://schemas.microsoft.com/office/drawing/2014/main" id="{78CACAF1-61EA-4605-A8FE-2EEE752B49FF}"/>
+                <a16:creationId xmlns:a16="http://schemas.microsoft.com/office/drawing/2014/main" xmlns="" id="{78CACAF1-61EA-4605-A8FE-2EEE752B49FF}"/>
               </a:ext>
             </a:extLst>
           </p:cNvPr>
@@ -26025,7 +26026,7 @@
           <p:cNvPr id="2" name="Slide Number Placeholder 1">
             <a:extLst>
               <a:ext uri="{FF2B5EF4-FFF2-40B4-BE49-F238E27FC236}">
-                <a16:creationId xmlns="" xmlns:a16="http://schemas.microsoft.com/office/drawing/2014/main" id="{2F478C69-0A1D-45FF-8600-ED903803FFE1}"/>
+                <a16:creationId xmlns:a16="http://schemas.microsoft.com/office/drawing/2014/main" xmlns="" id="{2F478C69-0A1D-45FF-8600-ED903803FFE1}"/>
               </a:ext>
             </a:extLst>
           </p:cNvPr>
@@ -26060,11 +26061,11 @@
   <p:clrMapOvr>
     <a:masterClrMapping/>
   </p:clrMapOvr>
-  <mc:AlternateContent xmlns:mc="http://schemas.openxmlformats.org/markup-compatibility/2006">
-    <mc:Choice xmlns:p14="http://schemas.microsoft.com/office/powerpoint/2010/main" Requires="p14">
+  <mc:AlternateContent xmlns:mc="http://schemas.openxmlformats.org/markup-compatibility/2006" xmlns:p14="http://schemas.microsoft.com/office/powerpoint/2010/main">
+    <mc:Choice Requires="p14">
       <p:transition p14:dur="0"/>
     </mc:Choice>
-    <mc:Fallback>
+    <mc:Fallback xmlns="">
       <p:transition/>
     </mc:Fallback>
   </mc:AlternateContent>
@@ -26100,7 +26101,7 @@
           <p:cNvPr id="7" name="Title 6">
             <a:extLst>
               <a:ext uri="{FF2B5EF4-FFF2-40B4-BE49-F238E27FC236}">
-                <a16:creationId xmlns="" xmlns:a16="http://schemas.microsoft.com/office/drawing/2014/main" id="{7875C19A-1AAE-476A-A316-A2CF92D763D3}"/>
+                <a16:creationId xmlns:a16="http://schemas.microsoft.com/office/drawing/2014/main" xmlns="" id="{7875C19A-1AAE-476A-A316-A2CF92D763D3}"/>
               </a:ext>
             </a:extLst>
           </p:cNvPr>
@@ -26129,7 +26130,7 @@
           <p:cNvPr id="2" name="Slide Number Placeholder 1">
             <a:extLst>
               <a:ext uri="{FF2B5EF4-FFF2-40B4-BE49-F238E27FC236}">
-                <a16:creationId xmlns="" xmlns:a16="http://schemas.microsoft.com/office/drawing/2014/main" id="{BE9800F6-D571-48C4-8466-12AA1ADB6599}"/>
+                <a16:creationId xmlns:a16="http://schemas.microsoft.com/office/drawing/2014/main" xmlns="" id="{BE9800F6-D571-48C4-8466-12AA1ADB6599}"/>
               </a:ext>
             </a:extLst>
           </p:cNvPr>
@@ -26164,11 +26165,11 @@
   <p:clrMapOvr>
     <a:masterClrMapping/>
   </p:clrMapOvr>
-  <mc:AlternateContent xmlns:mc="http://schemas.openxmlformats.org/markup-compatibility/2006">
-    <mc:Choice xmlns:p14="http://schemas.microsoft.com/office/powerpoint/2010/main" Requires="p14">
+  <mc:AlternateContent xmlns:mc="http://schemas.openxmlformats.org/markup-compatibility/2006" xmlns:p14="http://schemas.microsoft.com/office/powerpoint/2010/main">
+    <mc:Choice Requires="p14">
       <p:transition p14:dur="0"/>
     </mc:Choice>
-    <mc:Fallback>
+    <mc:Fallback xmlns="">
       <p:transition/>
     </mc:Fallback>
   </mc:AlternateContent>
@@ -26204,7 +26205,7 @@
           <p:cNvPr id="7" name="Title 6">
             <a:extLst>
               <a:ext uri="{FF2B5EF4-FFF2-40B4-BE49-F238E27FC236}">
-                <a16:creationId xmlns="" xmlns:a16="http://schemas.microsoft.com/office/drawing/2014/main" id="{7875C19A-1AAE-476A-A316-A2CF92D763D3}"/>
+                <a16:creationId xmlns:a16="http://schemas.microsoft.com/office/drawing/2014/main" xmlns="" id="{7875C19A-1AAE-476A-A316-A2CF92D763D3}"/>
               </a:ext>
             </a:extLst>
           </p:cNvPr>
@@ -26233,7 +26234,7 @@
           <p:cNvPr id="2" name="Slide Number Placeholder 1">
             <a:extLst>
               <a:ext uri="{FF2B5EF4-FFF2-40B4-BE49-F238E27FC236}">
-                <a16:creationId xmlns="" xmlns:a16="http://schemas.microsoft.com/office/drawing/2014/main" id="{BE9800F6-D571-48C4-8466-12AA1ADB6599}"/>
+                <a16:creationId xmlns:a16="http://schemas.microsoft.com/office/drawing/2014/main" xmlns="" id="{BE9800F6-D571-48C4-8466-12AA1ADB6599}"/>
               </a:ext>
             </a:extLst>
           </p:cNvPr>
@@ -26268,11 +26269,11 @@
   <p:clrMapOvr>
     <a:masterClrMapping/>
   </p:clrMapOvr>
-  <mc:AlternateContent xmlns:mc="http://schemas.openxmlformats.org/markup-compatibility/2006">
-    <mc:Choice xmlns:p14="http://schemas.microsoft.com/office/powerpoint/2010/main" Requires="p14">
+  <mc:AlternateContent xmlns:mc="http://schemas.openxmlformats.org/markup-compatibility/2006" xmlns:p14="http://schemas.microsoft.com/office/powerpoint/2010/main">
+    <mc:Choice Requires="p14">
       <p:transition p14:dur="0"/>
     </mc:Choice>
-    <mc:Fallback>
+    <mc:Fallback xmlns="">
       <p:transition/>
     </mc:Fallback>
   </mc:AlternateContent>
@@ -26308,7 +26309,7 @@
           <p:cNvPr id="5" name="Title 4">
             <a:extLst>
               <a:ext uri="{FF2B5EF4-FFF2-40B4-BE49-F238E27FC236}">
-                <a16:creationId xmlns="" xmlns:a16="http://schemas.microsoft.com/office/drawing/2014/main" id="{201323FB-427E-4A8D-B473-AB0657D8D23B}"/>
+                <a16:creationId xmlns:a16="http://schemas.microsoft.com/office/drawing/2014/main" xmlns="" id="{201323FB-427E-4A8D-B473-AB0657D8D23B}"/>
               </a:ext>
             </a:extLst>
           </p:cNvPr>
@@ -26349,7 +26350,7 @@
           <p:cNvPr id="6" name="Table 5">
             <a:extLst>
               <a:ext uri="{FF2B5EF4-FFF2-40B4-BE49-F238E27FC236}">
-                <a16:creationId xmlns="" xmlns:a16="http://schemas.microsoft.com/office/drawing/2014/main" id="{E8EEB296-8554-4D20-B3B8-C0BBC380A58D}"/>
+                <a16:creationId xmlns:a16="http://schemas.microsoft.com/office/drawing/2014/main" xmlns="" id="{E8EEB296-8554-4D20-B3B8-C0BBC380A58D}"/>
               </a:ext>
             </a:extLst>
           </p:cNvPr>
@@ -26359,7 +26360,7 @@
           <p:nvPr>
             <p:extLst>
               <p:ext uri="{D42A27DB-BD31-4B8C-83A1-F6EECF244321}">
-                <p14:modId xmlns:p14="http://schemas.microsoft.com/office/powerpoint/2010/main" val="2954137347"/>
+                <p14:modId xmlns:p14="http://schemas.microsoft.com/office/powerpoint/2010/main" val="2794092734"/>
               </p:ext>
             </p:extLst>
           </p:nvPr>
@@ -26378,14 +26379,14 @@
                 <a:gridCol w="3015392">
                   <a:extLst>
                     <a:ext uri="{9D8B030D-6E8A-4147-A177-3AD203B41FA5}">
-                      <a16:colId xmlns="" xmlns:a16="http://schemas.microsoft.com/office/drawing/2014/main" val="3559833401"/>
+                      <a16:colId xmlns:a16="http://schemas.microsoft.com/office/drawing/2014/main" xmlns="" val="3559833401"/>
                     </a:ext>
                   </a:extLst>
                 </a:gridCol>
                 <a:gridCol w="6987746">
                   <a:extLst>
                     <a:ext uri="{9D8B030D-6E8A-4147-A177-3AD203B41FA5}">
-                      <a16:colId xmlns="" xmlns:a16="http://schemas.microsoft.com/office/drawing/2014/main" val="82523989"/>
+                      <a16:colId xmlns:a16="http://schemas.microsoft.com/office/drawing/2014/main" xmlns="" val="82523989"/>
                     </a:ext>
                   </a:extLst>
                 </a:gridCol>
@@ -26398,11 +26399,11 @@
                     <a:p>
                       <a:pPr algn="ctr"/>
                       <a:r>
-                        <a:rPr lang="en-US" sz="1600" b="0" dirty="0">
+                        <a:rPr lang="en-US" sz="1600" b="0" dirty="0" err="1" smtClean="0">
                           <a:latin typeface="+mn-lt"/>
                           <a:cs typeface="Arial" panose="020B0604020202020204" pitchFamily="34" charset="0"/>
                         </a:rPr>
-                        <a:t>Title</a:t>
+                        <a:t>Parâmetro</a:t>
                       </a:r>
                       <a:endParaRPr lang="en-GB" sz="1600" b="0" dirty="0">
                         <a:latin typeface="+mn-lt"/>
@@ -26485,11 +26486,11 @@
                         <a:defRPr/>
                       </a:pPr>
                       <a:r>
-                        <a:rPr lang="en-US" sz="1600" b="0" dirty="0">
+                        <a:rPr lang="en-US" sz="1600" b="0" dirty="0" err="1" smtClean="0">
                           <a:latin typeface="+mn-lt"/>
                           <a:cs typeface="Arial" panose="020B0604020202020204" pitchFamily="34" charset="0"/>
                         </a:rPr>
-                        <a:t>Title</a:t>
+                        <a:t>Formato</a:t>
                       </a:r>
                       <a:endParaRPr lang="en-GB" sz="1600" b="0" dirty="0">
                         <a:latin typeface="+mn-lt"/>
@@ -26555,7 +26556,7 @@
                 </a:tc>
                 <a:extLst>
                   <a:ext uri="{0D108BD9-81ED-4DB2-BD59-A6C34878D82A}">
-                    <a16:rowId xmlns="" xmlns:a16="http://schemas.microsoft.com/office/drawing/2014/main" val="3766630617"/>
+                    <a16:rowId xmlns:a16="http://schemas.microsoft.com/office/drawing/2014/main" xmlns="" val="3766630617"/>
                   </a:ext>
                 </a:extLst>
               </a:tr>
@@ -26674,7 +26675,7 @@
                 </a:tc>
                 <a:extLst>
                   <a:ext uri="{0D108BD9-81ED-4DB2-BD59-A6C34878D82A}">
-                    <a16:rowId xmlns="" xmlns:a16="http://schemas.microsoft.com/office/drawing/2014/main" val="3446274366"/>
+                    <a16:rowId xmlns:a16="http://schemas.microsoft.com/office/drawing/2014/main" xmlns="" val="3446274366"/>
                   </a:ext>
                 </a:extLst>
               </a:tr>
@@ -26797,7 +26798,7 @@
                 </a:tc>
                 <a:extLst>
                   <a:ext uri="{0D108BD9-81ED-4DB2-BD59-A6C34878D82A}">
-                    <a16:rowId xmlns="" xmlns:a16="http://schemas.microsoft.com/office/drawing/2014/main" val="1758271508"/>
+                    <a16:rowId xmlns:a16="http://schemas.microsoft.com/office/drawing/2014/main" xmlns="" val="1758271508"/>
                   </a:ext>
                 </a:extLst>
               </a:tr>
@@ -26916,7 +26917,7 @@
                 </a:tc>
                 <a:extLst>
                   <a:ext uri="{0D108BD9-81ED-4DB2-BD59-A6C34878D82A}">
-                    <a16:rowId xmlns="" xmlns:a16="http://schemas.microsoft.com/office/drawing/2014/main" val="3736384641"/>
+                    <a16:rowId xmlns:a16="http://schemas.microsoft.com/office/drawing/2014/main" xmlns="" val="3736384641"/>
                   </a:ext>
                 </a:extLst>
               </a:tr>
@@ -27039,7 +27040,7 @@
                 </a:tc>
                 <a:extLst>
                   <a:ext uri="{0D108BD9-81ED-4DB2-BD59-A6C34878D82A}">
-                    <a16:rowId xmlns="" xmlns:a16="http://schemas.microsoft.com/office/drawing/2014/main" val="3090935587"/>
+                    <a16:rowId xmlns:a16="http://schemas.microsoft.com/office/drawing/2014/main" xmlns="" val="3090935587"/>
                   </a:ext>
                 </a:extLst>
               </a:tr>
@@ -27158,7 +27159,7 @@
                 </a:tc>
                 <a:extLst>
                   <a:ext uri="{0D108BD9-81ED-4DB2-BD59-A6C34878D82A}">
-                    <a16:rowId xmlns="" xmlns:a16="http://schemas.microsoft.com/office/drawing/2014/main" val="446909641"/>
+                    <a16:rowId xmlns:a16="http://schemas.microsoft.com/office/drawing/2014/main" xmlns="" val="446909641"/>
                   </a:ext>
                 </a:extLst>
               </a:tr>
@@ -27281,7 +27282,7 @@
                 </a:tc>
                 <a:extLst>
                   <a:ext uri="{0D108BD9-81ED-4DB2-BD59-A6C34878D82A}">
-                    <a16:rowId xmlns="" xmlns:a16="http://schemas.microsoft.com/office/drawing/2014/main" val="3472044516"/>
+                    <a16:rowId xmlns:a16="http://schemas.microsoft.com/office/drawing/2014/main" xmlns="" val="3472044516"/>
                   </a:ext>
                 </a:extLst>
               </a:tr>
@@ -27294,7 +27295,7 @@
           <p:cNvPr id="2" name="Slide Number Placeholder 1">
             <a:extLst>
               <a:ext uri="{FF2B5EF4-FFF2-40B4-BE49-F238E27FC236}">
-                <a16:creationId xmlns="" xmlns:a16="http://schemas.microsoft.com/office/drawing/2014/main" id="{E4398C1C-6656-4A73-A680-62A81CDC27FD}"/>
+                <a16:creationId xmlns:a16="http://schemas.microsoft.com/office/drawing/2014/main" xmlns="" id="{E4398C1C-6656-4A73-A680-62A81CDC27FD}"/>
               </a:ext>
             </a:extLst>
           </p:cNvPr>
@@ -27329,11 +27330,11 @@
   <p:clrMapOvr>
     <a:masterClrMapping/>
   </p:clrMapOvr>
-  <mc:AlternateContent xmlns:mc="http://schemas.openxmlformats.org/markup-compatibility/2006">
-    <mc:Choice xmlns:p14="http://schemas.microsoft.com/office/powerpoint/2010/main" Requires="p14">
+  <mc:AlternateContent xmlns:mc="http://schemas.openxmlformats.org/markup-compatibility/2006" xmlns:p14="http://schemas.microsoft.com/office/powerpoint/2010/main">
+    <mc:Choice Requires="p14">
       <p:transition p14:dur="0"/>
     </mc:Choice>
-    <mc:Fallback>
+    <mc:Fallback xmlns="">
       <p:transition/>
     </mc:Fallback>
   </mc:AlternateContent>
@@ -27369,7 +27370,7 @@
           <p:cNvPr id="5" name="Title 4">
             <a:extLst>
               <a:ext uri="{FF2B5EF4-FFF2-40B4-BE49-F238E27FC236}">
-                <a16:creationId xmlns="" xmlns:a16="http://schemas.microsoft.com/office/drawing/2014/main" id="{201323FB-427E-4A8D-B473-AB0657D8D23B}"/>
+                <a16:creationId xmlns:a16="http://schemas.microsoft.com/office/drawing/2014/main" xmlns="" id="{201323FB-427E-4A8D-B473-AB0657D8D23B}"/>
               </a:ext>
             </a:extLst>
           </p:cNvPr>
@@ -27410,7 +27411,7 @@
           <p:cNvPr id="6" name="Table 5">
             <a:extLst>
               <a:ext uri="{FF2B5EF4-FFF2-40B4-BE49-F238E27FC236}">
-                <a16:creationId xmlns="" xmlns:a16="http://schemas.microsoft.com/office/drawing/2014/main" id="{E8EEB296-8554-4D20-B3B8-C0BBC380A58D}"/>
+                <a16:creationId xmlns:a16="http://schemas.microsoft.com/office/drawing/2014/main" xmlns="" id="{E8EEB296-8554-4D20-B3B8-C0BBC380A58D}"/>
               </a:ext>
             </a:extLst>
           </p:cNvPr>
@@ -27420,7 +27421,7 @@
           <p:nvPr>
             <p:extLst>
               <p:ext uri="{D42A27DB-BD31-4B8C-83A1-F6EECF244321}">
-                <p14:modId xmlns:p14="http://schemas.microsoft.com/office/powerpoint/2010/main" val="2954137347"/>
+                <p14:modId xmlns:p14="http://schemas.microsoft.com/office/powerpoint/2010/main" val="626844047"/>
               </p:ext>
             </p:extLst>
           </p:nvPr>
@@ -27439,14 +27440,14 @@
                 <a:gridCol w="3015392">
                   <a:extLst>
                     <a:ext uri="{9D8B030D-6E8A-4147-A177-3AD203B41FA5}">
-                      <a16:colId xmlns="" xmlns:a16="http://schemas.microsoft.com/office/drawing/2014/main" val="3559833401"/>
+                      <a16:colId xmlns:a16="http://schemas.microsoft.com/office/drawing/2014/main" xmlns="" val="3559833401"/>
                     </a:ext>
                   </a:extLst>
                 </a:gridCol>
                 <a:gridCol w="6987746">
                   <a:extLst>
                     <a:ext uri="{9D8B030D-6E8A-4147-A177-3AD203B41FA5}">
-                      <a16:colId xmlns="" xmlns:a16="http://schemas.microsoft.com/office/drawing/2014/main" val="82523989"/>
+                      <a16:colId xmlns:a16="http://schemas.microsoft.com/office/drawing/2014/main" xmlns="" val="82523989"/>
                     </a:ext>
                   </a:extLst>
                 </a:gridCol>
@@ -27459,11 +27460,11 @@
                     <a:p>
                       <a:pPr algn="ctr"/>
                       <a:r>
-                        <a:rPr lang="en-US" sz="1600" b="0" dirty="0">
+                        <a:rPr lang="en-US" sz="1600" b="0" dirty="0" err="1" smtClean="0">
                           <a:latin typeface="+mn-lt"/>
                           <a:cs typeface="Arial" panose="020B0604020202020204" pitchFamily="34" charset="0"/>
                         </a:rPr>
-                        <a:t>Title</a:t>
+                        <a:t>Parâmetro</a:t>
                       </a:r>
                       <a:endParaRPr lang="en-GB" sz="1600" b="0" dirty="0">
                         <a:latin typeface="+mn-lt"/>
@@ -27546,11 +27547,11 @@
                         <a:defRPr/>
                       </a:pPr>
                       <a:r>
-                        <a:rPr lang="en-US" sz="1600" b="0" dirty="0">
+                        <a:rPr lang="en-US" sz="1600" b="0" dirty="0" err="1" smtClean="0">
                           <a:latin typeface="+mn-lt"/>
                           <a:cs typeface="Arial" panose="020B0604020202020204" pitchFamily="34" charset="0"/>
                         </a:rPr>
-                        <a:t>Title</a:t>
+                        <a:t>Formato</a:t>
                       </a:r>
                       <a:endParaRPr lang="en-GB" sz="1600" b="0" dirty="0">
                         <a:latin typeface="+mn-lt"/>
@@ -27616,7 +27617,7 @@
                 </a:tc>
                 <a:extLst>
                   <a:ext uri="{0D108BD9-81ED-4DB2-BD59-A6C34878D82A}">
-                    <a16:rowId xmlns="" xmlns:a16="http://schemas.microsoft.com/office/drawing/2014/main" val="3766630617"/>
+                    <a16:rowId xmlns:a16="http://schemas.microsoft.com/office/drawing/2014/main" xmlns="" val="3766630617"/>
                   </a:ext>
                 </a:extLst>
               </a:tr>
@@ -27735,7 +27736,7 @@
                 </a:tc>
                 <a:extLst>
                   <a:ext uri="{0D108BD9-81ED-4DB2-BD59-A6C34878D82A}">
-                    <a16:rowId xmlns="" xmlns:a16="http://schemas.microsoft.com/office/drawing/2014/main" val="3446274366"/>
+                    <a16:rowId xmlns:a16="http://schemas.microsoft.com/office/drawing/2014/main" xmlns="" val="3446274366"/>
                   </a:ext>
                 </a:extLst>
               </a:tr>
@@ -27858,7 +27859,7 @@
                 </a:tc>
                 <a:extLst>
                   <a:ext uri="{0D108BD9-81ED-4DB2-BD59-A6C34878D82A}">
-                    <a16:rowId xmlns="" xmlns:a16="http://schemas.microsoft.com/office/drawing/2014/main" val="1758271508"/>
+                    <a16:rowId xmlns:a16="http://schemas.microsoft.com/office/drawing/2014/main" xmlns="" val="1758271508"/>
                   </a:ext>
                 </a:extLst>
               </a:tr>
@@ -27977,7 +27978,7 @@
                 </a:tc>
                 <a:extLst>
                   <a:ext uri="{0D108BD9-81ED-4DB2-BD59-A6C34878D82A}">
-                    <a16:rowId xmlns="" xmlns:a16="http://schemas.microsoft.com/office/drawing/2014/main" val="3736384641"/>
+                    <a16:rowId xmlns:a16="http://schemas.microsoft.com/office/drawing/2014/main" xmlns="" val="3736384641"/>
                   </a:ext>
                 </a:extLst>
               </a:tr>
@@ -28100,7 +28101,7 @@
                 </a:tc>
                 <a:extLst>
                   <a:ext uri="{0D108BD9-81ED-4DB2-BD59-A6C34878D82A}">
-                    <a16:rowId xmlns="" xmlns:a16="http://schemas.microsoft.com/office/drawing/2014/main" val="3090935587"/>
+                    <a16:rowId xmlns:a16="http://schemas.microsoft.com/office/drawing/2014/main" xmlns="" val="3090935587"/>
                   </a:ext>
                 </a:extLst>
               </a:tr>
@@ -28219,7 +28220,7 @@
                 </a:tc>
                 <a:extLst>
                   <a:ext uri="{0D108BD9-81ED-4DB2-BD59-A6C34878D82A}">
-                    <a16:rowId xmlns="" xmlns:a16="http://schemas.microsoft.com/office/drawing/2014/main" val="446909641"/>
+                    <a16:rowId xmlns:a16="http://schemas.microsoft.com/office/drawing/2014/main" xmlns="" val="446909641"/>
                   </a:ext>
                 </a:extLst>
               </a:tr>
@@ -28342,7 +28343,7 @@
                 </a:tc>
                 <a:extLst>
                   <a:ext uri="{0D108BD9-81ED-4DB2-BD59-A6C34878D82A}">
-                    <a16:rowId xmlns="" xmlns:a16="http://schemas.microsoft.com/office/drawing/2014/main" val="3472044516"/>
+                    <a16:rowId xmlns:a16="http://schemas.microsoft.com/office/drawing/2014/main" xmlns="" val="3472044516"/>
                   </a:ext>
                 </a:extLst>
               </a:tr>
@@ -28355,7 +28356,7 @@
           <p:cNvPr id="2" name="Slide Number Placeholder 1">
             <a:extLst>
               <a:ext uri="{FF2B5EF4-FFF2-40B4-BE49-F238E27FC236}">
-                <a16:creationId xmlns="" xmlns:a16="http://schemas.microsoft.com/office/drawing/2014/main" id="{E4398C1C-6656-4A73-A680-62A81CDC27FD}"/>
+                <a16:creationId xmlns:a16="http://schemas.microsoft.com/office/drawing/2014/main" xmlns="" id="{E4398C1C-6656-4A73-A680-62A81CDC27FD}"/>
               </a:ext>
             </a:extLst>
           </p:cNvPr>
@@ -28390,11 +28391,11 @@
   <p:clrMapOvr>
     <a:masterClrMapping/>
   </p:clrMapOvr>
-  <mc:AlternateContent xmlns:mc="http://schemas.openxmlformats.org/markup-compatibility/2006">
-    <mc:Choice xmlns:p14="http://schemas.microsoft.com/office/powerpoint/2010/main" Requires="p14">
+  <mc:AlternateContent xmlns:mc="http://schemas.openxmlformats.org/markup-compatibility/2006" xmlns:p14="http://schemas.microsoft.com/office/powerpoint/2010/main">
+    <mc:Choice Requires="p14">
       <p:transition p14:dur="0"/>
     </mc:Choice>
-    <mc:Fallback>
+    <mc:Fallback xmlns="">
       <p:transition/>
     </mc:Fallback>
   </mc:AlternateContent>
@@ -28430,7 +28431,7 @@
           <p:cNvPr id="4" name="Title 3">
             <a:extLst>
               <a:ext uri="{FF2B5EF4-FFF2-40B4-BE49-F238E27FC236}">
-                <a16:creationId xmlns="" xmlns:a16="http://schemas.microsoft.com/office/drawing/2014/main" id="{E3BD8413-C238-49D7-A4E1-E8FEF1811A0E}"/>
+                <a16:creationId xmlns:a16="http://schemas.microsoft.com/office/drawing/2014/main" xmlns="" id="{E3BD8413-C238-49D7-A4E1-E8FEF1811A0E}"/>
               </a:ext>
             </a:extLst>
           </p:cNvPr>
@@ -28459,7 +28460,7 @@
           <p:cNvPr id="2" name="Slide Number Placeholder 1">
             <a:extLst>
               <a:ext uri="{FF2B5EF4-FFF2-40B4-BE49-F238E27FC236}">
-                <a16:creationId xmlns="" xmlns:a16="http://schemas.microsoft.com/office/drawing/2014/main" id="{0B24BF10-2B55-43AB-9F77-F1A1410384A9}"/>
+                <a16:creationId xmlns:a16="http://schemas.microsoft.com/office/drawing/2014/main" xmlns="" id="{0B24BF10-2B55-43AB-9F77-F1A1410384A9}"/>
               </a:ext>
             </a:extLst>
           </p:cNvPr>
@@ -28513,11 +28514,11 @@
   <p:clrMapOvr>
     <a:masterClrMapping/>
   </p:clrMapOvr>
-  <mc:AlternateContent xmlns:mc="http://schemas.openxmlformats.org/markup-compatibility/2006">
-    <mc:Choice xmlns:p14="http://schemas.microsoft.com/office/powerpoint/2010/main" Requires="p14">
+  <mc:AlternateContent xmlns:mc="http://schemas.openxmlformats.org/markup-compatibility/2006" xmlns:p14="http://schemas.microsoft.com/office/powerpoint/2010/main">
+    <mc:Choice Requires="p14">
       <p:transition p14:dur="0"/>
     </mc:Choice>
-    <mc:Fallback>
+    <mc:Fallback xmlns="">
       <p:transition/>
     </mc:Fallback>
   </mc:AlternateContent>
@@ -28553,7 +28554,7 @@
           <p:cNvPr id="7" name="Title 6">
             <a:extLst>
               <a:ext uri="{FF2B5EF4-FFF2-40B4-BE49-F238E27FC236}">
-                <a16:creationId xmlns="" xmlns:a16="http://schemas.microsoft.com/office/drawing/2014/main" id="{7875C19A-1AAE-476A-A316-A2CF92D763D3}"/>
+                <a16:creationId xmlns:a16="http://schemas.microsoft.com/office/drawing/2014/main" xmlns="" id="{7875C19A-1AAE-476A-A316-A2CF92D763D3}"/>
               </a:ext>
             </a:extLst>
           </p:cNvPr>
@@ -28582,7 +28583,7 @@
           <p:cNvPr id="10" name="Text Placeholder 9">
             <a:extLst>
               <a:ext uri="{FF2B5EF4-FFF2-40B4-BE49-F238E27FC236}">
-                <a16:creationId xmlns="" xmlns:a16="http://schemas.microsoft.com/office/drawing/2014/main" id="{EF2BC084-E6DB-4DE7-B309-042A85EBA700}"/>
+                <a16:creationId xmlns:a16="http://schemas.microsoft.com/office/drawing/2014/main" xmlns="" id="{EF2BC084-E6DB-4DE7-B309-042A85EBA700}"/>
               </a:ext>
             </a:extLst>
           </p:cNvPr>
@@ -28595,7 +28596,7 @@
         </p:nvSpPr>
         <p:spPr>
           <a:xfrm>
-            <a:off x="444500" y="2014151"/>
+            <a:off x="444500" y="2511241"/>
             <a:ext cx="6718300" cy="3704477"/>
           </a:xfrm>
         </p:spPr>
@@ -28603,36 +28604,65 @@
           <a:bodyPr/>
           <a:lstStyle/>
           <a:p>
+            <a:pPr marL="342900" indent="-342900">
+              <a:buFont typeface="+mj-lt"/>
+              <a:buAutoNum type="arabicPeriod"/>
+            </a:pPr>
             <a:r>
-              <a:rPr lang="en-US" dirty="0" err="1" smtClean="0"/>
-              <a:t>TortoiseSVN</a:t>
+              <a:rPr lang="pt-PT" dirty="0" smtClean="0"/>
+              <a:t>Introdução</a:t>
             </a:r>
-            <a:endParaRPr lang="en-US" dirty="0" smtClean="0"/>
           </a:p>
           <a:p>
-            <a:endParaRPr lang="en-US" dirty="0" smtClean="0"/>
+            <a:pPr marL="342900" indent="-342900">
+              <a:buFont typeface="+mj-lt"/>
+              <a:buAutoNum type="arabicPeriod"/>
+            </a:pPr>
+            <a:r>
+              <a:rPr lang="pt-PT" dirty="0" smtClean="0"/>
+              <a:t>Sumário</a:t>
+            </a:r>
           </a:p>
           <a:p>
-            <a:endParaRPr lang="en-US" dirty="0"/>
+            <a:pPr marL="342900" indent="-342900">
+              <a:buFont typeface="+mj-lt"/>
+              <a:buAutoNum type="arabicPeriod"/>
+            </a:pPr>
+            <a:r>
+              <a:rPr lang="pt-PT" dirty="0" smtClean="0"/>
+              <a:t>Requisitos</a:t>
+            </a:r>
           </a:p>
           <a:p>
-            <a:endParaRPr lang="en-US" dirty="0" smtClean="0"/>
+            <a:pPr marL="342900" indent="-342900">
+              <a:buFont typeface="+mj-lt"/>
+              <a:buAutoNum type="arabicPeriod"/>
+            </a:pPr>
+            <a:r>
+              <a:rPr lang="pt-PT" dirty="0" smtClean="0"/>
+              <a:t>Informação Adicional</a:t>
+            </a:r>
           </a:p>
           <a:p>
-            <a:endParaRPr lang="en-US" dirty="0"/>
+            <a:pPr marL="342900" indent="-342900">
+              <a:buFont typeface="+mj-lt"/>
+              <a:buAutoNum type="arabicPeriod"/>
+            </a:pPr>
+            <a:r>
+              <a:rPr lang="pt-PT" dirty="0" smtClean="0"/>
+              <a:t>Documentos de Referência e Glossário</a:t>
+            </a:r>
           </a:p>
           <a:p>
-            <a:endParaRPr lang="en-US" dirty="0"/>
-          </a:p>
-          <a:p>
-            <a:endParaRPr lang="en-US" dirty="0"/>
-          </a:p>
-          <a:p>
+            <a:pPr marL="342900" indent="-342900">
+              <a:buFont typeface="+mj-lt"/>
+              <a:buAutoNum type="arabicPeriod"/>
+            </a:pPr>
             <a:r>
-              <a:rPr lang="en-US" dirty="0" smtClean="0"/>
-              <a:t>Jenkins</a:t>
+              <a:rPr lang="pt-PT" dirty="0" smtClean="0"/>
+              <a:t>Testes</a:t>
             </a:r>
-            <a:endParaRPr lang="en-US" dirty="0"/>
+            <a:endParaRPr lang="pt-PT" dirty="0"/>
           </a:p>
         </p:txBody>
       </p:sp>
@@ -28641,7 +28671,7 @@
           <p:cNvPr id="2" name="Slide Number Placeholder 1">
             <a:extLst>
               <a:ext uri="{FF2B5EF4-FFF2-40B4-BE49-F238E27FC236}">
-                <a16:creationId xmlns="" xmlns:a16="http://schemas.microsoft.com/office/drawing/2014/main" id="{BE9800F6-D571-48C4-8466-12AA1ADB6599}"/>
+                <a16:creationId xmlns:a16="http://schemas.microsoft.com/office/drawing/2014/main" xmlns="" id="{BE9800F6-D571-48C4-8466-12AA1ADB6599}"/>
               </a:ext>
             </a:extLst>
           </p:cNvPr>
@@ -28676,11 +28706,11 @@
   <p:clrMapOvr>
     <a:masterClrMapping/>
   </p:clrMapOvr>
-  <mc:AlternateContent xmlns:mc="http://schemas.openxmlformats.org/markup-compatibility/2006">
-    <mc:Choice xmlns:p14="http://schemas.microsoft.com/office/powerpoint/2010/main" Requires="p14">
+  <mc:AlternateContent xmlns:mc="http://schemas.openxmlformats.org/markup-compatibility/2006" xmlns:p14="http://schemas.microsoft.com/office/powerpoint/2010/main">
+    <mc:Choice Requires="p14">
       <p:transition p14:dur="0"/>
     </mc:Choice>
-    <mc:Fallback>
+    <mc:Fallback xmlns="">
       <p:transition/>
     </mc:Fallback>
   </mc:AlternateContent>
@@ -28726,25 +28756,10 @@
           <a:bodyPr/>
           <a:lstStyle/>
           <a:p>
-            <a:endParaRPr lang="pt-PT"/>
-          </a:p>
-        </p:txBody>
-      </p:sp>
-      <p:sp>
-        <p:nvSpPr>
-          <p:cNvPr id="3" name="Text Placeholder 2"/>
-          <p:cNvSpPr>
-            <a:spLocks noGrp="1"/>
-          </p:cNvSpPr>
-          <p:nvPr>
-            <p:ph type="body" sz="quarter" idx="18"/>
-          </p:nvPr>
-        </p:nvSpPr>
-        <p:spPr/>
-        <p:txBody>
-          <a:bodyPr/>
-          <a:lstStyle/>
-          <a:p>
+            <a:r>
+              <a:rPr lang="pt-PT" dirty="0" smtClean="0"/>
+              <a:t>Esboço de Interface</a:t>
+            </a:r>
             <a:endParaRPr lang="pt-PT" dirty="0"/>
           </a:p>
         </p:txBody>
@@ -28773,56 +28788,36 @@
           </a:p>
         </p:txBody>
       </p:sp>
-      <p:sp>
-        <p:nvSpPr>
-          <p:cNvPr id="5" name="Picture Placeholder 4"/>
-          <p:cNvSpPr>
-            <a:spLocks noGrp="1"/>
-          </p:cNvSpPr>
-          <p:nvPr>
-            <p:ph type="pic" sz="quarter" idx="19"/>
-          </p:nvPr>
-        </p:nvSpPr>
-        <p:spPr/>
-      </p:sp>
-      <p:sp>
-        <p:nvSpPr>
-          <p:cNvPr id="6" name="Text Placeholder 5"/>
-          <p:cNvSpPr>
-            <a:spLocks noGrp="1"/>
-          </p:cNvSpPr>
-          <p:nvPr>
-            <p:ph type="body" sz="quarter" idx="20"/>
-          </p:nvPr>
-        </p:nvSpPr>
-        <p:spPr/>
-        <p:txBody>
-          <a:bodyPr/>
-          <a:lstStyle/>
-          <a:p>
-            <a:endParaRPr lang="pt-PT"/>
-          </a:p>
-        </p:txBody>
-      </p:sp>
-      <p:sp>
-        <p:nvSpPr>
-          <p:cNvPr id="7" name="Text Placeholder 6"/>
-          <p:cNvSpPr>
-            <a:spLocks noGrp="1"/>
-          </p:cNvSpPr>
-          <p:nvPr>
-            <p:ph type="body" sz="quarter" idx="21"/>
-          </p:nvPr>
-        </p:nvSpPr>
-        <p:spPr/>
-        <p:txBody>
-          <a:bodyPr/>
-          <a:lstStyle/>
-          <a:p>
-            <a:endParaRPr lang="pt-PT"/>
-          </a:p>
-        </p:txBody>
-      </p:sp>
+      <p:pic>
+        <p:nvPicPr>
+          <p:cNvPr id="10" name="Picture 9"/>
+          <p:cNvPicPr>
+            <a:picLocks noChangeAspect="1"/>
+          </p:cNvPicPr>
+          <p:nvPr/>
+        </p:nvPicPr>
+        <p:blipFill>
+          <a:blip r:embed="rId2">
+            <a:extLst>
+              <a:ext uri="{28A0092B-C50C-407E-A947-70E740481C1C}">
+                <a14:useLocalDpi xmlns:a14="http://schemas.microsoft.com/office/drawing/2010/main" val="0"/>
+              </a:ext>
+            </a:extLst>
+          </a:blip>
+          <a:stretch>
+            <a:fillRect/>
+          </a:stretch>
+        </p:blipFill>
+        <p:spPr>
+          <a:xfrm>
+            <a:off x="4155209" y="1963795"/>
+            <a:ext cx="3096057" cy="3600953"/>
+          </a:xfrm>
+          <a:prstGeom prst="rect">
+            <a:avLst/>
+          </a:prstGeom>
+        </p:spPr>
+      </p:pic>
     </p:spTree>
     <p:extLst>
       <p:ext uri="{BB962C8B-B14F-4D97-AF65-F5344CB8AC3E}">
@@ -28833,11 +28828,11 @@
   <p:clrMapOvr>
     <a:masterClrMapping/>
   </p:clrMapOvr>
-  <mc:AlternateContent xmlns:mc="http://schemas.openxmlformats.org/markup-compatibility/2006">
-    <mc:Choice xmlns:p14="http://schemas.microsoft.com/office/powerpoint/2010/main" Requires="p14">
+  <mc:AlternateContent xmlns:mc="http://schemas.openxmlformats.org/markup-compatibility/2006" xmlns:p14="http://schemas.microsoft.com/office/powerpoint/2010/main">
+    <mc:Choice Requires="p14">
       <p:transition p14:dur="0"/>
     </mc:Choice>
-    <mc:Fallback>
+    <mc:Fallback xmlns="">
       <p:transition/>
     </mc:Fallback>
   </mc:AlternateContent>
@@ -28873,7 +28868,7 @@
           <p:cNvPr id="4" name="Title 3">
             <a:extLst>
               <a:ext uri="{FF2B5EF4-FFF2-40B4-BE49-F238E27FC236}">
-                <a16:creationId xmlns="" xmlns:a16="http://schemas.microsoft.com/office/drawing/2014/main" id="{E3BD8413-C238-49D7-A4E1-E8FEF1811A0E}"/>
+                <a16:creationId xmlns:a16="http://schemas.microsoft.com/office/drawing/2014/main" xmlns="" id="{315E3981-F0D7-482C-A8E0-6A57700BECA7}"/>
               </a:ext>
             </a:extLst>
           </p:cNvPr>
@@ -28891,7 +28886,7 @@
           <a:p>
             <a:r>
               <a:rPr lang="pt-PT" dirty="0" smtClean="0"/>
-              <a:t>Trabalho Futuro</a:t>
+              <a:t>Sprints e Testes</a:t>
             </a:r>
             <a:endParaRPr lang="pt-PT" dirty="0"/>
           </a:p>
@@ -28902,7 +28897,7 @@
           <p:cNvPr id="2" name="Slide Number Placeholder 1">
             <a:extLst>
               <a:ext uri="{FF2B5EF4-FFF2-40B4-BE49-F238E27FC236}">
-                <a16:creationId xmlns="" xmlns:a16="http://schemas.microsoft.com/office/drawing/2014/main" id="{0B24BF10-2B55-43AB-9F77-F1A1410384A9}"/>
+                <a16:creationId xmlns:a16="http://schemas.microsoft.com/office/drawing/2014/main" xmlns="" id="{520FC4EE-F318-4344-9E3C-B950ADB63865}"/>
               </a:ext>
             </a:extLst>
           </p:cNvPr>
@@ -28929,12 +28924,52 @@
       </p:sp>
       <p:sp>
         <p:nvSpPr>
-          <p:cNvPr id="3" name="Text Placeholder 2"/>
+          <p:cNvPr id="8" name="Text Placeholder 7">
+            <a:extLst>
+              <a:ext uri="{FF2B5EF4-FFF2-40B4-BE49-F238E27FC236}">
+                <a16:creationId xmlns:a16="http://schemas.microsoft.com/office/drawing/2014/main" xmlns="" id="{47DC4E62-1A34-4F98-A451-214F1808519C}"/>
+              </a:ext>
+            </a:extLst>
+          </p:cNvPr>
           <p:cNvSpPr>
             <a:spLocks noGrp="1"/>
           </p:cNvSpPr>
           <p:nvPr>
-            <p:ph type="body" idx="1"/>
+            <p:ph type="body" sz="quarter" idx="2"/>
+          </p:nvPr>
+        </p:nvSpPr>
+        <p:spPr/>
+        <p:txBody>
+          <a:bodyPr>
+            <a:normAutofit/>
+          </a:bodyPr>
+          <a:lstStyle/>
+          <a:p>
+            <a:r>
+              <a:rPr lang="pt-PT" sz="2400" dirty="0" smtClean="0"/>
+              <a:t>Sprints quinzenais</a:t>
+            </a:r>
+            <a:endParaRPr lang="pt-PT" sz="2400" dirty="0" smtClean="0"/>
+          </a:p>
+          <a:p>
+            <a:endParaRPr lang="pt-PT" sz="2400" dirty="0"/>
+          </a:p>
+        </p:txBody>
+      </p:sp>
+      <p:sp>
+        <p:nvSpPr>
+          <p:cNvPr id="6" name="Text Placeholder 5">
+            <a:extLst>
+              <a:ext uri="{FF2B5EF4-FFF2-40B4-BE49-F238E27FC236}">
+                <a16:creationId xmlns:a16="http://schemas.microsoft.com/office/drawing/2014/main" xmlns="" id="{000A9570-5EF6-4AFB-9FCA-7C8998E3FEB1}"/>
+              </a:ext>
+            </a:extLst>
+          </p:cNvPr>
+          <p:cNvSpPr>
+            <a:spLocks noGrp="1"/>
+          </p:cNvSpPr>
+          <p:nvPr>
+            <p:ph type="body" sz="quarter" idx="4"/>
           </p:nvPr>
         </p:nvSpPr>
         <p:spPr/>
@@ -28942,25 +28977,81 @@
           <a:bodyPr/>
           <a:lstStyle/>
           <a:p>
-            <a:endParaRPr lang="pt-PT"/>
+            <a:r>
+              <a:rPr lang="pt-PT" dirty="0" smtClean="0"/>
+              <a:t>Testes manuais e automatizados</a:t>
+            </a:r>
           </a:p>
         </p:txBody>
       </p:sp>
+      <p:pic>
+        <p:nvPicPr>
+          <p:cNvPr id="3" name="Picture 2"/>
+          <p:cNvPicPr>
+            <a:picLocks noChangeAspect="1"/>
+          </p:cNvPicPr>
+          <p:nvPr/>
+        </p:nvPicPr>
+        <p:blipFill rotWithShape="1">
+          <a:blip r:embed="rId2">
+            <a:extLst>
+              <a:ext uri="{28A0092B-C50C-407E-A947-70E740481C1C}">
+                <a14:useLocalDpi xmlns:a14="http://schemas.microsoft.com/office/drawing/2010/main" val="0"/>
+              </a:ext>
+            </a:extLst>
+          </a:blip>
+          <a:srcRect l="33433" t="19530" r="32751" b="21026"/>
+          <a:stretch/>
+        </p:blipFill>
+        <p:spPr>
+          <a:xfrm>
+            <a:off x="730293" y="3252565"/>
+            <a:ext cx="2651145" cy="2559092"/>
+          </a:xfrm>
+          <a:prstGeom prst="rect">
+            <a:avLst/>
+          </a:prstGeom>
+        </p:spPr>
+      </p:pic>
+      <p:pic>
+        <p:nvPicPr>
+          <p:cNvPr id="5" name="Picture 4"/>
+          <p:cNvPicPr>
+            <a:picLocks noChangeAspect="1"/>
+          </p:cNvPicPr>
+          <p:nvPr/>
+        </p:nvPicPr>
+        <p:blipFill>
+          <a:blip r:embed="rId3"/>
+          <a:stretch>
+            <a:fillRect/>
+          </a:stretch>
+        </p:blipFill>
+        <p:spPr>
+          <a:xfrm>
+            <a:off x="6475412" y="3448180"/>
+            <a:ext cx="3791643" cy="2363477"/>
+          </a:xfrm>
+          <a:prstGeom prst="rect">
+            <a:avLst/>
+          </a:prstGeom>
+        </p:spPr>
+      </p:pic>
     </p:spTree>
     <p:extLst>
       <p:ext uri="{BB962C8B-B14F-4D97-AF65-F5344CB8AC3E}">
-        <p14:creationId xmlns:p14="http://schemas.microsoft.com/office/powerpoint/2010/main" val="3123756521"/>
+        <p14:creationId xmlns:p14="http://schemas.microsoft.com/office/powerpoint/2010/main" val="3330937557"/>
       </p:ext>
     </p:extLst>
   </p:cSld>
   <p:clrMapOvr>
     <a:masterClrMapping/>
   </p:clrMapOvr>
-  <mc:AlternateContent xmlns:mc="http://schemas.openxmlformats.org/markup-compatibility/2006">
-    <mc:Choice xmlns:p14="http://schemas.microsoft.com/office/powerpoint/2010/main" Requires="p14">
+  <mc:AlternateContent xmlns:mc="http://schemas.openxmlformats.org/markup-compatibility/2006" xmlns:p14="http://schemas.microsoft.com/office/powerpoint/2010/main">
+    <mc:Choice Requires="p14">
       <p:transition p14:dur="0"/>
     </mc:Choice>
-    <mc:Fallback>
+    <mc:Fallback xmlns="">
       <p:transition/>
     </mc:Fallback>
   </mc:AlternateContent>
@@ -28996,7 +29087,7 @@
           <p:cNvPr id="4" name="Title 3">
             <a:extLst>
               <a:ext uri="{FF2B5EF4-FFF2-40B4-BE49-F238E27FC236}">
-                <a16:creationId xmlns="" xmlns:a16="http://schemas.microsoft.com/office/drawing/2014/main" id="{315E3981-F0D7-482C-A8E0-6A57700BECA7}"/>
+                <a16:creationId xmlns:a16="http://schemas.microsoft.com/office/drawing/2014/main" xmlns="" id="{315E3981-F0D7-482C-A8E0-6A57700BECA7}"/>
               </a:ext>
             </a:extLst>
           </p:cNvPr>
@@ -29033,7 +29124,7 @@
           <p:cNvPr id="2" name="Slide Number Placeholder 1">
             <a:extLst>
               <a:ext uri="{FF2B5EF4-FFF2-40B4-BE49-F238E27FC236}">
-                <a16:creationId xmlns="" xmlns:a16="http://schemas.microsoft.com/office/drawing/2014/main" id="{520FC4EE-F318-4344-9E3C-B950ADB63865}"/>
+                <a16:creationId xmlns:a16="http://schemas.microsoft.com/office/drawing/2014/main" xmlns="" id="{520FC4EE-F318-4344-9E3C-B950ADB63865}"/>
               </a:ext>
             </a:extLst>
           </p:cNvPr>
@@ -29063,7 +29154,7 @@
           <p:cNvPr id="8" name="Text Placeholder 7">
             <a:extLst>
               <a:ext uri="{FF2B5EF4-FFF2-40B4-BE49-F238E27FC236}">
-                <a16:creationId xmlns="" xmlns:a16="http://schemas.microsoft.com/office/drawing/2014/main" id="{47DC4E62-1A34-4F98-A451-214F1808519C}"/>
+                <a16:creationId xmlns:a16="http://schemas.microsoft.com/office/drawing/2014/main" xmlns="" id="{47DC4E62-1A34-4F98-A451-214F1808519C}"/>
               </a:ext>
             </a:extLst>
           </p:cNvPr>
@@ -29248,7 +29339,7 @@
           <p:cNvPr id="6" name="Text Placeholder 5">
             <a:extLst>
               <a:ext uri="{FF2B5EF4-FFF2-40B4-BE49-F238E27FC236}">
-                <a16:creationId xmlns="" xmlns:a16="http://schemas.microsoft.com/office/drawing/2014/main" id="{000A9570-5EF6-4AFB-9FCA-7C8998E3FEB1}"/>
+                <a16:creationId xmlns:a16="http://schemas.microsoft.com/office/drawing/2014/main" xmlns="" id="{000A9570-5EF6-4AFB-9FCA-7C8998E3FEB1}"/>
               </a:ext>
             </a:extLst>
           </p:cNvPr>
@@ -29290,11 +29381,11 @@
   <p:clrMapOvr>
     <a:masterClrMapping/>
   </p:clrMapOvr>
-  <mc:AlternateContent xmlns:mc="http://schemas.openxmlformats.org/markup-compatibility/2006">
-    <mc:Choice xmlns:p14="http://schemas.microsoft.com/office/powerpoint/2010/main" Requires="p14">
+  <mc:AlternateContent xmlns:mc="http://schemas.openxmlformats.org/markup-compatibility/2006" xmlns:p14="http://schemas.microsoft.com/office/powerpoint/2010/main">
+    <mc:Choice Requires="p14">
       <p:transition p14:dur="0"/>
     </mc:Choice>
-    <mc:Fallback>
+    <mc:Fallback xmlns="">
       <p:transition/>
     </mc:Fallback>
   </mc:AlternateContent>
@@ -29327,10 +29418,133 @@
       </p:grpSpPr>
       <p:sp>
         <p:nvSpPr>
+          <p:cNvPr id="4" name="Title 3">
+            <a:extLst>
+              <a:ext uri="{FF2B5EF4-FFF2-40B4-BE49-F238E27FC236}">
+                <a16:creationId xmlns:a16="http://schemas.microsoft.com/office/drawing/2014/main" xmlns="" id="{E3BD8413-C238-49D7-A4E1-E8FEF1811A0E}"/>
+              </a:ext>
+            </a:extLst>
+          </p:cNvPr>
+          <p:cNvSpPr>
+            <a:spLocks noGrp="1"/>
+          </p:cNvSpPr>
+          <p:nvPr>
+            <p:ph type="title"/>
+          </p:nvPr>
+        </p:nvSpPr>
+        <p:spPr/>
+        <p:txBody>
+          <a:bodyPr/>
+          <a:lstStyle/>
+          <a:p>
+            <a:r>
+              <a:rPr lang="pt-PT" dirty="0" smtClean="0"/>
+              <a:t>Trabalho Futuro</a:t>
+            </a:r>
+            <a:endParaRPr lang="pt-PT" dirty="0"/>
+          </a:p>
+        </p:txBody>
+      </p:sp>
+      <p:sp>
+        <p:nvSpPr>
+          <p:cNvPr id="2" name="Slide Number Placeholder 1">
+            <a:extLst>
+              <a:ext uri="{FF2B5EF4-FFF2-40B4-BE49-F238E27FC236}">
+                <a16:creationId xmlns:a16="http://schemas.microsoft.com/office/drawing/2014/main" xmlns="" id="{0B24BF10-2B55-43AB-9F77-F1A1410384A9}"/>
+              </a:ext>
+            </a:extLst>
+          </p:cNvPr>
+          <p:cNvSpPr>
+            <a:spLocks noGrp="1"/>
+          </p:cNvSpPr>
+          <p:nvPr>
+            <p:ph type="sldNum" sz="quarter" idx="12"/>
+          </p:nvPr>
+        </p:nvSpPr>
+        <p:spPr/>
+        <p:txBody>
+          <a:bodyPr/>
+          <a:lstStyle/>
+          <a:p>
+            <a:fld id="{C263D6C4-4840-40CC-AC84-17E24B3B7BDE}" type="slidenum">
+              <a:rPr lang="en-US" smtClean="0"/>
+              <a:pPr/>
+              <a:t>20</a:t>
+            </a:fld>
+            <a:endParaRPr lang="en-US" dirty="0"/>
+          </a:p>
+        </p:txBody>
+      </p:sp>
+      <p:sp>
+        <p:nvSpPr>
+          <p:cNvPr id="3" name="Text Placeholder 2"/>
+          <p:cNvSpPr>
+            <a:spLocks noGrp="1"/>
+          </p:cNvSpPr>
+          <p:nvPr>
+            <p:ph type="body" idx="1"/>
+          </p:nvPr>
+        </p:nvSpPr>
+        <p:spPr/>
+        <p:txBody>
+          <a:bodyPr/>
+          <a:lstStyle/>
+          <a:p>
+            <a:endParaRPr lang="pt-PT"/>
+          </a:p>
+        </p:txBody>
+      </p:sp>
+    </p:spTree>
+    <p:extLst>
+      <p:ext uri="{BB962C8B-B14F-4D97-AF65-F5344CB8AC3E}">
+        <p14:creationId xmlns:p14="http://schemas.microsoft.com/office/powerpoint/2010/main" val="3123756521"/>
+      </p:ext>
+    </p:extLst>
+  </p:cSld>
+  <p:clrMapOvr>
+    <a:masterClrMapping/>
+  </p:clrMapOvr>
+  <mc:AlternateContent xmlns:mc="http://schemas.openxmlformats.org/markup-compatibility/2006" xmlns:p14="http://schemas.microsoft.com/office/powerpoint/2010/main">
+    <mc:Choice Requires="p14">
+      <p:transition p14:dur="0"/>
+    </mc:Choice>
+    <mc:Fallback xmlns="">
+      <p:transition/>
+    </mc:Fallback>
+  </mc:AlternateContent>
+  <p:timing>
+    <p:tnLst>
+      <p:par>
+        <p:cTn id="1" dur="indefinite" restart="never" nodeType="tmRoot"/>
+      </p:par>
+    </p:tnLst>
+  </p:timing>
+</p:sld>
+</file>
+
+<file path=ppt/slides/slide21.xml><?xml version="1.0" encoding="utf-8"?>
+<p:sld xmlns:a="http://schemas.openxmlformats.org/drawingml/2006/main" xmlns:r="http://schemas.openxmlformats.org/officeDocument/2006/relationships" xmlns:p="http://schemas.openxmlformats.org/presentationml/2006/main">
+  <p:cSld>
+    <p:spTree>
+      <p:nvGrpSpPr>
+        <p:cNvPr id="1" name=""/>
+        <p:cNvGrpSpPr/>
+        <p:nvPr/>
+      </p:nvGrpSpPr>
+      <p:grpSpPr>
+        <a:xfrm>
+          <a:off x="0" y="0"/>
+          <a:ext cx="0" cy="0"/>
+          <a:chOff x="0" y="0"/>
+          <a:chExt cx="0" cy="0"/>
+        </a:xfrm>
+      </p:grpSpPr>
+      <p:sp>
+        <p:nvSpPr>
           <p:cNvPr id="2" name="Title 1">
             <a:extLst>
               <a:ext uri="{FF2B5EF4-FFF2-40B4-BE49-F238E27FC236}">
-                <a16:creationId xmlns="" xmlns:a16="http://schemas.microsoft.com/office/drawing/2014/main" id="{632BE5BF-9922-45FB-8F3F-4446D40A051B}"/>
+                <a16:creationId xmlns:a16="http://schemas.microsoft.com/office/drawing/2014/main" xmlns="" id="{632BE5BF-9922-45FB-8F3F-4446D40A051B}"/>
               </a:ext>
             </a:extLst>
           </p:cNvPr>
@@ -29348,7 +29562,11 @@
           <a:p>
             <a:r>
               <a:rPr lang="en-US" dirty="0"/>
-              <a:t>Thank You 1</a:t>
+              <a:t>Thank </a:t>
+            </a:r>
+            <a:r>
+              <a:rPr lang="en-US" dirty="0" smtClean="0"/>
+              <a:t>You</a:t>
             </a:r>
             <a:endParaRPr lang="en-GB" dirty="0"/>
           </a:p>
@@ -29364,11 +29582,11 @@
   <p:clrMapOvr>
     <a:masterClrMapping/>
   </p:clrMapOvr>
-  <mc:AlternateContent xmlns:mc="http://schemas.openxmlformats.org/markup-compatibility/2006">
-    <mc:Choice xmlns:p14="http://schemas.microsoft.com/office/powerpoint/2010/main" Requires="p14">
+  <mc:AlternateContent xmlns:mc="http://schemas.openxmlformats.org/markup-compatibility/2006" xmlns:p14="http://schemas.microsoft.com/office/powerpoint/2010/main">
+    <mc:Choice Requires="p14">
       <p:transition p14:dur="0"/>
     </mc:Choice>
-    <mc:Fallback>
+    <mc:Fallback xmlns="">
       <p:transition/>
     </mc:Fallback>
   </mc:AlternateContent>
@@ -29404,7 +29622,7 @@
           <p:cNvPr id="7" name="Title 6">
             <a:extLst>
               <a:ext uri="{FF2B5EF4-FFF2-40B4-BE49-F238E27FC236}">
-                <a16:creationId xmlns="" xmlns:a16="http://schemas.microsoft.com/office/drawing/2014/main" id="{7875C19A-1AAE-476A-A316-A2CF92D763D3}"/>
+                <a16:creationId xmlns:a16="http://schemas.microsoft.com/office/drawing/2014/main" xmlns="" id="{7875C19A-1AAE-476A-A316-A2CF92D763D3}"/>
               </a:ext>
             </a:extLst>
           </p:cNvPr>
@@ -29433,7 +29651,7 @@
           <p:cNvPr id="10" name="Text Placeholder 9">
             <a:extLst>
               <a:ext uri="{FF2B5EF4-FFF2-40B4-BE49-F238E27FC236}">
-                <a16:creationId xmlns="" xmlns:a16="http://schemas.microsoft.com/office/drawing/2014/main" id="{EF2BC084-E6DB-4DE7-B309-042A85EBA700}"/>
+                <a16:creationId xmlns:a16="http://schemas.microsoft.com/office/drawing/2014/main" xmlns="" id="{EF2BC084-E6DB-4DE7-B309-042A85EBA700}"/>
               </a:ext>
             </a:extLst>
           </p:cNvPr>
@@ -29446,7 +29664,7 @@
         </p:nvSpPr>
         <p:spPr>
           <a:xfrm>
-            <a:off x="444500" y="2014151"/>
+            <a:off x="444500" y="1658205"/>
             <a:ext cx="6718300" cy="3704477"/>
           </a:xfrm>
         </p:spPr>
@@ -29492,7 +29710,7 @@
           <p:cNvPr id="2" name="Slide Number Placeholder 1">
             <a:extLst>
               <a:ext uri="{FF2B5EF4-FFF2-40B4-BE49-F238E27FC236}">
-                <a16:creationId xmlns="" xmlns:a16="http://schemas.microsoft.com/office/drawing/2014/main" id="{BE9800F6-D571-48C4-8466-12AA1ADB6599}"/>
+                <a16:creationId xmlns:a16="http://schemas.microsoft.com/office/drawing/2014/main" xmlns="" id="{BE9800F6-D571-48C4-8466-12AA1ADB6599}"/>
               </a:ext>
             </a:extLst>
           </p:cNvPr>
@@ -29517,6 +29735,66 @@
           </a:p>
         </p:txBody>
       </p:sp>
+      <p:pic>
+        <p:nvPicPr>
+          <p:cNvPr id="4" name="Picture 3"/>
+          <p:cNvPicPr>
+            <a:picLocks noChangeAspect="1"/>
+          </p:cNvPicPr>
+          <p:nvPr/>
+        </p:nvPicPr>
+        <p:blipFill>
+          <a:blip r:embed="rId2">
+            <a:extLst>
+              <a:ext uri="{28A0092B-C50C-407E-A947-70E740481C1C}">
+                <a14:useLocalDpi xmlns:a14="http://schemas.microsoft.com/office/drawing/2010/main" val="0"/>
+              </a:ext>
+            </a:extLst>
+          </a:blip>
+          <a:stretch>
+            <a:fillRect/>
+          </a:stretch>
+        </p:blipFill>
+        <p:spPr>
+          <a:xfrm>
+            <a:off x="443051" y="2283912"/>
+            <a:ext cx="2683876" cy="1610326"/>
+          </a:xfrm>
+          <a:prstGeom prst="rect">
+            <a:avLst/>
+          </a:prstGeom>
+        </p:spPr>
+      </p:pic>
+      <p:pic>
+        <p:nvPicPr>
+          <p:cNvPr id="5" name="Picture 4"/>
+          <p:cNvPicPr>
+            <a:picLocks noChangeAspect="1"/>
+          </p:cNvPicPr>
+          <p:nvPr/>
+        </p:nvPicPr>
+        <p:blipFill>
+          <a:blip r:embed="rId3">
+            <a:extLst>
+              <a:ext uri="{28A0092B-C50C-407E-A947-70E740481C1C}">
+                <a14:useLocalDpi xmlns:a14="http://schemas.microsoft.com/office/drawing/2010/main" val="0"/>
+              </a:ext>
+            </a:extLst>
+          </a:blip>
+          <a:stretch>
+            <a:fillRect/>
+          </a:stretch>
+        </p:blipFill>
+        <p:spPr>
+          <a:xfrm>
+            <a:off x="443051" y="4779884"/>
+            <a:ext cx="2683876" cy="1660164"/>
+          </a:xfrm>
+          <a:prstGeom prst="rect">
+            <a:avLst/>
+          </a:prstGeom>
+        </p:spPr>
+      </p:pic>
     </p:spTree>
     <p:extLst>
       <p:ext uri="{BB962C8B-B14F-4D97-AF65-F5344CB8AC3E}">
@@ -29527,11 +29805,11 @@
   <p:clrMapOvr>
     <a:masterClrMapping/>
   </p:clrMapOvr>
-  <mc:AlternateContent xmlns:mc="http://schemas.openxmlformats.org/markup-compatibility/2006">
-    <mc:Choice xmlns:p14="http://schemas.microsoft.com/office/powerpoint/2010/main" Requires="p14">
+  <mc:AlternateContent xmlns:mc="http://schemas.openxmlformats.org/markup-compatibility/2006" xmlns:p14="http://schemas.microsoft.com/office/powerpoint/2010/main">
+    <mc:Choice Requires="p14">
       <p:transition p14:dur="0"/>
     </mc:Choice>
-    <mc:Fallback>
+    <mc:Fallback xmlns="">
       <p:transition/>
     </mc:Fallback>
   </mc:AlternateContent>
@@ -29567,7 +29845,7 @@
           <p:cNvPr id="7" name="Title 6">
             <a:extLst>
               <a:ext uri="{FF2B5EF4-FFF2-40B4-BE49-F238E27FC236}">
-                <a16:creationId xmlns="" xmlns:a16="http://schemas.microsoft.com/office/drawing/2014/main" id="{7875C19A-1AAE-476A-A316-A2CF92D763D3}"/>
+                <a16:creationId xmlns:a16="http://schemas.microsoft.com/office/drawing/2014/main" xmlns="" id="{7875C19A-1AAE-476A-A316-A2CF92D763D3}"/>
               </a:ext>
             </a:extLst>
           </p:cNvPr>
@@ -29596,7 +29874,7 @@
           <p:cNvPr id="2" name="Slide Number Placeholder 1">
             <a:extLst>
               <a:ext uri="{FF2B5EF4-FFF2-40B4-BE49-F238E27FC236}">
-                <a16:creationId xmlns="" xmlns:a16="http://schemas.microsoft.com/office/drawing/2014/main" id="{BE9800F6-D571-48C4-8466-12AA1ADB6599}"/>
+                <a16:creationId xmlns:a16="http://schemas.microsoft.com/office/drawing/2014/main" xmlns="" id="{BE9800F6-D571-48C4-8466-12AA1ADB6599}"/>
               </a:ext>
             </a:extLst>
           </p:cNvPr>
@@ -29631,11 +29909,11 @@
   <p:clrMapOvr>
     <a:masterClrMapping/>
   </p:clrMapOvr>
-  <mc:AlternateContent xmlns:mc="http://schemas.openxmlformats.org/markup-compatibility/2006">
-    <mc:Choice xmlns:p14="http://schemas.microsoft.com/office/powerpoint/2010/main" Requires="p14">
+  <mc:AlternateContent xmlns:mc="http://schemas.openxmlformats.org/markup-compatibility/2006" xmlns:p14="http://schemas.microsoft.com/office/powerpoint/2010/main">
+    <mc:Choice Requires="p14">
       <p:transition p14:dur="0"/>
     </mc:Choice>
-    <mc:Fallback>
+    <mc:Fallback xmlns="">
       <p:transition/>
     </mc:Fallback>
   </mc:AlternateContent>
@@ -29671,7 +29949,7 @@
           <p:cNvPr id="7" name="Title 6">
             <a:extLst>
               <a:ext uri="{FF2B5EF4-FFF2-40B4-BE49-F238E27FC236}">
-                <a16:creationId xmlns="" xmlns:a16="http://schemas.microsoft.com/office/drawing/2014/main" id="{7875C19A-1AAE-476A-A316-A2CF92D763D3}"/>
+                <a16:creationId xmlns:a16="http://schemas.microsoft.com/office/drawing/2014/main" xmlns="" id="{7875C19A-1AAE-476A-A316-A2CF92D763D3}"/>
               </a:ext>
             </a:extLst>
           </p:cNvPr>
@@ -29700,7 +29978,7 @@
           <p:cNvPr id="2" name="Slide Number Placeholder 1">
             <a:extLst>
               <a:ext uri="{FF2B5EF4-FFF2-40B4-BE49-F238E27FC236}">
-                <a16:creationId xmlns="" xmlns:a16="http://schemas.microsoft.com/office/drawing/2014/main" id="{BE9800F6-D571-48C4-8466-12AA1ADB6599}"/>
+                <a16:creationId xmlns:a16="http://schemas.microsoft.com/office/drawing/2014/main" xmlns="" id="{BE9800F6-D571-48C4-8466-12AA1ADB6599}"/>
               </a:ext>
             </a:extLst>
           </p:cNvPr>
@@ -29735,11 +30013,11 @@
   <p:clrMapOvr>
     <a:masterClrMapping/>
   </p:clrMapOvr>
-  <mc:AlternateContent xmlns:mc="http://schemas.openxmlformats.org/markup-compatibility/2006">
-    <mc:Choice xmlns:p14="http://schemas.microsoft.com/office/powerpoint/2010/main" Requires="p14">
+  <mc:AlternateContent xmlns:mc="http://schemas.openxmlformats.org/markup-compatibility/2006" xmlns:p14="http://schemas.microsoft.com/office/powerpoint/2010/main">
+    <mc:Choice Requires="p14">
       <p:transition p14:dur="0"/>
     </mc:Choice>
-    <mc:Fallback>
+    <mc:Fallback xmlns="">
       <p:transition/>
     </mc:Fallback>
   </mc:AlternateContent>
@@ -29775,7 +30053,7 @@
           <p:cNvPr id="7" name="Title 6">
             <a:extLst>
               <a:ext uri="{FF2B5EF4-FFF2-40B4-BE49-F238E27FC236}">
-                <a16:creationId xmlns="" xmlns:a16="http://schemas.microsoft.com/office/drawing/2014/main" id="{7875C19A-1AAE-476A-A316-A2CF92D763D3}"/>
+                <a16:creationId xmlns:a16="http://schemas.microsoft.com/office/drawing/2014/main" xmlns="" id="{7875C19A-1AAE-476A-A316-A2CF92D763D3}"/>
               </a:ext>
             </a:extLst>
           </p:cNvPr>
@@ -29804,7 +30082,7 @@
           <p:cNvPr id="2" name="Slide Number Placeholder 1">
             <a:extLst>
               <a:ext uri="{FF2B5EF4-FFF2-40B4-BE49-F238E27FC236}">
-                <a16:creationId xmlns="" xmlns:a16="http://schemas.microsoft.com/office/drawing/2014/main" id="{BE9800F6-D571-48C4-8466-12AA1ADB6599}"/>
+                <a16:creationId xmlns:a16="http://schemas.microsoft.com/office/drawing/2014/main" xmlns="" id="{BE9800F6-D571-48C4-8466-12AA1ADB6599}"/>
               </a:ext>
             </a:extLst>
           </p:cNvPr>
@@ -29839,11 +30117,11 @@
   <p:clrMapOvr>
     <a:masterClrMapping/>
   </p:clrMapOvr>
-  <mc:AlternateContent xmlns:mc="http://schemas.openxmlformats.org/markup-compatibility/2006">
-    <mc:Choice xmlns:p14="http://schemas.microsoft.com/office/powerpoint/2010/main" Requires="p14">
+  <mc:AlternateContent xmlns:mc="http://schemas.openxmlformats.org/markup-compatibility/2006" xmlns:p14="http://schemas.microsoft.com/office/powerpoint/2010/main">
+    <mc:Choice Requires="p14">
       <p:transition p14:dur="0"/>
     </mc:Choice>
-    <mc:Fallback>
+    <mc:Fallback xmlns="">
       <p:transition/>
     </mc:Fallback>
   </mc:AlternateContent>
@@ -29879,7 +30157,7 @@
           <p:cNvPr id="4" name="Title 3">
             <a:extLst>
               <a:ext uri="{FF2B5EF4-FFF2-40B4-BE49-F238E27FC236}">
-                <a16:creationId xmlns="" xmlns:a16="http://schemas.microsoft.com/office/drawing/2014/main" id="{E3BD8413-C238-49D7-A4E1-E8FEF1811A0E}"/>
+                <a16:creationId xmlns:a16="http://schemas.microsoft.com/office/drawing/2014/main" xmlns="" id="{E3BD8413-C238-49D7-A4E1-E8FEF1811A0E}"/>
               </a:ext>
             </a:extLst>
           </p:cNvPr>
@@ -29908,7 +30186,7 @@
           <p:cNvPr id="5" name="Text Placeholder 4">
             <a:extLst>
               <a:ext uri="{FF2B5EF4-FFF2-40B4-BE49-F238E27FC236}">
-                <a16:creationId xmlns="" xmlns:a16="http://schemas.microsoft.com/office/drawing/2014/main" id="{0A95F4DE-39B7-4CE2-BC1E-8B8AE662A895}"/>
+                <a16:creationId xmlns:a16="http://schemas.microsoft.com/office/drawing/2014/main" xmlns="" id="{0A95F4DE-39B7-4CE2-BC1E-8B8AE662A895}"/>
               </a:ext>
             </a:extLst>
           </p:cNvPr>
@@ -29933,7 +30211,7 @@
           <p:cNvPr id="2" name="Slide Number Placeholder 1">
             <a:extLst>
               <a:ext uri="{FF2B5EF4-FFF2-40B4-BE49-F238E27FC236}">
-                <a16:creationId xmlns="" xmlns:a16="http://schemas.microsoft.com/office/drawing/2014/main" id="{0B24BF10-2B55-43AB-9F77-F1A1410384A9}"/>
+                <a16:creationId xmlns:a16="http://schemas.microsoft.com/office/drawing/2014/main" xmlns="" id="{0B24BF10-2B55-43AB-9F77-F1A1410384A9}"/>
               </a:ext>
             </a:extLst>
           </p:cNvPr>
@@ -29968,11 +30246,11 @@
   <p:clrMapOvr>
     <a:masterClrMapping/>
   </p:clrMapOvr>
-  <mc:AlternateContent xmlns:mc="http://schemas.openxmlformats.org/markup-compatibility/2006">
-    <mc:Choice xmlns:p14="http://schemas.microsoft.com/office/powerpoint/2010/main" Requires="p14">
+  <mc:AlternateContent xmlns:mc="http://schemas.openxmlformats.org/markup-compatibility/2006" xmlns:p14="http://schemas.microsoft.com/office/powerpoint/2010/main">
+    <mc:Choice Requires="p14">
       <p:transition p14:dur="0"/>
     </mc:Choice>
-    <mc:Fallback>
+    <mc:Fallback xmlns="">
       <p:transition/>
     </mc:Fallback>
   </mc:AlternateContent>
@@ -30008,7 +30286,7 @@
           <p:cNvPr id="6" name="Title 5">
             <a:extLst>
               <a:ext uri="{FF2B5EF4-FFF2-40B4-BE49-F238E27FC236}">
-                <a16:creationId xmlns="" xmlns:a16="http://schemas.microsoft.com/office/drawing/2014/main" id="{A4CD37D6-FE32-48E3-A3AD-F07BE6A19FA1}"/>
+                <a16:creationId xmlns:a16="http://schemas.microsoft.com/office/drawing/2014/main" xmlns="" id="{A4CD37D6-FE32-48E3-A3AD-F07BE6A19FA1}"/>
               </a:ext>
             </a:extLst>
           </p:cNvPr>
@@ -30068,7 +30346,7 @@
           <p:cNvPr id="2" name="Slide Number Placeholder 1">
             <a:extLst>
               <a:ext uri="{FF2B5EF4-FFF2-40B4-BE49-F238E27FC236}">
-                <a16:creationId xmlns="" xmlns:a16="http://schemas.microsoft.com/office/drawing/2014/main" id="{8EDC7217-2779-44E0-9E6D-3B3879516A1D}"/>
+                <a16:creationId xmlns:a16="http://schemas.microsoft.com/office/drawing/2014/main" xmlns="" id="{8EDC7217-2779-44E0-9E6D-3B3879516A1D}"/>
               </a:ext>
             </a:extLst>
           </p:cNvPr>
@@ -30103,11 +30381,11 @@
   <p:clrMapOvr>
     <a:masterClrMapping/>
   </p:clrMapOvr>
-  <mc:AlternateContent xmlns:mc="http://schemas.openxmlformats.org/markup-compatibility/2006">
-    <mc:Choice xmlns:p14="http://schemas.microsoft.com/office/powerpoint/2010/main" Requires="p14">
+  <mc:AlternateContent xmlns:mc="http://schemas.openxmlformats.org/markup-compatibility/2006" xmlns:p14="http://schemas.microsoft.com/office/powerpoint/2010/main">
+    <mc:Choice Requires="p14">
       <p:transition p14:dur="0"/>
     </mc:Choice>
-    <mc:Fallback>
+    <mc:Fallback xmlns="">
       <p:transition/>
     </mc:Fallback>
   </mc:AlternateContent>
@@ -30143,7 +30421,7 @@
           <p:cNvPr id="6" name="Title 5">
             <a:extLst>
               <a:ext uri="{FF2B5EF4-FFF2-40B4-BE49-F238E27FC236}">
-                <a16:creationId xmlns="" xmlns:a16="http://schemas.microsoft.com/office/drawing/2014/main" id="{A4CD37D6-FE32-48E3-A3AD-F07BE6A19FA1}"/>
+                <a16:creationId xmlns:a16="http://schemas.microsoft.com/office/drawing/2014/main" xmlns="" id="{A4CD37D6-FE32-48E3-A3AD-F07BE6A19FA1}"/>
               </a:ext>
             </a:extLst>
           </p:cNvPr>
@@ -30199,7 +30477,7 @@
           <p:cNvPr id="2" name="Slide Number Placeholder 1">
             <a:extLst>
               <a:ext uri="{FF2B5EF4-FFF2-40B4-BE49-F238E27FC236}">
-                <a16:creationId xmlns="" xmlns:a16="http://schemas.microsoft.com/office/drawing/2014/main" id="{8EDC7217-2779-44E0-9E6D-3B3879516A1D}"/>
+                <a16:creationId xmlns:a16="http://schemas.microsoft.com/office/drawing/2014/main" xmlns="" id="{8EDC7217-2779-44E0-9E6D-3B3879516A1D}"/>
               </a:ext>
             </a:extLst>
           </p:cNvPr>
@@ -30234,11 +30512,11 @@
   <p:clrMapOvr>
     <a:masterClrMapping/>
   </p:clrMapOvr>
-  <mc:AlternateContent xmlns:mc="http://schemas.openxmlformats.org/markup-compatibility/2006">
-    <mc:Choice xmlns:p14="http://schemas.microsoft.com/office/powerpoint/2010/main" Requires="p14">
+  <mc:AlternateContent xmlns:mc="http://schemas.openxmlformats.org/markup-compatibility/2006" xmlns:p14="http://schemas.microsoft.com/office/powerpoint/2010/main">
+    <mc:Choice Requires="p14">
       <p:transition p14:dur="0"/>
     </mc:Choice>
-    <mc:Fallback>
+    <mc:Fallback xmlns="">
       <p:transition/>
     </mc:Fallback>
   </mc:AlternateContent>
@@ -31044,15 +31322,6 @@
 </file>
 
 <file path=customXml/item1.xml><?xml version="1.0" encoding="utf-8"?>
-<?mso-contentType ?>
-<FormTemplates xmlns="http://schemas.microsoft.com/sharepoint/v3/contenttype/forms">
-  <Display>DocumentLibraryForm</Display>
-  <Edit>DocumentLibraryForm</Edit>
-  <New>DocumentLibraryForm</New>
-</FormTemplates>
-</file>
-
-<file path=customXml/item2.xml><?xml version="1.0" encoding="utf-8"?>
 <ct:contentTypeSchema xmlns:ct="http://schemas.microsoft.com/office/2006/metadata/contentType" xmlns:ma="http://schemas.microsoft.com/office/2006/metadata/properties/metaAttributes" ct:_="" ma:_="" ma:contentTypeName="Document" ma:contentTypeID="0x01010079F111ED35F8CC479449609E8A0923A6" ma:contentTypeVersion="11" ma:contentTypeDescription="Create a new document." ma:contentTypeScope="" ma:versionID="96291512c1ee715ab617f4c07df79fc1">
   <xsd:schema xmlns:xsd="http://www.w3.org/2001/XMLSchema" xmlns:xs="http://www.w3.org/2001/XMLSchema" xmlns:p="http://schemas.microsoft.com/office/2006/metadata/properties" xmlns:ns2="71af3243-3dd4-4a8d-8c0d-dd76da1f02a5" xmlns:ns3="16c05727-aa75-4e4a-9b5f-8a80a1165891" targetNamespace="http://schemas.microsoft.com/office/2006/metadata/properties" ma:root="true" ma:fieldsID="8256c27c40ca5c40ce1cf6c44f0205df" ns2:_="" ns3:_="">
     <xsd:import namespace="71af3243-3dd4-4a8d-8c0d-dd76da1f02a5"/>
@@ -31263,6 +31532,15 @@
 </ct:contentTypeSchema>
 </file>
 
+<file path=customXml/item2.xml><?xml version="1.0" encoding="utf-8"?>
+<?mso-contentType ?>
+<FormTemplates xmlns="http://schemas.microsoft.com/sharepoint/v3/contenttype/forms">
+  <Display>DocumentLibraryForm</Display>
+  <Edit>DocumentLibraryForm</Edit>
+  <New>DocumentLibraryForm</New>
+</FormTemplates>
+</file>
+
 <file path=customXml/item3.xml><?xml version="1.0" encoding="utf-8"?>
 <p:properties xmlns:p="http://schemas.microsoft.com/office/2006/metadata/properties" xmlns:xsi="http://www.w3.org/2001/XMLSchema-instance" xmlns:pc="http://schemas.microsoft.com/office/infopath/2007/PartnerControls">
   <documentManagement>
@@ -31272,14 +31550,6 @@
 </file>
 
 <file path=customXml/itemProps1.xml><?xml version="1.0" encoding="utf-8"?>
-<ds:datastoreItem xmlns:ds="http://schemas.openxmlformats.org/officeDocument/2006/customXml" ds:itemID="{5B26E0C9-B2AA-42E6-97B6-E1B7D9EAF129}">
-  <ds:schemaRefs>
-    <ds:schemaRef ds:uri="http://schemas.microsoft.com/sharepoint/v3/contenttype/forms"/>
-  </ds:schemaRefs>
-</ds:datastoreItem>
-</file>
-
-<file path=customXml/itemProps2.xml><?xml version="1.0" encoding="utf-8"?>
 <ds:datastoreItem xmlns:ds="http://schemas.openxmlformats.org/officeDocument/2006/customXml" ds:itemID="{4C103400-4A22-4E35-B588-4C4D42638959}">
   <ds:schemaRefs>
     <ds:schemaRef ds:uri="http://schemas.microsoft.com/office/2006/metadata/contentType"/>
@@ -31298,6 +31568,14 @@
 </ds:datastoreItem>
 </file>
 
+<file path=customXml/itemProps2.xml><?xml version="1.0" encoding="utf-8"?>
+<ds:datastoreItem xmlns:ds="http://schemas.openxmlformats.org/officeDocument/2006/customXml" ds:itemID="{5B26E0C9-B2AA-42E6-97B6-E1B7D9EAF129}">
+  <ds:schemaRefs>
+    <ds:schemaRef ds:uri="http://schemas.microsoft.com/sharepoint/v3/contenttype/forms"/>
+  </ds:schemaRefs>
+</ds:datastoreItem>
+</file>
+
 <file path=customXml/itemProps3.xml><?xml version="1.0" encoding="utf-8"?>
 <ds:datastoreItem xmlns:ds="http://schemas.openxmlformats.org/officeDocument/2006/customXml" ds:itemID="{F5757914-1161-4661-9696-421FD6935CDD}">
   <ds:schemaRefs>

--- a/relatorio_preliminar/presentation.pptx
+++ b/relatorio_preliminar/presentation.pptx
@@ -12,20 +12,20 @@
   </p:handoutMasterIdLst>
   <p:sldIdLst>
     <p:sldId id="256" r:id="rId5"/>
-    <p:sldId id="261" r:id="rId6"/>
-    <p:sldId id="258" r:id="rId7"/>
-    <p:sldId id="286" r:id="rId8"/>
-    <p:sldId id="287" r:id="rId9"/>
-    <p:sldId id="288" r:id="rId10"/>
-    <p:sldId id="257" r:id="rId11"/>
-    <p:sldId id="267" r:id="rId12"/>
-    <p:sldId id="297" r:id="rId13"/>
-    <p:sldId id="294" r:id="rId14"/>
-    <p:sldId id="283" r:id="rId15"/>
-    <p:sldId id="290" r:id="rId16"/>
-    <p:sldId id="291" r:id="rId17"/>
-    <p:sldId id="266" r:id="rId18"/>
-    <p:sldId id="292" r:id="rId19"/>
+    <p:sldId id="258" r:id="rId6"/>
+    <p:sldId id="286" r:id="rId7"/>
+    <p:sldId id="287" r:id="rId8"/>
+    <p:sldId id="288" r:id="rId9"/>
+    <p:sldId id="257" r:id="rId10"/>
+    <p:sldId id="267" r:id="rId11"/>
+    <p:sldId id="297" r:id="rId12"/>
+    <p:sldId id="294" r:id="rId13"/>
+    <p:sldId id="283" r:id="rId14"/>
+    <p:sldId id="307" r:id="rId15"/>
+    <p:sldId id="308" r:id="rId16"/>
+    <p:sldId id="266" r:id="rId17"/>
+    <p:sldId id="303" r:id="rId18"/>
+    <p:sldId id="305" r:id="rId19"/>
     <p:sldId id="295" r:id="rId20"/>
     <p:sldId id="299" r:id="rId21"/>
     <p:sldId id="301" r:id="rId22"/>
@@ -152,6 +152,14 @@
 </p:presentation>
 </file>
 
+<file path=ppt/revisionInfo.xml><?xml version="1.0" encoding="utf-8"?>
+<p1510:revInfo xmlns:a="http://schemas.openxmlformats.org/drawingml/2006/main" xmlns:r="http://schemas.openxmlformats.org/officeDocument/2006/relationships" xmlns:p1510="http://schemas.microsoft.com/office/powerpoint/2015/10/main">
+  <p1510:revLst>
+    <p1510:client id="{7C3B4A99-9BAD-4463-8ABF-E4A079F97AB9}" v="21" dt="2022-02-22T13:24:07.460"/>
+  </p1510:revLst>
+</p1510:revInfo>
+</file>
+
 <file path=ppt/handoutMasters/handoutMaster1.xml><?xml version="1.0" encoding="utf-8"?>
 <p:handoutMaster xmlns:a="http://schemas.openxmlformats.org/drawingml/2006/main" xmlns:r="http://schemas.openxmlformats.org/officeDocument/2006/relationships" xmlns:p="http://schemas.openxmlformats.org/presentationml/2006/main">
   <p:cSld>
@@ -179,7 +187,7 @@
           <p:cNvPr id="2" name="Header Placeholder 1">
             <a:extLst>
               <a:ext uri="{FF2B5EF4-FFF2-40B4-BE49-F238E27FC236}">
-                <a16:creationId xmlns:a16="http://schemas.microsoft.com/office/drawing/2014/main" xmlns="" id="{E62FF6B6-4F8A-40F7-B5F4-FC3996824D73}"/>
+                <a16:creationId xmlns="" xmlns:a16="http://schemas.microsoft.com/office/drawing/2014/main" id="{E62FF6B6-4F8A-40F7-B5F4-FC3996824D73}"/>
               </a:ext>
             </a:extLst>
           </p:cNvPr>
@@ -216,7 +224,7 @@
           <p:cNvPr id="3" name="Date Placeholder 2">
             <a:extLst>
               <a:ext uri="{FF2B5EF4-FFF2-40B4-BE49-F238E27FC236}">
-                <a16:creationId xmlns:a16="http://schemas.microsoft.com/office/drawing/2014/main" xmlns="" id="{8910A999-F365-48DF-976A-0517FE045440}"/>
+                <a16:creationId xmlns="" xmlns:a16="http://schemas.microsoft.com/office/drawing/2014/main" id="{8910A999-F365-48DF-976A-0517FE045440}"/>
               </a:ext>
             </a:extLst>
           </p:cNvPr>
@@ -246,7 +254,7 @@
           <a:p>
             <a:fld id="{1CA5457B-CDAE-4DEB-AEC8-C82DE2312E37}" type="datetimeFigureOut">
               <a:rPr lang="en-US" smtClean="0"/>
-              <a:t>2/21/2022</a:t>
+              <a:t>2/22/2022</a:t>
             </a:fld>
             <a:endParaRPr lang="en-US" dirty="0"/>
           </a:p>
@@ -257,7 +265,7 @@
           <p:cNvPr id="4" name="Footer Placeholder 3">
             <a:extLst>
               <a:ext uri="{FF2B5EF4-FFF2-40B4-BE49-F238E27FC236}">
-                <a16:creationId xmlns:a16="http://schemas.microsoft.com/office/drawing/2014/main" xmlns="" id="{F8735C90-ADBF-4B9E-BE88-E1C8F83EB4D2}"/>
+                <a16:creationId xmlns="" xmlns:a16="http://schemas.microsoft.com/office/drawing/2014/main" id="{F8735C90-ADBF-4B9E-BE88-E1C8F83EB4D2}"/>
               </a:ext>
             </a:extLst>
           </p:cNvPr>
@@ -294,7 +302,7 @@
           <p:cNvPr id="5" name="Slide Number Placeholder 4">
             <a:extLst>
               <a:ext uri="{FF2B5EF4-FFF2-40B4-BE49-F238E27FC236}">
-                <a16:creationId xmlns:a16="http://schemas.microsoft.com/office/drawing/2014/main" xmlns="" id="{82506A01-6D0A-45EF-A584-05A3361D66F7}"/>
+                <a16:creationId xmlns="" xmlns:a16="http://schemas.microsoft.com/office/drawing/2014/main" id="{82506A01-6D0A-45EF-A584-05A3361D66F7}"/>
               </a:ext>
             </a:extLst>
           </p:cNvPr>
@@ -423,7 +431,7 @@
           <a:p>
             <a:fld id="{090B78EA-28CE-41D8-9043-90E391E5F567}" type="datetimeFigureOut">
               <a:rPr lang="en-US" noProof="0" smtClean="0"/>
-              <a:t>2/21/2022</a:t>
+              <a:t>2/22/2022</a:t>
             </a:fld>
             <a:endParaRPr lang="en-US" noProof="0" dirty="0"/>
           </a:p>
@@ -712,7 +720,7 @@
           <p:cNvPr id="21" name="Rectangle 20">
             <a:extLst>
               <a:ext uri="{FF2B5EF4-FFF2-40B4-BE49-F238E27FC236}">
-                <a16:creationId xmlns:a16="http://schemas.microsoft.com/office/drawing/2014/main" xmlns="" id="{6E739168-A5E8-443A-B392-7AD4CF8977AD}"/>
+                <a16:creationId xmlns="" xmlns:a16="http://schemas.microsoft.com/office/drawing/2014/main" id="{6E739168-A5E8-443A-B392-7AD4CF8977AD}"/>
               </a:ext>
             </a:extLst>
           </p:cNvPr>
@@ -764,7 +772,7 @@
           <p:cNvPr id="7" name="Group 6">
             <a:extLst>
               <a:ext uri="{FF2B5EF4-FFF2-40B4-BE49-F238E27FC236}">
-                <a16:creationId xmlns:a16="http://schemas.microsoft.com/office/drawing/2014/main" xmlns="" id="{4CA15AFD-4983-47DD-9ED0-D3B27E5A096F}"/>
+                <a16:creationId xmlns="" xmlns:a16="http://schemas.microsoft.com/office/drawing/2014/main" id="{4CA15AFD-4983-47DD-9ED0-D3B27E5A096F}"/>
               </a:ext>
             </a:extLst>
           </p:cNvPr>
@@ -784,7 +792,7 @@
             <p:cNvPr id="8" name="Group 7">
               <a:extLst>
                 <a:ext uri="{FF2B5EF4-FFF2-40B4-BE49-F238E27FC236}">
-                  <a16:creationId xmlns:a16="http://schemas.microsoft.com/office/drawing/2014/main" xmlns="" id="{2222D5E2-E9B4-4180-98B8-4E514C9ADB28}"/>
+                  <a16:creationId xmlns="" xmlns:a16="http://schemas.microsoft.com/office/drawing/2014/main" id="{2222D5E2-E9B4-4180-98B8-4E514C9ADB28}"/>
                 </a:ext>
               </a:extLst>
             </p:cNvPr>
@@ -804,7 +812,7 @@
               <p:cNvPr id="15" name="Freeform: Shape 14">
                 <a:extLst>
                   <a:ext uri="{FF2B5EF4-FFF2-40B4-BE49-F238E27FC236}">
-                    <a16:creationId xmlns:a16="http://schemas.microsoft.com/office/drawing/2014/main" xmlns="" id="{41E10E1E-5268-4F03-BA64-07E19DE26739}"/>
+                    <a16:creationId xmlns="" xmlns:a16="http://schemas.microsoft.com/office/drawing/2014/main" id="{41E10E1E-5268-4F03-BA64-07E19DE26739}"/>
                   </a:ext>
                 </a:extLst>
               </p:cNvPr>
@@ -941,7 +949,7 @@
               <p:cNvPr id="16" name="Freeform: Shape 15">
                 <a:extLst>
                   <a:ext uri="{FF2B5EF4-FFF2-40B4-BE49-F238E27FC236}">
-                    <a16:creationId xmlns:a16="http://schemas.microsoft.com/office/drawing/2014/main" xmlns="" id="{B989C45D-BDFF-418F-BE79-03FF70015770}"/>
+                    <a16:creationId xmlns="" xmlns:a16="http://schemas.microsoft.com/office/drawing/2014/main" id="{B989C45D-BDFF-418F-BE79-03FF70015770}"/>
                   </a:ext>
                 </a:extLst>
               </p:cNvPr>
@@ -1105,7 +1113,7 @@
               <p:cNvPr id="17" name="Right Triangle 16">
                 <a:extLst>
                   <a:ext uri="{FF2B5EF4-FFF2-40B4-BE49-F238E27FC236}">
-                    <a16:creationId xmlns:a16="http://schemas.microsoft.com/office/drawing/2014/main" xmlns="" id="{8DCD5806-2A2F-4ABF-8057-245681C498E6}"/>
+                    <a16:creationId xmlns="" xmlns:a16="http://schemas.microsoft.com/office/drawing/2014/main" id="{8DCD5806-2A2F-4ABF-8057-245681C498E6}"/>
                   </a:ext>
                 </a:extLst>
               </p:cNvPr>
@@ -1159,7 +1167,7 @@
               <p:cNvPr id="18" name="Right Triangle 17">
                 <a:extLst>
                   <a:ext uri="{FF2B5EF4-FFF2-40B4-BE49-F238E27FC236}">
-                    <a16:creationId xmlns:a16="http://schemas.microsoft.com/office/drawing/2014/main" xmlns="" id="{3A93038F-E9E4-4FFD-B3DF-28DB7C2C1490}"/>
+                    <a16:creationId xmlns="" xmlns:a16="http://schemas.microsoft.com/office/drawing/2014/main" id="{3A93038F-E9E4-4FFD-B3DF-28DB7C2C1490}"/>
                   </a:ext>
                 </a:extLst>
               </p:cNvPr>
@@ -1216,7 +1224,7 @@
               <p:cNvPr id="19" name="Right Triangle 18">
                 <a:extLst>
                   <a:ext uri="{FF2B5EF4-FFF2-40B4-BE49-F238E27FC236}">
-                    <a16:creationId xmlns:a16="http://schemas.microsoft.com/office/drawing/2014/main" xmlns="" id="{5DEA1E02-BBD0-4AE3-AF22-433B90272178}"/>
+                    <a16:creationId xmlns="" xmlns:a16="http://schemas.microsoft.com/office/drawing/2014/main" id="{5DEA1E02-BBD0-4AE3-AF22-433B90272178}"/>
                   </a:ext>
                 </a:extLst>
               </p:cNvPr>
@@ -1270,7 +1278,7 @@
               <p:cNvPr id="20" name="Freeform: Shape 19">
                 <a:extLst>
                   <a:ext uri="{FF2B5EF4-FFF2-40B4-BE49-F238E27FC236}">
-                    <a16:creationId xmlns:a16="http://schemas.microsoft.com/office/drawing/2014/main" xmlns="" id="{0027A677-9ACB-4264-B148-4806678FB83F}"/>
+                    <a16:creationId xmlns="" xmlns:a16="http://schemas.microsoft.com/office/drawing/2014/main" id="{0027A677-9ACB-4264-B148-4806678FB83F}"/>
                   </a:ext>
                 </a:extLst>
               </p:cNvPr>
@@ -1433,7 +1441,7 @@
             <p:cNvPr id="9" name="Freeform: Shape 12">
               <a:extLst>
                 <a:ext uri="{FF2B5EF4-FFF2-40B4-BE49-F238E27FC236}">
-                  <a16:creationId xmlns:a16="http://schemas.microsoft.com/office/drawing/2014/main" xmlns="" id="{E3AAB79D-382D-4A95-965E-526B6A681DA7}"/>
+                  <a16:creationId xmlns="" xmlns:a16="http://schemas.microsoft.com/office/drawing/2014/main" id="{E3AAB79D-382D-4A95-965E-526B6A681DA7}"/>
                 </a:ext>
               </a:extLst>
             </p:cNvPr>
@@ -1523,7 +1531,7 @@
             <p:cNvPr id="10" name="Freeform: Shape 9">
               <a:extLst>
                 <a:ext uri="{FF2B5EF4-FFF2-40B4-BE49-F238E27FC236}">
-                  <a16:creationId xmlns:a16="http://schemas.microsoft.com/office/drawing/2014/main" xmlns="" id="{C0A22127-2B4A-4B15-B0A9-F019A30347A1}"/>
+                  <a16:creationId xmlns="" xmlns:a16="http://schemas.microsoft.com/office/drawing/2014/main" id="{C0A22127-2B4A-4B15-B0A9-F019A30347A1}"/>
                 </a:ext>
               </a:extLst>
             </p:cNvPr>
@@ -1626,7 +1634,7 @@
             <p:cNvPr id="11" name="Freeform: Shape 12">
               <a:extLst>
                 <a:ext uri="{FF2B5EF4-FFF2-40B4-BE49-F238E27FC236}">
-                  <a16:creationId xmlns:a16="http://schemas.microsoft.com/office/drawing/2014/main" xmlns="" id="{F04D9FDC-1B67-4254-9535-CD32E81F0C3E}"/>
+                  <a16:creationId xmlns="" xmlns:a16="http://schemas.microsoft.com/office/drawing/2014/main" id="{F04D9FDC-1B67-4254-9535-CD32E81F0C3E}"/>
                 </a:ext>
               </a:extLst>
             </p:cNvPr>
@@ -1724,7 +1732,7 @@
             <p:cNvPr id="12" name="Group 11">
               <a:extLst>
                 <a:ext uri="{FF2B5EF4-FFF2-40B4-BE49-F238E27FC236}">
-                  <a16:creationId xmlns:a16="http://schemas.microsoft.com/office/drawing/2014/main" xmlns="" id="{0A86C4EA-4CF8-4531-845D-4FCB1E2F7422}"/>
+                  <a16:creationId xmlns="" xmlns:a16="http://schemas.microsoft.com/office/drawing/2014/main" id="{0A86C4EA-4CF8-4531-845D-4FCB1E2F7422}"/>
                 </a:ext>
               </a:extLst>
             </p:cNvPr>
@@ -1744,7 +1752,7 @@
               <p:cNvPr id="13" name="Freeform: Shape 12">
                 <a:extLst>
                   <a:ext uri="{FF2B5EF4-FFF2-40B4-BE49-F238E27FC236}">
-                    <a16:creationId xmlns:a16="http://schemas.microsoft.com/office/drawing/2014/main" xmlns="" id="{1101B195-C112-4D20-8D19-4D22479B150D}"/>
+                    <a16:creationId xmlns="" xmlns:a16="http://schemas.microsoft.com/office/drawing/2014/main" id="{1101B195-C112-4D20-8D19-4D22479B150D}"/>
                   </a:ext>
                 </a:extLst>
               </p:cNvPr>
@@ -1834,7 +1842,7 @@
               <p:cNvPr id="14" name="Freeform: Shape 12">
                 <a:extLst>
                   <a:ext uri="{FF2B5EF4-FFF2-40B4-BE49-F238E27FC236}">
-                    <a16:creationId xmlns:a16="http://schemas.microsoft.com/office/drawing/2014/main" xmlns="" id="{CA755F1F-9955-4CBB-8F34-F7801CA44CE7}"/>
+                    <a16:creationId xmlns="" xmlns:a16="http://schemas.microsoft.com/office/drawing/2014/main" id="{CA755F1F-9955-4CBB-8F34-F7801CA44CE7}"/>
                   </a:ext>
                 </a:extLst>
               </p:cNvPr>
@@ -1934,7 +1942,7 @@
           <p:cNvPr id="2" name="Title 1">
             <a:extLst>
               <a:ext uri="{FF2B5EF4-FFF2-40B4-BE49-F238E27FC236}">
-                <a16:creationId xmlns:a16="http://schemas.microsoft.com/office/drawing/2014/main" xmlns="" id="{9E597736-C478-4C26-9BAF-205FE31E977C}"/>
+                <a16:creationId xmlns="" xmlns:a16="http://schemas.microsoft.com/office/drawing/2014/main" id="{9E597736-C478-4C26-9BAF-205FE31E977C}"/>
               </a:ext>
             </a:extLst>
           </p:cNvPr>
@@ -1981,7 +1989,7 @@
           <p:cNvPr id="3" name="Subtitle 2">
             <a:extLst>
               <a:ext uri="{FF2B5EF4-FFF2-40B4-BE49-F238E27FC236}">
-                <a16:creationId xmlns:a16="http://schemas.microsoft.com/office/drawing/2014/main" xmlns="" id="{C3D2DEF0-A0B0-4CFE-B67D-A9D75E2368DC}"/>
+                <a16:creationId xmlns="" xmlns:a16="http://schemas.microsoft.com/office/drawing/2014/main" id="{C3D2DEF0-A0B0-4CFE-B67D-A9D75E2368DC}"/>
               </a:ext>
             </a:extLst>
           </p:cNvPr>
@@ -2017,10 +2025,9 @@
           <a:p>
             <a:pPr marL="228600" lvl="0" indent="-228600"/>
             <a:r>
-              <a:rPr lang="en-US" noProof="0" smtClean="0"/>
+              <a:rPr lang="en-US" noProof="0"/>
               <a:t>Click to edit Master subtitle style</a:t>
             </a:r>
-            <a:endParaRPr lang="en-US" noProof="0"/>
           </a:p>
         </p:txBody>
       </p:sp>
@@ -2034,14 +2041,6 @@
   <p:clrMapOvr>
     <a:masterClrMapping/>
   </p:clrMapOvr>
-  <mc:AlternateContent xmlns:mc="http://schemas.openxmlformats.org/markup-compatibility/2006" xmlns:p14="http://schemas.microsoft.com/office/powerpoint/2010/main">
-    <mc:Choice Requires="p14">
-      <p:transition p14:dur="0"/>
-    </mc:Choice>
-    <mc:Fallback xmlns="">
-      <p:transition/>
-    </mc:Fallback>
-  </mc:AlternateContent>
 </p:sldLayout>
 </file>
 
@@ -2075,7 +2074,7 @@
           <p:cNvPr id="11" name="Rectangle 10">
             <a:extLst>
               <a:ext uri="{FF2B5EF4-FFF2-40B4-BE49-F238E27FC236}">
-                <a16:creationId xmlns:a16="http://schemas.microsoft.com/office/drawing/2014/main" xmlns="" id="{EB3E033F-4449-40FA-BC85-BD2712D313DD}"/>
+                <a16:creationId xmlns="" xmlns:a16="http://schemas.microsoft.com/office/drawing/2014/main" id="{EB3E033F-4449-40FA-BC85-BD2712D313DD}"/>
               </a:ext>
             </a:extLst>
           </p:cNvPr>
@@ -2129,7 +2128,7 @@
           <p:cNvPr id="10" name="Freeform: Shape 9">
             <a:extLst>
               <a:ext uri="{FF2B5EF4-FFF2-40B4-BE49-F238E27FC236}">
-                <a16:creationId xmlns:a16="http://schemas.microsoft.com/office/drawing/2014/main" xmlns="" id="{63D26743-0505-444C-80B3-E88EE87DF72B}"/>
+                <a16:creationId xmlns="" xmlns:a16="http://schemas.microsoft.com/office/drawing/2014/main" id="{63D26743-0505-444C-80B3-E88EE87DF72B}"/>
               </a:ext>
             </a:extLst>
           </p:cNvPr>
@@ -2252,7 +2251,7 @@
           <p:cNvPr id="18" name="Freeform: Shape 17">
             <a:extLst>
               <a:ext uri="{FF2B5EF4-FFF2-40B4-BE49-F238E27FC236}">
-                <a16:creationId xmlns:a16="http://schemas.microsoft.com/office/drawing/2014/main" xmlns="" id="{E37145E9-AC61-47D5-9288-8789940F81B6}"/>
+                <a16:creationId xmlns="" xmlns:a16="http://schemas.microsoft.com/office/drawing/2014/main" id="{E37145E9-AC61-47D5-9288-8789940F81B6}"/>
               </a:ext>
             </a:extLst>
           </p:cNvPr>
@@ -2404,7 +2403,7 @@
           <p:cNvPr id="12" name="Freeform: Shape 11">
             <a:extLst>
               <a:ext uri="{FF2B5EF4-FFF2-40B4-BE49-F238E27FC236}">
-                <a16:creationId xmlns:a16="http://schemas.microsoft.com/office/drawing/2014/main" xmlns="" id="{A5E2B3ED-9A49-40A7-B8A3-62595FE513F9}"/>
+                <a16:creationId xmlns="" xmlns:a16="http://schemas.microsoft.com/office/drawing/2014/main" id="{A5E2B3ED-9A49-40A7-B8A3-62595FE513F9}"/>
               </a:ext>
             </a:extLst>
           </p:cNvPr>
@@ -2554,7 +2553,7 @@
           <p:cNvPr id="8" name="Freeform: Shape 7">
             <a:extLst>
               <a:ext uri="{FF2B5EF4-FFF2-40B4-BE49-F238E27FC236}">
-                <a16:creationId xmlns:a16="http://schemas.microsoft.com/office/drawing/2014/main" xmlns="" id="{1599AF7E-3E34-4597-AA72-9373A7FDB020}"/>
+                <a16:creationId xmlns="" xmlns:a16="http://schemas.microsoft.com/office/drawing/2014/main" id="{1599AF7E-3E34-4597-AA72-9373A7FDB020}"/>
               </a:ext>
             </a:extLst>
           </p:cNvPr>
@@ -2700,7 +2699,7 @@
           <p:cNvPr id="2" name="Title 1">
             <a:extLst>
               <a:ext uri="{FF2B5EF4-FFF2-40B4-BE49-F238E27FC236}">
-                <a16:creationId xmlns:a16="http://schemas.microsoft.com/office/drawing/2014/main" xmlns="" id="{4A2DF563-7FAC-46B3-B24C-7E45CD89DA2B}"/>
+                <a16:creationId xmlns="" xmlns:a16="http://schemas.microsoft.com/office/drawing/2014/main" id="{4A2DF563-7FAC-46B3-B24C-7E45CD89DA2B}"/>
               </a:ext>
             </a:extLst>
           </p:cNvPr>
@@ -2734,10 +2733,9 @@
           <a:p>
             <a:pPr lvl="0"/>
             <a:r>
-              <a:rPr lang="en-US" noProof="0" smtClean="0"/>
+              <a:rPr lang="en-US" noProof="0"/>
               <a:t>Click to edit Master title style</a:t>
             </a:r>
-            <a:endParaRPr lang="en-US" noProof="0"/>
           </a:p>
         </p:txBody>
       </p:sp>
@@ -2746,7 +2744,7 @@
           <p:cNvPr id="15" name="Group 14">
             <a:extLst>
               <a:ext uri="{FF2B5EF4-FFF2-40B4-BE49-F238E27FC236}">
-                <a16:creationId xmlns:a16="http://schemas.microsoft.com/office/drawing/2014/main" xmlns="" id="{7732E1E7-45E3-4264-8F26-66758696DD1E}"/>
+                <a16:creationId xmlns="" xmlns:a16="http://schemas.microsoft.com/office/drawing/2014/main" id="{7732E1E7-45E3-4264-8F26-66758696DD1E}"/>
               </a:ext>
             </a:extLst>
           </p:cNvPr>
@@ -2766,7 +2764,7 @@
             <p:cNvPr id="16" name="Freeform: Shape 15">
               <a:extLst>
                 <a:ext uri="{FF2B5EF4-FFF2-40B4-BE49-F238E27FC236}">
-                  <a16:creationId xmlns:a16="http://schemas.microsoft.com/office/drawing/2014/main" xmlns="" id="{2E3DF883-8093-49FA-81E1-E5D77F086A25}"/>
+                  <a16:creationId xmlns="" xmlns:a16="http://schemas.microsoft.com/office/drawing/2014/main" id="{2E3DF883-8093-49FA-81E1-E5D77F086A25}"/>
                 </a:ext>
               </a:extLst>
             </p:cNvPr>
@@ -2856,7 +2854,7 @@
             <p:cNvPr id="17" name="Freeform: Shape 16">
               <a:extLst>
                 <a:ext uri="{FF2B5EF4-FFF2-40B4-BE49-F238E27FC236}">
-                  <a16:creationId xmlns:a16="http://schemas.microsoft.com/office/drawing/2014/main" xmlns="" id="{18944C90-37E5-4BBE-89FF-060627168050}"/>
+                  <a16:creationId xmlns="" xmlns:a16="http://schemas.microsoft.com/office/drawing/2014/main" id="{18944C90-37E5-4BBE-89FF-060627168050}"/>
                 </a:ext>
               </a:extLst>
             </p:cNvPr>
@@ -2955,7 +2953,7 @@
           <p:cNvPr id="6" name="Group 5">
             <a:extLst>
               <a:ext uri="{FF2B5EF4-FFF2-40B4-BE49-F238E27FC236}">
-                <a16:creationId xmlns:a16="http://schemas.microsoft.com/office/drawing/2014/main" xmlns="" id="{D9EBF8BB-A805-4DDB-B459-082F99815B95}"/>
+                <a16:creationId xmlns="" xmlns:a16="http://schemas.microsoft.com/office/drawing/2014/main" id="{D9EBF8BB-A805-4DDB-B459-082F99815B95}"/>
               </a:ext>
             </a:extLst>
           </p:cNvPr>
@@ -2975,7 +2973,7 @@
             <p:cNvPr id="19" name="Rectangle: Single Corner Snipped 18">
               <a:extLst>
                 <a:ext uri="{FF2B5EF4-FFF2-40B4-BE49-F238E27FC236}">
-                  <a16:creationId xmlns:a16="http://schemas.microsoft.com/office/drawing/2014/main" xmlns="" id="{5D638788-DD47-45E7-939A-FA108A818173}"/>
+                  <a16:creationId xmlns="" xmlns:a16="http://schemas.microsoft.com/office/drawing/2014/main" id="{5D638788-DD47-45E7-939A-FA108A818173}"/>
                 </a:ext>
               </a:extLst>
             </p:cNvPr>
@@ -3041,7 +3039,7 @@
             <p:cNvPr id="3" name="Rectangle: Single Corner Snipped 2">
               <a:extLst>
                 <a:ext uri="{FF2B5EF4-FFF2-40B4-BE49-F238E27FC236}">
-                  <a16:creationId xmlns:a16="http://schemas.microsoft.com/office/drawing/2014/main" xmlns="" id="{74BDECEF-EEFE-4332-B3B2-BDE4F82C10FC}"/>
+                  <a16:creationId xmlns="" xmlns:a16="http://schemas.microsoft.com/office/drawing/2014/main" id="{74BDECEF-EEFE-4332-B3B2-BDE4F82C10FC}"/>
                 </a:ext>
               </a:extLst>
             </p:cNvPr>
@@ -3098,7 +3096,7 @@
           <p:cNvPr id="24" name="Freeform: Shape 23">
             <a:extLst>
               <a:ext uri="{FF2B5EF4-FFF2-40B4-BE49-F238E27FC236}">
-                <a16:creationId xmlns:a16="http://schemas.microsoft.com/office/drawing/2014/main" xmlns="" id="{18103E00-7E4A-44CD-81AC-06433CAE1110}"/>
+                <a16:creationId xmlns="" xmlns:a16="http://schemas.microsoft.com/office/drawing/2014/main" id="{18103E00-7E4A-44CD-81AC-06433CAE1110}"/>
               </a:ext>
             </a:extLst>
           </p:cNvPr>
@@ -3193,7 +3191,7 @@
           <p:cNvPr id="5" name="Slide Number Placeholder 4">
             <a:extLst>
               <a:ext uri="{FF2B5EF4-FFF2-40B4-BE49-F238E27FC236}">
-                <a16:creationId xmlns:a16="http://schemas.microsoft.com/office/drawing/2014/main" xmlns="" id="{87B51822-97FF-47A7-8E4E-A0F79B4EB237}"/>
+                <a16:creationId xmlns="" xmlns:a16="http://schemas.microsoft.com/office/drawing/2014/main" id="{87B51822-97FF-47A7-8E4E-A0F79B4EB237}"/>
               </a:ext>
             </a:extLst>
           </p:cNvPr>
@@ -3237,7 +3235,7 @@
           <p:cNvPr id="20" name="Content Placeholder 2">
             <a:extLst>
               <a:ext uri="{FF2B5EF4-FFF2-40B4-BE49-F238E27FC236}">
-                <a16:creationId xmlns:a16="http://schemas.microsoft.com/office/drawing/2014/main" xmlns="" id="{FE796BFF-6E5F-4DE7-B193-F501FC094D63}"/>
+                <a16:creationId xmlns="" xmlns:a16="http://schemas.microsoft.com/office/drawing/2014/main" id="{FE796BFF-6E5F-4DE7-B193-F501FC094D63}"/>
               </a:ext>
             </a:extLst>
           </p:cNvPr>
@@ -3308,38 +3306,37 @@
           <a:p>
             <a:pPr lvl="0"/>
             <a:r>
-              <a:rPr lang="en-US" noProof="0" smtClean="0"/>
+              <a:rPr lang="en-US" noProof="0"/>
               <a:t>Click to edit Master text styles</a:t>
             </a:r>
           </a:p>
           <a:p>
             <a:pPr lvl="1"/>
             <a:r>
-              <a:rPr lang="en-US" noProof="0" smtClean="0"/>
+              <a:rPr lang="en-US" noProof="0"/>
               <a:t>Second level</a:t>
             </a:r>
           </a:p>
           <a:p>
             <a:pPr lvl="2"/>
             <a:r>
-              <a:rPr lang="en-US" noProof="0" smtClean="0"/>
+              <a:rPr lang="en-US" noProof="0"/>
               <a:t>Third level</a:t>
             </a:r>
           </a:p>
           <a:p>
             <a:pPr lvl="3"/>
             <a:r>
-              <a:rPr lang="en-US" noProof="0" smtClean="0"/>
+              <a:rPr lang="en-US" noProof="0"/>
               <a:t>Fourth level</a:t>
             </a:r>
           </a:p>
           <a:p>
             <a:pPr lvl="4"/>
             <a:r>
-              <a:rPr lang="en-US" noProof="0" smtClean="0"/>
+              <a:rPr lang="en-US" noProof="0"/>
               <a:t>Fifth level</a:t>
             </a:r>
-            <a:endParaRPr lang="en-US" noProof="0"/>
           </a:p>
         </p:txBody>
       </p:sp>
@@ -3348,7 +3345,7 @@
           <p:cNvPr id="21" name="Content Placeholder 3">
             <a:extLst>
               <a:ext uri="{FF2B5EF4-FFF2-40B4-BE49-F238E27FC236}">
-                <a16:creationId xmlns:a16="http://schemas.microsoft.com/office/drawing/2014/main" xmlns="" id="{78622754-CA4D-4C27-A37F-B26E7B4C9CA2}"/>
+                <a16:creationId xmlns="" xmlns:a16="http://schemas.microsoft.com/office/drawing/2014/main" id="{78622754-CA4D-4C27-A37F-B26E7B4C9CA2}"/>
               </a:ext>
             </a:extLst>
           </p:cNvPr>
@@ -3409,38 +3406,37 @@
           <a:p>
             <a:pPr lvl="0"/>
             <a:r>
-              <a:rPr lang="en-US" noProof="0" smtClean="0"/>
+              <a:rPr lang="en-US" noProof="0"/>
               <a:t>Click to edit Master text styles</a:t>
             </a:r>
           </a:p>
           <a:p>
             <a:pPr lvl="1"/>
             <a:r>
-              <a:rPr lang="en-US" noProof="0" smtClean="0"/>
+              <a:rPr lang="en-US" noProof="0"/>
               <a:t>Second level</a:t>
             </a:r>
           </a:p>
           <a:p>
             <a:pPr lvl="2"/>
             <a:r>
-              <a:rPr lang="en-US" noProof="0" smtClean="0"/>
+              <a:rPr lang="en-US" noProof="0"/>
               <a:t>Third level</a:t>
             </a:r>
           </a:p>
           <a:p>
             <a:pPr lvl="3"/>
             <a:r>
-              <a:rPr lang="en-US" noProof="0" smtClean="0"/>
+              <a:rPr lang="en-US" noProof="0"/>
               <a:t>Fourth level</a:t>
             </a:r>
           </a:p>
           <a:p>
             <a:pPr lvl="4"/>
             <a:r>
-              <a:rPr lang="en-US" noProof="0" smtClean="0"/>
+              <a:rPr lang="en-US" noProof="0"/>
               <a:t>Fifth level</a:t>
             </a:r>
-            <a:endParaRPr lang="en-US" noProof="0"/>
           </a:p>
         </p:txBody>
       </p:sp>
@@ -3454,14 +3450,6 @@
   <p:clrMapOvr>
     <a:masterClrMapping/>
   </p:clrMapOvr>
-  <mc:AlternateContent xmlns:mc="http://schemas.openxmlformats.org/markup-compatibility/2006" xmlns:p14="http://schemas.microsoft.com/office/powerpoint/2010/main">
-    <mc:Choice Requires="p14">
-      <p:transition p14:dur="0"/>
-    </mc:Choice>
-    <mc:Fallback xmlns="">
-      <p:transition/>
-    </mc:Fallback>
-  </mc:AlternateContent>
 </p:sldLayout>
 </file>
 
@@ -3495,7 +3483,7 @@
           <p:cNvPr id="11" name="Rectangle 10">
             <a:extLst>
               <a:ext uri="{FF2B5EF4-FFF2-40B4-BE49-F238E27FC236}">
-                <a16:creationId xmlns:a16="http://schemas.microsoft.com/office/drawing/2014/main" xmlns="" id="{EB3E033F-4449-40FA-BC85-BD2712D313DD}"/>
+                <a16:creationId xmlns="" xmlns:a16="http://schemas.microsoft.com/office/drawing/2014/main" id="{EB3E033F-4449-40FA-BC85-BD2712D313DD}"/>
               </a:ext>
             </a:extLst>
           </p:cNvPr>
@@ -3549,7 +3537,7 @@
           <p:cNvPr id="10" name="Freeform: Shape 9">
             <a:extLst>
               <a:ext uri="{FF2B5EF4-FFF2-40B4-BE49-F238E27FC236}">
-                <a16:creationId xmlns:a16="http://schemas.microsoft.com/office/drawing/2014/main" xmlns="" id="{63D26743-0505-444C-80B3-E88EE87DF72B}"/>
+                <a16:creationId xmlns="" xmlns:a16="http://schemas.microsoft.com/office/drawing/2014/main" id="{63D26743-0505-444C-80B3-E88EE87DF72B}"/>
               </a:ext>
             </a:extLst>
           </p:cNvPr>
@@ -3672,7 +3660,7 @@
           <p:cNvPr id="18" name="Freeform: Shape 17">
             <a:extLst>
               <a:ext uri="{FF2B5EF4-FFF2-40B4-BE49-F238E27FC236}">
-                <a16:creationId xmlns:a16="http://schemas.microsoft.com/office/drawing/2014/main" xmlns="" id="{E37145E9-AC61-47D5-9288-8789940F81B6}"/>
+                <a16:creationId xmlns="" xmlns:a16="http://schemas.microsoft.com/office/drawing/2014/main" id="{E37145E9-AC61-47D5-9288-8789940F81B6}"/>
               </a:ext>
             </a:extLst>
           </p:cNvPr>
@@ -3824,7 +3812,7 @@
           <p:cNvPr id="12" name="Freeform: Shape 11">
             <a:extLst>
               <a:ext uri="{FF2B5EF4-FFF2-40B4-BE49-F238E27FC236}">
-                <a16:creationId xmlns:a16="http://schemas.microsoft.com/office/drawing/2014/main" xmlns="" id="{A5E2B3ED-9A49-40A7-B8A3-62595FE513F9}"/>
+                <a16:creationId xmlns="" xmlns:a16="http://schemas.microsoft.com/office/drawing/2014/main" id="{A5E2B3ED-9A49-40A7-B8A3-62595FE513F9}"/>
               </a:ext>
             </a:extLst>
           </p:cNvPr>
@@ -3974,7 +3962,7 @@
           <p:cNvPr id="8" name="Freeform: Shape 7">
             <a:extLst>
               <a:ext uri="{FF2B5EF4-FFF2-40B4-BE49-F238E27FC236}">
-                <a16:creationId xmlns:a16="http://schemas.microsoft.com/office/drawing/2014/main" xmlns="" id="{1599AF7E-3E34-4597-AA72-9373A7FDB020}"/>
+                <a16:creationId xmlns="" xmlns:a16="http://schemas.microsoft.com/office/drawing/2014/main" id="{1599AF7E-3E34-4597-AA72-9373A7FDB020}"/>
               </a:ext>
             </a:extLst>
           </p:cNvPr>
@@ -4120,7 +4108,7 @@
           <p:cNvPr id="2" name="Title 1">
             <a:extLst>
               <a:ext uri="{FF2B5EF4-FFF2-40B4-BE49-F238E27FC236}">
-                <a16:creationId xmlns:a16="http://schemas.microsoft.com/office/drawing/2014/main" xmlns="" id="{4A2DF563-7FAC-46B3-B24C-7E45CD89DA2B}"/>
+                <a16:creationId xmlns="" xmlns:a16="http://schemas.microsoft.com/office/drawing/2014/main" id="{4A2DF563-7FAC-46B3-B24C-7E45CD89DA2B}"/>
               </a:ext>
             </a:extLst>
           </p:cNvPr>
@@ -4154,10 +4142,9 @@
           <a:p>
             <a:pPr lvl="0"/>
             <a:r>
-              <a:rPr lang="en-US" noProof="0" smtClean="0"/>
+              <a:rPr lang="en-US" noProof="0"/>
               <a:t>Click to edit Master title style</a:t>
             </a:r>
-            <a:endParaRPr lang="en-US" noProof="0"/>
           </a:p>
         </p:txBody>
       </p:sp>
@@ -4166,7 +4153,7 @@
           <p:cNvPr id="15" name="Group 14">
             <a:extLst>
               <a:ext uri="{FF2B5EF4-FFF2-40B4-BE49-F238E27FC236}">
-                <a16:creationId xmlns:a16="http://schemas.microsoft.com/office/drawing/2014/main" xmlns="" id="{7732E1E7-45E3-4264-8F26-66758696DD1E}"/>
+                <a16:creationId xmlns="" xmlns:a16="http://schemas.microsoft.com/office/drawing/2014/main" id="{7732E1E7-45E3-4264-8F26-66758696DD1E}"/>
               </a:ext>
             </a:extLst>
           </p:cNvPr>
@@ -4186,7 +4173,7 @@
             <p:cNvPr id="16" name="Freeform: Shape 15">
               <a:extLst>
                 <a:ext uri="{FF2B5EF4-FFF2-40B4-BE49-F238E27FC236}">
-                  <a16:creationId xmlns:a16="http://schemas.microsoft.com/office/drawing/2014/main" xmlns="" id="{2E3DF883-8093-49FA-81E1-E5D77F086A25}"/>
+                  <a16:creationId xmlns="" xmlns:a16="http://schemas.microsoft.com/office/drawing/2014/main" id="{2E3DF883-8093-49FA-81E1-E5D77F086A25}"/>
                 </a:ext>
               </a:extLst>
             </p:cNvPr>
@@ -4276,7 +4263,7 @@
             <p:cNvPr id="17" name="Freeform: Shape 16">
               <a:extLst>
                 <a:ext uri="{FF2B5EF4-FFF2-40B4-BE49-F238E27FC236}">
-                  <a16:creationId xmlns:a16="http://schemas.microsoft.com/office/drawing/2014/main" xmlns="" id="{18944C90-37E5-4BBE-89FF-060627168050}"/>
+                  <a16:creationId xmlns="" xmlns:a16="http://schemas.microsoft.com/office/drawing/2014/main" id="{18944C90-37E5-4BBE-89FF-060627168050}"/>
                 </a:ext>
               </a:extLst>
             </p:cNvPr>
@@ -4375,7 +4362,7 @@
           <p:cNvPr id="6" name="Group 5">
             <a:extLst>
               <a:ext uri="{FF2B5EF4-FFF2-40B4-BE49-F238E27FC236}">
-                <a16:creationId xmlns:a16="http://schemas.microsoft.com/office/drawing/2014/main" xmlns="" id="{D9EBF8BB-A805-4DDB-B459-082F99815B95}"/>
+                <a16:creationId xmlns="" xmlns:a16="http://schemas.microsoft.com/office/drawing/2014/main" id="{D9EBF8BB-A805-4DDB-B459-082F99815B95}"/>
               </a:ext>
             </a:extLst>
           </p:cNvPr>
@@ -4395,7 +4382,7 @@
             <p:cNvPr id="19" name="Rectangle: Single Corner Snipped 18">
               <a:extLst>
                 <a:ext uri="{FF2B5EF4-FFF2-40B4-BE49-F238E27FC236}">
-                  <a16:creationId xmlns:a16="http://schemas.microsoft.com/office/drawing/2014/main" xmlns="" id="{5D638788-DD47-45E7-939A-FA108A818173}"/>
+                  <a16:creationId xmlns="" xmlns:a16="http://schemas.microsoft.com/office/drawing/2014/main" id="{5D638788-DD47-45E7-939A-FA108A818173}"/>
                 </a:ext>
               </a:extLst>
             </p:cNvPr>
@@ -4456,7 +4443,7 @@
             <p:cNvPr id="3" name="Rectangle: Single Corner Snipped 2">
               <a:extLst>
                 <a:ext uri="{FF2B5EF4-FFF2-40B4-BE49-F238E27FC236}">
-                  <a16:creationId xmlns:a16="http://schemas.microsoft.com/office/drawing/2014/main" xmlns="" id="{74BDECEF-EEFE-4332-B3B2-BDE4F82C10FC}"/>
+                  <a16:creationId xmlns="" xmlns:a16="http://schemas.microsoft.com/office/drawing/2014/main" id="{74BDECEF-EEFE-4332-B3B2-BDE4F82C10FC}"/>
                 </a:ext>
               </a:extLst>
             </p:cNvPr>
@@ -4513,7 +4500,7 @@
           <p:cNvPr id="20" name="Picture Placeholder 8">
             <a:extLst>
               <a:ext uri="{FF2B5EF4-FFF2-40B4-BE49-F238E27FC236}">
-                <a16:creationId xmlns:a16="http://schemas.microsoft.com/office/drawing/2014/main" xmlns="" id="{6D00E6B4-1CBE-404E-B943-5F1832320C1C}"/>
+                <a16:creationId xmlns="" xmlns:a16="http://schemas.microsoft.com/office/drawing/2014/main" id="{6D00E6B4-1CBE-404E-B943-5F1832320C1C}"/>
               </a:ext>
             </a:extLst>
           </p:cNvPr>
@@ -4564,7 +4551,7 @@
           </a:lstStyle>
           <a:p>
             <a:r>
-              <a:rPr lang="en-US" noProof="0" smtClean="0"/>
+              <a:rPr lang="en-US" noProof="0"/>
               <a:t>Click icon to add picture</a:t>
             </a:r>
             <a:endParaRPr lang="en-US" noProof="0" dirty="0"/>
@@ -4576,7 +4563,7 @@
           <p:cNvPr id="21" name="Picture Placeholder 8">
             <a:extLst>
               <a:ext uri="{FF2B5EF4-FFF2-40B4-BE49-F238E27FC236}">
-                <a16:creationId xmlns:a16="http://schemas.microsoft.com/office/drawing/2014/main" xmlns="" id="{7CD59BFD-62BE-4E33-92A5-B84A2A9A8D3B}"/>
+                <a16:creationId xmlns="" xmlns:a16="http://schemas.microsoft.com/office/drawing/2014/main" id="{7CD59BFD-62BE-4E33-92A5-B84A2A9A8D3B}"/>
               </a:ext>
             </a:extLst>
           </p:cNvPr>
@@ -4627,7 +4614,7 @@
           </a:lstStyle>
           <a:p>
             <a:r>
-              <a:rPr lang="en-US" noProof="0" smtClean="0"/>
+              <a:rPr lang="en-US" noProof="0"/>
               <a:t>Click icon to add picture</a:t>
             </a:r>
             <a:endParaRPr lang="en-US" noProof="0" dirty="0"/>
@@ -4639,7 +4626,7 @@
           <p:cNvPr id="22" name="Picture Placeholder 8">
             <a:extLst>
               <a:ext uri="{FF2B5EF4-FFF2-40B4-BE49-F238E27FC236}">
-                <a16:creationId xmlns:a16="http://schemas.microsoft.com/office/drawing/2014/main" xmlns="" id="{60DC5978-55B8-421D-91B4-29F8210A7B2C}"/>
+                <a16:creationId xmlns="" xmlns:a16="http://schemas.microsoft.com/office/drawing/2014/main" id="{60DC5978-55B8-421D-91B4-29F8210A7B2C}"/>
               </a:ext>
             </a:extLst>
           </p:cNvPr>
@@ -4690,7 +4677,7 @@
           </a:lstStyle>
           <a:p>
             <a:r>
-              <a:rPr lang="en-US" noProof="0" smtClean="0"/>
+              <a:rPr lang="en-US" noProof="0"/>
               <a:t>Click icon to add picture</a:t>
             </a:r>
             <a:endParaRPr lang="en-US" noProof="0" dirty="0"/>
@@ -4702,7 +4689,7 @@
           <p:cNvPr id="23" name="Picture Placeholder 8">
             <a:extLst>
               <a:ext uri="{FF2B5EF4-FFF2-40B4-BE49-F238E27FC236}">
-                <a16:creationId xmlns:a16="http://schemas.microsoft.com/office/drawing/2014/main" xmlns="" id="{BE3FB8C3-2C7E-4C59-8BD5-53FA2772DB56}"/>
+                <a16:creationId xmlns="" xmlns:a16="http://schemas.microsoft.com/office/drawing/2014/main" id="{BE3FB8C3-2C7E-4C59-8BD5-53FA2772DB56}"/>
               </a:ext>
             </a:extLst>
           </p:cNvPr>
@@ -4753,7 +4740,7 @@
           </a:lstStyle>
           <a:p>
             <a:r>
-              <a:rPr lang="en-US" noProof="0" smtClean="0"/>
+              <a:rPr lang="en-US" noProof="0"/>
               <a:t>Click icon to add picture</a:t>
             </a:r>
             <a:endParaRPr lang="en-US" noProof="0" dirty="0"/>
@@ -4765,7 +4752,7 @@
           <p:cNvPr id="24" name="Picture Placeholder 8">
             <a:extLst>
               <a:ext uri="{FF2B5EF4-FFF2-40B4-BE49-F238E27FC236}">
-                <a16:creationId xmlns:a16="http://schemas.microsoft.com/office/drawing/2014/main" xmlns="" id="{FD8FA9DA-C36B-4889-B88F-28B5829E53E2}"/>
+                <a16:creationId xmlns="" xmlns:a16="http://schemas.microsoft.com/office/drawing/2014/main" id="{FD8FA9DA-C36B-4889-B88F-28B5829E53E2}"/>
               </a:ext>
             </a:extLst>
           </p:cNvPr>
@@ -4816,7 +4803,7 @@
           </a:lstStyle>
           <a:p>
             <a:r>
-              <a:rPr lang="en-US" noProof="0" smtClean="0"/>
+              <a:rPr lang="en-US" noProof="0"/>
               <a:t>Click icon to add picture</a:t>
             </a:r>
             <a:endParaRPr lang="en-US" noProof="0" dirty="0"/>
@@ -4828,7 +4815,7 @@
           <p:cNvPr id="26" name="Text Placeholder 22">
             <a:extLst>
               <a:ext uri="{FF2B5EF4-FFF2-40B4-BE49-F238E27FC236}">
-                <a16:creationId xmlns:a16="http://schemas.microsoft.com/office/drawing/2014/main" xmlns="" id="{2A19101D-7C37-42BF-8167-5391EA65EC3A}"/>
+                <a16:creationId xmlns="" xmlns:a16="http://schemas.microsoft.com/office/drawing/2014/main" id="{2A19101D-7C37-42BF-8167-5391EA65EC3A}"/>
               </a:ext>
             </a:extLst>
           </p:cNvPr>
@@ -4927,7 +4914,7 @@
           <a:p>
             <a:pPr lvl="0"/>
             <a:r>
-              <a:rPr lang="en-US" noProof="0" smtClean="0"/>
+              <a:rPr lang="en-US" noProof="0"/>
               <a:t>Click to edit Master text styles</a:t>
             </a:r>
           </a:p>
@@ -4938,7 +4925,7 @@
           <p:cNvPr id="27" name="Text Placeholder 22">
             <a:extLst>
               <a:ext uri="{FF2B5EF4-FFF2-40B4-BE49-F238E27FC236}">
-                <a16:creationId xmlns:a16="http://schemas.microsoft.com/office/drawing/2014/main" xmlns="" id="{05F72315-51A9-431C-B80A-45E4FB1D6BD6}"/>
+                <a16:creationId xmlns="" xmlns:a16="http://schemas.microsoft.com/office/drawing/2014/main" id="{05F72315-51A9-431C-B80A-45E4FB1D6BD6}"/>
               </a:ext>
             </a:extLst>
           </p:cNvPr>
@@ -5037,7 +5024,7 @@
           <a:p>
             <a:pPr lvl="0"/>
             <a:r>
-              <a:rPr lang="en-US" noProof="0" smtClean="0"/>
+              <a:rPr lang="en-US" noProof="0"/>
               <a:t>Click to edit Master text styles</a:t>
             </a:r>
           </a:p>
@@ -5048,7 +5035,7 @@
           <p:cNvPr id="28" name="Text Placeholder 22">
             <a:extLst>
               <a:ext uri="{FF2B5EF4-FFF2-40B4-BE49-F238E27FC236}">
-                <a16:creationId xmlns:a16="http://schemas.microsoft.com/office/drawing/2014/main" xmlns="" id="{883D1F0C-34F1-46E1-B178-E4AB82B14631}"/>
+                <a16:creationId xmlns="" xmlns:a16="http://schemas.microsoft.com/office/drawing/2014/main" id="{883D1F0C-34F1-46E1-B178-E4AB82B14631}"/>
               </a:ext>
             </a:extLst>
           </p:cNvPr>
@@ -5147,7 +5134,7 @@
           <a:p>
             <a:pPr lvl="0"/>
             <a:r>
-              <a:rPr lang="en-US" noProof="0" smtClean="0"/>
+              <a:rPr lang="en-US" noProof="0"/>
               <a:t>Click to edit Master text styles</a:t>
             </a:r>
           </a:p>
@@ -5158,7 +5145,7 @@
           <p:cNvPr id="29" name="Text Placeholder 22">
             <a:extLst>
               <a:ext uri="{FF2B5EF4-FFF2-40B4-BE49-F238E27FC236}">
-                <a16:creationId xmlns:a16="http://schemas.microsoft.com/office/drawing/2014/main" xmlns="" id="{7202A849-DF14-40E7-B38D-1185F72603EC}"/>
+                <a16:creationId xmlns="" xmlns:a16="http://schemas.microsoft.com/office/drawing/2014/main" id="{7202A849-DF14-40E7-B38D-1185F72603EC}"/>
               </a:ext>
             </a:extLst>
           </p:cNvPr>
@@ -5257,7 +5244,7 @@
           <a:p>
             <a:pPr lvl="0"/>
             <a:r>
-              <a:rPr lang="en-US" noProof="0" smtClean="0"/>
+              <a:rPr lang="en-US" noProof="0"/>
               <a:t>Click to edit Master text styles</a:t>
             </a:r>
           </a:p>
@@ -5268,7 +5255,7 @@
           <p:cNvPr id="30" name="Text Placeholder 22">
             <a:extLst>
               <a:ext uri="{FF2B5EF4-FFF2-40B4-BE49-F238E27FC236}">
-                <a16:creationId xmlns:a16="http://schemas.microsoft.com/office/drawing/2014/main" xmlns="" id="{CCFC1ADF-AC11-4CCD-AC2D-478B6FFEA5EA}"/>
+                <a16:creationId xmlns="" xmlns:a16="http://schemas.microsoft.com/office/drawing/2014/main" id="{CCFC1ADF-AC11-4CCD-AC2D-478B6FFEA5EA}"/>
               </a:ext>
             </a:extLst>
           </p:cNvPr>
@@ -5367,7 +5354,7 @@
           <a:p>
             <a:pPr lvl="0"/>
             <a:r>
-              <a:rPr lang="en-US" noProof="0" smtClean="0"/>
+              <a:rPr lang="en-US" noProof="0"/>
               <a:t>Click to edit Master text styles</a:t>
             </a:r>
           </a:p>
@@ -5378,7 +5365,7 @@
           <p:cNvPr id="7" name="Straight Connector 6">
             <a:extLst>
               <a:ext uri="{FF2B5EF4-FFF2-40B4-BE49-F238E27FC236}">
-                <a16:creationId xmlns:a16="http://schemas.microsoft.com/office/drawing/2014/main" xmlns="" id="{2B4CB326-DA0E-488E-B236-7017E8438FBB}"/>
+                <a16:creationId xmlns="" xmlns:a16="http://schemas.microsoft.com/office/drawing/2014/main" id="{2B4CB326-DA0E-488E-B236-7017E8438FBB}"/>
               </a:ext>
             </a:extLst>
           </p:cNvPr>
@@ -5419,7 +5406,7 @@
           <p:cNvPr id="31" name="Straight Connector 30">
             <a:extLst>
               <a:ext uri="{FF2B5EF4-FFF2-40B4-BE49-F238E27FC236}">
-                <a16:creationId xmlns:a16="http://schemas.microsoft.com/office/drawing/2014/main" xmlns="" id="{9366B533-7212-4A36-9CE2-D6302E721F8F}"/>
+                <a16:creationId xmlns="" xmlns:a16="http://schemas.microsoft.com/office/drawing/2014/main" id="{9366B533-7212-4A36-9CE2-D6302E721F8F}"/>
               </a:ext>
             </a:extLst>
           </p:cNvPr>
@@ -5460,7 +5447,7 @@
           <p:cNvPr id="32" name="Straight Connector 31">
             <a:extLst>
               <a:ext uri="{FF2B5EF4-FFF2-40B4-BE49-F238E27FC236}">
-                <a16:creationId xmlns:a16="http://schemas.microsoft.com/office/drawing/2014/main" xmlns="" id="{AD7474CD-E230-4E14-8274-5E20F673F401}"/>
+                <a16:creationId xmlns="" xmlns:a16="http://schemas.microsoft.com/office/drawing/2014/main" id="{AD7474CD-E230-4E14-8274-5E20F673F401}"/>
               </a:ext>
             </a:extLst>
           </p:cNvPr>
@@ -5501,7 +5488,7 @@
           <p:cNvPr id="33" name="Straight Connector 32">
             <a:extLst>
               <a:ext uri="{FF2B5EF4-FFF2-40B4-BE49-F238E27FC236}">
-                <a16:creationId xmlns:a16="http://schemas.microsoft.com/office/drawing/2014/main" xmlns="" id="{6BF71FCE-6F39-4D2F-82BE-7D9F1D2ED59F}"/>
+                <a16:creationId xmlns="" xmlns:a16="http://schemas.microsoft.com/office/drawing/2014/main" id="{6BF71FCE-6F39-4D2F-82BE-7D9F1D2ED59F}"/>
               </a:ext>
             </a:extLst>
           </p:cNvPr>
@@ -5542,7 +5529,7 @@
           <p:cNvPr id="34" name="Straight Connector 33">
             <a:extLst>
               <a:ext uri="{FF2B5EF4-FFF2-40B4-BE49-F238E27FC236}">
-                <a16:creationId xmlns:a16="http://schemas.microsoft.com/office/drawing/2014/main" xmlns="" id="{AE97AC7A-17D9-4F42-9DD0-94FE4FC6BF19}"/>
+                <a16:creationId xmlns="" xmlns:a16="http://schemas.microsoft.com/office/drawing/2014/main" id="{AE97AC7A-17D9-4F42-9DD0-94FE4FC6BF19}"/>
               </a:ext>
             </a:extLst>
           </p:cNvPr>
@@ -5583,7 +5570,7 @@
           <p:cNvPr id="35" name="Freeform: Shape 34">
             <a:extLst>
               <a:ext uri="{FF2B5EF4-FFF2-40B4-BE49-F238E27FC236}">
-                <a16:creationId xmlns:a16="http://schemas.microsoft.com/office/drawing/2014/main" xmlns="" id="{62EEBF51-DCAD-4335-85E9-52801031A1BF}"/>
+                <a16:creationId xmlns="" xmlns:a16="http://schemas.microsoft.com/office/drawing/2014/main" id="{62EEBF51-DCAD-4335-85E9-52801031A1BF}"/>
               </a:ext>
             </a:extLst>
           </p:cNvPr>
@@ -5678,7 +5665,7 @@
           <p:cNvPr id="5" name="Slide Number Placeholder 4">
             <a:extLst>
               <a:ext uri="{FF2B5EF4-FFF2-40B4-BE49-F238E27FC236}">
-                <a16:creationId xmlns:a16="http://schemas.microsoft.com/office/drawing/2014/main" xmlns="" id="{87B51822-97FF-47A7-8E4E-A0F79B4EB237}"/>
+                <a16:creationId xmlns="" xmlns:a16="http://schemas.microsoft.com/office/drawing/2014/main" id="{87B51822-97FF-47A7-8E4E-A0F79B4EB237}"/>
               </a:ext>
             </a:extLst>
           </p:cNvPr>
@@ -5727,14 +5714,6 @@
   <p:clrMapOvr>
     <a:masterClrMapping/>
   </p:clrMapOvr>
-  <mc:AlternateContent xmlns:mc="http://schemas.openxmlformats.org/markup-compatibility/2006" xmlns:p14="http://schemas.microsoft.com/office/powerpoint/2010/main">
-    <mc:Choice Requires="p14">
-      <p:transition p14:dur="0"/>
-    </mc:Choice>
-    <mc:Fallback xmlns="">
-      <p:transition/>
-    </mc:Fallback>
-  </mc:AlternateContent>
 </p:sldLayout>
 </file>
 
@@ -5768,7 +5747,7 @@
           <p:cNvPr id="11" name="Rectangle 10">
             <a:extLst>
               <a:ext uri="{FF2B5EF4-FFF2-40B4-BE49-F238E27FC236}">
-                <a16:creationId xmlns:a16="http://schemas.microsoft.com/office/drawing/2014/main" xmlns="" id="{EB3E033F-4449-40FA-BC85-BD2712D313DD}"/>
+                <a16:creationId xmlns="" xmlns:a16="http://schemas.microsoft.com/office/drawing/2014/main" id="{EB3E033F-4449-40FA-BC85-BD2712D313DD}"/>
               </a:ext>
             </a:extLst>
           </p:cNvPr>
@@ -5822,7 +5801,7 @@
           <p:cNvPr id="10" name="Freeform: Shape 9">
             <a:extLst>
               <a:ext uri="{FF2B5EF4-FFF2-40B4-BE49-F238E27FC236}">
-                <a16:creationId xmlns:a16="http://schemas.microsoft.com/office/drawing/2014/main" xmlns="" id="{63D26743-0505-444C-80B3-E88EE87DF72B}"/>
+                <a16:creationId xmlns="" xmlns:a16="http://schemas.microsoft.com/office/drawing/2014/main" id="{63D26743-0505-444C-80B3-E88EE87DF72B}"/>
               </a:ext>
             </a:extLst>
           </p:cNvPr>
@@ -5945,7 +5924,7 @@
           <p:cNvPr id="18" name="Freeform: Shape 17">
             <a:extLst>
               <a:ext uri="{FF2B5EF4-FFF2-40B4-BE49-F238E27FC236}">
-                <a16:creationId xmlns:a16="http://schemas.microsoft.com/office/drawing/2014/main" xmlns="" id="{E37145E9-AC61-47D5-9288-8789940F81B6}"/>
+                <a16:creationId xmlns="" xmlns:a16="http://schemas.microsoft.com/office/drawing/2014/main" id="{E37145E9-AC61-47D5-9288-8789940F81B6}"/>
               </a:ext>
             </a:extLst>
           </p:cNvPr>
@@ -6097,7 +6076,7 @@
           <p:cNvPr id="12" name="Freeform: Shape 11">
             <a:extLst>
               <a:ext uri="{FF2B5EF4-FFF2-40B4-BE49-F238E27FC236}">
-                <a16:creationId xmlns:a16="http://schemas.microsoft.com/office/drawing/2014/main" xmlns="" id="{A5E2B3ED-9A49-40A7-B8A3-62595FE513F9}"/>
+                <a16:creationId xmlns="" xmlns:a16="http://schemas.microsoft.com/office/drawing/2014/main" id="{A5E2B3ED-9A49-40A7-B8A3-62595FE513F9}"/>
               </a:ext>
             </a:extLst>
           </p:cNvPr>
@@ -6247,7 +6226,7 @@
           <p:cNvPr id="8" name="Freeform: Shape 7">
             <a:extLst>
               <a:ext uri="{FF2B5EF4-FFF2-40B4-BE49-F238E27FC236}">
-                <a16:creationId xmlns:a16="http://schemas.microsoft.com/office/drawing/2014/main" xmlns="" id="{1599AF7E-3E34-4597-AA72-9373A7FDB020}"/>
+                <a16:creationId xmlns="" xmlns:a16="http://schemas.microsoft.com/office/drawing/2014/main" id="{1599AF7E-3E34-4597-AA72-9373A7FDB020}"/>
               </a:ext>
             </a:extLst>
           </p:cNvPr>
@@ -6393,7 +6372,7 @@
           <p:cNvPr id="2" name="Title 1">
             <a:extLst>
               <a:ext uri="{FF2B5EF4-FFF2-40B4-BE49-F238E27FC236}">
-                <a16:creationId xmlns:a16="http://schemas.microsoft.com/office/drawing/2014/main" xmlns="" id="{4A2DF563-7FAC-46B3-B24C-7E45CD89DA2B}"/>
+                <a16:creationId xmlns="" xmlns:a16="http://schemas.microsoft.com/office/drawing/2014/main" id="{4A2DF563-7FAC-46B3-B24C-7E45CD89DA2B}"/>
               </a:ext>
             </a:extLst>
           </p:cNvPr>
@@ -6427,10 +6406,9 @@
           <a:p>
             <a:pPr lvl="0"/>
             <a:r>
-              <a:rPr lang="en-US" noProof="0" smtClean="0"/>
+              <a:rPr lang="en-US" noProof="0"/>
               <a:t>Click to edit Master title style</a:t>
             </a:r>
-            <a:endParaRPr lang="en-US" noProof="0"/>
           </a:p>
         </p:txBody>
       </p:sp>
@@ -6439,7 +6417,7 @@
           <p:cNvPr id="15" name="Group 14">
             <a:extLst>
               <a:ext uri="{FF2B5EF4-FFF2-40B4-BE49-F238E27FC236}">
-                <a16:creationId xmlns:a16="http://schemas.microsoft.com/office/drawing/2014/main" xmlns="" id="{7732E1E7-45E3-4264-8F26-66758696DD1E}"/>
+                <a16:creationId xmlns="" xmlns:a16="http://schemas.microsoft.com/office/drawing/2014/main" id="{7732E1E7-45E3-4264-8F26-66758696DD1E}"/>
               </a:ext>
             </a:extLst>
           </p:cNvPr>
@@ -6459,7 +6437,7 @@
             <p:cNvPr id="16" name="Freeform: Shape 15">
               <a:extLst>
                 <a:ext uri="{FF2B5EF4-FFF2-40B4-BE49-F238E27FC236}">
-                  <a16:creationId xmlns:a16="http://schemas.microsoft.com/office/drawing/2014/main" xmlns="" id="{2E3DF883-8093-49FA-81E1-E5D77F086A25}"/>
+                  <a16:creationId xmlns="" xmlns:a16="http://schemas.microsoft.com/office/drawing/2014/main" id="{2E3DF883-8093-49FA-81E1-E5D77F086A25}"/>
                 </a:ext>
               </a:extLst>
             </p:cNvPr>
@@ -6549,7 +6527,7 @@
             <p:cNvPr id="17" name="Freeform: Shape 16">
               <a:extLst>
                 <a:ext uri="{FF2B5EF4-FFF2-40B4-BE49-F238E27FC236}">
-                  <a16:creationId xmlns:a16="http://schemas.microsoft.com/office/drawing/2014/main" xmlns="" id="{18944C90-37E5-4BBE-89FF-060627168050}"/>
+                  <a16:creationId xmlns="" xmlns:a16="http://schemas.microsoft.com/office/drawing/2014/main" id="{18944C90-37E5-4BBE-89FF-060627168050}"/>
                 </a:ext>
               </a:extLst>
             </p:cNvPr>
@@ -6648,7 +6626,7 @@
           <p:cNvPr id="6" name="Group 5">
             <a:extLst>
               <a:ext uri="{FF2B5EF4-FFF2-40B4-BE49-F238E27FC236}">
-                <a16:creationId xmlns:a16="http://schemas.microsoft.com/office/drawing/2014/main" xmlns="" id="{D9EBF8BB-A805-4DDB-B459-082F99815B95}"/>
+                <a16:creationId xmlns="" xmlns:a16="http://schemas.microsoft.com/office/drawing/2014/main" id="{D9EBF8BB-A805-4DDB-B459-082F99815B95}"/>
               </a:ext>
             </a:extLst>
           </p:cNvPr>
@@ -6668,7 +6646,7 @@
             <p:cNvPr id="19" name="Rectangle: Single Corner Snipped 18">
               <a:extLst>
                 <a:ext uri="{FF2B5EF4-FFF2-40B4-BE49-F238E27FC236}">
-                  <a16:creationId xmlns:a16="http://schemas.microsoft.com/office/drawing/2014/main" xmlns="" id="{5D638788-DD47-45E7-939A-FA108A818173}"/>
+                  <a16:creationId xmlns="" xmlns:a16="http://schemas.microsoft.com/office/drawing/2014/main" id="{5D638788-DD47-45E7-939A-FA108A818173}"/>
                 </a:ext>
               </a:extLst>
             </p:cNvPr>
@@ -6729,7 +6707,7 @@
             <p:cNvPr id="3" name="Rectangle: Single Corner Snipped 2">
               <a:extLst>
                 <a:ext uri="{FF2B5EF4-FFF2-40B4-BE49-F238E27FC236}">
-                  <a16:creationId xmlns:a16="http://schemas.microsoft.com/office/drawing/2014/main" xmlns="" id="{74BDECEF-EEFE-4332-B3B2-BDE4F82C10FC}"/>
+                  <a16:creationId xmlns="" xmlns:a16="http://schemas.microsoft.com/office/drawing/2014/main" id="{74BDECEF-EEFE-4332-B3B2-BDE4F82C10FC}"/>
                 </a:ext>
               </a:extLst>
             </p:cNvPr>
@@ -6786,7 +6764,7 @@
           <p:cNvPr id="26" name="Text Placeholder 22">
             <a:extLst>
               <a:ext uri="{FF2B5EF4-FFF2-40B4-BE49-F238E27FC236}">
-                <a16:creationId xmlns:a16="http://schemas.microsoft.com/office/drawing/2014/main" xmlns="" id="{2A19101D-7C37-42BF-8167-5391EA65EC3A}"/>
+                <a16:creationId xmlns="" xmlns:a16="http://schemas.microsoft.com/office/drawing/2014/main" id="{2A19101D-7C37-42BF-8167-5391EA65EC3A}"/>
               </a:ext>
             </a:extLst>
           </p:cNvPr>
@@ -6885,7 +6863,7 @@
           <a:p>
             <a:pPr lvl="0"/>
             <a:r>
-              <a:rPr lang="en-US" noProof="0" smtClean="0"/>
+              <a:rPr lang="en-US" noProof="0"/>
               <a:t>Click to edit Master text styles</a:t>
             </a:r>
           </a:p>
@@ -6896,7 +6874,7 @@
           <p:cNvPr id="35" name="Freeform: Shape 34">
             <a:extLst>
               <a:ext uri="{FF2B5EF4-FFF2-40B4-BE49-F238E27FC236}">
-                <a16:creationId xmlns:a16="http://schemas.microsoft.com/office/drawing/2014/main" xmlns="" id="{62EEBF51-DCAD-4335-85E9-52801031A1BF}"/>
+                <a16:creationId xmlns="" xmlns:a16="http://schemas.microsoft.com/office/drawing/2014/main" id="{62EEBF51-DCAD-4335-85E9-52801031A1BF}"/>
               </a:ext>
             </a:extLst>
           </p:cNvPr>
@@ -6991,7 +6969,7 @@
           <p:cNvPr id="5" name="Slide Number Placeholder 4">
             <a:extLst>
               <a:ext uri="{FF2B5EF4-FFF2-40B4-BE49-F238E27FC236}">
-                <a16:creationId xmlns:a16="http://schemas.microsoft.com/office/drawing/2014/main" xmlns="" id="{87B51822-97FF-47A7-8E4E-A0F79B4EB237}"/>
+                <a16:creationId xmlns="" xmlns:a16="http://schemas.microsoft.com/office/drawing/2014/main" id="{87B51822-97FF-47A7-8E4E-A0F79B4EB237}"/>
               </a:ext>
             </a:extLst>
           </p:cNvPr>
@@ -7035,7 +7013,7 @@
           <p:cNvPr id="13" name="Picture Placeholder 12">
             <a:extLst>
               <a:ext uri="{FF2B5EF4-FFF2-40B4-BE49-F238E27FC236}">
-                <a16:creationId xmlns:a16="http://schemas.microsoft.com/office/drawing/2014/main" xmlns="" id="{231B97CF-FD24-4932-8459-893B1AC73D33}"/>
+                <a16:creationId xmlns="" xmlns:a16="http://schemas.microsoft.com/office/drawing/2014/main" id="{231B97CF-FD24-4932-8459-893B1AC73D33}"/>
               </a:ext>
             </a:extLst>
           </p:cNvPr>
@@ -7080,7 +7058,7 @@
           <p:cNvPr id="36" name="Text Placeholder 22">
             <a:extLst>
               <a:ext uri="{FF2B5EF4-FFF2-40B4-BE49-F238E27FC236}">
-                <a16:creationId xmlns:a16="http://schemas.microsoft.com/office/drawing/2014/main" xmlns="" id="{642D3CE0-C3B4-4F3F-A650-AB452B3AD4BA}"/>
+                <a16:creationId xmlns="" xmlns:a16="http://schemas.microsoft.com/office/drawing/2014/main" id="{642D3CE0-C3B4-4F3F-A650-AB452B3AD4BA}"/>
               </a:ext>
             </a:extLst>
           </p:cNvPr>
@@ -7179,7 +7157,7 @@
           <a:p>
             <a:pPr lvl="0"/>
             <a:r>
-              <a:rPr lang="en-US" noProof="0" smtClean="0"/>
+              <a:rPr lang="en-US" noProof="0"/>
               <a:t>Click to edit Master text styles</a:t>
             </a:r>
           </a:p>
@@ -7190,7 +7168,7 @@
           <p:cNvPr id="37" name="Text Placeholder 22">
             <a:extLst>
               <a:ext uri="{FF2B5EF4-FFF2-40B4-BE49-F238E27FC236}">
-                <a16:creationId xmlns:a16="http://schemas.microsoft.com/office/drawing/2014/main" xmlns="" id="{DBED2BB0-CDAD-40EE-8B35-C66DF45EE29D}"/>
+                <a16:creationId xmlns="" xmlns:a16="http://schemas.microsoft.com/office/drawing/2014/main" id="{DBED2BB0-CDAD-40EE-8B35-C66DF45EE29D}"/>
               </a:ext>
             </a:extLst>
           </p:cNvPr>
@@ -7289,7 +7267,7 @@
           <a:p>
             <a:pPr lvl="0"/>
             <a:r>
-              <a:rPr lang="en-US" noProof="0" smtClean="0"/>
+              <a:rPr lang="en-US" noProof="0"/>
               <a:t>Click to edit Master text styles</a:t>
             </a:r>
           </a:p>
@@ -7305,14 +7283,6 @@
   <p:clrMapOvr>
     <a:masterClrMapping/>
   </p:clrMapOvr>
-  <mc:AlternateContent xmlns:mc="http://schemas.openxmlformats.org/markup-compatibility/2006" xmlns:p14="http://schemas.microsoft.com/office/powerpoint/2010/main">
-    <mc:Choice Requires="p14">
-      <p:transition p14:dur="0"/>
-    </mc:Choice>
-    <mc:Fallback xmlns="">
-      <p:transition/>
-    </mc:Fallback>
-  </mc:AlternateContent>
 </p:sldLayout>
 </file>
 
@@ -7346,7 +7316,7 @@
           <p:cNvPr id="11" name="Rectangle 10">
             <a:extLst>
               <a:ext uri="{FF2B5EF4-FFF2-40B4-BE49-F238E27FC236}">
-                <a16:creationId xmlns:a16="http://schemas.microsoft.com/office/drawing/2014/main" xmlns="" id="{EB3E033F-4449-40FA-BC85-BD2712D313DD}"/>
+                <a16:creationId xmlns="" xmlns:a16="http://schemas.microsoft.com/office/drawing/2014/main" id="{EB3E033F-4449-40FA-BC85-BD2712D313DD}"/>
               </a:ext>
             </a:extLst>
           </p:cNvPr>
@@ -7400,7 +7370,7 @@
           <p:cNvPr id="10" name="Freeform: Shape 9">
             <a:extLst>
               <a:ext uri="{FF2B5EF4-FFF2-40B4-BE49-F238E27FC236}">
-                <a16:creationId xmlns:a16="http://schemas.microsoft.com/office/drawing/2014/main" xmlns="" id="{63D26743-0505-444C-80B3-E88EE87DF72B}"/>
+                <a16:creationId xmlns="" xmlns:a16="http://schemas.microsoft.com/office/drawing/2014/main" id="{63D26743-0505-444C-80B3-E88EE87DF72B}"/>
               </a:ext>
             </a:extLst>
           </p:cNvPr>
@@ -7523,7 +7493,7 @@
           <p:cNvPr id="18" name="Freeform: Shape 17">
             <a:extLst>
               <a:ext uri="{FF2B5EF4-FFF2-40B4-BE49-F238E27FC236}">
-                <a16:creationId xmlns:a16="http://schemas.microsoft.com/office/drawing/2014/main" xmlns="" id="{E37145E9-AC61-47D5-9288-8789940F81B6}"/>
+                <a16:creationId xmlns="" xmlns:a16="http://schemas.microsoft.com/office/drawing/2014/main" id="{E37145E9-AC61-47D5-9288-8789940F81B6}"/>
               </a:ext>
             </a:extLst>
           </p:cNvPr>
@@ -7675,7 +7645,7 @@
           <p:cNvPr id="12" name="Freeform: Shape 11">
             <a:extLst>
               <a:ext uri="{FF2B5EF4-FFF2-40B4-BE49-F238E27FC236}">
-                <a16:creationId xmlns:a16="http://schemas.microsoft.com/office/drawing/2014/main" xmlns="" id="{A5E2B3ED-9A49-40A7-B8A3-62595FE513F9}"/>
+                <a16:creationId xmlns="" xmlns:a16="http://schemas.microsoft.com/office/drawing/2014/main" id="{A5E2B3ED-9A49-40A7-B8A3-62595FE513F9}"/>
               </a:ext>
             </a:extLst>
           </p:cNvPr>
@@ -7825,7 +7795,7 @@
           <p:cNvPr id="8" name="Freeform: Shape 7">
             <a:extLst>
               <a:ext uri="{FF2B5EF4-FFF2-40B4-BE49-F238E27FC236}">
-                <a16:creationId xmlns:a16="http://schemas.microsoft.com/office/drawing/2014/main" xmlns="" id="{1599AF7E-3E34-4597-AA72-9373A7FDB020}"/>
+                <a16:creationId xmlns="" xmlns:a16="http://schemas.microsoft.com/office/drawing/2014/main" id="{1599AF7E-3E34-4597-AA72-9373A7FDB020}"/>
               </a:ext>
             </a:extLst>
           </p:cNvPr>
@@ -7971,7 +7941,7 @@
           <p:cNvPr id="2" name="Title 1">
             <a:extLst>
               <a:ext uri="{FF2B5EF4-FFF2-40B4-BE49-F238E27FC236}">
-                <a16:creationId xmlns:a16="http://schemas.microsoft.com/office/drawing/2014/main" xmlns="" id="{4A2DF563-7FAC-46B3-B24C-7E45CD89DA2B}"/>
+                <a16:creationId xmlns="" xmlns:a16="http://schemas.microsoft.com/office/drawing/2014/main" id="{4A2DF563-7FAC-46B3-B24C-7E45CD89DA2B}"/>
               </a:ext>
             </a:extLst>
           </p:cNvPr>
@@ -8005,10 +7975,9 @@
           <a:p>
             <a:pPr lvl="0"/>
             <a:r>
-              <a:rPr lang="en-US" noProof="0" smtClean="0"/>
+              <a:rPr lang="en-US" noProof="0"/>
               <a:t>Click to edit Master title style</a:t>
             </a:r>
-            <a:endParaRPr lang="en-US" noProof="0"/>
           </a:p>
         </p:txBody>
       </p:sp>
@@ -8017,7 +7986,7 @@
           <p:cNvPr id="15" name="Group 14">
             <a:extLst>
               <a:ext uri="{FF2B5EF4-FFF2-40B4-BE49-F238E27FC236}">
-                <a16:creationId xmlns:a16="http://schemas.microsoft.com/office/drawing/2014/main" xmlns="" id="{7732E1E7-45E3-4264-8F26-66758696DD1E}"/>
+                <a16:creationId xmlns="" xmlns:a16="http://schemas.microsoft.com/office/drawing/2014/main" id="{7732E1E7-45E3-4264-8F26-66758696DD1E}"/>
               </a:ext>
             </a:extLst>
           </p:cNvPr>
@@ -8037,7 +8006,7 @@
             <p:cNvPr id="16" name="Freeform: Shape 15">
               <a:extLst>
                 <a:ext uri="{FF2B5EF4-FFF2-40B4-BE49-F238E27FC236}">
-                  <a16:creationId xmlns:a16="http://schemas.microsoft.com/office/drawing/2014/main" xmlns="" id="{2E3DF883-8093-49FA-81E1-E5D77F086A25}"/>
+                  <a16:creationId xmlns="" xmlns:a16="http://schemas.microsoft.com/office/drawing/2014/main" id="{2E3DF883-8093-49FA-81E1-E5D77F086A25}"/>
                 </a:ext>
               </a:extLst>
             </p:cNvPr>
@@ -8127,7 +8096,7 @@
             <p:cNvPr id="17" name="Freeform: Shape 16">
               <a:extLst>
                 <a:ext uri="{FF2B5EF4-FFF2-40B4-BE49-F238E27FC236}">
-                  <a16:creationId xmlns:a16="http://schemas.microsoft.com/office/drawing/2014/main" xmlns="" id="{18944C90-37E5-4BBE-89FF-060627168050}"/>
+                  <a16:creationId xmlns="" xmlns:a16="http://schemas.microsoft.com/office/drawing/2014/main" id="{18944C90-37E5-4BBE-89FF-060627168050}"/>
                 </a:ext>
               </a:extLst>
             </p:cNvPr>
@@ -8226,7 +8195,7 @@
           <p:cNvPr id="6" name="Group 5">
             <a:extLst>
               <a:ext uri="{FF2B5EF4-FFF2-40B4-BE49-F238E27FC236}">
-                <a16:creationId xmlns:a16="http://schemas.microsoft.com/office/drawing/2014/main" xmlns="" id="{D9EBF8BB-A805-4DDB-B459-082F99815B95}"/>
+                <a16:creationId xmlns="" xmlns:a16="http://schemas.microsoft.com/office/drawing/2014/main" id="{D9EBF8BB-A805-4DDB-B459-082F99815B95}"/>
               </a:ext>
             </a:extLst>
           </p:cNvPr>
@@ -8246,7 +8215,7 @@
             <p:cNvPr id="19" name="Rectangle: Single Corner Snipped 18">
               <a:extLst>
                 <a:ext uri="{FF2B5EF4-FFF2-40B4-BE49-F238E27FC236}">
-                  <a16:creationId xmlns:a16="http://schemas.microsoft.com/office/drawing/2014/main" xmlns="" id="{5D638788-DD47-45E7-939A-FA108A818173}"/>
+                  <a16:creationId xmlns="" xmlns:a16="http://schemas.microsoft.com/office/drawing/2014/main" id="{5D638788-DD47-45E7-939A-FA108A818173}"/>
                 </a:ext>
               </a:extLst>
             </p:cNvPr>
@@ -8307,7 +8276,7 @@
             <p:cNvPr id="3" name="Rectangle: Single Corner Snipped 2">
               <a:extLst>
                 <a:ext uri="{FF2B5EF4-FFF2-40B4-BE49-F238E27FC236}">
-                  <a16:creationId xmlns:a16="http://schemas.microsoft.com/office/drawing/2014/main" xmlns="" id="{74BDECEF-EEFE-4332-B3B2-BDE4F82C10FC}"/>
+                  <a16:creationId xmlns="" xmlns:a16="http://schemas.microsoft.com/office/drawing/2014/main" id="{74BDECEF-EEFE-4332-B3B2-BDE4F82C10FC}"/>
                 </a:ext>
               </a:extLst>
             </p:cNvPr>
@@ -8364,7 +8333,7 @@
           <p:cNvPr id="26" name="Text Placeholder 22">
             <a:extLst>
               <a:ext uri="{FF2B5EF4-FFF2-40B4-BE49-F238E27FC236}">
-                <a16:creationId xmlns:a16="http://schemas.microsoft.com/office/drawing/2014/main" xmlns="" id="{2A19101D-7C37-42BF-8167-5391EA65EC3A}"/>
+                <a16:creationId xmlns="" xmlns:a16="http://schemas.microsoft.com/office/drawing/2014/main" id="{2A19101D-7C37-42BF-8167-5391EA65EC3A}"/>
               </a:ext>
             </a:extLst>
           </p:cNvPr>
@@ -8463,7 +8432,7 @@
           <a:p>
             <a:pPr lvl="0"/>
             <a:r>
-              <a:rPr lang="en-US" noProof="0" smtClean="0"/>
+              <a:rPr lang="en-US" noProof="0"/>
               <a:t>Click to edit Master text styles</a:t>
             </a:r>
           </a:p>
@@ -8474,7 +8443,7 @@
           <p:cNvPr id="35" name="Freeform: Shape 34">
             <a:extLst>
               <a:ext uri="{FF2B5EF4-FFF2-40B4-BE49-F238E27FC236}">
-                <a16:creationId xmlns:a16="http://schemas.microsoft.com/office/drawing/2014/main" xmlns="" id="{62EEBF51-DCAD-4335-85E9-52801031A1BF}"/>
+                <a16:creationId xmlns="" xmlns:a16="http://schemas.microsoft.com/office/drawing/2014/main" id="{62EEBF51-DCAD-4335-85E9-52801031A1BF}"/>
               </a:ext>
             </a:extLst>
           </p:cNvPr>
@@ -8569,7 +8538,7 @@
           <p:cNvPr id="5" name="Slide Number Placeholder 4">
             <a:extLst>
               <a:ext uri="{FF2B5EF4-FFF2-40B4-BE49-F238E27FC236}">
-                <a16:creationId xmlns:a16="http://schemas.microsoft.com/office/drawing/2014/main" xmlns="" id="{87B51822-97FF-47A7-8E4E-A0F79B4EB237}"/>
+                <a16:creationId xmlns="" xmlns:a16="http://schemas.microsoft.com/office/drawing/2014/main" id="{87B51822-97FF-47A7-8E4E-A0F79B4EB237}"/>
               </a:ext>
             </a:extLst>
           </p:cNvPr>
@@ -8613,7 +8582,7 @@
           <p:cNvPr id="13" name="Picture Placeholder 12">
             <a:extLst>
               <a:ext uri="{FF2B5EF4-FFF2-40B4-BE49-F238E27FC236}">
-                <a16:creationId xmlns:a16="http://schemas.microsoft.com/office/drawing/2014/main" xmlns="" id="{231B97CF-FD24-4932-8459-893B1AC73D33}"/>
+                <a16:creationId xmlns="" xmlns:a16="http://schemas.microsoft.com/office/drawing/2014/main" id="{231B97CF-FD24-4932-8459-893B1AC73D33}"/>
               </a:ext>
             </a:extLst>
           </p:cNvPr>
@@ -8663,14 +8632,6 @@
   <p:clrMapOvr>
     <a:masterClrMapping/>
   </p:clrMapOvr>
-  <mc:AlternateContent xmlns:mc="http://schemas.openxmlformats.org/markup-compatibility/2006" xmlns:p14="http://schemas.microsoft.com/office/powerpoint/2010/main">
-    <mc:Choice Requires="p14">
-      <p:transition p14:dur="0"/>
-    </mc:Choice>
-    <mc:Fallback xmlns="">
-      <p:transition/>
-    </mc:Fallback>
-  </mc:AlternateContent>
 </p:sldLayout>
 </file>
 
@@ -8704,7 +8665,7 @@
           <p:cNvPr id="11" name="Rectangle 10">
             <a:extLst>
               <a:ext uri="{FF2B5EF4-FFF2-40B4-BE49-F238E27FC236}">
-                <a16:creationId xmlns:a16="http://schemas.microsoft.com/office/drawing/2014/main" xmlns="" id="{EB3E033F-4449-40FA-BC85-BD2712D313DD}"/>
+                <a16:creationId xmlns="" xmlns:a16="http://schemas.microsoft.com/office/drawing/2014/main" id="{EB3E033F-4449-40FA-BC85-BD2712D313DD}"/>
               </a:ext>
             </a:extLst>
           </p:cNvPr>
@@ -8758,7 +8719,7 @@
           <p:cNvPr id="10" name="Freeform: Shape 9">
             <a:extLst>
               <a:ext uri="{FF2B5EF4-FFF2-40B4-BE49-F238E27FC236}">
-                <a16:creationId xmlns:a16="http://schemas.microsoft.com/office/drawing/2014/main" xmlns="" id="{63D26743-0505-444C-80B3-E88EE87DF72B}"/>
+                <a16:creationId xmlns="" xmlns:a16="http://schemas.microsoft.com/office/drawing/2014/main" id="{63D26743-0505-444C-80B3-E88EE87DF72B}"/>
               </a:ext>
             </a:extLst>
           </p:cNvPr>
@@ -8881,7 +8842,7 @@
           <p:cNvPr id="18" name="Freeform: Shape 17">
             <a:extLst>
               <a:ext uri="{FF2B5EF4-FFF2-40B4-BE49-F238E27FC236}">
-                <a16:creationId xmlns:a16="http://schemas.microsoft.com/office/drawing/2014/main" xmlns="" id="{E37145E9-AC61-47D5-9288-8789940F81B6}"/>
+                <a16:creationId xmlns="" xmlns:a16="http://schemas.microsoft.com/office/drawing/2014/main" id="{E37145E9-AC61-47D5-9288-8789940F81B6}"/>
               </a:ext>
             </a:extLst>
           </p:cNvPr>
@@ -9033,7 +8994,7 @@
           <p:cNvPr id="12" name="Freeform: Shape 11">
             <a:extLst>
               <a:ext uri="{FF2B5EF4-FFF2-40B4-BE49-F238E27FC236}">
-                <a16:creationId xmlns:a16="http://schemas.microsoft.com/office/drawing/2014/main" xmlns="" id="{A5E2B3ED-9A49-40A7-B8A3-62595FE513F9}"/>
+                <a16:creationId xmlns="" xmlns:a16="http://schemas.microsoft.com/office/drawing/2014/main" id="{A5E2B3ED-9A49-40A7-B8A3-62595FE513F9}"/>
               </a:ext>
             </a:extLst>
           </p:cNvPr>
@@ -9183,7 +9144,7 @@
           <p:cNvPr id="8" name="Freeform: Shape 7">
             <a:extLst>
               <a:ext uri="{FF2B5EF4-FFF2-40B4-BE49-F238E27FC236}">
-                <a16:creationId xmlns:a16="http://schemas.microsoft.com/office/drawing/2014/main" xmlns="" id="{1599AF7E-3E34-4597-AA72-9373A7FDB020}"/>
+                <a16:creationId xmlns="" xmlns:a16="http://schemas.microsoft.com/office/drawing/2014/main" id="{1599AF7E-3E34-4597-AA72-9373A7FDB020}"/>
               </a:ext>
             </a:extLst>
           </p:cNvPr>
@@ -9329,7 +9290,7 @@
           <p:cNvPr id="2" name="Title 1">
             <a:extLst>
               <a:ext uri="{FF2B5EF4-FFF2-40B4-BE49-F238E27FC236}">
-                <a16:creationId xmlns:a16="http://schemas.microsoft.com/office/drawing/2014/main" xmlns="" id="{4A2DF563-7FAC-46B3-B24C-7E45CD89DA2B}"/>
+                <a16:creationId xmlns="" xmlns:a16="http://schemas.microsoft.com/office/drawing/2014/main" id="{4A2DF563-7FAC-46B3-B24C-7E45CD89DA2B}"/>
               </a:ext>
             </a:extLst>
           </p:cNvPr>
@@ -9363,10 +9324,9 @@
           <a:p>
             <a:pPr lvl="0"/>
             <a:r>
-              <a:rPr lang="en-US" noProof="0" smtClean="0"/>
+              <a:rPr lang="en-US" noProof="0"/>
               <a:t>Click to edit Master title style</a:t>
             </a:r>
-            <a:endParaRPr lang="en-US" noProof="0"/>
           </a:p>
         </p:txBody>
       </p:sp>
@@ -9375,7 +9335,7 @@
           <p:cNvPr id="15" name="Group 14">
             <a:extLst>
               <a:ext uri="{FF2B5EF4-FFF2-40B4-BE49-F238E27FC236}">
-                <a16:creationId xmlns:a16="http://schemas.microsoft.com/office/drawing/2014/main" xmlns="" id="{7732E1E7-45E3-4264-8F26-66758696DD1E}"/>
+                <a16:creationId xmlns="" xmlns:a16="http://schemas.microsoft.com/office/drawing/2014/main" id="{7732E1E7-45E3-4264-8F26-66758696DD1E}"/>
               </a:ext>
             </a:extLst>
           </p:cNvPr>
@@ -9395,7 +9355,7 @@
             <p:cNvPr id="16" name="Freeform: Shape 15">
               <a:extLst>
                 <a:ext uri="{FF2B5EF4-FFF2-40B4-BE49-F238E27FC236}">
-                  <a16:creationId xmlns:a16="http://schemas.microsoft.com/office/drawing/2014/main" xmlns="" id="{2E3DF883-8093-49FA-81E1-E5D77F086A25}"/>
+                  <a16:creationId xmlns="" xmlns:a16="http://schemas.microsoft.com/office/drawing/2014/main" id="{2E3DF883-8093-49FA-81E1-E5D77F086A25}"/>
                 </a:ext>
               </a:extLst>
             </p:cNvPr>
@@ -9485,7 +9445,7 @@
             <p:cNvPr id="17" name="Freeform: Shape 16">
               <a:extLst>
                 <a:ext uri="{FF2B5EF4-FFF2-40B4-BE49-F238E27FC236}">
-                  <a16:creationId xmlns:a16="http://schemas.microsoft.com/office/drawing/2014/main" xmlns="" id="{18944C90-37E5-4BBE-89FF-060627168050}"/>
+                  <a16:creationId xmlns="" xmlns:a16="http://schemas.microsoft.com/office/drawing/2014/main" id="{18944C90-37E5-4BBE-89FF-060627168050}"/>
                 </a:ext>
               </a:extLst>
             </p:cNvPr>
@@ -9584,7 +9544,7 @@
           <p:cNvPr id="6" name="Group 5">
             <a:extLst>
               <a:ext uri="{FF2B5EF4-FFF2-40B4-BE49-F238E27FC236}">
-                <a16:creationId xmlns:a16="http://schemas.microsoft.com/office/drawing/2014/main" xmlns="" id="{D9EBF8BB-A805-4DDB-B459-082F99815B95}"/>
+                <a16:creationId xmlns="" xmlns:a16="http://schemas.microsoft.com/office/drawing/2014/main" id="{D9EBF8BB-A805-4DDB-B459-082F99815B95}"/>
               </a:ext>
             </a:extLst>
           </p:cNvPr>
@@ -9604,7 +9564,7 @@
             <p:cNvPr id="19" name="Rectangle: Single Corner Snipped 18">
               <a:extLst>
                 <a:ext uri="{FF2B5EF4-FFF2-40B4-BE49-F238E27FC236}">
-                  <a16:creationId xmlns:a16="http://schemas.microsoft.com/office/drawing/2014/main" xmlns="" id="{5D638788-DD47-45E7-939A-FA108A818173}"/>
+                  <a16:creationId xmlns="" xmlns:a16="http://schemas.microsoft.com/office/drawing/2014/main" id="{5D638788-DD47-45E7-939A-FA108A818173}"/>
                 </a:ext>
               </a:extLst>
             </p:cNvPr>
@@ -9665,7 +9625,7 @@
             <p:cNvPr id="3" name="Rectangle: Single Corner Snipped 2">
               <a:extLst>
                 <a:ext uri="{FF2B5EF4-FFF2-40B4-BE49-F238E27FC236}">
-                  <a16:creationId xmlns:a16="http://schemas.microsoft.com/office/drawing/2014/main" xmlns="" id="{74BDECEF-EEFE-4332-B3B2-BDE4F82C10FC}"/>
+                  <a16:creationId xmlns="" xmlns:a16="http://schemas.microsoft.com/office/drawing/2014/main" id="{74BDECEF-EEFE-4332-B3B2-BDE4F82C10FC}"/>
                 </a:ext>
               </a:extLst>
             </p:cNvPr>
@@ -9722,7 +9682,7 @@
           <p:cNvPr id="35" name="Freeform: Shape 34">
             <a:extLst>
               <a:ext uri="{FF2B5EF4-FFF2-40B4-BE49-F238E27FC236}">
-                <a16:creationId xmlns:a16="http://schemas.microsoft.com/office/drawing/2014/main" xmlns="" id="{62EEBF51-DCAD-4335-85E9-52801031A1BF}"/>
+                <a16:creationId xmlns="" xmlns:a16="http://schemas.microsoft.com/office/drawing/2014/main" id="{62EEBF51-DCAD-4335-85E9-52801031A1BF}"/>
               </a:ext>
             </a:extLst>
           </p:cNvPr>
@@ -9817,7 +9777,7 @@
           <p:cNvPr id="5" name="Slide Number Placeholder 4">
             <a:extLst>
               <a:ext uri="{FF2B5EF4-FFF2-40B4-BE49-F238E27FC236}">
-                <a16:creationId xmlns:a16="http://schemas.microsoft.com/office/drawing/2014/main" xmlns="" id="{87B51822-97FF-47A7-8E4E-A0F79B4EB237}"/>
+                <a16:creationId xmlns="" xmlns:a16="http://schemas.microsoft.com/office/drawing/2014/main" id="{87B51822-97FF-47A7-8E4E-A0F79B4EB237}"/>
               </a:ext>
             </a:extLst>
           </p:cNvPr>
@@ -9861,7 +9821,7 @@
           <p:cNvPr id="20" name="Picture Placeholder 2">
             <a:extLst>
               <a:ext uri="{FF2B5EF4-FFF2-40B4-BE49-F238E27FC236}">
-                <a16:creationId xmlns:a16="http://schemas.microsoft.com/office/drawing/2014/main" xmlns="" id="{30B3A574-7940-4E35-857E-5CA35A5910E5}"/>
+                <a16:creationId xmlns="" xmlns:a16="http://schemas.microsoft.com/office/drawing/2014/main" id="{30B3A574-7940-4E35-857E-5CA35A5910E5}"/>
               </a:ext>
             </a:extLst>
           </p:cNvPr>
@@ -9926,7 +9886,7 @@
           </a:lstStyle>
           <a:p>
             <a:r>
-              <a:rPr lang="en-US" noProof="0" smtClean="0"/>
+              <a:rPr lang="en-US" noProof="0"/>
               <a:t>Click icon to add picture</a:t>
             </a:r>
             <a:endParaRPr lang="en-US" noProof="0" dirty="0"/>
@@ -9938,7 +9898,7 @@
           <p:cNvPr id="21" name="Text Placeholder 3">
             <a:extLst>
               <a:ext uri="{FF2B5EF4-FFF2-40B4-BE49-F238E27FC236}">
-                <a16:creationId xmlns:a16="http://schemas.microsoft.com/office/drawing/2014/main" xmlns="" id="{912B51EA-3E6F-4BF6-BE48-62128AF32B85}"/>
+                <a16:creationId xmlns="" xmlns:a16="http://schemas.microsoft.com/office/drawing/2014/main" id="{912B51EA-3E6F-4BF6-BE48-62128AF32B85}"/>
               </a:ext>
             </a:extLst>
           </p:cNvPr>
@@ -10003,7 +9963,7 @@
           <a:p>
             <a:pPr lvl="0"/>
             <a:r>
-              <a:rPr lang="en-US" noProof="0" smtClean="0"/>
+              <a:rPr lang="en-US" noProof="0"/>
               <a:t>Click to edit Master text styles</a:t>
             </a:r>
           </a:p>
@@ -10019,14 +9979,6 @@
   <p:clrMapOvr>
     <a:masterClrMapping/>
   </p:clrMapOvr>
-  <mc:AlternateContent xmlns:mc="http://schemas.openxmlformats.org/markup-compatibility/2006" xmlns:p14="http://schemas.microsoft.com/office/powerpoint/2010/main">
-    <mc:Choice Requires="p14">
-      <p:transition p14:dur="0"/>
-    </mc:Choice>
-    <mc:Fallback xmlns="">
-      <p:transition/>
-    </mc:Fallback>
-  </mc:AlternateContent>
 </p:sldLayout>
 </file>
 
@@ -10060,7 +10012,7 @@
           <p:cNvPr id="11" name="Rectangle 10">
             <a:extLst>
               <a:ext uri="{FF2B5EF4-FFF2-40B4-BE49-F238E27FC236}">
-                <a16:creationId xmlns:a16="http://schemas.microsoft.com/office/drawing/2014/main" xmlns="" id="{EB3E033F-4449-40FA-BC85-BD2712D313DD}"/>
+                <a16:creationId xmlns="" xmlns:a16="http://schemas.microsoft.com/office/drawing/2014/main" id="{EB3E033F-4449-40FA-BC85-BD2712D313DD}"/>
               </a:ext>
             </a:extLst>
           </p:cNvPr>
@@ -10114,7 +10066,7 @@
           <p:cNvPr id="10" name="Freeform: Shape 9">
             <a:extLst>
               <a:ext uri="{FF2B5EF4-FFF2-40B4-BE49-F238E27FC236}">
-                <a16:creationId xmlns:a16="http://schemas.microsoft.com/office/drawing/2014/main" xmlns="" id="{63D26743-0505-444C-80B3-E88EE87DF72B}"/>
+                <a16:creationId xmlns="" xmlns:a16="http://schemas.microsoft.com/office/drawing/2014/main" id="{63D26743-0505-444C-80B3-E88EE87DF72B}"/>
               </a:ext>
             </a:extLst>
           </p:cNvPr>
@@ -10237,7 +10189,7 @@
           <p:cNvPr id="18" name="Freeform: Shape 17">
             <a:extLst>
               <a:ext uri="{FF2B5EF4-FFF2-40B4-BE49-F238E27FC236}">
-                <a16:creationId xmlns:a16="http://schemas.microsoft.com/office/drawing/2014/main" xmlns="" id="{E37145E9-AC61-47D5-9288-8789940F81B6}"/>
+                <a16:creationId xmlns="" xmlns:a16="http://schemas.microsoft.com/office/drawing/2014/main" id="{E37145E9-AC61-47D5-9288-8789940F81B6}"/>
               </a:ext>
             </a:extLst>
           </p:cNvPr>
@@ -10389,7 +10341,7 @@
           <p:cNvPr id="12" name="Freeform: Shape 11">
             <a:extLst>
               <a:ext uri="{FF2B5EF4-FFF2-40B4-BE49-F238E27FC236}">
-                <a16:creationId xmlns:a16="http://schemas.microsoft.com/office/drawing/2014/main" xmlns="" id="{A5E2B3ED-9A49-40A7-B8A3-62595FE513F9}"/>
+                <a16:creationId xmlns="" xmlns:a16="http://schemas.microsoft.com/office/drawing/2014/main" id="{A5E2B3ED-9A49-40A7-B8A3-62595FE513F9}"/>
               </a:ext>
             </a:extLst>
           </p:cNvPr>
@@ -10539,7 +10491,7 @@
           <p:cNvPr id="8" name="Freeform: Shape 7">
             <a:extLst>
               <a:ext uri="{FF2B5EF4-FFF2-40B4-BE49-F238E27FC236}">
-                <a16:creationId xmlns:a16="http://schemas.microsoft.com/office/drawing/2014/main" xmlns="" id="{1599AF7E-3E34-4597-AA72-9373A7FDB020}"/>
+                <a16:creationId xmlns="" xmlns:a16="http://schemas.microsoft.com/office/drawing/2014/main" id="{1599AF7E-3E34-4597-AA72-9373A7FDB020}"/>
               </a:ext>
             </a:extLst>
           </p:cNvPr>
@@ -10685,7 +10637,7 @@
           <p:cNvPr id="2" name="Title 1">
             <a:extLst>
               <a:ext uri="{FF2B5EF4-FFF2-40B4-BE49-F238E27FC236}">
-                <a16:creationId xmlns:a16="http://schemas.microsoft.com/office/drawing/2014/main" xmlns="" id="{4A2DF563-7FAC-46B3-B24C-7E45CD89DA2B}"/>
+                <a16:creationId xmlns="" xmlns:a16="http://schemas.microsoft.com/office/drawing/2014/main" id="{4A2DF563-7FAC-46B3-B24C-7E45CD89DA2B}"/>
               </a:ext>
             </a:extLst>
           </p:cNvPr>
@@ -10719,10 +10671,9 @@
           <a:p>
             <a:pPr lvl="0"/>
             <a:r>
-              <a:rPr lang="en-US" noProof="0" smtClean="0"/>
+              <a:rPr lang="en-US" noProof="0"/>
               <a:t>Click to edit Master title style</a:t>
             </a:r>
-            <a:endParaRPr lang="en-US" noProof="0"/>
           </a:p>
         </p:txBody>
       </p:sp>
@@ -10731,7 +10682,7 @@
           <p:cNvPr id="15" name="Group 14">
             <a:extLst>
               <a:ext uri="{FF2B5EF4-FFF2-40B4-BE49-F238E27FC236}">
-                <a16:creationId xmlns:a16="http://schemas.microsoft.com/office/drawing/2014/main" xmlns="" id="{7732E1E7-45E3-4264-8F26-66758696DD1E}"/>
+                <a16:creationId xmlns="" xmlns:a16="http://schemas.microsoft.com/office/drawing/2014/main" id="{7732E1E7-45E3-4264-8F26-66758696DD1E}"/>
               </a:ext>
             </a:extLst>
           </p:cNvPr>
@@ -10751,7 +10702,7 @@
             <p:cNvPr id="16" name="Freeform: Shape 15">
               <a:extLst>
                 <a:ext uri="{FF2B5EF4-FFF2-40B4-BE49-F238E27FC236}">
-                  <a16:creationId xmlns:a16="http://schemas.microsoft.com/office/drawing/2014/main" xmlns="" id="{2E3DF883-8093-49FA-81E1-E5D77F086A25}"/>
+                  <a16:creationId xmlns="" xmlns:a16="http://schemas.microsoft.com/office/drawing/2014/main" id="{2E3DF883-8093-49FA-81E1-E5D77F086A25}"/>
                 </a:ext>
               </a:extLst>
             </p:cNvPr>
@@ -10841,7 +10792,7 @@
             <p:cNvPr id="17" name="Freeform: Shape 16">
               <a:extLst>
                 <a:ext uri="{FF2B5EF4-FFF2-40B4-BE49-F238E27FC236}">
-                  <a16:creationId xmlns:a16="http://schemas.microsoft.com/office/drawing/2014/main" xmlns="" id="{18944C90-37E5-4BBE-89FF-060627168050}"/>
+                  <a16:creationId xmlns="" xmlns:a16="http://schemas.microsoft.com/office/drawing/2014/main" id="{18944C90-37E5-4BBE-89FF-060627168050}"/>
                 </a:ext>
               </a:extLst>
             </p:cNvPr>
@@ -10940,7 +10891,7 @@
           <p:cNvPr id="6" name="Group 5">
             <a:extLst>
               <a:ext uri="{FF2B5EF4-FFF2-40B4-BE49-F238E27FC236}">
-                <a16:creationId xmlns:a16="http://schemas.microsoft.com/office/drawing/2014/main" xmlns="" id="{D9EBF8BB-A805-4DDB-B459-082F99815B95}"/>
+                <a16:creationId xmlns="" xmlns:a16="http://schemas.microsoft.com/office/drawing/2014/main" id="{D9EBF8BB-A805-4DDB-B459-082F99815B95}"/>
               </a:ext>
             </a:extLst>
           </p:cNvPr>
@@ -10960,7 +10911,7 @@
             <p:cNvPr id="19" name="Rectangle: Single Corner Snipped 18">
               <a:extLst>
                 <a:ext uri="{FF2B5EF4-FFF2-40B4-BE49-F238E27FC236}">
-                  <a16:creationId xmlns:a16="http://schemas.microsoft.com/office/drawing/2014/main" xmlns="" id="{5D638788-DD47-45E7-939A-FA108A818173}"/>
+                  <a16:creationId xmlns="" xmlns:a16="http://schemas.microsoft.com/office/drawing/2014/main" id="{5D638788-DD47-45E7-939A-FA108A818173}"/>
                 </a:ext>
               </a:extLst>
             </p:cNvPr>
@@ -11021,7 +10972,7 @@
             <p:cNvPr id="3" name="Rectangle: Single Corner Snipped 2">
               <a:extLst>
                 <a:ext uri="{FF2B5EF4-FFF2-40B4-BE49-F238E27FC236}">
-                  <a16:creationId xmlns:a16="http://schemas.microsoft.com/office/drawing/2014/main" xmlns="" id="{74BDECEF-EEFE-4332-B3B2-BDE4F82C10FC}"/>
+                  <a16:creationId xmlns="" xmlns:a16="http://schemas.microsoft.com/office/drawing/2014/main" id="{74BDECEF-EEFE-4332-B3B2-BDE4F82C10FC}"/>
                 </a:ext>
               </a:extLst>
             </p:cNvPr>
@@ -11078,7 +11029,7 @@
           <p:cNvPr id="35" name="Freeform: Shape 34">
             <a:extLst>
               <a:ext uri="{FF2B5EF4-FFF2-40B4-BE49-F238E27FC236}">
-                <a16:creationId xmlns:a16="http://schemas.microsoft.com/office/drawing/2014/main" xmlns="" id="{62EEBF51-DCAD-4335-85E9-52801031A1BF}"/>
+                <a16:creationId xmlns="" xmlns:a16="http://schemas.microsoft.com/office/drawing/2014/main" id="{62EEBF51-DCAD-4335-85E9-52801031A1BF}"/>
               </a:ext>
             </a:extLst>
           </p:cNvPr>
@@ -11173,7 +11124,7 @@
           <p:cNvPr id="5" name="Slide Number Placeholder 4">
             <a:extLst>
               <a:ext uri="{FF2B5EF4-FFF2-40B4-BE49-F238E27FC236}">
-                <a16:creationId xmlns:a16="http://schemas.microsoft.com/office/drawing/2014/main" xmlns="" id="{87B51822-97FF-47A7-8E4E-A0F79B4EB237}"/>
+                <a16:creationId xmlns="" xmlns:a16="http://schemas.microsoft.com/office/drawing/2014/main" id="{87B51822-97FF-47A7-8E4E-A0F79B4EB237}"/>
               </a:ext>
             </a:extLst>
           </p:cNvPr>
@@ -11217,7 +11168,7 @@
           <p:cNvPr id="21" name="Text Placeholder 3">
             <a:extLst>
               <a:ext uri="{FF2B5EF4-FFF2-40B4-BE49-F238E27FC236}">
-                <a16:creationId xmlns:a16="http://schemas.microsoft.com/office/drawing/2014/main" xmlns="" id="{912B51EA-3E6F-4BF6-BE48-62128AF32B85}"/>
+                <a16:creationId xmlns="" xmlns:a16="http://schemas.microsoft.com/office/drawing/2014/main" id="{912B51EA-3E6F-4BF6-BE48-62128AF32B85}"/>
               </a:ext>
             </a:extLst>
           </p:cNvPr>
@@ -11282,7 +11233,7 @@
           <a:p>
             <a:pPr lvl="0"/>
             <a:r>
-              <a:rPr lang="en-US" noProof="0" smtClean="0"/>
+              <a:rPr lang="en-US" noProof="0"/>
               <a:t>Click to edit Master text styles</a:t>
             </a:r>
           </a:p>
@@ -11293,7 +11244,7 @@
           <p:cNvPr id="22" name="Content Placeholder 2">
             <a:extLst>
               <a:ext uri="{FF2B5EF4-FFF2-40B4-BE49-F238E27FC236}">
-                <a16:creationId xmlns:a16="http://schemas.microsoft.com/office/drawing/2014/main" xmlns="" id="{A015C605-1D30-48BC-A0D6-3B11AF56CC53}"/>
+                <a16:creationId xmlns="" xmlns:a16="http://schemas.microsoft.com/office/drawing/2014/main" id="{A015C605-1D30-48BC-A0D6-3B11AF56CC53}"/>
               </a:ext>
             </a:extLst>
           </p:cNvPr>
@@ -11366,38 +11317,37 @@
           <a:p>
             <a:pPr lvl="0"/>
             <a:r>
-              <a:rPr lang="en-US" noProof="0" smtClean="0"/>
+              <a:rPr lang="en-US" noProof="0"/>
               <a:t>Click to edit Master text styles</a:t>
             </a:r>
           </a:p>
           <a:p>
             <a:pPr lvl="1"/>
             <a:r>
-              <a:rPr lang="en-US" noProof="0" smtClean="0"/>
+              <a:rPr lang="en-US" noProof="0"/>
               <a:t>Second level</a:t>
             </a:r>
           </a:p>
           <a:p>
             <a:pPr lvl="2"/>
             <a:r>
-              <a:rPr lang="en-US" noProof="0" smtClean="0"/>
+              <a:rPr lang="en-US" noProof="0"/>
               <a:t>Third level</a:t>
             </a:r>
           </a:p>
           <a:p>
             <a:pPr lvl="3"/>
             <a:r>
-              <a:rPr lang="en-US" noProof="0" smtClean="0"/>
+              <a:rPr lang="en-US" noProof="0"/>
               <a:t>Fourth level</a:t>
             </a:r>
           </a:p>
           <a:p>
             <a:pPr lvl="4"/>
             <a:r>
-              <a:rPr lang="en-US" noProof="0" smtClean="0"/>
+              <a:rPr lang="en-US" noProof="0"/>
               <a:t>Fifth level</a:t>
             </a:r>
-            <a:endParaRPr lang="en-US" noProof="0"/>
           </a:p>
         </p:txBody>
       </p:sp>
@@ -11411,14 +11361,6 @@
   <p:clrMapOvr>
     <a:masterClrMapping/>
   </p:clrMapOvr>
-  <mc:AlternateContent xmlns:mc="http://schemas.openxmlformats.org/markup-compatibility/2006" xmlns:p14="http://schemas.microsoft.com/office/powerpoint/2010/main">
-    <mc:Choice Requires="p14">
-      <p:transition p14:dur="0"/>
-    </mc:Choice>
-    <mc:Fallback xmlns="">
-      <p:transition/>
-    </mc:Fallback>
-  </mc:AlternateContent>
 </p:sldLayout>
 </file>
 
@@ -11444,7 +11386,7 @@
           <p:cNvPr id="18" name="Rectangle 17">
             <a:extLst>
               <a:ext uri="{FF2B5EF4-FFF2-40B4-BE49-F238E27FC236}">
-                <a16:creationId xmlns:a16="http://schemas.microsoft.com/office/drawing/2014/main" xmlns="" id="{D4494CD2-CCDD-0248-96F8-741002C44255}"/>
+                <a16:creationId xmlns="" xmlns:a16="http://schemas.microsoft.com/office/drawing/2014/main" id="{D4494CD2-CCDD-0248-96F8-741002C44255}"/>
               </a:ext>
             </a:extLst>
           </p:cNvPr>
@@ -11498,7 +11440,7 @@
           <p:cNvPr id="19" name="Freeform: Shape 9">
             <a:extLst>
               <a:ext uri="{FF2B5EF4-FFF2-40B4-BE49-F238E27FC236}">
-                <a16:creationId xmlns:a16="http://schemas.microsoft.com/office/drawing/2014/main" xmlns="" id="{07077B00-C1EE-7241-B441-7814F92A7EDF}"/>
+                <a16:creationId xmlns="" xmlns:a16="http://schemas.microsoft.com/office/drawing/2014/main" id="{07077B00-C1EE-7241-B441-7814F92A7EDF}"/>
               </a:ext>
             </a:extLst>
           </p:cNvPr>
@@ -11621,7 +11563,7 @@
           <p:cNvPr id="20" name="Freeform: Shape 17">
             <a:extLst>
               <a:ext uri="{FF2B5EF4-FFF2-40B4-BE49-F238E27FC236}">
-                <a16:creationId xmlns:a16="http://schemas.microsoft.com/office/drawing/2014/main" xmlns="" id="{3A1AEBC4-637E-F64C-9192-69AC4BB26D0C}"/>
+                <a16:creationId xmlns="" xmlns:a16="http://schemas.microsoft.com/office/drawing/2014/main" id="{3A1AEBC4-637E-F64C-9192-69AC4BB26D0C}"/>
               </a:ext>
             </a:extLst>
           </p:cNvPr>
@@ -11773,7 +11715,7 @@
           <p:cNvPr id="21" name="Freeform: Shape 11">
             <a:extLst>
               <a:ext uri="{FF2B5EF4-FFF2-40B4-BE49-F238E27FC236}">
-                <a16:creationId xmlns:a16="http://schemas.microsoft.com/office/drawing/2014/main" xmlns="" id="{669A7039-C54C-8E46-9A8B-DDB2547D989C}"/>
+                <a16:creationId xmlns="" xmlns:a16="http://schemas.microsoft.com/office/drawing/2014/main" id="{669A7039-C54C-8E46-9A8B-DDB2547D989C}"/>
               </a:ext>
             </a:extLst>
           </p:cNvPr>
@@ -11923,7 +11865,7 @@
           <p:cNvPr id="22" name="Freeform: Shape 7">
             <a:extLst>
               <a:ext uri="{FF2B5EF4-FFF2-40B4-BE49-F238E27FC236}">
-                <a16:creationId xmlns:a16="http://schemas.microsoft.com/office/drawing/2014/main" xmlns="" id="{4F173B32-87BB-9A40-8C91-4C1EED2B7ABF}"/>
+                <a16:creationId xmlns="" xmlns:a16="http://schemas.microsoft.com/office/drawing/2014/main" id="{4F173B32-87BB-9A40-8C91-4C1EED2B7ABF}"/>
               </a:ext>
             </a:extLst>
           </p:cNvPr>
@@ -12069,7 +12011,7 @@
           <p:cNvPr id="24" name="Group 23">
             <a:extLst>
               <a:ext uri="{FF2B5EF4-FFF2-40B4-BE49-F238E27FC236}">
-                <a16:creationId xmlns:a16="http://schemas.microsoft.com/office/drawing/2014/main" xmlns="" id="{4AC87F4E-12B5-1B42-AFD2-4DB39B7645C9}"/>
+                <a16:creationId xmlns="" xmlns:a16="http://schemas.microsoft.com/office/drawing/2014/main" id="{4AC87F4E-12B5-1B42-AFD2-4DB39B7645C9}"/>
               </a:ext>
             </a:extLst>
           </p:cNvPr>
@@ -12089,7 +12031,7 @@
             <p:cNvPr id="25" name="Freeform: Shape 15">
               <a:extLst>
                 <a:ext uri="{FF2B5EF4-FFF2-40B4-BE49-F238E27FC236}">
-                  <a16:creationId xmlns:a16="http://schemas.microsoft.com/office/drawing/2014/main" xmlns="" id="{03DD8765-59DF-A045-ADB5-E39FAEE153A0}"/>
+                  <a16:creationId xmlns="" xmlns:a16="http://schemas.microsoft.com/office/drawing/2014/main" id="{03DD8765-59DF-A045-ADB5-E39FAEE153A0}"/>
                 </a:ext>
               </a:extLst>
             </p:cNvPr>
@@ -12179,7 +12121,7 @@
             <p:cNvPr id="26" name="Freeform: Shape 16">
               <a:extLst>
                 <a:ext uri="{FF2B5EF4-FFF2-40B4-BE49-F238E27FC236}">
-                  <a16:creationId xmlns:a16="http://schemas.microsoft.com/office/drawing/2014/main" xmlns="" id="{B34B796C-A407-7B4D-B4F0-E58A44FE8DB4}"/>
+                  <a16:creationId xmlns="" xmlns:a16="http://schemas.microsoft.com/office/drawing/2014/main" id="{B34B796C-A407-7B4D-B4F0-E58A44FE8DB4}"/>
                 </a:ext>
               </a:extLst>
             </p:cNvPr>
@@ -12278,7 +12220,7 @@
           <p:cNvPr id="30" name="Freeform: Shape 23">
             <a:extLst>
               <a:ext uri="{FF2B5EF4-FFF2-40B4-BE49-F238E27FC236}">
-                <a16:creationId xmlns:a16="http://schemas.microsoft.com/office/drawing/2014/main" xmlns="" id="{CBE3FDC9-67CB-FA42-B127-A36BFF4678BB}"/>
+                <a16:creationId xmlns="" xmlns:a16="http://schemas.microsoft.com/office/drawing/2014/main" id="{CBE3FDC9-67CB-FA42-B127-A36BFF4678BB}"/>
               </a:ext>
             </a:extLst>
           </p:cNvPr>
@@ -12373,7 +12315,7 @@
           <p:cNvPr id="31" name="Slide Number Placeholder 4">
             <a:extLst>
               <a:ext uri="{FF2B5EF4-FFF2-40B4-BE49-F238E27FC236}">
-                <a16:creationId xmlns:a16="http://schemas.microsoft.com/office/drawing/2014/main" xmlns="" id="{1E902BFF-CA8F-D745-A819-A7BB38B30ED9}"/>
+                <a16:creationId xmlns="" xmlns:a16="http://schemas.microsoft.com/office/drawing/2014/main" id="{1E902BFF-CA8F-D745-A819-A7BB38B30ED9}"/>
               </a:ext>
             </a:extLst>
           </p:cNvPr>
@@ -12422,14 +12364,6 @@
   <p:clrMapOvr>
     <a:masterClrMapping/>
   </p:clrMapOvr>
-  <mc:AlternateContent xmlns:mc="http://schemas.openxmlformats.org/markup-compatibility/2006" xmlns:p14="http://schemas.microsoft.com/office/powerpoint/2010/main">
-    <mc:Choice Requires="p14">
-      <p:transition p14:dur="0"/>
-    </mc:Choice>
-    <mc:Fallback xmlns="">
-      <p:transition/>
-    </mc:Fallback>
-  </mc:AlternateContent>
 </p:sldLayout>
 </file>
 
@@ -12455,7 +12389,7 @@
           <p:cNvPr id="21" name="Rectangle 20">
             <a:extLst>
               <a:ext uri="{FF2B5EF4-FFF2-40B4-BE49-F238E27FC236}">
-                <a16:creationId xmlns:a16="http://schemas.microsoft.com/office/drawing/2014/main" xmlns="" id="{6E739168-A5E8-443A-B392-7AD4CF8977AD}"/>
+                <a16:creationId xmlns="" xmlns:a16="http://schemas.microsoft.com/office/drawing/2014/main" id="{6E739168-A5E8-443A-B392-7AD4CF8977AD}"/>
               </a:ext>
             </a:extLst>
           </p:cNvPr>
@@ -12507,7 +12441,7 @@
           <p:cNvPr id="15" name="Freeform: Shape 14">
             <a:extLst>
               <a:ext uri="{FF2B5EF4-FFF2-40B4-BE49-F238E27FC236}">
-                <a16:creationId xmlns:a16="http://schemas.microsoft.com/office/drawing/2014/main" xmlns="" id="{41E10E1E-5268-4F03-BA64-07E19DE26739}"/>
+                <a16:creationId xmlns="" xmlns:a16="http://schemas.microsoft.com/office/drawing/2014/main" id="{41E10E1E-5268-4F03-BA64-07E19DE26739}"/>
               </a:ext>
             </a:extLst>
           </p:cNvPr>
@@ -12644,7 +12578,7 @@
           <p:cNvPr id="16" name="Freeform: Shape 15">
             <a:extLst>
               <a:ext uri="{FF2B5EF4-FFF2-40B4-BE49-F238E27FC236}">
-                <a16:creationId xmlns:a16="http://schemas.microsoft.com/office/drawing/2014/main" xmlns="" id="{B989C45D-BDFF-418F-BE79-03FF70015770}"/>
+                <a16:creationId xmlns="" xmlns:a16="http://schemas.microsoft.com/office/drawing/2014/main" id="{B989C45D-BDFF-418F-BE79-03FF70015770}"/>
               </a:ext>
             </a:extLst>
           </p:cNvPr>
@@ -12808,7 +12742,7 @@
           <p:cNvPr id="20" name="Freeform: Shape 19">
             <a:extLst>
               <a:ext uri="{FF2B5EF4-FFF2-40B4-BE49-F238E27FC236}">
-                <a16:creationId xmlns:a16="http://schemas.microsoft.com/office/drawing/2014/main" xmlns="" id="{0027A677-9ACB-4264-B148-4806678FB83F}"/>
+                <a16:creationId xmlns="" xmlns:a16="http://schemas.microsoft.com/office/drawing/2014/main" id="{0027A677-9ACB-4264-B148-4806678FB83F}"/>
               </a:ext>
             </a:extLst>
           </p:cNvPr>
@@ -12970,7 +12904,7 @@
           <p:cNvPr id="6" name="Group 5">
             <a:extLst>
               <a:ext uri="{FF2B5EF4-FFF2-40B4-BE49-F238E27FC236}">
-                <a16:creationId xmlns:a16="http://schemas.microsoft.com/office/drawing/2014/main" xmlns="" id="{EA7FF9D7-8545-4547-AC77-A0421EEB9B99}"/>
+                <a16:creationId xmlns="" xmlns:a16="http://schemas.microsoft.com/office/drawing/2014/main" id="{EA7FF9D7-8545-4547-AC77-A0421EEB9B99}"/>
               </a:ext>
             </a:extLst>
           </p:cNvPr>
@@ -12990,7 +12924,7 @@
             <p:cNvPr id="17" name="Right Triangle 16">
               <a:extLst>
                 <a:ext uri="{FF2B5EF4-FFF2-40B4-BE49-F238E27FC236}">
-                  <a16:creationId xmlns:a16="http://schemas.microsoft.com/office/drawing/2014/main" xmlns="" id="{8DCD5806-2A2F-4ABF-8057-245681C498E6}"/>
+                  <a16:creationId xmlns="" xmlns:a16="http://schemas.microsoft.com/office/drawing/2014/main" id="{8DCD5806-2A2F-4ABF-8057-245681C498E6}"/>
                 </a:ext>
               </a:extLst>
             </p:cNvPr>
@@ -13044,7 +12978,7 @@
             <p:cNvPr id="18" name="Right Triangle 17">
               <a:extLst>
                 <a:ext uri="{FF2B5EF4-FFF2-40B4-BE49-F238E27FC236}">
-                  <a16:creationId xmlns:a16="http://schemas.microsoft.com/office/drawing/2014/main" xmlns="" id="{3A93038F-E9E4-4FFD-B3DF-28DB7C2C1490}"/>
+                  <a16:creationId xmlns="" xmlns:a16="http://schemas.microsoft.com/office/drawing/2014/main" id="{3A93038F-E9E4-4FFD-B3DF-28DB7C2C1490}"/>
                 </a:ext>
               </a:extLst>
             </p:cNvPr>
@@ -13101,7 +13035,7 @@
             <p:cNvPr id="19" name="Right Triangle 18">
               <a:extLst>
                 <a:ext uri="{FF2B5EF4-FFF2-40B4-BE49-F238E27FC236}">
-                  <a16:creationId xmlns:a16="http://schemas.microsoft.com/office/drawing/2014/main" xmlns="" id="{5DEA1E02-BBD0-4AE3-AF22-433B90272178}"/>
+                  <a16:creationId xmlns="" xmlns:a16="http://schemas.microsoft.com/office/drawing/2014/main" id="{5DEA1E02-BBD0-4AE3-AF22-433B90272178}"/>
                 </a:ext>
               </a:extLst>
             </p:cNvPr>
@@ -13156,7 +13090,7 @@
           <p:cNvPr id="2" name="Title 1">
             <a:extLst>
               <a:ext uri="{FF2B5EF4-FFF2-40B4-BE49-F238E27FC236}">
-                <a16:creationId xmlns:a16="http://schemas.microsoft.com/office/drawing/2014/main" xmlns="" id="{9E597736-C478-4C26-9BAF-205FE31E977C}"/>
+                <a16:creationId xmlns="" xmlns:a16="http://schemas.microsoft.com/office/drawing/2014/main" id="{9E597736-C478-4C26-9BAF-205FE31E977C}"/>
               </a:ext>
             </a:extLst>
           </p:cNvPr>
@@ -13208,14 +13142,6 @@
   <p:clrMapOvr>
     <a:masterClrMapping/>
   </p:clrMapOvr>
-  <mc:AlternateContent xmlns:mc="http://schemas.openxmlformats.org/markup-compatibility/2006" xmlns:p14="http://schemas.microsoft.com/office/powerpoint/2010/main">
-    <mc:Choice Requires="p14">
-      <p:transition p14:dur="0"/>
-    </mc:Choice>
-    <mc:Fallback xmlns="">
-      <p:transition/>
-    </mc:Fallback>
-  </mc:AlternateContent>
 </p:sldLayout>
 </file>
 
@@ -13241,7 +13167,7 @@
           <p:cNvPr id="21" name="Rectangle 20">
             <a:extLst>
               <a:ext uri="{FF2B5EF4-FFF2-40B4-BE49-F238E27FC236}">
-                <a16:creationId xmlns:a16="http://schemas.microsoft.com/office/drawing/2014/main" xmlns="" id="{6E739168-A5E8-443A-B392-7AD4CF8977AD}"/>
+                <a16:creationId xmlns="" xmlns:a16="http://schemas.microsoft.com/office/drawing/2014/main" id="{6E739168-A5E8-443A-B392-7AD4CF8977AD}"/>
               </a:ext>
             </a:extLst>
           </p:cNvPr>
@@ -13293,7 +13219,7 @@
           <p:cNvPr id="15" name="Freeform: Shape 14">
             <a:extLst>
               <a:ext uri="{FF2B5EF4-FFF2-40B4-BE49-F238E27FC236}">
-                <a16:creationId xmlns:a16="http://schemas.microsoft.com/office/drawing/2014/main" xmlns="" id="{41E10E1E-5268-4F03-BA64-07E19DE26739}"/>
+                <a16:creationId xmlns="" xmlns:a16="http://schemas.microsoft.com/office/drawing/2014/main" id="{41E10E1E-5268-4F03-BA64-07E19DE26739}"/>
               </a:ext>
             </a:extLst>
           </p:cNvPr>
@@ -13430,7 +13356,7 @@
           <p:cNvPr id="16" name="Freeform: Shape 15">
             <a:extLst>
               <a:ext uri="{FF2B5EF4-FFF2-40B4-BE49-F238E27FC236}">
-                <a16:creationId xmlns:a16="http://schemas.microsoft.com/office/drawing/2014/main" xmlns="" id="{B989C45D-BDFF-418F-BE79-03FF70015770}"/>
+                <a16:creationId xmlns="" xmlns:a16="http://schemas.microsoft.com/office/drawing/2014/main" id="{B989C45D-BDFF-418F-BE79-03FF70015770}"/>
               </a:ext>
             </a:extLst>
           </p:cNvPr>
@@ -13594,7 +13520,7 @@
           <p:cNvPr id="20" name="Freeform: Shape 19">
             <a:extLst>
               <a:ext uri="{FF2B5EF4-FFF2-40B4-BE49-F238E27FC236}">
-                <a16:creationId xmlns:a16="http://schemas.microsoft.com/office/drawing/2014/main" xmlns="" id="{0027A677-9ACB-4264-B148-4806678FB83F}"/>
+                <a16:creationId xmlns="" xmlns:a16="http://schemas.microsoft.com/office/drawing/2014/main" id="{0027A677-9ACB-4264-B148-4806678FB83F}"/>
               </a:ext>
             </a:extLst>
           </p:cNvPr>
@@ -13756,7 +13682,7 @@
           <p:cNvPr id="2" name="Title 1">
             <a:extLst>
               <a:ext uri="{FF2B5EF4-FFF2-40B4-BE49-F238E27FC236}">
-                <a16:creationId xmlns:a16="http://schemas.microsoft.com/office/drawing/2014/main" xmlns="" id="{9E597736-C478-4C26-9BAF-205FE31E977C}"/>
+                <a16:creationId xmlns="" xmlns:a16="http://schemas.microsoft.com/office/drawing/2014/main" id="{9E597736-C478-4C26-9BAF-205FE31E977C}"/>
               </a:ext>
             </a:extLst>
           </p:cNvPr>
@@ -13803,7 +13729,7 @@
           <p:cNvPr id="35" name="Freeform: Shape 34">
             <a:extLst>
               <a:ext uri="{FF2B5EF4-FFF2-40B4-BE49-F238E27FC236}">
-                <a16:creationId xmlns:a16="http://schemas.microsoft.com/office/drawing/2014/main" xmlns="" id="{C024DCDB-C6BF-455E-AAB8-EAF9DAB302A1}"/>
+                <a16:creationId xmlns="" xmlns:a16="http://schemas.microsoft.com/office/drawing/2014/main" id="{C024DCDB-C6BF-455E-AAB8-EAF9DAB302A1}"/>
               </a:ext>
             </a:extLst>
           </p:cNvPr>
@@ -13911,7 +13837,7 @@
           <p:cNvPr id="32" name="Freeform: Shape 31">
             <a:extLst>
               <a:ext uri="{FF2B5EF4-FFF2-40B4-BE49-F238E27FC236}">
-                <a16:creationId xmlns:a16="http://schemas.microsoft.com/office/drawing/2014/main" xmlns="" id="{26AFB47A-5D51-4F9C-B01B-977CE5E3C093}"/>
+                <a16:creationId xmlns="" xmlns:a16="http://schemas.microsoft.com/office/drawing/2014/main" id="{26AFB47A-5D51-4F9C-B01B-977CE5E3C093}"/>
               </a:ext>
             </a:extLst>
           </p:cNvPr>
@@ -14027,7 +13953,7 @@
           <p:cNvPr id="30" name="Freeform: Shape 29">
             <a:extLst>
               <a:ext uri="{FF2B5EF4-FFF2-40B4-BE49-F238E27FC236}">
-                <a16:creationId xmlns:a16="http://schemas.microsoft.com/office/drawing/2014/main" xmlns="" id="{6997A4FF-7390-4173-8ACD-6CF7145AACEC}"/>
+                <a16:creationId xmlns="" xmlns:a16="http://schemas.microsoft.com/office/drawing/2014/main" id="{6997A4FF-7390-4173-8ACD-6CF7145AACEC}"/>
               </a:ext>
             </a:extLst>
           </p:cNvPr>
@@ -14141,14 +14067,6 @@
   <p:clrMapOvr>
     <a:masterClrMapping/>
   </p:clrMapOvr>
-  <mc:AlternateContent xmlns:mc="http://schemas.openxmlformats.org/markup-compatibility/2006" xmlns:p14="http://schemas.microsoft.com/office/powerpoint/2010/main">
-    <mc:Choice Requires="p14">
-      <p:transition p14:dur="0"/>
-    </mc:Choice>
-    <mc:Fallback xmlns="">
-      <p:transition/>
-    </mc:Fallback>
-  </mc:AlternateContent>
 </p:sldLayout>
 </file>
 
@@ -14174,7 +14092,7 @@
           <p:cNvPr id="7" name="Rectangle 6">
             <a:extLst>
               <a:ext uri="{FF2B5EF4-FFF2-40B4-BE49-F238E27FC236}">
-                <a16:creationId xmlns:a16="http://schemas.microsoft.com/office/drawing/2014/main" xmlns="" id="{B2838D16-809E-4EB1-8C0C-0E63D8139112}"/>
+                <a16:creationId xmlns="" xmlns:a16="http://schemas.microsoft.com/office/drawing/2014/main" id="{B2838D16-809E-4EB1-8C0C-0E63D8139112}"/>
               </a:ext>
             </a:extLst>
           </p:cNvPr>
@@ -14226,7 +14144,7 @@
           <p:cNvPr id="8" name="Freeform: Shape 7">
             <a:extLst>
               <a:ext uri="{FF2B5EF4-FFF2-40B4-BE49-F238E27FC236}">
-                <a16:creationId xmlns:a16="http://schemas.microsoft.com/office/drawing/2014/main" xmlns="" id="{01FEB333-94B4-4E53-9019-D584810903BB}"/>
+                <a16:creationId xmlns="" xmlns:a16="http://schemas.microsoft.com/office/drawing/2014/main" id="{01FEB333-94B4-4E53-9019-D584810903BB}"/>
               </a:ext>
             </a:extLst>
           </p:cNvPr>
@@ -14347,7 +14265,7 @@
           <p:cNvPr id="9" name="Freeform: Shape 8">
             <a:extLst>
               <a:ext uri="{FF2B5EF4-FFF2-40B4-BE49-F238E27FC236}">
-                <a16:creationId xmlns:a16="http://schemas.microsoft.com/office/drawing/2014/main" xmlns="" id="{A59B9489-0CD9-4DB7-AC82-6E7867F91403}"/>
+                <a16:creationId xmlns="" xmlns:a16="http://schemas.microsoft.com/office/drawing/2014/main" id="{A59B9489-0CD9-4DB7-AC82-6E7867F91403}"/>
               </a:ext>
             </a:extLst>
           </p:cNvPr>
@@ -14487,7 +14405,7 @@
           <p:cNvPr id="10" name="Right Triangle 9">
             <a:extLst>
               <a:ext uri="{FF2B5EF4-FFF2-40B4-BE49-F238E27FC236}">
-                <a16:creationId xmlns:a16="http://schemas.microsoft.com/office/drawing/2014/main" xmlns="" id="{A55D1C76-C591-4FA5-9780-87AB6B37C0FA}"/>
+                <a16:creationId xmlns="" xmlns:a16="http://schemas.microsoft.com/office/drawing/2014/main" id="{A55D1C76-C591-4FA5-9780-87AB6B37C0FA}"/>
               </a:ext>
             </a:extLst>
           </p:cNvPr>
@@ -14541,7 +14459,7 @@
           <p:cNvPr id="11" name="Freeform: Shape 10">
             <a:extLst>
               <a:ext uri="{FF2B5EF4-FFF2-40B4-BE49-F238E27FC236}">
-                <a16:creationId xmlns:a16="http://schemas.microsoft.com/office/drawing/2014/main" xmlns="" id="{A7DC1D12-670F-4235-8791-FA8C2B330871}"/>
+                <a16:creationId xmlns="" xmlns:a16="http://schemas.microsoft.com/office/drawing/2014/main" id="{A7DC1D12-670F-4235-8791-FA8C2B330871}"/>
               </a:ext>
             </a:extLst>
           </p:cNvPr>
@@ -14687,7 +14605,7 @@
           <p:cNvPr id="12" name="Freeform: Shape 11">
             <a:extLst>
               <a:ext uri="{FF2B5EF4-FFF2-40B4-BE49-F238E27FC236}">
-                <a16:creationId xmlns:a16="http://schemas.microsoft.com/office/drawing/2014/main" xmlns="" id="{859569CF-FDAC-47C4-A0F5-296F7117C398}"/>
+                <a16:creationId xmlns="" xmlns:a16="http://schemas.microsoft.com/office/drawing/2014/main" id="{859569CF-FDAC-47C4-A0F5-296F7117C398}"/>
               </a:ext>
             </a:extLst>
           </p:cNvPr>
@@ -14787,7 +14705,7 @@
           <p:cNvPr id="13" name="Freeform: Shape 12">
             <a:extLst>
               <a:ext uri="{FF2B5EF4-FFF2-40B4-BE49-F238E27FC236}">
-                <a16:creationId xmlns:a16="http://schemas.microsoft.com/office/drawing/2014/main" xmlns="" id="{D68D0C72-2B2C-4C85-A091-157853C71784}"/>
+                <a16:creationId xmlns="" xmlns:a16="http://schemas.microsoft.com/office/drawing/2014/main" id="{D68D0C72-2B2C-4C85-A091-157853C71784}"/>
               </a:ext>
             </a:extLst>
           </p:cNvPr>
@@ -14895,7 +14813,7 @@
           <p:cNvPr id="14" name="Freeform: Shape 13">
             <a:extLst>
               <a:ext uri="{FF2B5EF4-FFF2-40B4-BE49-F238E27FC236}">
-                <a16:creationId xmlns:a16="http://schemas.microsoft.com/office/drawing/2014/main" xmlns="" id="{8E25334A-5FE3-4DDA-8D32-4796CCFCAA74}"/>
+                <a16:creationId xmlns="" xmlns:a16="http://schemas.microsoft.com/office/drawing/2014/main" id="{8E25334A-5FE3-4DDA-8D32-4796CCFCAA74}"/>
               </a:ext>
             </a:extLst>
           </p:cNvPr>
@@ -14987,7 +14905,7 @@
           <p:cNvPr id="15" name="Freeform: Shape 14">
             <a:extLst>
               <a:ext uri="{FF2B5EF4-FFF2-40B4-BE49-F238E27FC236}">
-                <a16:creationId xmlns:a16="http://schemas.microsoft.com/office/drawing/2014/main" xmlns="" id="{18818DF1-D7FD-4C0F-875D-7A07E8F75C06}"/>
+                <a16:creationId xmlns="" xmlns:a16="http://schemas.microsoft.com/office/drawing/2014/main" id="{18818DF1-D7FD-4C0F-875D-7A07E8F75C06}"/>
               </a:ext>
             </a:extLst>
           </p:cNvPr>
@@ -15087,7 +15005,7 @@
           <p:cNvPr id="16" name="Group 15">
             <a:extLst>
               <a:ext uri="{FF2B5EF4-FFF2-40B4-BE49-F238E27FC236}">
-                <a16:creationId xmlns:a16="http://schemas.microsoft.com/office/drawing/2014/main" xmlns="" id="{8F9BB384-9E14-4CEA-82C1-21837229D3EF}"/>
+                <a16:creationId xmlns="" xmlns:a16="http://schemas.microsoft.com/office/drawing/2014/main" id="{8F9BB384-9E14-4CEA-82C1-21837229D3EF}"/>
               </a:ext>
             </a:extLst>
           </p:cNvPr>
@@ -15107,7 +15025,7 @@
             <p:cNvPr id="17" name="Freeform: Shape 16">
               <a:extLst>
                 <a:ext uri="{FF2B5EF4-FFF2-40B4-BE49-F238E27FC236}">
-                  <a16:creationId xmlns:a16="http://schemas.microsoft.com/office/drawing/2014/main" xmlns="" id="{0862A81A-959D-4EAB-90ED-DB20759BB397}"/>
+                  <a16:creationId xmlns="" xmlns:a16="http://schemas.microsoft.com/office/drawing/2014/main" id="{0862A81A-959D-4EAB-90ED-DB20759BB397}"/>
                 </a:ext>
               </a:extLst>
             </p:cNvPr>
@@ -15197,7 +15115,7 @@
             <p:cNvPr id="18" name="Freeform: Shape 17">
               <a:extLst>
                 <a:ext uri="{FF2B5EF4-FFF2-40B4-BE49-F238E27FC236}">
-                  <a16:creationId xmlns:a16="http://schemas.microsoft.com/office/drawing/2014/main" xmlns="" id="{AAB9E28C-9422-42BD-AECE-29B44B5D63E2}"/>
+                  <a16:creationId xmlns="" xmlns:a16="http://schemas.microsoft.com/office/drawing/2014/main" id="{AAB9E28C-9422-42BD-AECE-29B44B5D63E2}"/>
                 </a:ext>
               </a:extLst>
             </p:cNvPr>
@@ -15296,7 +15214,7 @@
           <p:cNvPr id="19" name="Group 18">
             <a:extLst>
               <a:ext uri="{FF2B5EF4-FFF2-40B4-BE49-F238E27FC236}">
-                <a16:creationId xmlns:a16="http://schemas.microsoft.com/office/drawing/2014/main" xmlns="" id="{2772239B-C46D-4458-BB4B-DDB12FAB0172}"/>
+                <a16:creationId xmlns="" xmlns:a16="http://schemas.microsoft.com/office/drawing/2014/main" id="{2772239B-C46D-4458-BB4B-DDB12FAB0172}"/>
               </a:ext>
             </a:extLst>
           </p:cNvPr>
@@ -15316,7 +15234,7 @@
             <p:cNvPr id="20" name="Freeform: Shape 19">
               <a:extLst>
                 <a:ext uri="{FF2B5EF4-FFF2-40B4-BE49-F238E27FC236}">
-                  <a16:creationId xmlns:a16="http://schemas.microsoft.com/office/drawing/2014/main" xmlns="" id="{3C8A2A1A-1FB9-4CA1-B74E-B293187E51AA}"/>
+                  <a16:creationId xmlns="" xmlns:a16="http://schemas.microsoft.com/office/drawing/2014/main" id="{3C8A2A1A-1FB9-4CA1-B74E-B293187E51AA}"/>
                 </a:ext>
               </a:extLst>
             </p:cNvPr>
@@ -15406,7 +15324,7 @@
             <p:cNvPr id="21" name="Freeform: Shape 20">
               <a:extLst>
                 <a:ext uri="{FF2B5EF4-FFF2-40B4-BE49-F238E27FC236}">
-                  <a16:creationId xmlns:a16="http://schemas.microsoft.com/office/drawing/2014/main" xmlns="" id="{DF2B18BA-6B43-40FA-A23B-D894D6AB468B}"/>
+                  <a16:creationId xmlns="" xmlns:a16="http://schemas.microsoft.com/office/drawing/2014/main" id="{DF2B18BA-6B43-40FA-A23B-D894D6AB468B}"/>
                 </a:ext>
               </a:extLst>
             </p:cNvPr>
@@ -15505,7 +15423,7 @@
           <p:cNvPr id="3" name="Text Placeholder 2">
             <a:extLst>
               <a:ext uri="{FF2B5EF4-FFF2-40B4-BE49-F238E27FC236}">
-                <a16:creationId xmlns:a16="http://schemas.microsoft.com/office/drawing/2014/main" xmlns="" id="{5E194264-A3F5-42E2-9A63-DCCED0457E1B}"/>
+                <a16:creationId xmlns="" xmlns:a16="http://schemas.microsoft.com/office/drawing/2014/main" id="{5E194264-A3F5-42E2-9A63-DCCED0457E1B}"/>
               </a:ext>
             </a:extLst>
           </p:cNvPr>
@@ -15544,7 +15462,7 @@
           <a:p>
             <a:pPr marL="228600" lvl="0" indent="-228600"/>
             <a:r>
-              <a:rPr lang="en-US" noProof="0" smtClean="0"/>
+              <a:rPr lang="en-US" noProof="0"/>
               <a:t>Click to edit Master text styles</a:t>
             </a:r>
           </a:p>
@@ -15555,7 +15473,7 @@
           <p:cNvPr id="22" name="Slide Number Placeholder 4">
             <a:extLst>
               <a:ext uri="{FF2B5EF4-FFF2-40B4-BE49-F238E27FC236}">
-                <a16:creationId xmlns:a16="http://schemas.microsoft.com/office/drawing/2014/main" xmlns="" id="{0F332671-6296-47C8-BF26-B2D962F5D03D}"/>
+                <a16:creationId xmlns="" xmlns:a16="http://schemas.microsoft.com/office/drawing/2014/main" id="{0F332671-6296-47C8-BF26-B2D962F5D03D}"/>
               </a:ext>
             </a:extLst>
           </p:cNvPr>
@@ -15599,7 +15517,7 @@
           <p:cNvPr id="23" name="Title 1">
             <a:extLst>
               <a:ext uri="{FF2B5EF4-FFF2-40B4-BE49-F238E27FC236}">
-                <a16:creationId xmlns:a16="http://schemas.microsoft.com/office/drawing/2014/main" xmlns="" id="{7772A652-7229-2B42-B87B-298C31D6F0CB}"/>
+                <a16:creationId xmlns="" xmlns:a16="http://schemas.microsoft.com/office/drawing/2014/main" id="{7772A652-7229-2B42-B87B-298C31D6F0CB}"/>
               </a:ext>
             </a:extLst>
           </p:cNvPr>
@@ -15649,14 +15567,6 @@
   <p:clrMapOvr>
     <a:masterClrMapping/>
   </p:clrMapOvr>
-  <mc:AlternateContent xmlns:mc="http://schemas.openxmlformats.org/markup-compatibility/2006" xmlns:p14="http://schemas.microsoft.com/office/powerpoint/2010/main">
-    <mc:Choice Requires="p14">
-      <p:transition p14:dur="0"/>
-    </mc:Choice>
-    <mc:Fallback xmlns="">
-      <p:transition/>
-    </mc:Fallback>
-  </mc:AlternateContent>
 </p:sldLayout>
 </file>
 
@@ -15682,7 +15592,7 @@
           <p:cNvPr id="22" name="Rectangle 21">
             <a:extLst>
               <a:ext uri="{FF2B5EF4-FFF2-40B4-BE49-F238E27FC236}">
-                <a16:creationId xmlns:a16="http://schemas.microsoft.com/office/drawing/2014/main" xmlns="" id="{2CDBB6E5-B91E-4946-9390-E8693855103A}"/>
+                <a16:creationId xmlns="" xmlns:a16="http://schemas.microsoft.com/office/drawing/2014/main" id="{2CDBB6E5-B91E-4946-9390-E8693855103A}"/>
               </a:ext>
             </a:extLst>
           </p:cNvPr>
@@ -15736,7 +15646,7 @@
           <p:cNvPr id="34" name="Freeform: Shape 33">
             <a:extLst>
               <a:ext uri="{FF2B5EF4-FFF2-40B4-BE49-F238E27FC236}">
-                <a16:creationId xmlns:a16="http://schemas.microsoft.com/office/drawing/2014/main" xmlns="" id="{0C3CC1C9-1FA0-4FE4-8984-4A8B3728D674}"/>
+                <a16:creationId xmlns="" xmlns:a16="http://schemas.microsoft.com/office/drawing/2014/main" id="{0C3CC1C9-1FA0-4FE4-8984-4A8B3728D674}"/>
               </a:ext>
             </a:extLst>
           </p:cNvPr>
@@ -15881,7 +15791,7 @@
           <p:cNvPr id="24" name="Freeform: Shape 23">
             <a:extLst>
               <a:ext uri="{FF2B5EF4-FFF2-40B4-BE49-F238E27FC236}">
-                <a16:creationId xmlns:a16="http://schemas.microsoft.com/office/drawing/2014/main" xmlns="" id="{8E049265-431E-48DE-B7F7-4959930171DC}"/>
+                <a16:creationId xmlns="" xmlns:a16="http://schemas.microsoft.com/office/drawing/2014/main" id="{8E049265-431E-48DE-B7F7-4959930171DC}"/>
               </a:ext>
             </a:extLst>
           </p:cNvPr>
@@ -16021,7 +15931,7 @@
           <p:cNvPr id="25" name="Freeform: Shape 24">
             <a:extLst>
               <a:ext uri="{FF2B5EF4-FFF2-40B4-BE49-F238E27FC236}">
-                <a16:creationId xmlns:a16="http://schemas.microsoft.com/office/drawing/2014/main" xmlns="" id="{173E5F2D-1F8E-4DCC-857F-932C6C6539BB}"/>
+                <a16:creationId xmlns="" xmlns:a16="http://schemas.microsoft.com/office/drawing/2014/main" id="{173E5F2D-1F8E-4DCC-857F-932C6C6539BB}"/>
               </a:ext>
             </a:extLst>
           </p:cNvPr>
@@ -16167,7 +16077,7 @@
           <p:cNvPr id="26" name="Group 25">
             <a:extLst>
               <a:ext uri="{FF2B5EF4-FFF2-40B4-BE49-F238E27FC236}">
-                <a16:creationId xmlns:a16="http://schemas.microsoft.com/office/drawing/2014/main" xmlns="" id="{E9318B2B-E019-4078-9EF0-C9D6281AE31B}"/>
+                <a16:creationId xmlns="" xmlns:a16="http://schemas.microsoft.com/office/drawing/2014/main" id="{E9318B2B-E019-4078-9EF0-C9D6281AE31B}"/>
               </a:ext>
             </a:extLst>
           </p:cNvPr>
@@ -16187,7 +16097,7 @@
             <p:cNvPr id="27" name="Freeform: Shape 26">
               <a:extLst>
                 <a:ext uri="{FF2B5EF4-FFF2-40B4-BE49-F238E27FC236}">
-                  <a16:creationId xmlns:a16="http://schemas.microsoft.com/office/drawing/2014/main" xmlns="" id="{D3E625C0-9656-421F-861F-67C8F93362ED}"/>
+                  <a16:creationId xmlns="" xmlns:a16="http://schemas.microsoft.com/office/drawing/2014/main" id="{D3E625C0-9656-421F-861F-67C8F93362ED}"/>
                 </a:ext>
               </a:extLst>
             </p:cNvPr>
@@ -16287,7 +16197,7 @@
             <p:cNvPr id="28" name="Freeform: Shape 27">
               <a:extLst>
                 <a:ext uri="{FF2B5EF4-FFF2-40B4-BE49-F238E27FC236}">
-                  <a16:creationId xmlns:a16="http://schemas.microsoft.com/office/drawing/2014/main" xmlns="" id="{49F8E490-C6E3-4D00-866F-CD85DD88996E}"/>
+                  <a16:creationId xmlns="" xmlns:a16="http://schemas.microsoft.com/office/drawing/2014/main" id="{49F8E490-C6E3-4D00-866F-CD85DD88996E}"/>
                 </a:ext>
               </a:extLst>
             </p:cNvPr>
@@ -16396,7 +16306,7 @@
           <p:cNvPr id="29" name="Freeform: Shape 28">
             <a:extLst>
               <a:ext uri="{FF2B5EF4-FFF2-40B4-BE49-F238E27FC236}">
-                <a16:creationId xmlns:a16="http://schemas.microsoft.com/office/drawing/2014/main" xmlns="" id="{EE8F5B31-1523-46AE-9455-C33DFC1BDDE0}"/>
+                <a16:creationId xmlns="" xmlns:a16="http://schemas.microsoft.com/office/drawing/2014/main" id="{EE8F5B31-1523-46AE-9455-C33DFC1BDDE0}"/>
               </a:ext>
             </a:extLst>
           </p:cNvPr>
@@ -16488,7 +16398,7 @@
           <p:cNvPr id="30" name="Freeform: Shape 29">
             <a:extLst>
               <a:ext uri="{FF2B5EF4-FFF2-40B4-BE49-F238E27FC236}">
-                <a16:creationId xmlns:a16="http://schemas.microsoft.com/office/drawing/2014/main" xmlns="" id="{5D17048F-C2E1-4775-BC32-50BD6219F89D}"/>
+                <a16:creationId xmlns="" xmlns:a16="http://schemas.microsoft.com/office/drawing/2014/main" id="{5D17048F-C2E1-4775-BC32-50BD6219F89D}"/>
               </a:ext>
             </a:extLst>
           </p:cNvPr>
@@ -16588,7 +16498,7 @@
           <p:cNvPr id="31" name="Group 30">
             <a:extLst>
               <a:ext uri="{FF2B5EF4-FFF2-40B4-BE49-F238E27FC236}">
-                <a16:creationId xmlns:a16="http://schemas.microsoft.com/office/drawing/2014/main" xmlns="" id="{EAB002AA-4848-49C8-A834-036F860C79A3}"/>
+                <a16:creationId xmlns="" xmlns:a16="http://schemas.microsoft.com/office/drawing/2014/main" id="{EAB002AA-4848-49C8-A834-036F860C79A3}"/>
               </a:ext>
             </a:extLst>
           </p:cNvPr>
@@ -16608,7 +16518,7 @@
             <p:cNvPr id="32" name="Freeform: Shape 31">
               <a:extLst>
                 <a:ext uri="{FF2B5EF4-FFF2-40B4-BE49-F238E27FC236}">
-                  <a16:creationId xmlns:a16="http://schemas.microsoft.com/office/drawing/2014/main" xmlns="" id="{14B187A8-7F8D-469D-A03B-4F835A5746DE}"/>
+                  <a16:creationId xmlns="" xmlns:a16="http://schemas.microsoft.com/office/drawing/2014/main" id="{14B187A8-7F8D-469D-A03B-4F835A5746DE}"/>
                 </a:ext>
               </a:extLst>
             </p:cNvPr>
@@ -16698,7 +16608,7 @@
             <p:cNvPr id="33" name="Freeform: Shape 32">
               <a:extLst>
                 <a:ext uri="{FF2B5EF4-FFF2-40B4-BE49-F238E27FC236}">
-                  <a16:creationId xmlns:a16="http://schemas.microsoft.com/office/drawing/2014/main" xmlns="" id="{03D871D1-A11A-48FB-82A8-8D61AB5CB85C}"/>
+                  <a16:creationId xmlns="" xmlns:a16="http://schemas.microsoft.com/office/drawing/2014/main" id="{03D871D1-A11A-48FB-82A8-8D61AB5CB85C}"/>
                 </a:ext>
               </a:extLst>
             </p:cNvPr>
@@ -16797,7 +16707,7 @@
           <p:cNvPr id="2" name="Title 1">
             <a:extLst>
               <a:ext uri="{FF2B5EF4-FFF2-40B4-BE49-F238E27FC236}">
-                <a16:creationId xmlns:a16="http://schemas.microsoft.com/office/drawing/2014/main" xmlns="" id="{42374B20-3E42-44AF-BEF1-8AB33067395C}"/>
+                <a16:creationId xmlns="" xmlns:a16="http://schemas.microsoft.com/office/drawing/2014/main" id="{42374B20-3E42-44AF-BEF1-8AB33067395C}"/>
               </a:ext>
             </a:extLst>
           </p:cNvPr>
@@ -16842,7 +16752,7 @@
           <p:cNvPr id="3" name="Text Placeholder 2">
             <a:extLst>
               <a:ext uri="{FF2B5EF4-FFF2-40B4-BE49-F238E27FC236}">
-                <a16:creationId xmlns:a16="http://schemas.microsoft.com/office/drawing/2014/main" xmlns="" id="{5E194264-A3F5-42E2-9A63-DCCED0457E1B}"/>
+                <a16:creationId xmlns="" xmlns:a16="http://schemas.microsoft.com/office/drawing/2014/main" id="{5E194264-A3F5-42E2-9A63-DCCED0457E1B}"/>
               </a:ext>
             </a:extLst>
           </p:cNvPr>
@@ -16881,7 +16791,7 @@
           <a:p>
             <a:pPr marL="228600" lvl="0" indent="-228600"/>
             <a:r>
-              <a:rPr lang="en-US" noProof="0" smtClean="0"/>
+              <a:rPr lang="en-US" noProof="0"/>
               <a:t>Click to edit Master text styles</a:t>
             </a:r>
           </a:p>
@@ -16892,7 +16802,7 @@
           <p:cNvPr id="35" name="Slide Number Placeholder 4">
             <a:extLst>
               <a:ext uri="{FF2B5EF4-FFF2-40B4-BE49-F238E27FC236}">
-                <a16:creationId xmlns:a16="http://schemas.microsoft.com/office/drawing/2014/main" xmlns="" id="{6F73F836-940E-4B65-A29C-D0869263C935}"/>
+                <a16:creationId xmlns="" xmlns:a16="http://schemas.microsoft.com/office/drawing/2014/main" id="{6F73F836-940E-4B65-A29C-D0869263C935}"/>
               </a:ext>
             </a:extLst>
           </p:cNvPr>
@@ -16941,14 +16851,6 @@
   <p:clrMapOvr>
     <a:masterClrMapping/>
   </p:clrMapOvr>
-  <mc:AlternateContent xmlns:mc="http://schemas.openxmlformats.org/markup-compatibility/2006" xmlns:p14="http://schemas.microsoft.com/office/powerpoint/2010/main">
-    <mc:Choice Requires="p14">
-      <p:transition p14:dur="0"/>
-    </mc:Choice>
-    <mc:Fallback xmlns="">
-      <p:transition/>
-    </mc:Fallback>
-  </mc:AlternateContent>
 </p:sldLayout>
 </file>
 
@@ -16974,7 +16876,7 @@
           <p:cNvPr id="22" name="Rectangle 21">
             <a:extLst>
               <a:ext uri="{FF2B5EF4-FFF2-40B4-BE49-F238E27FC236}">
-                <a16:creationId xmlns:a16="http://schemas.microsoft.com/office/drawing/2014/main" xmlns="" id="{2CDBB6E5-B91E-4946-9390-E8693855103A}"/>
+                <a16:creationId xmlns="" xmlns:a16="http://schemas.microsoft.com/office/drawing/2014/main" id="{2CDBB6E5-B91E-4946-9390-E8693855103A}"/>
               </a:ext>
             </a:extLst>
           </p:cNvPr>
@@ -17028,7 +16930,7 @@
           <p:cNvPr id="34" name="Freeform: Shape 33">
             <a:extLst>
               <a:ext uri="{FF2B5EF4-FFF2-40B4-BE49-F238E27FC236}">
-                <a16:creationId xmlns:a16="http://schemas.microsoft.com/office/drawing/2014/main" xmlns="" id="{0C3CC1C9-1FA0-4FE4-8984-4A8B3728D674}"/>
+                <a16:creationId xmlns="" xmlns:a16="http://schemas.microsoft.com/office/drawing/2014/main" id="{0C3CC1C9-1FA0-4FE4-8984-4A8B3728D674}"/>
               </a:ext>
             </a:extLst>
           </p:cNvPr>
@@ -17173,7 +17075,7 @@
           <p:cNvPr id="24" name="Freeform: Shape 23">
             <a:extLst>
               <a:ext uri="{FF2B5EF4-FFF2-40B4-BE49-F238E27FC236}">
-                <a16:creationId xmlns:a16="http://schemas.microsoft.com/office/drawing/2014/main" xmlns="" id="{8E049265-431E-48DE-B7F7-4959930171DC}"/>
+                <a16:creationId xmlns="" xmlns:a16="http://schemas.microsoft.com/office/drawing/2014/main" id="{8E049265-431E-48DE-B7F7-4959930171DC}"/>
               </a:ext>
             </a:extLst>
           </p:cNvPr>
@@ -17313,7 +17215,7 @@
           <p:cNvPr id="25" name="Freeform: Shape 24">
             <a:extLst>
               <a:ext uri="{FF2B5EF4-FFF2-40B4-BE49-F238E27FC236}">
-                <a16:creationId xmlns:a16="http://schemas.microsoft.com/office/drawing/2014/main" xmlns="" id="{173E5F2D-1F8E-4DCC-857F-932C6C6539BB}"/>
+                <a16:creationId xmlns="" xmlns:a16="http://schemas.microsoft.com/office/drawing/2014/main" id="{173E5F2D-1F8E-4DCC-857F-932C6C6539BB}"/>
               </a:ext>
             </a:extLst>
           </p:cNvPr>
@@ -17459,7 +17361,7 @@
           <p:cNvPr id="4" name="Oval 3">
             <a:extLst>
               <a:ext uri="{FF2B5EF4-FFF2-40B4-BE49-F238E27FC236}">
-                <a16:creationId xmlns:a16="http://schemas.microsoft.com/office/drawing/2014/main" xmlns="" id="{ECB4C115-EFF9-405C-98BE-F4077B9730D0}"/>
+                <a16:creationId xmlns="" xmlns:a16="http://schemas.microsoft.com/office/drawing/2014/main" id="{ECB4C115-EFF9-405C-98BE-F4077B9730D0}"/>
               </a:ext>
             </a:extLst>
           </p:cNvPr>
@@ -17517,7 +17419,7 @@
           <p:cNvPr id="18" name="Title 1">
             <a:extLst>
               <a:ext uri="{FF2B5EF4-FFF2-40B4-BE49-F238E27FC236}">
-                <a16:creationId xmlns:a16="http://schemas.microsoft.com/office/drawing/2014/main" xmlns="" id="{C9A300DD-BB54-44ED-A7E4-01CD41EC930F}"/>
+                <a16:creationId xmlns="" xmlns:a16="http://schemas.microsoft.com/office/drawing/2014/main" id="{C9A300DD-BB54-44ED-A7E4-01CD41EC930F}"/>
               </a:ext>
             </a:extLst>
           </p:cNvPr>
@@ -17580,7 +17482,7 @@
           <p:cNvPr id="2" name="Title 1">
             <a:extLst>
               <a:ext uri="{FF2B5EF4-FFF2-40B4-BE49-F238E27FC236}">
-                <a16:creationId xmlns:a16="http://schemas.microsoft.com/office/drawing/2014/main" xmlns="" id="{42374B20-3E42-44AF-BEF1-8AB33067395C}"/>
+                <a16:creationId xmlns="" xmlns:a16="http://schemas.microsoft.com/office/drawing/2014/main" id="{42374B20-3E42-44AF-BEF1-8AB33067395C}"/>
               </a:ext>
             </a:extLst>
           </p:cNvPr>
@@ -17628,7 +17530,7 @@
           <p:cNvPr id="19" name="Slide Number Placeholder 4">
             <a:extLst>
               <a:ext uri="{FF2B5EF4-FFF2-40B4-BE49-F238E27FC236}">
-                <a16:creationId xmlns:a16="http://schemas.microsoft.com/office/drawing/2014/main" xmlns="" id="{A4E6C1FF-5925-42B3-B7F9-0A0031BDAD30}"/>
+                <a16:creationId xmlns="" xmlns:a16="http://schemas.microsoft.com/office/drawing/2014/main" id="{A4E6C1FF-5925-42B3-B7F9-0A0031BDAD30}"/>
               </a:ext>
             </a:extLst>
           </p:cNvPr>
@@ -17677,14 +17579,6 @@
   <p:clrMapOvr>
     <a:masterClrMapping/>
   </p:clrMapOvr>
-  <mc:AlternateContent xmlns:mc="http://schemas.openxmlformats.org/markup-compatibility/2006" xmlns:p14="http://schemas.microsoft.com/office/powerpoint/2010/main">
-    <mc:Choice Requires="p14">
-      <p:transition p14:dur="0"/>
-    </mc:Choice>
-    <mc:Fallback xmlns="">
-      <p:transition/>
-    </mc:Fallback>
-  </mc:AlternateContent>
 </p:sldLayout>
 </file>
 
@@ -17718,7 +17612,7 @@
           <p:cNvPr id="11" name="Rectangle 10">
             <a:extLst>
               <a:ext uri="{FF2B5EF4-FFF2-40B4-BE49-F238E27FC236}">
-                <a16:creationId xmlns:a16="http://schemas.microsoft.com/office/drawing/2014/main" xmlns="" id="{EB3E033F-4449-40FA-BC85-BD2712D313DD}"/>
+                <a16:creationId xmlns="" xmlns:a16="http://schemas.microsoft.com/office/drawing/2014/main" id="{EB3E033F-4449-40FA-BC85-BD2712D313DD}"/>
               </a:ext>
             </a:extLst>
           </p:cNvPr>
@@ -17772,7 +17666,7 @@
           <p:cNvPr id="10" name="Freeform: Shape 9">
             <a:extLst>
               <a:ext uri="{FF2B5EF4-FFF2-40B4-BE49-F238E27FC236}">
-                <a16:creationId xmlns:a16="http://schemas.microsoft.com/office/drawing/2014/main" xmlns="" id="{63D26743-0505-444C-80B3-E88EE87DF72B}"/>
+                <a16:creationId xmlns="" xmlns:a16="http://schemas.microsoft.com/office/drawing/2014/main" id="{63D26743-0505-444C-80B3-E88EE87DF72B}"/>
               </a:ext>
             </a:extLst>
           </p:cNvPr>
@@ -17895,7 +17789,7 @@
           <p:cNvPr id="8" name="Freeform: Shape 7">
             <a:extLst>
               <a:ext uri="{FF2B5EF4-FFF2-40B4-BE49-F238E27FC236}">
-                <a16:creationId xmlns:a16="http://schemas.microsoft.com/office/drawing/2014/main" xmlns="" id="{1599AF7E-3E34-4597-AA72-9373A7FDB020}"/>
+                <a16:creationId xmlns="" xmlns:a16="http://schemas.microsoft.com/office/drawing/2014/main" id="{1599AF7E-3E34-4597-AA72-9373A7FDB020}"/>
               </a:ext>
             </a:extLst>
           </p:cNvPr>
@@ -18041,7 +17935,7 @@
           <p:cNvPr id="2" name="Title 1">
             <a:extLst>
               <a:ext uri="{FF2B5EF4-FFF2-40B4-BE49-F238E27FC236}">
-                <a16:creationId xmlns:a16="http://schemas.microsoft.com/office/drawing/2014/main" xmlns="" id="{4A2DF563-7FAC-46B3-B24C-7E45CD89DA2B}"/>
+                <a16:creationId xmlns="" xmlns:a16="http://schemas.microsoft.com/office/drawing/2014/main" id="{4A2DF563-7FAC-46B3-B24C-7E45CD89DA2B}"/>
               </a:ext>
             </a:extLst>
           </p:cNvPr>
@@ -18075,10 +17969,9 @@
           <a:p>
             <a:pPr lvl="0"/>
             <a:r>
-              <a:rPr lang="en-US" noProof="0" smtClean="0"/>
+              <a:rPr lang="en-US" noProof="0"/>
               <a:t>Click to edit Master title style</a:t>
             </a:r>
-            <a:endParaRPr lang="en-US" noProof="0"/>
           </a:p>
         </p:txBody>
       </p:sp>
@@ -18087,7 +17980,7 @@
           <p:cNvPr id="5" name="Slide Number Placeholder 4">
             <a:extLst>
               <a:ext uri="{FF2B5EF4-FFF2-40B4-BE49-F238E27FC236}">
-                <a16:creationId xmlns:a16="http://schemas.microsoft.com/office/drawing/2014/main" xmlns="" id="{87B51822-97FF-47A7-8E4E-A0F79B4EB237}"/>
+                <a16:creationId xmlns="" xmlns:a16="http://schemas.microsoft.com/office/drawing/2014/main" id="{87B51822-97FF-47A7-8E4E-A0F79B4EB237}"/>
               </a:ext>
             </a:extLst>
           </p:cNvPr>
@@ -18131,7 +18024,7 @@
           <p:cNvPr id="15" name="Group 14">
             <a:extLst>
               <a:ext uri="{FF2B5EF4-FFF2-40B4-BE49-F238E27FC236}">
-                <a16:creationId xmlns:a16="http://schemas.microsoft.com/office/drawing/2014/main" xmlns="" id="{7732E1E7-45E3-4264-8F26-66758696DD1E}"/>
+                <a16:creationId xmlns="" xmlns:a16="http://schemas.microsoft.com/office/drawing/2014/main" id="{7732E1E7-45E3-4264-8F26-66758696DD1E}"/>
               </a:ext>
             </a:extLst>
           </p:cNvPr>
@@ -18151,7 +18044,7 @@
             <p:cNvPr id="16" name="Freeform: Shape 15">
               <a:extLst>
                 <a:ext uri="{FF2B5EF4-FFF2-40B4-BE49-F238E27FC236}">
-                  <a16:creationId xmlns:a16="http://schemas.microsoft.com/office/drawing/2014/main" xmlns="" id="{2E3DF883-8093-49FA-81E1-E5D77F086A25}"/>
+                  <a16:creationId xmlns="" xmlns:a16="http://schemas.microsoft.com/office/drawing/2014/main" id="{2E3DF883-8093-49FA-81E1-E5D77F086A25}"/>
                 </a:ext>
               </a:extLst>
             </p:cNvPr>
@@ -18241,7 +18134,7 @@
             <p:cNvPr id="17" name="Freeform: Shape 16">
               <a:extLst>
                 <a:ext uri="{FF2B5EF4-FFF2-40B4-BE49-F238E27FC236}">
-                  <a16:creationId xmlns:a16="http://schemas.microsoft.com/office/drawing/2014/main" xmlns="" id="{18944C90-37E5-4BBE-89FF-060627168050}"/>
+                  <a16:creationId xmlns="" xmlns:a16="http://schemas.microsoft.com/office/drawing/2014/main" id="{18944C90-37E5-4BBE-89FF-060627168050}"/>
                 </a:ext>
               </a:extLst>
             </p:cNvPr>
@@ -18340,7 +18233,7 @@
           <p:cNvPr id="23" name="Text Placeholder 22">
             <a:extLst>
               <a:ext uri="{FF2B5EF4-FFF2-40B4-BE49-F238E27FC236}">
-                <a16:creationId xmlns:a16="http://schemas.microsoft.com/office/drawing/2014/main" xmlns="" id="{03618670-D1E4-466C-BDB5-FC890AC31457}"/>
+                <a16:creationId xmlns="" xmlns:a16="http://schemas.microsoft.com/office/drawing/2014/main" id="{03618670-D1E4-466C-BDB5-FC890AC31457}"/>
               </a:ext>
             </a:extLst>
           </p:cNvPr>
@@ -18438,21 +18331,21 @@
           <a:p>
             <a:pPr lvl="0"/>
             <a:r>
-              <a:rPr lang="en-US" noProof="0" smtClean="0"/>
+              <a:rPr lang="en-US" noProof="0"/>
               <a:t>Click to edit Master text styles</a:t>
             </a:r>
           </a:p>
           <a:p>
             <a:pPr lvl="1"/>
             <a:r>
-              <a:rPr lang="en-US" noProof="0" smtClean="0"/>
+              <a:rPr lang="en-US" noProof="0"/>
               <a:t>Second level</a:t>
             </a:r>
           </a:p>
           <a:p>
             <a:pPr lvl="2"/>
             <a:r>
-              <a:rPr lang="en-US" noProof="0" smtClean="0"/>
+              <a:rPr lang="en-US" noProof="0"/>
               <a:t>Third level</a:t>
             </a:r>
           </a:p>
@@ -18468,14 +18361,6 @@
   <p:clrMapOvr>
     <a:masterClrMapping/>
   </p:clrMapOvr>
-  <mc:AlternateContent xmlns:mc="http://schemas.openxmlformats.org/markup-compatibility/2006" xmlns:p14="http://schemas.microsoft.com/office/powerpoint/2010/main">
-    <mc:Choice Requires="p14">
-      <p:transition p14:dur="0"/>
-    </mc:Choice>
-    <mc:Fallback xmlns="">
-      <p:transition/>
-    </mc:Fallback>
-  </mc:AlternateContent>
 </p:sldLayout>
 </file>
 
@@ -18509,7 +18394,7 @@
           <p:cNvPr id="11" name="Rectangle 10">
             <a:extLst>
               <a:ext uri="{FF2B5EF4-FFF2-40B4-BE49-F238E27FC236}">
-                <a16:creationId xmlns:a16="http://schemas.microsoft.com/office/drawing/2014/main" xmlns="" id="{EB3E033F-4449-40FA-BC85-BD2712D313DD}"/>
+                <a16:creationId xmlns="" xmlns:a16="http://schemas.microsoft.com/office/drawing/2014/main" id="{EB3E033F-4449-40FA-BC85-BD2712D313DD}"/>
               </a:ext>
             </a:extLst>
           </p:cNvPr>
@@ -18563,7 +18448,7 @@
           <p:cNvPr id="10" name="Freeform: Shape 9">
             <a:extLst>
               <a:ext uri="{FF2B5EF4-FFF2-40B4-BE49-F238E27FC236}">
-                <a16:creationId xmlns:a16="http://schemas.microsoft.com/office/drawing/2014/main" xmlns="" id="{63D26743-0505-444C-80B3-E88EE87DF72B}"/>
+                <a16:creationId xmlns="" xmlns:a16="http://schemas.microsoft.com/office/drawing/2014/main" id="{63D26743-0505-444C-80B3-E88EE87DF72B}"/>
               </a:ext>
             </a:extLst>
           </p:cNvPr>
@@ -18686,7 +18571,7 @@
           <p:cNvPr id="18" name="Freeform: Shape 17">
             <a:extLst>
               <a:ext uri="{FF2B5EF4-FFF2-40B4-BE49-F238E27FC236}">
-                <a16:creationId xmlns:a16="http://schemas.microsoft.com/office/drawing/2014/main" xmlns="" id="{E37145E9-AC61-47D5-9288-8789940F81B6}"/>
+                <a16:creationId xmlns="" xmlns:a16="http://schemas.microsoft.com/office/drawing/2014/main" id="{E37145E9-AC61-47D5-9288-8789940F81B6}"/>
               </a:ext>
             </a:extLst>
           </p:cNvPr>
@@ -18838,7 +18723,7 @@
           <p:cNvPr id="12" name="Freeform: Shape 11">
             <a:extLst>
               <a:ext uri="{FF2B5EF4-FFF2-40B4-BE49-F238E27FC236}">
-                <a16:creationId xmlns:a16="http://schemas.microsoft.com/office/drawing/2014/main" xmlns="" id="{A5E2B3ED-9A49-40A7-B8A3-62595FE513F9}"/>
+                <a16:creationId xmlns="" xmlns:a16="http://schemas.microsoft.com/office/drawing/2014/main" id="{A5E2B3ED-9A49-40A7-B8A3-62595FE513F9}"/>
               </a:ext>
             </a:extLst>
           </p:cNvPr>
@@ -18988,7 +18873,7 @@
           <p:cNvPr id="8" name="Freeform: Shape 7">
             <a:extLst>
               <a:ext uri="{FF2B5EF4-FFF2-40B4-BE49-F238E27FC236}">
-                <a16:creationId xmlns:a16="http://schemas.microsoft.com/office/drawing/2014/main" xmlns="" id="{1599AF7E-3E34-4597-AA72-9373A7FDB020}"/>
+                <a16:creationId xmlns="" xmlns:a16="http://schemas.microsoft.com/office/drawing/2014/main" id="{1599AF7E-3E34-4597-AA72-9373A7FDB020}"/>
               </a:ext>
             </a:extLst>
           </p:cNvPr>
@@ -19134,7 +19019,7 @@
           <p:cNvPr id="2" name="Title 1">
             <a:extLst>
               <a:ext uri="{FF2B5EF4-FFF2-40B4-BE49-F238E27FC236}">
-                <a16:creationId xmlns:a16="http://schemas.microsoft.com/office/drawing/2014/main" xmlns="" id="{4A2DF563-7FAC-46B3-B24C-7E45CD89DA2B}"/>
+                <a16:creationId xmlns="" xmlns:a16="http://schemas.microsoft.com/office/drawing/2014/main" id="{4A2DF563-7FAC-46B3-B24C-7E45CD89DA2B}"/>
               </a:ext>
             </a:extLst>
           </p:cNvPr>
@@ -19168,10 +19053,9 @@
           <a:p>
             <a:pPr lvl="0"/>
             <a:r>
-              <a:rPr lang="en-US" noProof="0" smtClean="0"/>
+              <a:rPr lang="en-US" noProof="0"/>
               <a:t>Click to edit Master title style</a:t>
             </a:r>
-            <a:endParaRPr lang="en-US" noProof="0"/>
           </a:p>
         </p:txBody>
       </p:sp>
@@ -19180,7 +19064,7 @@
           <p:cNvPr id="15" name="Group 14">
             <a:extLst>
               <a:ext uri="{FF2B5EF4-FFF2-40B4-BE49-F238E27FC236}">
-                <a16:creationId xmlns:a16="http://schemas.microsoft.com/office/drawing/2014/main" xmlns="" id="{7732E1E7-45E3-4264-8F26-66758696DD1E}"/>
+                <a16:creationId xmlns="" xmlns:a16="http://schemas.microsoft.com/office/drawing/2014/main" id="{7732E1E7-45E3-4264-8F26-66758696DD1E}"/>
               </a:ext>
             </a:extLst>
           </p:cNvPr>
@@ -19200,7 +19084,7 @@
             <p:cNvPr id="16" name="Freeform: Shape 15">
               <a:extLst>
                 <a:ext uri="{FF2B5EF4-FFF2-40B4-BE49-F238E27FC236}">
-                  <a16:creationId xmlns:a16="http://schemas.microsoft.com/office/drawing/2014/main" xmlns="" id="{2E3DF883-8093-49FA-81E1-E5D77F086A25}"/>
+                  <a16:creationId xmlns="" xmlns:a16="http://schemas.microsoft.com/office/drawing/2014/main" id="{2E3DF883-8093-49FA-81E1-E5D77F086A25}"/>
                 </a:ext>
               </a:extLst>
             </p:cNvPr>
@@ -19290,7 +19174,7 @@
             <p:cNvPr id="17" name="Freeform: Shape 16">
               <a:extLst>
                 <a:ext uri="{FF2B5EF4-FFF2-40B4-BE49-F238E27FC236}">
-                  <a16:creationId xmlns:a16="http://schemas.microsoft.com/office/drawing/2014/main" xmlns="" id="{18944C90-37E5-4BBE-89FF-060627168050}"/>
+                  <a16:creationId xmlns="" xmlns:a16="http://schemas.microsoft.com/office/drawing/2014/main" id="{18944C90-37E5-4BBE-89FF-060627168050}"/>
                 </a:ext>
               </a:extLst>
             </p:cNvPr>
@@ -19389,7 +19273,7 @@
           <p:cNvPr id="6" name="Group 5">
             <a:extLst>
               <a:ext uri="{FF2B5EF4-FFF2-40B4-BE49-F238E27FC236}">
-                <a16:creationId xmlns:a16="http://schemas.microsoft.com/office/drawing/2014/main" xmlns="" id="{D9EBF8BB-A805-4DDB-B459-082F99815B95}"/>
+                <a16:creationId xmlns="" xmlns:a16="http://schemas.microsoft.com/office/drawing/2014/main" id="{D9EBF8BB-A805-4DDB-B459-082F99815B95}"/>
               </a:ext>
             </a:extLst>
           </p:cNvPr>
@@ -19409,7 +19293,7 @@
             <p:cNvPr id="19" name="Rectangle: Single Corner Snipped 18">
               <a:extLst>
                 <a:ext uri="{FF2B5EF4-FFF2-40B4-BE49-F238E27FC236}">
-                  <a16:creationId xmlns:a16="http://schemas.microsoft.com/office/drawing/2014/main" xmlns="" id="{5D638788-DD47-45E7-939A-FA108A818173}"/>
+                  <a16:creationId xmlns="" xmlns:a16="http://schemas.microsoft.com/office/drawing/2014/main" id="{5D638788-DD47-45E7-939A-FA108A818173}"/>
                 </a:ext>
               </a:extLst>
             </p:cNvPr>
@@ -19475,7 +19359,7 @@
             <p:cNvPr id="3" name="Rectangle: Single Corner Snipped 2">
               <a:extLst>
                 <a:ext uri="{FF2B5EF4-FFF2-40B4-BE49-F238E27FC236}">
-                  <a16:creationId xmlns:a16="http://schemas.microsoft.com/office/drawing/2014/main" xmlns="" id="{74BDECEF-EEFE-4332-B3B2-BDE4F82C10FC}"/>
+                  <a16:creationId xmlns="" xmlns:a16="http://schemas.microsoft.com/office/drawing/2014/main" id="{74BDECEF-EEFE-4332-B3B2-BDE4F82C10FC}"/>
                 </a:ext>
               </a:extLst>
             </p:cNvPr>
@@ -19532,7 +19416,7 @@
           <p:cNvPr id="24" name="Freeform: Shape 23">
             <a:extLst>
               <a:ext uri="{FF2B5EF4-FFF2-40B4-BE49-F238E27FC236}">
-                <a16:creationId xmlns:a16="http://schemas.microsoft.com/office/drawing/2014/main" xmlns="" id="{18103E00-7E4A-44CD-81AC-06433CAE1110}"/>
+                <a16:creationId xmlns="" xmlns:a16="http://schemas.microsoft.com/office/drawing/2014/main" id="{18103E00-7E4A-44CD-81AC-06433CAE1110}"/>
               </a:ext>
             </a:extLst>
           </p:cNvPr>
@@ -19627,7 +19511,7 @@
           <p:cNvPr id="5" name="Slide Number Placeholder 4">
             <a:extLst>
               <a:ext uri="{FF2B5EF4-FFF2-40B4-BE49-F238E27FC236}">
-                <a16:creationId xmlns:a16="http://schemas.microsoft.com/office/drawing/2014/main" xmlns="" id="{87B51822-97FF-47A7-8E4E-A0F79B4EB237}"/>
+                <a16:creationId xmlns="" xmlns:a16="http://schemas.microsoft.com/office/drawing/2014/main" id="{87B51822-97FF-47A7-8E4E-A0F79B4EB237}"/>
               </a:ext>
             </a:extLst>
           </p:cNvPr>
@@ -19676,14 +19560,6 @@
   <p:clrMapOvr>
     <a:masterClrMapping/>
   </p:clrMapOvr>
-  <mc:AlternateContent xmlns:mc="http://schemas.openxmlformats.org/markup-compatibility/2006" xmlns:p14="http://schemas.microsoft.com/office/powerpoint/2010/main">
-    <mc:Choice Requires="p14">
-      <p:transition p14:dur="0"/>
-    </mc:Choice>
-    <mc:Fallback xmlns="">
-      <p:transition/>
-    </mc:Fallback>
-  </mc:AlternateContent>
 </p:sldLayout>
 </file>
 
@@ -19717,7 +19593,7 @@
           <p:cNvPr id="11" name="Rectangle 10">
             <a:extLst>
               <a:ext uri="{FF2B5EF4-FFF2-40B4-BE49-F238E27FC236}">
-                <a16:creationId xmlns:a16="http://schemas.microsoft.com/office/drawing/2014/main" xmlns="" id="{EB3E033F-4449-40FA-BC85-BD2712D313DD}"/>
+                <a16:creationId xmlns="" xmlns:a16="http://schemas.microsoft.com/office/drawing/2014/main" id="{EB3E033F-4449-40FA-BC85-BD2712D313DD}"/>
               </a:ext>
             </a:extLst>
           </p:cNvPr>
@@ -19771,7 +19647,7 @@
           <p:cNvPr id="10" name="Freeform: Shape 9">
             <a:extLst>
               <a:ext uri="{FF2B5EF4-FFF2-40B4-BE49-F238E27FC236}">
-                <a16:creationId xmlns:a16="http://schemas.microsoft.com/office/drawing/2014/main" xmlns="" id="{63D26743-0505-444C-80B3-E88EE87DF72B}"/>
+                <a16:creationId xmlns="" xmlns:a16="http://schemas.microsoft.com/office/drawing/2014/main" id="{63D26743-0505-444C-80B3-E88EE87DF72B}"/>
               </a:ext>
             </a:extLst>
           </p:cNvPr>
@@ -19894,7 +19770,7 @@
           <p:cNvPr id="18" name="Freeform: Shape 17">
             <a:extLst>
               <a:ext uri="{FF2B5EF4-FFF2-40B4-BE49-F238E27FC236}">
-                <a16:creationId xmlns:a16="http://schemas.microsoft.com/office/drawing/2014/main" xmlns="" id="{E37145E9-AC61-47D5-9288-8789940F81B6}"/>
+                <a16:creationId xmlns="" xmlns:a16="http://schemas.microsoft.com/office/drawing/2014/main" id="{E37145E9-AC61-47D5-9288-8789940F81B6}"/>
               </a:ext>
             </a:extLst>
           </p:cNvPr>
@@ -20046,7 +19922,7 @@
           <p:cNvPr id="12" name="Freeform: Shape 11">
             <a:extLst>
               <a:ext uri="{FF2B5EF4-FFF2-40B4-BE49-F238E27FC236}">
-                <a16:creationId xmlns:a16="http://schemas.microsoft.com/office/drawing/2014/main" xmlns="" id="{A5E2B3ED-9A49-40A7-B8A3-62595FE513F9}"/>
+                <a16:creationId xmlns="" xmlns:a16="http://schemas.microsoft.com/office/drawing/2014/main" id="{A5E2B3ED-9A49-40A7-B8A3-62595FE513F9}"/>
               </a:ext>
             </a:extLst>
           </p:cNvPr>
@@ -20196,7 +20072,7 @@
           <p:cNvPr id="8" name="Freeform: Shape 7">
             <a:extLst>
               <a:ext uri="{FF2B5EF4-FFF2-40B4-BE49-F238E27FC236}">
-                <a16:creationId xmlns:a16="http://schemas.microsoft.com/office/drawing/2014/main" xmlns="" id="{1599AF7E-3E34-4597-AA72-9373A7FDB020}"/>
+                <a16:creationId xmlns="" xmlns:a16="http://schemas.microsoft.com/office/drawing/2014/main" id="{1599AF7E-3E34-4597-AA72-9373A7FDB020}"/>
               </a:ext>
             </a:extLst>
           </p:cNvPr>
@@ -20342,7 +20218,7 @@
           <p:cNvPr id="2" name="Title 1">
             <a:extLst>
               <a:ext uri="{FF2B5EF4-FFF2-40B4-BE49-F238E27FC236}">
-                <a16:creationId xmlns:a16="http://schemas.microsoft.com/office/drawing/2014/main" xmlns="" id="{4A2DF563-7FAC-46B3-B24C-7E45CD89DA2B}"/>
+                <a16:creationId xmlns="" xmlns:a16="http://schemas.microsoft.com/office/drawing/2014/main" id="{4A2DF563-7FAC-46B3-B24C-7E45CD89DA2B}"/>
               </a:ext>
             </a:extLst>
           </p:cNvPr>
@@ -20376,10 +20252,9 @@
           <a:p>
             <a:pPr lvl="0"/>
             <a:r>
-              <a:rPr lang="en-US" noProof="0" smtClean="0"/>
+              <a:rPr lang="en-US" noProof="0"/>
               <a:t>Click to edit Master title style</a:t>
             </a:r>
-            <a:endParaRPr lang="en-US" noProof="0"/>
           </a:p>
         </p:txBody>
       </p:sp>
@@ -20388,7 +20263,7 @@
           <p:cNvPr id="15" name="Group 14">
             <a:extLst>
               <a:ext uri="{FF2B5EF4-FFF2-40B4-BE49-F238E27FC236}">
-                <a16:creationId xmlns:a16="http://schemas.microsoft.com/office/drawing/2014/main" xmlns="" id="{7732E1E7-45E3-4264-8F26-66758696DD1E}"/>
+                <a16:creationId xmlns="" xmlns:a16="http://schemas.microsoft.com/office/drawing/2014/main" id="{7732E1E7-45E3-4264-8F26-66758696DD1E}"/>
               </a:ext>
             </a:extLst>
           </p:cNvPr>
@@ -20408,7 +20283,7 @@
             <p:cNvPr id="16" name="Freeform: Shape 15">
               <a:extLst>
                 <a:ext uri="{FF2B5EF4-FFF2-40B4-BE49-F238E27FC236}">
-                  <a16:creationId xmlns:a16="http://schemas.microsoft.com/office/drawing/2014/main" xmlns="" id="{2E3DF883-8093-49FA-81E1-E5D77F086A25}"/>
+                  <a16:creationId xmlns="" xmlns:a16="http://schemas.microsoft.com/office/drawing/2014/main" id="{2E3DF883-8093-49FA-81E1-E5D77F086A25}"/>
                 </a:ext>
               </a:extLst>
             </p:cNvPr>
@@ -20498,7 +20373,7 @@
             <p:cNvPr id="17" name="Freeform: Shape 16">
               <a:extLst>
                 <a:ext uri="{FF2B5EF4-FFF2-40B4-BE49-F238E27FC236}">
-                  <a16:creationId xmlns:a16="http://schemas.microsoft.com/office/drawing/2014/main" xmlns="" id="{18944C90-37E5-4BBE-89FF-060627168050}"/>
+                  <a16:creationId xmlns="" xmlns:a16="http://schemas.microsoft.com/office/drawing/2014/main" id="{18944C90-37E5-4BBE-89FF-060627168050}"/>
                 </a:ext>
               </a:extLst>
             </p:cNvPr>
@@ -20597,7 +20472,7 @@
           <p:cNvPr id="6" name="Group 5">
             <a:extLst>
               <a:ext uri="{FF2B5EF4-FFF2-40B4-BE49-F238E27FC236}">
-                <a16:creationId xmlns:a16="http://schemas.microsoft.com/office/drawing/2014/main" xmlns="" id="{D9EBF8BB-A805-4DDB-B459-082F99815B95}"/>
+                <a16:creationId xmlns="" xmlns:a16="http://schemas.microsoft.com/office/drawing/2014/main" id="{D9EBF8BB-A805-4DDB-B459-082F99815B95}"/>
               </a:ext>
             </a:extLst>
           </p:cNvPr>
@@ -20617,7 +20492,7 @@
             <p:cNvPr id="19" name="Rectangle: Single Corner Snipped 18">
               <a:extLst>
                 <a:ext uri="{FF2B5EF4-FFF2-40B4-BE49-F238E27FC236}">
-                  <a16:creationId xmlns:a16="http://schemas.microsoft.com/office/drawing/2014/main" xmlns="" id="{5D638788-DD47-45E7-939A-FA108A818173}"/>
+                  <a16:creationId xmlns="" xmlns:a16="http://schemas.microsoft.com/office/drawing/2014/main" id="{5D638788-DD47-45E7-939A-FA108A818173}"/>
                 </a:ext>
               </a:extLst>
             </p:cNvPr>
@@ -20683,7 +20558,7 @@
             <p:cNvPr id="3" name="Rectangle: Single Corner Snipped 2">
               <a:extLst>
                 <a:ext uri="{FF2B5EF4-FFF2-40B4-BE49-F238E27FC236}">
-                  <a16:creationId xmlns:a16="http://schemas.microsoft.com/office/drawing/2014/main" xmlns="" id="{74BDECEF-EEFE-4332-B3B2-BDE4F82C10FC}"/>
+                  <a16:creationId xmlns="" xmlns:a16="http://schemas.microsoft.com/office/drawing/2014/main" id="{74BDECEF-EEFE-4332-B3B2-BDE4F82C10FC}"/>
                 </a:ext>
               </a:extLst>
             </p:cNvPr>
@@ -20740,7 +20615,7 @@
           <p:cNvPr id="24" name="Freeform: Shape 23">
             <a:extLst>
               <a:ext uri="{FF2B5EF4-FFF2-40B4-BE49-F238E27FC236}">
-                <a16:creationId xmlns:a16="http://schemas.microsoft.com/office/drawing/2014/main" xmlns="" id="{18103E00-7E4A-44CD-81AC-06433CAE1110}"/>
+                <a16:creationId xmlns="" xmlns:a16="http://schemas.microsoft.com/office/drawing/2014/main" id="{18103E00-7E4A-44CD-81AC-06433CAE1110}"/>
               </a:ext>
             </a:extLst>
           </p:cNvPr>
@@ -20835,7 +20710,7 @@
           <p:cNvPr id="5" name="Slide Number Placeholder 4">
             <a:extLst>
               <a:ext uri="{FF2B5EF4-FFF2-40B4-BE49-F238E27FC236}">
-                <a16:creationId xmlns:a16="http://schemas.microsoft.com/office/drawing/2014/main" xmlns="" id="{87B51822-97FF-47A7-8E4E-A0F79B4EB237}"/>
+                <a16:creationId xmlns="" xmlns:a16="http://schemas.microsoft.com/office/drawing/2014/main" id="{87B51822-97FF-47A7-8E4E-A0F79B4EB237}"/>
               </a:ext>
             </a:extLst>
           </p:cNvPr>
@@ -20879,7 +20754,7 @@
           <p:cNvPr id="7" name="Text Placeholder 6">
             <a:extLst>
               <a:ext uri="{FF2B5EF4-FFF2-40B4-BE49-F238E27FC236}">
-                <a16:creationId xmlns:a16="http://schemas.microsoft.com/office/drawing/2014/main" xmlns="" id="{7E0C167E-2626-40DB-AACF-D02543E29BB3}"/>
+                <a16:creationId xmlns="" xmlns:a16="http://schemas.microsoft.com/office/drawing/2014/main" id="{7E0C167E-2626-40DB-AACF-D02543E29BB3}"/>
               </a:ext>
             </a:extLst>
           </p:cNvPr>
@@ -20913,7 +20788,7 @@
           <a:p>
             <a:pPr lvl="0"/>
             <a:r>
-              <a:rPr lang="en-US" noProof="0" smtClean="0"/>
+              <a:rPr lang="en-US" noProof="0"/>
               <a:t>Click to edit Master text styles</a:t>
             </a:r>
           </a:p>
@@ -20929,14 +20804,6 @@
   <p:clrMapOvr>
     <a:masterClrMapping/>
   </p:clrMapOvr>
-  <mc:AlternateContent xmlns:mc="http://schemas.openxmlformats.org/markup-compatibility/2006" xmlns:p14="http://schemas.microsoft.com/office/powerpoint/2010/main">
-    <mc:Choice Requires="p14">
-      <p:transition p14:dur="0"/>
-    </mc:Choice>
-    <mc:Fallback xmlns="">
-      <p:transition/>
-    </mc:Fallback>
-  </mc:AlternateContent>
 </p:sldLayout>
 </file>
 
@@ -20970,7 +20837,7 @@
           <p:cNvPr id="11" name="Rectangle 10">
             <a:extLst>
               <a:ext uri="{FF2B5EF4-FFF2-40B4-BE49-F238E27FC236}">
-                <a16:creationId xmlns:a16="http://schemas.microsoft.com/office/drawing/2014/main" xmlns="" id="{EB3E033F-4449-40FA-BC85-BD2712D313DD}"/>
+                <a16:creationId xmlns="" xmlns:a16="http://schemas.microsoft.com/office/drawing/2014/main" id="{EB3E033F-4449-40FA-BC85-BD2712D313DD}"/>
               </a:ext>
             </a:extLst>
           </p:cNvPr>
@@ -21024,7 +20891,7 @@
           <p:cNvPr id="10" name="Freeform: Shape 9">
             <a:extLst>
               <a:ext uri="{FF2B5EF4-FFF2-40B4-BE49-F238E27FC236}">
-                <a16:creationId xmlns:a16="http://schemas.microsoft.com/office/drawing/2014/main" xmlns="" id="{63D26743-0505-444C-80B3-E88EE87DF72B}"/>
+                <a16:creationId xmlns="" xmlns:a16="http://schemas.microsoft.com/office/drawing/2014/main" id="{63D26743-0505-444C-80B3-E88EE87DF72B}"/>
               </a:ext>
             </a:extLst>
           </p:cNvPr>
@@ -21147,7 +21014,7 @@
           <p:cNvPr id="18" name="Freeform: Shape 17">
             <a:extLst>
               <a:ext uri="{FF2B5EF4-FFF2-40B4-BE49-F238E27FC236}">
-                <a16:creationId xmlns:a16="http://schemas.microsoft.com/office/drawing/2014/main" xmlns="" id="{E37145E9-AC61-47D5-9288-8789940F81B6}"/>
+                <a16:creationId xmlns="" xmlns:a16="http://schemas.microsoft.com/office/drawing/2014/main" id="{E37145E9-AC61-47D5-9288-8789940F81B6}"/>
               </a:ext>
             </a:extLst>
           </p:cNvPr>
@@ -21299,7 +21166,7 @@
           <p:cNvPr id="12" name="Freeform: Shape 11">
             <a:extLst>
               <a:ext uri="{FF2B5EF4-FFF2-40B4-BE49-F238E27FC236}">
-                <a16:creationId xmlns:a16="http://schemas.microsoft.com/office/drawing/2014/main" xmlns="" id="{A5E2B3ED-9A49-40A7-B8A3-62595FE513F9}"/>
+                <a16:creationId xmlns="" xmlns:a16="http://schemas.microsoft.com/office/drawing/2014/main" id="{A5E2B3ED-9A49-40A7-B8A3-62595FE513F9}"/>
               </a:ext>
             </a:extLst>
           </p:cNvPr>
@@ -21449,7 +21316,7 @@
           <p:cNvPr id="8" name="Freeform: Shape 7">
             <a:extLst>
               <a:ext uri="{FF2B5EF4-FFF2-40B4-BE49-F238E27FC236}">
-                <a16:creationId xmlns:a16="http://schemas.microsoft.com/office/drawing/2014/main" xmlns="" id="{1599AF7E-3E34-4597-AA72-9373A7FDB020}"/>
+                <a16:creationId xmlns="" xmlns:a16="http://schemas.microsoft.com/office/drawing/2014/main" id="{1599AF7E-3E34-4597-AA72-9373A7FDB020}"/>
               </a:ext>
             </a:extLst>
           </p:cNvPr>
@@ -21595,7 +21462,7 @@
           <p:cNvPr id="2" name="Title 1">
             <a:extLst>
               <a:ext uri="{FF2B5EF4-FFF2-40B4-BE49-F238E27FC236}">
-                <a16:creationId xmlns:a16="http://schemas.microsoft.com/office/drawing/2014/main" xmlns="" id="{4A2DF563-7FAC-46B3-B24C-7E45CD89DA2B}"/>
+                <a16:creationId xmlns="" xmlns:a16="http://schemas.microsoft.com/office/drawing/2014/main" id="{4A2DF563-7FAC-46B3-B24C-7E45CD89DA2B}"/>
               </a:ext>
             </a:extLst>
           </p:cNvPr>
@@ -21629,10 +21496,9 @@
           <a:p>
             <a:pPr lvl="0"/>
             <a:r>
-              <a:rPr lang="en-US" noProof="0" smtClean="0"/>
+              <a:rPr lang="en-US" noProof="0"/>
               <a:t>Click to edit Master title style</a:t>
             </a:r>
-            <a:endParaRPr lang="en-US" noProof="0"/>
           </a:p>
         </p:txBody>
       </p:sp>
@@ -21641,7 +21507,7 @@
           <p:cNvPr id="15" name="Group 14">
             <a:extLst>
               <a:ext uri="{FF2B5EF4-FFF2-40B4-BE49-F238E27FC236}">
-                <a16:creationId xmlns:a16="http://schemas.microsoft.com/office/drawing/2014/main" xmlns="" id="{7732E1E7-45E3-4264-8F26-66758696DD1E}"/>
+                <a16:creationId xmlns="" xmlns:a16="http://schemas.microsoft.com/office/drawing/2014/main" id="{7732E1E7-45E3-4264-8F26-66758696DD1E}"/>
               </a:ext>
             </a:extLst>
           </p:cNvPr>
@@ -21661,7 +21527,7 @@
             <p:cNvPr id="16" name="Freeform: Shape 15">
               <a:extLst>
                 <a:ext uri="{FF2B5EF4-FFF2-40B4-BE49-F238E27FC236}">
-                  <a16:creationId xmlns:a16="http://schemas.microsoft.com/office/drawing/2014/main" xmlns="" id="{2E3DF883-8093-49FA-81E1-E5D77F086A25}"/>
+                  <a16:creationId xmlns="" xmlns:a16="http://schemas.microsoft.com/office/drawing/2014/main" id="{2E3DF883-8093-49FA-81E1-E5D77F086A25}"/>
                 </a:ext>
               </a:extLst>
             </p:cNvPr>
@@ -21751,7 +21617,7 @@
             <p:cNvPr id="17" name="Freeform: Shape 16">
               <a:extLst>
                 <a:ext uri="{FF2B5EF4-FFF2-40B4-BE49-F238E27FC236}">
-                  <a16:creationId xmlns:a16="http://schemas.microsoft.com/office/drawing/2014/main" xmlns="" id="{18944C90-37E5-4BBE-89FF-060627168050}"/>
+                  <a16:creationId xmlns="" xmlns:a16="http://schemas.microsoft.com/office/drawing/2014/main" id="{18944C90-37E5-4BBE-89FF-060627168050}"/>
                 </a:ext>
               </a:extLst>
             </p:cNvPr>
@@ -21850,7 +21716,7 @@
           <p:cNvPr id="6" name="Group 5">
             <a:extLst>
               <a:ext uri="{FF2B5EF4-FFF2-40B4-BE49-F238E27FC236}">
-                <a16:creationId xmlns:a16="http://schemas.microsoft.com/office/drawing/2014/main" xmlns="" id="{D9EBF8BB-A805-4DDB-B459-082F99815B95}"/>
+                <a16:creationId xmlns="" xmlns:a16="http://schemas.microsoft.com/office/drawing/2014/main" id="{D9EBF8BB-A805-4DDB-B459-082F99815B95}"/>
               </a:ext>
             </a:extLst>
           </p:cNvPr>
@@ -21870,7 +21736,7 @@
             <p:cNvPr id="19" name="Rectangle: Single Corner Snipped 18">
               <a:extLst>
                 <a:ext uri="{FF2B5EF4-FFF2-40B4-BE49-F238E27FC236}">
-                  <a16:creationId xmlns:a16="http://schemas.microsoft.com/office/drawing/2014/main" xmlns="" id="{5D638788-DD47-45E7-939A-FA108A818173}"/>
+                  <a16:creationId xmlns="" xmlns:a16="http://schemas.microsoft.com/office/drawing/2014/main" id="{5D638788-DD47-45E7-939A-FA108A818173}"/>
                 </a:ext>
               </a:extLst>
             </p:cNvPr>
@@ -21936,7 +21802,7 @@
             <p:cNvPr id="3" name="Rectangle: Single Corner Snipped 2">
               <a:extLst>
                 <a:ext uri="{FF2B5EF4-FFF2-40B4-BE49-F238E27FC236}">
-                  <a16:creationId xmlns:a16="http://schemas.microsoft.com/office/drawing/2014/main" xmlns="" id="{74BDECEF-EEFE-4332-B3B2-BDE4F82C10FC}"/>
+                  <a16:creationId xmlns="" xmlns:a16="http://schemas.microsoft.com/office/drawing/2014/main" id="{74BDECEF-EEFE-4332-B3B2-BDE4F82C10FC}"/>
                 </a:ext>
               </a:extLst>
             </p:cNvPr>
@@ -21993,7 +21859,7 @@
           <p:cNvPr id="24" name="Freeform: Shape 23">
             <a:extLst>
               <a:ext uri="{FF2B5EF4-FFF2-40B4-BE49-F238E27FC236}">
-                <a16:creationId xmlns:a16="http://schemas.microsoft.com/office/drawing/2014/main" xmlns="" id="{18103E00-7E4A-44CD-81AC-06433CAE1110}"/>
+                <a16:creationId xmlns="" xmlns:a16="http://schemas.microsoft.com/office/drawing/2014/main" id="{18103E00-7E4A-44CD-81AC-06433CAE1110}"/>
               </a:ext>
             </a:extLst>
           </p:cNvPr>
@@ -22088,7 +21954,7 @@
           <p:cNvPr id="5" name="Slide Number Placeholder 4">
             <a:extLst>
               <a:ext uri="{FF2B5EF4-FFF2-40B4-BE49-F238E27FC236}">
-                <a16:creationId xmlns:a16="http://schemas.microsoft.com/office/drawing/2014/main" xmlns="" id="{87B51822-97FF-47A7-8E4E-A0F79B4EB237}"/>
+                <a16:creationId xmlns="" xmlns:a16="http://schemas.microsoft.com/office/drawing/2014/main" id="{87B51822-97FF-47A7-8E4E-A0F79B4EB237}"/>
               </a:ext>
             </a:extLst>
           </p:cNvPr>
@@ -22132,7 +21998,7 @@
           <p:cNvPr id="20" name="Content Placeholder 2">
             <a:extLst>
               <a:ext uri="{FF2B5EF4-FFF2-40B4-BE49-F238E27FC236}">
-                <a16:creationId xmlns:a16="http://schemas.microsoft.com/office/drawing/2014/main" xmlns="" id="{0103A49C-32FF-49E6-86F3-FC2E19517BD5}"/>
+                <a16:creationId xmlns="" xmlns:a16="http://schemas.microsoft.com/office/drawing/2014/main" id="{0103A49C-32FF-49E6-86F3-FC2E19517BD5}"/>
               </a:ext>
             </a:extLst>
           </p:cNvPr>
@@ -22191,38 +22057,37 @@
           <a:p>
             <a:pPr lvl="0"/>
             <a:r>
-              <a:rPr lang="en-US" noProof="0" smtClean="0"/>
+              <a:rPr lang="en-US" noProof="0"/>
               <a:t>Click to edit Master text styles</a:t>
             </a:r>
           </a:p>
           <a:p>
             <a:pPr lvl="1"/>
             <a:r>
-              <a:rPr lang="en-US" noProof="0" smtClean="0"/>
+              <a:rPr lang="en-US" noProof="0"/>
               <a:t>Second level</a:t>
             </a:r>
           </a:p>
           <a:p>
             <a:pPr lvl="2"/>
             <a:r>
-              <a:rPr lang="en-US" noProof="0" smtClean="0"/>
+              <a:rPr lang="en-US" noProof="0"/>
               <a:t>Third level</a:t>
             </a:r>
           </a:p>
           <a:p>
             <a:pPr lvl="3"/>
             <a:r>
-              <a:rPr lang="en-US" noProof="0" smtClean="0"/>
+              <a:rPr lang="en-US" noProof="0"/>
               <a:t>Fourth level</a:t>
             </a:r>
           </a:p>
           <a:p>
             <a:pPr lvl="4"/>
             <a:r>
-              <a:rPr lang="en-US" noProof="0" smtClean="0"/>
+              <a:rPr lang="en-US" noProof="0"/>
               <a:t>Fifth level</a:t>
             </a:r>
-            <a:endParaRPr lang="en-US" noProof="0"/>
           </a:p>
         </p:txBody>
       </p:sp>
@@ -22236,14 +22101,6 @@
   <p:clrMapOvr>
     <a:masterClrMapping/>
   </p:clrMapOvr>
-  <mc:AlternateContent xmlns:mc="http://schemas.openxmlformats.org/markup-compatibility/2006" xmlns:p14="http://schemas.microsoft.com/office/powerpoint/2010/main">
-    <mc:Choice Requires="p14">
-      <p:transition p14:dur="0"/>
-    </mc:Choice>
-    <mc:Fallback xmlns="">
-      <p:transition/>
-    </mc:Fallback>
-  </mc:AlternateContent>
 </p:sldLayout>
 </file>
 
@@ -22277,7 +22134,7 @@
           <p:cNvPr id="11" name="Rectangle 10">
             <a:extLst>
               <a:ext uri="{FF2B5EF4-FFF2-40B4-BE49-F238E27FC236}">
-                <a16:creationId xmlns:a16="http://schemas.microsoft.com/office/drawing/2014/main" xmlns="" id="{EB3E033F-4449-40FA-BC85-BD2712D313DD}"/>
+                <a16:creationId xmlns="" xmlns:a16="http://schemas.microsoft.com/office/drawing/2014/main" id="{EB3E033F-4449-40FA-BC85-BD2712D313DD}"/>
               </a:ext>
             </a:extLst>
           </p:cNvPr>
@@ -22331,7 +22188,7 @@
           <p:cNvPr id="10" name="Freeform: Shape 9">
             <a:extLst>
               <a:ext uri="{FF2B5EF4-FFF2-40B4-BE49-F238E27FC236}">
-                <a16:creationId xmlns:a16="http://schemas.microsoft.com/office/drawing/2014/main" xmlns="" id="{63D26743-0505-444C-80B3-E88EE87DF72B}"/>
+                <a16:creationId xmlns="" xmlns:a16="http://schemas.microsoft.com/office/drawing/2014/main" id="{63D26743-0505-444C-80B3-E88EE87DF72B}"/>
               </a:ext>
             </a:extLst>
           </p:cNvPr>
@@ -22454,7 +22311,7 @@
           <p:cNvPr id="18" name="Freeform: Shape 17">
             <a:extLst>
               <a:ext uri="{FF2B5EF4-FFF2-40B4-BE49-F238E27FC236}">
-                <a16:creationId xmlns:a16="http://schemas.microsoft.com/office/drawing/2014/main" xmlns="" id="{E37145E9-AC61-47D5-9288-8789940F81B6}"/>
+                <a16:creationId xmlns="" xmlns:a16="http://schemas.microsoft.com/office/drawing/2014/main" id="{E37145E9-AC61-47D5-9288-8789940F81B6}"/>
               </a:ext>
             </a:extLst>
           </p:cNvPr>
@@ -22606,7 +22463,7 @@
           <p:cNvPr id="12" name="Freeform: Shape 11">
             <a:extLst>
               <a:ext uri="{FF2B5EF4-FFF2-40B4-BE49-F238E27FC236}">
-                <a16:creationId xmlns:a16="http://schemas.microsoft.com/office/drawing/2014/main" xmlns="" id="{A5E2B3ED-9A49-40A7-B8A3-62595FE513F9}"/>
+                <a16:creationId xmlns="" xmlns:a16="http://schemas.microsoft.com/office/drawing/2014/main" id="{A5E2B3ED-9A49-40A7-B8A3-62595FE513F9}"/>
               </a:ext>
             </a:extLst>
           </p:cNvPr>
@@ -22756,7 +22613,7 @@
           <p:cNvPr id="8" name="Freeform: Shape 7">
             <a:extLst>
               <a:ext uri="{FF2B5EF4-FFF2-40B4-BE49-F238E27FC236}">
-                <a16:creationId xmlns:a16="http://schemas.microsoft.com/office/drawing/2014/main" xmlns="" id="{1599AF7E-3E34-4597-AA72-9373A7FDB020}"/>
+                <a16:creationId xmlns="" xmlns:a16="http://schemas.microsoft.com/office/drawing/2014/main" id="{1599AF7E-3E34-4597-AA72-9373A7FDB020}"/>
               </a:ext>
             </a:extLst>
           </p:cNvPr>
@@ -22902,7 +22759,7 @@
           <p:cNvPr id="2" name="Title 1">
             <a:extLst>
               <a:ext uri="{FF2B5EF4-FFF2-40B4-BE49-F238E27FC236}">
-                <a16:creationId xmlns:a16="http://schemas.microsoft.com/office/drawing/2014/main" xmlns="" id="{4A2DF563-7FAC-46B3-B24C-7E45CD89DA2B}"/>
+                <a16:creationId xmlns="" xmlns:a16="http://schemas.microsoft.com/office/drawing/2014/main" id="{4A2DF563-7FAC-46B3-B24C-7E45CD89DA2B}"/>
               </a:ext>
             </a:extLst>
           </p:cNvPr>
@@ -22936,10 +22793,9 @@
           <a:p>
             <a:pPr lvl="0"/>
             <a:r>
-              <a:rPr lang="en-US" noProof="0" smtClean="0"/>
+              <a:rPr lang="en-US" noProof="0"/>
               <a:t>Click to edit Master title style</a:t>
             </a:r>
-            <a:endParaRPr lang="en-US" noProof="0"/>
           </a:p>
         </p:txBody>
       </p:sp>
@@ -22948,7 +22804,7 @@
           <p:cNvPr id="15" name="Group 14">
             <a:extLst>
               <a:ext uri="{FF2B5EF4-FFF2-40B4-BE49-F238E27FC236}">
-                <a16:creationId xmlns:a16="http://schemas.microsoft.com/office/drawing/2014/main" xmlns="" id="{7732E1E7-45E3-4264-8F26-66758696DD1E}"/>
+                <a16:creationId xmlns="" xmlns:a16="http://schemas.microsoft.com/office/drawing/2014/main" id="{7732E1E7-45E3-4264-8F26-66758696DD1E}"/>
               </a:ext>
             </a:extLst>
           </p:cNvPr>
@@ -22968,7 +22824,7 @@
             <p:cNvPr id="16" name="Freeform: Shape 15">
               <a:extLst>
                 <a:ext uri="{FF2B5EF4-FFF2-40B4-BE49-F238E27FC236}">
-                  <a16:creationId xmlns:a16="http://schemas.microsoft.com/office/drawing/2014/main" xmlns="" id="{2E3DF883-8093-49FA-81E1-E5D77F086A25}"/>
+                  <a16:creationId xmlns="" xmlns:a16="http://schemas.microsoft.com/office/drawing/2014/main" id="{2E3DF883-8093-49FA-81E1-E5D77F086A25}"/>
                 </a:ext>
               </a:extLst>
             </p:cNvPr>
@@ -23058,7 +22914,7 @@
             <p:cNvPr id="17" name="Freeform: Shape 16">
               <a:extLst>
                 <a:ext uri="{FF2B5EF4-FFF2-40B4-BE49-F238E27FC236}">
-                  <a16:creationId xmlns:a16="http://schemas.microsoft.com/office/drawing/2014/main" xmlns="" id="{18944C90-37E5-4BBE-89FF-060627168050}"/>
+                  <a16:creationId xmlns="" xmlns:a16="http://schemas.microsoft.com/office/drawing/2014/main" id="{18944C90-37E5-4BBE-89FF-060627168050}"/>
                 </a:ext>
               </a:extLst>
             </p:cNvPr>
@@ -23157,7 +23013,7 @@
           <p:cNvPr id="6" name="Group 5">
             <a:extLst>
               <a:ext uri="{FF2B5EF4-FFF2-40B4-BE49-F238E27FC236}">
-                <a16:creationId xmlns:a16="http://schemas.microsoft.com/office/drawing/2014/main" xmlns="" id="{D9EBF8BB-A805-4DDB-B459-082F99815B95}"/>
+                <a16:creationId xmlns="" xmlns:a16="http://schemas.microsoft.com/office/drawing/2014/main" id="{D9EBF8BB-A805-4DDB-B459-082F99815B95}"/>
               </a:ext>
             </a:extLst>
           </p:cNvPr>
@@ -23177,7 +23033,7 @@
             <p:cNvPr id="19" name="Rectangle: Single Corner Snipped 18">
               <a:extLst>
                 <a:ext uri="{FF2B5EF4-FFF2-40B4-BE49-F238E27FC236}">
-                  <a16:creationId xmlns:a16="http://schemas.microsoft.com/office/drawing/2014/main" xmlns="" id="{5D638788-DD47-45E7-939A-FA108A818173}"/>
+                  <a16:creationId xmlns="" xmlns:a16="http://schemas.microsoft.com/office/drawing/2014/main" id="{5D638788-DD47-45E7-939A-FA108A818173}"/>
                 </a:ext>
               </a:extLst>
             </p:cNvPr>
@@ -23243,7 +23099,7 @@
             <p:cNvPr id="3" name="Rectangle: Single Corner Snipped 2">
               <a:extLst>
                 <a:ext uri="{FF2B5EF4-FFF2-40B4-BE49-F238E27FC236}">
-                  <a16:creationId xmlns:a16="http://schemas.microsoft.com/office/drawing/2014/main" xmlns="" id="{74BDECEF-EEFE-4332-B3B2-BDE4F82C10FC}"/>
+                  <a16:creationId xmlns="" xmlns:a16="http://schemas.microsoft.com/office/drawing/2014/main" id="{74BDECEF-EEFE-4332-B3B2-BDE4F82C10FC}"/>
                 </a:ext>
               </a:extLst>
             </p:cNvPr>
@@ -23300,7 +23156,7 @@
           <p:cNvPr id="24" name="Freeform: Shape 23">
             <a:extLst>
               <a:ext uri="{FF2B5EF4-FFF2-40B4-BE49-F238E27FC236}">
-                <a16:creationId xmlns:a16="http://schemas.microsoft.com/office/drawing/2014/main" xmlns="" id="{18103E00-7E4A-44CD-81AC-06433CAE1110}"/>
+                <a16:creationId xmlns="" xmlns:a16="http://schemas.microsoft.com/office/drawing/2014/main" id="{18103E00-7E4A-44CD-81AC-06433CAE1110}"/>
               </a:ext>
             </a:extLst>
           </p:cNvPr>
@@ -23395,7 +23251,7 @@
           <p:cNvPr id="5" name="Slide Number Placeholder 4">
             <a:extLst>
               <a:ext uri="{FF2B5EF4-FFF2-40B4-BE49-F238E27FC236}">
-                <a16:creationId xmlns:a16="http://schemas.microsoft.com/office/drawing/2014/main" xmlns="" id="{87B51822-97FF-47A7-8E4E-A0F79B4EB237}"/>
+                <a16:creationId xmlns="" xmlns:a16="http://schemas.microsoft.com/office/drawing/2014/main" id="{87B51822-97FF-47A7-8E4E-A0F79B4EB237}"/>
               </a:ext>
             </a:extLst>
           </p:cNvPr>
@@ -23439,7 +23295,7 @@
           <p:cNvPr id="25" name="Text Placeholder 2">
             <a:extLst>
               <a:ext uri="{FF2B5EF4-FFF2-40B4-BE49-F238E27FC236}">
-                <a16:creationId xmlns:a16="http://schemas.microsoft.com/office/drawing/2014/main" xmlns="" id="{7FA80A70-18DE-4DB9-9982-BA75BE54CF93}"/>
+                <a16:creationId xmlns="" xmlns:a16="http://schemas.microsoft.com/office/drawing/2014/main" id="{7FA80A70-18DE-4DB9-9982-BA75BE54CF93}"/>
               </a:ext>
             </a:extLst>
           </p:cNvPr>
@@ -23506,7 +23362,7 @@
           <a:p>
             <a:pPr lvl="0"/>
             <a:r>
-              <a:rPr lang="en-US" noProof="0" smtClean="0"/>
+              <a:rPr lang="en-US" noProof="0"/>
               <a:t>Click to edit Master text styles</a:t>
             </a:r>
           </a:p>
@@ -23517,7 +23373,7 @@
           <p:cNvPr id="26" name="Text Placeholder 4">
             <a:extLst>
               <a:ext uri="{FF2B5EF4-FFF2-40B4-BE49-F238E27FC236}">
-                <a16:creationId xmlns:a16="http://schemas.microsoft.com/office/drawing/2014/main" xmlns="" id="{2801C0EF-C078-44B0-AD01-4850E9A65EE0}"/>
+                <a16:creationId xmlns="" xmlns:a16="http://schemas.microsoft.com/office/drawing/2014/main" id="{2801C0EF-C078-44B0-AD01-4850E9A65EE0}"/>
               </a:ext>
             </a:extLst>
           </p:cNvPr>
@@ -23584,7 +23440,7 @@
           <a:p>
             <a:pPr lvl="0"/>
             <a:r>
-              <a:rPr lang="en-US" noProof="0" smtClean="0"/>
+              <a:rPr lang="en-US" noProof="0"/>
               <a:t>Click to edit Master text styles</a:t>
             </a:r>
           </a:p>
@@ -23595,7 +23451,7 @@
           <p:cNvPr id="27" name="Content Placeholder 3">
             <a:extLst>
               <a:ext uri="{FF2B5EF4-FFF2-40B4-BE49-F238E27FC236}">
-                <a16:creationId xmlns:a16="http://schemas.microsoft.com/office/drawing/2014/main" xmlns="" id="{7C9DED91-45F6-4308-A085-1EFACA6468CF}"/>
+                <a16:creationId xmlns="" xmlns:a16="http://schemas.microsoft.com/office/drawing/2014/main" id="{7C9DED91-45F6-4308-A085-1EFACA6468CF}"/>
               </a:ext>
             </a:extLst>
           </p:cNvPr>
@@ -23656,38 +23512,37 @@
           <a:p>
             <a:pPr lvl="0"/>
             <a:r>
-              <a:rPr lang="en-US" noProof="0" smtClean="0"/>
+              <a:rPr lang="en-US" noProof="0"/>
               <a:t>Click to edit Master text styles</a:t>
             </a:r>
           </a:p>
           <a:p>
             <a:pPr lvl="1"/>
             <a:r>
-              <a:rPr lang="en-US" noProof="0" smtClean="0"/>
+              <a:rPr lang="en-US" noProof="0"/>
               <a:t>Second level</a:t>
             </a:r>
           </a:p>
           <a:p>
             <a:pPr lvl="2"/>
             <a:r>
-              <a:rPr lang="en-US" noProof="0" smtClean="0"/>
+              <a:rPr lang="en-US" noProof="0"/>
               <a:t>Third level</a:t>
             </a:r>
           </a:p>
           <a:p>
             <a:pPr lvl="3"/>
             <a:r>
-              <a:rPr lang="en-US" noProof="0" smtClean="0"/>
+              <a:rPr lang="en-US" noProof="0"/>
               <a:t>Fourth level</a:t>
             </a:r>
           </a:p>
           <a:p>
             <a:pPr lvl="4"/>
             <a:r>
-              <a:rPr lang="en-US" noProof="0" smtClean="0"/>
+              <a:rPr lang="en-US" noProof="0"/>
               <a:t>Fifth level</a:t>
             </a:r>
-            <a:endParaRPr lang="en-US" noProof="0"/>
           </a:p>
         </p:txBody>
       </p:sp>
@@ -23696,7 +23551,7 @@
           <p:cNvPr id="28" name="Content Placeholder 5">
             <a:extLst>
               <a:ext uri="{FF2B5EF4-FFF2-40B4-BE49-F238E27FC236}">
-                <a16:creationId xmlns:a16="http://schemas.microsoft.com/office/drawing/2014/main" xmlns="" id="{0574B5E7-B666-439B-9278-67BE1EA6EBC5}"/>
+                <a16:creationId xmlns="" xmlns:a16="http://schemas.microsoft.com/office/drawing/2014/main" id="{0574B5E7-B666-439B-9278-67BE1EA6EBC5}"/>
               </a:ext>
             </a:extLst>
           </p:cNvPr>
@@ -23757,38 +23612,37 @@
           <a:p>
             <a:pPr lvl="0"/>
             <a:r>
-              <a:rPr lang="en-US" noProof="0" smtClean="0"/>
+              <a:rPr lang="en-US" noProof="0"/>
               <a:t>Click to edit Master text styles</a:t>
             </a:r>
           </a:p>
           <a:p>
             <a:pPr lvl="1"/>
             <a:r>
-              <a:rPr lang="en-US" noProof="0" smtClean="0"/>
+              <a:rPr lang="en-US" noProof="0"/>
               <a:t>Second level</a:t>
             </a:r>
           </a:p>
           <a:p>
             <a:pPr lvl="2"/>
             <a:r>
-              <a:rPr lang="en-US" noProof="0" smtClean="0"/>
+              <a:rPr lang="en-US" noProof="0"/>
               <a:t>Third level</a:t>
             </a:r>
           </a:p>
           <a:p>
             <a:pPr lvl="3"/>
             <a:r>
-              <a:rPr lang="en-US" noProof="0" smtClean="0"/>
+              <a:rPr lang="en-US" noProof="0"/>
               <a:t>Fourth level</a:t>
             </a:r>
           </a:p>
           <a:p>
             <a:pPr lvl="4"/>
             <a:r>
-              <a:rPr lang="en-US" noProof="0" smtClean="0"/>
+              <a:rPr lang="en-US" noProof="0"/>
               <a:t>Fifth level</a:t>
             </a:r>
-            <a:endParaRPr lang="en-US" noProof="0"/>
           </a:p>
         </p:txBody>
       </p:sp>
@@ -23802,14 +23656,6 @@
   <p:clrMapOvr>
     <a:masterClrMapping/>
   </p:clrMapOvr>
-  <mc:AlternateContent xmlns:mc="http://schemas.openxmlformats.org/markup-compatibility/2006" xmlns:p14="http://schemas.microsoft.com/office/powerpoint/2010/main">
-    <mc:Choice Requires="p14">
-      <p:transition p14:dur="0"/>
-    </mc:Choice>
-    <mc:Fallback xmlns="">
-      <p:transition/>
-    </mc:Fallback>
-  </mc:AlternateContent>
 </p:sldLayout>
 </file>
 
@@ -23840,7 +23686,7 @@
           <p:cNvPr id="2" name="Title Placeholder 1">
             <a:extLst>
               <a:ext uri="{FF2B5EF4-FFF2-40B4-BE49-F238E27FC236}">
-                <a16:creationId xmlns:a16="http://schemas.microsoft.com/office/drawing/2014/main" xmlns="" id="{761B0E15-6FC5-434E-8780-B186D9DB0CD0}"/>
+                <a16:creationId xmlns="" xmlns:a16="http://schemas.microsoft.com/office/drawing/2014/main" id="{761B0E15-6FC5-434E-8780-B186D9DB0CD0}"/>
               </a:ext>
             </a:extLst>
           </p:cNvPr>
@@ -23867,10 +23713,9 @@
           <a:lstStyle/>
           <a:p>
             <a:r>
-              <a:rPr lang="en-US" noProof="0" smtClean="0"/>
+              <a:rPr lang="en-US" noProof="0"/>
               <a:t>Click to edit Master title style</a:t>
             </a:r>
-            <a:endParaRPr lang="en-US" noProof="0"/>
           </a:p>
         </p:txBody>
       </p:sp>
@@ -23879,7 +23724,7 @@
           <p:cNvPr id="3" name="Text Placeholder 2">
             <a:extLst>
               <a:ext uri="{FF2B5EF4-FFF2-40B4-BE49-F238E27FC236}">
-                <a16:creationId xmlns:a16="http://schemas.microsoft.com/office/drawing/2014/main" xmlns="" id="{A9C7B128-34F3-405C-B601-8BAFDB43499C}"/>
+                <a16:creationId xmlns="" xmlns:a16="http://schemas.microsoft.com/office/drawing/2014/main" id="{A9C7B128-34F3-405C-B601-8BAFDB43499C}"/>
               </a:ext>
             </a:extLst>
           </p:cNvPr>
@@ -23907,38 +23752,37 @@
           <a:p>
             <a:pPr lvl="0"/>
             <a:r>
-              <a:rPr lang="en-US" noProof="0" smtClean="0"/>
+              <a:rPr lang="en-US" noProof="0"/>
               <a:t>Click to edit Master text styles</a:t>
             </a:r>
           </a:p>
           <a:p>
             <a:pPr lvl="1"/>
             <a:r>
-              <a:rPr lang="en-US" noProof="0" smtClean="0"/>
+              <a:rPr lang="en-US" noProof="0"/>
               <a:t>Second level</a:t>
             </a:r>
           </a:p>
           <a:p>
             <a:pPr lvl="2"/>
             <a:r>
-              <a:rPr lang="en-US" noProof="0" smtClean="0"/>
+              <a:rPr lang="en-US" noProof="0"/>
               <a:t>Third level</a:t>
             </a:r>
           </a:p>
           <a:p>
             <a:pPr lvl="3"/>
             <a:r>
-              <a:rPr lang="en-US" noProof="0" smtClean="0"/>
+              <a:rPr lang="en-US" noProof="0"/>
               <a:t>Fourth level</a:t>
             </a:r>
           </a:p>
           <a:p>
             <a:pPr lvl="4"/>
             <a:r>
-              <a:rPr lang="en-US" noProof="0" smtClean="0"/>
+              <a:rPr lang="en-US" noProof="0"/>
               <a:t>Fifth level</a:t>
             </a:r>
-            <a:endParaRPr lang="en-US" noProof="0"/>
           </a:p>
         </p:txBody>
       </p:sp>
@@ -23947,7 +23791,7 @@
           <p:cNvPr id="6" name="Slide Number Placeholder 5">
             <a:extLst>
               <a:ext uri="{FF2B5EF4-FFF2-40B4-BE49-F238E27FC236}">
-                <a16:creationId xmlns:a16="http://schemas.microsoft.com/office/drawing/2014/main" xmlns="" id="{9F5A7754-E8C7-438B-922D-9027C6CF58E2}"/>
+                <a16:creationId xmlns="" xmlns:a16="http://schemas.microsoft.com/office/drawing/2014/main" id="{9F5A7754-E8C7-438B-922D-9027C6CF58E2}"/>
               </a:ext>
             </a:extLst>
           </p:cNvPr>
@@ -23994,7 +23838,7 @@
           <p:cNvPr id="5" name="Rectangle 4">
             <a:extLst>
               <a:ext uri="{FF2B5EF4-FFF2-40B4-BE49-F238E27FC236}">
-                <a16:creationId xmlns:a16="http://schemas.microsoft.com/office/drawing/2014/main" xmlns="" id="{7CDDDB7D-9189-9548-A2B9-81DC62C3C1A3}"/>
+                <a16:creationId xmlns="" xmlns:a16="http://schemas.microsoft.com/office/drawing/2014/main" id="{7CDDDB7D-9189-9548-A2B9-81DC62C3C1A3}"/>
               </a:ext>
             </a:extLst>
           </p:cNvPr>
@@ -24048,7 +23892,7 @@
           <p:cNvPr id="7" name="Freeform: Shape 9">
             <a:extLst>
               <a:ext uri="{FF2B5EF4-FFF2-40B4-BE49-F238E27FC236}">
-                <a16:creationId xmlns:a16="http://schemas.microsoft.com/office/drawing/2014/main" xmlns="" id="{096D8877-6B4A-4540-8927-767DD7401718}"/>
+                <a16:creationId xmlns="" xmlns:a16="http://schemas.microsoft.com/office/drawing/2014/main" id="{096D8877-6B4A-4540-8927-767DD7401718}"/>
               </a:ext>
             </a:extLst>
           </p:cNvPr>
@@ -24171,7 +24015,7 @@
           <p:cNvPr id="8" name="Freeform: Shape 17">
             <a:extLst>
               <a:ext uri="{FF2B5EF4-FFF2-40B4-BE49-F238E27FC236}">
-                <a16:creationId xmlns:a16="http://schemas.microsoft.com/office/drawing/2014/main" xmlns="" id="{5AF2E123-FE0F-8541-8E36-5030C450AA7E}"/>
+                <a16:creationId xmlns="" xmlns:a16="http://schemas.microsoft.com/office/drawing/2014/main" id="{5AF2E123-FE0F-8541-8E36-5030C450AA7E}"/>
               </a:ext>
             </a:extLst>
           </p:cNvPr>
@@ -24323,7 +24167,7 @@
           <p:cNvPr id="9" name="Freeform: Shape 11">
             <a:extLst>
               <a:ext uri="{FF2B5EF4-FFF2-40B4-BE49-F238E27FC236}">
-                <a16:creationId xmlns:a16="http://schemas.microsoft.com/office/drawing/2014/main" xmlns="" id="{E5519D99-3B68-924A-9CD0-14B911711CA8}"/>
+                <a16:creationId xmlns="" xmlns:a16="http://schemas.microsoft.com/office/drawing/2014/main" id="{E5519D99-3B68-924A-9CD0-14B911711CA8}"/>
               </a:ext>
             </a:extLst>
           </p:cNvPr>
@@ -24473,7 +24317,7 @@
           <p:cNvPr id="10" name="Freeform: Shape 7">
             <a:extLst>
               <a:ext uri="{FF2B5EF4-FFF2-40B4-BE49-F238E27FC236}">
-                <a16:creationId xmlns:a16="http://schemas.microsoft.com/office/drawing/2014/main" xmlns="" id="{A09E21A9-FBEF-144C-A152-FE484F3C55C1}"/>
+                <a16:creationId xmlns="" xmlns:a16="http://schemas.microsoft.com/office/drawing/2014/main" id="{A09E21A9-FBEF-144C-A152-FE484F3C55C1}"/>
               </a:ext>
             </a:extLst>
           </p:cNvPr>
@@ -24619,7 +24463,7 @@
           <p:cNvPr id="11" name="Title 1">
             <a:extLst>
               <a:ext uri="{FF2B5EF4-FFF2-40B4-BE49-F238E27FC236}">
-                <a16:creationId xmlns:a16="http://schemas.microsoft.com/office/drawing/2014/main" xmlns="" id="{70C7F2CB-A8CE-1545-A08D-93592C4BAEEA}"/>
+                <a16:creationId xmlns="" xmlns:a16="http://schemas.microsoft.com/office/drawing/2014/main" id="{70C7F2CB-A8CE-1545-A08D-93592C4BAEEA}"/>
               </a:ext>
             </a:extLst>
           </p:cNvPr>
@@ -24675,7 +24519,7 @@
           <p:cNvPr id="12" name="Group 11">
             <a:extLst>
               <a:ext uri="{FF2B5EF4-FFF2-40B4-BE49-F238E27FC236}">
-                <a16:creationId xmlns:a16="http://schemas.microsoft.com/office/drawing/2014/main" xmlns="" id="{7068FCE4-1B47-3C4B-B091-013120A97D09}"/>
+                <a16:creationId xmlns="" xmlns:a16="http://schemas.microsoft.com/office/drawing/2014/main" id="{7068FCE4-1B47-3C4B-B091-013120A97D09}"/>
               </a:ext>
             </a:extLst>
           </p:cNvPr>
@@ -24695,7 +24539,7 @@
             <p:cNvPr id="13" name="Freeform: Shape 15">
               <a:extLst>
                 <a:ext uri="{FF2B5EF4-FFF2-40B4-BE49-F238E27FC236}">
-                  <a16:creationId xmlns:a16="http://schemas.microsoft.com/office/drawing/2014/main" xmlns="" id="{FEC3FDE7-F27E-5E4E-8752-287CAB7792D4}"/>
+                  <a16:creationId xmlns="" xmlns:a16="http://schemas.microsoft.com/office/drawing/2014/main" id="{FEC3FDE7-F27E-5E4E-8752-287CAB7792D4}"/>
                 </a:ext>
               </a:extLst>
             </p:cNvPr>
@@ -24785,7 +24629,7 @@
             <p:cNvPr id="14" name="Freeform: Shape 16">
               <a:extLst>
                 <a:ext uri="{FF2B5EF4-FFF2-40B4-BE49-F238E27FC236}">
-                  <a16:creationId xmlns:a16="http://schemas.microsoft.com/office/drawing/2014/main" xmlns="" id="{81C902DB-0D21-5044-82B6-9E7A70A1BF62}"/>
+                  <a16:creationId xmlns="" xmlns:a16="http://schemas.microsoft.com/office/drawing/2014/main" id="{81C902DB-0D21-5044-82B6-9E7A70A1BF62}"/>
                 </a:ext>
               </a:extLst>
             </p:cNvPr>
@@ -24884,7 +24728,7 @@
           <p:cNvPr id="15" name="Group 14">
             <a:extLst>
               <a:ext uri="{FF2B5EF4-FFF2-40B4-BE49-F238E27FC236}">
-                <a16:creationId xmlns:a16="http://schemas.microsoft.com/office/drawing/2014/main" xmlns="" id="{BE1E08A0-195D-694F-947B-986A76FBB93E}"/>
+                <a16:creationId xmlns="" xmlns:a16="http://schemas.microsoft.com/office/drawing/2014/main" id="{BE1E08A0-195D-694F-947B-986A76FBB93E}"/>
               </a:ext>
             </a:extLst>
           </p:cNvPr>
@@ -24904,7 +24748,7 @@
             <p:cNvPr id="16" name="Rectangle: Single Corner Snipped 18">
               <a:extLst>
                 <a:ext uri="{FF2B5EF4-FFF2-40B4-BE49-F238E27FC236}">
-                  <a16:creationId xmlns:a16="http://schemas.microsoft.com/office/drawing/2014/main" xmlns="" id="{ED5DFFCD-1EE3-E64E-B51F-BD7D72413E0B}"/>
+                  <a16:creationId xmlns="" xmlns:a16="http://schemas.microsoft.com/office/drawing/2014/main" id="{ED5DFFCD-1EE3-E64E-B51F-BD7D72413E0B}"/>
                 </a:ext>
               </a:extLst>
             </p:cNvPr>
@@ -24970,7 +24814,7 @@
             <p:cNvPr id="17" name="Rectangle: Single Corner Snipped 2">
               <a:extLst>
                 <a:ext uri="{FF2B5EF4-FFF2-40B4-BE49-F238E27FC236}">
-                  <a16:creationId xmlns:a16="http://schemas.microsoft.com/office/drawing/2014/main" xmlns="" id="{C12DB3CA-8E64-AA43-BFBE-A2CA9A816DBE}"/>
+                  <a16:creationId xmlns="" xmlns:a16="http://schemas.microsoft.com/office/drawing/2014/main" id="{C12DB3CA-8E64-AA43-BFBE-A2CA9A816DBE}"/>
                 </a:ext>
               </a:extLst>
             </p:cNvPr>
@@ -25027,7 +24871,7 @@
           <p:cNvPr id="18" name="Freeform: Shape 23">
             <a:extLst>
               <a:ext uri="{FF2B5EF4-FFF2-40B4-BE49-F238E27FC236}">
-                <a16:creationId xmlns:a16="http://schemas.microsoft.com/office/drawing/2014/main" xmlns="" id="{A587DEFD-D470-4142-8E0D-A71DDB147C92}"/>
+                <a16:creationId xmlns="" xmlns:a16="http://schemas.microsoft.com/office/drawing/2014/main" id="{A587DEFD-D470-4142-8E0D-A71DDB147C92}"/>
               </a:ext>
             </a:extLst>
           </p:cNvPr>
@@ -25122,7 +24966,7 @@
           <p:cNvPr id="19" name="Slide Number Placeholder 4">
             <a:extLst>
               <a:ext uri="{FF2B5EF4-FFF2-40B4-BE49-F238E27FC236}">
-                <a16:creationId xmlns:a16="http://schemas.microsoft.com/office/drawing/2014/main" xmlns="" id="{7D9BF857-7910-734D-A217-5E3344220AA2}"/>
+                <a16:creationId xmlns="" xmlns:a16="http://schemas.microsoft.com/office/drawing/2014/main" id="{7D9BF857-7910-734D-A217-5E3344220AA2}"/>
               </a:ext>
             </a:extLst>
           </p:cNvPr>
@@ -25275,14 +25119,6 @@
     <p:sldLayoutId id="2147483667" r:id="rId17"/>
     <p:sldLayoutId id="2147483668" r:id="rId18"/>
   </p:sldLayoutIdLst>
-  <mc:AlternateContent xmlns:mc="http://schemas.openxmlformats.org/markup-compatibility/2006" xmlns:p14="http://schemas.microsoft.com/office/powerpoint/2010/main">
-    <mc:Choice Requires="p14">
-      <p:transition p14:dur="0"/>
-    </mc:Choice>
-    <mc:Fallback xmlns="">
-      <p:transition/>
-    </mc:Fallback>
-  </mc:AlternateContent>
   <p:hf hdr="0" ftr="0" dt="0"/>
   <p:txStyles>
     <p:titleStyle>
@@ -25579,7 +25415,7 @@
       </a:lvl9pPr>
     </p:otherStyle>
   </p:txStyles>
-  <p:extLst mod="1">
+  <p:extLst>
     <p:ext uri="{27BBF7A9-308A-43DC-89C8-2F10F3537804}">
       <p15:sldGuideLst xmlns:p15="http://schemas.microsoft.com/office/powerpoint/2012/main">
         <p15:guide id="1" orient="horz" pos="2160" userDrawn="1">
@@ -25648,7 +25484,7 @@
           <p:cNvPr id="2" name="Title 1">
             <a:extLst>
               <a:ext uri="{FF2B5EF4-FFF2-40B4-BE49-F238E27FC236}">
-                <a16:creationId xmlns:a16="http://schemas.microsoft.com/office/drawing/2014/main" xmlns="" id="{632BE5BF-9922-45FB-8F3F-4446D40A051B}"/>
+                <a16:creationId xmlns="" xmlns:a16="http://schemas.microsoft.com/office/drawing/2014/main" id="{632BE5BF-9922-45FB-8F3F-4446D40A051B}"/>
               </a:ext>
             </a:extLst>
           </p:cNvPr>
@@ -25690,7 +25526,7 @@
           <p:cNvPr id="3" name="Subtitle 2">
             <a:extLst>
               <a:ext uri="{FF2B5EF4-FFF2-40B4-BE49-F238E27FC236}">
-                <a16:creationId xmlns:a16="http://schemas.microsoft.com/office/drawing/2014/main" xmlns="" id="{0D537F64-4C96-4AA8-BB21-E8053A3186DD}"/>
+                <a16:creationId xmlns="" xmlns:a16="http://schemas.microsoft.com/office/drawing/2014/main" id="{0D537F64-4C96-4AA8-BB21-E8053A3186DD}"/>
               </a:ext>
             </a:extLst>
           </p:cNvPr>
@@ -25713,23 +25549,19 @@
           <a:p>
             <a:r>
               <a:rPr lang="pt-PT" dirty="0"/>
-              <a:t>Estudo Orientado para os Mestrados de Engenharia </a:t>
-            </a:r>
-            <a:r>
-              <a:rPr lang="pt-PT" dirty="0" smtClean="0"/>
-              <a:t>Informática</a:t>
+              <a:t>Estudo Orientado para os Mestrados de Engenharia Informática</a:t>
             </a:r>
           </a:p>
           <a:p>
             <a:r>
-              <a:rPr lang="pt-PT" dirty="0" smtClean="0"/>
+              <a:rPr lang="pt-PT" dirty="0"/>
               <a:t/>
             </a:r>
             <a:br>
-              <a:rPr lang="pt-PT" dirty="0" smtClean="0"/>
+              <a:rPr lang="pt-PT" dirty="0"/>
             </a:br>
             <a:r>
-              <a:rPr lang="pt-PT" dirty="0" smtClean="0"/>
+              <a:rPr lang="pt-PT" dirty="0"/>
               <a:t>Pedro Carrega, nº49480</a:t>
             </a:r>
             <a:endParaRPr lang="en-US" dirty="0"/>
@@ -25776,14 +25608,6 @@
   <p:clrMapOvr>
     <a:masterClrMapping/>
   </p:clrMapOvr>
-  <mc:AlternateContent xmlns:mc="http://schemas.openxmlformats.org/markup-compatibility/2006" xmlns:p14="http://schemas.microsoft.com/office/powerpoint/2010/main">
-    <mc:Choice Requires="p14">
-      <p:transition p14:dur="0"/>
-    </mc:Choice>
-    <mc:Fallback xmlns="">
-      <p:transition/>
-    </mc:Fallback>
-  </mc:AlternateContent>
   <p:timing>
     <p:tnLst>
       <p:par>
@@ -25816,132 +25640,7 @@
           <p:cNvPr id="4" name="Title 3">
             <a:extLst>
               <a:ext uri="{FF2B5EF4-FFF2-40B4-BE49-F238E27FC236}">
-                <a16:creationId xmlns:a16="http://schemas.microsoft.com/office/drawing/2014/main" xmlns="" id="{E3BD8413-C238-49D7-A4E1-E8FEF1811A0E}"/>
-              </a:ext>
-            </a:extLst>
-          </p:cNvPr>
-          <p:cNvSpPr>
-            <a:spLocks noGrp="1"/>
-          </p:cNvSpPr>
-          <p:nvPr>
-            <p:ph type="title"/>
-          </p:nvPr>
-        </p:nvSpPr>
-        <p:spPr/>
-        <p:txBody>
-          <a:bodyPr>
-            <a:normAutofit/>
-          </a:bodyPr>
-          <a:lstStyle/>
-          <a:p>
-            <a:r>
-              <a:rPr lang="pt-PT" dirty="0" smtClean="0"/>
-              <a:t>Análise</a:t>
-            </a:r>
-            <a:endParaRPr lang="pt-PT" dirty="0"/>
-          </a:p>
-        </p:txBody>
-      </p:sp>
-      <p:sp>
-        <p:nvSpPr>
-          <p:cNvPr id="2" name="Slide Number Placeholder 1">
-            <a:extLst>
-              <a:ext uri="{FF2B5EF4-FFF2-40B4-BE49-F238E27FC236}">
-                <a16:creationId xmlns:a16="http://schemas.microsoft.com/office/drawing/2014/main" xmlns="" id="{0B24BF10-2B55-43AB-9F77-F1A1410384A9}"/>
-              </a:ext>
-            </a:extLst>
-          </p:cNvPr>
-          <p:cNvSpPr>
-            <a:spLocks noGrp="1"/>
-          </p:cNvSpPr>
-          <p:nvPr>
-            <p:ph type="sldNum" sz="quarter" idx="12"/>
-          </p:nvPr>
-        </p:nvSpPr>
-        <p:spPr/>
-        <p:txBody>
-          <a:bodyPr/>
-          <a:lstStyle/>
-          <a:p>
-            <a:fld id="{C263D6C4-4840-40CC-AC84-17E24B3B7BDE}" type="slidenum">
-              <a:rPr lang="en-US" smtClean="0"/>
-              <a:pPr/>
-              <a:t>10</a:t>
-            </a:fld>
-            <a:endParaRPr lang="en-US" dirty="0"/>
-          </a:p>
-        </p:txBody>
-      </p:sp>
-      <p:sp>
-        <p:nvSpPr>
-          <p:cNvPr id="3" name="Text Placeholder 2"/>
-          <p:cNvSpPr>
-            <a:spLocks noGrp="1"/>
-          </p:cNvSpPr>
-          <p:nvPr>
-            <p:ph type="body" idx="1"/>
-          </p:nvPr>
-        </p:nvSpPr>
-        <p:spPr/>
-        <p:txBody>
-          <a:bodyPr/>
-          <a:lstStyle/>
-          <a:p>
-            <a:endParaRPr lang="pt-PT" dirty="0"/>
-          </a:p>
-        </p:txBody>
-      </p:sp>
-    </p:spTree>
-    <p:extLst>
-      <p:ext uri="{BB962C8B-B14F-4D97-AF65-F5344CB8AC3E}">
-        <p14:creationId xmlns:p14="http://schemas.microsoft.com/office/powerpoint/2010/main" val="3205054802"/>
-      </p:ext>
-    </p:extLst>
-  </p:cSld>
-  <p:clrMapOvr>
-    <a:masterClrMapping/>
-  </p:clrMapOvr>
-  <mc:AlternateContent xmlns:mc="http://schemas.openxmlformats.org/markup-compatibility/2006" xmlns:p14="http://schemas.microsoft.com/office/powerpoint/2010/main">
-    <mc:Choice Requires="p14">
-      <p:transition p14:dur="0"/>
-    </mc:Choice>
-    <mc:Fallback xmlns="">
-      <p:transition/>
-    </mc:Fallback>
-  </mc:AlternateContent>
-  <p:timing>
-    <p:tnLst>
-      <p:par>
-        <p:cTn id="1" dur="indefinite" restart="never" nodeType="tmRoot"/>
-      </p:par>
-    </p:tnLst>
-  </p:timing>
-</p:sld>
-</file>
-
-<file path=ppt/slides/slide11.xml><?xml version="1.0" encoding="utf-8"?>
-<p:sld xmlns:a="http://schemas.openxmlformats.org/drawingml/2006/main" xmlns:r="http://schemas.openxmlformats.org/officeDocument/2006/relationships" xmlns:p="http://schemas.openxmlformats.org/presentationml/2006/main">
-  <p:cSld>
-    <p:spTree>
-      <p:nvGrpSpPr>
-        <p:cNvPr id="1" name=""/>
-        <p:cNvGrpSpPr/>
-        <p:nvPr/>
-      </p:nvGrpSpPr>
-      <p:grpSpPr>
-        <a:xfrm>
-          <a:off x="0" y="0"/>
-          <a:ext cx="0" cy="0"/>
-          <a:chOff x="0" y="0"/>
-          <a:chExt cx="0" cy="0"/>
-        </a:xfrm>
-      </p:grpSpPr>
-      <p:sp>
-        <p:nvSpPr>
-          <p:cNvPr id="4" name="Title 3">
-            <a:extLst>
-              <a:ext uri="{FF2B5EF4-FFF2-40B4-BE49-F238E27FC236}">
-                <a16:creationId xmlns:a16="http://schemas.microsoft.com/office/drawing/2014/main" xmlns="" id="{315E3981-F0D7-482C-A8E0-6A57700BECA7}"/>
+                <a16:creationId xmlns="" xmlns:a16="http://schemas.microsoft.com/office/drawing/2014/main" id="{315E3981-F0D7-482C-A8E0-6A57700BECA7}"/>
               </a:ext>
             </a:extLst>
           </p:cNvPr>
@@ -25958,10 +25657,9 @@
           <a:lstStyle/>
           <a:p>
             <a:r>
-              <a:rPr lang="en-US" dirty="0" smtClean="0"/>
+              <a:rPr lang="en-US" dirty="0"/>
               <a:t>Web Services</a:t>
             </a:r>
-            <a:endParaRPr lang="en-US" dirty="0"/>
           </a:p>
         </p:txBody>
       </p:sp>
@@ -25970,7 +25668,7 @@
           <p:cNvPr id="21" name="Text Placeholder 20">
             <a:extLst>
               <a:ext uri="{FF2B5EF4-FFF2-40B4-BE49-F238E27FC236}">
-                <a16:creationId xmlns:a16="http://schemas.microsoft.com/office/drawing/2014/main" xmlns="" id="{1B8F0371-4F69-4131-91BF-9AB99E6EE89B}"/>
+                <a16:creationId xmlns="" xmlns:a16="http://schemas.microsoft.com/office/drawing/2014/main" id="{1B8F0371-4F69-4131-91BF-9AB99E6EE89B}"/>
               </a:ext>
             </a:extLst>
           </p:cNvPr>
@@ -25998,7 +25696,7 @@
           <p:cNvPr id="22" name="Text Placeholder 21">
             <a:extLst>
               <a:ext uri="{FF2B5EF4-FFF2-40B4-BE49-F238E27FC236}">
-                <a16:creationId xmlns:a16="http://schemas.microsoft.com/office/drawing/2014/main" xmlns="" id="{78CACAF1-61EA-4605-A8FE-2EEE752B49FF}"/>
+                <a16:creationId xmlns="" xmlns:a16="http://schemas.microsoft.com/office/drawing/2014/main" id="{78CACAF1-61EA-4605-A8FE-2EEE752B49FF}"/>
               </a:ext>
             </a:extLst>
           </p:cNvPr>
@@ -26026,7 +25724,7 @@
           <p:cNvPr id="2" name="Slide Number Placeholder 1">
             <a:extLst>
               <a:ext uri="{FF2B5EF4-FFF2-40B4-BE49-F238E27FC236}">
-                <a16:creationId xmlns:a16="http://schemas.microsoft.com/office/drawing/2014/main" xmlns="" id="{2F478C69-0A1D-45FF-8600-ED903803FFE1}"/>
+                <a16:creationId xmlns="" xmlns:a16="http://schemas.microsoft.com/office/drawing/2014/main" id="{2F478C69-0A1D-45FF-8600-ED903803FFE1}"/>
               </a:ext>
             </a:extLst>
           </p:cNvPr>
@@ -26045,7 +25743,7 @@
             <a:fld id="{C263D6C4-4840-40CC-AC84-17E24B3B7BDE}" type="slidenum">
               <a:rPr lang="en-US" smtClean="0"/>
               <a:pPr/>
-              <a:t>11</a:t>
+              <a:t>10</a:t>
             </a:fld>
             <a:endParaRPr lang="en-US" dirty="0"/>
           </a:p>
@@ -26061,21 +25759,102 @@
   <p:clrMapOvr>
     <a:masterClrMapping/>
   </p:clrMapOvr>
-  <mc:AlternateContent xmlns:mc="http://schemas.openxmlformats.org/markup-compatibility/2006" xmlns:p14="http://schemas.microsoft.com/office/powerpoint/2010/main">
-    <mc:Choice Requires="p14">
-      <p:transition p14:dur="0"/>
-    </mc:Choice>
-    <mc:Fallback xmlns="">
-      <p:transition/>
-    </mc:Fallback>
-  </mc:AlternateContent>
-  <p:timing>
-    <p:tnLst>
-      <p:par>
-        <p:cTn id="1" dur="indefinite" restart="never" nodeType="tmRoot"/>
-      </p:par>
-    </p:tnLst>
-  </p:timing>
+</p:sld>
+</file>
+
+<file path=ppt/slides/slide11.xml><?xml version="1.0" encoding="utf-8"?>
+<p:sld xmlns:a="http://schemas.openxmlformats.org/drawingml/2006/main" xmlns:r="http://schemas.openxmlformats.org/officeDocument/2006/relationships" xmlns:p="http://schemas.openxmlformats.org/presentationml/2006/main">
+  <p:cSld>
+    <p:spTree>
+      <p:nvGrpSpPr>
+        <p:cNvPr id="1" name=""/>
+        <p:cNvGrpSpPr/>
+        <p:nvPr/>
+      </p:nvGrpSpPr>
+      <p:grpSpPr>
+        <a:xfrm>
+          <a:off x="0" y="0"/>
+          <a:ext cx="0" cy="0"/>
+          <a:chOff x="0" y="0"/>
+          <a:chExt cx="0" cy="0"/>
+        </a:xfrm>
+      </p:grpSpPr>
+      <p:sp>
+        <p:nvSpPr>
+          <p:cNvPr id="2" name="Title 1"/>
+          <p:cNvSpPr>
+            <a:spLocks noGrp="1"/>
+          </p:cNvSpPr>
+          <p:nvPr>
+            <p:ph type="title"/>
+          </p:nvPr>
+        </p:nvSpPr>
+        <p:spPr/>
+        <p:txBody>
+          <a:bodyPr/>
+          <a:lstStyle/>
+          <a:p>
+            <a:r>
+              <a:rPr lang="pt-PT" dirty="0" smtClean="0"/>
+              <a:t>Fundos de Compensação</a:t>
+            </a:r>
+            <a:endParaRPr lang="pt-PT" dirty="0"/>
+          </a:p>
+        </p:txBody>
+      </p:sp>
+      <p:sp>
+        <p:nvSpPr>
+          <p:cNvPr id="3" name="Slide Number Placeholder 2"/>
+          <p:cNvSpPr>
+            <a:spLocks noGrp="1"/>
+          </p:cNvSpPr>
+          <p:nvPr>
+            <p:ph type="sldNum" sz="quarter" idx="12"/>
+          </p:nvPr>
+        </p:nvSpPr>
+        <p:spPr/>
+        <p:txBody>
+          <a:bodyPr/>
+          <a:lstStyle/>
+          <a:p>
+            <a:fld id="{C263D6C4-4840-40CC-AC84-17E24B3B7BDE}" type="slidenum">
+              <a:rPr lang="en-US" noProof="0" smtClean="0"/>
+              <a:pPr/>
+              <a:t>11</a:t>
+            </a:fld>
+            <a:endParaRPr lang="en-US" noProof="0" dirty="0"/>
+          </a:p>
+        </p:txBody>
+      </p:sp>
+      <p:sp>
+        <p:nvSpPr>
+          <p:cNvPr id="4" name="Text Placeholder 3"/>
+          <p:cNvSpPr>
+            <a:spLocks noGrp="1"/>
+          </p:cNvSpPr>
+          <p:nvPr>
+            <p:ph type="body" sz="quarter" idx="13"/>
+          </p:nvPr>
+        </p:nvSpPr>
+        <p:spPr/>
+        <p:txBody>
+          <a:bodyPr/>
+          <a:lstStyle/>
+          <a:p>
+            <a:endParaRPr lang="pt-PT"/>
+          </a:p>
+        </p:txBody>
+      </p:sp>
+    </p:spTree>
+    <p:extLst>
+      <p:ext uri="{BB962C8B-B14F-4D97-AF65-F5344CB8AC3E}">
+        <p14:creationId xmlns:p14="http://schemas.microsoft.com/office/powerpoint/2010/main" val="942175089"/>
+      </p:ext>
+    </p:extLst>
+  </p:cSld>
+  <p:clrMapOvr>
+    <a:masterClrMapping/>
+  </p:clrMapOvr>
 </p:sld>
 </file>
 
@@ -26098,13 +25877,7 @@
       </p:grpSpPr>
       <p:sp>
         <p:nvSpPr>
-          <p:cNvPr id="7" name="Title 6">
-            <a:extLst>
-              <a:ext uri="{FF2B5EF4-FFF2-40B4-BE49-F238E27FC236}">
-                <a16:creationId xmlns:a16="http://schemas.microsoft.com/office/drawing/2014/main" xmlns="" id="{7875C19A-1AAE-476A-A316-A2CF92D763D3}"/>
-              </a:ext>
-            </a:extLst>
-          </p:cNvPr>
+          <p:cNvPr id="2" name="Title 1"/>
           <p:cNvSpPr>
             <a:spLocks noGrp="1"/>
           </p:cNvSpPr>
@@ -26119,7 +25892,7 @@
           <a:p>
             <a:r>
               <a:rPr lang="pt-PT" dirty="0" smtClean="0"/>
-              <a:t>Fundos de Compensação</a:t>
+              <a:t>Segurança Social</a:t>
             </a:r>
             <a:endParaRPr lang="pt-PT" dirty="0"/>
           </a:p>
@@ -26127,13 +25900,7 @@
       </p:sp>
       <p:sp>
         <p:nvSpPr>
-          <p:cNvPr id="2" name="Slide Number Placeholder 1">
-            <a:extLst>
-              <a:ext uri="{FF2B5EF4-FFF2-40B4-BE49-F238E27FC236}">
-                <a16:creationId xmlns:a16="http://schemas.microsoft.com/office/drawing/2014/main" xmlns="" id="{BE9800F6-D571-48C4-8466-12AA1ADB6599}"/>
-              </a:ext>
-            </a:extLst>
-          </p:cNvPr>
+          <p:cNvPr id="3" name="Slide Number Placeholder 2"/>
           <p:cNvSpPr>
             <a:spLocks noGrp="1"/>
           </p:cNvSpPr>
@@ -26147,39 +25914,43 @@
           <a:lstStyle/>
           <a:p>
             <a:fld id="{C263D6C4-4840-40CC-AC84-17E24B3B7BDE}" type="slidenum">
-              <a:rPr lang="en-US" smtClean="0"/>
+              <a:rPr lang="en-US" noProof="0" smtClean="0"/>
               <a:pPr/>
               <a:t>12</a:t>
             </a:fld>
-            <a:endParaRPr lang="en-US" dirty="0"/>
+            <a:endParaRPr lang="en-US" noProof="0" dirty="0"/>
+          </a:p>
+        </p:txBody>
+      </p:sp>
+      <p:sp>
+        <p:nvSpPr>
+          <p:cNvPr id="4" name="Text Placeholder 3"/>
+          <p:cNvSpPr>
+            <a:spLocks noGrp="1"/>
+          </p:cNvSpPr>
+          <p:nvPr>
+            <p:ph type="body" sz="quarter" idx="13"/>
+          </p:nvPr>
+        </p:nvSpPr>
+        <p:spPr/>
+        <p:txBody>
+          <a:bodyPr/>
+          <a:lstStyle/>
+          <a:p>
+            <a:endParaRPr lang="pt-PT"/>
           </a:p>
         </p:txBody>
       </p:sp>
     </p:spTree>
     <p:extLst>
       <p:ext uri="{BB962C8B-B14F-4D97-AF65-F5344CB8AC3E}">
-        <p14:creationId xmlns:p14="http://schemas.microsoft.com/office/powerpoint/2010/main" val="2771020509"/>
+        <p14:creationId xmlns:p14="http://schemas.microsoft.com/office/powerpoint/2010/main" val="166116310"/>
       </p:ext>
     </p:extLst>
   </p:cSld>
   <p:clrMapOvr>
     <a:masterClrMapping/>
   </p:clrMapOvr>
-  <mc:AlternateContent xmlns:mc="http://schemas.openxmlformats.org/markup-compatibility/2006" xmlns:p14="http://schemas.microsoft.com/office/powerpoint/2010/main">
-    <mc:Choice Requires="p14">
-      <p:transition p14:dur="0"/>
-    </mc:Choice>
-    <mc:Fallback xmlns="">
-      <p:transition/>
-    </mc:Fallback>
-  </mc:AlternateContent>
-  <p:timing>
-    <p:tnLst>
-      <p:par>
-        <p:cTn id="1" dur="indefinite" restart="never" nodeType="tmRoot"/>
-      </p:par>
-    </p:tnLst>
-  </p:timing>
 </p:sld>
 </file>
 
@@ -26202,114 +25973,10 @@
       </p:grpSpPr>
       <p:sp>
         <p:nvSpPr>
-          <p:cNvPr id="7" name="Title 6">
-            <a:extLst>
-              <a:ext uri="{FF2B5EF4-FFF2-40B4-BE49-F238E27FC236}">
-                <a16:creationId xmlns:a16="http://schemas.microsoft.com/office/drawing/2014/main" xmlns="" id="{7875C19A-1AAE-476A-A316-A2CF92D763D3}"/>
-              </a:ext>
-            </a:extLst>
-          </p:cNvPr>
-          <p:cNvSpPr>
-            <a:spLocks noGrp="1"/>
-          </p:cNvSpPr>
-          <p:nvPr>
-            <p:ph type="title"/>
-          </p:nvPr>
-        </p:nvSpPr>
-        <p:spPr/>
-        <p:txBody>
-          <a:bodyPr/>
-          <a:lstStyle/>
-          <a:p>
-            <a:r>
-              <a:rPr lang="pt-PT" dirty="0" smtClean="0"/>
-              <a:t>Segurança Social</a:t>
-            </a:r>
-            <a:endParaRPr lang="pt-PT" dirty="0"/>
-          </a:p>
-        </p:txBody>
-      </p:sp>
-      <p:sp>
-        <p:nvSpPr>
-          <p:cNvPr id="2" name="Slide Number Placeholder 1">
-            <a:extLst>
-              <a:ext uri="{FF2B5EF4-FFF2-40B4-BE49-F238E27FC236}">
-                <a16:creationId xmlns:a16="http://schemas.microsoft.com/office/drawing/2014/main" xmlns="" id="{BE9800F6-D571-48C4-8466-12AA1ADB6599}"/>
-              </a:ext>
-            </a:extLst>
-          </p:cNvPr>
-          <p:cNvSpPr>
-            <a:spLocks noGrp="1"/>
-          </p:cNvSpPr>
-          <p:nvPr>
-            <p:ph type="sldNum" sz="quarter" idx="12"/>
-          </p:nvPr>
-        </p:nvSpPr>
-        <p:spPr/>
-        <p:txBody>
-          <a:bodyPr/>
-          <a:lstStyle/>
-          <a:p>
-            <a:fld id="{C263D6C4-4840-40CC-AC84-17E24B3B7BDE}" type="slidenum">
-              <a:rPr lang="en-US" smtClean="0"/>
-              <a:pPr/>
-              <a:t>13</a:t>
-            </a:fld>
-            <a:endParaRPr lang="en-US" dirty="0"/>
-          </a:p>
-        </p:txBody>
-      </p:sp>
-    </p:spTree>
-    <p:extLst>
-      <p:ext uri="{BB962C8B-B14F-4D97-AF65-F5344CB8AC3E}">
-        <p14:creationId xmlns:p14="http://schemas.microsoft.com/office/powerpoint/2010/main" val="2931197342"/>
-      </p:ext>
-    </p:extLst>
-  </p:cSld>
-  <p:clrMapOvr>
-    <a:masterClrMapping/>
-  </p:clrMapOvr>
-  <mc:AlternateContent xmlns:mc="http://schemas.openxmlformats.org/markup-compatibility/2006" xmlns:p14="http://schemas.microsoft.com/office/powerpoint/2010/main">
-    <mc:Choice Requires="p14">
-      <p:transition p14:dur="0"/>
-    </mc:Choice>
-    <mc:Fallback xmlns="">
-      <p:transition/>
-    </mc:Fallback>
-  </mc:AlternateContent>
-  <p:timing>
-    <p:tnLst>
-      <p:par>
-        <p:cTn id="1" dur="indefinite" restart="never" nodeType="tmRoot"/>
-      </p:par>
-    </p:tnLst>
-  </p:timing>
-</p:sld>
-</file>
-
-<file path=ppt/slides/slide14.xml><?xml version="1.0" encoding="utf-8"?>
-<p:sld xmlns:a="http://schemas.openxmlformats.org/drawingml/2006/main" xmlns:r="http://schemas.openxmlformats.org/officeDocument/2006/relationships" xmlns:p="http://schemas.openxmlformats.org/presentationml/2006/main">
-  <p:cSld>
-    <p:spTree>
-      <p:nvGrpSpPr>
-        <p:cNvPr id="1" name=""/>
-        <p:cNvGrpSpPr/>
-        <p:nvPr/>
-      </p:nvGrpSpPr>
-      <p:grpSpPr>
-        <a:xfrm>
-          <a:off x="0" y="0"/>
-          <a:ext cx="0" cy="0"/>
-          <a:chOff x="0" y="0"/>
-          <a:chExt cx="0" cy="0"/>
-        </a:xfrm>
-      </p:grpSpPr>
-      <p:sp>
-        <p:nvSpPr>
           <p:cNvPr id="5" name="Title 4">
             <a:extLst>
               <a:ext uri="{FF2B5EF4-FFF2-40B4-BE49-F238E27FC236}">
-                <a16:creationId xmlns:a16="http://schemas.microsoft.com/office/drawing/2014/main" xmlns="" id="{201323FB-427E-4A8D-B473-AB0657D8D23B}"/>
+                <a16:creationId xmlns="" xmlns:a16="http://schemas.microsoft.com/office/drawing/2014/main" id="{201323FB-427E-4A8D-B473-AB0657D8D23B}"/>
               </a:ext>
             </a:extLst>
           </p:cNvPr>
@@ -26331,17 +25998,16 @@
           <a:lstStyle/>
           <a:p>
             <a:r>
-              <a:rPr lang="pt-PT" dirty="0" smtClean="0"/>
+              <a:rPr lang="pt-PT" dirty="0"/>
               <a:t>Fundos de Compensação:</a:t>
             </a:r>
             <a:br>
-              <a:rPr lang="pt-PT" dirty="0" smtClean="0"/>
+              <a:rPr lang="pt-PT" dirty="0"/>
             </a:br>
             <a:r>
-              <a:rPr lang="pt-PT" dirty="0" smtClean="0"/>
+              <a:rPr lang="pt-PT" dirty="0"/>
               <a:t>Registo de Trabalhador</a:t>
             </a:r>
-            <a:endParaRPr lang="pt-PT" dirty="0"/>
           </a:p>
         </p:txBody>
       </p:sp>
@@ -26350,7 +26016,7 @@
           <p:cNvPr id="6" name="Table 5">
             <a:extLst>
               <a:ext uri="{FF2B5EF4-FFF2-40B4-BE49-F238E27FC236}">
-                <a16:creationId xmlns:a16="http://schemas.microsoft.com/office/drawing/2014/main" xmlns="" id="{E8EEB296-8554-4D20-B3B8-C0BBC380A58D}"/>
+                <a16:creationId xmlns="" xmlns:a16="http://schemas.microsoft.com/office/drawing/2014/main" id="{E8EEB296-8554-4D20-B3B8-C0BBC380A58D}"/>
               </a:ext>
             </a:extLst>
           </p:cNvPr>
@@ -26360,7 +26026,7 @@
           <p:nvPr>
             <p:extLst>
               <p:ext uri="{D42A27DB-BD31-4B8C-83A1-F6EECF244321}">
-                <p14:modId xmlns:p14="http://schemas.microsoft.com/office/powerpoint/2010/main" val="2794092734"/>
+                <p14:modId xmlns:p14="http://schemas.microsoft.com/office/powerpoint/2010/main" val="4246647846"/>
               </p:ext>
             </p:extLst>
           </p:nvPr>
@@ -26379,14 +26045,14 @@
                 <a:gridCol w="3015392">
                   <a:extLst>
                     <a:ext uri="{9D8B030D-6E8A-4147-A177-3AD203B41FA5}">
-                      <a16:colId xmlns:a16="http://schemas.microsoft.com/office/drawing/2014/main" xmlns="" val="3559833401"/>
+                      <a16:colId xmlns="" xmlns:a16="http://schemas.microsoft.com/office/drawing/2014/main" val="3559833401"/>
                     </a:ext>
                   </a:extLst>
                 </a:gridCol>
                 <a:gridCol w="6987746">
                   <a:extLst>
                     <a:ext uri="{9D8B030D-6E8A-4147-A177-3AD203B41FA5}">
-                      <a16:colId xmlns:a16="http://schemas.microsoft.com/office/drawing/2014/main" xmlns="" val="82523989"/>
+                      <a16:colId xmlns="" xmlns:a16="http://schemas.microsoft.com/office/drawing/2014/main" val="82523989"/>
                     </a:ext>
                   </a:extLst>
                 </a:gridCol>
@@ -26399,13 +26065,13 @@
                     <a:p>
                       <a:pPr algn="ctr"/>
                       <a:r>
-                        <a:rPr lang="en-US" sz="1600" b="0" dirty="0" err="1" smtClean="0">
+                        <a:rPr lang="pt-PT" sz="1600" b="0" noProof="0" dirty="0" smtClean="0">
                           <a:latin typeface="+mn-lt"/>
                           <a:cs typeface="Arial" panose="020B0604020202020204" pitchFamily="34" charset="0"/>
                         </a:rPr>
                         <a:t>Parâmetro</a:t>
                       </a:r>
-                      <a:endParaRPr lang="en-GB" sz="1600" b="0" dirty="0">
+                      <a:endParaRPr lang="pt-PT" sz="1600" b="0" noProof="0" dirty="0">
                         <a:latin typeface="+mn-lt"/>
                         <a:cs typeface="Arial" panose="020B0604020202020204" pitchFamily="34" charset="0"/>
                       </a:endParaRPr>
@@ -26486,13 +26152,13 @@
                         <a:defRPr/>
                       </a:pPr>
                       <a:r>
-                        <a:rPr lang="en-US" sz="1600" b="0" dirty="0" err="1" smtClean="0">
+                        <a:rPr lang="pt-PT" sz="1600" b="0" noProof="0" dirty="0" smtClean="0">
                           <a:latin typeface="+mn-lt"/>
                           <a:cs typeface="Arial" panose="020B0604020202020204" pitchFamily="34" charset="0"/>
                         </a:rPr>
                         <a:t>Formato</a:t>
                       </a:r>
-                      <a:endParaRPr lang="en-GB" sz="1600" b="0" dirty="0">
+                      <a:endParaRPr lang="pt-PT" sz="1600" b="0" noProof="0" dirty="0">
                         <a:latin typeface="+mn-lt"/>
                         <a:cs typeface="Arial" panose="020B0604020202020204" pitchFamily="34" charset="0"/>
                       </a:endParaRPr>
@@ -26556,7 +26222,7 @@
                 </a:tc>
                 <a:extLst>
                   <a:ext uri="{0D108BD9-81ED-4DB2-BD59-A6C34878D82A}">
-                    <a16:rowId xmlns:a16="http://schemas.microsoft.com/office/drawing/2014/main" xmlns="" val="3766630617"/>
+                    <a16:rowId xmlns="" xmlns:a16="http://schemas.microsoft.com/office/drawing/2014/main" val="3766630617"/>
                   </a:ext>
                 </a:extLst>
               </a:tr>
@@ -26566,7 +26232,28 @@
                     <a:bodyPr/>
                     <a:lstStyle/>
                     <a:p>
-                      <a:endParaRPr lang="en-GB" sz="1400" dirty="0">
+                      <a:r>
+                        <a:rPr lang="pt-PT" sz="1400" noProof="0" dirty="0" smtClean="0">
+                          <a:solidFill>
+                            <a:schemeClr val="bg1"/>
+                          </a:solidFill>
+                          <a:latin typeface="+mn-lt"/>
+                        </a:rPr>
+                        <a:t>Número de Identificação</a:t>
+                      </a:r>
+                      <a:r>
+                        <a:rPr lang="pt-PT" sz="1400" baseline="0" noProof="0" dirty="0" smtClean="0">
+                          <a:solidFill>
+                            <a:schemeClr val="bg1"/>
+                          </a:solidFill>
+                          <a:latin typeface="+mn-lt"/>
+                        </a:rPr>
+                        <a:t> de Segurança Social</a:t>
+                      </a:r>
+                      <a:endParaRPr lang="pt-PT" sz="1400" noProof="0" dirty="0">
+                        <a:solidFill>
+                          <a:schemeClr val="bg1"/>
+                        </a:solidFill>
                         <a:latin typeface="+mn-lt"/>
                       </a:endParaRPr>
                     </a:p>
@@ -26620,7 +26307,19 @@
                     <a:bodyPr/>
                     <a:lstStyle/>
                     <a:p>
-                      <a:endParaRPr lang="en-GB" sz="1400" dirty="0">
+                      <a:r>
+                        <a:rPr lang="pt-PT" sz="1400" noProof="0" dirty="0" smtClean="0">
+                          <a:solidFill>
+                            <a:schemeClr val="bg1"/>
+                          </a:solidFill>
+                          <a:latin typeface="+mn-lt"/>
+                        </a:rPr>
+                        <a:t>Inteiro de onze dígitos</a:t>
+                      </a:r>
+                      <a:endParaRPr lang="pt-PT" sz="1400" noProof="0" dirty="0">
+                        <a:solidFill>
+                          <a:schemeClr val="bg1"/>
+                        </a:solidFill>
                         <a:latin typeface="+mn-lt"/>
                       </a:endParaRPr>
                     </a:p>
@@ -26675,7 +26374,7 @@
                 </a:tc>
                 <a:extLst>
                   <a:ext uri="{0D108BD9-81ED-4DB2-BD59-A6C34878D82A}">
-                    <a16:rowId xmlns:a16="http://schemas.microsoft.com/office/drawing/2014/main" xmlns="" val="3446274366"/>
+                    <a16:rowId xmlns="" xmlns:a16="http://schemas.microsoft.com/office/drawing/2014/main" val="3446274366"/>
                   </a:ext>
                 </a:extLst>
               </a:tr>
@@ -26685,7 +26384,317 @@
                     <a:bodyPr/>
                     <a:lstStyle/>
                     <a:p>
-                      <a:endParaRPr lang="en-GB" sz="1400" dirty="0">
+                      <a:r>
+                        <a:rPr lang="pt-PT" sz="1400" noProof="0" dirty="0" smtClean="0">
+                          <a:solidFill>
+                            <a:schemeClr val="bg1"/>
+                          </a:solidFill>
+                          <a:latin typeface="+mn-lt"/>
+                        </a:rPr>
+                        <a:t>Data de Início</a:t>
+                      </a:r>
+                      <a:r>
+                        <a:rPr lang="pt-PT" sz="1400" baseline="0" noProof="0" dirty="0" smtClean="0">
+                          <a:solidFill>
+                            <a:schemeClr val="bg1"/>
+                          </a:solidFill>
+                          <a:latin typeface="+mn-lt"/>
+                        </a:rPr>
+                        <a:t> de Contrato</a:t>
+                      </a:r>
+                      <a:endParaRPr lang="pt-PT" sz="1400" noProof="0" dirty="0">
+                        <a:solidFill>
+                          <a:schemeClr val="bg1"/>
+                        </a:solidFill>
+                        <a:latin typeface="+mn-lt"/>
+                      </a:endParaRPr>
+                    </a:p>
+                  </a:txBody>
+                  <a:tcPr anchor="ctr">
+                    <a:lnL w="38100" cap="flat" cmpd="sng" algn="ctr">
+                      <a:noFill/>
+                      <a:prstDash val="solid"/>
+                      <a:round/>
+                      <a:headEnd type="none" w="med" len="med"/>
+                      <a:tailEnd type="none" w="med" len="med"/>
+                    </a:lnL>
+                    <a:lnR w="12700" cap="flat" cmpd="sng" algn="ctr">
+                      <a:solidFill>
+                        <a:schemeClr val="accent2">
+                          <a:lumMod val="75000"/>
+                        </a:schemeClr>
+                      </a:solidFill>
+                      <a:prstDash val="solid"/>
+                      <a:round/>
+                      <a:headEnd type="none" w="med" len="med"/>
+                      <a:tailEnd type="none" w="med" len="med"/>
+                    </a:lnR>
+                    <a:lnT w="12700" cap="flat" cmpd="sng" algn="ctr">
+                      <a:solidFill>
+                        <a:schemeClr val="accent2">
+                          <a:lumMod val="75000"/>
+                        </a:schemeClr>
+                      </a:solidFill>
+                      <a:prstDash val="solid"/>
+                      <a:round/>
+                      <a:headEnd type="none" w="med" len="med"/>
+                      <a:tailEnd type="none" w="med" len="med"/>
+                    </a:lnT>
+                    <a:lnB w="12700" cap="flat" cmpd="sng" algn="ctr">
+                      <a:solidFill>
+                        <a:schemeClr val="accent2">
+                          <a:lumMod val="75000"/>
+                        </a:schemeClr>
+                      </a:solidFill>
+                      <a:prstDash val="solid"/>
+                      <a:round/>
+                      <a:headEnd type="none" w="med" len="med"/>
+                      <a:tailEnd type="none" w="med" len="med"/>
+                    </a:lnB>
+                    <a:noFill/>
+                  </a:tcPr>
+                </a:tc>
+                <a:tc>
+                  <a:txBody>
+                    <a:bodyPr/>
+                    <a:lstStyle/>
+                    <a:p>
+                      <a:r>
+                        <a:rPr lang="pt-PT" sz="1400" noProof="0" dirty="0" smtClean="0">
+                          <a:solidFill>
+                            <a:schemeClr val="bg1"/>
+                          </a:solidFill>
+                          <a:latin typeface="+mn-lt"/>
+                        </a:rPr>
+                        <a:t>Data (AAAA-MM-DD)</a:t>
+                      </a:r>
+                      <a:endParaRPr lang="pt-PT" sz="1400" noProof="0" dirty="0">
+                        <a:solidFill>
+                          <a:schemeClr val="bg1"/>
+                        </a:solidFill>
+                        <a:latin typeface="+mn-lt"/>
+                      </a:endParaRPr>
+                    </a:p>
+                  </a:txBody>
+                  <a:tcPr anchor="ctr">
+                    <a:lnL w="12700" cap="flat" cmpd="sng" algn="ctr">
+                      <a:solidFill>
+                        <a:schemeClr val="accent2">
+                          <a:lumMod val="75000"/>
+                        </a:schemeClr>
+                      </a:solidFill>
+                      <a:prstDash val="solid"/>
+                      <a:round/>
+                      <a:headEnd type="none" w="med" len="med"/>
+                      <a:tailEnd type="none" w="med" len="med"/>
+                    </a:lnL>
+                    <a:lnR w="12700" cap="flat" cmpd="sng" algn="ctr">
+                      <a:solidFill>
+                        <a:schemeClr val="accent2">
+                          <a:lumMod val="75000"/>
+                        </a:schemeClr>
+                      </a:solidFill>
+                      <a:prstDash val="solid"/>
+                      <a:round/>
+                      <a:headEnd type="none" w="med" len="med"/>
+                      <a:tailEnd type="none" w="med" len="med"/>
+                    </a:lnR>
+                    <a:lnT w="12700" cap="flat" cmpd="sng" algn="ctr">
+                      <a:solidFill>
+                        <a:schemeClr val="accent2">
+                          <a:lumMod val="75000"/>
+                        </a:schemeClr>
+                      </a:solidFill>
+                      <a:prstDash val="solid"/>
+                      <a:round/>
+                      <a:headEnd type="none" w="med" len="med"/>
+                      <a:tailEnd type="none" w="med" len="med"/>
+                    </a:lnT>
+                    <a:lnB w="12700" cap="flat" cmpd="sng" algn="ctr">
+                      <a:solidFill>
+                        <a:schemeClr val="accent2">
+                          <a:lumMod val="75000"/>
+                        </a:schemeClr>
+                      </a:solidFill>
+                      <a:prstDash val="solid"/>
+                      <a:round/>
+                      <a:headEnd type="none" w="med" len="med"/>
+                      <a:tailEnd type="none" w="med" len="med"/>
+                    </a:lnB>
+                    <a:noFill/>
+                  </a:tcPr>
+                </a:tc>
+                <a:extLst>
+                  <a:ext uri="{0D108BD9-81ED-4DB2-BD59-A6C34878D82A}">
+                    <a16:rowId xmlns="" xmlns:a16="http://schemas.microsoft.com/office/drawing/2014/main" val="3736384641"/>
+                  </a:ext>
+                </a:extLst>
+              </a:tr>
+              <a:tr h="548640">
+                <a:tc>
+                  <a:txBody>
+                    <a:bodyPr/>
+                    <a:lstStyle/>
+                    <a:p>
+                      <a:r>
+                        <a:rPr lang="pt-PT" sz="1400" noProof="0" dirty="0" smtClean="0">
+                          <a:solidFill>
+                            <a:schemeClr val="bg1"/>
+                          </a:solidFill>
+                          <a:latin typeface="+mn-lt"/>
+                        </a:rPr>
+                        <a:t>Data de Fim de Contrato</a:t>
+                      </a:r>
+                    </a:p>
+                  </a:txBody>
+                  <a:tcPr anchor="ctr">
+                    <a:lnL w="38100" cap="flat" cmpd="sng" algn="ctr">
+                      <a:noFill/>
+                      <a:prstDash val="solid"/>
+                      <a:round/>
+                      <a:headEnd type="none" w="med" len="med"/>
+                      <a:tailEnd type="none" w="med" len="med"/>
+                    </a:lnL>
+                    <a:lnR w="12700" cap="flat" cmpd="sng" algn="ctr">
+                      <a:solidFill>
+                        <a:schemeClr val="accent2">
+                          <a:lumMod val="75000"/>
+                        </a:schemeClr>
+                      </a:solidFill>
+                      <a:prstDash val="solid"/>
+                      <a:round/>
+                      <a:headEnd type="none" w="med" len="med"/>
+                      <a:tailEnd type="none" w="med" len="med"/>
+                    </a:lnR>
+                    <a:lnT w="12700" cap="flat" cmpd="sng" algn="ctr">
+                      <a:solidFill>
+                        <a:schemeClr val="accent2">
+                          <a:lumMod val="75000"/>
+                        </a:schemeClr>
+                      </a:solidFill>
+                      <a:prstDash val="solid"/>
+                      <a:round/>
+                      <a:headEnd type="none" w="med" len="med"/>
+                      <a:tailEnd type="none" w="med" len="med"/>
+                    </a:lnT>
+                    <a:lnB w="12700" cap="flat" cmpd="sng" algn="ctr">
+                      <a:solidFill>
+                        <a:schemeClr val="accent2">
+                          <a:lumMod val="75000"/>
+                        </a:schemeClr>
+                      </a:solidFill>
+                      <a:prstDash val="solid"/>
+                      <a:round/>
+                      <a:headEnd type="none" w="med" len="med"/>
+                      <a:tailEnd type="none" w="med" len="med"/>
+                    </a:lnB>
+                    <a:solidFill>
+                      <a:schemeClr val="accent5"/>
+                    </a:solidFill>
+                  </a:tcPr>
+                </a:tc>
+                <a:tc>
+                  <a:txBody>
+                    <a:bodyPr/>
+                    <a:lstStyle/>
+                    <a:p>
+                      <a:r>
+                        <a:rPr lang="pt-PT" sz="1400" kern="1200" noProof="0" dirty="0" smtClean="0">
+                          <a:solidFill>
+                            <a:schemeClr val="bg1"/>
+                          </a:solidFill>
+                          <a:latin typeface="+mn-lt"/>
+                          <a:ea typeface="+mn-ea"/>
+                          <a:cs typeface="+mn-cs"/>
+                        </a:rPr>
+                        <a:t>Data (AAAA-MM-DD)</a:t>
+                      </a:r>
+                    </a:p>
+                  </a:txBody>
+                  <a:tcPr anchor="ctr">
+                    <a:lnL w="12700" cap="flat" cmpd="sng" algn="ctr">
+                      <a:solidFill>
+                        <a:schemeClr val="accent2">
+                          <a:lumMod val="75000"/>
+                        </a:schemeClr>
+                      </a:solidFill>
+                      <a:prstDash val="solid"/>
+                      <a:round/>
+                      <a:headEnd type="none" w="med" len="med"/>
+                      <a:tailEnd type="none" w="med" len="med"/>
+                    </a:lnL>
+                    <a:lnR w="12700" cap="flat" cmpd="sng" algn="ctr">
+                      <a:solidFill>
+                        <a:schemeClr val="accent2">
+                          <a:lumMod val="75000"/>
+                        </a:schemeClr>
+                      </a:solidFill>
+                      <a:prstDash val="solid"/>
+                      <a:round/>
+                      <a:headEnd type="none" w="med" len="med"/>
+                      <a:tailEnd type="none" w="med" len="med"/>
+                    </a:lnR>
+                    <a:lnT w="12700" cap="flat" cmpd="sng" algn="ctr">
+                      <a:solidFill>
+                        <a:schemeClr val="accent2">
+                          <a:lumMod val="75000"/>
+                        </a:schemeClr>
+                      </a:solidFill>
+                      <a:prstDash val="solid"/>
+                      <a:round/>
+                      <a:headEnd type="none" w="med" len="med"/>
+                      <a:tailEnd type="none" w="med" len="med"/>
+                    </a:lnT>
+                    <a:lnB w="12700" cap="flat" cmpd="sng" algn="ctr">
+                      <a:solidFill>
+                        <a:schemeClr val="accent2">
+                          <a:lumMod val="75000"/>
+                        </a:schemeClr>
+                      </a:solidFill>
+                      <a:prstDash val="solid"/>
+                      <a:round/>
+                      <a:headEnd type="none" w="med" len="med"/>
+                      <a:tailEnd type="none" w="med" len="med"/>
+                    </a:lnB>
+                    <a:solidFill>
+                      <a:schemeClr val="accent5"/>
+                    </a:solidFill>
+                  </a:tcPr>
+                </a:tc>
+                <a:extLst>
+                  <a:ext uri="{0D108BD9-81ED-4DB2-BD59-A6C34878D82A}">
+                    <a16:rowId xmlns="" xmlns:a16="http://schemas.microsoft.com/office/drawing/2014/main" val="3090935587"/>
+                  </a:ext>
+                </a:extLst>
+              </a:tr>
+              <a:tr h="548640">
+                <a:tc>
+                  <a:txBody>
+                    <a:bodyPr/>
+                    <a:lstStyle/>
+                    <a:p>
+                      <a:r>
+                        <a:rPr lang="pt-PT" sz="1400" noProof="0" dirty="0" smtClean="0">
+                          <a:solidFill>
+                            <a:schemeClr val="bg1"/>
+                          </a:solidFill>
+                          <a:latin typeface="+mn-lt"/>
+                        </a:rPr>
+                        <a:t>Modalidade</a:t>
+                      </a:r>
+                      <a:r>
+                        <a:rPr lang="pt-PT" sz="1400" baseline="0" noProof="0" dirty="0" smtClean="0">
+                          <a:solidFill>
+                            <a:schemeClr val="bg1"/>
+                          </a:solidFill>
+                          <a:latin typeface="+mn-lt"/>
+                        </a:rPr>
+                        <a:t> de Contrato</a:t>
+                      </a:r>
+                      <a:endParaRPr lang="pt-PT" sz="1400" noProof="0" dirty="0" smtClean="0">
+                        <a:solidFill>
+                          <a:schemeClr val="bg1"/>
+                        </a:solidFill>
                         <a:latin typeface="+mn-lt"/>
                       </a:endParaRPr>
                     </a:p>
@@ -26741,7 +26750,355 @@
                     <a:bodyPr/>
                     <a:lstStyle/>
                     <a:p>
-                      <a:endParaRPr lang="en-GB" sz="1400" dirty="0">
+                      <a:r>
+                        <a:rPr lang="pt-PT" sz="1400" kern="1200" noProof="0" dirty="0" smtClean="0">
+                          <a:solidFill>
+                            <a:schemeClr val="bg1"/>
+                          </a:solidFill>
+                          <a:latin typeface="+mn-lt"/>
+                          <a:ea typeface="+mn-ea"/>
+                          <a:cs typeface="+mn-cs"/>
+                        </a:rPr>
+                        <a:t>Valores tabelados pelo</a:t>
+                      </a:r>
+                      <a:r>
+                        <a:rPr lang="pt-PT" sz="1400" kern="1200" baseline="0" noProof="0" dirty="0" smtClean="0">
+                          <a:solidFill>
+                            <a:schemeClr val="bg1"/>
+                          </a:solidFill>
+                          <a:latin typeface="+mn-lt"/>
+                          <a:ea typeface="+mn-ea"/>
+                          <a:cs typeface="+mn-cs"/>
+                        </a:rPr>
+                        <a:t>s Fundos de Compensação</a:t>
+                      </a:r>
+                      <a:endParaRPr lang="pt-PT" sz="1400" kern="1200" noProof="0" dirty="0" smtClean="0">
+                        <a:solidFill>
+                          <a:schemeClr val="bg1"/>
+                        </a:solidFill>
+                        <a:latin typeface="+mn-lt"/>
+                        <a:ea typeface="+mn-ea"/>
+                        <a:cs typeface="+mn-cs"/>
+                      </a:endParaRPr>
+                    </a:p>
+                  </a:txBody>
+                  <a:tcPr anchor="ctr">
+                    <a:lnL w="12700" cap="flat" cmpd="sng" algn="ctr">
+                      <a:solidFill>
+                        <a:schemeClr val="accent2">
+                          <a:lumMod val="75000"/>
+                        </a:schemeClr>
+                      </a:solidFill>
+                      <a:prstDash val="solid"/>
+                      <a:round/>
+                      <a:headEnd type="none" w="med" len="med"/>
+                      <a:tailEnd type="none" w="med" len="med"/>
+                    </a:lnL>
+                    <a:lnR w="12700" cap="flat" cmpd="sng" algn="ctr">
+                      <a:solidFill>
+                        <a:schemeClr val="accent2">
+                          <a:lumMod val="75000"/>
+                        </a:schemeClr>
+                      </a:solidFill>
+                      <a:prstDash val="solid"/>
+                      <a:round/>
+                      <a:headEnd type="none" w="med" len="med"/>
+                      <a:tailEnd type="none" w="med" len="med"/>
+                    </a:lnR>
+                    <a:lnT w="12700" cap="flat" cmpd="sng" algn="ctr">
+                      <a:solidFill>
+                        <a:schemeClr val="accent2">
+                          <a:lumMod val="75000"/>
+                        </a:schemeClr>
+                      </a:solidFill>
+                      <a:prstDash val="solid"/>
+                      <a:round/>
+                      <a:headEnd type="none" w="med" len="med"/>
+                      <a:tailEnd type="none" w="med" len="med"/>
+                    </a:lnT>
+                    <a:lnB w="12700" cap="flat" cmpd="sng" algn="ctr">
+                      <a:solidFill>
+                        <a:schemeClr val="accent2">
+                          <a:lumMod val="75000"/>
+                        </a:schemeClr>
+                      </a:solidFill>
+                      <a:prstDash val="solid"/>
+                      <a:round/>
+                      <a:headEnd type="none" w="med" len="med"/>
+                      <a:tailEnd type="none" w="med" len="med"/>
+                    </a:lnB>
+                    <a:solidFill>
+                      <a:schemeClr val="accent5"/>
+                    </a:solidFill>
+                  </a:tcPr>
+                </a:tc>
+              </a:tr>
+              <a:tr h="548640">
+                <a:tc>
+                  <a:txBody>
+                    <a:bodyPr/>
+                    <a:lstStyle/>
+                    <a:p>
+                      <a:r>
+                        <a:rPr lang="pt-PT" sz="1400" noProof="0" dirty="0" smtClean="0">
+                          <a:solidFill>
+                            <a:schemeClr val="bg1"/>
+                          </a:solidFill>
+                          <a:latin typeface="+mn-lt"/>
+                        </a:rPr>
+                        <a:t>Retribuição Base</a:t>
+                      </a:r>
+                      <a:endParaRPr lang="pt-PT" sz="1400" noProof="0" dirty="0">
+                        <a:solidFill>
+                          <a:schemeClr val="bg1"/>
+                        </a:solidFill>
+                        <a:latin typeface="+mn-lt"/>
+                      </a:endParaRPr>
+                    </a:p>
+                  </a:txBody>
+                  <a:tcPr anchor="ctr">
+                    <a:lnL w="38100" cap="flat" cmpd="sng" algn="ctr">
+                      <a:noFill/>
+                      <a:prstDash val="solid"/>
+                      <a:round/>
+                      <a:headEnd type="none" w="med" len="med"/>
+                      <a:tailEnd type="none" w="med" len="med"/>
+                    </a:lnL>
+                    <a:lnR w="12700" cap="flat" cmpd="sng" algn="ctr">
+                      <a:solidFill>
+                        <a:schemeClr val="accent2">
+                          <a:lumMod val="75000"/>
+                        </a:schemeClr>
+                      </a:solidFill>
+                      <a:prstDash val="solid"/>
+                      <a:round/>
+                      <a:headEnd type="none" w="med" len="med"/>
+                      <a:tailEnd type="none" w="med" len="med"/>
+                    </a:lnR>
+                    <a:lnT w="12700" cap="flat" cmpd="sng" algn="ctr">
+                      <a:solidFill>
+                        <a:schemeClr val="accent2">
+                          <a:lumMod val="75000"/>
+                        </a:schemeClr>
+                      </a:solidFill>
+                      <a:prstDash val="solid"/>
+                      <a:round/>
+                      <a:headEnd type="none" w="med" len="med"/>
+                      <a:tailEnd type="none" w="med" len="med"/>
+                    </a:lnT>
+                    <a:lnB w="12700" cap="flat" cmpd="sng" algn="ctr">
+                      <a:solidFill>
+                        <a:schemeClr val="accent2">
+                          <a:lumMod val="75000"/>
+                        </a:schemeClr>
+                      </a:solidFill>
+                      <a:prstDash val="solid"/>
+                      <a:round/>
+                      <a:headEnd type="none" w="med" len="med"/>
+                      <a:tailEnd type="none" w="med" len="med"/>
+                    </a:lnB>
+                    <a:noFill/>
+                  </a:tcPr>
+                </a:tc>
+                <a:tc>
+                  <a:txBody>
+                    <a:bodyPr/>
+                    <a:lstStyle/>
+                    <a:p>
+                      <a:r>
+                        <a:rPr lang="pt-PT" sz="1400" noProof="0" dirty="0" smtClean="0">
+                          <a:solidFill>
+                            <a:schemeClr val="bg1"/>
+                          </a:solidFill>
+                          <a:latin typeface="+mn-lt"/>
+                        </a:rPr>
+                        <a:t>Seis</a:t>
+                      </a:r>
+                      <a:r>
+                        <a:rPr lang="pt-PT" sz="1400" baseline="0" noProof="0" dirty="0" smtClean="0">
+                          <a:solidFill>
+                            <a:schemeClr val="bg1"/>
+                          </a:solidFill>
+                          <a:latin typeface="+mn-lt"/>
+                        </a:rPr>
+                        <a:t> </a:t>
+                      </a:r>
+                      <a:r>
+                        <a:rPr lang="pt-PT" sz="1400" baseline="0" noProof="0" dirty="0" smtClean="0">
+                          <a:solidFill>
+                            <a:schemeClr val="bg1"/>
+                          </a:solidFill>
+                          <a:latin typeface="+mn-lt"/>
+                        </a:rPr>
+                        <a:t>dígitos com duas casas decimais</a:t>
+                      </a:r>
+                      <a:endParaRPr lang="pt-PT" sz="1400" noProof="0" dirty="0">
+                        <a:solidFill>
+                          <a:schemeClr val="bg1"/>
+                        </a:solidFill>
+                        <a:latin typeface="+mn-lt"/>
+                      </a:endParaRPr>
+                    </a:p>
+                  </a:txBody>
+                  <a:tcPr anchor="ctr">
+                    <a:lnL w="12700" cap="flat" cmpd="sng" algn="ctr">
+                      <a:solidFill>
+                        <a:schemeClr val="accent2">
+                          <a:lumMod val="75000"/>
+                        </a:schemeClr>
+                      </a:solidFill>
+                      <a:prstDash val="solid"/>
+                      <a:round/>
+                      <a:headEnd type="none" w="med" len="med"/>
+                      <a:tailEnd type="none" w="med" len="med"/>
+                    </a:lnL>
+                    <a:lnR w="12700" cap="flat" cmpd="sng" algn="ctr">
+                      <a:solidFill>
+                        <a:schemeClr val="accent2">
+                          <a:lumMod val="75000"/>
+                        </a:schemeClr>
+                      </a:solidFill>
+                      <a:prstDash val="solid"/>
+                      <a:round/>
+                      <a:headEnd type="none" w="med" len="med"/>
+                      <a:tailEnd type="none" w="med" len="med"/>
+                    </a:lnR>
+                    <a:lnT w="12700" cap="flat" cmpd="sng" algn="ctr">
+                      <a:solidFill>
+                        <a:schemeClr val="accent2">
+                          <a:lumMod val="75000"/>
+                        </a:schemeClr>
+                      </a:solidFill>
+                      <a:prstDash val="solid"/>
+                      <a:round/>
+                      <a:headEnd type="none" w="med" len="med"/>
+                      <a:tailEnd type="none" w="med" len="med"/>
+                    </a:lnT>
+                    <a:lnB w="12700" cap="flat" cmpd="sng" algn="ctr">
+                      <a:solidFill>
+                        <a:schemeClr val="accent2">
+                          <a:lumMod val="75000"/>
+                        </a:schemeClr>
+                      </a:solidFill>
+                      <a:prstDash val="solid"/>
+                      <a:round/>
+                      <a:headEnd type="none" w="med" len="med"/>
+                      <a:tailEnd type="none" w="med" len="med"/>
+                    </a:lnB>
+                    <a:noFill/>
+                  </a:tcPr>
+                </a:tc>
+                <a:extLst>
+                  <a:ext uri="{0D108BD9-81ED-4DB2-BD59-A6C34878D82A}">
+                    <a16:rowId xmlns="" xmlns:a16="http://schemas.microsoft.com/office/drawing/2014/main" val="446909641"/>
+                  </a:ext>
+                </a:extLst>
+              </a:tr>
+              <a:tr h="548640">
+                <a:tc>
+                  <a:txBody>
+                    <a:bodyPr/>
+                    <a:lstStyle/>
+                    <a:p>
+                      <a:r>
+                        <a:rPr lang="pt-PT" sz="1400" noProof="0" dirty="0" smtClean="0">
+                          <a:solidFill>
+                            <a:schemeClr val="bg1"/>
+                          </a:solidFill>
+                          <a:latin typeface="+mn-lt"/>
+                        </a:rPr>
+                        <a:t>Diuturnidades</a:t>
+                      </a:r>
+                      <a:endParaRPr lang="pt-PT" sz="1400" noProof="0" dirty="0">
+                        <a:solidFill>
+                          <a:schemeClr val="bg1"/>
+                        </a:solidFill>
+                        <a:latin typeface="+mn-lt"/>
+                      </a:endParaRPr>
+                    </a:p>
+                  </a:txBody>
+                  <a:tcPr anchor="ctr">
+                    <a:lnL w="38100" cap="flat" cmpd="sng" algn="ctr">
+                      <a:noFill/>
+                      <a:prstDash val="solid"/>
+                      <a:round/>
+                      <a:headEnd type="none" w="med" len="med"/>
+                      <a:tailEnd type="none" w="med" len="med"/>
+                    </a:lnL>
+                    <a:lnR w="12700" cap="flat" cmpd="sng" algn="ctr">
+                      <a:solidFill>
+                        <a:schemeClr val="accent2">
+                          <a:lumMod val="75000"/>
+                        </a:schemeClr>
+                      </a:solidFill>
+                      <a:prstDash val="solid"/>
+                      <a:round/>
+                      <a:headEnd type="none" w="med" len="med"/>
+                      <a:tailEnd type="none" w="med" len="med"/>
+                    </a:lnR>
+                    <a:lnT w="12700" cap="flat" cmpd="sng" algn="ctr">
+                      <a:solidFill>
+                        <a:schemeClr val="accent2">
+                          <a:lumMod val="75000"/>
+                        </a:schemeClr>
+                      </a:solidFill>
+                      <a:prstDash val="solid"/>
+                      <a:round/>
+                      <a:headEnd type="none" w="med" len="med"/>
+                      <a:tailEnd type="none" w="med" len="med"/>
+                    </a:lnT>
+                    <a:lnB w="12700" cap="flat" cmpd="sng" algn="ctr">
+                      <a:solidFill>
+                        <a:schemeClr val="accent2">
+                          <a:lumMod val="75000"/>
+                        </a:schemeClr>
+                      </a:solidFill>
+                      <a:prstDash val="solid"/>
+                      <a:round/>
+                      <a:headEnd type="none" w="med" len="med"/>
+                      <a:tailEnd type="none" w="med" len="med"/>
+                    </a:lnB>
+                    <a:solidFill>
+                      <a:schemeClr val="accent5"/>
+                    </a:solidFill>
+                  </a:tcPr>
+                </a:tc>
+                <a:tc>
+                  <a:txBody>
+                    <a:bodyPr/>
+                    <a:lstStyle/>
+                    <a:p>
+                      <a:r>
+                        <a:rPr lang="pt-PT" sz="1400" noProof="0" dirty="0" smtClean="0">
+                          <a:solidFill>
+                            <a:schemeClr val="bg1"/>
+                          </a:solidFill>
+                          <a:latin typeface="+mn-lt"/>
+                        </a:rPr>
+                        <a:t>Seis</a:t>
+                      </a:r>
+                      <a:r>
+                        <a:rPr lang="pt-PT" sz="1400" baseline="0" noProof="0" dirty="0" smtClean="0">
+                          <a:solidFill>
+                            <a:schemeClr val="bg1"/>
+                          </a:solidFill>
+                          <a:latin typeface="+mn-lt"/>
+                        </a:rPr>
+                        <a:t> </a:t>
+                      </a:r>
+                      <a:r>
+                        <a:rPr lang="pt-PT" sz="1400" baseline="0" noProof="0" dirty="0" smtClean="0">
+                          <a:solidFill>
+                            <a:schemeClr val="bg1"/>
+                          </a:solidFill>
+                          <a:latin typeface="+mn-lt"/>
+                        </a:rPr>
+                        <a:t>dígitos com duas casas decimais</a:t>
+                      </a:r>
+                      <a:endParaRPr lang="pt-PT" sz="1400" noProof="0" dirty="0">
+                        <a:solidFill>
+                          <a:schemeClr val="bg1"/>
+                        </a:solidFill>
                         <a:latin typeface="+mn-lt"/>
                       </a:endParaRPr>
                     </a:p>
@@ -26798,491 +27155,7 @@
                 </a:tc>
                 <a:extLst>
                   <a:ext uri="{0D108BD9-81ED-4DB2-BD59-A6C34878D82A}">
-                    <a16:rowId xmlns:a16="http://schemas.microsoft.com/office/drawing/2014/main" xmlns="" val="1758271508"/>
-                  </a:ext>
-                </a:extLst>
-              </a:tr>
-              <a:tr h="548640">
-                <a:tc>
-                  <a:txBody>
-                    <a:bodyPr/>
-                    <a:lstStyle/>
-                    <a:p>
-                      <a:endParaRPr lang="en-GB" sz="1400" dirty="0">
-                        <a:latin typeface="+mn-lt"/>
-                      </a:endParaRPr>
-                    </a:p>
-                  </a:txBody>
-                  <a:tcPr anchor="ctr">
-                    <a:lnL w="38100" cap="flat" cmpd="sng" algn="ctr">
-                      <a:noFill/>
-                      <a:prstDash val="solid"/>
-                      <a:round/>
-                      <a:headEnd type="none" w="med" len="med"/>
-                      <a:tailEnd type="none" w="med" len="med"/>
-                    </a:lnL>
-                    <a:lnR w="12700" cap="flat" cmpd="sng" algn="ctr">
-                      <a:solidFill>
-                        <a:schemeClr val="accent2">
-                          <a:lumMod val="75000"/>
-                        </a:schemeClr>
-                      </a:solidFill>
-                      <a:prstDash val="solid"/>
-                      <a:round/>
-                      <a:headEnd type="none" w="med" len="med"/>
-                      <a:tailEnd type="none" w="med" len="med"/>
-                    </a:lnR>
-                    <a:lnT w="12700" cap="flat" cmpd="sng" algn="ctr">
-                      <a:solidFill>
-                        <a:schemeClr val="accent2">
-                          <a:lumMod val="75000"/>
-                        </a:schemeClr>
-                      </a:solidFill>
-                      <a:prstDash val="solid"/>
-                      <a:round/>
-                      <a:headEnd type="none" w="med" len="med"/>
-                      <a:tailEnd type="none" w="med" len="med"/>
-                    </a:lnT>
-                    <a:lnB w="12700" cap="flat" cmpd="sng" algn="ctr">
-                      <a:solidFill>
-                        <a:schemeClr val="accent2">
-                          <a:lumMod val="75000"/>
-                        </a:schemeClr>
-                      </a:solidFill>
-                      <a:prstDash val="solid"/>
-                      <a:round/>
-                      <a:headEnd type="none" w="med" len="med"/>
-                      <a:tailEnd type="none" w="med" len="med"/>
-                    </a:lnB>
-                    <a:noFill/>
-                  </a:tcPr>
-                </a:tc>
-                <a:tc>
-                  <a:txBody>
-                    <a:bodyPr/>
-                    <a:lstStyle/>
-                    <a:p>
-                      <a:endParaRPr lang="en-GB" sz="1400" dirty="0">
-                        <a:latin typeface="+mn-lt"/>
-                      </a:endParaRPr>
-                    </a:p>
-                  </a:txBody>
-                  <a:tcPr anchor="ctr">
-                    <a:lnL w="12700" cap="flat" cmpd="sng" algn="ctr">
-                      <a:solidFill>
-                        <a:schemeClr val="accent2">
-                          <a:lumMod val="75000"/>
-                        </a:schemeClr>
-                      </a:solidFill>
-                      <a:prstDash val="solid"/>
-                      <a:round/>
-                      <a:headEnd type="none" w="med" len="med"/>
-                      <a:tailEnd type="none" w="med" len="med"/>
-                    </a:lnL>
-                    <a:lnR w="12700" cap="flat" cmpd="sng" algn="ctr">
-                      <a:solidFill>
-                        <a:schemeClr val="accent2">
-                          <a:lumMod val="75000"/>
-                        </a:schemeClr>
-                      </a:solidFill>
-                      <a:prstDash val="solid"/>
-                      <a:round/>
-                      <a:headEnd type="none" w="med" len="med"/>
-                      <a:tailEnd type="none" w="med" len="med"/>
-                    </a:lnR>
-                    <a:lnT w="12700" cap="flat" cmpd="sng" algn="ctr">
-                      <a:solidFill>
-                        <a:schemeClr val="accent2">
-                          <a:lumMod val="75000"/>
-                        </a:schemeClr>
-                      </a:solidFill>
-                      <a:prstDash val="solid"/>
-                      <a:round/>
-                      <a:headEnd type="none" w="med" len="med"/>
-                      <a:tailEnd type="none" w="med" len="med"/>
-                    </a:lnT>
-                    <a:lnB w="12700" cap="flat" cmpd="sng" algn="ctr">
-                      <a:solidFill>
-                        <a:schemeClr val="accent2">
-                          <a:lumMod val="75000"/>
-                        </a:schemeClr>
-                      </a:solidFill>
-                      <a:prstDash val="solid"/>
-                      <a:round/>
-                      <a:headEnd type="none" w="med" len="med"/>
-                      <a:tailEnd type="none" w="med" len="med"/>
-                    </a:lnB>
-                    <a:noFill/>
-                  </a:tcPr>
-                </a:tc>
-                <a:extLst>
-                  <a:ext uri="{0D108BD9-81ED-4DB2-BD59-A6C34878D82A}">
-                    <a16:rowId xmlns:a16="http://schemas.microsoft.com/office/drawing/2014/main" xmlns="" val="3736384641"/>
-                  </a:ext>
-                </a:extLst>
-              </a:tr>
-              <a:tr h="548640">
-                <a:tc>
-                  <a:txBody>
-                    <a:bodyPr/>
-                    <a:lstStyle/>
-                    <a:p>
-                      <a:endParaRPr lang="en-GB" sz="1400" dirty="0">
-                        <a:latin typeface="+mn-lt"/>
-                      </a:endParaRPr>
-                    </a:p>
-                  </a:txBody>
-                  <a:tcPr anchor="ctr">
-                    <a:lnL w="38100" cap="flat" cmpd="sng" algn="ctr">
-                      <a:noFill/>
-                      <a:prstDash val="solid"/>
-                      <a:round/>
-                      <a:headEnd type="none" w="med" len="med"/>
-                      <a:tailEnd type="none" w="med" len="med"/>
-                    </a:lnL>
-                    <a:lnR w="12700" cap="flat" cmpd="sng" algn="ctr">
-                      <a:solidFill>
-                        <a:schemeClr val="accent2">
-                          <a:lumMod val="75000"/>
-                        </a:schemeClr>
-                      </a:solidFill>
-                      <a:prstDash val="solid"/>
-                      <a:round/>
-                      <a:headEnd type="none" w="med" len="med"/>
-                      <a:tailEnd type="none" w="med" len="med"/>
-                    </a:lnR>
-                    <a:lnT w="12700" cap="flat" cmpd="sng" algn="ctr">
-                      <a:solidFill>
-                        <a:schemeClr val="accent2">
-                          <a:lumMod val="75000"/>
-                        </a:schemeClr>
-                      </a:solidFill>
-                      <a:prstDash val="solid"/>
-                      <a:round/>
-                      <a:headEnd type="none" w="med" len="med"/>
-                      <a:tailEnd type="none" w="med" len="med"/>
-                    </a:lnT>
-                    <a:lnB w="12700" cap="flat" cmpd="sng" algn="ctr">
-                      <a:solidFill>
-                        <a:schemeClr val="accent2">
-                          <a:lumMod val="75000"/>
-                        </a:schemeClr>
-                      </a:solidFill>
-                      <a:prstDash val="solid"/>
-                      <a:round/>
-                      <a:headEnd type="none" w="med" len="med"/>
-                      <a:tailEnd type="none" w="med" len="med"/>
-                    </a:lnB>
-                    <a:solidFill>
-                      <a:schemeClr val="accent5"/>
-                    </a:solidFill>
-                  </a:tcPr>
-                </a:tc>
-                <a:tc>
-                  <a:txBody>
-                    <a:bodyPr/>
-                    <a:lstStyle/>
-                    <a:p>
-                      <a:endParaRPr lang="en-GB" sz="1400" dirty="0">
-                        <a:latin typeface="+mn-lt"/>
-                      </a:endParaRPr>
-                    </a:p>
-                  </a:txBody>
-                  <a:tcPr anchor="ctr">
-                    <a:lnL w="12700" cap="flat" cmpd="sng" algn="ctr">
-                      <a:solidFill>
-                        <a:schemeClr val="accent2">
-                          <a:lumMod val="75000"/>
-                        </a:schemeClr>
-                      </a:solidFill>
-                      <a:prstDash val="solid"/>
-                      <a:round/>
-                      <a:headEnd type="none" w="med" len="med"/>
-                      <a:tailEnd type="none" w="med" len="med"/>
-                    </a:lnL>
-                    <a:lnR w="12700" cap="flat" cmpd="sng" algn="ctr">
-                      <a:solidFill>
-                        <a:schemeClr val="accent2">
-                          <a:lumMod val="75000"/>
-                        </a:schemeClr>
-                      </a:solidFill>
-                      <a:prstDash val="solid"/>
-                      <a:round/>
-                      <a:headEnd type="none" w="med" len="med"/>
-                      <a:tailEnd type="none" w="med" len="med"/>
-                    </a:lnR>
-                    <a:lnT w="12700" cap="flat" cmpd="sng" algn="ctr">
-                      <a:solidFill>
-                        <a:schemeClr val="accent2">
-                          <a:lumMod val="75000"/>
-                        </a:schemeClr>
-                      </a:solidFill>
-                      <a:prstDash val="solid"/>
-                      <a:round/>
-                      <a:headEnd type="none" w="med" len="med"/>
-                      <a:tailEnd type="none" w="med" len="med"/>
-                    </a:lnT>
-                    <a:lnB w="12700" cap="flat" cmpd="sng" algn="ctr">
-                      <a:solidFill>
-                        <a:schemeClr val="accent2">
-                          <a:lumMod val="75000"/>
-                        </a:schemeClr>
-                      </a:solidFill>
-                      <a:prstDash val="solid"/>
-                      <a:round/>
-                      <a:headEnd type="none" w="med" len="med"/>
-                      <a:tailEnd type="none" w="med" len="med"/>
-                    </a:lnB>
-                    <a:solidFill>
-                      <a:schemeClr val="accent5"/>
-                    </a:solidFill>
-                  </a:tcPr>
-                </a:tc>
-                <a:extLst>
-                  <a:ext uri="{0D108BD9-81ED-4DB2-BD59-A6C34878D82A}">
-                    <a16:rowId xmlns:a16="http://schemas.microsoft.com/office/drawing/2014/main" xmlns="" val="3090935587"/>
-                  </a:ext>
-                </a:extLst>
-              </a:tr>
-              <a:tr h="548640">
-                <a:tc>
-                  <a:txBody>
-                    <a:bodyPr/>
-                    <a:lstStyle/>
-                    <a:p>
-                      <a:endParaRPr lang="en-GB" sz="1400" dirty="0">
-                        <a:latin typeface="+mn-lt"/>
-                      </a:endParaRPr>
-                    </a:p>
-                  </a:txBody>
-                  <a:tcPr anchor="ctr">
-                    <a:lnL w="38100" cap="flat" cmpd="sng" algn="ctr">
-                      <a:noFill/>
-                      <a:prstDash val="solid"/>
-                      <a:round/>
-                      <a:headEnd type="none" w="med" len="med"/>
-                      <a:tailEnd type="none" w="med" len="med"/>
-                    </a:lnL>
-                    <a:lnR w="12700" cap="flat" cmpd="sng" algn="ctr">
-                      <a:solidFill>
-                        <a:schemeClr val="accent2">
-                          <a:lumMod val="75000"/>
-                        </a:schemeClr>
-                      </a:solidFill>
-                      <a:prstDash val="solid"/>
-                      <a:round/>
-                      <a:headEnd type="none" w="med" len="med"/>
-                      <a:tailEnd type="none" w="med" len="med"/>
-                    </a:lnR>
-                    <a:lnT w="12700" cap="flat" cmpd="sng" algn="ctr">
-                      <a:solidFill>
-                        <a:schemeClr val="accent2">
-                          <a:lumMod val="75000"/>
-                        </a:schemeClr>
-                      </a:solidFill>
-                      <a:prstDash val="solid"/>
-                      <a:round/>
-                      <a:headEnd type="none" w="med" len="med"/>
-                      <a:tailEnd type="none" w="med" len="med"/>
-                    </a:lnT>
-                    <a:lnB w="12700" cap="flat" cmpd="sng" algn="ctr">
-                      <a:solidFill>
-                        <a:schemeClr val="accent2">
-                          <a:lumMod val="75000"/>
-                        </a:schemeClr>
-                      </a:solidFill>
-                      <a:prstDash val="solid"/>
-                      <a:round/>
-                      <a:headEnd type="none" w="med" len="med"/>
-                      <a:tailEnd type="none" w="med" len="med"/>
-                    </a:lnB>
-                    <a:noFill/>
-                  </a:tcPr>
-                </a:tc>
-                <a:tc>
-                  <a:txBody>
-                    <a:bodyPr/>
-                    <a:lstStyle/>
-                    <a:p>
-                      <a:endParaRPr lang="en-GB" sz="1400" dirty="0">
-                        <a:latin typeface="+mn-lt"/>
-                      </a:endParaRPr>
-                    </a:p>
-                  </a:txBody>
-                  <a:tcPr anchor="ctr">
-                    <a:lnL w="12700" cap="flat" cmpd="sng" algn="ctr">
-                      <a:solidFill>
-                        <a:schemeClr val="accent2">
-                          <a:lumMod val="75000"/>
-                        </a:schemeClr>
-                      </a:solidFill>
-                      <a:prstDash val="solid"/>
-                      <a:round/>
-                      <a:headEnd type="none" w="med" len="med"/>
-                      <a:tailEnd type="none" w="med" len="med"/>
-                    </a:lnL>
-                    <a:lnR w="12700" cap="flat" cmpd="sng" algn="ctr">
-                      <a:solidFill>
-                        <a:schemeClr val="accent2">
-                          <a:lumMod val="75000"/>
-                        </a:schemeClr>
-                      </a:solidFill>
-                      <a:prstDash val="solid"/>
-                      <a:round/>
-                      <a:headEnd type="none" w="med" len="med"/>
-                      <a:tailEnd type="none" w="med" len="med"/>
-                    </a:lnR>
-                    <a:lnT w="12700" cap="flat" cmpd="sng" algn="ctr">
-                      <a:solidFill>
-                        <a:schemeClr val="accent2">
-                          <a:lumMod val="75000"/>
-                        </a:schemeClr>
-                      </a:solidFill>
-                      <a:prstDash val="solid"/>
-                      <a:round/>
-                      <a:headEnd type="none" w="med" len="med"/>
-                      <a:tailEnd type="none" w="med" len="med"/>
-                    </a:lnT>
-                    <a:lnB w="12700" cap="flat" cmpd="sng" algn="ctr">
-                      <a:solidFill>
-                        <a:schemeClr val="accent2">
-                          <a:lumMod val="75000"/>
-                        </a:schemeClr>
-                      </a:solidFill>
-                      <a:prstDash val="solid"/>
-                      <a:round/>
-                      <a:headEnd type="none" w="med" len="med"/>
-                      <a:tailEnd type="none" w="med" len="med"/>
-                    </a:lnB>
-                    <a:noFill/>
-                  </a:tcPr>
-                </a:tc>
-                <a:extLst>
-                  <a:ext uri="{0D108BD9-81ED-4DB2-BD59-A6C34878D82A}">
-                    <a16:rowId xmlns:a16="http://schemas.microsoft.com/office/drawing/2014/main" xmlns="" val="446909641"/>
-                  </a:ext>
-                </a:extLst>
-              </a:tr>
-              <a:tr h="548640">
-                <a:tc>
-                  <a:txBody>
-                    <a:bodyPr/>
-                    <a:lstStyle/>
-                    <a:p>
-                      <a:endParaRPr lang="en-GB" sz="1400" dirty="0">
-                        <a:latin typeface="+mn-lt"/>
-                      </a:endParaRPr>
-                    </a:p>
-                  </a:txBody>
-                  <a:tcPr anchor="ctr">
-                    <a:lnL w="38100" cap="flat" cmpd="sng" algn="ctr">
-                      <a:noFill/>
-                      <a:prstDash val="solid"/>
-                      <a:round/>
-                      <a:headEnd type="none" w="med" len="med"/>
-                      <a:tailEnd type="none" w="med" len="med"/>
-                    </a:lnL>
-                    <a:lnR w="12700" cap="flat" cmpd="sng" algn="ctr">
-                      <a:solidFill>
-                        <a:schemeClr val="accent2">
-                          <a:lumMod val="75000"/>
-                        </a:schemeClr>
-                      </a:solidFill>
-                      <a:prstDash val="solid"/>
-                      <a:round/>
-                      <a:headEnd type="none" w="med" len="med"/>
-                      <a:tailEnd type="none" w="med" len="med"/>
-                    </a:lnR>
-                    <a:lnT w="12700" cap="flat" cmpd="sng" algn="ctr">
-                      <a:solidFill>
-                        <a:schemeClr val="accent2">
-                          <a:lumMod val="75000"/>
-                        </a:schemeClr>
-                      </a:solidFill>
-                      <a:prstDash val="solid"/>
-                      <a:round/>
-                      <a:headEnd type="none" w="med" len="med"/>
-                      <a:tailEnd type="none" w="med" len="med"/>
-                    </a:lnT>
-                    <a:lnB w="12700" cap="flat" cmpd="sng" algn="ctr">
-                      <a:solidFill>
-                        <a:schemeClr val="accent2">
-                          <a:lumMod val="75000"/>
-                        </a:schemeClr>
-                      </a:solidFill>
-                      <a:prstDash val="solid"/>
-                      <a:round/>
-                      <a:headEnd type="none" w="med" len="med"/>
-                      <a:tailEnd type="none" w="med" len="med"/>
-                    </a:lnB>
-                    <a:solidFill>
-                      <a:schemeClr val="accent5"/>
-                    </a:solidFill>
-                  </a:tcPr>
-                </a:tc>
-                <a:tc>
-                  <a:txBody>
-                    <a:bodyPr/>
-                    <a:lstStyle/>
-                    <a:p>
-                      <a:endParaRPr lang="en-GB" sz="1400" dirty="0">
-                        <a:latin typeface="+mn-lt"/>
-                      </a:endParaRPr>
-                    </a:p>
-                  </a:txBody>
-                  <a:tcPr anchor="ctr">
-                    <a:lnL w="12700" cap="flat" cmpd="sng" algn="ctr">
-                      <a:solidFill>
-                        <a:schemeClr val="accent2">
-                          <a:lumMod val="75000"/>
-                        </a:schemeClr>
-                      </a:solidFill>
-                      <a:prstDash val="solid"/>
-                      <a:round/>
-                      <a:headEnd type="none" w="med" len="med"/>
-                      <a:tailEnd type="none" w="med" len="med"/>
-                    </a:lnL>
-                    <a:lnR w="12700" cap="flat" cmpd="sng" algn="ctr">
-                      <a:solidFill>
-                        <a:schemeClr val="accent2">
-                          <a:lumMod val="75000"/>
-                        </a:schemeClr>
-                      </a:solidFill>
-                      <a:prstDash val="solid"/>
-                      <a:round/>
-                      <a:headEnd type="none" w="med" len="med"/>
-                      <a:tailEnd type="none" w="med" len="med"/>
-                    </a:lnR>
-                    <a:lnT w="12700" cap="flat" cmpd="sng" algn="ctr">
-                      <a:solidFill>
-                        <a:schemeClr val="accent2">
-                          <a:lumMod val="75000"/>
-                        </a:schemeClr>
-                      </a:solidFill>
-                      <a:prstDash val="solid"/>
-                      <a:round/>
-                      <a:headEnd type="none" w="med" len="med"/>
-                      <a:tailEnd type="none" w="med" len="med"/>
-                    </a:lnT>
-                    <a:lnB w="12700" cap="flat" cmpd="sng" algn="ctr">
-                      <a:solidFill>
-                        <a:schemeClr val="accent2">
-                          <a:lumMod val="75000"/>
-                        </a:schemeClr>
-                      </a:solidFill>
-                      <a:prstDash val="solid"/>
-                      <a:round/>
-                      <a:headEnd type="none" w="med" len="med"/>
-                      <a:tailEnd type="none" w="med" len="med"/>
-                    </a:lnB>
-                    <a:solidFill>
-                      <a:schemeClr val="accent5"/>
-                    </a:solidFill>
-                  </a:tcPr>
-                </a:tc>
-                <a:extLst>
-                  <a:ext uri="{0D108BD9-81ED-4DB2-BD59-A6C34878D82A}">
-                    <a16:rowId xmlns:a16="http://schemas.microsoft.com/office/drawing/2014/main" xmlns="" val="3472044516"/>
+                    <a16:rowId xmlns="" xmlns:a16="http://schemas.microsoft.com/office/drawing/2014/main" val="3472044516"/>
                   </a:ext>
                 </a:extLst>
               </a:tr>
@@ -27295,7 +27168,7 @@
           <p:cNvPr id="2" name="Slide Number Placeholder 1">
             <a:extLst>
               <a:ext uri="{FF2B5EF4-FFF2-40B4-BE49-F238E27FC236}">
-                <a16:creationId xmlns:a16="http://schemas.microsoft.com/office/drawing/2014/main" xmlns="" id="{E4398C1C-6656-4A73-A680-62A81CDC27FD}"/>
+                <a16:creationId xmlns="" xmlns:a16="http://schemas.microsoft.com/office/drawing/2014/main" id="{E4398C1C-6656-4A73-A680-62A81CDC27FD}"/>
               </a:ext>
             </a:extLst>
           </p:cNvPr>
@@ -27314,7 +27187,7 @@
             <a:fld id="{C263D6C4-4840-40CC-AC84-17E24B3B7BDE}" type="slidenum">
               <a:rPr lang="en-US" smtClean="0"/>
               <a:pPr/>
-              <a:t>14</a:t>
+              <a:t>13</a:t>
             </a:fld>
             <a:endParaRPr lang="en-US" dirty="0"/>
           </a:p>
@@ -27330,25 +27203,10 @@
   <p:clrMapOvr>
     <a:masterClrMapping/>
   </p:clrMapOvr>
-  <mc:AlternateContent xmlns:mc="http://schemas.openxmlformats.org/markup-compatibility/2006" xmlns:p14="http://schemas.microsoft.com/office/powerpoint/2010/main">
-    <mc:Choice Requires="p14">
-      <p:transition p14:dur="0"/>
-    </mc:Choice>
-    <mc:Fallback xmlns="">
-      <p:transition/>
-    </mc:Fallback>
-  </mc:AlternateContent>
-  <p:timing>
-    <p:tnLst>
-      <p:par>
-        <p:cTn id="1" dur="indefinite" restart="never" nodeType="tmRoot"/>
-      </p:par>
-    </p:tnLst>
-  </p:timing>
 </p:sld>
 </file>
 
-<file path=ppt/slides/slide15.xml><?xml version="1.0" encoding="utf-8"?>
+<file path=ppt/slides/slide14.xml><?xml version="1.0" encoding="utf-8"?>
 <p:sld xmlns:a="http://schemas.openxmlformats.org/drawingml/2006/main" xmlns:r="http://schemas.openxmlformats.org/officeDocument/2006/relationships" xmlns:p="http://schemas.openxmlformats.org/presentationml/2006/main">
   <p:cSld>
     <p:spTree>
@@ -27370,7 +27228,7 @@
           <p:cNvPr id="5" name="Title 4">
             <a:extLst>
               <a:ext uri="{FF2B5EF4-FFF2-40B4-BE49-F238E27FC236}">
-                <a16:creationId xmlns:a16="http://schemas.microsoft.com/office/drawing/2014/main" xmlns="" id="{201323FB-427E-4A8D-B473-AB0657D8D23B}"/>
+                <a16:creationId xmlns="" xmlns:a16="http://schemas.microsoft.com/office/drawing/2014/main" id="{201323FB-427E-4A8D-B473-AB0657D8D23B}"/>
               </a:ext>
             </a:extLst>
           </p:cNvPr>
@@ -27392,17 +27250,16 @@
           <a:lstStyle/>
           <a:p>
             <a:r>
-              <a:rPr lang="pt-PT" dirty="0" smtClean="0"/>
+              <a:rPr lang="pt-PT" dirty="0"/>
               <a:t>Segurança Social:</a:t>
             </a:r>
             <a:br>
-              <a:rPr lang="pt-PT" dirty="0" smtClean="0"/>
+              <a:rPr lang="pt-PT" dirty="0"/>
             </a:br>
             <a:r>
-              <a:rPr lang="pt-PT" dirty="0" smtClean="0"/>
+              <a:rPr lang="pt-PT" dirty="0"/>
               <a:t>Registo Vínculo de Contrato</a:t>
             </a:r>
-            <a:endParaRPr lang="pt-PT" dirty="0"/>
           </a:p>
         </p:txBody>
       </p:sp>
@@ -27411,7 +27268,7 @@
           <p:cNvPr id="6" name="Table 5">
             <a:extLst>
               <a:ext uri="{FF2B5EF4-FFF2-40B4-BE49-F238E27FC236}">
-                <a16:creationId xmlns:a16="http://schemas.microsoft.com/office/drawing/2014/main" xmlns="" id="{E8EEB296-8554-4D20-B3B8-C0BBC380A58D}"/>
+                <a16:creationId xmlns="" xmlns:a16="http://schemas.microsoft.com/office/drawing/2014/main" id="{E8EEB296-8554-4D20-B3B8-C0BBC380A58D}"/>
               </a:ext>
             </a:extLst>
           </p:cNvPr>
@@ -27421,14 +27278,14 @@
           <p:nvPr>
             <p:extLst>
               <p:ext uri="{D42A27DB-BD31-4B8C-83A1-F6EECF244321}">
-                <p14:modId xmlns:p14="http://schemas.microsoft.com/office/powerpoint/2010/main" val="626844047"/>
+                <p14:modId xmlns:p14="http://schemas.microsoft.com/office/powerpoint/2010/main" val="867764356"/>
               </p:ext>
             </p:extLst>
           </p:nvPr>
         </p:nvGraphicFramePr>
         <p:xfrm>
-          <a:off x="1130300" y="1856740"/>
-          <a:ext cx="10003138" cy="3931920"/>
+          <a:off x="1130300" y="1580575"/>
+          <a:ext cx="10003138" cy="4480560"/>
         </p:xfrm>
         <a:graphic>
           <a:graphicData uri="http://schemas.openxmlformats.org/drawingml/2006/table">
@@ -27440,14 +27297,14 @@
                 <a:gridCol w="3015392">
                   <a:extLst>
                     <a:ext uri="{9D8B030D-6E8A-4147-A177-3AD203B41FA5}">
-                      <a16:colId xmlns:a16="http://schemas.microsoft.com/office/drawing/2014/main" xmlns="" val="3559833401"/>
+                      <a16:colId xmlns="" xmlns:a16="http://schemas.microsoft.com/office/drawing/2014/main" val="3559833401"/>
                     </a:ext>
                   </a:extLst>
                 </a:gridCol>
                 <a:gridCol w="6987746">
                   <a:extLst>
                     <a:ext uri="{9D8B030D-6E8A-4147-A177-3AD203B41FA5}">
-                      <a16:colId xmlns:a16="http://schemas.microsoft.com/office/drawing/2014/main" xmlns="" val="82523989"/>
+                      <a16:colId xmlns="" xmlns:a16="http://schemas.microsoft.com/office/drawing/2014/main" val="82523989"/>
                     </a:ext>
                   </a:extLst>
                 </a:gridCol>
@@ -27460,13 +27317,13 @@
                     <a:p>
                       <a:pPr algn="ctr"/>
                       <a:r>
-                        <a:rPr lang="en-US" sz="1600" b="0" dirty="0" err="1" smtClean="0">
+                        <a:rPr lang="pt-PT" sz="1600" b="0" noProof="0" dirty="0" smtClean="0">
                           <a:latin typeface="+mn-lt"/>
                           <a:cs typeface="Arial" panose="020B0604020202020204" pitchFamily="34" charset="0"/>
                         </a:rPr>
                         <a:t>Parâmetro</a:t>
                       </a:r>
-                      <a:endParaRPr lang="en-GB" sz="1600" b="0" dirty="0">
+                      <a:endParaRPr lang="pt-PT" sz="1600" b="0" noProof="0" dirty="0">
                         <a:latin typeface="+mn-lt"/>
                         <a:cs typeface="Arial" panose="020B0604020202020204" pitchFamily="34" charset="0"/>
                       </a:endParaRPr>
@@ -27547,13 +27404,13 @@
                         <a:defRPr/>
                       </a:pPr>
                       <a:r>
-                        <a:rPr lang="en-US" sz="1600" b="0" dirty="0" err="1" smtClean="0">
+                        <a:rPr lang="pt-PT" sz="1600" b="0" noProof="0" dirty="0" smtClean="0">
                           <a:latin typeface="+mn-lt"/>
                           <a:cs typeface="Arial" panose="020B0604020202020204" pitchFamily="34" charset="0"/>
                         </a:rPr>
                         <a:t>Formato</a:t>
                       </a:r>
-                      <a:endParaRPr lang="en-GB" sz="1600" b="0" dirty="0">
+                      <a:endParaRPr lang="pt-PT" sz="1600" b="0" noProof="0" dirty="0">
                         <a:latin typeface="+mn-lt"/>
                         <a:cs typeface="Arial" panose="020B0604020202020204" pitchFamily="34" charset="0"/>
                       </a:endParaRPr>
@@ -27617,7 +27474,7 @@
                 </a:tc>
                 <a:extLst>
                   <a:ext uri="{0D108BD9-81ED-4DB2-BD59-A6C34878D82A}">
-                    <a16:rowId xmlns:a16="http://schemas.microsoft.com/office/drawing/2014/main" xmlns="" val="3766630617"/>
+                    <a16:rowId xmlns="" xmlns:a16="http://schemas.microsoft.com/office/drawing/2014/main" val="3766630617"/>
                   </a:ext>
                 </a:extLst>
               </a:tr>
@@ -27627,7 +27484,28 @@
                     <a:bodyPr/>
                     <a:lstStyle/>
                     <a:p>
-                      <a:endParaRPr lang="en-GB" sz="1400" dirty="0">
+                      <a:r>
+                        <a:rPr lang="pt-PT" sz="1400" noProof="0" dirty="0" smtClean="0">
+                          <a:solidFill>
+                            <a:schemeClr val="bg1"/>
+                          </a:solidFill>
+                          <a:latin typeface="+mn-lt"/>
+                        </a:rPr>
+                        <a:t>Número de Identificação</a:t>
+                      </a:r>
+                      <a:r>
+                        <a:rPr lang="pt-PT" sz="1400" baseline="0" noProof="0" dirty="0" smtClean="0">
+                          <a:solidFill>
+                            <a:schemeClr val="bg1"/>
+                          </a:solidFill>
+                          <a:latin typeface="+mn-lt"/>
+                        </a:rPr>
+                        <a:t> de Segurança Social</a:t>
+                      </a:r>
+                      <a:endParaRPr lang="pt-PT" sz="1400" noProof="0" dirty="0">
+                        <a:solidFill>
+                          <a:schemeClr val="bg1"/>
+                        </a:solidFill>
                         <a:latin typeface="+mn-lt"/>
                       </a:endParaRPr>
                     </a:p>
@@ -27681,7 +27559,19 @@
                     <a:bodyPr/>
                     <a:lstStyle/>
                     <a:p>
-                      <a:endParaRPr lang="en-GB" sz="1400" dirty="0">
+                      <a:r>
+                        <a:rPr lang="pt-PT" sz="1400" noProof="0" dirty="0" smtClean="0">
+                          <a:solidFill>
+                            <a:schemeClr val="bg1"/>
+                          </a:solidFill>
+                          <a:latin typeface="+mn-lt"/>
+                        </a:rPr>
+                        <a:t>Inteiro de onze dígitos</a:t>
+                      </a:r>
+                      <a:endParaRPr lang="pt-PT" sz="1400" noProof="0" dirty="0">
+                        <a:solidFill>
+                          <a:schemeClr val="bg1"/>
+                        </a:solidFill>
                         <a:latin typeface="+mn-lt"/>
                       </a:endParaRPr>
                     </a:p>
@@ -27736,7 +27626,7 @@
                 </a:tc>
                 <a:extLst>
                   <a:ext uri="{0D108BD9-81ED-4DB2-BD59-A6C34878D82A}">
-                    <a16:rowId xmlns:a16="http://schemas.microsoft.com/office/drawing/2014/main" xmlns="" val="3446274366"/>
+                    <a16:rowId xmlns="" xmlns:a16="http://schemas.microsoft.com/office/drawing/2014/main" val="3446274366"/>
                   </a:ext>
                 </a:extLst>
               </a:tr>
@@ -27746,7 +27636,28 @@
                     <a:bodyPr/>
                     <a:lstStyle/>
                     <a:p>
-                      <a:endParaRPr lang="en-GB" sz="1400" dirty="0">
+                      <a:r>
+                        <a:rPr lang="pt-PT" sz="1400" noProof="0" dirty="0" smtClean="0">
+                          <a:solidFill>
+                            <a:schemeClr val="bg1"/>
+                          </a:solidFill>
+                          <a:latin typeface="+mn-lt"/>
+                        </a:rPr>
+                        <a:t>Data</a:t>
+                      </a:r>
+                      <a:r>
+                        <a:rPr lang="pt-PT" sz="1400" baseline="0" noProof="0" dirty="0" smtClean="0">
+                          <a:solidFill>
+                            <a:schemeClr val="bg1"/>
+                          </a:solidFill>
+                          <a:latin typeface="+mn-lt"/>
+                        </a:rPr>
+                        <a:t> de Nascimento</a:t>
+                      </a:r>
+                      <a:endParaRPr lang="pt-PT" sz="1400" noProof="0" dirty="0">
+                        <a:solidFill>
+                          <a:schemeClr val="bg1"/>
+                        </a:solidFill>
                         <a:latin typeface="+mn-lt"/>
                       </a:endParaRPr>
                     </a:p>
@@ -27802,7 +27713,19 @@
                     <a:bodyPr/>
                     <a:lstStyle/>
                     <a:p>
-                      <a:endParaRPr lang="en-GB" sz="1400" dirty="0">
+                      <a:r>
+                        <a:rPr lang="pt-PT" sz="1400" noProof="0" dirty="0" smtClean="0">
+                          <a:solidFill>
+                            <a:schemeClr val="bg1"/>
+                          </a:solidFill>
+                          <a:latin typeface="+mn-lt"/>
+                        </a:rPr>
+                        <a:t>Data (AAAA-MM-DD)</a:t>
+                      </a:r>
+                      <a:endParaRPr lang="pt-PT" sz="1400" noProof="0" dirty="0">
+                        <a:solidFill>
+                          <a:schemeClr val="bg1"/>
+                        </a:solidFill>
                         <a:latin typeface="+mn-lt"/>
                       </a:endParaRPr>
                     </a:p>
@@ -27859,7 +27782,7 @@
                 </a:tc>
                 <a:extLst>
                   <a:ext uri="{0D108BD9-81ED-4DB2-BD59-A6C34878D82A}">
-                    <a16:rowId xmlns:a16="http://schemas.microsoft.com/office/drawing/2014/main" xmlns="" val="1758271508"/>
+                    <a16:rowId xmlns="" xmlns:a16="http://schemas.microsoft.com/office/drawing/2014/main" val="1758271508"/>
                   </a:ext>
                 </a:extLst>
               </a:tr>
@@ -27869,7 +27792,28 @@
                     <a:bodyPr/>
                     <a:lstStyle/>
                     <a:p>
-                      <a:endParaRPr lang="en-GB" sz="1400" dirty="0">
+                      <a:r>
+                        <a:rPr lang="pt-PT" sz="1400" noProof="0" dirty="0" smtClean="0">
+                          <a:solidFill>
+                            <a:schemeClr val="bg1"/>
+                          </a:solidFill>
+                          <a:latin typeface="+mn-lt"/>
+                        </a:rPr>
+                        <a:t>Data de Início</a:t>
+                      </a:r>
+                      <a:r>
+                        <a:rPr lang="pt-PT" sz="1400" baseline="0" noProof="0" dirty="0" smtClean="0">
+                          <a:solidFill>
+                            <a:schemeClr val="bg1"/>
+                          </a:solidFill>
+                          <a:latin typeface="+mn-lt"/>
+                        </a:rPr>
+                        <a:t> de Contrato</a:t>
+                      </a:r>
+                      <a:endParaRPr lang="pt-PT" sz="1400" noProof="0" dirty="0">
+                        <a:solidFill>
+                          <a:schemeClr val="bg1"/>
+                        </a:solidFill>
                         <a:latin typeface="+mn-lt"/>
                       </a:endParaRPr>
                     </a:p>
@@ -27923,7 +27867,19 @@
                     <a:bodyPr/>
                     <a:lstStyle/>
                     <a:p>
-                      <a:endParaRPr lang="en-GB" sz="1400" dirty="0">
+                      <a:r>
+                        <a:rPr lang="pt-PT" sz="1400" noProof="0" dirty="0" smtClean="0">
+                          <a:solidFill>
+                            <a:schemeClr val="bg1"/>
+                          </a:solidFill>
+                          <a:latin typeface="+mn-lt"/>
+                        </a:rPr>
+                        <a:t>Data (AAAA-MM-DD)</a:t>
+                      </a:r>
+                      <a:endParaRPr lang="pt-PT" sz="1400" noProof="0" dirty="0">
+                        <a:solidFill>
+                          <a:schemeClr val="bg1"/>
+                        </a:solidFill>
                         <a:latin typeface="+mn-lt"/>
                       </a:endParaRPr>
                     </a:p>
@@ -27978,7 +27934,7 @@
                 </a:tc>
                 <a:extLst>
                   <a:ext uri="{0D108BD9-81ED-4DB2-BD59-A6C34878D82A}">
-                    <a16:rowId xmlns:a16="http://schemas.microsoft.com/office/drawing/2014/main" xmlns="" val="3736384641"/>
+                    <a16:rowId xmlns="" xmlns:a16="http://schemas.microsoft.com/office/drawing/2014/main" val="3736384641"/>
                   </a:ext>
                 </a:extLst>
               </a:tr>
@@ -27988,7 +27944,165 @@
                     <a:bodyPr/>
                     <a:lstStyle/>
                     <a:p>
-                      <a:endParaRPr lang="en-GB" sz="1400" dirty="0">
+                      <a:r>
+                        <a:rPr lang="pt-PT" sz="1400" noProof="0" dirty="0" smtClean="0">
+                          <a:solidFill>
+                            <a:schemeClr val="bg1"/>
+                          </a:solidFill>
+                          <a:latin typeface="+mn-lt"/>
+                        </a:rPr>
+                        <a:t>Data de Fim de Contrato</a:t>
+                      </a:r>
+                    </a:p>
+                  </a:txBody>
+                  <a:tcPr anchor="ctr">
+                    <a:lnL w="38100" cap="flat" cmpd="sng" algn="ctr">
+                      <a:noFill/>
+                      <a:prstDash val="solid"/>
+                      <a:round/>
+                      <a:headEnd type="none" w="med" len="med"/>
+                      <a:tailEnd type="none" w="med" len="med"/>
+                    </a:lnL>
+                    <a:lnR w="12700" cap="flat" cmpd="sng" algn="ctr">
+                      <a:solidFill>
+                        <a:schemeClr val="accent2">
+                          <a:lumMod val="75000"/>
+                        </a:schemeClr>
+                      </a:solidFill>
+                      <a:prstDash val="solid"/>
+                      <a:round/>
+                      <a:headEnd type="none" w="med" len="med"/>
+                      <a:tailEnd type="none" w="med" len="med"/>
+                    </a:lnR>
+                    <a:lnT w="12700" cap="flat" cmpd="sng" algn="ctr">
+                      <a:solidFill>
+                        <a:schemeClr val="accent2">
+                          <a:lumMod val="75000"/>
+                        </a:schemeClr>
+                      </a:solidFill>
+                      <a:prstDash val="solid"/>
+                      <a:round/>
+                      <a:headEnd type="none" w="med" len="med"/>
+                      <a:tailEnd type="none" w="med" len="med"/>
+                    </a:lnT>
+                    <a:lnB w="12700" cap="flat" cmpd="sng" algn="ctr">
+                      <a:solidFill>
+                        <a:schemeClr val="accent2">
+                          <a:lumMod val="75000"/>
+                        </a:schemeClr>
+                      </a:solidFill>
+                      <a:prstDash val="solid"/>
+                      <a:round/>
+                      <a:headEnd type="none" w="med" len="med"/>
+                      <a:tailEnd type="none" w="med" len="med"/>
+                    </a:lnB>
+                    <a:solidFill>
+                      <a:schemeClr val="accent5"/>
+                    </a:solidFill>
+                  </a:tcPr>
+                </a:tc>
+                <a:tc>
+                  <a:txBody>
+                    <a:bodyPr/>
+                    <a:lstStyle/>
+                    <a:p>
+                      <a:r>
+                        <a:rPr lang="pt-PT" sz="1400" kern="1200" noProof="0" dirty="0" smtClean="0">
+                          <a:solidFill>
+                            <a:schemeClr val="bg1"/>
+                          </a:solidFill>
+                          <a:latin typeface="+mn-lt"/>
+                          <a:ea typeface="+mn-ea"/>
+                          <a:cs typeface="+mn-cs"/>
+                        </a:rPr>
+                        <a:t>Data (AAAA-MM-DD)</a:t>
+                      </a:r>
+                    </a:p>
+                  </a:txBody>
+                  <a:tcPr anchor="ctr">
+                    <a:lnL w="12700" cap="flat" cmpd="sng" algn="ctr">
+                      <a:solidFill>
+                        <a:schemeClr val="accent2">
+                          <a:lumMod val="75000"/>
+                        </a:schemeClr>
+                      </a:solidFill>
+                      <a:prstDash val="solid"/>
+                      <a:round/>
+                      <a:headEnd type="none" w="med" len="med"/>
+                      <a:tailEnd type="none" w="med" len="med"/>
+                    </a:lnL>
+                    <a:lnR w="12700" cap="flat" cmpd="sng" algn="ctr">
+                      <a:solidFill>
+                        <a:schemeClr val="accent2">
+                          <a:lumMod val="75000"/>
+                        </a:schemeClr>
+                      </a:solidFill>
+                      <a:prstDash val="solid"/>
+                      <a:round/>
+                      <a:headEnd type="none" w="med" len="med"/>
+                      <a:tailEnd type="none" w="med" len="med"/>
+                    </a:lnR>
+                    <a:lnT w="12700" cap="flat" cmpd="sng" algn="ctr">
+                      <a:solidFill>
+                        <a:schemeClr val="accent2">
+                          <a:lumMod val="75000"/>
+                        </a:schemeClr>
+                      </a:solidFill>
+                      <a:prstDash val="solid"/>
+                      <a:round/>
+                      <a:headEnd type="none" w="med" len="med"/>
+                      <a:tailEnd type="none" w="med" len="med"/>
+                    </a:lnT>
+                    <a:lnB w="12700" cap="flat" cmpd="sng" algn="ctr">
+                      <a:solidFill>
+                        <a:schemeClr val="accent2">
+                          <a:lumMod val="75000"/>
+                        </a:schemeClr>
+                      </a:solidFill>
+                      <a:prstDash val="solid"/>
+                      <a:round/>
+                      <a:headEnd type="none" w="med" len="med"/>
+                      <a:tailEnd type="none" w="med" len="med"/>
+                    </a:lnB>
+                    <a:solidFill>
+                      <a:schemeClr val="accent5"/>
+                    </a:solidFill>
+                  </a:tcPr>
+                </a:tc>
+                <a:extLst>
+                  <a:ext uri="{0D108BD9-81ED-4DB2-BD59-A6C34878D82A}">
+                    <a16:rowId xmlns="" xmlns:a16="http://schemas.microsoft.com/office/drawing/2014/main" val="3090935587"/>
+                  </a:ext>
+                </a:extLst>
+              </a:tr>
+              <a:tr h="548640">
+                <a:tc>
+                  <a:txBody>
+                    <a:bodyPr/>
+                    <a:lstStyle/>
+                    <a:p>
+                      <a:r>
+                        <a:rPr lang="pt-PT" sz="1400" noProof="0" dirty="0" smtClean="0">
+                          <a:solidFill>
+                            <a:schemeClr val="bg1"/>
+                          </a:solidFill>
+                          <a:latin typeface="+mn-lt"/>
+                        </a:rPr>
+                        <a:t>Modalidade</a:t>
+                      </a:r>
+                      <a:r>
+                        <a:rPr lang="pt-PT" sz="1400" baseline="0" noProof="0" dirty="0" smtClean="0">
+                          <a:solidFill>
+                            <a:schemeClr val="bg1"/>
+                          </a:solidFill>
+                          <a:latin typeface="+mn-lt"/>
+                        </a:rPr>
+                        <a:t> de Contrato</a:t>
+                      </a:r>
+                      <a:endParaRPr lang="pt-PT" sz="1400" noProof="0" dirty="0">
+                        <a:solidFill>
+                          <a:schemeClr val="bg1"/>
+                        </a:solidFill>
                         <a:latin typeface="+mn-lt"/>
                       </a:endParaRPr>
                     </a:p>
@@ -28044,7 +28158,934 @@
                     <a:bodyPr/>
                     <a:lstStyle/>
                     <a:p>
-                      <a:endParaRPr lang="en-GB" sz="1400" dirty="0">
+                      <a:r>
+                        <a:rPr lang="pt-PT" sz="1400" noProof="0" dirty="0" smtClean="0">
+                          <a:solidFill>
+                            <a:schemeClr val="bg1"/>
+                          </a:solidFill>
+                          <a:latin typeface="+mn-lt"/>
+                        </a:rPr>
+                        <a:t>Valor tabelado pela Segurança</a:t>
+                      </a:r>
+                      <a:r>
+                        <a:rPr lang="pt-PT" sz="1400" baseline="0" noProof="0" dirty="0" smtClean="0">
+                          <a:solidFill>
+                            <a:schemeClr val="bg1"/>
+                          </a:solidFill>
+                          <a:latin typeface="+mn-lt"/>
+                        </a:rPr>
+                        <a:t> Social</a:t>
+                      </a:r>
+                    </a:p>
+                  </a:txBody>
+                  <a:tcPr anchor="ctr">
+                    <a:lnL w="12700" cap="flat" cmpd="sng" algn="ctr">
+                      <a:solidFill>
+                        <a:schemeClr val="accent2">
+                          <a:lumMod val="75000"/>
+                        </a:schemeClr>
+                      </a:solidFill>
+                      <a:prstDash val="solid"/>
+                      <a:round/>
+                      <a:headEnd type="none" w="med" len="med"/>
+                      <a:tailEnd type="none" w="med" len="med"/>
+                    </a:lnL>
+                    <a:lnR w="12700" cap="flat" cmpd="sng" algn="ctr">
+                      <a:solidFill>
+                        <a:schemeClr val="accent2">
+                          <a:lumMod val="75000"/>
+                        </a:schemeClr>
+                      </a:solidFill>
+                      <a:prstDash val="solid"/>
+                      <a:round/>
+                      <a:headEnd type="none" w="med" len="med"/>
+                      <a:tailEnd type="none" w="med" len="med"/>
+                    </a:lnR>
+                    <a:lnT w="12700" cap="flat" cmpd="sng" algn="ctr">
+                      <a:solidFill>
+                        <a:schemeClr val="accent2">
+                          <a:lumMod val="75000"/>
+                        </a:schemeClr>
+                      </a:solidFill>
+                      <a:prstDash val="solid"/>
+                      <a:round/>
+                      <a:headEnd type="none" w="med" len="med"/>
+                      <a:tailEnd type="none" w="med" len="med"/>
+                    </a:lnT>
+                    <a:lnB w="12700" cap="flat" cmpd="sng" algn="ctr">
+                      <a:solidFill>
+                        <a:schemeClr val="accent2">
+                          <a:lumMod val="75000"/>
+                        </a:schemeClr>
+                      </a:solidFill>
+                      <a:prstDash val="solid"/>
+                      <a:round/>
+                      <a:headEnd type="none" w="med" len="med"/>
+                      <a:tailEnd type="none" w="med" len="med"/>
+                    </a:lnB>
+                    <a:solidFill>
+                      <a:schemeClr val="accent5"/>
+                    </a:solidFill>
+                  </a:tcPr>
+                </a:tc>
+              </a:tr>
+              <a:tr h="548640">
+                <a:tc>
+                  <a:txBody>
+                    <a:bodyPr/>
+                    <a:lstStyle/>
+                    <a:p>
+                      <a:r>
+                        <a:rPr lang="pt-PT" sz="1400" noProof="0" dirty="0" smtClean="0">
+                          <a:solidFill>
+                            <a:schemeClr val="bg1"/>
+                          </a:solidFill>
+                          <a:latin typeface="+mn-lt"/>
+                        </a:rPr>
+                        <a:t>Motivo de Contrato</a:t>
+                      </a:r>
+                      <a:endParaRPr lang="pt-PT" sz="1400" noProof="0" dirty="0">
+                        <a:solidFill>
+                          <a:schemeClr val="bg1"/>
+                        </a:solidFill>
+                        <a:latin typeface="+mn-lt"/>
+                      </a:endParaRPr>
+                    </a:p>
+                  </a:txBody>
+                  <a:tcPr anchor="ctr">
+                    <a:lnL w="38100" cap="flat" cmpd="sng" algn="ctr">
+                      <a:noFill/>
+                      <a:prstDash val="solid"/>
+                      <a:round/>
+                      <a:headEnd type="none" w="med" len="med"/>
+                      <a:tailEnd type="none" w="med" len="med"/>
+                    </a:lnL>
+                    <a:lnR w="12700" cap="flat" cmpd="sng" algn="ctr">
+                      <a:solidFill>
+                        <a:schemeClr val="accent2">
+                          <a:lumMod val="75000"/>
+                        </a:schemeClr>
+                      </a:solidFill>
+                      <a:prstDash val="solid"/>
+                      <a:round/>
+                      <a:headEnd type="none" w="med" len="med"/>
+                      <a:tailEnd type="none" w="med" len="med"/>
+                    </a:lnR>
+                    <a:lnT w="12700" cap="flat" cmpd="sng" algn="ctr">
+                      <a:solidFill>
+                        <a:schemeClr val="accent2">
+                          <a:lumMod val="75000"/>
+                        </a:schemeClr>
+                      </a:solidFill>
+                      <a:prstDash val="solid"/>
+                      <a:round/>
+                      <a:headEnd type="none" w="med" len="med"/>
+                      <a:tailEnd type="none" w="med" len="med"/>
+                    </a:lnT>
+                    <a:lnB w="12700" cap="flat" cmpd="sng" algn="ctr">
+                      <a:solidFill>
+                        <a:schemeClr val="accent2">
+                          <a:lumMod val="75000"/>
+                        </a:schemeClr>
+                      </a:solidFill>
+                      <a:prstDash val="solid"/>
+                      <a:round/>
+                      <a:headEnd type="none" w="med" len="med"/>
+                      <a:tailEnd type="none" w="med" len="med"/>
+                    </a:lnB>
+                    <a:solidFill>
+                      <a:schemeClr val="accent5"/>
+                    </a:solidFill>
+                  </a:tcPr>
+                </a:tc>
+                <a:tc>
+                  <a:txBody>
+                    <a:bodyPr/>
+                    <a:lstStyle/>
+                    <a:p>
+                      <a:r>
+                        <a:rPr lang="pt-PT" sz="1400" baseline="0" noProof="0" dirty="0" smtClean="0">
+                          <a:solidFill>
+                            <a:schemeClr val="bg1"/>
+                          </a:solidFill>
+                          <a:latin typeface="+mn-lt"/>
+                        </a:rPr>
+                        <a:t>Valor tabelado pela Segurança Social</a:t>
+                      </a:r>
+                    </a:p>
+                  </a:txBody>
+                  <a:tcPr anchor="ctr">
+                    <a:lnL w="12700" cap="flat" cmpd="sng" algn="ctr">
+                      <a:solidFill>
+                        <a:schemeClr val="accent2">
+                          <a:lumMod val="75000"/>
+                        </a:schemeClr>
+                      </a:solidFill>
+                      <a:prstDash val="solid"/>
+                      <a:round/>
+                      <a:headEnd type="none" w="med" len="med"/>
+                      <a:tailEnd type="none" w="med" len="med"/>
+                    </a:lnL>
+                    <a:lnR w="12700" cap="flat" cmpd="sng" algn="ctr">
+                      <a:solidFill>
+                        <a:schemeClr val="accent2">
+                          <a:lumMod val="75000"/>
+                        </a:schemeClr>
+                      </a:solidFill>
+                      <a:prstDash val="solid"/>
+                      <a:round/>
+                      <a:headEnd type="none" w="med" len="med"/>
+                      <a:tailEnd type="none" w="med" len="med"/>
+                    </a:lnR>
+                    <a:lnT w="12700" cap="flat" cmpd="sng" algn="ctr">
+                      <a:solidFill>
+                        <a:schemeClr val="accent2">
+                          <a:lumMod val="75000"/>
+                        </a:schemeClr>
+                      </a:solidFill>
+                      <a:prstDash val="solid"/>
+                      <a:round/>
+                      <a:headEnd type="none" w="med" len="med"/>
+                      <a:tailEnd type="none" w="med" len="med"/>
+                    </a:lnT>
+                    <a:lnB w="12700" cap="flat" cmpd="sng" algn="ctr">
+                      <a:solidFill>
+                        <a:schemeClr val="accent2">
+                          <a:lumMod val="75000"/>
+                        </a:schemeClr>
+                      </a:solidFill>
+                      <a:prstDash val="solid"/>
+                      <a:round/>
+                      <a:headEnd type="none" w="med" len="med"/>
+                      <a:tailEnd type="none" w="med" len="med"/>
+                    </a:lnB>
+                    <a:solidFill>
+                      <a:schemeClr val="accent5"/>
+                    </a:solidFill>
+                  </a:tcPr>
+                </a:tc>
+              </a:tr>
+              <a:tr h="548640">
+                <a:tc>
+                  <a:txBody>
+                    <a:bodyPr/>
+                    <a:lstStyle/>
+                    <a:p>
+                      <a:r>
+                        <a:rPr lang="pt-PT" sz="1400" noProof="0" dirty="0" smtClean="0">
+                          <a:solidFill>
+                            <a:schemeClr val="bg1"/>
+                          </a:solidFill>
+                          <a:latin typeface="+mn-lt"/>
+                        </a:rPr>
+                        <a:t>Código de Profissão</a:t>
+                      </a:r>
+                      <a:endParaRPr lang="pt-PT" sz="1400" noProof="0" dirty="0">
+                        <a:solidFill>
+                          <a:schemeClr val="bg1"/>
+                        </a:solidFill>
+                        <a:latin typeface="+mn-lt"/>
+                      </a:endParaRPr>
+                    </a:p>
+                  </a:txBody>
+                  <a:tcPr anchor="ctr">
+                    <a:lnL w="38100" cap="flat" cmpd="sng" algn="ctr">
+                      <a:noFill/>
+                      <a:prstDash val="solid"/>
+                      <a:round/>
+                      <a:headEnd type="none" w="med" len="med"/>
+                      <a:tailEnd type="none" w="med" len="med"/>
+                    </a:lnL>
+                    <a:lnR w="12700" cap="flat" cmpd="sng" algn="ctr">
+                      <a:solidFill>
+                        <a:schemeClr val="accent2">
+                          <a:lumMod val="75000"/>
+                        </a:schemeClr>
+                      </a:solidFill>
+                      <a:prstDash val="solid"/>
+                      <a:round/>
+                      <a:headEnd type="none" w="med" len="med"/>
+                      <a:tailEnd type="none" w="med" len="med"/>
+                    </a:lnR>
+                    <a:lnT w="12700" cap="flat" cmpd="sng" algn="ctr">
+                      <a:solidFill>
+                        <a:schemeClr val="accent2">
+                          <a:lumMod val="75000"/>
+                        </a:schemeClr>
+                      </a:solidFill>
+                      <a:prstDash val="solid"/>
+                      <a:round/>
+                      <a:headEnd type="none" w="med" len="med"/>
+                      <a:tailEnd type="none" w="med" len="med"/>
+                    </a:lnT>
+                    <a:lnB w="12700" cap="flat" cmpd="sng" algn="ctr">
+                      <a:solidFill>
+                        <a:schemeClr val="accent2">
+                          <a:lumMod val="75000"/>
+                        </a:schemeClr>
+                      </a:solidFill>
+                      <a:prstDash val="solid"/>
+                      <a:round/>
+                      <a:headEnd type="none" w="med" len="med"/>
+                      <a:tailEnd type="none" w="med" len="med"/>
+                    </a:lnB>
+                    <a:solidFill>
+                      <a:schemeClr val="accent5"/>
+                    </a:solidFill>
+                  </a:tcPr>
+                </a:tc>
+                <a:tc>
+                  <a:txBody>
+                    <a:bodyPr/>
+                    <a:lstStyle/>
+                    <a:p>
+                      <a:r>
+                        <a:rPr lang="pt-PT" sz="1400" baseline="0" noProof="0" dirty="0" smtClean="0">
+                          <a:solidFill>
+                            <a:schemeClr val="bg1"/>
+                          </a:solidFill>
+                          <a:latin typeface="+mn-lt"/>
+                        </a:rPr>
+                        <a:t>Valor tabelado pela Segurança Social</a:t>
+                      </a:r>
+                    </a:p>
+                  </a:txBody>
+                  <a:tcPr anchor="ctr">
+                    <a:lnL w="12700" cap="flat" cmpd="sng" algn="ctr">
+                      <a:solidFill>
+                        <a:schemeClr val="accent2">
+                          <a:lumMod val="75000"/>
+                        </a:schemeClr>
+                      </a:solidFill>
+                      <a:prstDash val="solid"/>
+                      <a:round/>
+                      <a:headEnd type="none" w="med" len="med"/>
+                      <a:tailEnd type="none" w="med" len="med"/>
+                    </a:lnL>
+                    <a:lnR w="12700" cap="flat" cmpd="sng" algn="ctr">
+                      <a:solidFill>
+                        <a:schemeClr val="accent2">
+                          <a:lumMod val="75000"/>
+                        </a:schemeClr>
+                      </a:solidFill>
+                      <a:prstDash val="solid"/>
+                      <a:round/>
+                      <a:headEnd type="none" w="med" len="med"/>
+                      <a:tailEnd type="none" w="med" len="med"/>
+                    </a:lnR>
+                    <a:lnT w="12700" cap="flat" cmpd="sng" algn="ctr">
+                      <a:solidFill>
+                        <a:schemeClr val="accent2">
+                          <a:lumMod val="75000"/>
+                        </a:schemeClr>
+                      </a:solidFill>
+                      <a:prstDash val="solid"/>
+                      <a:round/>
+                      <a:headEnd type="none" w="med" len="med"/>
+                      <a:tailEnd type="none" w="med" len="med"/>
+                    </a:lnT>
+                    <a:lnB w="12700" cap="flat" cmpd="sng" algn="ctr">
+                      <a:solidFill>
+                        <a:schemeClr val="accent2">
+                          <a:lumMod val="75000"/>
+                        </a:schemeClr>
+                      </a:solidFill>
+                      <a:prstDash val="solid"/>
+                      <a:round/>
+                      <a:headEnd type="none" w="med" len="med"/>
+                      <a:tailEnd type="none" w="med" len="med"/>
+                    </a:lnB>
+                    <a:solidFill>
+                      <a:schemeClr val="accent5"/>
+                    </a:solidFill>
+                  </a:tcPr>
+                </a:tc>
+              </a:tr>
+            </a:tbl>
+          </a:graphicData>
+        </a:graphic>
+      </p:graphicFrame>
+      <p:sp>
+        <p:nvSpPr>
+          <p:cNvPr id="2" name="Slide Number Placeholder 1">
+            <a:extLst>
+              <a:ext uri="{FF2B5EF4-FFF2-40B4-BE49-F238E27FC236}">
+                <a16:creationId xmlns="" xmlns:a16="http://schemas.microsoft.com/office/drawing/2014/main" id="{E4398C1C-6656-4A73-A680-62A81CDC27FD}"/>
+              </a:ext>
+            </a:extLst>
+          </p:cNvPr>
+          <p:cNvSpPr>
+            <a:spLocks noGrp="1"/>
+          </p:cNvSpPr>
+          <p:nvPr>
+            <p:ph type="sldNum" sz="quarter" idx="12"/>
+          </p:nvPr>
+        </p:nvSpPr>
+        <p:spPr/>
+        <p:txBody>
+          <a:bodyPr/>
+          <a:lstStyle/>
+          <a:p>
+            <a:fld id="{C263D6C4-4840-40CC-AC84-17E24B3B7BDE}" type="slidenum">
+              <a:rPr lang="en-US" smtClean="0"/>
+              <a:pPr/>
+              <a:t>14</a:t>
+            </a:fld>
+            <a:endParaRPr lang="en-US" dirty="0"/>
+          </a:p>
+        </p:txBody>
+      </p:sp>
+    </p:spTree>
+    <p:extLst>
+      <p:ext uri="{BB962C8B-B14F-4D97-AF65-F5344CB8AC3E}">
+        <p14:creationId xmlns:p14="http://schemas.microsoft.com/office/powerpoint/2010/main" val="592117129"/>
+      </p:ext>
+    </p:extLst>
+  </p:cSld>
+  <p:clrMapOvr>
+    <a:masterClrMapping/>
+  </p:clrMapOvr>
+</p:sld>
+</file>
+
+<file path=ppt/slides/slide15.xml><?xml version="1.0" encoding="utf-8"?>
+<p:sld xmlns:a="http://schemas.openxmlformats.org/drawingml/2006/main" xmlns:r="http://schemas.openxmlformats.org/officeDocument/2006/relationships" xmlns:p="http://schemas.openxmlformats.org/presentationml/2006/main">
+  <p:cSld>
+    <p:spTree>
+      <p:nvGrpSpPr>
+        <p:cNvPr id="1" name=""/>
+        <p:cNvGrpSpPr/>
+        <p:nvPr/>
+      </p:nvGrpSpPr>
+      <p:grpSpPr>
+        <a:xfrm>
+          <a:off x="0" y="0"/>
+          <a:ext cx="0" cy="0"/>
+          <a:chOff x="0" y="0"/>
+          <a:chExt cx="0" cy="0"/>
+        </a:xfrm>
+      </p:grpSpPr>
+      <p:sp>
+        <p:nvSpPr>
+          <p:cNvPr id="5" name="Title 4">
+            <a:extLst>
+              <a:ext uri="{FF2B5EF4-FFF2-40B4-BE49-F238E27FC236}">
+                <a16:creationId xmlns="" xmlns:a16="http://schemas.microsoft.com/office/drawing/2014/main" id="{201323FB-427E-4A8D-B473-AB0657D8D23B}"/>
+              </a:ext>
+            </a:extLst>
+          </p:cNvPr>
+          <p:cNvSpPr>
+            <a:spLocks noGrp="1"/>
+          </p:cNvSpPr>
+          <p:nvPr>
+            <p:ph type="title"/>
+          </p:nvPr>
+        </p:nvSpPr>
+        <p:spPr>
+          <a:xfrm>
+            <a:off x="444500" y="358815"/>
+            <a:ext cx="6361336" cy="978729"/>
+          </a:xfrm>
+        </p:spPr>
+        <p:txBody>
+          <a:bodyPr/>
+          <a:lstStyle/>
+          <a:p>
+            <a:r>
+              <a:rPr lang="pt-PT" dirty="0"/>
+              <a:t>Segurança Social:</a:t>
+            </a:r>
+            <a:br>
+              <a:rPr lang="pt-PT" dirty="0"/>
+            </a:br>
+            <a:r>
+              <a:rPr lang="pt-PT" dirty="0"/>
+              <a:t>Registo Vínculo de Contrato</a:t>
+            </a:r>
+          </a:p>
+        </p:txBody>
+      </p:sp>
+      <p:graphicFrame>
+        <p:nvGraphicFramePr>
+          <p:cNvPr id="6" name="Table 5">
+            <a:extLst>
+              <a:ext uri="{FF2B5EF4-FFF2-40B4-BE49-F238E27FC236}">
+                <a16:creationId xmlns="" xmlns:a16="http://schemas.microsoft.com/office/drawing/2014/main" id="{E8EEB296-8554-4D20-B3B8-C0BBC380A58D}"/>
+              </a:ext>
+            </a:extLst>
+          </p:cNvPr>
+          <p:cNvGraphicFramePr>
+            <a:graphicFrameLocks noGrp="1"/>
+          </p:cNvGraphicFramePr>
+          <p:nvPr>
+            <p:extLst>
+              <p:ext uri="{D42A27DB-BD31-4B8C-83A1-F6EECF244321}">
+                <p14:modId xmlns:p14="http://schemas.microsoft.com/office/powerpoint/2010/main" val="3467407246"/>
+              </p:ext>
+            </p:extLst>
+          </p:nvPr>
+        </p:nvGraphicFramePr>
+        <p:xfrm>
+          <a:off x="1130300" y="1580575"/>
+          <a:ext cx="10003138" cy="4480560"/>
+        </p:xfrm>
+        <a:graphic>
+          <a:graphicData uri="http://schemas.openxmlformats.org/drawingml/2006/table">
+            <a:tbl>
+              <a:tblPr firstRow="1" bandRow="1">
+                <a:tableStyleId>{5C22544A-7EE6-4342-B048-85BDC9FD1C3A}</a:tableStyleId>
+              </a:tblPr>
+              <a:tblGrid>
+                <a:gridCol w="3015392">
+                  <a:extLst>
+                    <a:ext uri="{9D8B030D-6E8A-4147-A177-3AD203B41FA5}">
+                      <a16:colId xmlns="" xmlns:a16="http://schemas.microsoft.com/office/drawing/2014/main" val="3559833401"/>
+                    </a:ext>
+                  </a:extLst>
+                </a:gridCol>
+                <a:gridCol w="6987746">
+                  <a:extLst>
+                    <a:ext uri="{9D8B030D-6E8A-4147-A177-3AD203B41FA5}">
+                      <a16:colId xmlns="" xmlns:a16="http://schemas.microsoft.com/office/drawing/2014/main" val="82523989"/>
+                    </a:ext>
+                  </a:extLst>
+                </a:gridCol>
+              </a:tblGrid>
+              <a:tr h="640080">
+                <a:tc>
+                  <a:txBody>
+                    <a:bodyPr/>
+                    <a:lstStyle/>
+                    <a:p>
+                      <a:pPr algn="ctr"/>
+                      <a:r>
+                        <a:rPr lang="pt-PT" sz="1600" b="0" noProof="0" dirty="0" smtClean="0">
+                          <a:latin typeface="+mn-lt"/>
+                          <a:cs typeface="Arial" panose="020B0604020202020204" pitchFamily="34" charset="0"/>
+                        </a:rPr>
+                        <a:t>Parâmetro</a:t>
+                      </a:r>
+                      <a:endParaRPr lang="pt-PT" sz="1600" b="0" noProof="0" dirty="0">
+                        <a:latin typeface="+mn-lt"/>
+                        <a:cs typeface="Arial" panose="020B0604020202020204" pitchFamily="34" charset="0"/>
+                      </a:endParaRPr>
+                    </a:p>
+                  </a:txBody>
+                  <a:tcPr anchor="ctr">
+                    <a:lnL w="12700" cap="flat" cmpd="sng" algn="ctr">
+                      <a:noFill/>
+                      <a:prstDash val="solid"/>
+                      <a:round/>
+                      <a:headEnd type="none" w="med" len="med"/>
+                      <a:tailEnd type="none" w="med" len="med"/>
+                    </a:lnL>
+                    <a:lnR w="12700" cap="flat" cmpd="sng" algn="ctr">
+                      <a:solidFill>
+                        <a:schemeClr val="accent2">
+                          <a:lumMod val="75000"/>
+                        </a:schemeClr>
+                      </a:solidFill>
+                      <a:prstDash val="solid"/>
+                      <a:round/>
+                      <a:headEnd type="none" w="med" len="med"/>
+                      <a:tailEnd type="none" w="med" len="med"/>
+                    </a:lnR>
+                    <a:lnT w="38100" cap="flat" cmpd="sng" algn="ctr">
+                      <a:solidFill>
+                        <a:schemeClr val="accent2">
+                          <a:lumMod val="75000"/>
+                        </a:schemeClr>
+                      </a:solidFill>
+                      <a:prstDash val="solid"/>
+                      <a:round/>
+                      <a:headEnd type="none" w="med" len="med"/>
+                      <a:tailEnd type="none" w="med" len="med"/>
+                    </a:lnT>
+                    <a:lnB w="38100" cap="flat" cmpd="sng" algn="ctr">
+                      <a:solidFill>
+                        <a:schemeClr val="accent2">
+                          <a:lumMod val="75000"/>
+                        </a:schemeClr>
+                      </a:solidFill>
+                      <a:prstDash val="solid"/>
+                      <a:round/>
+                      <a:headEnd type="none" w="med" len="med"/>
+                      <a:tailEnd type="none" w="med" len="med"/>
+                    </a:lnB>
+                    <a:lnTlToBr w="12700" cmpd="sng">
+                      <a:noFill/>
+                      <a:prstDash val="solid"/>
+                    </a:lnTlToBr>
+                    <a:lnBlToTr w="12700" cmpd="sng">
+                      <a:noFill/>
+                      <a:prstDash val="solid"/>
+                    </a:lnBlToTr>
+                    <a:noFill/>
+                  </a:tcPr>
+                </a:tc>
+                <a:tc>
+                  <a:txBody>
+                    <a:bodyPr/>
+                    <a:lstStyle/>
+                    <a:p>
+                      <a:pPr marL="0" marR="0" lvl="0" indent="0" algn="ctr" defTabSz="914400" rtl="0" eaLnBrk="1" fontAlgn="auto" latinLnBrk="0" hangingPunct="1">
+                        <a:lnSpc>
+                          <a:spcPct val="100000"/>
+                        </a:lnSpc>
+                        <a:spcBef>
+                          <a:spcPts val="0"/>
+                        </a:spcBef>
+                        <a:spcAft>
+                          <a:spcPts val="0"/>
+                        </a:spcAft>
+                        <a:buClrTx/>
+                        <a:buSzTx/>
+                        <a:buFontTx/>
+                        <a:buNone/>
+                        <a:tabLst/>
+                        <a:defRPr/>
+                      </a:pPr>
+                      <a:r>
+                        <a:rPr lang="pt-PT" sz="1600" b="0" noProof="0" dirty="0" smtClean="0">
+                          <a:latin typeface="+mn-lt"/>
+                          <a:cs typeface="Arial" panose="020B0604020202020204" pitchFamily="34" charset="0"/>
+                        </a:rPr>
+                        <a:t>Formato</a:t>
+                      </a:r>
+                      <a:endParaRPr lang="pt-PT" sz="1600" b="0" noProof="0" dirty="0">
+                        <a:latin typeface="+mn-lt"/>
+                        <a:cs typeface="Arial" panose="020B0604020202020204" pitchFamily="34" charset="0"/>
+                      </a:endParaRPr>
+                    </a:p>
+                  </a:txBody>
+                  <a:tcPr anchor="ctr">
+                    <a:lnL w="12700" cap="flat" cmpd="sng" algn="ctr">
+                      <a:solidFill>
+                        <a:schemeClr val="accent2">
+                          <a:lumMod val="75000"/>
+                        </a:schemeClr>
+                      </a:solidFill>
+                      <a:prstDash val="solid"/>
+                      <a:round/>
+                      <a:headEnd type="none" w="med" len="med"/>
+                      <a:tailEnd type="none" w="med" len="med"/>
+                    </a:lnL>
+                    <a:lnR w="12700" cap="flat" cmpd="sng" algn="ctr">
+                      <a:solidFill>
+                        <a:schemeClr val="accent2">
+                          <a:lumMod val="75000"/>
+                        </a:schemeClr>
+                      </a:solidFill>
+                      <a:prstDash val="solid"/>
+                      <a:round/>
+                      <a:headEnd type="none" w="med" len="med"/>
+                      <a:tailEnd type="none" w="med" len="med"/>
+                    </a:lnR>
+                    <a:lnT w="38100" cap="flat" cmpd="sng" algn="ctr">
+                      <a:solidFill>
+                        <a:schemeClr val="accent2">
+                          <a:lumMod val="75000"/>
+                        </a:schemeClr>
+                      </a:solidFill>
+                      <a:prstDash val="solid"/>
+                      <a:round/>
+                      <a:headEnd type="none" w="med" len="med"/>
+                      <a:tailEnd type="none" w="med" len="med"/>
+                    </a:lnT>
+                    <a:lnB w="38100" cap="flat" cmpd="sng" algn="ctr">
+                      <a:solidFill>
+                        <a:schemeClr val="accent2">
+                          <a:lumMod val="75000"/>
+                        </a:schemeClr>
+                      </a:solidFill>
+                      <a:prstDash val="solid"/>
+                      <a:round/>
+                      <a:headEnd type="none" w="med" len="med"/>
+                      <a:tailEnd type="none" w="med" len="med"/>
+                    </a:lnB>
+                    <a:lnTlToBr w="12700" cmpd="sng">
+                      <a:noFill/>
+                      <a:prstDash val="solid"/>
+                    </a:lnTlToBr>
+                    <a:lnBlToTr w="12700" cmpd="sng">
+                      <a:noFill/>
+                      <a:prstDash val="solid"/>
+                    </a:lnBlToTr>
+                    <a:noFill/>
+                  </a:tcPr>
+                </a:tc>
+                <a:extLst>
+                  <a:ext uri="{0D108BD9-81ED-4DB2-BD59-A6C34878D82A}">
+                    <a16:rowId xmlns="" xmlns:a16="http://schemas.microsoft.com/office/drawing/2014/main" val="3766630617"/>
+                  </a:ext>
+                </a:extLst>
+              </a:tr>
+              <a:tr h="548640">
+                <a:tc>
+                  <a:txBody>
+                    <a:bodyPr/>
+                    <a:lstStyle/>
+                    <a:p>
+                      <a:r>
+                        <a:rPr lang="pt-PT" sz="1400" noProof="0" dirty="0" smtClean="0">
+                          <a:solidFill>
+                            <a:schemeClr val="bg1"/>
+                          </a:solidFill>
+                          <a:latin typeface="+mn-lt"/>
+                        </a:rPr>
+                        <a:t>Renumeração Base</a:t>
+                      </a:r>
+                      <a:endParaRPr lang="pt-PT" sz="1400" noProof="0" dirty="0">
+                        <a:solidFill>
+                          <a:schemeClr val="bg1"/>
+                        </a:solidFill>
+                        <a:latin typeface="+mn-lt"/>
+                      </a:endParaRPr>
+                    </a:p>
+                  </a:txBody>
+                  <a:tcPr anchor="ctr">
+                    <a:lnL w="38100" cap="flat" cmpd="sng" algn="ctr">
+                      <a:noFill/>
+                      <a:prstDash val="solid"/>
+                      <a:round/>
+                      <a:headEnd type="none" w="med" len="med"/>
+                      <a:tailEnd type="none" w="med" len="med"/>
+                    </a:lnL>
+                    <a:lnR w="12700" cap="flat" cmpd="sng" algn="ctr">
+                      <a:solidFill>
+                        <a:schemeClr val="accent2">
+                          <a:lumMod val="75000"/>
+                        </a:schemeClr>
+                      </a:solidFill>
+                      <a:prstDash val="solid"/>
+                      <a:round/>
+                      <a:headEnd type="none" w="med" len="med"/>
+                      <a:tailEnd type="none" w="med" len="med"/>
+                    </a:lnR>
+                    <a:lnT w="38100" cap="flat" cmpd="sng" algn="ctr">
+                      <a:solidFill>
+                        <a:schemeClr val="accent2">
+                          <a:lumMod val="75000"/>
+                        </a:schemeClr>
+                      </a:solidFill>
+                      <a:prstDash val="solid"/>
+                      <a:round/>
+                      <a:headEnd type="none" w="med" len="med"/>
+                      <a:tailEnd type="none" w="med" len="med"/>
+                    </a:lnT>
+                    <a:lnB w="12700" cap="flat" cmpd="sng" algn="ctr">
+                      <a:solidFill>
+                        <a:schemeClr val="accent2">
+                          <a:lumMod val="75000"/>
+                        </a:schemeClr>
+                      </a:solidFill>
+                      <a:prstDash val="solid"/>
+                      <a:round/>
+                      <a:headEnd type="none" w="med" len="med"/>
+                      <a:tailEnd type="none" w="med" len="med"/>
+                    </a:lnB>
+                    <a:noFill/>
+                  </a:tcPr>
+                </a:tc>
+                <a:tc>
+                  <a:txBody>
+                    <a:bodyPr/>
+                    <a:lstStyle/>
+                    <a:p>
+                      <a:r>
+                        <a:rPr lang="pt-PT" sz="1400" noProof="0" dirty="0" smtClean="0">
+                          <a:solidFill>
+                            <a:schemeClr val="bg1"/>
+                          </a:solidFill>
+                          <a:latin typeface="+mn-lt"/>
+                        </a:rPr>
+                        <a:t>Dez</a:t>
+                      </a:r>
+                      <a:r>
+                        <a:rPr lang="pt-PT" sz="1400" baseline="0" noProof="0" dirty="0" smtClean="0">
+                          <a:solidFill>
+                            <a:schemeClr val="bg1"/>
+                          </a:solidFill>
+                          <a:latin typeface="+mn-lt"/>
+                        </a:rPr>
+                        <a:t> </a:t>
+                      </a:r>
+                      <a:r>
+                        <a:rPr lang="pt-PT" sz="1400" baseline="0" noProof="0" dirty="0" smtClean="0">
+                          <a:solidFill>
+                            <a:schemeClr val="bg1"/>
+                          </a:solidFill>
+                          <a:latin typeface="+mn-lt"/>
+                        </a:rPr>
+                        <a:t>dígitos com duas casas decimais</a:t>
+                      </a:r>
+                      <a:endParaRPr lang="pt-PT" sz="1400" noProof="0" dirty="0">
+                        <a:solidFill>
+                          <a:schemeClr val="bg1"/>
+                        </a:solidFill>
+                        <a:latin typeface="+mn-lt"/>
+                      </a:endParaRPr>
+                    </a:p>
+                  </a:txBody>
+                  <a:tcPr anchor="ctr">
+                    <a:lnL w="12700" cap="flat" cmpd="sng" algn="ctr">
+                      <a:solidFill>
+                        <a:schemeClr val="accent2">
+                          <a:lumMod val="75000"/>
+                        </a:schemeClr>
+                      </a:solidFill>
+                      <a:prstDash val="solid"/>
+                      <a:round/>
+                      <a:headEnd type="none" w="med" len="med"/>
+                      <a:tailEnd type="none" w="med" len="med"/>
+                    </a:lnL>
+                    <a:lnR w="12700" cap="flat" cmpd="sng" algn="ctr">
+                      <a:solidFill>
+                        <a:schemeClr val="accent2">
+                          <a:lumMod val="75000"/>
+                        </a:schemeClr>
+                      </a:solidFill>
+                      <a:prstDash val="solid"/>
+                      <a:round/>
+                      <a:headEnd type="none" w="med" len="med"/>
+                      <a:tailEnd type="none" w="med" len="med"/>
+                    </a:lnR>
+                    <a:lnT w="38100" cap="flat" cmpd="sng" algn="ctr">
+                      <a:solidFill>
+                        <a:schemeClr val="accent2">
+                          <a:lumMod val="75000"/>
+                        </a:schemeClr>
+                      </a:solidFill>
+                      <a:prstDash val="solid"/>
+                      <a:round/>
+                      <a:headEnd type="none" w="med" len="med"/>
+                      <a:tailEnd type="none" w="med" len="med"/>
+                    </a:lnT>
+                    <a:lnB w="12700" cap="flat" cmpd="sng" algn="ctr">
+                      <a:solidFill>
+                        <a:schemeClr val="accent2">
+                          <a:lumMod val="75000"/>
+                        </a:schemeClr>
+                      </a:solidFill>
+                      <a:prstDash val="solid"/>
+                      <a:round/>
+                      <a:headEnd type="none" w="med" len="med"/>
+                      <a:tailEnd type="none" w="med" len="med"/>
+                    </a:lnB>
+                    <a:noFill/>
+                  </a:tcPr>
+                </a:tc>
+                <a:extLst>
+                  <a:ext uri="{0D108BD9-81ED-4DB2-BD59-A6C34878D82A}">
+                    <a16:rowId xmlns="" xmlns:a16="http://schemas.microsoft.com/office/drawing/2014/main" val="3446274366"/>
+                  </a:ext>
+                </a:extLst>
+              </a:tr>
+              <a:tr h="548640">
+                <a:tc>
+                  <a:txBody>
+                    <a:bodyPr/>
+                    <a:lstStyle/>
+                    <a:p>
+                      <a:r>
+                        <a:rPr lang="pt-PT" sz="1400" noProof="0" dirty="0" smtClean="0">
+                          <a:solidFill>
+                            <a:schemeClr val="bg1"/>
+                          </a:solidFill>
+                          <a:latin typeface="+mn-lt"/>
+                        </a:rPr>
+                        <a:t>Diuturnidades</a:t>
+                      </a:r>
+                      <a:endParaRPr lang="pt-PT" sz="1400" noProof="0" dirty="0">
+                        <a:solidFill>
+                          <a:schemeClr val="bg1"/>
+                        </a:solidFill>
+                        <a:latin typeface="+mn-lt"/>
+                      </a:endParaRPr>
+                    </a:p>
+                  </a:txBody>
+                  <a:tcPr anchor="ctr">
+                    <a:lnL w="38100" cap="flat" cmpd="sng" algn="ctr">
+                      <a:noFill/>
+                      <a:prstDash val="solid"/>
+                      <a:round/>
+                      <a:headEnd type="none" w="med" len="med"/>
+                      <a:tailEnd type="none" w="med" len="med"/>
+                    </a:lnL>
+                    <a:lnR w="12700" cap="flat" cmpd="sng" algn="ctr">
+                      <a:solidFill>
+                        <a:schemeClr val="accent2">
+                          <a:lumMod val="75000"/>
+                        </a:schemeClr>
+                      </a:solidFill>
+                      <a:prstDash val="solid"/>
+                      <a:round/>
+                      <a:headEnd type="none" w="med" len="med"/>
+                      <a:tailEnd type="none" w="med" len="med"/>
+                    </a:lnR>
+                    <a:lnT w="12700" cap="flat" cmpd="sng" algn="ctr">
+                      <a:solidFill>
+                        <a:schemeClr val="accent2">
+                          <a:lumMod val="75000"/>
+                        </a:schemeClr>
+                      </a:solidFill>
+                      <a:prstDash val="solid"/>
+                      <a:round/>
+                      <a:headEnd type="none" w="med" len="med"/>
+                      <a:tailEnd type="none" w="med" len="med"/>
+                    </a:lnT>
+                    <a:lnB w="12700" cap="flat" cmpd="sng" algn="ctr">
+                      <a:solidFill>
+                        <a:schemeClr val="accent2">
+                          <a:lumMod val="75000"/>
+                        </a:schemeClr>
+                      </a:solidFill>
+                      <a:prstDash val="solid"/>
+                      <a:round/>
+                      <a:headEnd type="none" w="med" len="med"/>
+                      <a:tailEnd type="none" w="med" len="med"/>
+                    </a:lnB>
+                    <a:solidFill>
+                      <a:schemeClr val="accent5"/>
+                    </a:solidFill>
+                  </a:tcPr>
+                </a:tc>
+                <a:tc>
+                  <a:txBody>
+                    <a:bodyPr/>
+                    <a:lstStyle/>
+                    <a:p>
+                      <a:r>
+                        <a:rPr lang="pt-PT" sz="1400" noProof="0" dirty="0" smtClean="0">
+                          <a:solidFill>
+                            <a:schemeClr val="bg1"/>
+                          </a:solidFill>
+                          <a:latin typeface="+mn-lt"/>
+                        </a:rPr>
+                        <a:t>Dez</a:t>
+                      </a:r>
+                      <a:r>
+                        <a:rPr lang="pt-PT" sz="1400" baseline="0" noProof="0" dirty="0" smtClean="0">
+                          <a:solidFill>
+                            <a:schemeClr val="bg1"/>
+                          </a:solidFill>
+                          <a:latin typeface="+mn-lt"/>
+                        </a:rPr>
+                        <a:t> </a:t>
+                      </a:r>
+                      <a:r>
+                        <a:rPr lang="pt-PT" sz="1400" baseline="0" noProof="0" dirty="0" smtClean="0">
+                          <a:solidFill>
+                            <a:schemeClr val="bg1"/>
+                          </a:solidFill>
+                          <a:latin typeface="+mn-lt"/>
+                        </a:rPr>
+                        <a:t>dígitos com duas casas decimais</a:t>
+                      </a:r>
+                      <a:endParaRPr lang="pt-PT" sz="1400" noProof="0" dirty="0">
+                        <a:solidFill>
+                          <a:schemeClr val="bg1"/>
+                        </a:solidFill>
                         <a:latin typeface="+mn-lt"/>
                       </a:endParaRPr>
                     </a:p>
@@ -28101,7 +29142,7 @@
                 </a:tc>
                 <a:extLst>
                   <a:ext uri="{0D108BD9-81ED-4DB2-BD59-A6C34878D82A}">
-                    <a16:rowId xmlns:a16="http://schemas.microsoft.com/office/drawing/2014/main" xmlns="" val="3090935587"/>
+                    <a16:rowId xmlns="" xmlns:a16="http://schemas.microsoft.com/office/drawing/2014/main" val="1758271508"/>
                   </a:ext>
                 </a:extLst>
               </a:tr>
@@ -28111,7 +29152,19 @@
                     <a:bodyPr/>
                     <a:lstStyle/>
                     <a:p>
-                      <a:endParaRPr lang="en-GB" sz="1400" dirty="0">
+                      <a:r>
+                        <a:rPr lang="pt-PT" sz="1400" noProof="0" dirty="0" smtClean="0">
+                          <a:solidFill>
+                            <a:schemeClr val="bg1"/>
+                          </a:solidFill>
+                          <a:latin typeface="+mn-lt"/>
+                        </a:rPr>
+                        <a:t>Local de Trabalho</a:t>
+                      </a:r>
+                      <a:endParaRPr lang="pt-PT" sz="1400" noProof="0" dirty="0">
+                        <a:solidFill>
+                          <a:schemeClr val="bg1"/>
+                        </a:solidFill>
                         <a:latin typeface="+mn-lt"/>
                       </a:endParaRPr>
                     </a:p>
@@ -28165,7 +29218,28 @@
                     <a:bodyPr/>
                     <a:lstStyle/>
                     <a:p>
-                      <a:endParaRPr lang="en-GB" sz="1400" dirty="0">
+                      <a:r>
+                        <a:rPr lang="pt-PT" sz="1400" noProof="0" dirty="0" smtClean="0">
+                          <a:solidFill>
+                            <a:schemeClr val="bg1"/>
+                          </a:solidFill>
+                          <a:latin typeface="+mn-lt"/>
+                        </a:rPr>
+                        <a:t>Valor fornecido pela Segurança</a:t>
+                      </a:r>
+                      <a:r>
+                        <a:rPr lang="pt-PT" sz="1400" baseline="0" noProof="0" dirty="0" smtClean="0">
+                          <a:solidFill>
+                            <a:schemeClr val="bg1"/>
+                          </a:solidFill>
+                          <a:latin typeface="+mn-lt"/>
+                        </a:rPr>
+                        <a:t> Social</a:t>
+                      </a:r>
+                      <a:endParaRPr lang="pt-PT" sz="1400" noProof="0" dirty="0">
+                        <a:solidFill>
+                          <a:schemeClr val="bg1"/>
+                        </a:solidFill>
                         <a:latin typeface="+mn-lt"/>
                       </a:endParaRPr>
                     </a:p>
@@ -28220,7 +29294,7 @@
                 </a:tc>
                 <a:extLst>
                   <a:ext uri="{0D108BD9-81ED-4DB2-BD59-A6C34878D82A}">
-                    <a16:rowId xmlns:a16="http://schemas.microsoft.com/office/drawing/2014/main" xmlns="" val="446909641"/>
+                    <a16:rowId xmlns="" xmlns:a16="http://schemas.microsoft.com/office/drawing/2014/main" val="3736384641"/>
                   </a:ext>
                 </a:extLst>
               </a:tr>
@@ -28230,7 +29304,164 @@
                     <a:bodyPr/>
                     <a:lstStyle/>
                     <a:p>
-                      <a:endParaRPr lang="en-GB" sz="1400" dirty="0">
+                      <a:r>
+                        <a:rPr lang="pt-PT" sz="1400" noProof="0" dirty="0" smtClean="0">
+                          <a:solidFill>
+                            <a:schemeClr val="bg1"/>
+                          </a:solidFill>
+                          <a:latin typeface="+mn-lt"/>
+                        </a:rPr>
+                        <a:t>Percentagem de trabalho</a:t>
+                      </a:r>
+                    </a:p>
+                  </a:txBody>
+                  <a:tcPr anchor="ctr">
+                    <a:lnL w="38100" cap="flat" cmpd="sng" algn="ctr">
+                      <a:noFill/>
+                      <a:prstDash val="solid"/>
+                      <a:round/>
+                      <a:headEnd type="none" w="med" len="med"/>
+                      <a:tailEnd type="none" w="med" len="med"/>
+                    </a:lnL>
+                    <a:lnR w="12700" cap="flat" cmpd="sng" algn="ctr">
+                      <a:solidFill>
+                        <a:schemeClr val="accent2">
+                          <a:lumMod val="75000"/>
+                        </a:schemeClr>
+                      </a:solidFill>
+                      <a:prstDash val="solid"/>
+                      <a:round/>
+                      <a:headEnd type="none" w="med" len="med"/>
+                      <a:tailEnd type="none" w="med" len="med"/>
+                    </a:lnR>
+                    <a:lnT w="12700" cap="flat" cmpd="sng" algn="ctr">
+                      <a:solidFill>
+                        <a:schemeClr val="accent2">
+                          <a:lumMod val="75000"/>
+                        </a:schemeClr>
+                      </a:solidFill>
+                      <a:prstDash val="solid"/>
+                      <a:round/>
+                      <a:headEnd type="none" w="med" len="med"/>
+                      <a:tailEnd type="none" w="med" len="med"/>
+                    </a:lnT>
+                    <a:lnB w="12700" cap="flat" cmpd="sng" algn="ctr">
+                      <a:solidFill>
+                        <a:schemeClr val="accent2">
+                          <a:lumMod val="75000"/>
+                        </a:schemeClr>
+                      </a:solidFill>
+                      <a:prstDash val="solid"/>
+                      <a:round/>
+                      <a:headEnd type="none" w="med" len="med"/>
+                      <a:tailEnd type="none" w="med" len="med"/>
+                    </a:lnB>
+                    <a:solidFill>
+                      <a:schemeClr val="accent5"/>
+                    </a:solidFill>
+                  </a:tcPr>
+                </a:tc>
+                <a:tc>
+                  <a:txBody>
+                    <a:bodyPr/>
+                    <a:lstStyle/>
+                    <a:p>
+                      <a:r>
+                        <a:rPr lang="pt-PT" sz="1400" kern="1200" noProof="0" dirty="0" smtClean="0">
+                          <a:solidFill>
+                            <a:schemeClr val="bg1"/>
+                          </a:solidFill>
+                          <a:latin typeface="+mn-lt"/>
+                          <a:ea typeface="+mn-ea"/>
+                          <a:cs typeface="+mn-cs"/>
+                        </a:rPr>
+                        <a:t>Três dígitos com duas casas decimais</a:t>
+                      </a:r>
+                      <a:endParaRPr lang="pt-PT" sz="1400" kern="1200" noProof="0" dirty="0" smtClean="0">
+                        <a:solidFill>
+                          <a:schemeClr val="bg1"/>
+                        </a:solidFill>
+                        <a:latin typeface="+mn-lt"/>
+                        <a:ea typeface="+mn-ea"/>
+                        <a:cs typeface="+mn-cs"/>
+                      </a:endParaRPr>
+                    </a:p>
+                  </a:txBody>
+                  <a:tcPr anchor="ctr">
+                    <a:lnL w="12700" cap="flat" cmpd="sng" algn="ctr">
+                      <a:solidFill>
+                        <a:schemeClr val="accent2">
+                          <a:lumMod val="75000"/>
+                        </a:schemeClr>
+                      </a:solidFill>
+                      <a:prstDash val="solid"/>
+                      <a:round/>
+                      <a:headEnd type="none" w="med" len="med"/>
+                      <a:tailEnd type="none" w="med" len="med"/>
+                    </a:lnL>
+                    <a:lnR w="12700" cap="flat" cmpd="sng" algn="ctr">
+                      <a:solidFill>
+                        <a:schemeClr val="accent2">
+                          <a:lumMod val="75000"/>
+                        </a:schemeClr>
+                      </a:solidFill>
+                      <a:prstDash val="solid"/>
+                      <a:round/>
+                      <a:headEnd type="none" w="med" len="med"/>
+                      <a:tailEnd type="none" w="med" len="med"/>
+                    </a:lnR>
+                    <a:lnT w="12700" cap="flat" cmpd="sng" algn="ctr">
+                      <a:solidFill>
+                        <a:schemeClr val="accent2">
+                          <a:lumMod val="75000"/>
+                        </a:schemeClr>
+                      </a:solidFill>
+                      <a:prstDash val="solid"/>
+                      <a:round/>
+                      <a:headEnd type="none" w="med" len="med"/>
+                      <a:tailEnd type="none" w="med" len="med"/>
+                    </a:lnT>
+                    <a:lnB w="12700" cap="flat" cmpd="sng" algn="ctr">
+                      <a:solidFill>
+                        <a:schemeClr val="accent2">
+                          <a:lumMod val="75000"/>
+                        </a:schemeClr>
+                      </a:solidFill>
+                      <a:prstDash val="solid"/>
+                      <a:round/>
+                      <a:headEnd type="none" w="med" len="med"/>
+                      <a:tailEnd type="none" w="med" len="med"/>
+                    </a:lnB>
+                    <a:solidFill>
+                      <a:schemeClr val="accent5"/>
+                    </a:solidFill>
+                  </a:tcPr>
+                </a:tc>
+                <a:extLst>
+                  <a:ext uri="{0D108BD9-81ED-4DB2-BD59-A6C34878D82A}">
+                    <a16:rowId xmlns="" xmlns:a16="http://schemas.microsoft.com/office/drawing/2014/main" val="3090935587"/>
+                  </a:ext>
+                </a:extLst>
+              </a:tr>
+              <a:tr h="548640">
+                <a:tc>
+                  <a:txBody>
+                    <a:bodyPr/>
+                    <a:lstStyle/>
+                    <a:p>
+                      <a:r>
+                        <a:rPr lang="pt-PT" sz="1400" noProof="0" dirty="0" smtClean="0">
+                          <a:solidFill>
+                            <a:schemeClr val="bg1"/>
+                          </a:solidFill>
+                          <a:latin typeface="+mn-lt"/>
+                        </a:rPr>
+                        <a:t>Horas de Trabalho</a:t>
+                      </a:r>
+                      <a:endParaRPr lang="pt-PT" sz="1400" noProof="0" dirty="0">
+                        <a:solidFill>
+                          <a:schemeClr val="bg1"/>
+                        </a:solidFill>
                         <a:latin typeface="+mn-lt"/>
                       </a:endParaRPr>
                     </a:p>
@@ -28286,7 +29517,320 @@
                     <a:bodyPr/>
                     <a:lstStyle/>
                     <a:p>
-                      <a:endParaRPr lang="en-GB" sz="1400" dirty="0">
+                      <a:r>
+                        <a:rPr lang="pt-PT" sz="1400" kern="1200" noProof="0" dirty="0" smtClean="0">
+                          <a:solidFill>
+                            <a:schemeClr val="bg1"/>
+                          </a:solidFill>
+                          <a:latin typeface="+mn-lt"/>
+                          <a:ea typeface="+mn-ea"/>
+                          <a:cs typeface="+mn-cs"/>
+                        </a:rPr>
+                        <a:t>Quatro dígitos com duas casas decimais</a:t>
+                      </a:r>
+                      <a:endParaRPr lang="pt-PT" sz="1400" kern="1200" noProof="0" dirty="0" smtClean="0">
+                        <a:solidFill>
+                          <a:schemeClr val="bg1"/>
+                        </a:solidFill>
+                        <a:latin typeface="+mn-lt"/>
+                        <a:ea typeface="+mn-ea"/>
+                        <a:cs typeface="+mn-cs"/>
+                      </a:endParaRPr>
+                    </a:p>
+                  </a:txBody>
+                  <a:tcPr anchor="ctr">
+                    <a:lnL w="12700" cap="flat" cmpd="sng" algn="ctr">
+                      <a:solidFill>
+                        <a:schemeClr val="accent2">
+                          <a:lumMod val="75000"/>
+                        </a:schemeClr>
+                      </a:solidFill>
+                      <a:prstDash val="solid"/>
+                      <a:round/>
+                      <a:headEnd type="none" w="med" len="med"/>
+                      <a:tailEnd type="none" w="med" len="med"/>
+                    </a:lnL>
+                    <a:lnR w="12700" cap="flat" cmpd="sng" algn="ctr">
+                      <a:solidFill>
+                        <a:schemeClr val="accent2">
+                          <a:lumMod val="75000"/>
+                        </a:schemeClr>
+                      </a:solidFill>
+                      <a:prstDash val="solid"/>
+                      <a:round/>
+                      <a:headEnd type="none" w="med" len="med"/>
+                      <a:tailEnd type="none" w="med" len="med"/>
+                    </a:lnR>
+                    <a:lnT w="12700" cap="flat" cmpd="sng" algn="ctr">
+                      <a:solidFill>
+                        <a:schemeClr val="accent2">
+                          <a:lumMod val="75000"/>
+                        </a:schemeClr>
+                      </a:solidFill>
+                      <a:prstDash val="solid"/>
+                      <a:round/>
+                      <a:headEnd type="none" w="med" len="med"/>
+                      <a:tailEnd type="none" w="med" len="med"/>
+                    </a:lnT>
+                    <a:lnB w="12700" cap="flat" cmpd="sng" algn="ctr">
+                      <a:solidFill>
+                        <a:schemeClr val="accent2">
+                          <a:lumMod val="75000"/>
+                        </a:schemeClr>
+                      </a:solidFill>
+                      <a:prstDash val="solid"/>
+                      <a:round/>
+                      <a:headEnd type="none" w="med" len="med"/>
+                      <a:tailEnd type="none" w="med" len="med"/>
+                    </a:lnB>
+                    <a:solidFill>
+                      <a:schemeClr val="accent5"/>
+                    </a:solidFill>
+                  </a:tcPr>
+                </a:tc>
+              </a:tr>
+              <a:tr h="548640">
+                <a:tc>
+                  <a:txBody>
+                    <a:bodyPr/>
+                    <a:lstStyle/>
+                    <a:p>
+                      <a:r>
+                        <a:rPr lang="pt-PT" sz="1400" noProof="0" dirty="0" smtClean="0">
+                          <a:solidFill>
+                            <a:schemeClr val="bg1"/>
+                          </a:solidFill>
+                          <a:latin typeface="+mn-lt"/>
+                        </a:rPr>
+                        <a:t>Dias de Trabalho</a:t>
+                      </a:r>
+                      <a:endParaRPr lang="pt-PT" sz="1400" noProof="0" dirty="0">
+                        <a:solidFill>
+                          <a:schemeClr val="bg1"/>
+                        </a:solidFill>
+                        <a:latin typeface="+mn-lt"/>
+                      </a:endParaRPr>
+                    </a:p>
+                  </a:txBody>
+                  <a:tcPr anchor="ctr">
+                    <a:lnL w="38100" cap="flat" cmpd="sng" algn="ctr">
+                      <a:noFill/>
+                      <a:prstDash val="solid"/>
+                      <a:round/>
+                      <a:headEnd type="none" w="med" len="med"/>
+                      <a:tailEnd type="none" w="med" len="med"/>
+                    </a:lnL>
+                    <a:lnR w="12700" cap="flat" cmpd="sng" algn="ctr">
+                      <a:solidFill>
+                        <a:schemeClr val="accent2">
+                          <a:lumMod val="75000"/>
+                        </a:schemeClr>
+                      </a:solidFill>
+                      <a:prstDash val="solid"/>
+                      <a:round/>
+                      <a:headEnd type="none" w="med" len="med"/>
+                      <a:tailEnd type="none" w="med" len="med"/>
+                    </a:lnR>
+                    <a:lnT w="12700" cap="flat" cmpd="sng" algn="ctr">
+                      <a:solidFill>
+                        <a:schemeClr val="accent2">
+                          <a:lumMod val="75000"/>
+                        </a:schemeClr>
+                      </a:solidFill>
+                      <a:prstDash val="solid"/>
+                      <a:round/>
+                      <a:headEnd type="none" w="med" len="med"/>
+                      <a:tailEnd type="none" w="med" len="med"/>
+                    </a:lnT>
+                    <a:lnB w="12700" cap="flat" cmpd="sng" algn="ctr">
+                      <a:solidFill>
+                        <a:schemeClr val="accent2">
+                          <a:lumMod val="75000"/>
+                        </a:schemeClr>
+                      </a:solidFill>
+                      <a:prstDash val="solid"/>
+                      <a:round/>
+                      <a:headEnd type="none" w="med" len="med"/>
+                      <a:tailEnd type="none" w="med" len="med"/>
+                    </a:lnB>
+                    <a:solidFill>
+                      <a:schemeClr val="accent5"/>
+                    </a:solidFill>
+                  </a:tcPr>
+                </a:tc>
+                <a:tc>
+                  <a:txBody>
+                    <a:bodyPr/>
+                    <a:lstStyle/>
+                    <a:p>
+                      <a:r>
+                        <a:rPr lang="pt-PT" sz="1400" kern="1200" noProof="0" dirty="0" smtClean="0">
+                          <a:solidFill>
+                            <a:schemeClr val="bg1"/>
+                          </a:solidFill>
+                          <a:latin typeface="+mn-lt"/>
+                          <a:ea typeface="+mn-ea"/>
+                          <a:cs typeface="+mn-cs"/>
+                        </a:rPr>
+                        <a:t>Quatro dígitos com duas casas decimais</a:t>
+                      </a:r>
+                      <a:endParaRPr lang="pt-PT" sz="1400" kern="1200" noProof="0" dirty="0" smtClean="0">
+                        <a:solidFill>
+                          <a:schemeClr val="bg1"/>
+                        </a:solidFill>
+                        <a:latin typeface="+mn-lt"/>
+                        <a:ea typeface="+mn-ea"/>
+                        <a:cs typeface="+mn-cs"/>
+                      </a:endParaRPr>
+                    </a:p>
+                  </a:txBody>
+                  <a:tcPr anchor="ctr">
+                    <a:lnL w="12700" cap="flat" cmpd="sng" algn="ctr">
+                      <a:solidFill>
+                        <a:schemeClr val="accent2">
+                          <a:lumMod val="75000"/>
+                        </a:schemeClr>
+                      </a:solidFill>
+                      <a:prstDash val="solid"/>
+                      <a:round/>
+                      <a:headEnd type="none" w="med" len="med"/>
+                      <a:tailEnd type="none" w="med" len="med"/>
+                    </a:lnL>
+                    <a:lnR w="12700" cap="flat" cmpd="sng" algn="ctr">
+                      <a:solidFill>
+                        <a:schemeClr val="accent2">
+                          <a:lumMod val="75000"/>
+                        </a:schemeClr>
+                      </a:solidFill>
+                      <a:prstDash val="solid"/>
+                      <a:round/>
+                      <a:headEnd type="none" w="med" len="med"/>
+                      <a:tailEnd type="none" w="med" len="med"/>
+                    </a:lnR>
+                    <a:lnT w="12700" cap="flat" cmpd="sng" algn="ctr">
+                      <a:solidFill>
+                        <a:schemeClr val="accent2">
+                          <a:lumMod val="75000"/>
+                        </a:schemeClr>
+                      </a:solidFill>
+                      <a:prstDash val="solid"/>
+                      <a:round/>
+                      <a:headEnd type="none" w="med" len="med"/>
+                      <a:tailEnd type="none" w="med" len="med"/>
+                    </a:lnT>
+                    <a:lnB w="12700" cap="flat" cmpd="sng" algn="ctr">
+                      <a:solidFill>
+                        <a:schemeClr val="accent2">
+                          <a:lumMod val="75000"/>
+                        </a:schemeClr>
+                      </a:solidFill>
+                      <a:prstDash val="solid"/>
+                      <a:round/>
+                      <a:headEnd type="none" w="med" len="med"/>
+                      <a:tailEnd type="none" w="med" len="med"/>
+                    </a:lnB>
+                    <a:solidFill>
+                      <a:schemeClr val="accent5"/>
+                    </a:solidFill>
+                  </a:tcPr>
+                </a:tc>
+              </a:tr>
+              <a:tr h="548640">
+                <a:tc>
+                  <a:txBody>
+                    <a:bodyPr/>
+                    <a:lstStyle/>
+                    <a:p>
+                      <a:r>
+                        <a:rPr lang="pt-PT" sz="1400" noProof="0" dirty="0" smtClean="0">
+                          <a:solidFill>
+                            <a:schemeClr val="bg1"/>
+                          </a:solidFill>
+                          <a:latin typeface="+mn-lt"/>
+                        </a:rPr>
+                        <a:t>Número de Identificação</a:t>
+                      </a:r>
+                      <a:r>
+                        <a:rPr lang="pt-PT" sz="1400" baseline="0" noProof="0" dirty="0" smtClean="0">
+                          <a:solidFill>
+                            <a:schemeClr val="bg1"/>
+                          </a:solidFill>
+                          <a:latin typeface="+mn-lt"/>
+                        </a:rPr>
+                        <a:t> de Segurança Social a Substituir</a:t>
+                      </a:r>
+                      <a:endParaRPr lang="pt-PT" sz="1400" noProof="0" dirty="0">
+                        <a:solidFill>
+                          <a:schemeClr val="bg1"/>
+                        </a:solidFill>
+                        <a:latin typeface="+mn-lt"/>
+                      </a:endParaRPr>
+                    </a:p>
+                  </a:txBody>
+                  <a:tcPr anchor="ctr">
+                    <a:lnL w="38100" cap="flat" cmpd="sng" algn="ctr">
+                      <a:noFill/>
+                      <a:prstDash val="solid"/>
+                      <a:round/>
+                      <a:headEnd type="none" w="med" len="med"/>
+                      <a:tailEnd type="none" w="med" len="med"/>
+                    </a:lnL>
+                    <a:lnR w="12700" cap="flat" cmpd="sng" algn="ctr">
+                      <a:solidFill>
+                        <a:schemeClr val="accent2">
+                          <a:lumMod val="75000"/>
+                        </a:schemeClr>
+                      </a:solidFill>
+                      <a:prstDash val="solid"/>
+                      <a:round/>
+                      <a:headEnd type="none" w="med" len="med"/>
+                      <a:tailEnd type="none" w="med" len="med"/>
+                    </a:lnR>
+                    <a:lnT w="12700" cap="flat" cmpd="sng" algn="ctr">
+                      <a:solidFill>
+                        <a:schemeClr val="accent2">
+                          <a:lumMod val="75000"/>
+                        </a:schemeClr>
+                      </a:solidFill>
+                      <a:prstDash val="solid"/>
+                      <a:round/>
+                      <a:headEnd type="none" w="med" len="med"/>
+                      <a:tailEnd type="none" w="med" len="med"/>
+                    </a:lnT>
+                    <a:lnB w="12700" cap="flat" cmpd="sng" algn="ctr">
+                      <a:solidFill>
+                        <a:schemeClr val="accent2">
+                          <a:lumMod val="75000"/>
+                        </a:schemeClr>
+                      </a:solidFill>
+                      <a:prstDash val="solid"/>
+                      <a:round/>
+                      <a:headEnd type="none" w="med" len="med"/>
+                      <a:tailEnd type="none" w="med" len="med"/>
+                    </a:lnB>
+                    <a:solidFill>
+                      <a:schemeClr val="accent5"/>
+                    </a:solidFill>
+                  </a:tcPr>
+                </a:tc>
+                <a:tc>
+                  <a:txBody>
+                    <a:bodyPr/>
+                    <a:lstStyle/>
+                    <a:p>
+                      <a:r>
+                        <a:rPr lang="pt-PT" sz="1400" noProof="0" dirty="0" smtClean="0">
+                          <a:solidFill>
+                            <a:schemeClr val="bg1"/>
+                          </a:solidFill>
+                          <a:latin typeface="+mn-lt"/>
+                        </a:rPr>
+                        <a:t>Inteiro de onze dígitos</a:t>
+                      </a:r>
+                      <a:endParaRPr lang="pt-PT" sz="1400" noProof="0" dirty="0">
+                        <a:solidFill>
+                          <a:schemeClr val="bg1"/>
+                        </a:solidFill>
                         <a:latin typeface="+mn-lt"/>
                       </a:endParaRPr>
                     </a:p>
@@ -28341,11 +29885,6 @@
                     </a:solidFill>
                   </a:tcPr>
                 </a:tc>
-                <a:extLst>
-                  <a:ext uri="{0D108BD9-81ED-4DB2-BD59-A6C34878D82A}">
-                    <a16:rowId xmlns:a16="http://schemas.microsoft.com/office/drawing/2014/main" xmlns="" val="3472044516"/>
-                  </a:ext>
-                </a:extLst>
               </a:tr>
             </a:tbl>
           </a:graphicData>
@@ -28356,7 +29895,7 @@
           <p:cNvPr id="2" name="Slide Number Placeholder 1">
             <a:extLst>
               <a:ext uri="{FF2B5EF4-FFF2-40B4-BE49-F238E27FC236}">
-                <a16:creationId xmlns:a16="http://schemas.microsoft.com/office/drawing/2014/main" xmlns="" id="{E4398C1C-6656-4A73-A680-62A81CDC27FD}"/>
+                <a16:creationId xmlns="" xmlns:a16="http://schemas.microsoft.com/office/drawing/2014/main" id="{E4398C1C-6656-4A73-A680-62A81CDC27FD}"/>
               </a:ext>
             </a:extLst>
           </p:cNvPr>
@@ -28384,28 +29923,13 @@
     </p:spTree>
     <p:extLst>
       <p:ext uri="{BB962C8B-B14F-4D97-AF65-F5344CB8AC3E}">
-        <p14:creationId xmlns:p14="http://schemas.microsoft.com/office/powerpoint/2010/main" val="2624891794"/>
+        <p14:creationId xmlns:p14="http://schemas.microsoft.com/office/powerpoint/2010/main" val="11946460"/>
       </p:ext>
     </p:extLst>
   </p:cSld>
   <p:clrMapOvr>
     <a:masterClrMapping/>
   </p:clrMapOvr>
-  <mc:AlternateContent xmlns:mc="http://schemas.openxmlformats.org/markup-compatibility/2006" xmlns:p14="http://schemas.microsoft.com/office/powerpoint/2010/main">
-    <mc:Choice Requires="p14">
-      <p:transition p14:dur="0"/>
-    </mc:Choice>
-    <mc:Fallback xmlns="">
-      <p:transition/>
-    </mc:Fallback>
-  </mc:AlternateContent>
-  <p:timing>
-    <p:tnLst>
-      <p:par>
-        <p:cTn id="1" dur="indefinite" restart="never" nodeType="tmRoot"/>
-      </p:par>
-    </p:tnLst>
-  </p:timing>
 </p:sld>
 </file>
 
@@ -28431,7 +29955,7 @@
           <p:cNvPr id="4" name="Title 3">
             <a:extLst>
               <a:ext uri="{FF2B5EF4-FFF2-40B4-BE49-F238E27FC236}">
-                <a16:creationId xmlns:a16="http://schemas.microsoft.com/office/drawing/2014/main" xmlns="" id="{E3BD8413-C238-49D7-A4E1-E8FEF1811A0E}"/>
+                <a16:creationId xmlns="" xmlns:a16="http://schemas.microsoft.com/office/drawing/2014/main" id="{E3BD8413-C238-49D7-A4E1-E8FEF1811A0E}"/>
               </a:ext>
             </a:extLst>
           </p:cNvPr>
@@ -28448,10 +29972,9 @@
           <a:lstStyle/>
           <a:p>
             <a:r>
-              <a:rPr lang="pt-PT" dirty="0" smtClean="0"/>
+              <a:rPr lang="pt-PT" dirty="0"/>
               <a:t>Metodologia</a:t>
             </a:r>
-            <a:endParaRPr lang="pt-PT" dirty="0"/>
           </a:p>
         </p:txBody>
       </p:sp>
@@ -28460,7 +29983,7 @@
           <p:cNvPr id="2" name="Slide Number Placeholder 1">
             <a:extLst>
               <a:ext uri="{FF2B5EF4-FFF2-40B4-BE49-F238E27FC236}">
-                <a16:creationId xmlns:a16="http://schemas.microsoft.com/office/drawing/2014/main" xmlns="" id="{0B24BF10-2B55-43AB-9F77-F1A1410384A9}"/>
+                <a16:creationId xmlns="" xmlns:a16="http://schemas.microsoft.com/office/drawing/2014/main" id="{0B24BF10-2B55-43AB-9F77-F1A1410384A9}"/>
               </a:ext>
             </a:extLst>
           </p:cNvPr>
@@ -28514,21 +30037,6 @@
   <p:clrMapOvr>
     <a:masterClrMapping/>
   </p:clrMapOvr>
-  <mc:AlternateContent xmlns:mc="http://schemas.openxmlformats.org/markup-compatibility/2006" xmlns:p14="http://schemas.microsoft.com/office/powerpoint/2010/main">
-    <mc:Choice Requires="p14">
-      <p:transition p14:dur="0"/>
-    </mc:Choice>
-    <mc:Fallback xmlns="">
-      <p:transition/>
-    </mc:Fallback>
-  </mc:AlternateContent>
-  <p:timing>
-    <p:tnLst>
-      <p:par>
-        <p:cTn id="1" dur="indefinite" restart="never" nodeType="tmRoot"/>
-      </p:par>
-    </p:tnLst>
-  </p:timing>
 </p:sld>
 </file>
 
@@ -28554,7 +30062,7 @@
           <p:cNvPr id="7" name="Title 6">
             <a:extLst>
               <a:ext uri="{FF2B5EF4-FFF2-40B4-BE49-F238E27FC236}">
-                <a16:creationId xmlns:a16="http://schemas.microsoft.com/office/drawing/2014/main" xmlns="" id="{7875C19A-1AAE-476A-A316-A2CF92D763D3}"/>
+                <a16:creationId xmlns="" xmlns:a16="http://schemas.microsoft.com/office/drawing/2014/main" id="{7875C19A-1AAE-476A-A316-A2CF92D763D3}"/>
               </a:ext>
             </a:extLst>
           </p:cNvPr>
@@ -28571,10 +30079,9 @@
           <a:lstStyle/>
           <a:p>
             <a:r>
-              <a:rPr lang="pt-PT" dirty="0" smtClean="0"/>
+              <a:rPr lang="pt-PT" dirty="0"/>
               <a:t>Especificação de Requisitos</a:t>
             </a:r>
-            <a:endParaRPr lang="pt-PT" dirty="0"/>
           </a:p>
         </p:txBody>
       </p:sp>
@@ -28583,7 +30090,7 @@
           <p:cNvPr id="10" name="Text Placeholder 9">
             <a:extLst>
               <a:ext uri="{FF2B5EF4-FFF2-40B4-BE49-F238E27FC236}">
-                <a16:creationId xmlns:a16="http://schemas.microsoft.com/office/drawing/2014/main" xmlns="" id="{EF2BC084-E6DB-4DE7-B309-042A85EBA700}"/>
+                <a16:creationId xmlns="" xmlns:a16="http://schemas.microsoft.com/office/drawing/2014/main" id="{EF2BC084-E6DB-4DE7-B309-042A85EBA700}"/>
               </a:ext>
             </a:extLst>
           </p:cNvPr>
@@ -28609,7 +30116,7 @@
               <a:buAutoNum type="arabicPeriod"/>
             </a:pPr>
             <a:r>
-              <a:rPr lang="pt-PT" dirty="0" smtClean="0"/>
+              <a:rPr lang="pt-PT" dirty="0"/>
               <a:t>Introdução</a:t>
             </a:r>
           </a:p>
@@ -28619,7 +30126,7 @@
               <a:buAutoNum type="arabicPeriod"/>
             </a:pPr>
             <a:r>
-              <a:rPr lang="pt-PT" dirty="0" smtClean="0"/>
+              <a:rPr lang="pt-PT" dirty="0"/>
               <a:t>Sumário</a:t>
             </a:r>
           </a:p>
@@ -28629,7 +30136,7 @@
               <a:buAutoNum type="arabicPeriod"/>
             </a:pPr>
             <a:r>
-              <a:rPr lang="pt-PT" dirty="0" smtClean="0"/>
+              <a:rPr lang="pt-PT" dirty="0"/>
               <a:t>Requisitos</a:t>
             </a:r>
           </a:p>
@@ -28639,7 +30146,7 @@
               <a:buAutoNum type="arabicPeriod"/>
             </a:pPr>
             <a:r>
-              <a:rPr lang="pt-PT" dirty="0" smtClean="0"/>
+              <a:rPr lang="pt-PT" dirty="0"/>
               <a:t>Informação Adicional</a:t>
             </a:r>
           </a:p>
@@ -28649,7 +30156,7 @@
               <a:buAutoNum type="arabicPeriod"/>
             </a:pPr>
             <a:r>
-              <a:rPr lang="pt-PT" dirty="0" smtClean="0"/>
+              <a:rPr lang="pt-PT" dirty="0"/>
               <a:t>Documentos de Referência e Glossário</a:t>
             </a:r>
           </a:p>
@@ -28659,10 +30166,9 @@
               <a:buAutoNum type="arabicPeriod"/>
             </a:pPr>
             <a:r>
-              <a:rPr lang="pt-PT" dirty="0" smtClean="0"/>
+              <a:rPr lang="pt-PT" dirty="0"/>
               <a:t>Testes</a:t>
             </a:r>
-            <a:endParaRPr lang="pt-PT" dirty="0"/>
           </a:p>
         </p:txBody>
       </p:sp>
@@ -28671,7 +30177,7 @@
           <p:cNvPr id="2" name="Slide Number Placeholder 1">
             <a:extLst>
               <a:ext uri="{FF2B5EF4-FFF2-40B4-BE49-F238E27FC236}">
-                <a16:creationId xmlns:a16="http://schemas.microsoft.com/office/drawing/2014/main" xmlns="" id="{BE9800F6-D571-48C4-8466-12AA1ADB6599}"/>
+                <a16:creationId xmlns="" xmlns:a16="http://schemas.microsoft.com/office/drawing/2014/main" id="{BE9800F6-D571-48C4-8466-12AA1ADB6599}"/>
               </a:ext>
             </a:extLst>
           </p:cNvPr>
@@ -28706,21 +30212,6 @@
   <p:clrMapOvr>
     <a:masterClrMapping/>
   </p:clrMapOvr>
-  <mc:AlternateContent xmlns:mc="http://schemas.openxmlformats.org/markup-compatibility/2006" xmlns:p14="http://schemas.microsoft.com/office/powerpoint/2010/main">
-    <mc:Choice Requires="p14">
-      <p:transition p14:dur="0"/>
-    </mc:Choice>
-    <mc:Fallback xmlns="">
-      <p:transition/>
-    </mc:Fallback>
-  </mc:AlternateContent>
-  <p:timing>
-    <p:tnLst>
-      <p:par>
-        <p:cTn id="1" dur="indefinite" restart="never" nodeType="tmRoot"/>
-      </p:par>
-    </p:tnLst>
-  </p:timing>
 </p:sld>
 </file>
 
@@ -28757,10 +30248,9 @@
           <a:lstStyle/>
           <a:p>
             <a:r>
-              <a:rPr lang="pt-PT" dirty="0" smtClean="0"/>
+              <a:rPr lang="pt-PT" dirty="0"/>
               <a:t>Esboço de Interface</a:t>
             </a:r>
-            <a:endParaRPr lang="pt-PT" dirty="0"/>
           </a:p>
         </p:txBody>
       </p:sp>
@@ -28828,21 +30318,6 @@
   <p:clrMapOvr>
     <a:masterClrMapping/>
   </p:clrMapOvr>
-  <mc:AlternateContent xmlns:mc="http://schemas.openxmlformats.org/markup-compatibility/2006" xmlns:p14="http://schemas.microsoft.com/office/powerpoint/2010/main">
-    <mc:Choice Requires="p14">
-      <p:transition p14:dur="0"/>
-    </mc:Choice>
-    <mc:Fallback xmlns="">
-      <p:transition/>
-    </mc:Fallback>
-  </mc:AlternateContent>
-  <p:timing>
-    <p:tnLst>
-      <p:par>
-        <p:cTn id="1" dur="indefinite" restart="never" nodeType="tmRoot"/>
-      </p:par>
-    </p:tnLst>
-  </p:timing>
 </p:sld>
 </file>
 
@@ -28868,7 +30343,7 @@
           <p:cNvPr id="4" name="Title 3">
             <a:extLst>
               <a:ext uri="{FF2B5EF4-FFF2-40B4-BE49-F238E27FC236}">
-                <a16:creationId xmlns:a16="http://schemas.microsoft.com/office/drawing/2014/main" xmlns="" id="{315E3981-F0D7-482C-A8E0-6A57700BECA7}"/>
+                <a16:creationId xmlns="" xmlns:a16="http://schemas.microsoft.com/office/drawing/2014/main" id="{315E3981-F0D7-482C-A8E0-6A57700BECA7}"/>
               </a:ext>
             </a:extLst>
           </p:cNvPr>
@@ -28885,10 +30360,9 @@
           <a:lstStyle/>
           <a:p>
             <a:r>
-              <a:rPr lang="pt-PT" dirty="0" smtClean="0"/>
+              <a:rPr lang="pt-PT" dirty="0"/>
               <a:t>Sprints e Testes</a:t>
             </a:r>
-            <a:endParaRPr lang="pt-PT" dirty="0"/>
           </a:p>
         </p:txBody>
       </p:sp>
@@ -28897,7 +30371,7 @@
           <p:cNvPr id="2" name="Slide Number Placeholder 1">
             <a:extLst>
               <a:ext uri="{FF2B5EF4-FFF2-40B4-BE49-F238E27FC236}">
-                <a16:creationId xmlns:a16="http://schemas.microsoft.com/office/drawing/2014/main" xmlns="" id="{520FC4EE-F318-4344-9E3C-B950ADB63865}"/>
+                <a16:creationId xmlns="" xmlns:a16="http://schemas.microsoft.com/office/drawing/2014/main" id="{520FC4EE-F318-4344-9E3C-B950ADB63865}"/>
               </a:ext>
             </a:extLst>
           </p:cNvPr>
@@ -28927,7 +30401,7 @@
           <p:cNvPr id="8" name="Text Placeholder 7">
             <a:extLst>
               <a:ext uri="{FF2B5EF4-FFF2-40B4-BE49-F238E27FC236}">
-                <a16:creationId xmlns:a16="http://schemas.microsoft.com/office/drawing/2014/main" xmlns="" id="{47DC4E62-1A34-4F98-A451-214F1808519C}"/>
+                <a16:creationId xmlns="" xmlns:a16="http://schemas.microsoft.com/office/drawing/2014/main" id="{47DC4E62-1A34-4F98-A451-214F1808519C}"/>
               </a:ext>
             </a:extLst>
           </p:cNvPr>
@@ -28946,10 +30420,9 @@
           <a:lstStyle/>
           <a:p>
             <a:r>
-              <a:rPr lang="pt-PT" sz="2400" dirty="0" smtClean="0"/>
+              <a:rPr lang="pt-PT" sz="2400" dirty="0"/>
               <a:t>Sprints quinzenais</a:t>
             </a:r>
-            <a:endParaRPr lang="pt-PT" sz="2400" dirty="0" smtClean="0"/>
           </a:p>
           <a:p>
             <a:endParaRPr lang="pt-PT" sz="2400" dirty="0"/>
@@ -28961,7 +30434,7 @@
           <p:cNvPr id="6" name="Text Placeholder 5">
             <a:extLst>
               <a:ext uri="{FF2B5EF4-FFF2-40B4-BE49-F238E27FC236}">
-                <a16:creationId xmlns:a16="http://schemas.microsoft.com/office/drawing/2014/main" xmlns="" id="{000A9570-5EF6-4AFB-9FCA-7C8998E3FEB1}"/>
+                <a16:creationId xmlns="" xmlns:a16="http://schemas.microsoft.com/office/drawing/2014/main" id="{000A9570-5EF6-4AFB-9FCA-7C8998E3FEB1}"/>
               </a:ext>
             </a:extLst>
           </p:cNvPr>
@@ -28978,7 +30451,7 @@
           <a:lstStyle/>
           <a:p>
             <a:r>
-              <a:rPr lang="pt-PT" dirty="0" smtClean="0"/>
+              <a:rPr lang="pt-PT" dirty="0"/>
               <a:t>Testes manuais e automatizados</a:t>
             </a:r>
           </a:p>
@@ -29047,21 +30520,6 @@
   <p:clrMapOvr>
     <a:masterClrMapping/>
   </p:clrMapOvr>
-  <mc:AlternateContent xmlns:mc="http://schemas.openxmlformats.org/markup-compatibility/2006" xmlns:p14="http://schemas.microsoft.com/office/powerpoint/2010/main">
-    <mc:Choice Requires="p14">
-      <p:transition p14:dur="0"/>
-    </mc:Choice>
-    <mc:Fallback xmlns="">
-      <p:transition/>
-    </mc:Fallback>
-  </mc:AlternateContent>
-  <p:timing>
-    <p:tnLst>
-      <p:par>
-        <p:cTn id="1" dur="indefinite" restart="never" nodeType="tmRoot"/>
-      </p:par>
-    </p:tnLst>
-  </p:timing>
 </p:sld>
 </file>
 
@@ -29084,10 +30542,10 @@
       </p:grpSpPr>
       <p:sp>
         <p:nvSpPr>
-          <p:cNvPr id="4" name="Title 3">
+          <p:cNvPr id="7" name="Title 6">
             <a:extLst>
               <a:ext uri="{FF2B5EF4-FFF2-40B4-BE49-F238E27FC236}">
-                <a16:creationId xmlns:a16="http://schemas.microsoft.com/office/drawing/2014/main" xmlns="" id="{315E3981-F0D7-482C-A8E0-6A57700BECA7}"/>
+                <a16:creationId xmlns="" xmlns:a16="http://schemas.microsoft.com/office/drawing/2014/main" id="{7875C19A-1AAE-476A-A316-A2CF92D763D3}"/>
               </a:ext>
             </a:extLst>
           </p:cNvPr>
@@ -29104,545 +30562,9 @@
           <a:lstStyle/>
           <a:p>
             <a:r>
-              <a:rPr lang="pt-PT" dirty="0" smtClean="0"/>
-              <a:t>Motivações</a:t>
-            </a:r>
-            <a:r>
-              <a:rPr lang="en-US" dirty="0" smtClean="0"/>
-              <a:t> e </a:t>
-            </a:r>
-            <a:r>
-              <a:rPr lang="pt-PT" dirty="0" smtClean="0"/>
-              <a:t>Objetivos</a:t>
-            </a:r>
-            <a:endParaRPr lang="pt-PT" dirty="0"/>
-          </a:p>
-        </p:txBody>
-      </p:sp>
-      <p:sp>
-        <p:nvSpPr>
-          <p:cNvPr id="2" name="Slide Number Placeholder 1">
-            <a:extLst>
-              <a:ext uri="{FF2B5EF4-FFF2-40B4-BE49-F238E27FC236}">
-                <a16:creationId xmlns:a16="http://schemas.microsoft.com/office/drawing/2014/main" xmlns="" id="{520FC4EE-F318-4344-9E3C-B950ADB63865}"/>
-              </a:ext>
-            </a:extLst>
-          </p:cNvPr>
-          <p:cNvSpPr>
-            <a:spLocks noGrp="1"/>
-          </p:cNvSpPr>
-          <p:nvPr>
-            <p:ph type="sldNum" sz="quarter" idx="12"/>
-          </p:nvPr>
-        </p:nvSpPr>
-        <p:spPr/>
-        <p:txBody>
-          <a:bodyPr/>
-          <a:lstStyle/>
-          <a:p>
-            <a:fld id="{C263D6C4-4840-40CC-AC84-17E24B3B7BDE}" type="slidenum">
-              <a:rPr lang="en-US" smtClean="0"/>
-              <a:pPr/>
-              <a:t>2</a:t>
-            </a:fld>
-            <a:endParaRPr lang="en-US" dirty="0"/>
-          </a:p>
-        </p:txBody>
-      </p:sp>
-      <p:sp>
-        <p:nvSpPr>
-          <p:cNvPr id="8" name="Text Placeholder 7">
-            <a:extLst>
-              <a:ext uri="{FF2B5EF4-FFF2-40B4-BE49-F238E27FC236}">
-                <a16:creationId xmlns:a16="http://schemas.microsoft.com/office/drawing/2014/main" xmlns="" id="{47DC4E62-1A34-4F98-A451-214F1808519C}"/>
-              </a:ext>
-            </a:extLst>
-          </p:cNvPr>
-          <p:cNvSpPr>
-            <a:spLocks noGrp="1"/>
-          </p:cNvSpPr>
-          <p:nvPr>
-            <p:ph type="body" sz="quarter" idx="2"/>
-          </p:nvPr>
-        </p:nvSpPr>
-        <p:spPr/>
-        <p:txBody>
-          <a:bodyPr>
-            <a:normAutofit/>
-          </a:bodyPr>
-          <a:lstStyle/>
-          <a:p>
-            <a:r>
-              <a:rPr lang="pt-PT" sz="2400" dirty="0" smtClean="0"/>
-              <a:t>Integração de Serviços</a:t>
-            </a:r>
-          </a:p>
-          <a:p>
-            <a:endParaRPr lang="pt-PT" sz="2400" dirty="0" smtClean="0"/>
-          </a:p>
-          <a:p>
-            <a:r>
-              <a:rPr lang="pt-PT" sz="2400" dirty="0" err="1" smtClean="0"/>
-              <a:t>Pellentesque</a:t>
-            </a:r>
-            <a:r>
-              <a:rPr lang="pt-PT" sz="2400" dirty="0" smtClean="0"/>
-              <a:t> </a:t>
-            </a:r>
-            <a:r>
-              <a:rPr lang="pt-PT" sz="2400" dirty="0" err="1" smtClean="0"/>
-              <a:t>habitant</a:t>
-            </a:r>
-            <a:r>
-              <a:rPr lang="pt-PT" sz="2400" dirty="0" smtClean="0"/>
-              <a:t> </a:t>
-            </a:r>
-            <a:r>
-              <a:rPr lang="pt-PT" sz="2400" dirty="0" err="1" smtClean="0"/>
-              <a:t>morbi</a:t>
-            </a:r>
-            <a:r>
-              <a:rPr lang="pt-PT" sz="2400" dirty="0" smtClean="0"/>
-              <a:t> </a:t>
-            </a:r>
-            <a:r>
-              <a:rPr lang="pt-PT" sz="2400" dirty="0" err="1" smtClean="0"/>
-              <a:t>tristique</a:t>
-            </a:r>
-            <a:r>
-              <a:rPr lang="pt-PT" sz="2400" dirty="0" smtClean="0"/>
-              <a:t> </a:t>
-            </a:r>
-            <a:r>
-              <a:rPr lang="pt-PT" sz="2400" dirty="0" err="1" smtClean="0"/>
-              <a:t>senectus</a:t>
-            </a:r>
-            <a:r>
-              <a:rPr lang="pt-PT" sz="2400" dirty="0" smtClean="0"/>
-              <a:t> </a:t>
-            </a:r>
-            <a:r>
-              <a:rPr lang="pt-PT" sz="2400" dirty="0" err="1" smtClean="0"/>
-              <a:t>et</a:t>
-            </a:r>
-            <a:r>
-              <a:rPr lang="pt-PT" sz="2400" dirty="0" smtClean="0"/>
-              <a:t> </a:t>
-            </a:r>
-            <a:r>
-              <a:rPr lang="pt-PT" sz="2400" dirty="0" err="1" smtClean="0"/>
-              <a:t>netus</a:t>
-            </a:r>
-            <a:r>
-              <a:rPr lang="pt-PT" sz="2400" dirty="0" smtClean="0"/>
-              <a:t> </a:t>
-            </a:r>
-            <a:r>
-              <a:rPr lang="pt-PT" sz="2400" dirty="0" err="1" smtClean="0"/>
-              <a:t>et</a:t>
-            </a:r>
-            <a:r>
-              <a:rPr lang="pt-PT" sz="2400" dirty="0" smtClean="0"/>
-              <a:t> </a:t>
-            </a:r>
-            <a:r>
-              <a:rPr lang="pt-PT" sz="2400" dirty="0" err="1" smtClean="0"/>
-              <a:t>malesuada</a:t>
-            </a:r>
-            <a:r>
-              <a:rPr lang="pt-PT" sz="2400" dirty="0" smtClean="0"/>
-              <a:t> </a:t>
-            </a:r>
-            <a:r>
-              <a:rPr lang="pt-PT" sz="2400" dirty="0" err="1" smtClean="0"/>
-              <a:t>fames</a:t>
-            </a:r>
-            <a:r>
-              <a:rPr lang="pt-PT" sz="2400" dirty="0" smtClean="0"/>
-              <a:t> </a:t>
-            </a:r>
-            <a:r>
-              <a:rPr lang="pt-PT" sz="2400" dirty="0" err="1" smtClean="0"/>
-              <a:t>ac</a:t>
-            </a:r>
-            <a:r>
-              <a:rPr lang="pt-PT" sz="2400" dirty="0" smtClean="0"/>
-              <a:t> </a:t>
-            </a:r>
-            <a:r>
-              <a:rPr lang="pt-PT" sz="2400" dirty="0" err="1" smtClean="0"/>
-              <a:t>turpis</a:t>
-            </a:r>
-            <a:r>
-              <a:rPr lang="pt-PT" sz="2400" dirty="0" smtClean="0"/>
-              <a:t> egestas. </a:t>
-            </a:r>
-            <a:r>
-              <a:rPr lang="pt-PT" sz="2400" dirty="0" err="1" smtClean="0"/>
-              <a:t>Proin</a:t>
-            </a:r>
-            <a:r>
-              <a:rPr lang="pt-PT" sz="2400" dirty="0" smtClean="0"/>
-              <a:t> </a:t>
-            </a:r>
-            <a:r>
-              <a:rPr lang="pt-PT" sz="2400" dirty="0" err="1" smtClean="0"/>
-              <a:t>pharetra</a:t>
-            </a:r>
-            <a:r>
-              <a:rPr lang="pt-PT" sz="2400" dirty="0" smtClean="0"/>
-              <a:t> </a:t>
-            </a:r>
-            <a:r>
-              <a:rPr lang="pt-PT" sz="2400" dirty="0" err="1" smtClean="0"/>
-              <a:t>nonummy</a:t>
-            </a:r>
-            <a:r>
-              <a:rPr lang="pt-PT" sz="2400" dirty="0" smtClean="0"/>
-              <a:t> pede. </a:t>
-            </a:r>
-            <a:r>
-              <a:rPr lang="pt-PT" sz="2400" dirty="0" err="1" smtClean="0"/>
-              <a:t>Mauris</a:t>
-            </a:r>
-            <a:r>
-              <a:rPr lang="pt-PT" sz="2400" dirty="0" smtClean="0"/>
-              <a:t> </a:t>
-            </a:r>
-            <a:r>
-              <a:rPr lang="pt-PT" sz="2400" dirty="0" err="1" smtClean="0"/>
-              <a:t>et</a:t>
-            </a:r>
-            <a:r>
-              <a:rPr lang="pt-PT" sz="2400" dirty="0" smtClean="0"/>
-              <a:t> </a:t>
-            </a:r>
-            <a:r>
-              <a:rPr lang="pt-PT" sz="2400" dirty="0" err="1" smtClean="0"/>
-              <a:t>orci</a:t>
-            </a:r>
-            <a:r>
-              <a:rPr lang="pt-PT" sz="2400" dirty="0" smtClean="0"/>
-              <a:t>.</a:t>
-            </a:r>
-          </a:p>
-          <a:p>
-            <a:endParaRPr lang="pt-PT" sz="2400" dirty="0" smtClean="0"/>
-          </a:p>
-          <a:p>
-            <a:endParaRPr lang="pt-PT" sz="2400" dirty="0"/>
-          </a:p>
-        </p:txBody>
-      </p:sp>
-      <p:sp>
-        <p:nvSpPr>
-          <p:cNvPr id="6" name="Text Placeholder 5">
-            <a:extLst>
-              <a:ext uri="{FF2B5EF4-FFF2-40B4-BE49-F238E27FC236}">
-                <a16:creationId xmlns:a16="http://schemas.microsoft.com/office/drawing/2014/main" xmlns="" id="{000A9570-5EF6-4AFB-9FCA-7C8998E3FEB1}"/>
-              </a:ext>
-            </a:extLst>
-          </p:cNvPr>
-          <p:cNvSpPr>
-            <a:spLocks noGrp="1"/>
-          </p:cNvSpPr>
-          <p:nvPr>
-            <p:ph type="body" sz="quarter" idx="4"/>
-          </p:nvPr>
-        </p:nvSpPr>
-        <p:spPr/>
-        <p:txBody>
-          <a:bodyPr/>
-          <a:lstStyle/>
-          <a:p>
-            <a:r>
-              <a:rPr lang="en-US" dirty="0"/>
-              <a:t>Lorem ipsum dolor sit amet, consectetuer adipiscing elit. Maecenas porttitor congue massa. Fusce posuere, magna sed pulvinar ultricies, purus lectus malesuada libero, sit amet commodo magna eros quis urna. Nunc viverra imperdiet enim. Fusce est. Vivamus a tellus.</a:t>
-            </a:r>
-          </a:p>
-          <a:p>
-            <a:r>
-              <a:rPr lang="en-US" dirty="0"/>
-              <a:t>Pellentesque habitant morbi tristique senectus et netus et malesuada fames ac turpis egestas. Proin pharetra nonummy pede. Mauris et orci.</a:t>
-            </a:r>
-          </a:p>
-          <a:p>
-            <a:endParaRPr lang="en-US" dirty="0"/>
-          </a:p>
-        </p:txBody>
-      </p:sp>
-    </p:spTree>
-    <p:extLst>
-      <p:ext uri="{BB962C8B-B14F-4D97-AF65-F5344CB8AC3E}">
-        <p14:creationId xmlns:p14="http://schemas.microsoft.com/office/powerpoint/2010/main" val="3607270498"/>
-      </p:ext>
-    </p:extLst>
-  </p:cSld>
-  <p:clrMapOvr>
-    <a:masterClrMapping/>
-  </p:clrMapOvr>
-  <mc:AlternateContent xmlns:mc="http://schemas.openxmlformats.org/markup-compatibility/2006" xmlns:p14="http://schemas.microsoft.com/office/powerpoint/2010/main">
-    <mc:Choice Requires="p14">
-      <p:transition p14:dur="0"/>
-    </mc:Choice>
-    <mc:Fallback xmlns="">
-      <p:transition/>
-    </mc:Fallback>
-  </mc:AlternateContent>
-  <p:timing>
-    <p:tnLst>
-      <p:par>
-        <p:cTn id="1" dur="indefinite" restart="never" nodeType="tmRoot"/>
-      </p:par>
-    </p:tnLst>
-  </p:timing>
-</p:sld>
-</file>
-
-<file path=ppt/slides/slide20.xml><?xml version="1.0" encoding="utf-8"?>
-<p:sld xmlns:a="http://schemas.openxmlformats.org/drawingml/2006/main" xmlns:r="http://schemas.openxmlformats.org/officeDocument/2006/relationships" xmlns:p="http://schemas.openxmlformats.org/presentationml/2006/main">
-  <p:cSld>
-    <p:spTree>
-      <p:nvGrpSpPr>
-        <p:cNvPr id="1" name=""/>
-        <p:cNvGrpSpPr/>
-        <p:nvPr/>
-      </p:nvGrpSpPr>
-      <p:grpSpPr>
-        <a:xfrm>
-          <a:off x="0" y="0"/>
-          <a:ext cx="0" cy="0"/>
-          <a:chOff x="0" y="0"/>
-          <a:chExt cx="0" cy="0"/>
-        </a:xfrm>
-      </p:grpSpPr>
-      <p:sp>
-        <p:nvSpPr>
-          <p:cNvPr id="4" name="Title 3">
-            <a:extLst>
-              <a:ext uri="{FF2B5EF4-FFF2-40B4-BE49-F238E27FC236}">
-                <a16:creationId xmlns:a16="http://schemas.microsoft.com/office/drawing/2014/main" xmlns="" id="{E3BD8413-C238-49D7-A4E1-E8FEF1811A0E}"/>
-              </a:ext>
-            </a:extLst>
-          </p:cNvPr>
-          <p:cNvSpPr>
-            <a:spLocks noGrp="1"/>
-          </p:cNvSpPr>
-          <p:nvPr>
-            <p:ph type="title"/>
-          </p:nvPr>
-        </p:nvSpPr>
-        <p:spPr/>
-        <p:txBody>
-          <a:bodyPr/>
-          <a:lstStyle/>
-          <a:p>
-            <a:r>
-              <a:rPr lang="pt-PT" dirty="0" smtClean="0"/>
-              <a:t>Trabalho Futuro</a:t>
-            </a:r>
-            <a:endParaRPr lang="pt-PT" dirty="0"/>
-          </a:p>
-        </p:txBody>
-      </p:sp>
-      <p:sp>
-        <p:nvSpPr>
-          <p:cNvPr id="2" name="Slide Number Placeholder 1">
-            <a:extLst>
-              <a:ext uri="{FF2B5EF4-FFF2-40B4-BE49-F238E27FC236}">
-                <a16:creationId xmlns:a16="http://schemas.microsoft.com/office/drawing/2014/main" xmlns="" id="{0B24BF10-2B55-43AB-9F77-F1A1410384A9}"/>
-              </a:ext>
-            </a:extLst>
-          </p:cNvPr>
-          <p:cNvSpPr>
-            <a:spLocks noGrp="1"/>
-          </p:cNvSpPr>
-          <p:nvPr>
-            <p:ph type="sldNum" sz="quarter" idx="12"/>
-          </p:nvPr>
-        </p:nvSpPr>
-        <p:spPr/>
-        <p:txBody>
-          <a:bodyPr/>
-          <a:lstStyle/>
-          <a:p>
-            <a:fld id="{C263D6C4-4840-40CC-AC84-17E24B3B7BDE}" type="slidenum">
-              <a:rPr lang="en-US" smtClean="0"/>
-              <a:pPr/>
-              <a:t>20</a:t>
-            </a:fld>
-            <a:endParaRPr lang="en-US" dirty="0"/>
-          </a:p>
-        </p:txBody>
-      </p:sp>
-      <p:sp>
-        <p:nvSpPr>
-          <p:cNvPr id="3" name="Text Placeholder 2"/>
-          <p:cNvSpPr>
-            <a:spLocks noGrp="1"/>
-          </p:cNvSpPr>
-          <p:nvPr>
-            <p:ph type="body" idx="1"/>
-          </p:nvPr>
-        </p:nvSpPr>
-        <p:spPr/>
-        <p:txBody>
-          <a:bodyPr/>
-          <a:lstStyle/>
-          <a:p>
-            <a:endParaRPr lang="pt-PT"/>
-          </a:p>
-        </p:txBody>
-      </p:sp>
-    </p:spTree>
-    <p:extLst>
-      <p:ext uri="{BB962C8B-B14F-4D97-AF65-F5344CB8AC3E}">
-        <p14:creationId xmlns:p14="http://schemas.microsoft.com/office/powerpoint/2010/main" val="3123756521"/>
-      </p:ext>
-    </p:extLst>
-  </p:cSld>
-  <p:clrMapOvr>
-    <a:masterClrMapping/>
-  </p:clrMapOvr>
-  <mc:AlternateContent xmlns:mc="http://schemas.openxmlformats.org/markup-compatibility/2006" xmlns:p14="http://schemas.microsoft.com/office/powerpoint/2010/main">
-    <mc:Choice Requires="p14">
-      <p:transition p14:dur="0"/>
-    </mc:Choice>
-    <mc:Fallback xmlns="">
-      <p:transition/>
-    </mc:Fallback>
-  </mc:AlternateContent>
-  <p:timing>
-    <p:tnLst>
-      <p:par>
-        <p:cTn id="1" dur="indefinite" restart="never" nodeType="tmRoot"/>
-      </p:par>
-    </p:tnLst>
-  </p:timing>
-</p:sld>
-</file>
-
-<file path=ppt/slides/slide21.xml><?xml version="1.0" encoding="utf-8"?>
-<p:sld xmlns:a="http://schemas.openxmlformats.org/drawingml/2006/main" xmlns:r="http://schemas.openxmlformats.org/officeDocument/2006/relationships" xmlns:p="http://schemas.openxmlformats.org/presentationml/2006/main">
-  <p:cSld>
-    <p:spTree>
-      <p:nvGrpSpPr>
-        <p:cNvPr id="1" name=""/>
-        <p:cNvGrpSpPr/>
-        <p:nvPr/>
-      </p:nvGrpSpPr>
-      <p:grpSpPr>
-        <a:xfrm>
-          <a:off x="0" y="0"/>
-          <a:ext cx="0" cy="0"/>
-          <a:chOff x="0" y="0"/>
-          <a:chExt cx="0" cy="0"/>
-        </a:xfrm>
-      </p:grpSpPr>
-      <p:sp>
-        <p:nvSpPr>
-          <p:cNvPr id="2" name="Title 1">
-            <a:extLst>
-              <a:ext uri="{FF2B5EF4-FFF2-40B4-BE49-F238E27FC236}">
-                <a16:creationId xmlns:a16="http://schemas.microsoft.com/office/drawing/2014/main" xmlns="" id="{632BE5BF-9922-45FB-8F3F-4446D40A051B}"/>
-              </a:ext>
-            </a:extLst>
-          </p:cNvPr>
-          <p:cNvSpPr>
-            <a:spLocks noGrp="1"/>
-          </p:cNvSpPr>
-          <p:nvPr>
-            <p:ph type="ctrTitle"/>
-          </p:nvPr>
-        </p:nvSpPr>
-        <p:spPr/>
-        <p:txBody>
-          <a:bodyPr/>
-          <a:lstStyle/>
-          <a:p>
-            <a:r>
-              <a:rPr lang="en-US" dirty="0"/>
-              <a:t>Thank </a:t>
-            </a:r>
-            <a:r>
-              <a:rPr lang="en-US" dirty="0" smtClean="0"/>
-              <a:t>You</a:t>
-            </a:r>
-            <a:endParaRPr lang="en-GB" dirty="0"/>
-          </a:p>
-        </p:txBody>
-      </p:sp>
-    </p:spTree>
-    <p:extLst>
-      <p:ext uri="{BB962C8B-B14F-4D97-AF65-F5344CB8AC3E}">
-        <p14:creationId xmlns:p14="http://schemas.microsoft.com/office/powerpoint/2010/main" val="429771863"/>
-      </p:ext>
-    </p:extLst>
-  </p:cSld>
-  <p:clrMapOvr>
-    <a:masterClrMapping/>
-  </p:clrMapOvr>
-  <mc:AlternateContent xmlns:mc="http://schemas.openxmlformats.org/markup-compatibility/2006" xmlns:p14="http://schemas.microsoft.com/office/powerpoint/2010/main">
-    <mc:Choice Requires="p14">
-      <p:transition p14:dur="0"/>
-    </mc:Choice>
-    <mc:Fallback xmlns="">
-      <p:transition/>
-    </mc:Fallback>
-  </mc:AlternateContent>
-  <p:timing>
-    <p:tnLst>
-      <p:par>
-        <p:cTn id="1" dur="indefinite" restart="never" nodeType="tmRoot"/>
-      </p:par>
-    </p:tnLst>
-  </p:timing>
-</p:sld>
-</file>
-
-<file path=ppt/slides/slide3.xml><?xml version="1.0" encoding="utf-8"?>
-<p:sld xmlns:a="http://schemas.openxmlformats.org/drawingml/2006/main" xmlns:r="http://schemas.openxmlformats.org/officeDocument/2006/relationships" xmlns:p="http://schemas.openxmlformats.org/presentationml/2006/main">
-  <p:cSld>
-    <p:spTree>
-      <p:nvGrpSpPr>
-        <p:cNvPr id="1" name=""/>
-        <p:cNvGrpSpPr/>
-        <p:nvPr/>
-      </p:nvGrpSpPr>
-      <p:grpSpPr>
-        <a:xfrm>
-          <a:off x="0" y="0"/>
-          <a:ext cx="0" cy="0"/>
-          <a:chOff x="0" y="0"/>
-          <a:chExt cx="0" cy="0"/>
-        </a:xfrm>
-      </p:grpSpPr>
-      <p:sp>
-        <p:nvSpPr>
-          <p:cNvPr id="7" name="Title 6">
-            <a:extLst>
-              <a:ext uri="{FF2B5EF4-FFF2-40B4-BE49-F238E27FC236}">
-                <a16:creationId xmlns:a16="http://schemas.microsoft.com/office/drawing/2014/main" xmlns="" id="{7875C19A-1AAE-476A-A316-A2CF92D763D3}"/>
-              </a:ext>
-            </a:extLst>
-          </p:cNvPr>
-          <p:cNvSpPr>
-            <a:spLocks noGrp="1"/>
-          </p:cNvSpPr>
-          <p:nvPr>
-            <p:ph type="title"/>
-          </p:nvPr>
-        </p:nvSpPr>
-        <p:spPr/>
-        <p:txBody>
-          <a:bodyPr/>
-          <a:lstStyle/>
-          <a:p>
-            <a:r>
-              <a:rPr lang="pt-PT" dirty="0" smtClean="0"/>
+              <a:rPr lang="pt-PT" dirty="0"/>
               <a:t>Ferramentas Utilizadas</a:t>
             </a:r>
-            <a:endParaRPr lang="pt-PT" dirty="0"/>
           </a:p>
         </p:txBody>
       </p:sp>
@@ -29651,7 +30573,7 @@
           <p:cNvPr id="10" name="Text Placeholder 9">
             <a:extLst>
               <a:ext uri="{FF2B5EF4-FFF2-40B4-BE49-F238E27FC236}">
-                <a16:creationId xmlns:a16="http://schemas.microsoft.com/office/drawing/2014/main" xmlns="" id="{EF2BC084-E6DB-4DE7-B309-042A85EBA700}"/>
+                <a16:creationId xmlns="" xmlns:a16="http://schemas.microsoft.com/office/drawing/2014/main" id="{EF2BC084-E6DB-4DE7-B309-042A85EBA700}"/>
               </a:ext>
             </a:extLst>
           </p:cNvPr>
@@ -29673,19 +30595,19 @@
           <a:lstStyle/>
           <a:p>
             <a:r>
-              <a:rPr lang="en-US" dirty="0" err="1" smtClean="0"/>
+              <a:rPr lang="en-US" dirty="0" err="1"/>
               <a:t>TortoiseSVN</a:t>
             </a:r>
-            <a:endParaRPr lang="en-US" dirty="0" smtClean="0"/>
-          </a:p>
-          <a:p>
-            <a:endParaRPr lang="en-US" dirty="0" smtClean="0"/>
+            <a:endParaRPr lang="en-US" dirty="0"/>
           </a:p>
           <a:p>
             <a:endParaRPr lang="en-US" dirty="0"/>
           </a:p>
           <a:p>
-            <a:endParaRPr lang="en-US" dirty="0" smtClean="0"/>
+            <a:endParaRPr lang="en-US" dirty="0"/>
+          </a:p>
+          <a:p>
+            <a:endParaRPr lang="en-US" dirty="0"/>
           </a:p>
           <a:p>
             <a:endParaRPr lang="en-US" dirty="0"/>
@@ -29698,10 +30620,9 @@
           </a:p>
           <a:p>
             <a:r>
-              <a:rPr lang="en-US" dirty="0" smtClean="0"/>
+              <a:rPr lang="en-US" dirty="0"/>
               <a:t>Jenkins</a:t>
             </a:r>
-            <a:endParaRPr lang="en-US" dirty="0"/>
           </a:p>
         </p:txBody>
       </p:sp>
@@ -29710,7 +30631,7 @@
           <p:cNvPr id="2" name="Slide Number Placeholder 1">
             <a:extLst>
               <a:ext uri="{FF2B5EF4-FFF2-40B4-BE49-F238E27FC236}">
-                <a16:creationId xmlns:a16="http://schemas.microsoft.com/office/drawing/2014/main" xmlns="" id="{BE9800F6-D571-48C4-8466-12AA1ADB6599}"/>
+                <a16:creationId xmlns="" xmlns:a16="http://schemas.microsoft.com/office/drawing/2014/main" id="{BE9800F6-D571-48C4-8466-12AA1ADB6599}"/>
               </a:ext>
             </a:extLst>
           </p:cNvPr>
@@ -29729,7 +30650,7 @@
             <a:fld id="{C263D6C4-4840-40CC-AC84-17E24B3B7BDE}" type="slidenum">
               <a:rPr lang="en-US" smtClean="0"/>
               <a:pPr/>
-              <a:t>3</a:t>
+              <a:t>2</a:t>
             </a:fld>
             <a:endParaRPr lang="en-US" dirty="0"/>
           </a:p>
@@ -29805,14 +30726,267 @@
   <p:clrMapOvr>
     <a:masterClrMapping/>
   </p:clrMapOvr>
-  <mc:AlternateContent xmlns:mc="http://schemas.openxmlformats.org/markup-compatibility/2006" xmlns:p14="http://schemas.microsoft.com/office/powerpoint/2010/main">
-    <mc:Choice Requires="p14">
-      <p:transition p14:dur="0"/>
-    </mc:Choice>
-    <mc:Fallback xmlns="">
-      <p:transition/>
-    </mc:Fallback>
-  </mc:AlternateContent>
+  <p:timing>
+    <p:tnLst>
+      <p:par>
+        <p:cTn id="1" dur="indefinite" restart="never" nodeType="tmRoot"/>
+      </p:par>
+    </p:tnLst>
+  </p:timing>
+</p:sld>
+</file>
+
+<file path=ppt/slides/slide20.xml><?xml version="1.0" encoding="utf-8"?>
+<p:sld xmlns:a="http://schemas.openxmlformats.org/drawingml/2006/main" xmlns:r="http://schemas.openxmlformats.org/officeDocument/2006/relationships" xmlns:p="http://schemas.openxmlformats.org/presentationml/2006/main">
+  <p:cSld>
+    <p:spTree>
+      <p:nvGrpSpPr>
+        <p:cNvPr id="1" name=""/>
+        <p:cNvGrpSpPr/>
+        <p:nvPr/>
+      </p:nvGrpSpPr>
+      <p:grpSpPr>
+        <a:xfrm>
+          <a:off x="0" y="0"/>
+          <a:ext cx="0" cy="0"/>
+          <a:chOff x="0" y="0"/>
+          <a:chExt cx="0" cy="0"/>
+        </a:xfrm>
+      </p:grpSpPr>
+      <p:sp>
+        <p:nvSpPr>
+          <p:cNvPr id="4" name="Title 3">
+            <a:extLst>
+              <a:ext uri="{FF2B5EF4-FFF2-40B4-BE49-F238E27FC236}">
+                <a16:creationId xmlns="" xmlns:a16="http://schemas.microsoft.com/office/drawing/2014/main" id="{E3BD8413-C238-49D7-A4E1-E8FEF1811A0E}"/>
+              </a:ext>
+            </a:extLst>
+          </p:cNvPr>
+          <p:cNvSpPr>
+            <a:spLocks noGrp="1"/>
+          </p:cNvSpPr>
+          <p:nvPr>
+            <p:ph type="title"/>
+          </p:nvPr>
+        </p:nvSpPr>
+        <p:spPr/>
+        <p:txBody>
+          <a:bodyPr/>
+          <a:lstStyle/>
+          <a:p>
+            <a:r>
+              <a:rPr lang="pt-PT" dirty="0"/>
+              <a:t>Trabalho Futuro</a:t>
+            </a:r>
+          </a:p>
+        </p:txBody>
+      </p:sp>
+      <p:sp>
+        <p:nvSpPr>
+          <p:cNvPr id="2" name="Slide Number Placeholder 1">
+            <a:extLst>
+              <a:ext uri="{FF2B5EF4-FFF2-40B4-BE49-F238E27FC236}">
+                <a16:creationId xmlns="" xmlns:a16="http://schemas.microsoft.com/office/drawing/2014/main" id="{0B24BF10-2B55-43AB-9F77-F1A1410384A9}"/>
+              </a:ext>
+            </a:extLst>
+          </p:cNvPr>
+          <p:cNvSpPr>
+            <a:spLocks noGrp="1"/>
+          </p:cNvSpPr>
+          <p:nvPr>
+            <p:ph type="sldNum" sz="quarter" idx="12"/>
+          </p:nvPr>
+        </p:nvSpPr>
+        <p:spPr/>
+        <p:txBody>
+          <a:bodyPr/>
+          <a:lstStyle/>
+          <a:p>
+            <a:fld id="{C263D6C4-4840-40CC-AC84-17E24B3B7BDE}" type="slidenum">
+              <a:rPr lang="en-US" smtClean="0"/>
+              <a:pPr/>
+              <a:t>20</a:t>
+            </a:fld>
+            <a:endParaRPr lang="en-US" dirty="0"/>
+          </a:p>
+        </p:txBody>
+      </p:sp>
+      <p:sp>
+        <p:nvSpPr>
+          <p:cNvPr id="3" name="Text Placeholder 2"/>
+          <p:cNvSpPr>
+            <a:spLocks noGrp="1"/>
+          </p:cNvSpPr>
+          <p:nvPr>
+            <p:ph type="body" idx="1"/>
+          </p:nvPr>
+        </p:nvSpPr>
+        <p:spPr/>
+        <p:txBody>
+          <a:bodyPr/>
+          <a:lstStyle/>
+          <a:p>
+            <a:endParaRPr lang="pt-PT"/>
+          </a:p>
+        </p:txBody>
+      </p:sp>
+    </p:spTree>
+    <p:extLst>
+      <p:ext uri="{BB962C8B-B14F-4D97-AF65-F5344CB8AC3E}">
+        <p14:creationId xmlns:p14="http://schemas.microsoft.com/office/powerpoint/2010/main" val="3123756521"/>
+      </p:ext>
+    </p:extLst>
+  </p:cSld>
+  <p:clrMapOvr>
+    <a:masterClrMapping/>
+  </p:clrMapOvr>
+</p:sld>
+</file>
+
+<file path=ppt/slides/slide21.xml><?xml version="1.0" encoding="utf-8"?>
+<p:sld xmlns:a="http://schemas.openxmlformats.org/drawingml/2006/main" xmlns:r="http://schemas.openxmlformats.org/officeDocument/2006/relationships" xmlns:p="http://schemas.openxmlformats.org/presentationml/2006/main">
+  <p:cSld>
+    <p:spTree>
+      <p:nvGrpSpPr>
+        <p:cNvPr id="1" name=""/>
+        <p:cNvGrpSpPr/>
+        <p:nvPr/>
+      </p:nvGrpSpPr>
+      <p:grpSpPr>
+        <a:xfrm>
+          <a:off x="0" y="0"/>
+          <a:ext cx="0" cy="0"/>
+          <a:chOff x="0" y="0"/>
+          <a:chExt cx="0" cy="0"/>
+        </a:xfrm>
+      </p:grpSpPr>
+      <p:sp>
+        <p:nvSpPr>
+          <p:cNvPr id="2" name="Title 1">
+            <a:extLst>
+              <a:ext uri="{FF2B5EF4-FFF2-40B4-BE49-F238E27FC236}">
+                <a16:creationId xmlns="" xmlns:a16="http://schemas.microsoft.com/office/drawing/2014/main" id="{632BE5BF-9922-45FB-8F3F-4446D40A051B}"/>
+              </a:ext>
+            </a:extLst>
+          </p:cNvPr>
+          <p:cNvSpPr>
+            <a:spLocks noGrp="1"/>
+          </p:cNvSpPr>
+          <p:nvPr>
+            <p:ph type="ctrTitle"/>
+          </p:nvPr>
+        </p:nvSpPr>
+        <p:spPr/>
+        <p:txBody>
+          <a:bodyPr/>
+          <a:lstStyle/>
+          <a:p>
+            <a:r>
+              <a:rPr lang="en-US" dirty="0"/>
+              <a:t>Thank You</a:t>
+            </a:r>
+            <a:endParaRPr lang="en-GB" dirty="0"/>
+          </a:p>
+        </p:txBody>
+      </p:sp>
+    </p:spTree>
+    <p:extLst>
+      <p:ext uri="{BB962C8B-B14F-4D97-AF65-F5344CB8AC3E}">
+        <p14:creationId xmlns:p14="http://schemas.microsoft.com/office/powerpoint/2010/main" val="429771863"/>
+      </p:ext>
+    </p:extLst>
+  </p:cSld>
+  <p:clrMapOvr>
+    <a:masterClrMapping/>
+  </p:clrMapOvr>
+</p:sld>
+</file>
+
+<file path=ppt/slides/slide3.xml><?xml version="1.0" encoding="utf-8"?>
+<p:sld xmlns:a="http://schemas.openxmlformats.org/drawingml/2006/main" xmlns:r="http://schemas.openxmlformats.org/officeDocument/2006/relationships" xmlns:p="http://schemas.openxmlformats.org/presentationml/2006/main">
+  <p:cSld>
+    <p:spTree>
+      <p:nvGrpSpPr>
+        <p:cNvPr id="1" name=""/>
+        <p:cNvGrpSpPr/>
+        <p:nvPr/>
+      </p:nvGrpSpPr>
+      <p:grpSpPr>
+        <a:xfrm>
+          <a:off x="0" y="0"/>
+          <a:ext cx="0" cy="0"/>
+          <a:chOff x="0" y="0"/>
+          <a:chExt cx="0" cy="0"/>
+        </a:xfrm>
+      </p:grpSpPr>
+      <p:sp>
+        <p:nvSpPr>
+          <p:cNvPr id="7" name="Title 6">
+            <a:extLst>
+              <a:ext uri="{FF2B5EF4-FFF2-40B4-BE49-F238E27FC236}">
+                <a16:creationId xmlns="" xmlns:a16="http://schemas.microsoft.com/office/drawing/2014/main" id="{7875C19A-1AAE-476A-A316-A2CF92D763D3}"/>
+              </a:ext>
+            </a:extLst>
+          </p:cNvPr>
+          <p:cNvSpPr>
+            <a:spLocks noGrp="1"/>
+          </p:cNvSpPr>
+          <p:nvPr>
+            <p:ph type="title"/>
+          </p:nvPr>
+        </p:nvSpPr>
+        <p:spPr/>
+        <p:txBody>
+          <a:bodyPr/>
+          <a:lstStyle/>
+          <a:p>
+            <a:r>
+              <a:rPr lang="pt-PT" dirty="0"/>
+              <a:t>ERP ARTSOFT</a:t>
+            </a:r>
+          </a:p>
+        </p:txBody>
+      </p:sp>
+      <p:sp>
+        <p:nvSpPr>
+          <p:cNvPr id="2" name="Slide Number Placeholder 1">
+            <a:extLst>
+              <a:ext uri="{FF2B5EF4-FFF2-40B4-BE49-F238E27FC236}">
+                <a16:creationId xmlns="" xmlns:a16="http://schemas.microsoft.com/office/drawing/2014/main" id="{BE9800F6-D571-48C4-8466-12AA1ADB6599}"/>
+              </a:ext>
+            </a:extLst>
+          </p:cNvPr>
+          <p:cNvSpPr>
+            <a:spLocks noGrp="1"/>
+          </p:cNvSpPr>
+          <p:nvPr>
+            <p:ph type="sldNum" sz="quarter" idx="12"/>
+          </p:nvPr>
+        </p:nvSpPr>
+        <p:spPr/>
+        <p:txBody>
+          <a:bodyPr/>
+          <a:lstStyle/>
+          <a:p>
+            <a:fld id="{C263D6C4-4840-40CC-AC84-17E24B3B7BDE}" type="slidenum">
+              <a:rPr lang="en-US" smtClean="0"/>
+              <a:pPr/>
+              <a:t>3</a:t>
+            </a:fld>
+            <a:endParaRPr lang="en-US" dirty="0"/>
+          </a:p>
+        </p:txBody>
+      </p:sp>
+    </p:spTree>
+    <p:extLst>
+      <p:ext uri="{BB962C8B-B14F-4D97-AF65-F5344CB8AC3E}">
+        <p14:creationId xmlns:p14="http://schemas.microsoft.com/office/powerpoint/2010/main" val="388453609"/>
+      </p:ext>
+    </p:extLst>
+  </p:cSld>
+  <p:clrMapOvr>
+    <a:masterClrMapping/>
+  </p:clrMapOvr>
   <p:timing>
     <p:tnLst>
       <p:par>
@@ -29845,7 +31019,7 @@
           <p:cNvPr id="7" name="Title 6">
             <a:extLst>
               <a:ext uri="{FF2B5EF4-FFF2-40B4-BE49-F238E27FC236}">
-                <a16:creationId xmlns:a16="http://schemas.microsoft.com/office/drawing/2014/main" xmlns="" id="{7875C19A-1AAE-476A-A316-A2CF92D763D3}"/>
+                <a16:creationId xmlns="" xmlns:a16="http://schemas.microsoft.com/office/drawing/2014/main" id="{7875C19A-1AAE-476A-A316-A2CF92D763D3}"/>
               </a:ext>
             </a:extLst>
           </p:cNvPr>
@@ -29862,10 +31036,9 @@
           <a:lstStyle/>
           <a:p>
             <a:r>
-              <a:rPr lang="pt-PT" dirty="0" smtClean="0"/>
-              <a:t>ERP ARTSOFT</a:t>
+              <a:rPr lang="pt-PT" dirty="0"/>
+              <a:t>Eventos</a:t>
             </a:r>
-            <a:endParaRPr lang="pt-PT" dirty="0"/>
           </a:p>
         </p:txBody>
       </p:sp>
@@ -29874,7 +31047,7 @@
           <p:cNvPr id="2" name="Slide Number Placeholder 1">
             <a:extLst>
               <a:ext uri="{FF2B5EF4-FFF2-40B4-BE49-F238E27FC236}">
-                <a16:creationId xmlns:a16="http://schemas.microsoft.com/office/drawing/2014/main" xmlns="" id="{BE9800F6-D571-48C4-8466-12AA1ADB6599}"/>
+                <a16:creationId xmlns="" xmlns:a16="http://schemas.microsoft.com/office/drawing/2014/main" id="{BE9800F6-D571-48C4-8466-12AA1ADB6599}"/>
               </a:ext>
             </a:extLst>
           </p:cNvPr>
@@ -29899,24 +31072,46 @@
           </a:p>
         </p:txBody>
       </p:sp>
+      <p:pic>
+        <p:nvPicPr>
+          <p:cNvPr id="3" name="Imagem 3" descr="Uma imagem com mesa&#10;&#10;Descrição gerada automaticamente">
+            <a:extLst>
+              <a:ext uri="{FF2B5EF4-FFF2-40B4-BE49-F238E27FC236}">
+                <a16:creationId xmlns="" xmlns:a16="http://schemas.microsoft.com/office/drawing/2014/main" id="{43B7A53D-CDF0-4650-94A4-8EEBEAFCCA3F}"/>
+              </a:ext>
+            </a:extLst>
+          </p:cNvPr>
+          <p:cNvPicPr>
+            <a:picLocks noChangeAspect="1"/>
+          </p:cNvPicPr>
+          <p:nvPr/>
+        </p:nvPicPr>
+        <p:blipFill>
+          <a:blip r:embed="rId2"/>
+          <a:stretch>
+            <a:fillRect/>
+          </a:stretch>
+        </p:blipFill>
+        <p:spPr>
+          <a:xfrm>
+            <a:off x="533400" y="1959078"/>
+            <a:ext cx="7510130" cy="4361409"/>
+          </a:xfrm>
+          <a:prstGeom prst="rect">
+            <a:avLst/>
+          </a:prstGeom>
+        </p:spPr>
+      </p:pic>
     </p:spTree>
     <p:extLst>
       <p:ext uri="{BB962C8B-B14F-4D97-AF65-F5344CB8AC3E}">
-        <p14:creationId xmlns:p14="http://schemas.microsoft.com/office/powerpoint/2010/main" val="388453609"/>
+        <p14:creationId xmlns:p14="http://schemas.microsoft.com/office/powerpoint/2010/main" val="2400323377"/>
       </p:ext>
     </p:extLst>
   </p:cSld>
   <p:clrMapOvr>
     <a:masterClrMapping/>
   </p:clrMapOvr>
-  <mc:AlternateContent xmlns:mc="http://schemas.openxmlformats.org/markup-compatibility/2006" xmlns:p14="http://schemas.microsoft.com/office/powerpoint/2010/main">
-    <mc:Choice Requires="p14">
-      <p:transition p14:dur="0"/>
-    </mc:Choice>
-    <mc:Fallback xmlns="">
-      <p:transition/>
-    </mc:Fallback>
-  </mc:AlternateContent>
   <p:timing>
     <p:tnLst>
       <p:par>
@@ -29949,7 +31144,7 @@
           <p:cNvPr id="7" name="Title 6">
             <a:extLst>
               <a:ext uri="{FF2B5EF4-FFF2-40B4-BE49-F238E27FC236}">
-                <a16:creationId xmlns:a16="http://schemas.microsoft.com/office/drawing/2014/main" xmlns="" id="{7875C19A-1AAE-476A-A316-A2CF92D763D3}"/>
+                <a16:creationId xmlns="" xmlns:a16="http://schemas.microsoft.com/office/drawing/2014/main" id="{7875C19A-1AAE-476A-A316-A2CF92D763D3}"/>
               </a:ext>
             </a:extLst>
           </p:cNvPr>
@@ -29966,10 +31161,9 @@
           <a:lstStyle/>
           <a:p>
             <a:r>
-              <a:rPr lang="pt-PT" dirty="0" smtClean="0"/>
-              <a:t>Eventos</a:t>
+              <a:rPr lang="pt-PT" dirty="0"/>
+              <a:t>Formação</a:t>
             </a:r>
-            <a:endParaRPr lang="pt-PT" dirty="0"/>
           </a:p>
         </p:txBody>
       </p:sp>
@@ -29978,7 +31172,7 @@
           <p:cNvPr id="2" name="Slide Number Placeholder 1">
             <a:extLst>
               <a:ext uri="{FF2B5EF4-FFF2-40B4-BE49-F238E27FC236}">
-                <a16:creationId xmlns:a16="http://schemas.microsoft.com/office/drawing/2014/main" xmlns="" id="{BE9800F6-D571-48C4-8466-12AA1ADB6599}"/>
+                <a16:creationId xmlns="" xmlns:a16="http://schemas.microsoft.com/office/drawing/2014/main" id="{BE9800F6-D571-48C4-8466-12AA1ADB6599}"/>
               </a:ext>
             </a:extLst>
           </p:cNvPr>
@@ -30003,24 +31197,76 @@
           </a:p>
         </p:txBody>
       </p:sp>
+      <p:pic>
+        <p:nvPicPr>
+          <p:cNvPr id="3" name="Imagem 3" descr="Uma imagem com mesa&#10;&#10;Descrição gerada automaticamente">
+            <a:extLst>
+              <a:ext uri="{FF2B5EF4-FFF2-40B4-BE49-F238E27FC236}">
+                <a16:creationId xmlns="" xmlns:a16="http://schemas.microsoft.com/office/drawing/2014/main" id="{29D8FD01-84A2-4F81-BFBC-583068BC3446}"/>
+              </a:ext>
+            </a:extLst>
+          </p:cNvPr>
+          <p:cNvPicPr>
+            <a:picLocks noChangeAspect="1"/>
+          </p:cNvPicPr>
+          <p:nvPr/>
+        </p:nvPicPr>
+        <p:blipFill>
+          <a:blip r:embed="rId2"/>
+          <a:stretch>
+            <a:fillRect/>
+          </a:stretch>
+        </p:blipFill>
+        <p:spPr>
+          <a:xfrm>
+            <a:off x="444795" y="3023139"/>
+            <a:ext cx="3903920" cy="3097722"/>
+          </a:xfrm>
+          <a:prstGeom prst="rect">
+            <a:avLst/>
+          </a:prstGeom>
+        </p:spPr>
+      </p:pic>
+      <p:pic>
+        <p:nvPicPr>
+          <p:cNvPr id="4" name="Imagem 4" descr="Uma imagem com mesa&#10;&#10;Descrição gerada automaticamente">
+            <a:extLst>
+              <a:ext uri="{FF2B5EF4-FFF2-40B4-BE49-F238E27FC236}">
+                <a16:creationId xmlns="" xmlns:a16="http://schemas.microsoft.com/office/drawing/2014/main" id="{DEC5F612-5C42-4F24-B24F-25C9222578F1}"/>
+              </a:ext>
+            </a:extLst>
+          </p:cNvPr>
+          <p:cNvPicPr>
+            <a:picLocks noChangeAspect="1"/>
+          </p:cNvPicPr>
+          <p:nvPr/>
+        </p:nvPicPr>
+        <p:blipFill>
+          <a:blip r:embed="rId3"/>
+          <a:stretch>
+            <a:fillRect/>
+          </a:stretch>
+        </p:blipFill>
+        <p:spPr>
+          <a:xfrm>
+            <a:off x="4680097" y="3023064"/>
+            <a:ext cx="5733932" cy="3096793"/>
+          </a:xfrm>
+          <a:prstGeom prst="rect">
+            <a:avLst/>
+          </a:prstGeom>
+        </p:spPr>
+      </p:pic>
     </p:spTree>
     <p:extLst>
       <p:ext uri="{BB962C8B-B14F-4D97-AF65-F5344CB8AC3E}">
-        <p14:creationId xmlns:p14="http://schemas.microsoft.com/office/powerpoint/2010/main" val="2400323377"/>
+        <p14:creationId xmlns:p14="http://schemas.microsoft.com/office/powerpoint/2010/main" val="310938378"/>
       </p:ext>
     </p:extLst>
   </p:cSld>
   <p:clrMapOvr>
     <a:masterClrMapping/>
   </p:clrMapOvr>
-  <mc:AlternateContent xmlns:mc="http://schemas.openxmlformats.org/markup-compatibility/2006" xmlns:p14="http://schemas.microsoft.com/office/powerpoint/2010/main">
-    <mc:Choice Requires="p14">
-      <p:transition p14:dur="0"/>
-    </mc:Choice>
-    <mc:Fallback xmlns="">
-      <p:transition/>
-    </mc:Fallback>
-  </mc:AlternateContent>
   <p:timing>
     <p:tnLst>
       <p:par>
@@ -30050,10 +31296,10 @@
       </p:grpSpPr>
       <p:sp>
         <p:nvSpPr>
-          <p:cNvPr id="7" name="Title 6">
+          <p:cNvPr id="4" name="Title 3">
             <a:extLst>
               <a:ext uri="{FF2B5EF4-FFF2-40B4-BE49-F238E27FC236}">
-                <a16:creationId xmlns:a16="http://schemas.microsoft.com/office/drawing/2014/main" xmlns="" id="{7875C19A-1AAE-476A-A316-A2CF92D763D3}"/>
+                <a16:creationId xmlns="" xmlns:a16="http://schemas.microsoft.com/office/drawing/2014/main" id="{E3BD8413-C238-49D7-A4E1-E8FEF1811A0E}"/>
               </a:ext>
             </a:extLst>
           </p:cNvPr>
@@ -30070,10 +31316,34 @@
           <a:lstStyle/>
           <a:p>
             <a:r>
-              <a:rPr lang="pt-PT" dirty="0" smtClean="0"/>
-              <a:t>Formação</a:t>
+              <a:rPr lang="pt-PT" dirty="0"/>
+              <a:t>Trabalho Relacionado</a:t>
             </a:r>
-            <a:endParaRPr lang="pt-PT" dirty="0"/>
+          </a:p>
+        </p:txBody>
+      </p:sp>
+      <p:sp>
+        <p:nvSpPr>
+          <p:cNvPr id="5" name="Text Placeholder 4">
+            <a:extLst>
+              <a:ext uri="{FF2B5EF4-FFF2-40B4-BE49-F238E27FC236}">
+                <a16:creationId xmlns="" xmlns:a16="http://schemas.microsoft.com/office/drawing/2014/main" id="{0A95F4DE-39B7-4CE2-BC1E-8B8AE662A895}"/>
+              </a:ext>
+            </a:extLst>
+          </p:cNvPr>
+          <p:cNvSpPr>
+            <a:spLocks noGrp="1"/>
+          </p:cNvSpPr>
+          <p:nvPr>
+            <p:ph type="body" idx="1"/>
+          </p:nvPr>
+        </p:nvSpPr>
+        <p:spPr/>
+        <p:txBody>
+          <a:bodyPr/>
+          <a:lstStyle/>
+          <a:p>
+            <a:endParaRPr lang="en-US" dirty="0"/>
           </a:p>
         </p:txBody>
       </p:sp>
@@ -30082,7 +31352,7 @@
           <p:cNvPr id="2" name="Slide Number Placeholder 1">
             <a:extLst>
               <a:ext uri="{FF2B5EF4-FFF2-40B4-BE49-F238E27FC236}">
-                <a16:creationId xmlns:a16="http://schemas.microsoft.com/office/drawing/2014/main" xmlns="" id="{BE9800F6-D571-48C4-8466-12AA1ADB6599}"/>
+                <a16:creationId xmlns="" xmlns:a16="http://schemas.microsoft.com/office/drawing/2014/main" id="{0B24BF10-2B55-43AB-9F77-F1A1410384A9}"/>
               </a:ext>
             </a:extLst>
           </p:cNvPr>
@@ -30110,28 +31380,13 @@
     </p:spTree>
     <p:extLst>
       <p:ext uri="{BB962C8B-B14F-4D97-AF65-F5344CB8AC3E}">
-        <p14:creationId xmlns:p14="http://schemas.microsoft.com/office/powerpoint/2010/main" val="310938378"/>
+        <p14:creationId xmlns:p14="http://schemas.microsoft.com/office/powerpoint/2010/main" val="2902794312"/>
       </p:ext>
     </p:extLst>
   </p:cSld>
   <p:clrMapOvr>
     <a:masterClrMapping/>
   </p:clrMapOvr>
-  <mc:AlternateContent xmlns:mc="http://schemas.openxmlformats.org/markup-compatibility/2006" xmlns:p14="http://schemas.microsoft.com/office/powerpoint/2010/main">
-    <mc:Choice Requires="p14">
-      <p:transition p14:dur="0"/>
-    </mc:Choice>
-    <mc:Fallback xmlns="">
-      <p:transition/>
-    </mc:Fallback>
-  </mc:AlternateContent>
-  <p:timing>
-    <p:tnLst>
-      <p:par>
-        <p:cTn id="1" dur="indefinite" restart="never" nodeType="tmRoot"/>
-      </p:par>
-    </p:tnLst>
-  </p:timing>
 </p:sld>
 </file>
 
@@ -30154,139 +31409,10 @@
       </p:grpSpPr>
       <p:sp>
         <p:nvSpPr>
-          <p:cNvPr id="4" name="Title 3">
-            <a:extLst>
-              <a:ext uri="{FF2B5EF4-FFF2-40B4-BE49-F238E27FC236}">
-                <a16:creationId xmlns:a16="http://schemas.microsoft.com/office/drawing/2014/main" xmlns="" id="{E3BD8413-C238-49D7-A4E1-E8FEF1811A0E}"/>
-              </a:ext>
-            </a:extLst>
-          </p:cNvPr>
-          <p:cNvSpPr>
-            <a:spLocks noGrp="1"/>
-          </p:cNvSpPr>
-          <p:nvPr>
-            <p:ph type="title"/>
-          </p:nvPr>
-        </p:nvSpPr>
-        <p:spPr/>
-        <p:txBody>
-          <a:bodyPr/>
-          <a:lstStyle/>
-          <a:p>
-            <a:r>
-              <a:rPr lang="pt-PT" dirty="0" smtClean="0"/>
-              <a:t>Trabalho Relacionado</a:t>
-            </a:r>
-            <a:endParaRPr lang="pt-PT" dirty="0"/>
-          </a:p>
-        </p:txBody>
-      </p:sp>
-      <p:sp>
-        <p:nvSpPr>
-          <p:cNvPr id="5" name="Text Placeholder 4">
-            <a:extLst>
-              <a:ext uri="{FF2B5EF4-FFF2-40B4-BE49-F238E27FC236}">
-                <a16:creationId xmlns:a16="http://schemas.microsoft.com/office/drawing/2014/main" xmlns="" id="{0A95F4DE-39B7-4CE2-BC1E-8B8AE662A895}"/>
-              </a:ext>
-            </a:extLst>
-          </p:cNvPr>
-          <p:cNvSpPr>
-            <a:spLocks noGrp="1"/>
-          </p:cNvSpPr>
-          <p:nvPr>
-            <p:ph type="body" idx="1"/>
-          </p:nvPr>
-        </p:nvSpPr>
-        <p:spPr/>
-        <p:txBody>
-          <a:bodyPr/>
-          <a:lstStyle/>
-          <a:p>
-            <a:endParaRPr lang="en-US" dirty="0"/>
-          </a:p>
-        </p:txBody>
-      </p:sp>
-      <p:sp>
-        <p:nvSpPr>
-          <p:cNvPr id="2" name="Slide Number Placeholder 1">
-            <a:extLst>
-              <a:ext uri="{FF2B5EF4-FFF2-40B4-BE49-F238E27FC236}">
-                <a16:creationId xmlns:a16="http://schemas.microsoft.com/office/drawing/2014/main" xmlns="" id="{0B24BF10-2B55-43AB-9F77-F1A1410384A9}"/>
-              </a:ext>
-            </a:extLst>
-          </p:cNvPr>
-          <p:cNvSpPr>
-            <a:spLocks noGrp="1"/>
-          </p:cNvSpPr>
-          <p:nvPr>
-            <p:ph type="sldNum" sz="quarter" idx="12"/>
-          </p:nvPr>
-        </p:nvSpPr>
-        <p:spPr/>
-        <p:txBody>
-          <a:bodyPr/>
-          <a:lstStyle/>
-          <a:p>
-            <a:fld id="{C263D6C4-4840-40CC-AC84-17E24B3B7BDE}" type="slidenum">
-              <a:rPr lang="en-US" smtClean="0"/>
-              <a:pPr/>
-              <a:t>7</a:t>
-            </a:fld>
-            <a:endParaRPr lang="en-US" dirty="0"/>
-          </a:p>
-        </p:txBody>
-      </p:sp>
-    </p:spTree>
-    <p:extLst>
-      <p:ext uri="{BB962C8B-B14F-4D97-AF65-F5344CB8AC3E}">
-        <p14:creationId xmlns:p14="http://schemas.microsoft.com/office/powerpoint/2010/main" val="2902794312"/>
-      </p:ext>
-    </p:extLst>
-  </p:cSld>
-  <p:clrMapOvr>
-    <a:masterClrMapping/>
-  </p:clrMapOvr>
-  <mc:AlternateContent xmlns:mc="http://schemas.openxmlformats.org/markup-compatibility/2006" xmlns:p14="http://schemas.microsoft.com/office/powerpoint/2010/main">
-    <mc:Choice Requires="p14">
-      <p:transition p14:dur="0"/>
-    </mc:Choice>
-    <mc:Fallback xmlns="">
-      <p:transition/>
-    </mc:Fallback>
-  </mc:AlternateContent>
-  <p:timing>
-    <p:tnLst>
-      <p:par>
-        <p:cTn id="1" dur="indefinite" restart="never" nodeType="tmRoot"/>
-      </p:par>
-    </p:tnLst>
-  </p:timing>
-</p:sld>
-</file>
-
-<file path=ppt/slides/slide8.xml><?xml version="1.0" encoding="utf-8"?>
-<p:sld xmlns:a="http://schemas.openxmlformats.org/drawingml/2006/main" xmlns:r="http://schemas.openxmlformats.org/officeDocument/2006/relationships" xmlns:p="http://schemas.openxmlformats.org/presentationml/2006/main">
-  <p:cSld>
-    <p:spTree>
-      <p:nvGrpSpPr>
-        <p:cNvPr id="1" name=""/>
-        <p:cNvGrpSpPr/>
-        <p:nvPr/>
-      </p:nvGrpSpPr>
-      <p:grpSpPr>
-        <a:xfrm>
-          <a:off x="0" y="0"/>
-          <a:ext cx="0" cy="0"/>
-          <a:chOff x="0" y="0"/>
-          <a:chExt cx="0" cy="0"/>
-        </a:xfrm>
-      </p:grpSpPr>
-      <p:sp>
-        <p:nvSpPr>
           <p:cNvPr id="6" name="Title 5">
             <a:extLst>
               <a:ext uri="{FF2B5EF4-FFF2-40B4-BE49-F238E27FC236}">
-                <a16:creationId xmlns:a16="http://schemas.microsoft.com/office/drawing/2014/main" xmlns="" id="{A4CD37D6-FE32-48E3-A3AD-F07BE6A19FA1}"/>
+                <a16:creationId xmlns="" xmlns:a16="http://schemas.microsoft.com/office/drawing/2014/main" id="{A4CD37D6-FE32-48E3-A3AD-F07BE6A19FA1}"/>
               </a:ext>
             </a:extLst>
           </p:cNvPr>
@@ -30299,24 +31425,64 @@
         </p:nvSpPr>
         <p:spPr>
           <a:xfrm>
-            <a:off x="533399" y="3200400"/>
-            <a:ext cx="7551057" cy="2859313"/>
+            <a:off x="533400" y="3200400"/>
+            <a:ext cx="7880308" cy="2150988"/>
           </a:xfrm>
         </p:spPr>
         <p:txBody>
-          <a:bodyPr/>
+          <a:bodyPr>
+            <a:normAutofit fontScale="90000"/>
+          </a:bodyPr>
           <a:lstStyle/>
           <a:p>
             <a:r>
-              <a:rPr lang="en-US" dirty="0"/>
-              <a:t>Quote appears here </a:t>
+              <a:rPr lang="en-US" sz="2700" dirty="0" smtClean="0"/>
+              <a:t>“</a:t>
+            </a:r>
+            <a:r>
+              <a:rPr lang="en-GB" sz="2700" dirty="0"/>
+              <a:t>It is important to understand fully the characteristics</a:t>
+            </a:r>
+            <a:r>
+              <a:rPr lang="en-GB" sz="2700" dirty="0"/>
+              <a:t/>
             </a:r>
             <a:br>
-              <a:rPr lang="en-US" dirty="0"/>
+              <a:rPr lang="en-GB" sz="2700" dirty="0"/>
             </a:br>
             <a:r>
+              <a:rPr lang="en-GB" sz="2700" dirty="0"/>
+              <a:t>of Web Services, in terms of the dos and don'ts for WS,</a:t>
+            </a:r>
+            <a:r>
+              <a:rPr lang="en-GB" sz="2700" dirty="0"/>
+              <a:t/>
+            </a:r>
+            <a:br>
+              <a:rPr lang="en-GB" sz="2700" dirty="0"/>
+            </a:br>
+            <a:r>
+              <a:rPr lang="en-GB" sz="2700" dirty="0"/>
+              <a:t>form the basis of the best practices for Web Services</a:t>
+            </a:r>
+            <a:r>
+              <a:rPr lang="en-GB" sz="2700" dirty="0"/>
+              <a:t/>
+            </a:r>
+            <a:br>
+              <a:rPr lang="en-GB" sz="2700" dirty="0"/>
+            </a:br>
+            <a:r>
+              <a:rPr lang="en-GB" sz="2700" dirty="0"/>
+              <a:t>development.</a:t>
+            </a:r>
+            <a:r>
+              <a:rPr lang="en-US" sz="2700" dirty="0" smtClean="0"/>
+              <a:t>” </a:t>
+            </a:r>
+            <a:r>
               <a:rPr lang="en-US" dirty="0"/>
-              <a:t>Lorem ipsum dolor sit amet, consectetuer adipiscing elit.” </a:t>
+              <a:t/>
             </a:r>
             <a:br>
               <a:rPr lang="en-US" dirty="0"/>
@@ -30346,7 +31512,116 @@
           <p:cNvPr id="2" name="Slide Number Placeholder 1">
             <a:extLst>
               <a:ext uri="{FF2B5EF4-FFF2-40B4-BE49-F238E27FC236}">
-                <a16:creationId xmlns:a16="http://schemas.microsoft.com/office/drawing/2014/main" xmlns="" id="{8EDC7217-2779-44E0-9E6D-3B3879516A1D}"/>
+                <a16:creationId xmlns="" xmlns:a16="http://schemas.microsoft.com/office/drawing/2014/main" id="{8EDC7217-2779-44E0-9E6D-3B3879516A1D}"/>
+              </a:ext>
+            </a:extLst>
+          </p:cNvPr>
+          <p:cNvSpPr>
+            <a:spLocks noGrp="1"/>
+          </p:cNvSpPr>
+          <p:nvPr>
+            <p:ph type="sldNum" sz="quarter" idx="12"/>
+          </p:nvPr>
+        </p:nvSpPr>
+        <p:spPr/>
+        <p:txBody>
+          <a:bodyPr/>
+          <a:lstStyle/>
+          <a:p>
+            <a:fld id="{C263D6C4-4840-40CC-AC84-17E24B3B7BDE}" type="slidenum">
+              <a:rPr lang="en-US" smtClean="0"/>
+              <a:pPr/>
+              <a:t>7</a:t>
+            </a:fld>
+            <a:endParaRPr lang="en-US" dirty="0"/>
+          </a:p>
+        </p:txBody>
+      </p:sp>
+    </p:spTree>
+    <p:extLst>
+      <p:ext uri="{BB962C8B-B14F-4D97-AF65-F5344CB8AC3E}">
+        <p14:creationId xmlns:p14="http://schemas.microsoft.com/office/powerpoint/2010/main" val="914134537"/>
+      </p:ext>
+    </p:extLst>
+  </p:cSld>
+  <p:clrMapOvr>
+    <a:masterClrMapping/>
+  </p:clrMapOvr>
+</p:sld>
+</file>
+
+<file path=ppt/slides/slide8.xml><?xml version="1.0" encoding="utf-8"?>
+<p:sld xmlns:a="http://schemas.openxmlformats.org/drawingml/2006/main" xmlns:r="http://schemas.openxmlformats.org/officeDocument/2006/relationships" xmlns:p="http://schemas.openxmlformats.org/presentationml/2006/main">
+  <p:cSld>
+    <p:spTree>
+      <p:nvGrpSpPr>
+        <p:cNvPr id="1" name=""/>
+        <p:cNvGrpSpPr/>
+        <p:nvPr/>
+      </p:nvGrpSpPr>
+      <p:grpSpPr>
+        <a:xfrm>
+          <a:off x="0" y="0"/>
+          <a:ext cx="0" cy="0"/>
+          <a:chOff x="0" y="0"/>
+          <a:chExt cx="0" cy="0"/>
+        </a:xfrm>
+      </p:grpSpPr>
+      <p:sp>
+        <p:nvSpPr>
+          <p:cNvPr id="6" name="Title 5">
+            <a:extLst>
+              <a:ext uri="{FF2B5EF4-FFF2-40B4-BE49-F238E27FC236}">
+                <a16:creationId xmlns="" xmlns:a16="http://schemas.microsoft.com/office/drawing/2014/main" id="{A4CD37D6-FE32-48E3-A3AD-F07BE6A19FA1}"/>
+              </a:ext>
+            </a:extLst>
+          </p:cNvPr>
+          <p:cNvSpPr>
+            <a:spLocks noGrp="1"/>
+          </p:cNvSpPr>
+          <p:nvPr>
+            <p:ph type="title"/>
+          </p:nvPr>
+        </p:nvSpPr>
+        <p:spPr>
+          <a:xfrm>
+            <a:off x="533399" y="3200400"/>
+            <a:ext cx="7551057" cy="2859313"/>
+          </a:xfrm>
+        </p:spPr>
+        <p:txBody>
+          <a:bodyPr/>
+          <a:lstStyle/>
+          <a:p>
+            <a:r>
+              <a:rPr lang="en-US" dirty="0" smtClean="0"/>
+              <a:t>“Middleware for middleware” </a:t>
+            </a:r>
+            <a:r>
+              <a:rPr lang="en-US" dirty="0"/>
+              <a:t/>
+            </a:r>
+            <a:br>
+              <a:rPr lang="en-US" dirty="0"/>
+            </a:br>
+            <a:r>
+              <a:rPr lang="en-US" sz="2400" dirty="0"/>
+              <a:t>- Steve </a:t>
+            </a:r>
+            <a:r>
+              <a:rPr lang="en-US" sz="2400" dirty="0" err="1"/>
+              <a:t>Vinoski</a:t>
+            </a:r>
+            <a:endParaRPr lang="en-US" dirty="0"/>
+          </a:p>
+        </p:txBody>
+      </p:sp>
+      <p:sp>
+        <p:nvSpPr>
+          <p:cNvPr id="2" name="Slide Number Placeholder 1">
+            <a:extLst>
+              <a:ext uri="{FF2B5EF4-FFF2-40B4-BE49-F238E27FC236}">
+                <a16:creationId xmlns="" xmlns:a16="http://schemas.microsoft.com/office/drawing/2014/main" id="{8EDC7217-2779-44E0-9E6D-3B3879516A1D}"/>
               </a:ext>
             </a:extLst>
           </p:cNvPr>
@@ -30374,28 +31649,13 @@
     </p:spTree>
     <p:extLst>
       <p:ext uri="{BB962C8B-B14F-4D97-AF65-F5344CB8AC3E}">
-        <p14:creationId xmlns:p14="http://schemas.microsoft.com/office/powerpoint/2010/main" val="914134537"/>
+        <p14:creationId xmlns:p14="http://schemas.microsoft.com/office/powerpoint/2010/main" val="4155740886"/>
       </p:ext>
     </p:extLst>
   </p:cSld>
   <p:clrMapOvr>
     <a:masterClrMapping/>
   </p:clrMapOvr>
-  <mc:AlternateContent xmlns:mc="http://schemas.openxmlformats.org/markup-compatibility/2006" xmlns:p14="http://schemas.microsoft.com/office/powerpoint/2010/main">
-    <mc:Choice Requires="p14">
-      <p:transition p14:dur="0"/>
-    </mc:Choice>
-    <mc:Fallback xmlns="">
-      <p:transition/>
-    </mc:Fallback>
-  </mc:AlternateContent>
-  <p:timing>
-    <p:tnLst>
-      <p:par>
-        <p:cTn id="1" dur="indefinite" restart="never" nodeType="tmRoot"/>
-      </p:par>
-    </p:tnLst>
-  </p:timing>
 </p:sld>
 </file>
 
@@ -30418,10 +31678,10 @@
       </p:grpSpPr>
       <p:sp>
         <p:nvSpPr>
-          <p:cNvPr id="6" name="Title 5">
+          <p:cNvPr id="4" name="Title 3">
             <a:extLst>
               <a:ext uri="{FF2B5EF4-FFF2-40B4-BE49-F238E27FC236}">
-                <a16:creationId xmlns:a16="http://schemas.microsoft.com/office/drawing/2014/main" xmlns="" id="{A4CD37D6-FE32-48E3-A3AD-F07BE6A19FA1}"/>
+                <a16:creationId xmlns="" xmlns:a16="http://schemas.microsoft.com/office/drawing/2014/main" id="{E3BD8413-C238-49D7-A4E1-E8FEF1811A0E}"/>
               </a:ext>
             </a:extLst>
           </p:cNvPr>
@@ -30432,43 +31692,17 @@
             <p:ph type="title"/>
           </p:nvPr>
         </p:nvSpPr>
-        <p:spPr>
-          <a:xfrm>
-            <a:off x="533399" y="3200400"/>
-            <a:ext cx="7551057" cy="2859313"/>
-          </a:xfrm>
-        </p:spPr>
+        <p:spPr/>
         <p:txBody>
-          <a:bodyPr/>
+          <a:bodyPr>
+            <a:normAutofit/>
+          </a:bodyPr>
           <a:lstStyle/>
           <a:p>
             <a:r>
-              <a:rPr lang="en-US" dirty="0"/>
-              <a:t>Quote appears here </a:t>
+              <a:rPr lang="pt-PT" dirty="0"/>
+              <a:t>Análise</a:t>
             </a:r>
-            <a:br>
-              <a:rPr lang="en-US" dirty="0"/>
-            </a:br>
-            <a:r>
-              <a:rPr lang="en-US" dirty="0"/>
-              <a:t>Lorem ipsum dolor sit amet, consectetuer adipiscing elit.” </a:t>
-            </a:r>
-            <a:br>
-              <a:rPr lang="en-US" dirty="0"/>
-            </a:br>
-            <a:r>
-              <a:rPr lang="en-US" sz="2400" dirty="0"/>
-              <a:t>- </a:t>
-            </a:r>
-            <a:r>
-              <a:rPr lang="en-US" sz="2400" dirty="0" smtClean="0"/>
-              <a:t>Steve </a:t>
-            </a:r>
-            <a:r>
-              <a:rPr lang="en-US" sz="2400" dirty="0" err="1" smtClean="0"/>
-              <a:t>Vinoski</a:t>
-            </a:r>
-            <a:endParaRPr lang="en-US" dirty="0"/>
           </a:p>
         </p:txBody>
       </p:sp>
@@ -30477,7 +31711,7 @@
           <p:cNvPr id="2" name="Slide Number Placeholder 1">
             <a:extLst>
               <a:ext uri="{FF2B5EF4-FFF2-40B4-BE49-F238E27FC236}">
-                <a16:creationId xmlns:a16="http://schemas.microsoft.com/office/drawing/2014/main" xmlns="" id="{8EDC7217-2779-44E0-9E6D-3B3879516A1D}"/>
+                <a16:creationId xmlns="" xmlns:a16="http://schemas.microsoft.com/office/drawing/2014/main" id="{0B24BF10-2B55-43AB-9F77-F1A1410384A9}"/>
               </a:ext>
             </a:extLst>
           </p:cNvPr>
@@ -30502,31 +31736,35 @@
           </a:p>
         </p:txBody>
       </p:sp>
+      <p:sp>
+        <p:nvSpPr>
+          <p:cNvPr id="3" name="Text Placeholder 2"/>
+          <p:cNvSpPr>
+            <a:spLocks noGrp="1"/>
+          </p:cNvSpPr>
+          <p:nvPr>
+            <p:ph type="body" idx="1"/>
+          </p:nvPr>
+        </p:nvSpPr>
+        <p:spPr/>
+        <p:txBody>
+          <a:bodyPr/>
+          <a:lstStyle/>
+          <a:p>
+            <a:endParaRPr lang="pt-PT" dirty="0"/>
+          </a:p>
+        </p:txBody>
+      </p:sp>
     </p:spTree>
     <p:extLst>
       <p:ext uri="{BB962C8B-B14F-4D97-AF65-F5344CB8AC3E}">
-        <p14:creationId xmlns:p14="http://schemas.microsoft.com/office/powerpoint/2010/main" val="4155740886"/>
+        <p14:creationId xmlns:p14="http://schemas.microsoft.com/office/powerpoint/2010/main" val="3205054802"/>
       </p:ext>
     </p:extLst>
   </p:cSld>
   <p:clrMapOvr>
     <a:masterClrMapping/>
   </p:clrMapOvr>
-  <mc:AlternateContent xmlns:mc="http://schemas.openxmlformats.org/markup-compatibility/2006" xmlns:p14="http://schemas.microsoft.com/office/powerpoint/2010/main">
-    <mc:Choice Requires="p14">
-      <p:transition p14:dur="0"/>
-    </mc:Choice>
-    <mc:Fallback xmlns="">
-      <p:transition/>
-    </mc:Fallback>
-  </mc:AlternateContent>
-  <p:timing>
-    <p:tnLst>
-      <p:par>
-        <p:cTn id="1" dur="indefinite" restart="never" nodeType="tmRoot"/>
-      </p:par>
-    </p:tnLst>
-  </p:timing>
 </p:sld>
 </file>
 
@@ -31322,6 +32560,23 @@
 </file>
 
 <file path=customXml/item1.xml><?xml version="1.0" encoding="utf-8"?>
+<p:properties xmlns:p="http://schemas.microsoft.com/office/2006/metadata/properties" xmlns:xsi="http://www.w3.org/2001/XMLSchema-instance" xmlns:pc="http://schemas.microsoft.com/office/infopath/2007/PartnerControls">
+  <documentManagement>
+    <MediaServiceKeyPoints xmlns="71af3243-3dd4-4a8d-8c0d-dd76da1f02a5" xsi:nil="true"/>
+  </documentManagement>
+</p:properties>
+</file>
+
+<file path=customXml/item2.xml><?xml version="1.0" encoding="utf-8"?>
+<?mso-contentType ?>
+<FormTemplates xmlns="http://schemas.microsoft.com/sharepoint/v3/contenttype/forms">
+  <Display>DocumentLibraryForm</Display>
+  <Edit>DocumentLibraryForm</Edit>
+  <New>DocumentLibraryForm</New>
+</FormTemplates>
+</file>
+
+<file path=customXml/item3.xml><?xml version="1.0" encoding="utf-8"?>
 <ct:contentTypeSchema xmlns:ct="http://schemas.microsoft.com/office/2006/metadata/contentType" xmlns:ma="http://schemas.microsoft.com/office/2006/metadata/properties/metaAttributes" ct:_="" ma:_="" ma:contentTypeName="Document" ma:contentTypeID="0x01010079F111ED35F8CC479449609E8A0923A6" ma:contentTypeVersion="11" ma:contentTypeDescription="Create a new document." ma:contentTypeScope="" ma:versionID="96291512c1ee715ab617f4c07df79fc1">
   <xsd:schema xmlns:xsd="http://www.w3.org/2001/XMLSchema" xmlns:xs="http://www.w3.org/2001/XMLSchema" xmlns:p="http://schemas.microsoft.com/office/2006/metadata/properties" xmlns:ns2="71af3243-3dd4-4a8d-8c0d-dd76da1f02a5" xmlns:ns3="16c05727-aa75-4e4a-9b5f-8a80a1165891" targetNamespace="http://schemas.microsoft.com/office/2006/metadata/properties" ma:root="true" ma:fieldsID="8256c27c40ca5c40ce1cf6c44f0205df" ns2:_="" ns3:_="">
     <xsd:import namespace="71af3243-3dd4-4a8d-8c0d-dd76da1f02a5"/>
@@ -31532,24 +32787,25 @@
 </ct:contentTypeSchema>
 </file>
 
-<file path=customXml/item2.xml><?xml version="1.0" encoding="utf-8"?>
-<?mso-contentType ?>
-<FormTemplates xmlns="http://schemas.microsoft.com/sharepoint/v3/contenttype/forms">
-  <Display>DocumentLibraryForm</Display>
-  <Edit>DocumentLibraryForm</Edit>
-  <New>DocumentLibraryForm</New>
-</FormTemplates>
+<file path=customXml/itemProps1.xml><?xml version="1.0" encoding="utf-8"?>
+<ds:datastoreItem xmlns:ds="http://schemas.openxmlformats.org/officeDocument/2006/customXml" ds:itemID="{F5757914-1161-4661-9696-421FD6935CDD}">
+  <ds:schemaRefs>
+    <ds:schemaRef ds:uri="http://schemas.microsoft.com/office/2006/metadata/properties"/>
+    <ds:schemaRef ds:uri="http://schemas.microsoft.com/office/infopath/2007/PartnerControls"/>
+    <ds:schemaRef ds:uri="71af3243-3dd4-4a8d-8c0d-dd76da1f02a5"/>
+  </ds:schemaRefs>
+</ds:datastoreItem>
 </file>
 
-<file path=customXml/item3.xml><?xml version="1.0" encoding="utf-8"?>
-<p:properties xmlns:p="http://schemas.microsoft.com/office/2006/metadata/properties" xmlns:xsi="http://www.w3.org/2001/XMLSchema-instance" xmlns:pc="http://schemas.microsoft.com/office/infopath/2007/PartnerControls">
-  <documentManagement>
-    <MediaServiceKeyPoints xmlns="71af3243-3dd4-4a8d-8c0d-dd76da1f02a5" xsi:nil="true"/>
-  </documentManagement>
-</p:properties>
+<file path=customXml/itemProps2.xml><?xml version="1.0" encoding="utf-8"?>
+<ds:datastoreItem xmlns:ds="http://schemas.openxmlformats.org/officeDocument/2006/customXml" ds:itemID="{5B26E0C9-B2AA-42E6-97B6-E1B7D9EAF129}">
+  <ds:schemaRefs>
+    <ds:schemaRef ds:uri="http://schemas.microsoft.com/sharepoint/v3/contenttype/forms"/>
+  </ds:schemaRefs>
+</ds:datastoreItem>
 </file>
 
-<file path=customXml/itemProps1.xml><?xml version="1.0" encoding="utf-8"?>
+<file path=customXml/itemProps3.xml><?xml version="1.0" encoding="utf-8"?>
 <ds:datastoreItem xmlns:ds="http://schemas.openxmlformats.org/officeDocument/2006/customXml" ds:itemID="{4C103400-4A22-4E35-B588-4C4D42638959}">
   <ds:schemaRefs>
     <ds:schemaRef ds:uri="http://schemas.microsoft.com/office/2006/metadata/contentType"/>
@@ -31566,22 +32822,4 @@
     <ds:schemaRef ds:uri="http://schemas.microsoft.com/internal/obd"/>
   </ds:schemaRefs>
 </ds:datastoreItem>
-</file>
-
-<file path=customXml/itemProps2.xml><?xml version="1.0" encoding="utf-8"?>
-<ds:datastoreItem xmlns:ds="http://schemas.openxmlformats.org/officeDocument/2006/customXml" ds:itemID="{5B26E0C9-B2AA-42E6-97B6-E1B7D9EAF129}">
-  <ds:schemaRefs>
-    <ds:schemaRef ds:uri="http://schemas.microsoft.com/sharepoint/v3/contenttype/forms"/>
-  </ds:schemaRefs>
-</ds:datastoreItem>
-</file>
-
-<file path=customXml/itemProps3.xml><?xml version="1.0" encoding="utf-8"?>
-<ds:datastoreItem xmlns:ds="http://schemas.openxmlformats.org/officeDocument/2006/customXml" ds:itemID="{F5757914-1161-4661-9696-421FD6935CDD}">
-  <ds:schemaRefs>
-    <ds:schemaRef ds:uri="http://schemas.microsoft.com/office/2006/metadata/properties"/>
-    <ds:schemaRef ds:uri="http://schemas.microsoft.com/office/infopath/2007/PartnerControls"/>
-    <ds:schemaRef ds:uri="71af3243-3dd4-4a8d-8c0d-dd76da1f02a5"/>
-  </ds:schemaRefs>
-</ds:datastoreItem>
 </file>
--- a/relatorio_preliminar/presentation.pptx
+++ b/relatorio_preliminar/presentation.pptx
@@ -21,8 +21,8 @@
     <p:sldId id="297" r:id="rId12"/>
     <p:sldId id="294" r:id="rId13"/>
     <p:sldId id="283" r:id="rId14"/>
-    <p:sldId id="307" r:id="rId15"/>
-    <p:sldId id="308" r:id="rId16"/>
+    <p:sldId id="309" r:id="rId15"/>
+    <p:sldId id="307" r:id="rId16"/>
     <p:sldId id="266" r:id="rId17"/>
     <p:sldId id="303" r:id="rId18"/>
     <p:sldId id="305" r:id="rId19"/>
@@ -187,7 +187,7 @@
           <p:cNvPr id="2" name="Header Placeholder 1">
             <a:extLst>
               <a:ext uri="{FF2B5EF4-FFF2-40B4-BE49-F238E27FC236}">
-                <a16:creationId xmlns="" xmlns:a16="http://schemas.microsoft.com/office/drawing/2014/main" id="{E62FF6B6-4F8A-40F7-B5F4-FC3996824D73}"/>
+                <a16:creationId xmlns:a16="http://schemas.microsoft.com/office/drawing/2014/main" xmlns="" id="{E62FF6B6-4F8A-40F7-B5F4-FC3996824D73}"/>
               </a:ext>
             </a:extLst>
           </p:cNvPr>
@@ -224,7 +224,7 @@
           <p:cNvPr id="3" name="Date Placeholder 2">
             <a:extLst>
               <a:ext uri="{FF2B5EF4-FFF2-40B4-BE49-F238E27FC236}">
-                <a16:creationId xmlns="" xmlns:a16="http://schemas.microsoft.com/office/drawing/2014/main" id="{8910A999-F365-48DF-976A-0517FE045440}"/>
+                <a16:creationId xmlns:a16="http://schemas.microsoft.com/office/drawing/2014/main" xmlns="" id="{8910A999-F365-48DF-976A-0517FE045440}"/>
               </a:ext>
             </a:extLst>
           </p:cNvPr>
@@ -254,7 +254,7 @@
           <a:p>
             <a:fld id="{1CA5457B-CDAE-4DEB-AEC8-C82DE2312E37}" type="datetimeFigureOut">
               <a:rPr lang="en-US" smtClean="0"/>
-              <a:t>2/22/2022</a:t>
+              <a:t>2/23/2022</a:t>
             </a:fld>
             <a:endParaRPr lang="en-US" dirty="0"/>
           </a:p>
@@ -265,7 +265,7 @@
           <p:cNvPr id="4" name="Footer Placeholder 3">
             <a:extLst>
               <a:ext uri="{FF2B5EF4-FFF2-40B4-BE49-F238E27FC236}">
-                <a16:creationId xmlns="" xmlns:a16="http://schemas.microsoft.com/office/drawing/2014/main" id="{F8735C90-ADBF-4B9E-BE88-E1C8F83EB4D2}"/>
+                <a16:creationId xmlns:a16="http://schemas.microsoft.com/office/drawing/2014/main" xmlns="" id="{F8735C90-ADBF-4B9E-BE88-E1C8F83EB4D2}"/>
               </a:ext>
             </a:extLst>
           </p:cNvPr>
@@ -302,7 +302,7 @@
           <p:cNvPr id="5" name="Slide Number Placeholder 4">
             <a:extLst>
               <a:ext uri="{FF2B5EF4-FFF2-40B4-BE49-F238E27FC236}">
-                <a16:creationId xmlns="" xmlns:a16="http://schemas.microsoft.com/office/drawing/2014/main" id="{82506A01-6D0A-45EF-A584-05A3361D66F7}"/>
+                <a16:creationId xmlns:a16="http://schemas.microsoft.com/office/drawing/2014/main" xmlns="" id="{82506A01-6D0A-45EF-A584-05A3361D66F7}"/>
               </a:ext>
             </a:extLst>
           </p:cNvPr>
@@ -431,7 +431,7 @@
           <a:p>
             <a:fld id="{090B78EA-28CE-41D8-9043-90E391E5F567}" type="datetimeFigureOut">
               <a:rPr lang="en-US" noProof="0" smtClean="0"/>
-              <a:t>2/22/2022</a:t>
+              <a:t>2/23/2022</a:t>
             </a:fld>
             <a:endParaRPr lang="en-US" noProof="0" dirty="0"/>
           </a:p>
@@ -720,7 +720,7 @@
           <p:cNvPr id="21" name="Rectangle 20">
             <a:extLst>
               <a:ext uri="{FF2B5EF4-FFF2-40B4-BE49-F238E27FC236}">
-                <a16:creationId xmlns="" xmlns:a16="http://schemas.microsoft.com/office/drawing/2014/main" id="{6E739168-A5E8-443A-B392-7AD4CF8977AD}"/>
+                <a16:creationId xmlns:a16="http://schemas.microsoft.com/office/drawing/2014/main" xmlns="" id="{6E739168-A5E8-443A-B392-7AD4CF8977AD}"/>
               </a:ext>
             </a:extLst>
           </p:cNvPr>
@@ -772,7 +772,7 @@
           <p:cNvPr id="7" name="Group 6">
             <a:extLst>
               <a:ext uri="{FF2B5EF4-FFF2-40B4-BE49-F238E27FC236}">
-                <a16:creationId xmlns="" xmlns:a16="http://schemas.microsoft.com/office/drawing/2014/main" id="{4CA15AFD-4983-47DD-9ED0-D3B27E5A096F}"/>
+                <a16:creationId xmlns:a16="http://schemas.microsoft.com/office/drawing/2014/main" xmlns="" id="{4CA15AFD-4983-47DD-9ED0-D3B27E5A096F}"/>
               </a:ext>
             </a:extLst>
           </p:cNvPr>
@@ -792,7 +792,7 @@
             <p:cNvPr id="8" name="Group 7">
               <a:extLst>
                 <a:ext uri="{FF2B5EF4-FFF2-40B4-BE49-F238E27FC236}">
-                  <a16:creationId xmlns="" xmlns:a16="http://schemas.microsoft.com/office/drawing/2014/main" id="{2222D5E2-E9B4-4180-98B8-4E514C9ADB28}"/>
+                  <a16:creationId xmlns:a16="http://schemas.microsoft.com/office/drawing/2014/main" xmlns="" id="{2222D5E2-E9B4-4180-98B8-4E514C9ADB28}"/>
                 </a:ext>
               </a:extLst>
             </p:cNvPr>
@@ -812,7 +812,7 @@
               <p:cNvPr id="15" name="Freeform: Shape 14">
                 <a:extLst>
                   <a:ext uri="{FF2B5EF4-FFF2-40B4-BE49-F238E27FC236}">
-                    <a16:creationId xmlns="" xmlns:a16="http://schemas.microsoft.com/office/drawing/2014/main" id="{41E10E1E-5268-4F03-BA64-07E19DE26739}"/>
+                    <a16:creationId xmlns:a16="http://schemas.microsoft.com/office/drawing/2014/main" xmlns="" id="{41E10E1E-5268-4F03-BA64-07E19DE26739}"/>
                   </a:ext>
                 </a:extLst>
               </p:cNvPr>
@@ -949,7 +949,7 @@
               <p:cNvPr id="16" name="Freeform: Shape 15">
                 <a:extLst>
                   <a:ext uri="{FF2B5EF4-FFF2-40B4-BE49-F238E27FC236}">
-                    <a16:creationId xmlns="" xmlns:a16="http://schemas.microsoft.com/office/drawing/2014/main" id="{B989C45D-BDFF-418F-BE79-03FF70015770}"/>
+                    <a16:creationId xmlns:a16="http://schemas.microsoft.com/office/drawing/2014/main" xmlns="" id="{B989C45D-BDFF-418F-BE79-03FF70015770}"/>
                   </a:ext>
                 </a:extLst>
               </p:cNvPr>
@@ -1113,7 +1113,7 @@
               <p:cNvPr id="17" name="Right Triangle 16">
                 <a:extLst>
                   <a:ext uri="{FF2B5EF4-FFF2-40B4-BE49-F238E27FC236}">
-                    <a16:creationId xmlns="" xmlns:a16="http://schemas.microsoft.com/office/drawing/2014/main" id="{8DCD5806-2A2F-4ABF-8057-245681C498E6}"/>
+                    <a16:creationId xmlns:a16="http://schemas.microsoft.com/office/drawing/2014/main" xmlns="" id="{8DCD5806-2A2F-4ABF-8057-245681C498E6}"/>
                   </a:ext>
                 </a:extLst>
               </p:cNvPr>
@@ -1167,7 +1167,7 @@
               <p:cNvPr id="18" name="Right Triangle 17">
                 <a:extLst>
                   <a:ext uri="{FF2B5EF4-FFF2-40B4-BE49-F238E27FC236}">
-                    <a16:creationId xmlns="" xmlns:a16="http://schemas.microsoft.com/office/drawing/2014/main" id="{3A93038F-E9E4-4FFD-B3DF-28DB7C2C1490}"/>
+                    <a16:creationId xmlns:a16="http://schemas.microsoft.com/office/drawing/2014/main" xmlns="" id="{3A93038F-E9E4-4FFD-B3DF-28DB7C2C1490}"/>
                   </a:ext>
                 </a:extLst>
               </p:cNvPr>
@@ -1224,7 +1224,7 @@
               <p:cNvPr id="19" name="Right Triangle 18">
                 <a:extLst>
                   <a:ext uri="{FF2B5EF4-FFF2-40B4-BE49-F238E27FC236}">
-                    <a16:creationId xmlns="" xmlns:a16="http://schemas.microsoft.com/office/drawing/2014/main" id="{5DEA1E02-BBD0-4AE3-AF22-433B90272178}"/>
+                    <a16:creationId xmlns:a16="http://schemas.microsoft.com/office/drawing/2014/main" xmlns="" id="{5DEA1E02-BBD0-4AE3-AF22-433B90272178}"/>
                   </a:ext>
                 </a:extLst>
               </p:cNvPr>
@@ -1278,7 +1278,7 @@
               <p:cNvPr id="20" name="Freeform: Shape 19">
                 <a:extLst>
                   <a:ext uri="{FF2B5EF4-FFF2-40B4-BE49-F238E27FC236}">
-                    <a16:creationId xmlns="" xmlns:a16="http://schemas.microsoft.com/office/drawing/2014/main" id="{0027A677-9ACB-4264-B148-4806678FB83F}"/>
+                    <a16:creationId xmlns:a16="http://schemas.microsoft.com/office/drawing/2014/main" xmlns="" id="{0027A677-9ACB-4264-B148-4806678FB83F}"/>
                   </a:ext>
                 </a:extLst>
               </p:cNvPr>
@@ -1441,7 +1441,7 @@
             <p:cNvPr id="9" name="Freeform: Shape 12">
               <a:extLst>
                 <a:ext uri="{FF2B5EF4-FFF2-40B4-BE49-F238E27FC236}">
-                  <a16:creationId xmlns="" xmlns:a16="http://schemas.microsoft.com/office/drawing/2014/main" id="{E3AAB79D-382D-4A95-965E-526B6A681DA7}"/>
+                  <a16:creationId xmlns:a16="http://schemas.microsoft.com/office/drawing/2014/main" xmlns="" id="{E3AAB79D-382D-4A95-965E-526B6A681DA7}"/>
                 </a:ext>
               </a:extLst>
             </p:cNvPr>
@@ -1531,7 +1531,7 @@
             <p:cNvPr id="10" name="Freeform: Shape 9">
               <a:extLst>
                 <a:ext uri="{FF2B5EF4-FFF2-40B4-BE49-F238E27FC236}">
-                  <a16:creationId xmlns="" xmlns:a16="http://schemas.microsoft.com/office/drawing/2014/main" id="{C0A22127-2B4A-4B15-B0A9-F019A30347A1}"/>
+                  <a16:creationId xmlns:a16="http://schemas.microsoft.com/office/drawing/2014/main" xmlns="" id="{C0A22127-2B4A-4B15-B0A9-F019A30347A1}"/>
                 </a:ext>
               </a:extLst>
             </p:cNvPr>
@@ -1634,7 +1634,7 @@
             <p:cNvPr id="11" name="Freeform: Shape 12">
               <a:extLst>
                 <a:ext uri="{FF2B5EF4-FFF2-40B4-BE49-F238E27FC236}">
-                  <a16:creationId xmlns="" xmlns:a16="http://schemas.microsoft.com/office/drawing/2014/main" id="{F04D9FDC-1B67-4254-9535-CD32E81F0C3E}"/>
+                  <a16:creationId xmlns:a16="http://schemas.microsoft.com/office/drawing/2014/main" xmlns="" id="{F04D9FDC-1B67-4254-9535-CD32E81F0C3E}"/>
                 </a:ext>
               </a:extLst>
             </p:cNvPr>
@@ -1732,7 +1732,7 @@
             <p:cNvPr id="12" name="Group 11">
               <a:extLst>
                 <a:ext uri="{FF2B5EF4-FFF2-40B4-BE49-F238E27FC236}">
-                  <a16:creationId xmlns="" xmlns:a16="http://schemas.microsoft.com/office/drawing/2014/main" id="{0A86C4EA-4CF8-4531-845D-4FCB1E2F7422}"/>
+                  <a16:creationId xmlns:a16="http://schemas.microsoft.com/office/drawing/2014/main" xmlns="" id="{0A86C4EA-4CF8-4531-845D-4FCB1E2F7422}"/>
                 </a:ext>
               </a:extLst>
             </p:cNvPr>
@@ -1752,7 +1752,7 @@
               <p:cNvPr id="13" name="Freeform: Shape 12">
                 <a:extLst>
                   <a:ext uri="{FF2B5EF4-FFF2-40B4-BE49-F238E27FC236}">
-                    <a16:creationId xmlns="" xmlns:a16="http://schemas.microsoft.com/office/drawing/2014/main" id="{1101B195-C112-4D20-8D19-4D22479B150D}"/>
+                    <a16:creationId xmlns:a16="http://schemas.microsoft.com/office/drawing/2014/main" xmlns="" id="{1101B195-C112-4D20-8D19-4D22479B150D}"/>
                   </a:ext>
                 </a:extLst>
               </p:cNvPr>
@@ -1842,7 +1842,7 @@
               <p:cNvPr id="14" name="Freeform: Shape 12">
                 <a:extLst>
                   <a:ext uri="{FF2B5EF4-FFF2-40B4-BE49-F238E27FC236}">
-                    <a16:creationId xmlns="" xmlns:a16="http://schemas.microsoft.com/office/drawing/2014/main" id="{CA755F1F-9955-4CBB-8F34-F7801CA44CE7}"/>
+                    <a16:creationId xmlns:a16="http://schemas.microsoft.com/office/drawing/2014/main" xmlns="" id="{CA755F1F-9955-4CBB-8F34-F7801CA44CE7}"/>
                   </a:ext>
                 </a:extLst>
               </p:cNvPr>
@@ -1942,7 +1942,7 @@
           <p:cNvPr id="2" name="Title 1">
             <a:extLst>
               <a:ext uri="{FF2B5EF4-FFF2-40B4-BE49-F238E27FC236}">
-                <a16:creationId xmlns="" xmlns:a16="http://schemas.microsoft.com/office/drawing/2014/main" id="{9E597736-C478-4C26-9BAF-205FE31E977C}"/>
+                <a16:creationId xmlns:a16="http://schemas.microsoft.com/office/drawing/2014/main" xmlns="" id="{9E597736-C478-4C26-9BAF-205FE31E977C}"/>
               </a:ext>
             </a:extLst>
           </p:cNvPr>
@@ -1989,7 +1989,7 @@
           <p:cNvPr id="3" name="Subtitle 2">
             <a:extLst>
               <a:ext uri="{FF2B5EF4-FFF2-40B4-BE49-F238E27FC236}">
-                <a16:creationId xmlns="" xmlns:a16="http://schemas.microsoft.com/office/drawing/2014/main" id="{C3D2DEF0-A0B0-4CFE-B67D-A9D75E2368DC}"/>
+                <a16:creationId xmlns:a16="http://schemas.microsoft.com/office/drawing/2014/main" xmlns="" id="{C3D2DEF0-A0B0-4CFE-B67D-A9D75E2368DC}"/>
               </a:ext>
             </a:extLst>
           </p:cNvPr>
@@ -2074,7 +2074,7 @@
           <p:cNvPr id="11" name="Rectangle 10">
             <a:extLst>
               <a:ext uri="{FF2B5EF4-FFF2-40B4-BE49-F238E27FC236}">
-                <a16:creationId xmlns="" xmlns:a16="http://schemas.microsoft.com/office/drawing/2014/main" id="{EB3E033F-4449-40FA-BC85-BD2712D313DD}"/>
+                <a16:creationId xmlns:a16="http://schemas.microsoft.com/office/drawing/2014/main" xmlns="" id="{EB3E033F-4449-40FA-BC85-BD2712D313DD}"/>
               </a:ext>
             </a:extLst>
           </p:cNvPr>
@@ -2128,7 +2128,7 @@
           <p:cNvPr id="10" name="Freeform: Shape 9">
             <a:extLst>
               <a:ext uri="{FF2B5EF4-FFF2-40B4-BE49-F238E27FC236}">
-                <a16:creationId xmlns="" xmlns:a16="http://schemas.microsoft.com/office/drawing/2014/main" id="{63D26743-0505-444C-80B3-E88EE87DF72B}"/>
+                <a16:creationId xmlns:a16="http://schemas.microsoft.com/office/drawing/2014/main" xmlns="" id="{63D26743-0505-444C-80B3-E88EE87DF72B}"/>
               </a:ext>
             </a:extLst>
           </p:cNvPr>
@@ -2251,7 +2251,7 @@
           <p:cNvPr id="18" name="Freeform: Shape 17">
             <a:extLst>
               <a:ext uri="{FF2B5EF4-FFF2-40B4-BE49-F238E27FC236}">
-                <a16:creationId xmlns="" xmlns:a16="http://schemas.microsoft.com/office/drawing/2014/main" id="{E37145E9-AC61-47D5-9288-8789940F81B6}"/>
+                <a16:creationId xmlns:a16="http://schemas.microsoft.com/office/drawing/2014/main" xmlns="" id="{E37145E9-AC61-47D5-9288-8789940F81B6}"/>
               </a:ext>
             </a:extLst>
           </p:cNvPr>
@@ -2403,7 +2403,7 @@
           <p:cNvPr id="12" name="Freeform: Shape 11">
             <a:extLst>
               <a:ext uri="{FF2B5EF4-FFF2-40B4-BE49-F238E27FC236}">
-                <a16:creationId xmlns="" xmlns:a16="http://schemas.microsoft.com/office/drawing/2014/main" id="{A5E2B3ED-9A49-40A7-B8A3-62595FE513F9}"/>
+                <a16:creationId xmlns:a16="http://schemas.microsoft.com/office/drawing/2014/main" xmlns="" id="{A5E2B3ED-9A49-40A7-B8A3-62595FE513F9}"/>
               </a:ext>
             </a:extLst>
           </p:cNvPr>
@@ -2553,7 +2553,7 @@
           <p:cNvPr id="8" name="Freeform: Shape 7">
             <a:extLst>
               <a:ext uri="{FF2B5EF4-FFF2-40B4-BE49-F238E27FC236}">
-                <a16:creationId xmlns="" xmlns:a16="http://schemas.microsoft.com/office/drawing/2014/main" id="{1599AF7E-3E34-4597-AA72-9373A7FDB020}"/>
+                <a16:creationId xmlns:a16="http://schemas.microsoft.com/office/drawing/2014/main" xmlns="" id="{1599AF7E-3E34-4597-AA72-9373A7FDB020}"/>
               </a:ext>
             </a:extLst>
           </p:cNvPr>
@@ -2699,7 +2699,7 @@
           <p:cNvPr id="2" name="Title 1">
             <a:extLst>
               <a:ext uri="{FF2B5EF4-FFF2-40B4-BE49-F238E27FC236}">
-                <a16:creationId xmlns="" xmlns:a16="http://schemas.microsoft.com/office/drawing/2014/main" id="{4A2DF563-7FAC-46B3-B24C-7E45CD89DA2B}"/>
+                <a16:creationId xmlns:a16="http://schemas.microsoft.com/office/drawing/2014/main" xmlns="" id="{4A2DF563-7FAC-46B3-B24C-7E45CD89DA2B}"/>
               </a:ext>
             </a:extLst>
           </p:cNvPr>
@@ -2744,7 +2744,7 @@
           <p:cNvPr id="15" name="Group 14">
             <a:extLst>
               <a:ext uri="{FF2B5EF4-FFF2-40B4-BE49-F238E27FC236}">
-                <a16:creationId xmlns="" xmlns:a16="http://schemas.microsoft.com/office/drawing/2014/main" id="{7732E1E7-45E3-4264-8F26-66758696DD1E}"/>
+                <a16:creationId xmlns:a16="http://schemas.microsoft.com/office/drawing/2014/main" xmlns="" id="{7732E1E7-45E3-4264-8F26-66758696DD1E}"/>
               </a:ext>
             </a:extLst>
           </p:cNvPr>
@@ -2764,7 +2764,7 @@
             <p:cNvPr id="16" name="Freeform: Shape 15">
               <a:extLst>
                 <a:ext uri="{FF2B5EF4-FFF2-40B4-BE49-F238E27FC236}">
-                  <a16:creationId xmlns="" xmlns:a16="http://schemas.microsoft.com/office/drawing/2014/main" id="{2E3DF883-8093-49FA-81E1-E5D77F086A25}"/>
+                  <a16:creationId xmlns:a16="http://schemas.microsoft.com/office/drawing/2014/main" xmlns="" id="{2E3DF883-8093-49FA-81E1-E5D77F086A25}"/>
                 </a:ext>
               </a:extLst>
             </p:cNvPr>
@@ -2854,7 +2854,7 @@
             <p:cNvPr id="17" name="Freeform: Shape 16">
               <a:extLst>
                 <a:ext uri="{FF2B5EF4-FFF2-40B4-BE49-F238E27FC236}">
-                  <a16:creationId xmlns="" xmlns:a16="http://schemas.microsoft.com/office/drawing/2014/main" id="{18944C90-37E5-4BBE-89FF-060627168050}"/>
+                  <a16:creationId xmlns:a16="http://schemas.microsoft.com/office/drawing/2014/main" xmlns="" id="{18944C90-37E5-4BBE-89FF-060627168050}"/>
                 </a:ext>
               </a:extLst>
             </p:cNvPr>
@@ -2953,7 +2953,7 @@
           <p:cNvPr id="6" name="Group 5">
             <a:extLst>
               <a:ext uri="{FF2B5EF4-FFF2-40B4-BE49-F238E27FC236}">
-                <a16:creationId xmlns="" xmlns:a16="http://schemas.microsoft.com/office/drawing/2014/main" id="{D9EBF8BB-A805-4DDB-B459-082F99815B95}"/>
+                <a16:creationId xmlns:a16="http://schemas.microsoft.com/office/drawing/2014/main" xmlns="" id="{D9EBF8BB-A805-4DDB-B459-082F99815B95}"/>
               </a:ext>
             </a:extLst>
           </p:cNvPr>
@@ -2973,7 +2973,7 @@
             <p:cNvPr id="19" name="Rectangle: Single Corner Snipped 18">
               <a:extLst>
                 <a:ext uri="{FF2B5EF4-FFF2-40B4-BE49-F238E27FC236}">
-                  <a16:creationId xmlns="" xmlns:a16="http://schemas.microsoft.com/office/drawing/2014/main" id="{5D638788-DD47-45E7-939A-FA108A818173}"/>
+                  <a16:creationId xmlns:a16="http://schemas.microsoft.com/office/drawing/2014/main" xmlns="" id="{5D638788-DD47-45E7-939A-FA108A818173}"/>
                 </a:ext>
               </a:extLst>
             </p:cNvPr>
@@ -3039,7 +3039,7 @@
             <p:cNvPr id="3" name="Rectangle: Single Corner Snipped 2">
               <a:extLst>
                 <a:ext uri="{FF2B5EF4-FFF2-40B4-BE49-F238E27FC236}">
-                  <a16:creationId xmlns="" xmlns:a16="http://schemas.microsoft.com/office/drawing/2014/main" id="{74BDECEF-EEFE-4332-B3B2-BDE4F82C10FC}"/>
+                  <a16:creationId xmlns:a16="http://schemas.microsoft.com/office/drawing/2014/main" xmlns="" id="{74BDECEF-EEFE-4332-B3B2-BDE4F82C10FC}"/>
                 </a:ext>
               </a:extLst>
             </p:cNvPr>
@@ -3096,7 +3096,7 @@
           <p:cNvPr id="24" name="Freeform: Shape 23">
             <a:extLst>
               <a:ext uri="{FF2B5EF4-FFF2-40B4-BE49-F238E27FC236}">
-                <a16:creationId xmlns="" xmlns:a16="http://schemas.microsoft.com/office/drawing/2014/main" id="{18103E00-7E4A-44CD-81AC-06433CAE1110}"/>
+                <a16:creationId xmlns:a16="http://schemas.microsoft.com/office/drawing/2014/main" xmlns="" id="{18103E00-7E4A-44CD-81AC-06433CAE1110}"/>
               </a:ext>
             </a:extLst>
           </p:cNvPr>
@@ -3191,7 +3191,7 @@
           <p:cNvPr id="5" name="Slide Number Placeholder 4">
             <a:extLst>
               <a:ext uri="{FF2B5EF4-FFF2-40B4-BE49-F238E27FC236}">
-                <a16:creationId xmlns="" xmlns:a16="http://schemas.microsoft.com/office/drawing/2014/main" id="{87B51822-97FF-47A7-8E4E-A0F79B4EB237}"/>
+                <a16:creationId xmlns:a16="http://schemas.microsoft.com/office/drawing/2014/main" xmlns="" id="{87B51822-97FF-47A7-8E4E-A0F79B4EB237}"/>
               </a:ext>
             </a:extLst>
           </p:cNvPr>
@@ -3235,7 +3235,7 @@
           <p:cNvPr id="20" name="Content Placeholder 2">
             <a:extLst>
               <a:ext uri="{FF2B5EF4-FFF2-40B4-BE49-F238E27FC236}">
-                <a16:creationId xmlns="" xmlns:a16="http://schemas.microsoft.com/office/drawing/2014/main" id="{FE796BFF-6E5F-4DE7-B193-F501FC094D63}"/>
+                <a16:creationId xmlns:a16="http://schemas.microsoft.com/office/drawing/2014/main" xmlns="" id="{FE796BFF-6E5F-4DE7-B193-F501FC094D63}"/>
               </a:ext>
             </a:extLst>
           </p:cNvPr>
@@ -3345,7 +3345,7 @@
           <p:cNvPr id="21" name="Content Placeholder 3">
             <a:extLst>
               <a:ext uri="{FF2B5EF4-FFF2-40B4-BE49-F238E27FC236}">
-                <a16:creationId xmlns="" xmlns:a16="http://schemas.microsoft.com/office/drawing/2014/main" id="{78622754-CA4D-4C27-A37F-B26E7B4C9CA2}"/>
+                <a16:creationId xmlns:a16="http://schemas.microsoft.com/office/drawing/2014/main" xmlns="" id="{78622754-CA4D-4C27-A37F-B26E7B4C9CA2}"/>
               </a:ext>
             </a:extLst>
           </p:cNvPr>
@@ -3483,7 +3483,7 @@
           <p:cNvPr id="11" name="Rectangle 10">
             <a:extLst>
               <a:ext uri="{FF2B5EF4-FFF2-40B4-BE49-F238E27FC236}">
-                <a16:creationId xmlns="" xmlns:a16="http://schemas.microsoft.com/office/drawing/2014/main" id="{EB3E033F-4449-40FA-BC85-BD2712D313DD}"/>
+                <a16:creationId xmlns:a16="http://schemas.microsoft.com/office/drawing/2014/main" xmlns="" id="{EB3E033F-4449-40FA-BC85-BD2712D313DD}"/>
               </a:ext>
             </a:extLst>
           </p:cNvPr>
@@ -3537,7 +3537,7 @@
           <p:cNvPr id="10" name="Freeform: Shape 9">
             <a:extLst>
               <a:ext uri="{FF2B5EF4-FFF2-40B4-BE49-F238E27FC236}">
-                <a16:creationId xmlns="" xmlns:a16="http://schemas.microsoft.com/office/drawing/2014/main" id="{63D26743-0505-444C-80B3-E88EE87DF72B}"/>
+                <a16:creationId xmlns:a16="http://schemas.microsoft.com/office/drawing/2014/main" xmlns="" id="{63D26743-0505-444C-80B3-E88EE87DF72B}"/>
               </a:ext>
             </a:extLst>
           </p:cNvPr>
@@ -3660,7 +3660,7 @@
           <p:cNvPr id="18" name="Freeform: Shape 17">
             <a:extLst>
               <a:ext uri="{FF2B5EF4-FFF2-40B4-BE49-F238E27FC236}">
-                <a16:creationId xmlns="" xmlns:a16="http://schemas.microsoft.com/office/drawing/2014/main" id="{E37145E9-AC61-47D5-9288-8789940F81B6}"/>
+                <a16:creationId xmlns:a16="http://schemas.microsoft.com/office/drawing/2014/main" xmlns="" id="{E37145E9-AC61-47D5-9288-8789940F81B6}"/>
               </a:ext>
             </a:extLst>
           </p:cNvPr>
@@ -3812,7 +3812,7 @@
           <p:cNvPr id="12" name="Freeform: Shape 11">
             <a:extLst>
               <a:ext uri="{FF2B5EF4-FFF2-40B4-BE49-F238E27FC236}">
-                <a16:creationId xmlns="" xmlns:a16="http://schemas.microsoft.com/office/drawing/2014/main" id="{A5E2B3ED-9A49-40A7-B8A3-62595FE513F9}"/>
+                <a16:creationId xmlns:a16="http://schemas.microsoft.com/office/drawing/2014/main" xmlns="" id="{A5E2B3ED-9A49-40A7-B8A3-62595FE513F9}"/>
               </a:ext>
             </a:extLst>
           </p:cNvPr>
@@ -3962,7 +3962,7 @@
           <p:cNvPr id="8" name="Freeform: Shape 7">
             <a:extLst>
               <a:ext uri="{FF2B5EF4-FFF2-40B4-BE49-F238E27FC236}">
-                <a16:creationId xmlns="" xmlns:a16="http://schemas.microsoft.com/office/drawing/2014/main" id="{1599AF7E-3E34-4597-AA72-9373A7FDB020}"/>
+                <a16:creationId xmlns:a16="http://schemas.microsoft.com/office/drawing/2014/main" xmlns="" id="{1599AF7E-3E34-4597-AA72-9373A7FDB020}"/>
               </a:ext>
             </a:extLst>
           </p:cNvPr>
@@ -4108,7 +4108,7 @@
           <p:cNvPr id="2" name="Title 1">
             <a:extLst>
               <a:ext uri="{FF2B5EF4-FFF2-40B4-BE49-F238E27FC236}">
-                <a16:creationId xmlns="" xmlns:a16="http://schemas.microsoft.com/office/drawing/2014/main" id="{4A2DF563-7FAC-46B3-B24C-7E45CD89DA2B}"/>
+                <a16:creationId xmlns:a16="http://schemas.microsoft.com/office/drawing/2014/main" xmlns="" id="{4A2DF563-7FAC-46B3-B24C-7E45CD89DA2B}"/>
               </a:ext>
             </a:extLst>
           </p:cNvPr>
@@ -4153,7 +4153,7 @@
           <p:cNvPr id="15" name="Group 14">
             <a:extLst>
               <a:ext uri="{FF2B5EF4-FFF2-40B4-BE49-F238E27FC236}">
-                <a16:creationId xmlns="" xmlns:a16="http://schemas.microsoft.com/office/drawing/2014/main" id="{7732E1E7-45E3-4264-8F26-66758696DD1E}"/>
+                <a16:creationId xmlns:a16="http://schemas.microsoft.com/office/drawing/2014/main" xmlns="" id="{7732E1E7-45E3-4264-8F26-66758696DD1E}"/>
               </a:ext>
             </a:extLst>
           </p:cNvPr>
@@ -4173,7 +4173,7 @@
             <p:cNvPr id="16" name="Freeform: Shape 15">
               <a:extLst>
                 <a:ext uri="{FF2B5EF4-FFF2-40B4-BE49-F238E27FC236}">
-                  <a16:creationId xmlns="" xmlns:a16="http://schemas.microsoft.com/office/drawing/2014/main" id="{2E3DF883-8093-49FA-81E1-E5D77F086A25}"/>
+                  <a16:creationId xmlns:a16="http://schemas.microsoft.com/office/drawing/2014/main" xmlns="" id="{2E3DF883-8093-49FA-81E1-E5D77F086A25}"/>
                 </a:ext>
               </a:extLst>
             </p:cNvPr>
@@ -4263,7 +4263,7 @@
             <p:cNvPr id="17" name="Freeform: Shape 16">
               <a:extLst>
                 <a:ext uri="{FF2B5EF4-FFF2-40B4-BE49-F238E27FC236}">
-                  <a16:creationId xmlns="" xmlns:a16="http://schemas.microsoft.com/office/drawing/2014/main" id="{18944C90-37E5-4BBE-89FF-060627168050}"/>
+                  <a16:creationId xmlns:a16="http://schemas.microsoft.com/office/drawing/2014/main" xmlns="" id="{18944C90-37E5-4BBE-89FF-060627168050}"/>
                 </a:ext>
               </a:extLst>
             </p:cNvPr>
@@ -4362,7 +4362,7 @@
           <p:cNvPr id="6" name="Group 5">
             <a:extLst>
               <a:ext uri="{FF2B5EF4-FFF2-40B4-BE49-F238E27FC236}">
-                <a16:creationId xmlns="" xmlns:a16="http://schemas.microsoft.com/office/drawing/2014/main" id="{D9EBF8BB-A805-4DDB-B459-082F99815B95}"/>
+                <a16:creationId xmlns:a16="http://schemas.microsoft.com/office/drawing/2014/main" xmlns="" id="{D9EBF8BB-A805-4DDB-B459-082F99815B95}"/>
               </a:ext>
             </a:extLst>
           </p:cNvPr>
@@ -4382,7 +4382,7 @@
             <p:cNvPr id="19" name="Rectangle: Single Corner Snipped 18">
               <a:extLst>
                 <a:ext uri="{FF2B5EF4-FFF2-40B4-BE49-F238E27FC236}">
-                  <a16:creationId xmlns="" xmlns:a16="http://schemas.microsoft.com/office/drawing/2014/main" id="{5D638788-DD47-45E7-939A-FA108A818173}"/>
+                  <a16:creationId xmlns:a16="http://schemas.microsoft.com/office/drawing/2014/main" xmlns="" id="{5D638788-DD47-45E7-939A-FA108A818173}"/>
                 </a:ext>
               </a:extLst>
             </p:cNvPr>
@@ -4443,7 +4443,7 @@
             <p:cNvPr id="3" name="Rectangle: Single Corner Snipped 2">
               <a:extLst>
                 <a:ext uri="{FF2B5EF4-FFF2-40B4-BE49-F238E27FC236}">
-                  <a16:creationId xmlns="" xmlns:a16="http://schemas.microsoft.com/office/drawing/2014/main" id="{74BDECEF-EEFE-4332-B3B2-BDE4F82C10FC}"/>
+                  <a16:creationId xmlns:a16="http://schemas.microsoft.com/office/drawing/2014/main" xmlns="" id="{74BDECEF-EEFE-4332-B3B2-BDE4F82C10FC}"/>
                 </a:ext>
               </a:extLst>
             </p:cNvPr>
@@ -4500,7 +4500,7 @@
           <p:cNvPr id="20" name="Picture Placeholder 8">
             <a:extLst>
               <a:ext uri="{FF2B5EF4-FFF2-40B4-BE49-F238E27FC236}">
-                <a16:creationId xmlns="" xmlns:a16="http://schemas.microsoft.com/office/drawing/2014/main" id="{6D00E6B4-1CBE-404E-B943-5F1832320C1C}"/>
+                <a16:creationId xmlns:a16="http://schemas.microsoft.com/office/drawing/2014/main" xmlns="" id="{6D00E6B4-1CBE-404E-B943-5F1832320C1C}"/>
               </a:ext>
             </a:extLst>
           </p:cNvPr>
@@ -4563,7 +4563,7 @@
           <p:cNvPr id="21" name="Picture Placeholder 8">
             <a:extLst>
               <a:ext uri="{FF2B5EF4-FFF2-40B4-BE49-F238E27FC236}">
-                <a16:creationId xmlns="" xmlns:a16="http://schemas.microsoft.com/office/drawing/2014/main" id="{7CD59BFD-62BE-4E33-92A5-B84A2A9A8D3B}"/>
+                <a16:creationId xmlns:a16="http://schemas.microsoft.com/office/drawing/2014/main" xmlns="" id="{7CD59BFD-62BE-4E33-92A5-B84A2A9A8D3B}"/>
               </a:ext>
             </a:extLst>
           </p:cNvPr>
@@ -4626,7 +4626,7 @@
           <p:cNvPr id="22" name="Picture Placeholder 8">
             <a:extLst>
               <a:ext uri="{FF2B5EF4-FFF2-40B4-BE49-F238E27FC236}">
-                <a16:creationId xmlns="" xmlns:a16="http://schemas.microsoft.com/office/drawing/2014/main" id="{60DC5978-55B8-421D-91B4-29F8210A7B2C}"/>
+                <a16:creationId xmlns:a16="http://schemas.microsoft.com/office/drawing/2014/main" xmlns="" id="{60DC5978-55B8-421D-91B4-29F8210A7B2C}"/>
               </a:ext>
             </a:extLst>
           </p:cNvPr>
@@ -4689,7 +4689,7 @@
           <p:cNvPr id="23" name="Picture Placeholder 8">
             <a:extLst>
               <a:ext uri="{FF2B5EF4-FFF2-40B4-BE49-F238E27FC236}">
-                <a16:creationId xmlns="" xmlns:a16="http://schemas.microsoft.com/office/drawing/2014/main" id="{BE3FB8C3-2C7E-4C59-8BD5-53FA2772DB56}"/>
+                <a16:creationId xmlns:a16="http://schemas.microsoft.com/office/drawing/2014/main" xmlns="" id="{BE3FB8C3-2C7E-4C59-8BD5-53FA2772DB56}"/>
               </a:ext>
             </a:extLst>
           </p:cNvPr>
@@ -4752,7 +4752,7 @@
           <p:cNvPr id="24" name="Picture Placeholder 8">
             <a:extLst>
               <a:ext uri="{FF2B5EF4-FFF2-40B4-BE49-F238E27FC236}">
-                <a16:creationId xmlns="" xmlns:a16="http://schemas.microsoft.com/office/drawing/2014/main" id="{FD8FA9DA-C36B-4889-B88F-28B5829E53E2}"/>
+                <a16:creationId xmlns:a16="http://schemas.microsoft.com/office/drawing/2014/main" xmlns="" id="{FD8FA9DA-C36B-4889-B88F-28B5829E53E2}"/>
               </a:ext>
             </a:extLst>
           </p:cNvPr>
@@ -4815,7 +4815,7 @@
           <p:cNvPr id="26" name="Text Placeholder 22">
             <a:extLst>
               <a:ext uri="{FF2B5EF4-FFF2-40B4-BE49-F238E27FC236}">
-                <a16:creationId xmlns="" xmlns:a16="http://schemas.microsoft.com/office/drawing/2014/main" id="{2A19101D-7C37-42BF-8167-5391EA65EC3A}"/>
+                <a16:creationId xmlns:a16="http://schemas.microsoft.com/office/drawing/2014/main" xmlns="" id="{2A19101D-7C37-42BF-8167-5391EA65EC3A}"/>
               </a:ext>
             </a:extLst>
           </p:cNvPr>
@@ -4925,7 +4925,7 @@
           <p:cNvPr id="27" name="Text Placeholder 22">
             <a:extLst>
               <a:ext uri="{FF2B5EF4-FFF2-40B4-BE49-F238E27FC236}">
-                <a16:creationId xmlns="" xmlns:a16="http://schemas.microsoft.com/office/drawing/2014/main" id="{05F72315-51A9-431C-B80A-45E4FB1D6BD6}"/>
+                <a16:creationId xmlns:a16="http://schemas.microsoft.com/office/drawing/2014/main" xmlns="" id="{05F72315-51A9-431C-B80A-45E4FB1D6BD6}"/>
               </a:ext>
             </a:extLst>
           </p:cNvPr>
@@ -5035,7 +5035,7 @@
           <p:cNvPr id="28" name="Text Placeholder 22">
             <a:extLst>
               <a:ext uri="{FF2B5EF4-FFF2-40B4-BE49-F238E27FC236}">
-                <a16:creationId xmlns="" xmlns:a16="http://schemas.microsoft.com/office/drawing/2014/main" id="{883D1F0C-34F1-46E1-B178-E4AB82B14631}"/>
+                <a16:creationId xmlns:a16="http://schemas.microsoft.com/office/drawing/2014/main" xmlns="" id="{883D1F0C-34F1-46E1-B178-E4AB82B14631}"/>
               </a:ext>
             </a:extLst>
           </p:cNvPr>
@@ -5145,7 +5145,7 @@
           <p:cNvPr id="29" name="Text Placeholder 22">
             <a:extLst>
               <a:ext uri="{FF2B5EF4-FFF2-40B4-BE49-F238E27FC236}">
-                <a16:creationId xmlns="" xmlns:a16="http://schemas.microsoft.com/office/drawing/2014/main" id="{7202A849-DF14-40E7-B38D-1185F72603EC}"/>
+                <a16:creationId xmlns:a16="http://schemas.microsoft.com/office/drawing/2014/main" xmlns="" id="{7202A849-DF14-40E7-B38D-1185F72603EC}"/>
               </a:ext>
             </a:extLst>
           </p:cNvPr>
@@ -5255,7 +5255,7 @@
           <p:cNvPr id="30" name="Text Placeholder 22">
             <a:extLst>
               <a:ext uri="{FF2B5EF4-FFF2-40B4-BE49-F238E27FC236}">
-                <a16:creationId xmlns="" xmlns:a16="http://schemas.microsoft.com/office/drawing/2014/main" id="{CCFC1ADF-AC11-4CCD-AC2D-478B6FFEA5EA}"/>
+                <a16:creationId xmlns:a16="http://schemas.microsoft.com/office/drawing/2014/main" xmlns="" id="{CCFC1ADF-AC11-4CCD-AC2D-478B6FFEA5EA}"/>
               </a:ext>
             </a:extLst>
           </p:cNvPr>
@@ -5365,7 +5365,7 @@
           <p:cNvPr id="7" name="Straight Connector 6">
             <a:extLst>
               <a:ext uri="{FF2B5EF4-FFF2-40B4-BE49-F238E27FC236}">
-                <a16:creationId xmlns="" xmlns:a16="http://schemas.microsoft.com/office/drawing/2014/main" id="{2B4CB326-DA0E-488E-B236-7017E8438FBB}"/>
+                <a16:creationId xmlns:a16="http://schemas.microsoft.com/office/drawing/2014/main" xmlns="" id="{2B4CB326-DA0E-488E-B236-7017E8438FBB}"/>
               </a:ext>
             </a:extLst>
           </p:cNvPr>
@@ -5406,7 +5406,7 @@
           <p:cNvPr id="31" name="Straight Connector 30">
             <a:extLst>
               <a:ext uri="{FF2B5EF4-FFF2-40B4-BE49-F238E27FC236}">
-                <a16:creationId xmlns="" xmlns:a16="http://schemas.microsoft.com/office/drawing/2014/main" id="{9366B533-7212-4A36-9CE2-D6302E721F8F}"/>
+                <a16:creationId xmlns:a16="http://schemas.microsoft.com/office/drawing/2014/main" xmlns="" id="{9366B533-7212-4A36-9CE2-D6302E721F8F}"/>
               </a:ext>
             </a:extLst>
           </p:cNvPr>
@@ -5447,7 +5447,7 @@
           <p:cNvPr id="32" name="Straight Connector 31">
             <a:extLst>
               <a:ext uri="{FF2B5EF4-FFF2-40B4-BE49-F238E27FC236}">
-                <a16:creationId xmlns="" xmlns:a16="http://schemas.microsoft.com/office/drawing/2014/main" id="{AD7474CD-E230-4E14-8274-5E20F673F401}"/>
+                <a16:creationId xmlns:a16="http://schemas.microsoft.com/office/drawing/2014/main" xmlns="" id="{AD7474CD-E230-4E14-8274-5E20F673F401}"/>
               </a:ext>
             </a:extLst>
           </p:cNvPr>
@@ -5488,7 +5488,7 @@
           <p:cNvPr id="33" name="Straight Connector 32">
             <a:extLst>
               <a:ext uri="{FF2B5EF4-FFF2-40B4-BE49-F238E27FC236}">
-                <a16:creationId xmlns="" xmlns:a16="http://schemas.microsoft.com/office/drawing/2014/main" id="{6BF71FCE-6F39-4D2F-82BE-7D9F1D2ED59F}"/>
+                <a16:creationId xmlns:a16="http://schemas.microsoft.com/office/drawing/2014/main" xmlns="" id="{6BF71FCE-6F39-4D2F-82BE-7D9F1D2ED59F}"/>
               </a:ext>
             </a:extLst>
           </p:cNvPr>
@@ -5529,7 +5529,7 @@
           <p:cNvPr id="34" name="Straight Connector 33">
             <a:extLst>
               <a:ext uri="{FF2B5EF4-FFF2-40B4-BE49-F238E27FC236}">
-                <a16:creationId xmlns="" xmlns:a16="http://schemas.microsoft.com/office/drawing/2014/main" id="{AE97AC7A-17D9-4F42-9DD0-94FE4FC6BF19}"/>
+                <a16:creationId xmlns:a16="http://schemas.microsoft.com/office/drawing/2014/main" xmlns="" id="{AE97AC7A-17D9-4F42-9DD0-94FE4FC6BF19}"/>
               </a:ext>
             </a:extLst>
           </p:cNvPr>
@@ -5570,7 +5570,7 @@
           <p:cNvPr id="35" name="Freeform: Shape 34">
             <a:extLst>
               <a:ext uri="{FF2B5EF4-FFF2-40B4-BE49-F238E27FC236}">
-                <a16:creationId xmlns="" xmlns:a16="http://schemas.microsoft.com/office/drawing/2014/main" id="{62EEBF51-DCAD-4335-85E9-52801031A1BF}"/>
+                <a16:creationId xmlns:a16="http://schemas.microsoft.com/office/drawing/2014/main" xmlns="" id="{62EEBF51-DCAD-4335-85E9-52801031A1BF}"/>
               </a:ext>
             </a:extLst>
           </p:cNvPr>
@@ -5665,7 +5665,7 @@
           <p:cNvPr id="5" name="Slide Number Placeholder 4">
             <a:extLst>
               <a:ext uri="{FF2B5EF4-FFF2-40B4-BE49-F238E27FC236}">
-                <a16:creationId xmlns="" xmlns:a16="http://schemas.microsoft.com/office/drawing/2014/main" id="{87B51822-97FF-47A7-8E4E-A0F79B4EB237}"/>
+                <a16:creationId xmlns:a16="http://schemas.microsoft.com/office/drawing/2014/main" xmlns="" id="{87B51822-97FF-47A7-8E4E-A0F79B4EB237}"/>
               </a:ext>
             </a:extLst>
           </p:cNvPr>
@@ -5747,7 +5747,7 @@
           <p:cNvPr id="11" name="Rectangle 10">
             <a:extLst>
               <a:ext uri="{FF2B5EF4-FFF2-40B4-BE49-F238E27FC236}">
-                <a16:creationId xmlns="" xmlns:a16="http://schemas.microsoft.com/office/drawing/2014/main" id="{EB3E033F-4449-40FA-BC85-BD2712D313DD}"/>
+                <a16:creationId xmlns:a16="http://schemas.microsoft.com/office/drawing/2014/main" xmlns="" id="{EB3E033F-4449-40FA-BC85-BD2712D313DD}"/>
               </a:ext>
             </a:extLst>
           </p:cNvPr>
@@ -5801,7 +5801,7 @@
           <p:cNvPr id="10" name="Freeform: Shape 9">
             <a:extLst>
               <a:ext uri="{FF2B5EF4-FFF2-40B4-BE49-F238E27FC236}">
-                <a16:creationId xmlns="" xmlns:a16="http://schemas.microsoft.com/office/drawing/2014/main" id="{63D26743-0505-444C-80B3-E88EE87DF72B}"/>
+                <a16:creationId xmlns:a16="http://schemas.microsoft.com/office/drawing/2014/main" xmlns="" id="{63D26743-0505-444C-80B3-E88EE87DF72B}"/>
               </a:ext>
             </a:extLst>
           </p:cNvPr>
@@ -5924,7 +5924,7 @@
           <p:cNvPr id="18" name="Freeform: Shape 17">
             <a:extLst>
               <a:ext uri="{FF2B5EF4-FFF2-40B4-BE49-F238E27FC236}">
-                <a16:creationId xmlns="" xmlns:a16="http://schemas.microsoft.com/office/drawing/2014/main" id="{E37145E9-AC61-47D5-9288-8789940F81B6}"/>
+                <a16:creationId xmlns:a16="http://schemas.microsoft.com/office/drawing/2014/main" xmlns="" id="{E37145E9-AC61-47D5-9288-8789940F81B6}"/>
               </a:ext>
             </a:extLst>
           </p:cNvPr>
@@ -6076,7 +6076,7 @@
           <p:cNvPr id="12" name="Freeform: Shape 11">
             <a:extLst>
               <a:ext uri="{FF2B5EF4-FFF2-40B4-BE49-F238E27FC236}">
-                <a16:creationId xmlns="" xmlns:a16="http://schemas.microsoft.com/office/drawing/2014/main" id="{A5E2B3ED-9A49-40A7-B8A3-62595FE513F9}"/>
+                <a16:creationId xmlns:a16="http://schemas.microsoft.com/office/drawing/2014/main" xmlns="" id="{A5E2B3ED-9A49-40A7-B8A3-62595FE513F9}"/>
               </a:ext>
             </a:extLst>
           </p:cNvPr>
@@ -6226,7 +6226,7 @@
           <p:cNvPr id="8" name="Freeform: Shape 7">
             <a:extLst>
               <a:ext uri="{FF2B5EF4-FFF2-40B4-BE49-F238E27FC236}">
-                <a16:creationId xmlns="" xmlns:a16="http://schemas.microsoft.com/office/drawing/2014/main" id="{1599AF7E-3E34-4597-AA72-9373A7FDB020}"/>
+                <a16:creationId xmlns:a16="http://schemas.microsoft.com/office/drawing/2014/main" xmlns="" id="{1599AF7E-3E34-4597-AA72-9373A7FDB020}"/>
               </a:ext>
             </a:extLst>
           </p:cNvPr>
@@ -6372,7 +6372,7 @@
           <p:cNvPr id="2" name="Title 1">
             <a:extLst>
               <a:ext uri="{FF2B5EF4-FFF2-40B4-BE49-F238E27FC236}">
-                <a16:creationId xmlns="" xmlns:a16="http://schemas.microsoft.com/office/drawing/2014/main" id="{4A2DF563-7FAC-46B3-B24C-7E45CD89DA2B}"/>
+                <a16:creationId xmlns:a16="http://schemas.microsoft.com/office/drawing/2014/main" xmlns="" id="{4A2DF563-7FAC-46B3-B24C-7E45CD89DA2B}"/>
               </a:ext>
             </a:extLst>
           </p:cNvPr>
@@ -6417,7 +6417,7 @@
           <p:cNvPr id="15" name="Group 14">
             <a:extLst>
               <a:ext uri="{FF2B5EF4-FFF2-40B4-BE49-F238E27FC236}">
-                <a16:creationId xmlns="" xmlns:a16="http://schemas.microsoft.com/office/drawing/2014/main" id="{7732E1E7-45E3-4264-8F26-66758696DD1E}"/>
+                <a16:creationId xmlns:a16="http://schemas.microsoft.com/office/drawing/2014/main" xmlns="" id="{7732E1E7-45E3-4264-8F26-66758696DD1E}"/>
               </a:ext>
             </a:extLst>
           </p:cNvPr>
@@ -6437,7 +6437,7 @@
             <p:cNvPr id="16" name="Freeform: Shape 15">
               <a:extLst>
                 <a:ext uri="{FF2B5EF4-FFF2-40B4-BE49-F238E27FC236}">
-                  <a16:creationId xmlns="" xmlns:a16="http://schemas.microsoft.com/office/drawing/2014/main" id="{2E3DF883-8093-49FA-81E1-E5D77F086A25}"/>
+                  <a16:creationId xmlns:a16="http://schemas.microsoft.com/office/drawing/2014/main" xmlns="" id="{2E3DF883-8093-49FA-81E1-E5D77F086A25}"/>
                 </a:ext>
               </a:extLst>
             </p:cNvPr>
@@ -6527,7 +6527,7 @@
             <p:cNvPr id="17" name="Freeform: Shape 16">
               <a:extLst>
                 <a:ext uri="{FF2B5EF4-FFF2-40B4-BE49-F238E27FC236}">
-                  <a16:creationId xmlns="" xmlns:a16="http://schemas.microsoft.com/office/drawing/2014/main" id="{18944C90-37E5-4BBE-89FF-060627168050}"/>
+                  <a16:creationId xmlns:a16="http://schemas.microsoft.com/office/drawing/2014/main" xmlns="" id="{18944C90-37E5-4BBE-89FF-060627168050}"/>
                 </a:ext>
               </a:extLst>
             </p:cNvPr>
@@ -6626,7 +6626,7 @@
           <p:cNvPr id="6" name="Group 5">
             <a:extLst>
               <a:ext uri="{FF2B5EF4-FFF2-40B4-BE49-F238E27FC236}">
-                <a16:creationId xmlns="" xmlns:a16="http://schemas.microsoft.com/office/drawing/2014/main" id="{D9EBF8BB-A805-4DDB-B459-082F99815B95}"/>
+                <a16:creationId xmlns:a16="http://schemas.microsoft.com/office/drawing/2014/main" xmlns="" id="{D9EBF8BB-A805-4DDB-B459-082F99815B95}"/>
               </a:ext>
             </a:extLst>
           </p:cNvPr>
@@ -6646,7 +6646,7 @@
             <p:cNvPr id="19" name="Rectangle: Single Corner Snipped 18">
               <a:extLst>
                 <a:ext uri="{FF2B5EF4-FFF2-40B4-BE49-F238E27FC236}">
-                  <a16:creationId xmlns="" xmlns:a16="http://schemas.microsoft.com/office/drawing/2014/main" id="{5D638788-DD47-45E7-939A-FA108A818173}"/>
+                  <a16:creationId xmlns:a16="http://schemas.microsoft.com/office/drawing/2014/main" xmlns="" id="{5D638788-DD47-45E7-939A-FA108A818173}"/>
                 </a:ext>
               </a:extLst>
             </p:cNvPr>
@@ -6707,7 +6707,7 @@
             <p:cNvPr id="3" name="Rectangle: Single Corner Snipped 2">
               <a:extLst>
                 <a:ext uri="{FF2B5EF4-FFF2-40B4-BE49-F238E27FC236}">
-                  <a16:creationId xmlns="" xmlns:a16="http://schemas.microsoft.com/office/drawing/2014/main" id="{74BDECEF-EEFE-4332-B3B2-BDE4F82C10FC}"/>
+                  <a16:creationId xmlns:a16="http://schemas.microsoft.com/office/drawing/2014/main" xmlns="" id="{74BDECEF-EEFE-4332-B3B2-BDE4F82C10FC}"/>
                 </a:ext>
               </a:extLst>
             </p:cNvPr>
@@ -6764,7 +6764,7 @@
           <p:cNvPr id="26" name="Text Placeholder 22">
             <a:extLst>
               <a:ext uri="{FF2B5EF4-FFF2-40B4-BE49-F238E27FC236}">
-                <a16:creationId xmlns="" xmlns:a16="http://schemas.microsoft.com/office/drawing/2014/main" id="{2A19101D-7C37-42BF-8167-5391EA65EC3A}"/>
+                <a16:creationId xmlns:a16="http://schemas.microsoft.com/office/drawing/2014/main" xmlns="" id="{2A19101D-7C37-42BF-8167-5391EA65EC3A}"/>
               </a:ext>
             </a:extLst>
           </p:cNvPr>
@@ -6874,7 +6874,7 @@
           <p:cNvPr id="35" name="Freeform: Shape 34">
             <a:extLst>
               <a:ext uri="{FF2B5EF4-FFF2-40B4-BE49-F238E27FC236}">
-                <a16:creationId xmlns="" xmlns:a16="http://schemas.microsoft.com/office/drawing/2014/main" id="{62EEBF51-DCAD-4335-85E9-52801031A1BF}"/>
+                <a16:creationId xmlns:a16="http://schemas.microsoft.com/office/drawing/2014/main" xmlns="" id="{62EEBF51-DCAD-4335-85E9-52801031A1BF}"/>
               </a:ext>
             </a:extLst>
           </p:cNvPr>
@@ -6969,7 +6969,7 @@
           <p:cNvPr id="5" name="Slide Number Placeholder 4">
             <a:extLst>
               <a:ext uri="{FF2B5EF4-FFF2-40B4-BE49-F238E27FC236}">
-                <a16:creationId xmlns="" xmlns:a16="http://schemas.microsoft.com/office/drawing/2014/main" id="{87B51822-97FF-47A7-8E4E-A0F79B4EB237}"/>
+                <a16:creationId xmlns:a16="http://schemas.microsoft.com/office/drawing/2014/main" xmlns="" id="{87B51822-97FF-47A7-8E4E-A0F79B4EB237}"/>
               </a:ext>
             </a:extLst>
           </p:cNvPr>
@@ -7013,7 +7013,7 @@
           <p:cNvPr id="13" name="Picture Placeholder 12">
             <a:extLst>
               <a:ext uri="{FF2B5EF4-FFF2-40B4-BE49-F238E27FC236}">
-                <a16:creationId xmlns="" xmlns:a16="http://schemas.microsoft.com/office/drawing/2014/main" id="{231B97CF-FD24-4932-8459-893B1AC73D33}"/>
+                <a16:creationId xmlns:a16="http://schemas.microsoft.com/office/drawing/2014/main" xmlns="" id="{231B97CF-FD24-4932-8459-893B1AC73D33}"/>
               </a:ext>
             </a:extLst>
           </p:cNvPr>
@@ -7058,7 +7058,7 @@
           <p:cNvPr id="36" name="Text Placeholder 22">
             <a:extLst>
               <a:ext uri="{FF2B5EF4-FFF2-40B4-BE49-F238E27FC236}">
-                <a16:creationId xmlns="" xmlns:a16="http://schemas.microsoft.com/office/drawing/2014/main" id="{642D3CE0-C3B4-4F3F-A650-AB452B3AD4BA}"/>
+                <a16:creationId xmlns:a16="http://schemas.microsoft.com/office/drawing/2014/main" xmlns="" id="{642D3CE0-C3B4-4F3F-A650-AB452B3AD4BA}"/>
               </a:ext>
             </a:extLst>
           </p:cNvPr>
@@ -7168,7 +7168,7 @@
           <p:cNvPr id="37" name="Text Placeholder 22">
             <a:extLst>
               <a:ext uri="{FF2B5EF4-FFF2-40B4-BE49-F238E27FC236}">
-                <a16:creationId xmlns="" xmlns:a16="http://schemas.microsoft.com/office/drawing/2014/main" id="{DBED2BB0-CDAD-40EE-8B35-C66DF45EE29D}"/>
+                <a16:creationId xmlns:a16="http://schemas.microsoft.com/office/drawing/2014/main" xmlns="" id="{DBED2BB0-CDAD-40EE-8B35-C66DF45EE29D}"/>
               </a:ext>
             </a:extLst>
           </p:cNvPr>
@@ -7316,7 +7316,7 @@
           <p:cNvPr id="11" name="Rectangle 10">
             <a:extLst>
               <a:ext uri="{FF2B5EF4-FFF2-40B4-BE49-F238E27FC236}">
-                <a16:creationId xmlns="" xmlns:a16="http://schemas.microsoft.com/office/drawing/2014/main" id="{EB3E033F-4449-40FA-BC85-BD2712D313DD}"/>
+                <a16:creationId xmlns:a16="http://schemas.microsoft.com/office/drawing/2014/main" xmlns="" id="{EB3E033F-4449-40FA-BC85-BD2712D313DD}"/>
               </a:ext>
             </a:extLst>
           </p:cNvPr>
@@ -7370,7 +7370,7 @@
           <p:cNvPr id="10" name="Freeform: Shape 9">
             <a:extLst>
               <a:ext uri="{FF2B5EF4-FFF2-40B4-BE49-F238E27FC236}">
-                <a16:creationId xmlns="" xmlns:a16="http://schemas.microsoft.com/office/drawing/2014/main" id="{63D26743-0505-444C-80B3-E88EE87DF72B}"/>
+                <a16:creationId xmlns:a16="http://schemas.microsoft.com/office/drawing/2014/main" xmlns="" id="{63D26743-0505-444C-80B3-E88EE87DF72B}"/>
               </a:ext>
             </a:extLst>
           </p:cNvPr>
@@ -7493,7 +7493,7 @@
           <p:cNvPr id="18" name="Freeform: Shape 17">
             <a:extLst>
               <a:ext uri="{FF2B5EF4-FFF2-40B4-BE49-F238E27FC236}">
-                <a16:creationId xmlns="" xmlns:a16="http://schemas.microsoft.com/office/drawing/2014/main" id="{E37145E9-AC61-47D5-9288-8789940F81B6}"/>
+                <a16:creationId xmlns:a16="http://schemas.microsoft.com/office/drawing/2014/main" xmlns="" id="{E37145E9-AC61-47D5-9288-8789940F81B6}"/>
               </a:ext>
             </a:extLst>
           </p:cNvPr>
@@ -7645,7 +7645,7 @@
           <p:cNvPr id="12" name="Freeform: Shape 11">
             <a:extLst>
               <a:ext uri="{FF2B5EF4-FFF2-40B4-BE49-F238E27FC236}">
-                <a16:creationId xmlns="" xmlns:a16="http://schemas.microsoft.com/office/drawing/2014/main" id="{A5E2B3ED-9A49-40A7-B8A3-62595FE513F9}"/>
+                <a16:creationId xmlns:a16="http://schemas.microsoft.com/office/drawing/2014/main" xmlns="" id="{A5E2B3ED-9A49-40A7-B8A3-62595FE513F9}"/>
               </a:ext>
             </a:extLst>
           </p:cNvPr>
@@ -7795,7 +7795,7 @@
           <p:cNvPr id="8" name="Freeform: Shape 7">
             <a:extLst>
               <a:ext uri="{FF2B5EF4-FFF2-40B4-BE49-F238E27FC236}">
-                <a16:creationId xmlns="" xmlns:a16="http://schemas.microsoft.com/office/drawing/2014/main" id="{1599AF7E-3E34-4597-AA72-9373A7FDB020}"/>
+                <a16:creationId xmlns:a16="http://schemas.microsoft.com/office/drawing/2014/main" xmlns="" id="{1599AF7E-3E34-4597-AA72-9373A7FDB020}"/>
               </a:ext>
             </a:extLst>
           </p:cNvPr>
@@ -7941,7 +7941,7 @@
           <p:cNvPr id="2" name="Title 1">
             <a:extLst>
               <a:ext uri="{FF2B5EF4-FFF2-40B4-BE49-F238E27FC236}">
-                <a16:creationId xmlns="" xmlns:a16="http://schemas.microsoft.com/office/drawing/2014/main" id="{4A2DF563-7FAC-46B3-B24C-7E45CD89DA2B}"/>
+                <a16:creationId xmlns:a16="http://schemas.microsoft.com/office/drawing/2014/main" xmlns="" id="{4A2DF563-7FAC-46B3-B24C-7E45CD89DA2B}"/>
               </a:ext>
             </a:extLst>
           </p:cNvPr>
@@ -7986,7 +7986,7 @@
           <p:cNvPr id="15" name="Group 14">
             <a:extLst>
               <a:ext uri="{FF2B5EF4-FFF2-40B4-BE49-F238E27FC236}">
-                <a16:creationId xmlns="" xmlns:a16="http://schemas.microsoft.com/office/drawing/2014/main" id="{7732E1E7-45E3-4264-8F26-66758696DD1E}"/>
+                <a16:creationId xmlns:a16="http://schemas.microsoft.com/office/drawing/2014/main" xmlns="" id="{7732E1E7-45E3-4264-8F26-66758696DD1E}"/>
               </a:ext>
             </a:extLst>
           </p:cNvPr>
@@ -8006,7 +8006,7 @@
             <p:cNvPr id="16" name="Freeform: Shape 15">
               <a:extLst>
                 <a:ext uri="{FF2B5EF4-FFF2-40B4-BE49-F238E27FC236}">
-                  <a16:creationId xmlns="" xmlns:a16="http://schemas.microsoft.com/office/drawing/2014/main" id="{2E3DF883-8093-49FA-81E1-E5D77F086A25}"/>
+                  <a16:creationId xmlns:a16="http://schemas.microsoft.com/office/drawing/2014/main" xmlns="" id="{2E3DF883-8093-49FA-81E1-E5D77F086A25}"/>
                 </a:ext>
               </a:extLst>
             </p:cNvPr>
@@ -8096,7 +8096,7 @@
             <p:cNvPr id="17" name="Freeform: Shape 16">
               <a:extLst>
                 <a:ext uri="{FF2B5EF4-FFF2-40B4-BE49-F238E27FC236}">
-                  <a16:creationId xmlns="" xmlns:a16="http://schemas.microsoft.com/office/drawing/2014/main" id="{18944C90-37E5-4BBE-89FF-060627168050}"/>
+                  <a16:creationId xmlns:a16="http://schemas.microsoft.com/office/drawing/2014/main" xmlns="" id="{18944C90-37E5-4BBE-89FF-060627168050}"/>
                 </a:ext>
               </a:extLst>
             </p:cNvPr>
@@ -8195,7 +8195,7 @@
           <p:cNvPr id="6" name="Group 5">
             <a:extLst>
               <a:ext uri="{FF2B5EF4-FFF2-40B4-BE49-F238E27FC236}">
-                <a16:creationId xmlns="" xmlns:a16="http://schemas.microsoft.com/office/drawing/2014/main" id="{D9EBF8BB-A805-4DDB-B459-082F99815B95}"/>
+                <a16:creationId xmlns:a16="http://schemas.microsoft.com/office/drawing/2014/main" xmlns="" id="{D9EBF8BB-A805-4DDB-B459-082F99815B95}"/>
               </a:ext>
             </a:extLst>
           </p:cNvPr>
@@ -8215,7 +8215,7 @@
             <p:cNvPr id="19" name="Rectangle: Single Corner Snipped 18">
               <a:extLst>
                 <a:ext uri="{FF2B5EF4-FFF2-40B4-BE49-F238E27FC236}">
-                  <a16:creationId xmlns="" xmlns:a16="http://schemas.microsoft.com/office/drawing/2014/main" id="{5D638788-DD47-45E7-939A-FA108A818173}"/>
+                  <a16:creationId xmlns:a16="http://schemas.microsoft.com/office/drawing/2014/main" xmlns="" id="{5D638788-DD47-45E7-939A-FA108A818173}"/>
                 </a:ext>
               </a:extLst>
             </p:cNvPr>
@@ -8276,7 +8276,7 @@
             <p:cNvPr id="3" name="Rectangle: Single Corner Snipped 2">
               <a:extLst>
                 <a:ext uri="{FF2B5EF4-FFF2-40B4-BE49-F238E27FC236}">
-                  <a16:creationId xmlns="" xmlns:a16="http://schemas.microsoft.com/office/drawing/2014/main" id="{74BDECEF-EEFE-4332-B3B2-BDE4F82C10FC}"/>
+                  <a16:creationId xmlns:a16="http://schemas.microsoft.com/office/drawing/2014/main" xmlns="" id="{74BDECEF-EEFE-4332-B3B2-BDE4F82C10FC}"/>
                 </a:ext>
               </a:extLst>
             </p:cNvPr>
@@ -8333,7 +8333,7 @@
           <p:cNvPr id="26" name="Text Placeholder 22">
             <a:extLst>
               <a:ext uri="{FF2B5EF4-FFF2-40B4-BE49-F238E27FC236}">
-                <a16:creationId xmlns="" xmlns:a16="http://schemas.microsoft.com/office/drawing/2014/main" id="{2A19101D-7C37-42BF-8167-5391EA65EC3A}"/>
+                <a16:creationId xmlns:a16="http://schemas.microsoft.com/office/drawing/2014/main" xmlns="" id="{2A19101D-7C37-42BF-8167-5391EA65EC3A}"/>
               </a:ext>
             </a:extLst>
           </p:cNvPr>
@@ -8443,7 +8443,7 @@
           <p:cNvPr id="35" name="Freeform: Shape 34">
             <a:extLst>
               <a:ext uri="{FF2B5EF4-FFF2-40B4-BE49-F238E27FC236}">
-                <a16:creationId xmlns="" xmlns:a16="http://schemas.microsoft.com/office/drawing/2014/main" id="{62EEBF51-DCAD-4335-85E9-52801031A1BF}"/>
+                <a16:creationId xmlns:a16="http://schemas.microsoft.com/office/drawing/2014/main" xmlns="" id="{62EEBF51-DCAD-4335-85E9-52801031A1BF}"/>
               </a:ext>
             </a:extLst>
           </p:cNvPr>
@@ -8538,7 +8538,7 @@
           <p:cNvPr id="5" name="Slide Number Placeholder 4">
             <a:extLst>
               <a:ext uri="{FF2B5EF4-FFF2-40B4-BE49-F238E27FC236}">
-                <a16:creationId xmlns="" xmlns:a16="http://schemas.microsoft.com/office/drawing/2014/main" id="{87B51822-97FF-47A7-8E4E-A0F79B4EB237}"/>
+                <a16:creationId xmlns:a16="http://schemas.microsoft.com/office/drawing/2014/main" xmlns="" id="{87B51822-97FF-47A7-8E4E-A0F79B4EB237}"/>
               </a:ext>
             </a:extLst>
           </p:cNvPr>
@@ -8582,7 +8582,7 @@
           <p:cNvPr id="13" name="Picture Placeholder 12">
             <a:extLst>
               <a:ext uri="{FF2B5EF4-FFF2-40B4-BE49-F238E27FC236}">
-                <a16:creationId xmlns="" xmlns:a16="http://schemas.microsoft.com/office/drawing/2014/main" id="{231B97CF-FD24-4932-8459-893B1AC73D33}"/>
+                <a16:creationId xmlns:a16="http://schemas.microsoft.com/office/drawing/2014/main" xmlns="" id="{231B97CF-FD24-4932-8459-893B1AC73D33}"/>
               </a:ext>
             </a:extLst>
           </p:cNvPr>
@@ -8665,7 +8665,7 @@
           <p:cNvPr id="11" name="Rectangle 10">
             <a:extLst>
               <a:ext uri="{FF2B5EF4-FFF2-40B4-BE49-F238E27FC236}">
-                <a16:creationId xmlns="" xmlns:a16="http://schemas.microsoft.com/office/drawing/2014/main" id="{EB3E033F-4449-40FA-BC85-BD2712D313DD}"/>
+                <a16:creationId xmlns:a16="http://schemas.microsoft.com/office/drawing/2014/main" xmlns="" id="{EB3E033F-4449-40FA-BC85-BD2712D313DD}"/>
               </a:ext>
             </a:extLst>
           </p:cNvPr>
@@ -8719,7 +8719,7 @@
           <p:cNvPr id="10" name="Freeform: Shape 9">
             <a:extLst>
               <a:ext uri="{FF2B5EF4-FFF2-40B4-BE49-F238E27FC236}">
-                <a16:creationId xmlns="" xmlns:a16="http://schemas.microsoft.com/office/drawing/2014/main" id="{63D26743-0505-444C-80B3-E88EE87DF72B}"/>
+                <a16:creationId xmlns:a16="http://schemas.microsoft.com/office/drawing/2014/main" xmlns="" id="{63D26743-0505-444C-80B3-E88EE87DF72B}"/>
               </a:ext>
             </a:extLst>
           </p:cNvPr>
@@ -8842,7 +8842,7 @@
           <p:cNvPr id="18" name="Freeform: Shape 17">
             <a:extLst>
               <a:ext uri="{FF2B5EF4-FFF2-40B4-BE49-F238E27FC236}">
-                <a16:creationId xmlns="" xmlns:a16="http://schemas.microsoft.com/office/drawing/2014/main" id="{E37145E9-AC61-47D5-9288-8789940F81B6}"/>
+                <a16:creationId xmlns:a16="http://schemas.microsoft.com/office/drawing/2014/main" xmlns="" id="{E37145E9-AC61-47D5-9288-8789940F81B6}"/>
               </a:ext>
             </a:extLst>
           </p:cNvPr>
@@ -8994,7 +8994,7 @@
           <p:cNvPr id="12" name="Freeform: Shape 11">
             <a:extLst>
               <a:ext uri="{FF2B5EF4-FFF2-40B4-BE49-F238E27FC236}">
-                <a16:creationId xmlns="" xmlns:a16="http://schemas.microsoft.com/office/drawing/2014/main" id="{A5E2B3ED-9A49-40A7-B8A3-62595FE513F9}"/>
+                <a16:creationId xmlns:a16="http://schemas.microsoft.com/office/drawing/2014/main" xmlns="" id="{A5E2B3ED-9A49-40A7-B8A3-62595FE513F9}"/>
               </a:ext>
             </a:extLst>
           </p:cNvPr>
@@ -9144,7 +9144,7 @@
           <p:cNvPr id="8" name="Freeform: Shape 7">
             <a:extLst>
               <a:ext uri="{FF2B5EF4-FFF2-40B4-BE49-F238E27FC236}">
-                <a16:creationId xmlns="" xmlns:a16="http://schemas.microsoft.com/office/drawing/2014/main" id="{1599AF7E-3E34-4597-AA72-9373A7FDB020}"/>
+                <a16:creationId xmlns:a16="http://schemas.microsoft.com/office/drawing/2014/main" xmlns="" id="{1599AF7E-3E34-4597-AA72-9373A7FDB020}"/>
               </a:ext>
             </a:extLst>
           </p:cNvPr>
@@ -9290,7 +9290,7 @@
           <p:cNvPr id="2" name="Title 1">
             <a:extLst>
               <a:ext uri="{FF2B5EF4-FFF2-40B4-BE49-F238E27FC236}">
-                <a16:creationId xmlns="" xmlns:a16="http://schemas.microsoft.com/office/drawing/2014/main" id="{4A2DF563-7FAC-46B3-B24C-7E45CD89DA2B}"/>
+                <a16:creationId xmlns:a16="http://schemas.microsoft.com/office/drawing/2014/main" xmlns="" id="{4A2DF563-7FAC-46B3-B24C-7E45CD89DA2B}"/>
               </a:ext>
             </a:extLst>
           </p:cNvPr>
@@ -9335,7 +9335,7 @@
           <p:cNvPr id="15" name="Group 14">
             <a:extLst>
               <a:ext uri="{FF2B5EF4-FFF2-40B4-BE49-F238E27FC236}">
-                <a16:creationId xmlns="" xmlns:a16="http://schemas.microsoft.com/office/drawing/2014/main" id="{7732E1E7-45E3-4264-8F26-66758696DD1E}"/>
+                <a16:creationId xmlns:a16="http://schemas.microsoft.com/office/drawing/2014/main" xmlns="" id="{7732E1E7-45E3-4264-8F26-66758696DD1E}"/>
               </a:ext>
             </a:extLst>
           </p:cNvPr>
@@ -9355,7 +9355,7 @@
             <p:cNvPr id="16" name="Freeform: Shape 15">
               <a:extLst>
                 <a:ext uri="{FF2B5EF4-FFF2-40B4-BE49-F238E27FC236}">
-                  <a16:creationId xmlns="" xmlns:a16="http://schemas.microsoft.com/office/drawing/2014/main" id="{2E3DF883-8093-49FA-81E1-E5D77F086A25}"/>
+                  <a16:creationId xmlns:a16="http://schemas.microsoft.com/office/drawing/2014/main" xmlns="" id="{2E3DF883-8093-49FA-81E1-E5D77F086A25}"/>
                 </a:ext>
               </a:extLst>
             </p:cNvPr>
@@ -9445,7 +9445,7 @@
             <p:cNvPr id="17" name="Freeform: Shape 16">
               <a:extLst>
                 <a:ext uri="{FF2B5EF4-FFF2-40B4-BE49-F238E27FC236}">
-                  <a16:creationId xmlns="" xmlns:a16="http://schemas.microsoft.com/office/drawing/2014/main" id="{18944C90-37E5-4BBE-89FF-060627168050}"/>
+                  <a16:creationId xmlns:a16="http://schemas.microsoft.com/office/drawing/2014/main" xmlns="" id="{18944C90-37E5-4BBE-89FF-060627168050}"/>
                 </a:ext>
               </a:extLst>
             </p:cNvPr>
@@ -9544,7 +9544,7 @@
           <p:cNvPr id="6" name="Group 5">
             <a:extLst>
               <a:ext uri="{FF2B5EF4-FFF2-40B4-BE49-F238E27FC236}">
-                <a16:creationId xmlns="" xmlns:a16="http://schemas.microsoft.com/office/drawing/2014/main" id="{D9EBF8BB-A805-4DDB-B459-082F99815B95}"/>
+                <a16:creationId xmlns:a16="http://schemas.microsoft.com/office/drawing/2014/main" xmlns="" id="{D9EBF8BB-A805-4DDB-B459-082F99815B95}"/>
               </a:ext>
             </a:extLst>
           </p:cNvPr>
@@ -9564,7 +9564,7 @@
             <p:cNvPr id="19" name="Rectangle: Single Corner Snipped 18">
               <a:extLst>
                 <a:ext uri="{FF2B5EF4-FFF2-40B4-BE49-F238E27FC236}">
-                  <a16:creationId xmlns="" xmlns:a16="http://schemas.microsoft.com/office/drawing/2014/main" id="{5D638788-DD47-45E7-939A-FA108A818173}"/>
+                  <a16:creationId xmlns:a16="http://schemas.microsoft.com/office/drawing/2014/main" xmlns="" id="{5D638788-DD47-45E7-939A-FA108A818173}"/>
                 </a:ext>
               </a:extLst>
             </p:cNvPr>
@@ -9625,7 +9625,7 @@
             <p:cNvPr id="3" name="Rectangle: Single Corner Snipped 2">
               <a:extLst>
                 <a:ext uri="{FF2B5EF4-FFF2-40B4-BE49-F238E27FC236}">
-                  <a16:creationId xmlns="" xmlns:a16="http://schemas.microsoft.com/office/drawing/2014/main" id="{74BDECEF-EEFE-4332-B3B2-BDE4F82C10FC}"/>
+                  <a16:creationId xmlns:a16="http://schemas.microsoft.com/office/drawing/2014/main" xmlns="" id="{74BDECEF-EEFE-4332-B3B2-BDE4F82C10FC}"/>
                 </a:ext>
               </a:extLst>
             </p:cNvPr>
@@ -9682,7 +9682,7 @@
           <p:cNvPr id="35" name="Freeform: Shape 34">
             <a:extLst>
               <a:ext uri="{FF2B5EF4-FFF2-40B4-BE49-F238E27FC236}">
-                <a16:creationId xmlns="" xmlns:a16="http://schemas.microsoft.com/office/drawing/2014/main" id="{62EEBF51-DCAD-4335-85E9-52801031A1BF}"/>
+                <a16:creationId xmlns:a16="http://schemas.microsoft.com/office/drawing/2014/main" xmlns="" id="{62EEBF51-DCAD-4335-85E9-52801031A1BF}"/>
               </a:ext>
             </a:extLst>
           </p:cNvPr>
@@ -9777,7 +9777,7 @@
           <p:cNvPr id="5" name="Slide Number Placeholder 4">
             <a:extLst>
               <a:ext uri="{FF2B5EF4-FFF2-40B4-BE49-F238E27FC236}">
-                <a16:creationId xmlns="" xmlns:a16="http://schemas.microsoft.com/office/drawing/2014/main" id="{87B51822-97FF-47A7-8E4E-A0F79B4EB237}"/>
+                <a16:creationId xmlns:a16="http://schemas.microsoft.com/office/drawing/2014/main" xmlns="" id="{87B51822-97FF-47A7-8E4E-A0F79B4EB237}"/>
               </a:ext>
             </a:extLst>
           </p:cNvPr>
@@ -9821,7 +9821,7 @@
           <p:cNvPr id="20" name="Picture Placeholder 2">
             <a:extLst>
               <a:ext uri="{FF2B5EF4-FFF2-40B4-BE49-F238E27FC236}">
-                <a16:creationId xmlns="" xmlns:a16="http://schemas.microsoft.com/office/drawing/2014/main" id="{30B3A574-7940-4E35-857E-5CA35A5910E5}"/>
+                <a16:creationId xmlns:a16="http://schemas.microsoft.com/office/drawing/2014/main" xmlns="" id="{30B3A574-7940-4E35-857E-5CA35A5910E5}"/>
               </a:ext>
             </a:extLst>
           </p:cNvPr>
@@ -9898,7 +9898,7 @@
           <p:cNvPr id="21" name="Text Placeholder 3">
             <a:extLst>
               <a:ext uri="{FF2B5EF4-FFF2-40B4-BE49-F238E27FC236}">
-                <a16:creationId xmlns="" xmlns:a16="http://schemas.microsoft.com/office/drawing/2014/main" id="{912B51EA-3E6F-4BF6-BE48-62128AF32B85}"/>
+                <a16:creationId xmlns:a16="http://schemas.microsoft.com/office/drawing/2014/main" xmlns="" id="{912B51EA-3E6F-4BF6-BE48-62128AF32B85}"/>
               </a:ext>
             </a:extLst>
           </p:cNvPr>
@@ -10012,7 +10012,7 @@
           <p:cNvPr id="11" name="Rectangle 10">
             <a:extLst>
               <a:ext uri="{FF2B5EF4-FFF2-40B4-BE49-F238E27FC236}">
-                <a16:creationId xmlns="" xmlns:a16="http://schemas.microsoft.com/office/drawing/2014/main" id="{EB3E033F-4449-40FA-BC85-BD2712D313DD}"/>
+                <a16:creationId xmlns:a16="http://schemas.microsoft.com/office/drawing/2014/main" xmlns="" id="{EB3E033F-4449-40FA-BC85-BD2712D313DD}"/>
               </a:ext>
             </a:extLst>
           </p:cNvPr>
@@ -10066,7 +10066,7 @@
           <p:cNvPr id="10" name="Freeform: Shape 9">
             <a:extLst>
               <a:ext uri="{FF2B5EF4-FFF2-40B4-BE49-F238E27FC236}">
-                <a16:creationId xmlns="" xmlns:a16="http://schemas.microsoft.com/office/drawing/2014/main" id="{63D26743-0505-444C-80B3-E88EE87DF72B}"/>
+                <a16:creationId xmlns:a16="http://schemas.microsoft.com/office/drawing/2014/main" xmlns="" id="{63D26743-0505-444C-80B3-E88EE87DF72B}"/>
               </a:ext>
             </a:extLst>
           </p:cNvPr>
@@ -10189,7 +10189,7 @@
           <p:cNvPr id="18" name="Freeform: Shape 17">
             <a:extLst>
               <a:ext uri="{FF2B5EF4-FFF2-40B4-BE49-F238E27FC236}">
-                <a16:creationId xmlns="" xmlns:a16="http://schemas.microsoft.com/office/drawing/2014/main" id="{E37145E9-AC61-47D5-9288-8789940F81B6}"/>
+                <a16:creationId xmlns:a16="http://schemas.microsoft.com/office/drawing/2014/main" xmlns="" id="{E37145E9-AC61-47D5-9288-8789940F81B6}"/>
               </a:ext>
             </a:extLst>
           </p:cNvPr>
@@ -10341,7 +10341,7 @@
           <p:cNvPr id="12" name="Freeform: Shape 11">
             <a:extLst>
               <a:ext uri="{FF2B5EF4-FFF2-40B4-BE49-F238E27FC236}">
-                <a16:creationId xmlns="" xmlns:a16="http://schemas.microsoft.com/office/drawing/2014/main" id="{A5E2B3ED-9A49-40A7-B8A3-62595FE513F9}"/>
+                <a16:creationId xmlns:a16="http://schemas.microsoft.com/office/drawing/2014/main" xmlns="" id="{A5E2B3ED-9A49-40A7-B8A3-62595FE513F9}"/>
               </a:ext>
             </a:extLst>
           </p:cNvPr>
@@ -10491,7 +10491,7 @@
           <p:cNvPr id="8" name="Freeform: Shape 7">
             <a:extLst>
               <a:ext uri="{FF2B5EF4-FFF2-40B4-BE49-F238E27FC236}">
-                <a16:creationId xmlns="" xmlns:a16="http://schemas.microsoft.com/office/drawing/2014/main" id="{1599AF7E-3E34-4597-AA72-9373A7FDB020}"/>
+                <a16:creationId xmlns:a16="http://schemas.microsoft.com/office/drawing/2014/main" xmlns="" id="{1599AF7E-3E34-4597-AA72-9373A7FDB020}"/>
               </a:ext>
             </a:extLst>
           </p:cNvPr>
@@ -10637,7 +10637,7 @@
           <p:cNvPr id="2" name="Title 1">
             <a:extLst>
               <a:ext uri="{FF2B5EF4-FFF2-40B4-BE49-F238E27FC236}">
-                <a16:creationId xmlns="" xmlns:a16="http://schemas.microsoft.com/office/drawing/2014/main" id="{4A2DF563-7FAC-46B3-B24C-7E45CD89DA2B}"/>
+                <a16:creationId xmlns:a16="http://schemas.microsoft.com/office/drawing/2014/main" xmlns="" id="{4A2DF563-7FAC-46B3-B24C-7E45CD89DA2B}"/>
               </a:ext>
             </a:extLst>
           </p:cNvPr>
@@ -10682,7 +10682,7 @@
           <p:cNvPr id="15" name="Group 14">
             <a:extLst>
               <a:ext uri="{FF2B5EF4-FFF2-40B4-BE49-F238E27FC236}">
-                <a16:creationId xmlns="" xmlns:a16="http://schemas.microsoft.com/office/drawing/2014/main" id="{7732E1E7-45E3-4264-8F26-66758696DD1E}"/>
+                <a16:creationId xmlns:a16="http://schemas.microsoft.com/office/drawing/2014/main" xmlns="" id="{7732E1E7-45E3-4264-8F26-66758696DD1E}"/>
               </a:ext>
             </a:extLst>
           </p:cNvPr>
@@ -10702,7 +10702,7 @@
             <p:cNvPr id="16" name="Freeform: Shape 15">
               <a:extLst>
                 <a:ext uri="{FF2B5EF4-FFF2-40B4-BE49-F238E27FC236}">
-                  <a16:creationId xmlns="" xmlns:a16="http://schemas.microsoft.com/office/drawing/2014/main" id="{2E3DF883-8093-49FA-81E1-E5D77F086A25}"/>
+                  <a16:creationId xmlns:a16="http://schemas.microsoft.com/office/drawing/2014/main" xmlns="" id="{2E3DF883-8093-49FA-81E1-E5D77F086A25}"/>
                 </a:ext>
               </a:extLst>
             </p:cNvPr>
@@ -10792,7 +10792,7 @@
             <p:cNvPr id="17" name="Freeform: Shape 16">
               <a:extLst>
                 <a:ext uri="{FF2B5EF4-FFF2-40B4-BE49-F238E27FC236}">
-                  <a16:creationId xmlns="" xmlns:a16="http://schemas.microsoft.com/office/drawing/2014/main" id="{18944C90-37E5-4BBE-89FF-060627168050}"/>
+                  <a16:creationId xmlns:a16="http://schemas.microsoft.com/office/drawing/2014/main" xmlns="" id="{18944C90-37E5-4BBE-89FF-060627168050}"/>
                 </a:ext>
               </a:extLst>
             </p:cNvPr>
@@ -10891,7 +10891,7 @@
           <p:cNvPr id="6" name="Group 5">
             <a:extLst>
               <a:ext uri="{FF2B5EF4-FFF2-40B4-BE49-F238E27FC236}">
-                <a16:creationId xmlns="" xmlns:a16="http://schemas.microsoft.com/office/drawing/2014/main" id="{D9EBF8BB-A805-4DDB-B459-082F99815B95}"/>
+                <a16:creationId xmlns:a16="http://schemas.microsoft.com/office/drawing/2014/main" xmlns="" id="{D9EBF8BB-A805-4DDB-B459-082F99815B95}"/>
               </a:ext>
             </a:extLst>
           </p:cNvPr>
@@ -10911,7 +10911,7 @@
             <p:cNvPr id="19" name="Rectangle: Single Corner Snipped 18">
               <a:extLst>
                 <a:ext uri="{FF2B5EF4-FFF2-40B4-BE49-F238E27FC236}">
-                  <a16:creationId xmlns="" xmlns:a16="http://schemas.microsoft.com/office/drawing/2014/main" id="{5D638788-DD47-45E7-939A-FA108A818173}"/>
+                  <a16:creationId xmlns:a16="http://schemas.microsoft.com/office/drawing/2014/main" xmlns="" id="{5D638788-DD47-45E7-939A-FA108A818173}"/>
                 </a:ext>
               </a:extLst>
             </p:cNvPr>
@@ -10972,7 +10972,7 @@
             <p:cNvPr id="3" name="Rectangle: Single Corner Snipped 2">
               <a:extLst>
                 <a:ext uri="{FF2B5EF4-FFF2-40B4-BE49-F238E27FC236}">
-                  <a16:creationId xmlns="" xmlns:a16="http://schemas.microsoft.com/office/drawing/2014/main" id="{74BDECEF-EEFE-4332-B3B2-BDE4F82C10FC}"/>
+                  <a16:creationId xmlns:a16="http://schemas.microsoft.com/office/drawing/2014/main" xmlns="" id="{74BDECEF-EEFE-4332-B3B2-BDE4F82C10FC}"/>
                 </a:ext>
               </a:extLst>
             </p:cNvPr>
@@ -11029,7 +11029,7 @@
           <p:cNvPr id="35" name="Freeform: Shape 34">
             <a:extLst>
               <a:ext uri="{FF2B5EF4-FFF2-40B4-BE49-F238E27FC236}">
-                <a16:creationId xmlns="" xmlns:a16="http://schemas.microsoft.com/office/drawing/2014/main" id="{62EEBF51-DCAD-4335-85E9-52801031A1BF}"/>
+                <a16:creationId xmlns:a16="http://schemas.microsoft.com/office/drawing/2014/main" xmlns="" id="{62EEBF51-DCAD-4335-85E9-52801031A1BF}"/>
               </a:ext>
             </a:extLst>
           </p:cNvPr>
@@ -11124,7 +11124,7 @@
           <p:cNvPr id="5" name="Slide Number Placeholder 4">
             <a:extLst>
               <a:ext uri="{FF2B5EF4-FFF2-40B4-BE49-F238E27FC236}">
-                <a16:creationId xmlns="" xmlns:a16="http://schemas.microsoft.com/office/drawing/2014/main" id="{87B51822-97FF-47A7-8E4E-A0F79B4EB237}"/>
+                <a16:creationId xmlns:a16="http://schemas.microsoft.com/office/drawing/2014/main" xmlns="" id="{87B51822-97FF-47A7-8E4E-A0F79B4EB237}"/>
               </a:ext>
             </a:extLst>
           </p:cNvPr>
@@ -11168,7 +11168,7 @@
           <p:cNvPr id="21" name="Text Placeholder 3">
             <a:extLst>
               <a:ext uri="{FF2B5EF4-FFF2-40B4-BE49-F238E27FC236}">
-                <a16:creationId xmlns="" xmlns:a16="http://schemas.microsoft.com/office/drawing/2014/main" id="{912B51EA-3E6F-4BF6-BE48-62128AF32B85}"/>
+                <a16:creationId xmlns:a16="http://schemas.microsoft.com/office/drawing/2014/main" xmlns="" id="{912B51EA-3E6F-4BF6-BE48-62128AF32B85}"/>
               </a:ext>
             </a:extLst>
           </p:cNvPr>
@@ -11244,7 +11244,7 @@
           <p:cNvPr id="22" name="Content Placeholder 2">
             <a:extLst>
               <a:ext uri="{FF2B5EF4-FFF2-40B4-BE49-F238E27FC236}">
-                <a16:creationId xmlns="" xmlns:a16="http://schemas.microsoft.com/office/drawing/2014/main" id="{A015C605-1D30-48BC-A0D6-3B11AF56CC53}"/>
+                <a16:creationId xmlns:a16="http://schemas.microsoft.com/office/drawing/2014/main" xmlns="" id="{A015C605-1D30-48BC-A0D6-3B11AF56CC53}"/>
               </a:ext>
             </a:extLst>
           </p:cNvPr>
@@ -11386,7 +11386,7 @@
           <p:cNvPr id="18" name="Rectangle 17">
             <a:extLst>
               <a:ext uri="{FF2B5EF4-FFF2-40B4-BE49-F238E27FC236}">
-                <a16:creationId xmlns="" xmlns:a16="http://schemas.microsoft.com/office/drawing/2014/main" id="{D4494CD2-CCDD-0248-96F8-741002C44255}"/>
+                <a16:creationId xmlns:a16="http://schemas.microsoft.com/office/drawing/2014/main" xmlns="" id="{D4494CD2-CCDD-0248-96F8-741002C44255}"/>
               </a:ext>
             </a:extLst>
           </p:cNvPr>
@@ -11440,7 +11440,7 @@
           <p:cNvPr id="19" name="Freeform: Shape 9">
             <a:extLst>
               <a:ext uri="{FF2B5EF4-FFF2-40B4-BE49-F238E27FC236}">
-                <a16:creationId xmlns="" xmlns:a16="http://schemas.microsoft.com/office/drawing/2014/main" id="{07077B00-C1EE-7241-B441-7814F92A7EDF}"/>
+                <a16:creationId xmlns:a16="http://schemas.microsoft.com/office/drawing/2014/main" xmlns="" id="{07077B00-C1EE-7241-B441-7814F92A7EDF}"/>
               </a:ext>
             </a:extLst>
           </p:cNvPr>
@@ -11563,7 +11563,7 @@
           <p:cNvPr id="20" name="Freeform: Shape 17">
             <a:extLst>
               <a:ext uri="{FF2B5EF4-FFF2-40B4-BE49-F238E27FC236}">
-                <a16:creationId xmlns="" xmlns:a16="http://schemas.microsoft.com/office/drawing/2014/main" id="{3A1AEBC4-637E-F64C-9192-69AC4BB26D0C}"/>
+                <a16:creationId xmlns:a16="http://schemas.microsoft.com/office/drawing/2014/main" xmlns="" id="{3A1AEBC4-637E-F64C-9192-69AC4BB26D0C}"/>
               </a:ext>
             </a:extLst>
           </p:cNvPr>
@@ -11715,7 +11715,7 @@
           <p:cNvPr id="21" name="Freeform: Shape 11">
             <a:extLst>
               <a:ext uri="{FF2B5EF4-FFF2-40B4-BE49-F238E27FC236}">
-                <a16:creationId xmlns="" xmlns:a16="http://schemas.microsoft.com/office/drawing/2014/main" id="{669A7039-C54C-8E46-9A8B-DDB2547D989C}"/>
+                <a16:creationId xmlns:a16="http://schemas.microsoft.com/office/drawing/2014/main" xmlns="" id="{669A7039-C54C-8E46-9A8B-DDB2547D989C}"/>
               </a:ext>
             </a:extLst>
           </p:cNvPr>
@@ -11865,7 +11865,7 @@
           <p:cNvPr id="22" name="Freeform: Shape 7">
             <a:extLst>
               <a:ext uri="{FF2B5EF4-FFF2-40B4-BE49-F238E27FC236}">
-                <a16:creationId xmlns="" xmlns:a16="http://schemas.microsoft.com/office/drawing/2014/main" id="{4F173B32-87BB-9A40-8C91-4C1EED2B7ABF}"/>
+                <a16:creationId xmlns:a16="http://schemas.microsoft.com/office/drawing/2014/main" xmlns="" id="{4F173B32-87BB-9A40-8C91-4C1EED2B7ABF}"/>
               </a:ext>
             </a:extLst>
           </p:cNvPr>
@@ -12011,7 +12011,7 @@
           <p:cNvPr id="24" name="Group 23">
             <a:extLst>
               <a:ext uri="{FF2B5EF4-FFF2-40B4-BE49-F238E27FC236}">
-                <a16:creationId xmlns="" xmlns:a16="http://schemas.microsoft.com/office/drawing/2014/main" id="{4AC87F4E-12B5-1B42-AFD2-4DB39B7645C9}"/>
+                <a16:creationId xmlns:a16="http://schemas.microsoft.com/office/drawing/2014/main" xmlns="" id="{4AC87F4E-12B5-1B42-AFD2-4DB39B7645C9}"/>
               </a:ext>
             </a:extLst>
           </p:cNvPr>
@@ -12031,7 +12031,7 @@
             <p:cNvPr id="25" name="Freeform: Shape 15">
               <a:extLst>
                 <a:ext uri="{FF2B5EF4-FFF2-40B4-BE49-F238E27FC236}">
-                  <a16:creationId xmlns="" xmlns:a16="http://schemas.microsoft.com/office/drawing/2014/main" id="{03DD8765-59DF-A045-ADB5-E39FAEE153A0}"/>
+                  <a16:creationId xmlns:a16="http://schemas.microsoft.com/office/drawing/2014/main" xmlns="" id="{03DD8765-59DF-A045-ADB5-E39FAEE153A0}"/>
                 </a:ext>
               </a:extLst>
             </p:cNvPr>
@@ -12121,7 +12121,7 @@
             <p:cNvPr id="26" name="Freeform: Shape 16">
               <a:extLst>
                 <a:ext uri="{FF2B5EF4-FFF2-40B4-BE49-F238E27FC236}">
-                  <a16:creationId xmlns="" xmlns:a16="http://schemas.microsoft.com/office/drawing/2014/main" id="{B34B796C-A407-7B4D-B4F0-E58A44FE8DB4}"/>
+                  <a16:creationId xmlns:a16="http://schemas.microsoft.com/office/drawing/2014/main" xmlns="" id="{B34B796C-A407-7B4D-B4F0-E58A44FE8DB4}"/>
                 </a:ext>
               </a:extLst>
             </p:cNvPr>
@@ -12220,7 +12220,7 @@
           <p:cNvPr id="30" name="Freeform: Shape 23">
             <a:extLst>
               <a:ext uri="{FF2B5EF4-FFF2-40B4-BE49-F238E27FC236}">
-                <a16:creationId xmlns="" xmlns:a16="http://schemas.microsoft.com/office/drawing/2014/main" id="{CBE3FDC9-67CB-FA42-B127-A36BFF4678BB}"/>
+                <a16:creationId xmlns:a16="http://schemas.microsoft.com/office/drawing/2014/main" xmlns="" id="{CBE3FDC9-67CB-FA42-B127-A36BFF4678BB}"/>
               </a:ext>
             </a:extLst>
           </p:cNvPr>
@@ -12315,7 +12315,7 @@
           <p:cNvPr id="31" name="Slide Number Placeholder 4">
             <a:extLst>
               <a:ext uri="{FF2B5EF4-FFF2-40B4-BE49-F238E27FC236}">
-                <a16:creationId xmlns="" xmlns:a16="http://schemas.microsoft.com/office/drawing/2014/main" id="{1E902BFF-CA8F-D745-A819-A7BB38B30ED9}"/>
+                <a16:creationId xmlns:a16="http://schemas.microsoft.com/office/drawing/2014/main" xmlns="" id="{1E902BFF-CA8F-D745-A819-A7BB38B30ED9}"/>
               </a:ext>
             </a:extLst>
           </p:cNvPr>
@@ -12389,7 +12389,7 @@
           <p:cNvPr id="21" name="Rectangle 20">
             <a:extLst>
               <a:ext uri="{FF2B5EF4-FFF2-40B4-BE49-F238E27FC236}">
-                <a16:creationId xmlns="" xmlns:a16="http://schemas.microsoft.com/office/drawing/2014/main" id="{6E739168-A5E8-443A-B392-7AD4CF8977AD}"/>
+                <a16:creationId xmlns:a16="http://schemas.microsoft.com/office/drawing/2014/main" xmlns="" id="{6E739168-A5E8-443A-B392-7AD4CF8977AD}"/>
               </a:ext>
             </a:extLst>
           </p:cNvPr>
@@ -12441,7 +12441,7 @@
           <p:cNvPr id="15" name="Freeform: Shape 14">
             <a:extLst>
               <a:ext uri="{FF2B5EF4-FFF2-40B4-BE49-F238E27FC236}">
-                <a16:creationId xmlns="" xmlns:a16="http://schemas.microsoft.com/office/drawing/2014/main" id="{41E10E1E-5268-4F03-BA64-07E19DE26739}"/>
+                <a16:creationId xmlns:a16="http://schemas.microsoft.com/office/drawing/2014/main" xmlns="" id="{41E10E1E-5268-4F03-BA64-07E19DE26739}"/>
               </a:ext>
             </a:extLst>
           </p:cNvPr>
@@ -12578,7 +12578,7 @@
           <p:cNvPr id="16" name="Freeform: Shape 15">
             <a:extLst>
               <a:ext uri="{FF2B5EF4-FFF2-40B4-BE49-F238E27FC236}">
-                <a16:creationId xmlns="" xmlns:a16="http://schemas.microsoft.com/office/drawing/2014/main" id="{B989C45D-BDFF-418F-BE79-03FF70015770}"/>
+                <a16:creationId xmlns:a16="http://schemas.microsoft.com/office/drawing/2014/main" xmlns="" id="{B989C45D-BDFF-418F-BE79-03FF70015770}"/>
               </a:ext>
             </a:extLst>
           </p:cNvPr>
@@ -12742,7 +12742,7 @@
           <p:cNvPr id="20" name="Freeform: Shape 19">
             <a:extLst>
               <a:ext uri="{FF2B5EF4-FFF2-40B4-BE49-F238E27FC236}">
-                <a16:creationId xmlns="" xmlns:a16="http://schemas.microsoft.com/office/drawing/2014/main" id="{0027A677-9ACB-4264-B148-4806678FB83F}"/>
+                <a16:creationId xmlns:a16="http://schemas.microsoft.com/office/drawing/2014/main" xmlns="" id="{0027A677-9ACB-4264-B148-4806678FB83F}"/>
               </a:ext>
             </a:extLst>
           </p:cNvPr>
@@ -12904,7 +12904,7 @@
           <p:cNvPr id="6" name="Group 5">
             <a:extLst>
               <a:ext uri="{FF2B5EF4-FFF2-40B4-BE49-F238E27FC236}">
-                <a16:creationId xmlns="" xmlns:a16="http://schemas.microsoft.com/office/drawing/2014/main" id="{EA7FF9D7-8545-4547-AC77-A0421EEB9B99}"/>
+                <a16:creationId xmlns:a16="http://schemas.microsoft.com/office/drawing/2014/main" xmlns="" id="{EA7FF9D7-8545-4547-AC77-A0421EEB9B99}"/>
               </a:ext>
             </a:extLst>
           </p:cNvPr>
@@ -12924,7 +12924,7 @@
             <p:cNvPr id="17" name="Right Triangle 16">
               <a:extLst>
                 <a:ext uri="{FF2B5EF4-FFF2-40B4-BE49-F238E27FC236}">
-                  <a16:creationId xmlns="" xmlns:a16="http://schemas.microsoft.com/office/drawing/2014/main" id="{8DCD5806-2A2F-4ABF-8057-245681C498E6}"/>
+                  <a16:creationId xmlns:a16="http://schemas.microsoft.com/office/drawing/2014/main" xmlns="" id="{8DCD5806-2A2F-4ABF-8057-245681C498E6}"/>
                 </a:ext>
               </a:extLst>
             </p:cNvPr>
@@ -12978,7 +12978,7 @@
             <p:cNvPr id="18" name="Right Triangle 17">
               <a:extLst>
                 <a:ext uri="{FF2B5EF4-FFF2-40B4-BE49-F238E27FC236}">
-                  <a16:creationId xmlns="" xmlns:a16="http://schemas.microsoft.com/office/drawing/2014/main" id="{3A93038F-E9E4-4FFD-B3DF-28DB7C2C1490}"/>
+                  <a16:creationId xmlns:a16="http://schemas.microsoft.com/office/drawing/2014/main" xmlns="" id="{3A93038F-E9E4-4FFD-B3DF-28DB7C2C1490}"/>
                 </a:ext>
               </a:extLst>
             </p:cNvPr>
@@ -13035,7 +13035,7 @@
             <p:cNvPr id="19" name="Right Triangle 18">
               <a:extLst>
                 <a:ext uri="{FF2B5EF4-FFF2-40B4-BE49-F238E27FC236}">
-                  <a16:creationId xmlns="" xmlns:a16="http://schemas.microsoft.com/office/drawing/2014/main" id="{5DEA1E02-BBD0-4AE3-AF22-433B90272178}"/>
+                  <a16:creationId xmlns:a16="http://schemas.microsoft.com/office/drawing/2014/main" xmlns="" id="{5DEA1E02-BBD0-4AE3-AF22-433B90272178}"/>
                 </a:ext>
               </a:extLst>
             </p:cNvPr>
@@ -13090,7 +13090,7 @@
           <p:cNvPr id="2" name="Title 1">
             <a:extLst>
               <a:ext uri="{FF2B5EF4-FFF2-40B4-BE49-F238E27FC236}">
-                <a16:creationId xmlns="" xmlns:a16="http://schemas.microsoft.com/office/drawing/2014/main" id="{9E597736-C478-4C26-9BAF-205FE31E977C}"/>
+                <a16:creationId xmlns:a16="http://schemas.microsoft.com/office/drawing/2014/main" xmlns="" id="{9E597736-C478-4C26-9BAF-205FE31E977C}"/>
               </a:ext>
             </a:extLst>
           </p:cNvPr>
@@ -13167,7 +13167,7 @@
           <p:cNvPr id="21" name="Rectangle 20">
             <a:extLst>
               <a:ext uri="{FF2B5EF4-FFF2-40B4-BE49-F238E27FC236}">
-                <a16:creationId xmlns="" xmlns:a16="http://schemas.microsoft.com/office/drawing/2014/main" id="{6E739168-A5E8-443A-B392-7AD4CF8977AD}"/>
+                <a16:creationId xmlns:a16="http://schemas.microsoft.com/office/drawing/2014/main" xmlns="" id="{6E739168-A5E8-443A-B392-7AD4CF8977AD}"/>
               </a:ext>
             </a:extLst>
           </p:cNvPr>
@@ -13219,7 +13219,7 @@
           <p:cNvPr id="15" name="Freeform: Shape 14">
             <a:extLst>
               <a:ext uri="{FF2B5EF4-FFF2-40B4-BE49-F238E27FC236}">
-                <a16:creationId xmlns="" xmlns:a16="http://schemas.microsoft.com/office/drawing/2014/main" id="{41E10E1E-5268-4F03-BA64-07E19DE26739}"/>
+                <a16:creationId xmlns:a16="http://schemas.microsoft.com/office/drawing/2014/main" xmlns="" id="{41E10E1E-5268-4F03-BA64-07E19DE26739}"/>
               </a:ext>
             </a:extLst>
           </p:cNvPr>
@@ -13356,7 +13356,7 @@
           <p:cNvPr id="16" name="Freeform: Shape 15">
             <a:extLst>
               <a:ext uri="{FF2B5EF4-FFF2-40B4-BE49-F238E27FC236}">
-                <a16:creationId xmlns="" xmlns:a16="http://schemas.microsoft.com/office/drawing/2014/main" id="{B989C45D-BDFF-418F-BE79-03FF70015770}"/>
+                <a16:creationId xmlns:a16="http://schemas.microsoft.com/office/drawing/2014/main" xmlns="" id="{B989C45D-BDFF-418F-BE79-03FF70015770}"/>
               </a:ext>
             </a:extLst>
           </p:cNvPr>
@@ -13520,7 +13520,7 @@
           <p:cNvPr id="20" name="Freeform: Shape 19">
             <a:extLst>
               <a:ext uri="{FF2B5EF4-FFF2-40B4-BE49-F238E27FC236}">
-                <a16:creationId xmlns="" xmlns:a16="http://schemas.microsoft.com/office/drawing/2014/main" id="{0027A677-9ACB-4264-B148-4806678FB83F}"/>
+                <a16:creationId xmlns:a16="http://schemas.microsoft.com/office/drawing/2014/main" xmlns="" id="{0027A677-9ACB-4264-B148-4806678FB83F}"/>
               </a:ext>
             </a:extLst>
           </p:cNvPr>
@@ -13682,7 +13682,7 @@
           <p:cNvPr id="2" name="Title 1">
             <a:extLst>
               <a:ext uri="{FF2B5EF4-FFF2-40B4-BE49-F238E27FC236}">
-                <a16:creationId xmlns="" xmlns:a16="http://schemas.microsoft.com/office/drawing/2014/main" id="{9E597736-C478-4C26-9BAF-205FE31E977C}"/>
+                <a16:creationId xmlns:a16="http://schemas.microsoft.com/office/drawing/2014/main" xmlns="" id="{9E597736-C478-4C26-9BAF-205FE31E977C}"/>
               </a:ext>
             </a:extLst>
           </p:cNvPr>
@@ -13729,7 +13729,7 @@
           <p:cNvPr id="35" name="Freeform: Shape 34">
             <a:extLst>
               <a:ext uri="{FF2B5EF4-FFF2-40B4-BE49-F238E27FC236}">
-                <a16:creationId xmlns="" xmlns:a16="http://schemas.microsoft.com/office/drawing/2014/main" id="{C024DCDB-C6BF-455E-AAB8-EAF9DAB302A1}"/>
+                <a16:creationId xmlns:a16="http://schemas.microsoft.com/office/drawing/2014/main" xmlns="" id="{C024DCDB-C6BF-455E-AAB8-EAF9DAB302A1}"/>
               </a:ext>
             </a:extLst>
           </p:cNvPr>
@@ -13837,7 +13837,7 @@
           <p:cNvPr id="32" name="Freeform: Shape 31">
             <a:extLst>
               <a:ext uri="{FF2B5EF4-FFF2-40B4-BE49-F238E27FC236}">
-                <a16:creationId xmlns="" xmlns:a16="http://schemas.microsoft.com/office/drawing/2014/main" id="{26AFB47A-5D51-4F9C-B01B-977CE5E3C093}"/>
+                <a16:creationId xmlns:a16="http://schemas.microsoft.com/office/drawing/2014/main" xmlns="" id="{26AFB47A-5D51-4F9C-B01B-977CE5E3C093}"/>
               </a:ext>
             </a:extLst>
           </p:cNvPr>
@@ -13953,7 +13953,7 @@
           <p:cNvPr id="30" name="Freeform: Shape 29">
             <a:extLst>
               <a:ext uri="{FF2B5EF4-FFF2-40B4-BE49-F238E27FC236}">
-                <a16:creationId xmlns="" xmlns:a16="http://schemas.microsoft.com/office/drawing/2014/main" id="{6997A4FF-7390-4173-8ACD-6CF7145AACEC}"/>
+                <a16:creationId xmlns:a16="http://schemas.microsoft.com/office/drawing/2014/main" xmlns="" id="{6997A4FF-7390-4173-8ACD-6CF7145AACEC}"/>
               </a:ext>
             </a:extLst>
           </p:cNvPr>
@@ -14092,7 +14092,7 @@
           <p:cNvPr id="7" name="Rectangle 6">
             <a:extLst>
               <a:ext uri="{FF2B5EF4-FFF2-40B4-BE49-F238E27FC236}">
-                <a16:creationId xmlns="" xmlns:a16="http://schemas.microsoft.com/office/drawing/2014/main" id="{B2838D16-809E-4EB1-8C0C-0E63D8139112}"/>
+                <a16:creationId xmlns:a16="http://schemas.microsoft.com/office/drawing/2014/main" xmlns="" id="{B2838D16-809E-4EB1-8C0C-0E63D8139112}"/>
               </a:ext>
             </a:extLst>
           </p:cNvPr>
@@ -14144,7 +14144,7 @@
           <p:cNvPr id="8" name="Freeform: Shape 7">
             <a:extLst>
               <a:ext uri="{FF2B5EF4-FFF2-40B4-BE49-F238E27FC236}">
-                <a16:creationId xmlns="" xmlns:a16="http://schemas.microsoft.com/office/drawing/2014/main" id="{01FEB333-94B4-4E53-9019-D584810903BB}"/>
+                <a16:creationId xmlns:a16="http://schemas.microsoft.com/office/drawing/2014/main" xmlns="" id="{01FEB333-94B4-4E53-9019-D584810903BB}"/>
               </a:ext>
             </a:extLst>
           </p:cNvPr>
@@ -14265,7 +14265,7 @@
           <p:cNvPr id="9" name="Freeform: Shape 8">
             <a:extLst>
               <a:ext uri="{FF2B5EF4-FFF2-40B4-BE49-F238E27FC236}">
-                <a16:creationId xmlns="" xmlns:a16="http://schemas.microsoft.com/office/drawing/2014/main" id="{A59B9489-0CD9-4DB7-AC82-6E7867F91403}"/>
+                <a16:creationId xmlns:a16="http://schemas.microsoft.com/office/drawing/2014/main" xmlns="" id="{A59B9489-0CD9-4DB7-AC82-6E7867F91403}"/>
               </a:ext>
             </a:extLst>
           </p:cNvPr>
@@ -14405,7 +14405,7 @@
           <p:cNvPr id="10" name="Right Triangle 9">
             <a:extLst>
               <a:ext uri="{FF2B5EF4-FFF2-40B4-BE49-F238E27FC236}">
-                <a16:creationId xmlns="" xmlns:a16="http://schemas.microsoft.com/office/drawing/2014/main" id="{A55D1C76-C591-4FA5-9780-87AB6B37C0FA}"/>
+                <a16:creationId xmlns:a16="http://schemas.microsoft.com/office/drawing/2014/main" xmlns="" id="{A55D1C76-C591-4FA5-9780-87AB6B37C0FA}"/>
               </a:ext>
             </a:extLst>
           </p:cNvPr>
@@ -14459,7 +14459,7 @@
           <p:cNvPr id="11" name="Freeform: Shape 10">
             <a:extLst>
               <a:ext uri="{FF2B5EF4-FFF2-40B4-BE49-F238E27FC236}">
-                <a16:creationId xmlns="" xmlns:a16="http://schemas.microsoft.com/office/drawing/2014/main" id="{A7DC1D12-670F-4235-8791-FA8C2B330871}"/>
+                <a16:creationId xmlns:a16="http://schemas.microsoft.com/office/drawing/2014/main" xmlns="" id="{A7DC1D12-670F-4235-8791-FA8C2B330871}"/>
               </a:ext>
             </a:extLst>
           </p:cNvPr>
@@ -14605,7 +14605,7 @@
           <p:cNvPr id="12" name="Freeform: Shape 11">
             <a:extLst>
               <a:ext uri="{FF2B5EF4-FFF2-40B4-BE49-F238E27FC236}">
-                <a16:creationId xmlns="" xmlns:a16="http://schemas.microsoft.com/office/drawing/2014/main" id="{859569CF-FDAC-47C4-A0F5-296F7117C398}"/>
+                <a16:creationId xmlns:a16="http://schemas.microsoft.com/office/drawing/2014/main" xmlns="" id="{859569CF-FDAC-47C4-A0F5-296F7117C398}"/>
               </a:ext>
             </a:extLst>
           </p:cNvPr>
@@ -14705,7 +14705,7 @@
           <p:cNvPr id="13" name="Freeform: Shape 12">
             <a:extLst>
               <a:ext uri="{FF2B5EF4-FFF2-40B4-BE49-F238E27FC236}">
-                <a16:creationId xmlns="" xmlns:a16="http://schemas.microsoft.com/office/drawing/2014/main" id="{D68D0C72-2B2C-4C85-A091-157853C71784}"/>
+                <a16:creationId xmlns:a16="http://schemas.microsoft.com/office/drawing/2014/main" xmlns="" id="{D68D0C72-2B2C-4C85-A091-157853C71784}"/>
               </a:ext>
             </a:extLst>
           </p:cNvPr>
@@ -14813,7 +14813,7 @@
           <p:cNvPr id="14" name="Freeform: Shape 13">
             <a:extLst>
               <a:ext uri="{FF2B5EF4-FFF2-40B4-BE49-F238E27FC236}">
-                <a16:creationId xmlns="" xmlns:a16="http://schemas.microsoft.com/office/drawing/2014/main" id="{8E25334A-5FE3-4DDA-8D32-4796CCFCAA74}"/>
+                <a16:creationId xmlns:a16="http://schemas.microsoft.com/office/drawing/2014/main" xmlns="" id="{8E25334A-5FE3-4DDA-8D32-4796CCFCAA74}"/>
               </a:ext>
             </a:extLst>
           </p:cNvPr>
@@ -14905,7 +14905,7 @@
           <p:cNvPr id="15" name="Freeform: Shape 14">
             <a:extLst>
               <a:ext uri="{FF2B5EF4-FFF2-40B4-BE49-F238E27FC236}">
-                <a16:creationId xmlns="" xmlns:a16="http://schemas.microsoft.com/office/drawing/2014/main" id="{18818DF1-D7FD-4C0F-875D-7A07E8F75C06}"/>
+                <a16:creationId xmlns:a16="http://schemas.microsoft.com/office/drawing/2014/main" xmlns="" id="{18818DF1-D7FD-4C0F-875D-7A07E8F75C06}"/>
               </a:ext>
             </a:extLst>
           </p:cNvPr>
@@ -15005,7 +15005,7 @@
           <p:cNvPr id="16" name="Group 15">
             <a:extLst>
               <a:ext uri="{FF2B5EF4-FFF2-40B4-BE49-F238E27FC236}">
-                <a16:creationId xmlns="" xmlns:a16="http://schemas.microsoft.com/office/drawing/2014/main" id="{8F9BB384-9E14-4CEA-82C1-21837229D3EF}"/>
+                <a16:creationId xmlns:a16="http://schemas.microsoft.com/office/drawing/2014/main" xmlns="" id="{8F9BB384-9E14-4CEA-82C1-21837229D3EF}"/>
               </a:ext>
             </a:extLst>
           </p:cNvPr>
@@ -15025,7 +15025,7 @@
             <p:cNvPr id="17" name="Freeform: Shape 16">
               <a:extLst>
                 <a:ext uri="{FF2B5EF4-FFF2-40B4-BE49-F238E27FC236}">
-                  <a16:creationId xmlns="" xmlns:a16="http://schemas.microsoft.com/office/drawing/2014/main" id="{0862A81A-959D-4EAB-90ED-DB20759BB397}"/>
+                  <a16:creationId xmlns:a16="http://schemas.microsoft.com/office/drawing/2014/main" xmlns="" id="{0862A81A-959D-4EAB-90ED-DB20759BB397}"/>
                 </a:ext>
               </a:extLst>
             </p:cNvPr>
@@ -15115,7 +15115,7 @@
             <p:cNvPr id="18" name="Freeform: Shape 17">
               <a:extLst>
                 <a:ext uri="{FF2B5EF4-FFF2-40B4-BE49-F238E27FC236}">
-                  <a16:creationId xmlns="" xmlns:a16="http://schemas.microsoft.com/office/drawing/2014/main" id="{AAB9E28C-9422-42BD-AECE-29B44B5D63E2}"/>
+                  <a16:creationId xmlns:a16="http://schemas.microsoft.com/office/drawing/2014/main" xmlns="" id="{AAB9E28C-9422-42BD-AECE-29B44B5D63E2}"/>
                 </a:ext>
               </a:extLst>
             </p:cNvPr>
@@ -15214,7 +15214,7 @@
           <p:cNvPr id="19" name="Group 18">
             <a:extLst>
               <a:ext uri="{FF2B5EF4-FFF2-40B4-BE49-F238E27FC236}">
-                <a16:creationId xmlns="" xmlns:a16="http://schemas.microsoft.com/office/drawing/2014/main" id="{2772239B-C46D-4458-BB4B-DDB12FAB0172}"/>
+                <a16:creationId xmlns:a16="http://schemas.microsoft.com/office/drawing/2014/main" xmlns="" id="{2772239B-C46D-4458-BB4B-DDB12FAB0172}"/>
               </a:ext>
             </a:extLst>
           </p:cNvPr>
@@ -15234,7 +15234,7 @@
             <p:cNvPr id="20" name="Freeform: Shape 19">
               <a:extLst>
                 <a:ext uri="{FF2B5EF4-FFF2-40B4-BE49-F238E27FC236}">
-                  <a16:creationId xmlns="" xmlns:a16="http://schemas.microsoft.com/office/drawing/2014/main" id="{3C8A2A1A-1FB9-4CA1-B74E-B293187E51AA}"/>
+                  <a16:creationId xmlns:a16="http://schemas.microsoft.com/office/drawing/2014/main" xmlns="" id="{3C8A2A1A-1FB9-4CA1-B74E-B293187E51AA}"/>
                 </a:ext>
               </a:extLst>
             </p:cNvPr>
@@ -15324,7 +15324,7 @@
             <p:cNvPr id="21" name="Freeform: Shape 20">
               <a:extLst>
                 <a:ext uri="{FF2B5EF4-FFF2-40B4-BE49-F238E27FC236}">
-                  <a16:creationId xmlns="" xmlns:a16="http://schemas.microsoft.com/office/drawing/2014/main" id="{DF2B18BA-6B43-40FA-A23B-D894D6AB468B}"/>
+                  <a16:creationId xmlns:a16="http://schemas.microsoft.com/office/drawing/2014/main" xmlns="" id="{DF2B18BA-6B43-40FA-A23B-D894D6AB468B}"/>
                 </a:ext>
               </a:extLst>
             </p:cNvPr>
@@ -15423,7 +15423,7 @@
           <p:cNvPr id="3" name="Text Placeholder 2">
             <a:extLst>
               <a:ext uri="{FF2B5EF4-FFF2-40B4-BE49-F238E27FC236}">
-                <a16:creationId xmlns="" xmlns:a16="http://schemas.microsoft.com/office/drawing/2014/main" id="{5E194264-A3F5-42E2-9A63-DCCED0457E1B}"/>
+                <a16:creationId xmlns:a16="http://schemas.microsoft.com/office/drawing/2014/main" xmlns="" id="{5E194264-A3F5-42E2-9A63-DCCED0457E1B}"/>
               </a:ext>
             </a:extLst>
           </p:cNvPr>
@@ -15473,7 +15473,7 @@
           <p:cNvPr id="22" name="Slide Number Placeholder 4">
             <a:extLst>
               <a:ext uri="{FF2B5EF4-FFF2-40B4-BE49-F238E27FC236}">
-                <a16:creationId xmlns="" xmlns:a16="http://schemas.microsoft.com/office/drawing/2014/main" id="{0F332671-6296-47C8-BF26-B2D962F5D03D}"/>
+                <a16:creationId xmlns:a16="http://schemas.microsoft.com/office/drawing/2014/main" xmlns="" id="{0F332671-6296-47C8-BF26-B2D962F5D03D}"/>
               </a:ext>
             </a:extLst>
           </p:cNvPr>
@@ -15517,7 +15517,7 @@
           <p:cNvPr id="23" name="Title 1">
             <a:extLst>
               <a:ext uri="{FF2B5EF4-FFF2-40B4-BE49-F238E27FC236}">
-                <a16:creationId xmlns="" xmlns:a16="http://schemas.microsoft.com/office/drawing/2014/main" id="{7772A652-7229-2B42-B87B-298C31D6F0CB}"/>
+                <a16:creationId xmlns:a16="http://schemas.microsoft.com/office/drawing/2014/main" xmlns="" id="{7772A652-7229-2B42-B87B-298C31D6F0CB}"/>
               </a:ext>
             </a:extLst>
           </p:cNvPr>
@@ -15592,7 +15592,7 @@
           <p:cNvPr id="22" name="Rectangle 21">
             <a:extLst>
               <a:ext uri="{FF2B5EF4-FFF2-40B4-BE49-F238E27FC236}">
-                <a16:creationId xmlns="" xmlns:a16="http://schemas.microsoft.com/office/drawing/2014/main" id="{2CDBB6E5-B91E-4946-9390-E8693855103A}"/>
+                <a16:creationId xmlns:a16="http://schemas.microsoft.com/office/drawing/2014/main" xmlns="" id="{2CDBB6E5-B91E-4946-9390-E8693855103A}"/>
               </a:ext>
             </a:extLst>
           </p:cNvPr>
@@ -15646,7 +15646,7 @@
           <p:cNvPr id="34" name="Freeform: Shape 33">
             <a:extLst>
               <a:ext uri="{FF2B5EF4-FFF2-40B4-BE49-F238E27FC236}">
-                <a16:creationId xmlns="" xmlns:a16="http://schemas.microsoft.com/office/drawing/2014/main" id="{0C3CC1C9-1FA0-4FE4-8984-4A8B3728D674}"/>
+                <a16:creationId xmlns:a16="http://schemas.microsoft.com/office/drawing/2014/main" xmlns="" id="{0C3CC1C9-1FA0-4FE4-8984-4A8B3728D674}"/>
               </a:ext>
             </a:extLst>
           </p:cNvPr>
@@ -15791,7 +15791,7 @@
           <p:cNvPr id="24" name="Freeform: Shape 23">
             <a:extLst>
               <a:ext uri="{FF2B5EF4-FFF2-40B4-BE49-F238E27FC236}">
-                <a16:creationId xmlns="" xmlns:a16="http://schemas.microsoft.com/office/drawing/2014/main" id="{8E049265-431E-48DE-B7F7-4959930171DC}"/>
+                <a16:creationId xmlns:a16="http://schemas.microsoft.com/office/drawing/2014/main" xmlns="" id="{8E049265-431E-48DE-B7F7-4959930171DC}"/>
               </a:ext>
             </a:extLst>
           </p:cNvPr>
@@ -15931,7 +15931,7 @@
           <p:cNvPr id="25" name="Freeform: Shape 24">
             <a:extLst>
               <a:ext uri="{FF2B5EF4-FFF2-40B4-BE49-F238E27FC236}">
-                <a16:creationId xmlns="" xmlns:a16="http://schemas.microsoft.com/office/drawing/2014/main" id="{173E5F2D-1F8E-4DCC-857F-932C6C6539BB}"/>
+                <a16:creationId xmlns:a16="http://schemas.microsoft.com/office/drawing/2014/main" xmlns="" id="{173E5F2D-1F8E-4DCC-857F-932C6C6539BB}"/>
               </a:ext>
             </a:extLst>
           </p:cNvPr>
@@ -16077,7 +16077,7 @@
           <p:cNvPr id="26" name="Group 25">
             <a:extLst>
               <a:ext uri="{FF2B5EF4-FFF2-40B4-BE49-F238E27FC236}">
-                <a16:creationId xmlns="" xmlns:a16="http://schemas.microsoft.com/office/drawing/2014/main" id="{E9318B2B-E019-4078-9EF0-C9D6281AE31B}"/>
+                <a16:creationId xmlns:a16="http://schemas.microsoft.com/office/drawing/2014/main" xmlns="" id="{E9318B2B-E019-4078-9EF0-C9D6281AE31B}"/>
               </a:ext>
             </a:extLst>
           </p:cNvPr>
@@ -16097,7 +16097,7 @@
             <p:cNvPr id="27" name="Freeform: Shape 26">
               <a:extLst>
                 <a:ext uri="{FF2B5EF4-FFF2-40B4-BE49-F238E27FC236}">
-                  <a16:creationId xmlns="" xmlns:a16="http://schemas.microsoft.com/office/drawing/2014/main" id="{D3E625C0-9656-421F-861F-67C8F93362ED}"/>
+                  <a16:creationId xmlns:a16="http://schemas.microsoft.com/office/drawing/2014/main" xmlns="" id="{D3E625C0-9656-421F-861F-67C8F93362ED}"/>
                 </a:ext>
               </a:extLst>
             </p:cNvPr>
@@ -16197,7 +16197,7 @@
             <p:cNvPr id="28" name="Freeform: Shape 27">
               <a:extLst>
                 <a:ext uri="{FF2B5EF4-FFF2-40B4-BE49-F238E27FC236}">
-                  <a16:creationId xmlns="" xmlns:a16="http://schemas.microsoft.com/office/drawing/2014/main" id="{49F8E490-C6E3-4D00-866F-CD85DD88996E}"/>
+                  <a16:creationId xmlns:a16="http://schemas.microsoft.com/office/drawing/2014/main" xmlns="" id="{49F8E490-C6E3-4D00-866F-CD85DD88996E}"/>
                 </a:ext>
               </a:extLst>
             </p:cNvPr>
@@ -16306,7 +16306,7 @@
           <p:cNvPr id="29" name="Freeform: Shape 28">
             <a:extLst>
               <a:ext uri="{FF2B5EF4-FFF2-40B4-BE49-F238E27FC236}">
-                <a16:creationId xmlns="" xmlns:a16="http://schemas.microsoft.com/office/drawing/2014/main" id="{EE8F5B31-1523-46AE-9455-C33DFC1BDDE0}"/>
+                <a16:creationId xmlns:a16="http://schemas.microsoft.com/office/drawing/2014/main" xmlns="" id="{EE8F5B31-1523-46AE-9455-C33DFC1BDDE0}"/>
               </a:ext>
             </a:extLst>
           </p:cNvPr>
@@ -16398,7 +16398,7 @@
           <p:cNvPr id="30" name="Freeform: Shape 29">
             <a:extLst>
               <a:ext uri="{FF2B5EF4-FFF2-40B4-BE49-F238E27FC236}">
-                <a16:creationId xmlns="" xmlns:a16="http://schemas.microsoft.com/office/drawing/2014/main" id="{5D17048F-C2E1-4775-BC32-50BD6219F89D}"/>
+                <a16:creationId xmlns:a16="http://schemas.microsoft.com/office/drawing/2014/main" xmlns="" id="{5D17048F-C2E1-4775-BC32-50BD6219F89D}"/>
               </a:ext>
             </a:extLst>
           </p:cNvPr>
@@ -16498,7 +16498,7 @@
           <p:cNvPr id="31" name="Group 30">
             <a:extLst>
               <a:ext uri="{FF2B5EF4-FFF2-40B4-BE49-F238E27FC236}">
-                <a16:creationId xmlns="" xmlns:a16="http://schemas.microsoft.com/office/drawing/2014/main" id="{EAB002AA-4848-49C8-A834-036F860C79A3}"/>
+                <a16:creationId xmlns:a16="http://schemas.microsoft.com/office/drawing/2014/main" xmlns="" id="{EAB002AA-4848-49C8-A834-036F860C79A3}"/>
               </a:ext>
             </a:extLst>
           </p:cNvPr>
@@ -16518,7 +16518,7 @@
             <p:cNvPr id="32" name="Freeform: Shape 31">
               <a:extLst>
                 <a:ext uri="{FF2B5EF4-FFF2-40B4-BE49-F238E27FC236}">
-                  <a16:creationId xmlns="" xmlns:a16="http://schemas.microsoft.com/office/drawing/2014/main" id="{14B187A8-7F8D-469D-A03B-4F835A5746DE}"/>
+                  <a16:creationId xmlns:a16="http://schemas.microsoft.com/office/drawing/2014/main" xmlns="" id="{14B187A8-7F8D-469D-A03B-4F835A5746DE}"/>
                 </a:ext>
               </a:extLst>
             </p:cNvPr>
@@ -16608,7 +16608,7 @@
             <p:cNvPr id="33" name="Freeform: Shape 32">
               <a:extLst>
                 <a:ext uri="{FF2B5EF4-FFF2-40B4-BE49-F238E27FC236}">
-                  <a16:creationId xmlns="" xmlns:a16="http://schemas.microsoft.com/office/drawing/2014/main" id="{03D871D1-A11A-48FB-82A8-8D61AB5CB85C}"/>
+                  <a16:creationId xmlns:a16="http://schemas.microsoft.com/office/drawing/2014/main" xmlns="" id="{03D871D1-A11A-48FB-82A8-8D61AB5CB85C}"/>
                 </a:ext>
               </a:extLst>
             </p:cNvPr>
@@ -16707,7 +16707,7 @@
           <p:cNvPr id="2" name="Title 1">
             <a:extLst>
               <a:ext uri="{FF2B5EF4-FFF2-40B4-BE49-F238E27FC236}">
-                <a16:creationId xmlns="" xmlns:a16="http://schemas.microsoft.com/office/drawing/2014/main" id="{42374B20-3E42-44AF-BEF1-8AB33067395C}"/>
+                <a16:creationId xmlns:a16="http://schemas.microsoft.com/office/drawing/2014/main" xmlns="" id="{42374B20-3E42-44AF-BEF1-8AB33067395C}"/>
               </a:ext>
             </a:extLst>
           </p:cNvPr>
@@ -16752,7 +16752,7 @@
           <p:cNvPr id="3" name="Text Placeholder 2">
             <a:extLst>
               <a:ext uri="{FF2B5EF4-FFF2-40B4-BE49-F238E27FC236}">
-                <a16:creationId xmlns="" xmlns:a16="http://schemas.microsoft.com/office/drawing/2014/main" id="{5E194264-A3F5-42E2-9A63-DCCED0457E1B}"/>
+                <a16:creationId xmlns:a16="http://schemas.microsoft.com/office/drawing/2014/main" xmlns="" id="{5E194264-A3F5-42E2-9A63-DCCED0457E1B}"/>
               </a:ext>
             </a:extLst>
           </p:cNvPr>
@@ -16802,7 +16802,7 @@
           <p:cNvPr id="35" name="Slide Number Placeholder 4">
             <a:extLst>
               <a:ext uri="{FF2B5EF4-FFF2-40B4-BE49-F238E27FC236}">
-                <a16:creationId xmlns="" xmlns:a16="http://schemas.microsoft.com/office/drawing/2014/main" id="{6F73F836-940E-4B65-A29C-D0869263C935}"/>
+                <a16:creationId xmlns:a16="http://schemas.microsoft.com/office/drawing/2014/main" xmlns="" id="{6F73F836-940E-4B65-A29C-D0869263C935}"/>
               </a:ext>
             </a:extLst>
           </p:cNvPr>
@@ -16876,7 +16876,7 @@
           <p:cNvPr id="22" name="Rectangle 21">
             <a:extLst>
               <a:ext uri="{FF2B5EF4-FFF2-40B4-BE49-F238E27FC236}">
-                <a16:creationId xmlns="" xmlns:a16="http://schemas.microsoft.com/office/drawing/2014/main" id="{2CDBB6E5-B91E-4946-9390-E8693855103A}"/>
+                <a16:creationId xmlns:a16="http://schemas.microsoft.com/office/drawing/2014/main" xmlns="" id="{2CDBB6E5-B91E-4946-9390-E8693855103A}"/>
               </a:ext>
             </a:extLst>
           </p:cNvPr>
@@ -16930,7 +16930,7 @@
           <p:cNvPr id="34" name="Freeform: Shape 33">
             <a:extLst>
               <a:ext uri="{FF2B5EF4-FFF2-40B4-BE49-F238E27FC236}">
-                <a16:creationId xmlns="" xmlns:a16="http://schemas.microsoft.com/office/drawing/2014/main" id="{0C3CC1C9-1FA0-4FE4-8984-4A8B3728D674}"/>
+                <a16:creationId xmlns:a16="http://schemas.microsoft.com/office/drawing/2014/main" xmlns="" id="{0C3CC1C9-1FA0-4FE4-8984-4A8B3728D674}"/>
               </a:ext>
             </a:extLst>
           </p:cNvPr>
@@ -17075,7 +17075,7 @@
           <p:cNvPr id="24" name="Freeform: Shape 23">
             <a:extLst>
               <a:ext uri="{FF2B5EF4-FFF2-40B4-BE49-F238E27FC236}">
-                <a16:creationId xmlns="" xmlns:a16="http://schemas.microsoft.com/office/drawing/2014/main" id="{8E049265-431E-48DE-B7F7-4959930171DC}"/>
+                <a16:creationId xmlns:a16="http://schemas.microsoft.com/office/drawing/2014/main" xmlns="" id="{8E049265-431E-48DE-B7F7-4959930171DC}"/>
               </a:ext>
             </a:extLst>
           </p:cNvPr>
@@ -17215,7 +17215,7 @@
           <p:cNvPr id="25" name="Freeform: Shape 24">
             <a:extLst>
               <a:ext uri="{FF2B5EF4-FFF2-40B4-BE49-F238E27FC236}">
-                <a16:creationId xmlns="" xmlns:a16="http://schemas.microsoft.com/office/drawing/2014/main" id="{173E5F2D-1F8E-4DCC-857F-932C6C6539BB}"/>
+                <a16:creationId xmlns:a16="http://schemas.microsoft.com/office/drawing/2014/main" xmlns="" id="{173E5F2D-1F8E-4DCC-857F-932C6C6539BB}"/>
               </a:ext>
             </a:extLst>
           </p:cNvPr>
@@ -17361,7 +17361,7 @@
           <p:cNvPr id="4" name="Oval 3">
             <a:extLst>
               <a:ext uri="{FF2B5EF4-FFF2-40B4-BE49-F238E27FC236}">
-                <a16:creationId xmlns="" xmlns:a16="http://schemas.microsoft.com/office/drawing/2014/main" id="{ECB4C115-EFF9-405C-98BE-F4077B9730D0}"/>
+                <a16:creationId xmlns:a16="http://schemas.microsoft.com/office/drawing/2014/main" xmlns="" id="{ECB4C115-EFF9-405C-98BE-F4077B9730D0}"/>
               </a:ext>
             </a:extLst>
           </p:cNvPr>
@@ -17419,7 +17419,7 @@
           <p:cNvPr id="18" name="Title 1">
             <a:extLst>
               <a:ext uri="{FF2B5EF4-FFF2-40B4-BE49-F238E27FC236}">
-                <a16:creationId xmlns="" xmlns:a16="http://schemas.microsoft.com/office/drawing/2014/main" id="{C9A300DD-BB54-44ED-A7E4-01CD41EC930F}"/>
+                <a16:creationId xmlns:a16="http://schemas.microsoft.com/office/drawing/2014/main" xmlns="" id="{C9A300DD-BB54-44ED-A7E4-01CD41EC930F}"/>
               </a:ext>
             </a:extLst>
           </p:cNvPr>
@@ -17482,7 +17482,7 @@
           <p:cNvPr id="2" name="Title 1">
             <a:extLst>
               <a:ext uri="{FF2B5EF4-FFF2-40B4-BE49-F238E27FC236}">
-                <a16:creationId xmlns="" xmlns:a16="http://schemas.microsoft.com/office/drawing/2014/main" id="{42374B20-3E42-44AF-BEF1-8AB33067395C}"/>
+                <a16:creationId xmlns:a16="http://schemas.microsoft.com/office/drawing/2014/main" xmlns="" id="{42374B20-3E42-44AF-BEF1-8AB33067395C}"/>
               </a:ext>
             </a:extLst>
           </p:cNvPr>
@@ -17530,7 +17530,7 @@
           <p:cNvPr id="19" name="Slide Number Placeholder 4">
             <a:extLst>
               <a:ext uri="{FF2B5EF4-FFF2-40B4-BE49-F238E27FC236}">
-                <a16:creationId xmlns="" xmlns:a16="http://schemas.microsoft.com/office/drawing/2014/main" id="{A4E6C1FF-5925-42B3-B7F9-0A0031BDAD30}"/>
+                <a16:creationId xmlns:a16="http://schemas.microsoft.com/office/drawing/2014/main" xmlns="" id="{A4E6C1FF-5925-42B3-B7F9-0A0031BDAD30}"/>
               </a:ext>
             </a:extLst>
           </p:cNvPr>
@@ -17612,7 +17612,7 @@
           <p:cNvPr id="11" name="Rectangle 10">
             <a:extLst>
               <a:ext uri="{FF2B5EF4-FFF2-40B4-BE49-F238E27FC236}">
-                <a16:creationId xmlns="" xmlns:a16="http://schemas.microsoft.com/office/drawing/2014/main" id="{EB3E033F-4449-40FA-BC85-BD2712D313DD}"/>
+                <a16:creationId xmlns:a16="http://schemas.microsoft.com/office/drawing/2014/main" xmlns="" id="{EB3E033F-4449-40FA-BC85-BD2712D313DD}"/>
               </a:ext>
             </a:extLst>
           </p:cNvPr>
@@ -17666,7 +17666,7 @@
           <p:cNvPr id="10" name="Freeform: Shape 9">
             <a:extLst>
               <a:ext uri="{FF2B5EF4-FFF2-40B4-BE49-F238E27FC236}">
-                <a16:creationId xmlns="" xmlns:a16="http://schemas.microsoft.com/office/drawing/2014/main" id="{63D26743-0505-444C-80B3-E88EE87DF72B}"/>
+                <a16:creationId xmlns:a16="http://schemas.microsoft.com/office/drawing/2014/main" xmlns="" id="{63D26743-0505-444C-80B3-E88EE87DF72B}"/>
               </a:ext>
             </a:extLst>
           </p:cNvPr>
@@ -17789,7 +17789,7 @@
           <p:cNvPr id="8" name="Freeform: Shape 7">
             <a:extLst>
               <a:ext uri="{FF2B5EF4-FFF2-40B4-BE49-F238E27FC236}">
-                <a16:creationId xmlns="" xmlns:a16="http://schemas.microsoft.com/office/drawing/2014/main" id="{1599AF7E-3E34-4597-AA72-9373A7FDB020}"/>
+                <a16:creationId xmlns:a16="http://schemas.microsoft.com/office/drawing/2014/main" xmlns="" id="{1599AF7E-3E34-4597-AA72-9373A7FDB020}"/>
               </a:ext>
             </a:extLst>
           </p:cNvPr>
@@ -17935,7 +17935,7 @@
           <p:cNvPr id="2" name="Title 1">
             <a:extLst>
               <a:ext uri="{FF2B5EF4-FFF2-40B4-BE49-F238E27FC236}">
-                <a16:creationId xmlns="" xmlns:a16="http://schemas.microsoft.com/office/drawing/2014/main" id="{4A2DF563-7FAC-46B3-B24C-7E45CD89DA2B}"/>
+                <a16:creationId xmlns:a16="http://schemas.microsoft.com/office/drawing/2014/main" xmlns="" id="{4A2DF563-7FAC-46B3-B24C-7E45CD89DA2B}"/>
               </a:ext>
             </a:extLst>
           </p:cNvPr>
@@ -17980,7 +17980,7 @@
           <p:cNvPr id="5" name="Slide Number Placeholder 4">
             <a:extLst>
               <a:ext uri="{FF2B5EF4-FFF2-40B4-BE49-F238E27FC236}">
-                <a16:creationId xmlns="" xmlns:a16="http://schemas.microsoft.com/office/drawing/2014/main" id="{87B51822-97FF-47A7-8E4E-A0F79B4EB237}"/>
+                <a16:creationId xmlns:a16="http://schemas.microsoft.com/office/drawing/2014/main" xmlns="" id="{87B51822-97FF-47A7-8E4E-A0F79B4EB237}"/>
               </a:ext>
             </a:extLst>
           </p:cNvPr>
@@ -18024,7 +18024,7 @@
           <p:cNvPr id="15" name="Group 14">
             <a:extLst>
               <a:ext uri="{FF2B5EF4-FFF2-40B4-BE49-F238E27FC236}">
-                <a16:creationId xmlns="" xmlns:a16="http://schemas.microsoft.com/office/drawing/2014/main" id="{7732E1E7-45E3-4264-8F26-66758696DD1E}"/>
+                <a16:creationId xmlns:a16="http://schemas.microsoft.com/office/drawing/2014/main" xmlns="" id="{7732E1E7-45E3-4264-8F26-66758696DD1E}"/>
               </a:ext>
             </a:extLst>
           </p:cNvPr>
@@ -18044,7 +18044,7 @@
             <p:cNvPr id="16" name="Freeform: Shape 15">
               <a:extLst>
                 <a:ext uri="{FF2B5EF4-FFF2-40B4-BE49-F238E27FC236}">
-                  <a16:creationId xmlns="" xmlns:a16="http://schemas.microsoft.com/office/drawing/2014/main" id="{2E3DF883-8093-49FA-81E1-E5D77F086A25}"/>
+                  <a16:creationId xmlns:a16="http://schemas.microsoft.com/office/drawing/2014/main" xmlns="" id="{2E3DF883-8093-49FA-81E1-E5D77F086A25}"/>
                 </a:ext>
               </a:extLst>
             </p:cNvPr>
@@ -18134,7 +18134,7 @@
             <p:cNvPr id="17" name="Freeform: Shape 16">
               <a:extLst>
                 <a:ext uri="{FF2B5EF4-FFF2-40B4-BE49-F238E27FC236}">
-                  <a16:creationId xmlns="" xmlns:a16="http://schemas.microsoft.com/office/drawing/2014/main" id="{18944C90-37E5-4BBE-89FF-060627168050}"/>
+                  <a16:creationId xmlns:a16="http://schemas.microsoft.com/office/drawing/2014/main" xmlns="" id="{18944C90-37E5-4BBE-89FF-060627168050}"/>
                 </a:ext>
               </a:extLst>
             </p:cNvPr>
@@ -18233,7 +18233,7 @@
           <p:cNvPr id="23" name="Text Placeholder 22">
             <a:extLst>
               <a:ext uri="{FF2B5EF4-FFF2-40B4-BE49-F238E27FC236}">
-                <a16:creationId xmlns="" xmlns:a16="http://schemas.microsoft.com/office/drawing/2014/main" id="{03618670-D1E4-466C-BDB5-FC890AC31457}"/>
+                <a16:creationId xmlns:a16="http://schemas.microsoft.com/office/drawing/2014/main" xmlns="" id="{03618670-D1E4-466C-BDB5-FC890AC31457}"/>
               </a:ext>
             </a:extLst>
           </p:cNvPr>
@@ -18394,7 +18394,7 @@
           <p:cNvPr id="11" name="Rectangle 10">
             <a:extLst>
               <a:ext uri="{FF2B5EF4-FFF2-40B4-BE49-F238E27FC236}">
-                <a16:creationId xmlns="" xmlns:a16="http://schemas.microsoft.com/office/drawing/2014/main" id="{EB3E033F-4449-40FA-BC85-BD2712D313DD}"/>
+                <a16:creationId xmlns:a16="http://schemas.microsoft.com/office/drawing/2014/main" xmlns="" id="{EB3E033F-4449-40FA-BC85-BD2712D313DD}"/>
               </a:ext>
             </a:extLst>
           </p:cNvPr>
@@ -18448,7 +18448,7 @@
           <p:cNvPr id="10" name="Freeform: Shape 9">
             <a:extLst>
               <a:ext uri="{FF2B5EF4-FFF2-40B4-BE49-F238E27FC236}">
-                <a16:creationId xmlns="" xmlns:a16="http://schemas.microsoft.com/office/drawing/2014/main" id="{63D26743-0505-444C-80B3-E88EE87DF72B}"/>
+                <a16:creationId xmlns:a16="http://schemas.microsoft.com/office/drawing/2014/main" xmlns="" id="{63D26743-0505-444C-80B3-E88EE87DF72B}"/>
               </a:ext>
             </a:extLst>
           </p:cNvPr>
@@ -18571,7 +18571,7 @@
           <p:cNvPr id="18" name="Freeform: Shape 17">
             <a:extLst>
               <a:ext uri="{FF2B5EF4-FFF2-40B4-BE49-F238E27FC236}">
-                <a16:creationId xmlns="" xmlns:a16="http://schemas.microsoft.com/office/drawing/2014/main" id="{E37145E9-AC61-47D5-9288-8789940F81B6}"/>
+                <a16:creationId xmlns:a16="http://schemas.microsoft.com/office/drawing/2014/main" xmlns="" id="{E37145E9-AC61-47D5-9288-8789940F81B6}"/>
               </a:ext>
             </a:extLst>
           </p:cNvPr>
@@ -18723,7 +18723,7 @@
           <p:cNvPr id="12" name="Freeform: Shape 11">
             <a:extLst>
               <a:ext uri="{FF2B5EF4-FFF2-40B4-BE49-F238E27FC236}">
-                <a16:creationId xmlns="" xmlns:a16="http://schemas.microsoft.com/office/drawing/2014/main" id="{A5E2B3ED-9A49-40A7-B8A3-62595FE513F9}"/>
+                <a16:creationId xmlns:a16="http://schemas.microsoft.com/office/drawing/2014/main" xmlns="" id="{A5E2B3ED-9A49-40A7-B8A3-62595FE513F9}"/>
               </a:ext>
             </a:extLst>
           </p:cNvPr>
@@ -18873,7 +18873,7 @@
           <p:cNvPr id="8" name="Freeform: Shape 7">
             <a:extLst>
               <a:ext uri="{FF2B5EF4-FFF2-40B4-BE49-F238E27FC236}">
-                <a16:creationId xmlns="" xmlns:a16="http://schemas.microsoft.com/office/drawing/2014/main" id="{1599AF7E-3E34-4597-AA72-9373A7FDB020}"/>
+                <a16:creationId xmlns:a16="http://schemas.microsoft.com/office/drawing/2014/main" xmlns="" id="{1599AF7E-3E34-4597-AA72-9373A7FDB020}"/>
               </a:ext>
             </a:extLst>
           </p:cNvPr>
@@ -19019,7 +19019,7 @@
           <p:cNvPr id="2" name="Title 1">
             <a:extLst>
               <a:ext uri="{FF2B5EF4-FFF2-40B4-BE49-F238E27FC236}">
-                <a16:creationId xmlns="" xmlns:a16="http://schemas.microsoft.com/office/drawing/2014/main" id="{4A2DF563-7FAC-46B3-B24C-7E45CD89DA2B}"/>
+                <a16:creationId xmlns:a16="http://schemas.microsoft.com/office/drawing/2014/main" xmlns="" id="{4A2DF563-7FAC-46B3-B24C-7E45CD89DA2B}"/>
               </a:ext>
             </a:extLst>
           </p:cNvPr>
@@ -19064,7 +19064,7 @@
           <p:cNvPr id="15" name="Group 14">
             <a:extLst>
               <a:ext uri="{FF2B5EF4-FFF2-40B4-BE49-F238E27FC236}">
-                <a16:creationId xmlns="" xmlns:a16="http://schemas.microsoft.com/office/drawing/2014/main" id="{7732E1E7-45E3-4264-8F26-66758696DD1E}"/>
+                <a16:creationId xmlns:a16="http://schemas.microsoft.com/office/drawing/2014/main" xmlns="" id="{7732E1E7-45E3-4264-8F26-66758696DD1E}"/>
               </a:ext>
             </a:extLst>
           </p:cNvPr>
@@ -19084,7 +19084,7 @@
             <p:cNvPr id="16" name="Freeform: Shape 15">
               <a:extLst>
                 <a:ext uri="{FF2B5EF4-FFF2-40B4-BE49-F238E27FC236}">
-                  <a16:creationId xmlns="" xmlns:a16="http://schemas.microsoft.com/office/drawing/2014/main" id="{2E3DF883-8093-49FA-81E1-E5D77F086A25}"/>
+                  <a16:creationId xmlns:a16="http://schemas.microsoft.com/office/drawing/2014/main" xmlns="" id="{2E3DF883-8093-49FA-81E1-E5D77F086A25}"/>
                 </a:ext>
               </a:extLst>
             </p:cNvPr>
@@ -19174,7 +19174,7 @@
             <p:cNvPr id="17" name="Freeform: Shape 16">
               <a:extLst>
                 <a:ext uri="{FF2B5EF4-FFF2-40B4-BE49-F238E27FC236}">
-                  <a16:creationId xmlns="" xmlns:a16="http://schemas.microsoft.com/office/drawing/2014/main" id="{18944C90-37E5-4BBE-89FF-060627168050}"/>
+                  <a16:creationId xmlns:a16="http://schemas.microsoft.com/office/drawing/2014/main" xmlns="" id="{18944C90-37E5-4BBE-89FF-060627168050}"/>
                 </a:ext>
               </a:extLst>
             </p:cNvPr>
@@ -19273,7 +19273,7 @@
           <p:cNvPr id="6" name="Group 5">
             <a:extLst>
               <a:ext uri="{FF2B5EF4-FFF2-40B4-BE49-F238E27FC236}">
-                <a16:creationId xmlns="" xmlns:a16="http://schemas.microsoft.com/office/drawing/2014/main" id="{D9EBF8BB-A805-4DDB-B459-082F99815B95}"/>
+                <a16:creationId xmlns:a16="http://schemas.microsoft.com/office/drawing/2014/main" xmlns="" id="{D9EBF8BB-A805-4DDB-B459-082F99815B95}"/>
               </a:ext>
             </a:extLst>
           </p:cNvPr>
@@ -19293,7 +19293,7 @@
             <p:cNvPr id="19" name="Rectangle: Single Corner Snipped 18">
               <a:extLst>
                 <a:ext uri="{FF2B5EF4-FFF2-40B4-BE49-F238E27FC236}">
-                  <a16:creationId xmlns="" xmlns:a16="http://schemas.microsoft.com/office/drawing/2014/main" id="{5D638788-DD47-45E7-939A-FA108A818173}"/>
+                  <a16:creationId xmlns:a16="http://schemas.microsoft.com/office/drawing/2014/main" xmlns="" id="{5D638788-DD47-45E7-939A-FA108A818173}"/>
                 </a:ext>
               </a:extLst>
             </p:cNvPr>
@@ -19359,7 +19359,7 @@
             <p:cNvPr id="3" name="Rectangle: Single Corner Snipped 2">
               <a:extLst>
                 <a:ext uri="{FF2B5EF4-FFF2-40B4-BE49-F238E27FC236}">
-                  <a16:creationId xmlns="" xmlns:a16="http://schemas.microsoft.com/office/drawing/2014/main" id="{74BDECEF-EEFE-4332-B3B2-BDE4F82C10FC}"/>
+                  <a16:creationId xmlns:a16="http://schemas.microsoft.com/office/drawing/2014/main" xmlns="" id="{74BDECEF-EEFE-4332-B3B2-BDE4F82C10FC}"/>
                 </a:ext>
               </a:extLst>
             </p:cNvPr>
@@ -19416,7 +19416,7 @@
           <p:cNvPr id="24" name="Freeform: Shape 23">
             <a:extLst>
               <a:ext uri="{FF2B5EF4-FFF2-40B4-BE49-F238E27FC236}">
-                <a16:creationId xmlns="" xmlns:a16="http://schemas.microsoft.com/office/drawing/2014/main" id="{18103E00-7E4A-44CD-81AC-06433CAE1110}"/>
+                <a16:creationId xmlns:a16="http://schemas.microsoft.com/office/drawing/2014/main" xmlns="" id="{18103E00-7E4A-44CD-81AC-06433CAE1110}"/>
               </a:ext>
             </a:extLst>
           </p:cNvPr>
@@ -19511,7 +19511,7 @@
           <p:cNvPr id="5" name="Slide Number Placeholder 4">
             <a:extLst>
               <a:ext uri="{FF2B5EF4-FFF2-40B4-BE49-F238E27FC236}">
-                <a16:creationId xmlns="" xmlns:a16="http://schemas.microsoft.com/office/drawing/2014/main" id="{87B51822-97FF-47A7-8E4E-A0F79B4EB237}"/>
+                <a16:creationId xmlns:a16="http://schemas.microsoft.com/office/drawing/2014/main" xmlns="" id="{87B51822-97FF-47A7-8E4E-A0F79B4EB237}"/>
               </a:ext>
             </a:extLst>
           </p:cNvPr>
@@ -19593,7 +19593,7 @@
           <p:cNvPr id="11" name="Rectangle 10">
             <a:extLst>
               <a:ext uri="{FF2B5EF4-FFF2-40B4-BE49-F238E27FC236}">
-                <a16:creationId xmlns="" xmlns:a16="http://schemas.microsoft.com/office/drawing/2014/main" id="{EB3E033F-4449-40FA-BC85-BD2712D313DD}"/>
+                <a16:creationId xmlns:a16="http://schemas.microsoft.com/office/drawing/2014/main" xmlns="" id="{EB3E033F-4449-40FA-BC85-BD2712D313DD}"/>
               </a:ext>
             </a:extLst>
           </p:cNvPr>
@@ -19647,7 +19647,7 @@
           <p:cNvPr id="10" name="Freeform: Shape 9">
             <a:extLst>
               <a:ext uri="{FF2B5EF4-FFF2-40B4-BE49-F238E27FC236}">
-                <a16:creationId xmlns="" xmlns:a16="http://schemas.microsoft.com/office/drawing/2014/main" id="{63D26743-0505-444C-80B3-E88EE87DF72B}"/>
+                <a16:creationId xmlns:a16="http://schemas.microsoft.com/office/drawing/2014/main" xmlns="" id="{63D26743-0505-444C-80B3-E88EE87DF72B}"/>
               </a:ext>
             </a:extLst>
           </p:cNvPr>
@@ -19770,7 +19770,7 @@
           <p:cNvPr id="18" name="Freeform: Shape 17">
             <a:extLst>
               <a:ext uri="{FF2B5EF4-FFF2-40B4-BE49-F238E27FC236}">
-                <a16:creationId xmlns="" xmlns:a16="http://schemas.microsoft.com/office/drawing/2014/main" id="{E37145E9-AC61-47D5-9288-8789940F81B6}"/>
+                <a16:creationId xmlns:a16="http://schemas.microsoft.com/office/drawing/2014/main" xmlns="" id="{E37145E9-AC61-47D5-9288-8789940F81B6}"/>
               </a:ext>
             </a:extLst>
           </p:cNvPr>
@@ -19922,7 +19922,7 @@
           <p:cNvPr id="12" name="Freeform: Shape 11">
             <a:extLst>
               <a:ext uri="{FF2B5EF4-FFF2-40B4-BE49-F238E27FC236}">
-                <a16:creationId xmlns="" xmlns:a16="http://schemas.microsoft.com/office/drawing/2014/main" id="{A5E2B3ED-9A49-40A7-B8A3-62595FE513F9}"/>
+                <a16:creationId xmlns:a16="http://schemas.microsoft.com/office/drawing/2014/main" xmlns="" id="{A5E2B3ED-9A49-40A7-B8A3-62595FE513F9}"/>
               </a:ext>
             </a:extLst>
           </p:cNvPr>
@@ -20072,7 +20072,7 @@
           <p:cNvPr id="8" name="Freeform: Shape 7">
             <a:extLst>
               <a:ext uri="{FF2B5EF4-FFF2-40B4-BE49-F238E27FC236}">
-                <a16:creationId xmlns="" xmlns:a16="http://schemas.microsoft.com/office/drawing/2014/main" id="{1599AF7E-3E34-4597-AA72-9373A7FDB020}"/>
+                <a16:creationId xmlns:a16="http://schemas.microsoft.com/office/drawing/2014/main" xmlns="" id="{1599AF7E-3E34-4597-AA72-9373A7FDB020}"/>
               </a:ext>
             </a:extLst>
           </p:cNvPr>
@@ -20218,7 +20218,7 @@
           <p:cNvPr id="2" name="Title 1">
             <a:extLst>
               <a:ext uri="{FF2B5EF4-FFF2-40B4-BE49-F238E27FC236}">
-                <a16:creationId xmlns="" xmlns:a16="http://schemas.microsoft.com/office/drawing/2014/main" id="{4A2DF563-7FAC-46B3-B24C-7E45CD89DA2B}"/>
+                <a16:creationId xmlns:a16="http://schemas.microsoft.com/office/drawing/2014/main" xmlns="" id="{4A2DF563-7FAC-46B3-B24C-7E45CD89DA2B}"/>
               </a:ext>
             </a:extLst>
           </p:cNvPr>
@@ -20263,7 +20263,7 @@
           <p:cNvPr id="15" name="Group 14">
             <a:extLst>
               <a:ext uri="{FF2B5EF4-FFF2-40B4-BE49-F238E27FC236}">
-                <a16:creationId xmlns="" xmlns:a16="http://schemas.microsoft.com/office/drawing/2014/main" id="{7732E1E7-45E3-4264-8F26-66758696DD1E}"/>
+                <a16:creationId xmlns:a16="http://schemas.microsoft.com/office/drawing/2014/main" xmlns="" id="{7732E1E7-45E3-4264-8F26-66758696DD1E}"/>
               </a:ext>
             </a:extLst>
           </p:cNvPr>
@@ -20283,7 +20283,7 @@
             <p:cNvPr id="16" name="Freeform: Shape 15">
               <a:extLst>
                 <a:ext uri="{FF2B5EF4-FFF2-40B4-BE49-F238E27FC236}">
-                  <a16:creationId xmlns="" xmlns:a16="http://schemas.microsoft.com/office/drawing/2014/main" id="{2E3DF883-8093-49FA-81E1-E5D77F086A25}"/>
+                  <a16:creationId xmlns:a16="http://schemas.microsoft.com/office/drawing/2014/main" xmlns="" id="{2E3DF883-8093-49FA-81E1-E5D77F086A25}"/>
                 </a:ext>
               </a:extLst>
             </p:cNvPr>
@@ -20373,7 +20373,7 @@
             <p:cNvPr id="17" name="Freeform: Shape 16">
               <a:extLst>
                 <a:ext uri="{FF2B5EF4-FFF2-40B4-BE49-F238E27FC236}">
-                  <a16:creationId xmlns="" xmlns:a16="http://schemas.microsoft.com/office/drawing/2014/main" id="{18944C90-37E5-4BBE-89FF-060627168050}"/>
+                  <a16:creationId xmlns:a16="http://schemas.microsoft.com/office/drawing/2014/main" xmlns="" id="{18944C90-37E5-4BBE-89FF-060627168050}"/>
                 </a:ext>
               </a:extLst>
             </p:cNvPr>
@@ -20472,7 +20472,7 @@
           <p:cNvPr id="6" name="Group 5">
             <a:extLst>
               <a:ext uri="{FF2B5EF4-FFF2-40B4-BE49-F238E27FC236}">
-                <a16:creationId xmlns="" xmlns:a16="http://schemas.microsoft.com/office/drawing/2014/main" id="{D9EBF8BB-A805-4DDB-B459-082F99815B95}"/>
+                <a16:creationId xmlns:a16="http://schemas.microsoft.com/office/drawing/2014/main" xmlns="" id="{D9EBF8BB-A805-4DDB-B459-082F99815B95}"/>
               </a:ext>
             </a:extLst>
           </p:cNvPr>
@@ -20492,7 +20492,7 @@
             <p:cNvPr id="19" name="Rectangle: Single Corner Snipped 18">
               <a:extLst>
                 <a:ext uri="{FF2B5EF4-FFF2-40B4-BE49-F238E27FC236}">
-                  <a16:creationId xmlns="" xmlns:a16="http://schemas.microsoft.com/office/drawing/2014/main" id="{5D638788-DD47-45E7-939A-FA108A818173}"/>
+                  <a16:creationId xmlns:a16="http://schemas.microsoft.com/office/drawing/2014/main" xmlns="" id="{5D638788-DD47-45E7-939A-FA108A818173}"/>
                 </a:ext>
               </a:extLst>
             </p:cNvPr>
@@ -20558,7 +20558,7 @@
             <p:cNvPr id="3" name="Rectangle: Single Corner Snipped 2">
               <a:extLst>
                 <a:ext uri="{FF2B5EF4-FFF2-40B4-BE49-F238E27FC236}">
-                  <a16:creationId xmlns="" xmlns:a16="http://schemas.microsoft.com/office/drawing/2014/main" id="{74BDECEF-EEFE-4332-B3B2-BDE4F82C10FC}"/>
+                  <a16:creationId xmlns:a16="http://schemas.microsoft.com/office/drawing/2014/main" xmlns="" id="{74BDECEF-EEFE-4332-B3B2-BDE4F82C10FC}"/>
                 </a:ext>
               </a:extLst>
             </p:cNvPr>
@@ -20615,7 +20615,7 @@
           <p:cNvPr id="24" name="Freeform: Shape 23">
             <a:extLst>
               <a:ext uri="{FF2B5EF4-FFF2-40B4-BE49-F238E27FC236}">
-                <a16:creationId xmlns="" xmlns:a16="http://schemas.microsoft.com/office/drawing/2014/main" id="{18103E00-7E4A-44CD-81AC-06433CAE1110}"/>
+                <a16:creationId xmlns:a16="http://schemas.microsoft.com/office/drawing/2014/main" xmlns="" id="{18103E00-7E4A-44CD-81AC-06433CAE1110}"/>
               </a:ext>
             </a:extLst>
           </p:cNvPr>
@@ -20710,7 +20710,7 @@
           <p:cNvPr id="5" name="Slide Number Placeholder 4">
             <a:extLst>
               <a:ext uri="{FF2B5EF4-FFF2-40B4-BE49-F238E27FC236}">
-                <a16:creationId xmlns="" xmlns:a16="http://schemas.microsoft.com/office/drawing/2014/main" id="{87B51822-97FF-47A7-8E4E-A0F79B4EB237}"/>
+                <a16:creationId xmlns:a16="http://schemas.microsoft.com/office/drawing/2014/main" xmlns="" id="{87B51822-97FF-47A7-8E4E-A0F79B4EB237}"/>
               </a:ext>
             </a:extLst>
           </p:cNvPr>
@@ -20754,7 +20754,7 @@
           <p:cNvPr id="7" name="Text Placeholder 6">
             <a:extLst>
               <a:ext uri="{FF2B5EF4-FFF2-40B4-BE49-F238E27FC236}">
-                <a16:creationId xmlns="" xmlns:a16="http://schemas.microsoft.com/office/drawing/2014/main" id="{7E0C167E-2626-40DB-AACF-D02543E29BB3}"/>
+                <a16:creationId xmlns:a16="http://schemas.microsoft.com/office/drawing/2014/main" xmlns="" id="{7E0C167E-2626-40DB-AACF-D02543E29BB3}"/>
               </a:ext>
             </a:extLst>
           </p:cNvPr>
@@ -20837,7 +20837,7 @@
           <p:cNvPr id="11" name="Rectangle 10">
             <a:extLst>
               <a:ext uri="{FF2B5EF4-FFF2-40B4-BE49-F238E27FC236}">
-                <a16:creationId xmlns="" xmlns:a16="http://schemas.microsoft.com/office/drawing/2014/main" id="{EB3E033F-4449-40FA-BC85-BD2712D313DD}"/>
+                <a16:creationId xmlns:a16="http://schemas.microsoft.com/office/drawing/2014/main" xmlns="" id="{EB3E033F-4449-40FA-BC85-BD2712D313DD}"/>
               </a:ext>
             </a:extLst>
           </p:cNvPr>
@@ -20891,7 +20891,7 @@
           <p:cNvPr id="10" name="Freeform: Shape 9">
             <a:extLst>
               <a:ext uri="{FF2B5EF4-FFF2-40B4-BE49-F238E27FC236}">
-                <a16:creationId xmlns="" xmlns:a16="http://schemas.microsoft.com/office/drawing/2014/main" id="{63D26743-0505-444C-80B3-E88EE87DF72B}"/>
+                <a16:creationId xmlns:a16="http://schemas.microsoft.com/office/drawing/2014/main" xmlns="" id="{63D26743-0505-444C-80B3-E88EE87DF72B}"/>
               </a:ext>
             </a:extLst>
           </p:cNvPr>
@@ -21014,7 +21014,7 @@
           <p:cNvPr id="18" name="Freeform: Shape 17">
             <a:extLst>
               <a:ext uri="{FF2B5EF4-FFF2-40B4-BE49-F238E27FC236}">
-                <a16:creationId xmlns="" xmlns:a16="http://schemas.microsoft.com/office/drawing/2014/main" id="{E37145E9-AC61-47D5-9288-8789940F81B6}"/>
+                <a16:creationId xmlns:a16="http://schemas.microsoft.com/office/drawing/2014/main" xmlns="" id="{E37145E9-AC61-47D5-9288-8789940F81B6}"/>
               </a:ext>
             </a:extLst>
           </p:cNvPr>
@@ -21166,7 +21166,7 @@
           <p:cNvPr id="12" name="Freeform: Shape 11">
             <a:extLst>
               <a:ext uri="{FF2B5EF4-FFF2-40B4-BE49-F238E27FC236}">
-                <a16:creationId xmlns="" xmlns:a16="http://schemas.microsoft.com/office/drawing/2014/main" id="{A5E2B3ED-9A49-40A7-B8A3-62595FE513F9}"/>
+                <a16:creationId xmlns:a16="http://schemas.microsoft.com/office/drawing/2014/main" xmlns="" id="{A5E2B3ED-9A49-40A7-B8A3-62595FE513F9}"/>
               </a:ext>
             </a:extLst>
           </p:cNvPr>
@@ -21316,7 +21316,7 @@
           <p:cNvPr id="8" name="Freeform: Shape 7">
             <a:extLst>
               <a:ext uri="{FF2B5EF4-FFF2-40B4-BE49-F238E27FC236}">
-                <a16:creationId xmlns="" xmlns:a16="http://schemas.microsoft.com/office/drawing/2014/main" id="{1599AF7E-3E34-4597-AA72-9373A7FDB020}"/>
+                <a16:creationId xmlns:a16="http://schemas.microsoft.com/office/drawing/2014/main" xmlns="" id="{1599AF7E-3E34-4597-AA72-9373A7FDB020}"/>
               </a:ext>
             </a:extLst>
           </p:cNvPr>
@@ -21462,7 +21462,7 @@
           <p:cNvPr id="2" name="Title 1">
             <a:extLst>
               <a:ext uri="{FF2B5EF4-FFF2-40B4-BE49-F238E27FC236}">
-                <a16:creationId xmlns="" xmlns:a16="http://schemas.microsoft.com/office/drawing/2014/main" id="{4A2DF563-7FAC-46B3-B24C-7E45CD89DA2B}"/>
+                <a16:creationId xmlns:a16="http://schemas.microsoft.com/office/drawing/2014/main" xmlns="" id="{4A2DF563-7FAC-46B3-B24C-7E45CD89DA2B}"/>
               </a:ext>
             </a:extLst>
           </p:cNvPr>
@@ -21507,7 +21507,7 @@
           <p:cNvPr id="15" name="Group 14">
             <a:extLst>
               <a:ext uri="{FF2B5EF4-FFF2-40B4-BE49-F238E27FC236}">
-                <a16:creationId xmlns="" xmlns:a16="http://schemas.microsoft.com/office/drawing/2014/main" id="{7732E1E7-45E3-4264-8F26-66758696DD1E}"/>
+                <a16:creationId xmlns:a16="http://schemas.microsoft.com/office/drawing/2014/main" xmlns="" id="{7732E1E7-45E3-4264-8F26-66758696DD1E}"/>
               </a:ext>
             </a:extLst>
           </p:cNvPr>
@@ -21527,7 +21527,7 @@
             <p:cNvPr id="16" name="Freeform: Shape 15">
               <a:extLst>
                 <a:ext uri="{FF2B5EF4-FFF2-40B4-BE49-F238E27FC236}">
-                  <a16:creationId xmlns="" xmlns:a16="http://schemas.microsoft.com/office/drawing/2014/main" id="{2E3DF883-8093-49FA-81E1-E5D77F086A25}"/>
+                  <a16:creationId xmlns:a16="http://schemas.microsoft.com/office/drawing/2014/main" xmlns="" id="{2E3DF883-8093-49FA-81E1-E5D77F086A25}"/>
                 </a:ext>
               </a:extLst>
             </p:cNvPr>
@@ -21617,7 +21617,7 @@
             <p:cNvPr id="17" name="Freeform: Shape 16">
               <a:extLst>
                 <a:ext uri="{FF2B5EF4-FFF2-40B4-BE49-F238E27FC236}">
-                  <a16:creationId xmlns="" xmlns:a16="http://schemas.microsoft.com/office/drawing/2014/main" id="{18944C90-37E5-4BBE-89FF-060627168050}"/>
+                  <a16:creationId xmlns:a16="http://schemas.microsoft.com/office/drawing/2014/main" xmlns="" id="{18944C90-37E5-4BBE-89FF-060627168050}"/>
                 </a:ext>
               </a:extLst>
             </p:cNvPr>
@@ -21716,7 +21716,7 @@
           <p:cNvPr id="6" name="Group 5">
             <a:extLst>
               <a:ext uri="{FF2B5EF4-FFF2-40B4-BE49-F238E27FC236}">
-                <a16:creationId xmlns="" xmlns:a16="http://schemas.microsoft.com/office/drawing/2014/main" id="{D9EBF8BB-A805-4DDB-B459-082F99815B95}"/>
+                <a16:creationId xmlns:a16="http://schemas.microsoft.com/office/drawing/2014/main" xmlns="" id="{D9EBF8BB-A805-4DDB-B459-082F99815B95}"/>
               </a:ext>
             </a:extLst>
           </p:cNvPr>
@@ -21736,7 +21736,7 @@
             <p:cNvPr id="19" name="Rectangle: Single Corner Snipped 18">
               <a:extLst>
                 <a:ext uri="{FF2B5EF4-FFF2-40B4-BE49-F238E27FC236}">
-                  <a16:creationId xmlns="" xmlns:a16="http://schemas.microsoft.com/office/drawing/2014/main" id="{5D638788-DD47-45E7-939A-FA108A818173}"/>
+                  <a16:creationId xmlns:a16="http://schemas.microsoft.com/office/drawing/2014/main" xmlns="" id="{5D638788-DD47-45E7-939A-FA108A818173}"/>
                 </a:ext>
               </a:extLst>
             </p:cNvPr>
@@ -21802,7 +21802,7 @@
             <p:cNvPr id="3" name="Rectangle: Single Corner Snipped 2">
               <a:extLst>
                 <a:ext uri="{FF2B5EF4-FFF2-40B4-BE49-F238E27FC236}">
-                  <a16:creationId xmlns="" xmlns:a16="http://schemas.microsoft.com/office/drawing/2014/main" id="{74BDECEF-EEFE-4332-B3B2-BDE4F82C10FC}"/>
+                  <a16:creationId xmlns:a16="http://schemas.microsoft.com/office/drawing/2014/main" xmlns="" id="{74BDECEF-EEFE-4332-B3B2-BDE4F82C10FC}"/>
                 </a:ext>
               </a:extLst>
             </p:cNvPr>
@@ -21859,7 +21859,7 @@
           <p:cNvPr id="24" name="Freeform: Shape 23">
             <a:extLst>
               <a:ext uri="{FF2B5EF4-FFF2-40B4-BE49-F238E27FC236}">
-                <a16:creationId xmlns="" xmlns:a16="http://schemas.microsoft.com/office/drawing/2014/main" id="{18103E00-7E4A-44CD-81AC-06433CAE1110}"/>
+                <a16:creationId xmlns:a16="http://schemas.microsoft.com/office/drawing/2014/main" xmlns="" id="{18103E00-7E4A-44CD-81AC-06433CAE1110}"/>
               </a:ext>
             </a:extLst>
           </p:cNvPr>
@@ -21954,7 +21954,7 @@
           <p:cNvPr id="5" name="Slide Number Placeholder 4">
             <a:extLst>
               <a:ext uri="{FF2B5EF4-FFF2-40B4-BE49-F238E27FC236}">
-                <a16:creationId xmlns="" xmlns:a16="http://schemas.microsoft.com/office/drawing/2014/main" id="{87B51822-97FF-47A7-8E4E-A0F79B4EB237}"/>
+                <a16:creationId xmlns:a16="http://schemas.microsoft.com/office/drawing/2014/main" xmlns="" id="{87B51822-97FF-47A7-8E4E-A0F79B4EB237}"/>
               </a:ext>
             </a:extLst>
           </p:cNvPr>
@@ -21998,7 +21998,7 @@
           <p:cNvPr id="20" name="Content Placeholder 2">
             <a:extLst>
               <a:ext uri="{FF2B5EF4-FFF2-40B4-BE49-F238E27FC236}">
-                <a16:creationId xmlns="" xmlns:a16="http://schemas.microsoft.com/office/drawing/2014/main" id="{0103A49C-32FF-49E6-86F3-FC2E19517BD5}"/>
+                <a16:creationId xmlns:a16="http://schemas.microsoft.com/office/drawing/2014/main" xmlns="" id="{0103A49C-32FF-49E6-86F3-FC2E19517BD5}"/>
               </a:ext>
             </a:extLst>
           </p:cNvPr>
@@ -22134,7 +22134,7 @@
           <p:cNvPr id="11" name="Rectangle 10">
             <a:extLst>
               <a:ext uri="{FF2B5EF4-FFF2-40B4-BE49-F238E27FC236}">
-                <a16:creationId xmlns="" xmlns:a16="http://schemas.microsoft.com/office/drawing/2014/main" id="{EB3E033F-4449-40FA-BC85-BD2712D313DD}"/>
+                <a16:creationId xmlns:a16="http://schemas.microsoft.com/office/drawing/2014/main" xmlns="" id="{EB3E033F-4449-40FA-BC85-BD2712D313DD}"/>
               </a:ext>
             </a:extLst>
           </p:cNvPr>
@@ -22188,7 +22188,7 @@
           <p:cNvPr id="10" name="Freeform: Shape 9">
             <a:extLst>
               <a:ext uri="{FF2B5EF4-FFF2-40B4-BE49-F238E27FC236}">
-                <a16:creationId xmlns="" xmlns:a16="http://schemas.microsoft.com/office/drawing/2014/main" id="{63D26743-0505-444C-80B3-E88EE87DF72B}"/>
+                <a16:creationId xmlns:a16="http://schemas.microsoft.com/office/drawing/2014/main" xmlns="" id="{63D26743-0505-444C-80B3-E88EE87DF72B}"/>
               </a:ext>
             </a:extLst>
           </p:cNvPr>
@@ -22311,7 +22311,7 @@
           <p:cNvPr id="18" name="Freeform: Shape 17">
             <a:extLst>
               <a:ext uri="{FF2B5EF4-FFF2-40B4-BE49-F238E27FC236}">
-                <a16:creationId xmlns="" xmlns:a16="http://schemas.microsoft.com/office/drawing/2014/main" id="{E37145E9-AC61-47D5-9288-8789940F81B6}"/>
+                <a16:creationId xmlns:a16="http://schemas.microsoft.com/office/drawing/2014/main" xmlns="" id="{E37145E9-AC61-47D5-9288-8789940F81B6}"/>
               </a:ext>
             </a:extLst>
           </p:cNvPr>
@@ -22463,7 +22463,7 @@
           <p:cNvPr id="12" name="Freeform: Shape 11">
             <a:extLst>
               <a:ext uri="{FF2B5EF4-FFF2-40B4-BE49-F238E27FC236}">
-                <a16:creationId xmlns="" xmlns:a16="http://schemas.microsoft.com/office/drawing/2014/main" id="{A5E2B3ED-9A49-40A7-B8A3-62595FE513F9}"/>
+                <a16:creationId xmlns:a16="http://schemas.microsoft.com/office/drawing/2014/main" xmlns="" id="{A5E2B3ED-9A49-40A7-B8A3-62595FE513F9}"/>
               </a:ext>
             </a:extLst>
           </p:cNvPr>
@@ -22613,7 +22613,7 @@
           <p:cNvPr id="8" name="Freeform: Shape 7">
             <a:extLst>
               <a:ext uri="{FF2B5EF4-FFF2-40B4-BE49-F238E27FC236}">
-                <a16:creationId xmlns="" xmlns:a16="http://schemas.microsoft.com/office/drawing/2014/main" id="{1599AF7E-3E34-4597-AA72-9373A7FDB020}"/>
+                <a16:creationId xmlns:a16="http://schemas.microsoft.com/office/drawing/2014/main" xmlns="" id="{1599AF7E-3E34-4597-AA72-9373A7FDB020}"/>
               </a:ext>
             </a:extLst>
           </p:cNvPr>
@@ -22759,7 +22759,7 @@
           <p:cNvPr id="2" name="Title 1">
             <a:extLst>
               <a:ext uri="{FF2B5EF4-FFF2-40B4-BE49-F238E27FC236}">
-                <a16:creationId xmlns="" xmlns:a16="http://schemas.microsoft.com/office/drawing/2014/main" id="{4A2DF563-7FAC-46B3-B24C-7E45CD89DA2B}"/>
+                <a16:creationId xmlns:a16="http://schemas.microsoft.com/office/drawing/2014/main" xmlns="" id="{4A2DF563-7FAC-46B3-B24C-7E45CD89DA2B}"/>
               </a:ext>
             </a:extLst>
           </p:cNvPr>
@@ -22804,7 +22804,7 @@
           <p:cNvPr id="15" name="Group 14">
             <a:extLst>
               <a:ext uri="{FF2B5EF4-FFF2-40B4-BE49-F238E27FC236}">
-                <a16:creationId xmlns="" xmlns:a16="http://schemas.microsoft.com/office/drawing/2014/main" id="{7732E1E7-45E3-4264-8F26-66758696DD1E}"/>
+                <a16:creationId xmlns:a16="http://schemas.microsoft.com/office/drawing/2014/main" xmlns="" id="{7732E1E7-45E3-4264-8F26-66758696DD1E}"/>
               </a:ext>
             </a:extLst>
           </p:cNvPr>
@@ -22824,7 +22824,7 @@
             <p:cNvPr id="16" name="Freeform: Shape 15">
               <a:extLst>
                 <a:ext uri="{FF2B5EF4-FFF2-40B4-BE49-F238E27FC236}">
-                  <a16:creationId xmlns="" xmlns:a16="http://schemas.microsoft.com/office/drawing/2014/main" id="{2E3DF883-8093-49FA-81E1-E5D77F086A25}"/>
+                  <a16:creationId xmlns:a16="http://schemas.microsoft.com/office/drawing/2014/main" xmlns="" id="{2E3DF883-8093-49FA-81E1-E5D77F086A25}"/>
                 </a:ext>
               </a:extLst>
             </p:cNvPr>
@@ -22914,7 +22914,7 @@
             <p:cNvPr id="17" name="Freeform: Shape 16">
               <a:extLst>
                 <a:ext uri="{FF2B5EF4-FFF2-40B4-BE49-F238E27FC236}">
-                  <a16:creationId xmlns="" xmlns:a16="http://schemas.microsoft.com/office/drawing/2014/main" id="{18944C90-37E5-4BBE-89FF-060627168050}"/>
+                  <a16:creationId xmlns:a16="http://schemas.microsoft.com/office/drawing/2014/main" xmlns="" id="{18944C90-37E5-4BBE-89FF-060627168050}"/>
                 </a:ext>
               </a:extLst>
             </p:cNvPr>
@@ -23013,7 +23013,7 @@
           <p:cNvPr id="6" name="Group 5">
             <a:extLst>
               <a:ext uri="{FF2B5EF4-FFF2-40B4-BE49-F238E27FC236}">
-                <a16:creationId xmlns="" xmlns:a16="http://schemas.microsoft.com/office/drawing/2014/main" id="{D9EBF8BB-A805-4DDB-B459-082F99815B95}"/>
+                <a16:creationId xmlns:a16="http://schemas.microsoft.com/office/drawing/2014/main" xmlns="" id="{D9EBF8BB-A805-4DDB-B459-082F99815B95}"/>
               </a:ext>
             </a:extLst>
           </p:cNvPr>
@@ -23033,7 +23033,7 @@
             <p:cNvPr id="19" name="Rectangle: Single Corner Snipped 18">
               <a:extLst>
                 <a:ext uri="{FF2B5EF4-FFF2-40B4-BE49-F238E27FC236}">
-                  <a16:creationId xmlns="" xmlns:a16="http://schemas.microsoft.com/office/drawing/2014/main" id="{5D638788-DD47-45E7-939A-FA108A818173}"/>
+                  <a16:creationId xmlns:a16="http://schemas.microsoft.com/office/drawing/2014/main" xmlns="" id="{5D638788-DD47-45E7-939A-FA108A818173}"/>
                 </a:ext>
               </a:extLst>
             </p:cNvPr>
@@ -23099,7 +23099,7 @@
             <p:cNvPr id="3" name="Rectangle: Single Corner Snipped 2">
               <a:extLst>
                 <a:ext uri="{FF2B5EF4-FFF2-40B4-BE49-F238E27FC236}">
-                  <a16:creationId xmlns="" xmlns:a16="http://schemas.microsoft.com/office/drawing/2014/main" id="{74BDECEF-EEFE-4332-B3B2-BDE4F82C10FC}"/>
+                  <a16:creationId xmlns:a16="http://schemas.microsoft.com/office/drawing/2014/main" xmlns="" id="{74BDECEF-EEFE-4332-B3B2-BDE4F82C10FC}"/>
                 </a:ext>
               </a:extLst>
             </p:cNvPr>
@@ -23156,7 +23156,7 @@
           <p:cNvPr id="24" name="Freeform: Shape 23">
             <a:extLst>
               <a:ext uri="{FF2B5EF4-FFF2-40B4-BE49-F238E27FC236}">
-                <a16:creationId xmlns="" xmlns:a16="http://schemas.microsoft.com/office/drawing/2014/main" id="{18103E00-7E4A-44CD-81AC-06433CAE1110}"/>
+                <a16:creationId xmlns:a16="http://schemas.microsoft.com/office/drawing/2014/main" xmlns="" id="{18103E00-7E4A-44CD-81AC-06433CAE1110}"/>
               </a:ext>
             </a:extLst>
           </p:cNvPr>
@@ -23251,7 +23251,7 @@
           <p:cNvPr id="5" name="Slide Number Placeholder 4">
             <a:extLst>
               <a:ext uri="{FF2B5EF4-FFF2-40B4-BE49-F238E27FC236}">
-                <a16:creationId xmlns="" xmlns:a16="http://schemas.microsoft.com/office/drawing/2014/main" id="{87B51822-97FF-47A7-8E4E-A0F79B4EB237}"/>
+                <a16:creationId xmlns:a16="http://schemas.microsoft.com/office/drawing/2014/main" xmlns="" id="{87B51822-97FF-47A7-8E4E-A0F79B4EB237}"/>
               </a:ext>
             </a:extLst>
           </p:cNvPr>
@@ -23295,7 +23295,7 @@
           <p:cNvPr id="25" name="Text Placeholder 2">
             <a:extLst>
               <a:ext uri="{FF2B5EF4-FFF2-40B4-BE49-F238E27FC236}">
-                <a16:creationId xmlns="" xmlns:a16="http://schemas.microsoft.com/office/drawing/2014/main" id="{7FA80A70-18DE-4DB9-9982-BA75BE54CF93}"/>
+                <a16:creationId xmlns:a16="http://schemas.microsoft.com/office/drawing/2014/main" xmlns="" id="{7FA80A70-18DE-4DB9-9982-BA75BE54CF93}"/>
               </a:ext>
             </a:extLst>
           </p:cNvPr>
@@ -23373,7 +23373,7 @@
           <p:cNvPr id="26" name="Text Placeholder 4">
             <a:extLst>
               <a:ext uri="{FF2B5EF4-FFF2-40B4-BE49-F238E27FC236}">
-                <a16:creationId xmlns="" xmlns:a16="http://schemas.microsoft.com/office/drawing/2014/main" id="{2801C0EF-C078-44B0-AD01-4850E9A65EE0}"/>
+                <a16:creationId xmlns:a16="http://schemas.microsoft.com/office/drawing/2014/main" xmlns="" id="{2801C0EF-C078-44B0-AD01-4850E9A65EE0}"/>
               </a:ext>
             </a:extLst>
           </p:cNvPr>
@@ -23451,7 +23451,7 @@
           <p:cNvPr id="27" name="Content Placeholder 3">
             <a:extLst>
               <a:ext uri="{FF2B5EF4-FFF2-40B4-BE49-F238E27FC236}">
-                <a16:creationId xmlns="" xmlns:a16="http://schemas.microsoft.com/office/drawing/2014/main" id="{7C9DED91-45F6-4308-A085-1EFACA6468CF}"/>
+                <a16:creationId xmlns:a16="http://schemas.microsoft.com/office/drawing/2014/main" xmlns="" id="{7C9DED91-45F6-4308-A085-1EFACA6468CF}"/>
               </a:ext>
             </a:extLst>
           </p:cNvPr>
@@ -23551,7 +23551,7 @@
           <p:cNvPr id="28" name="Content Placeholder 5">
             <a:extLst>
               <a:ext uri="{FF2B5EF4-FFF2-40B4-BE49-F238E27FC236}">
-                <a16:creationId xmlns="" xmlns:a16="http://schemas.microsoft.com/office/drawing/2014/main" id="{0574B5E7-B666-439B-9278-67BE1EA6EBC5}"/>
+                <a16:creationId xmlns:a16="http://schemas.microsoft.com/office/drawing/2014/main" xmlns="" id="{0574B5E7-B666-439B-9278-67BE1EA6EBC5}"/>
               </a:ext>
             </a:extLst>
           </p:cNvPr>
@@ -23686,7 +23686,7 @@
           <p:cNvPr id="2" name="Title Placeholder 1">
             <a:extLst>
               <a:ext uri="{FF2B5EF4-FFF2-40B4-BE49-F238E27FC236}">
-                <a16:creationId xmlns="" xmlns:a16="http://schemas.microsoft.com/office/drawing/2014/main" id="{761B0E15-6FC5-434E-8780-B186D9DB0CD0}"/>
+                <a16:creationId xmlns:a16="http://schemas.microsoft.com/office/drawing/2014/main" xmlns="" id="{761B0E15-6FC5-434E-8780-B186D9DB0CD0}"/>
               </a:ext>
             </a:extLst>
           </p:cNvPr>
@@ -23724,7 +23724,7 @@
           <p:cNvPr id="3" name="Text Placeholder 2">
             <a:extLst>
               <a:ext uri="{FF2B5EF4-FFF2-40B4-BE49-F238E27FC236}">
-                <a16:creationId xmlns="" xmlns:a16="http://schemas.microsoft.com/office/drawing/2014/main" id="{A9C7B128-34F3-405C-B601-8BAFDB43499C}"/>
+                <a16:creationId xmlns:a16="http://schemas.microsoft.com/office/drawing/2014/main" xmlns="" id="{A9C7B128-34F3-405C-B601-8BAFDB43499C}"/>
               </a:ext>
             </a:extLst>
           </p:cNvPr>
@@ -23791,7 +23791,7 @@
           <p:cNvPr id="6" name="Slide Number Placeholder 5">
             <a:extLst>
               <a:ext uri="{FF2B5EF4-FFF2-40B4-BE49-F238E27FC236}">
-                <a16:creationId xmlns="" xmlns:a16="http://schemas.microsoft.com/office/drawing/2014/main" id="{9F5A7754-E8C7-438B-922D-9027C6CF58E2}"/>
+                <a16:creationId xmlns:a16="http://schemas.microsoft.com/office/drawing/2014/main" xmlns="" id="{9F5A7754-E8C7-438B-922D-9027C6CF58E2}"/>
               </a:ext>
             </a:extLst>
           </p:cNvPr>
@@ -23838,7 +23838,7 @@
           <p:cNvPr id="5" name="Rectangle 4">
             <a:extLst>
               <a:ext uri="{FF2B5EF4-FFF2-40B4-BE49-F238E27FC236}">
-                <a16:creationId xmlns="" xmlns:a16="http://schemas.microsoft.com/office/drawing/2014/main" id="{7CDDDB7D-9189-9548-A2B9-81DC62C3C1A3}"/>
+                <a16:creationId xmlns:a16="http://schemas.microsoft.com/office/drawing/2014/main" xmlns="" id="{7CDDDB7D-9189-9548-A2B9-81DC62C3C1A3}"/>
               </a:ext>
             </a:extLst>
           </p:cNvPr>
@@ -23892,7 +23892,7 @@
           <p:cNvPr id="7" name="Freeform: Shape 9">
             <a:extLst>
               <a:ext uri="{FF2B5EF4-FFF2-40B4-BE49-F238E27FC236}">
-                <a16:creationId xmlns="" xmlns:a16="http://schemas.microsoft.com/office/drawing/2014/main" id="{096D8877-6B4A-4540-8927-767DD7401718}"/>
+                <a16:creationId xmlns:a16="http://schemas.microsoft.com/office/drawing/2014/main" xmlns="" id="{096D8877-6B4A-4540-8927-767DD7401718}"/>
               </a:ext>
             </a:extLst>
           </p:cNvPr>
@@ -24015,7 +24015,7 @@
           <p:cNvPr id="8" name="Freeform: Shape 17">
             <a:extLst>
               <a:ext uri="{FF2B5EF4-FFF2-40B4-BE49-F238E27FC236}">
-                <a16:creationId xmlns="" xmlns:a16="http://schemas.microsoft.com/office/drawing/2014/main" id="{5AF2E123-FE0F-8541-8E36-5030C450AA7E}"/>
+                <a16:creationId xmlns:a16="http://schemas.microsoft.com/office/drawing/2014/main" xmlns="" id="{5AF2E123-FE0F-8541-8E36-5030C450AA7E}"/>
               </a:ext>
             </a:extLst>
           </p:cNvPr>
@@ -24167,7 +24167,7 @@
           <p:cNvPr id="9" name="Freeform: Shape 11">
             <a:extLst>
               <a:ext uri="{FF2B5EF4-FFF2-40B4-BE49-F238E27FC236}">
-                <a16:creationId xmlns="" xmlns:a16="http://schemas.microsoft.com/office/drawing/2014/main" id="{E5519D99-3B68-924A-9CD0-14B911711CA8}"/>
+                <a16:creationId xmlns:a16="http://schemas.microsoft.com/office/drawing/2014/main" xmlns="" id="{E5519D99-3B68-924A-9CD0-14B911711CA8}"/>
               </a:ext>
             </a:extLst>
           </p:cNvPr>
@@ -24317,7 +24317,7 @@
           <p:cNvPr id="10" name="Freeform: Shape 7">
             <a:extLst>
               <a:ext uri="{FF2B5EF4-FFF2-40B4-BE49-F238E27FC236}">
-                <a16:creationId xmlns="" xmlns:a16="http://schemas.microsoft.com/office/drawing/2014/main" id="{A09E21A9-FBEF-144C-A152-FE484F3C55C1}"/>
+                <a16:creationId xmlns:a16="http://schemas.microsoft.com/office/drawing/2014/main" xmlns="" id="{A09E21A9-FBEF-144C-A152-FE484F3C55C1}"/>
               </a:ext>
             </a:extLst>
           </p:cNvPr>
@@ -24463,7 +24463,7 @@
           <p:cNvPr id="11" name="Title 1">
             <a:extLst>
               <a:ext uri="{FF2B5EF4-FFF2-40B4-BE49-F238E27FC236}">
-                <a16:creationId xmlns="" xmlns:a16="http://schemas.microsoft.com/office/drawing/2014/main" id="{70C7F2CB-A8CE-1545-A08D-93592C4BAEEA}"/>
+                <a16:creationId xmlns:a16="http://schemas.microsoft.com/office/drawing/2014/main" xmlns="" id="{70C7F2CB-A8CE-1545-A08D-93592C4BAEEA}"/>
               </a:ext>
             </a:extLst>
           </p:cNvPr>
@@ -24519,7 +24519,7 @@
           <p:cNvPr id="12" name="Group 11">
             <a:extLst>
               <a:ext uri="{FF2B5EF4-FFF2-40B4-BE49-F238E27FC236}">
-                <a16:creationId xmlns="" xmlns:a16="http://schemas.microsoft.com/office/drawing/2014/main" id="{7068FCE4-1B47-3C4B-B091-013120A97D09}"/>
+                <a16:creationId xmlns:a16="http://schemas.microsoft.com/office/drawing/2014/main" xmlns="" id="{7068FCE4-1B47-3C4B-B091-013120A97D09}"/>
               </a:ext>
             </a:extLst>
           </p:cNvPr>
@@ -24539,7 +24539,7 @@
             <p:cNvPr id="13" name="Freeform: Shape 15">
               <a:extLst>
                 <a:ext uri="{FF2B5EF4-FFF2-40B4-BE49-F238E27FC236}">
-                  <a16:creationId xmlns="" xmlns:a16="http://schemas.microsoft.com/office/drawing/2014/main" id="{FEC3FDE7-F27E-5E4E-8752-287CAB7792D4}"/>
+                  <a16:creationId xmlns:a16="http://schemas.microsoft.com/office/drawing/2014/main" xmlns="" id="{FEC3FDE7-F27E-5E4E-8752-287CAB7792D4}"/>
                 </a:ext>
               </a:extLst>
             </p:cNvPr>
@@ -24629,7 +24629,7 @@
             <p:cNvPr id="14" name="Freeform: Shape 16">
               <a:extLst>
                 <a:ext uri="{FF2B5EF4-FFF2-40B4-BE49-F238E27FC236}">
-                  <a16:creationId xmlns="" xmlns:a16="http://schemas.microsoft.com/office/drawing/2014/main" id="{81C902DB-0D21-5044-82B6-9E7A70A1BF62}"/>
+                  <a16:creationId xmlns:a16="http://schemas.microsoft.com/office/drawing/2014/main" xmlns="" id="{81C902DB-0D21-5044-82B6-9E7A70A1BF62}"/>
                 </a:ext>
               </a:extLst>
             </p:cNvPr>
@@ -24728,7 +24728,7 @@
           <p:cNvPr id="15" name="Group 14">
             <a:extLst>
               <a:ext uri="{FF2B5EF4-FFF2-40B4-BE49-F238E27FC236}">
-                <a16:creationId xmlns="" xmlns:a16="http://schemas.microsoft.com/office/drawing/2014/main" id="{BE1E08A0-195D-694F-947B-986A76FBB93E}"/>
+                <a16:creationId xmlns:a16="http://schemas.microsoft.com/office/drawing/2014/main" xmlns="" id="{BE1E08A0-195D-694F-947B-986A76FBB93E}"/>
               </a:ext>
             </a:extLst>
           </p:cNvPr>
@@ -24748,7 +24748,7 @@
             <p:cNvPr id="16" name="Rectangle: Single Corner Snipped 18">
               <a:extLst>
                 <a:ext uri="{FF2B5EF4-FFF2-40B4-BE49-F238E27FC236}">
-                  <a16:creationId xmlns="" xmlns:a16="http://schemas.microsoft.com/office/drawing/2014/main" id="{ED5DFFCD-1EE3-E64E-B51F-BD7D72413E0B}"/>
+                  <a16:creationId xmlns:a16="http://schemas.microsoft.com/office/drawing/2014/main" xmlns="" id="{ED5DFFCD-1EE3-E64E-B51F-BD7D72413E0B}"/>
                 </a:ext>
               </a:extLst>
             </p:cNvPr>
@@ -24814,7 +24814,7 @@
             <p:cNvPr id="17" name="Rectangle: Single Corner Snipped 2">
               <a:extLst>
                 <a:ext uri="{FF2B5EF4-FFF2-40B4-BE49-F238E27FC236}">
-                  <a16:creationId xmlns="" xmlns:a16="http://schemas.microsoft.com/office/drawing/2014/main" id="{C12DB3CA-8E64-AA43-BFBE-A2CA9A816DBE}"/>
+                  <a16:creationId xmlns:a16="http://schemas.microsoft.com/office/drawing/2014/main" xmlns="" id="{C12DB3CA-8E64-AA43-BFBE-A2CA9A816DBE}"/>
                 </a:ext>
               </a:extLst>
             </p:cNvPr>
@@ -24871,7 +24871,7 @@
           <p:cNvPr id="18" name="Freeform: Shape 23">
             <a:extLst>
               <a:ext uri="{FF2B5EF4-FFF2-40B4-BE49-F238E27FC236}">
-                <a16:creationId xmlns="" xmlns:a16="http://schemas.microsoft.com/office/drawing/2014/main" id="{A587DEFD-D470-4142-8E0D-A71DDB147C92}"/>
+                <a16:creationId xmlns:a16="http://schemas.microsoft.com/office/drawing/2014/main" xmlns="" id="{A587DEFD-D470-4142-8E0D-A71DDB147C92}"/>
               </a:ext>
             </a:extLst>
           </p:cNvPr>
@@ -24966,7 +24966,7 @@
           <p:cNvPr id="19" name="Slide Number Placeholder 4">
             <a:extLst>
               <a:ext uri="{FF2B5EF4-FFF2-40B4-BE49-F238E27FC236}">
-                <a16:creationId xmlns="" xmlns:a16="http://schemas.microsoft.com/office/drawing/2014/main" id="{7D9BF857-7910-734D-A217-5E3344220AA2}"/>
+                <a16:creationId xmlns:a16="http://schemas.microsoft.com/office/drawing/2014/main" xmlns="" id="{7D9BF857-7910-734D-A217-5E3344220AA2}"/>
               </a:ext>
             </a:extLst>
           </p:cNvPr>
@@ -25484,7 +25484,7 @@
           <p:cNvPr id="2" name="Title 1">
             <a:extLst>
               <a:ext uri="{FF2B5EF4-FFF2-40B4-BE49-F238E27FC236}">
-                <a16:creationId xmlns="" xmlns:a16="http://schemas.microsoft.com/office/drawing/2014/main" id="{632BE5BF-9922-45FB-8F3F-4446D40A051B}"/>
+                <a16:creationId xmlns:a16="http://schemas.microsoft.com/office/drawing/2014/main" xmlns="" id="{632BE5BF-9922-45FB-8F3F-4446D40A051B}"/>
               </a:ext>
             </a:extLst>
           </p:cNvPr>
@@ -25526,7 +25526,7 @@
           <p:cNvPr id="3" name="Subtitle 2">
             <a:extLst>
               <a:ext uri="{FF2B5EF4-FFF2-40B4-BE49-F238E27FC236}">
-                <a16:creationId xmlns="" xmlns:a16="http://schemas.microsoft.com/office/drawing/2014/main" id="{0D537F64-4C96-4AA8-BB21-E8053A3186DD}"/>
+                <a16:creationId xmlns:a16="http://schemas.microsoft.com/office/drawing/2014/main" xmlns="" id="{0D537F64-4C96-4AA8-BB21-E8053A3186DD}"/>
               </a:ext>
             </a:extLst>
           </p:cNvPr>
@@ -25640,7 +25640,7 @@
           <p:cNvPr id="4" name="Title 3">
             <a:extLst>
               <a:ext uri="{FF2B5EF4-FFF2-40B4-BE49-F238E27FC236}">
-                <a16:creationId xmlns="" xmlns:a16="http://schemas.microsoft.com/office/drawing/2014/main" id="{315E3981-F0D7-482C-A8E0-6A57700BECA7}"/>
+                <a16:creationId xmlns:a16="http://schemas.microsoft.com/office/drawing/2014/main" xmlns="" id="{315E3981-F0D7-482C-A8E0-6A57700BECA7}"/>
               </a:ext>
             </a:extLst>
           </p:cNvPr>
@@ -25651,70 +25651,19 @@
             <p:ph type="title"/>
           </p:nvPr>
         </p:nvSpPr>
-        <p:spPr/>
+        <p:spPr>
+          <a:xfrm>
+            <a:off x="444500" y="542925"/>
+            <a:ext cx="11214100" cy="590931"/>
+          </a:xfrm>
+        </p:spPr>
         <p:txBody>
           <a:bodyPr/>
           <a:lstStyle/>
           <a:p>
             <a:r>
-              <a:rPr lang="en-US" dirty="0"/>
+              <a:rPr lang="en-US" sz="3600" dirty="0"/>
               <a:t>Web Services</a:t>
-            </a:r>
-          </a:p>
-        </p:txBody>
-      </p:sp>
-      <p:sp>
-        <p:nvSpPr>
-          <p:cNvPr id="21" name="Text Placeholder 20">
-            <a:extLst>
-              <a:ext uri="{FF2B5EF4-FFF2-40B4-BE49-F238E27FC236}">
-                <a16:creationId xmlns="" xmlns:a16="http://schemas.microsoft.com/office/drawing/2014/main" id="{1B8F0371-4F69-4131-91BF-9AB99E6EE89B}"/>
-              </a:ext>
-            </a:extLst>
-          </p:cNvPr>
-          <p:cNvSpPr>
-            <a:spLocks noGrp="1"/>
-          </p:cNvSpPr>
-          <p:nvPr>
-            <p:ph type="body" sz="quarter" idx="20"/>
-          </p:nvPr>
-        </p:nvSpPr>
-        <p:spPr/>
-        <p:txBody>
-          <a:bodyPr/>
-          <a:lstStyle/>
-          <a:p>
-            <a:r>
-              <a:rPr lang="en-US" dirty="0"/>
-              <a:t>Caption03 appears here</a:t>
-            </a:r>
-          </a:p>
-        </p:txBody>
-      </p:sp>
-      <p:sp>
-        <p:nvSpPr>
-          <p:cNvPr id="22" name="Text Placeholder 21">
-            <a:extLst>
-              <a:ext uri="{FF2B5EF4-FFF2-40B4-BE49-F238E27FC236}">
-                <a16:creationId xmlns="" xmlns:a16="http://schemas.microsoft.com/office/drawing/2014/main" id="{78CACAF1-61EA-4605-A8FE-2EEE752B49FF}"/>
-              </a:ext>
-            </a:extLst>
-          </p:cNvPr>
-          <p:cNvSpPr>
-            <a:spLocks noGrp="1"/>
-          </p:cNvSpPr>
-          <p:nvPr>
-            <p:ph type="body" sz="quarter" idx="21"/>
-          </p:nvPr>
-        </p:nvSpPr>
-        <p:spPr/>
-        <p:txBody>
-          <a:bodyPr/>
-          <a:lstStyle/>
-          <a:p>
-            <a:r>
-              <a:rPr lang="en-US" dirty="0"/>
-              <a:t>Caption04 appears here</a:t>
             </a:r>
           </a:p>
         </p:txBody>
@@ -25724,7 +25673,7 @@
           <p:cNvPr id="2" name="Slide Number Placeholder 1">
             <a:extLst>
               <a:ext uri="{FF2B5EF4-FFF2-40B4-BE49-F238E27FC236}">
-                <a16:creationId xmlns="" xmlns:a16="http://schemas.microsoft.com/office/drawing/2014/main" id="{2F478C69-0A1D-45FF-8600-ED903803FFE1}"/>
+                <a16:creationId xmlns:a16="http://schemas.microsoft.com/office/drawing/2014/main" xmlns="" id="{2F478C69-0A1D-45FF-8600-ED903803FFE1}"/>
               </a:ext>
             </a:extLst>
           </p:cNvPr>
@@ -25749,6 +25698,92 @@
           </a:p>
         </p:txBody>
       </p:sp>
+      <p:sp>
+        <p:nvSpPr>
+          <p:cNvPr id="10" name="Text Placeholder 3"/>
+          <p:cNvSpPr>
+            <a:spLocks noGrp="1"/>
+          </p:cNvSpPr>
+          <p:nvPr>
+            <p:ph type="body" sz="quarter" idx="4294967295"/>
+          </p:nvPr>
+        </p:nvSpPr>
+        <p:spPr>
+          <a:xfrm>
+            <a:off x="444500" y="3119895"/>
+            <a:ext cx="6718300" cy="1153739"/>
+          </a:xfrm>
+          <a:prstGeom prst="rect">
+            <a:avLst/>
+          </a:prstGeom>
+        </p:spPr>
+        <p:txBody>
+          <a:bodyPr/>
+          <a:lstStyle/>
+          <a:p>
+            <a:r>
+              <a:rPr lang="pt-PT" sz="2000" dirty="0" smtClean="0">
+                <a:solidFill>
+                  <a:schemeClr val="bg1"/>
+                </a:solidFill>
+              </a:rPr>
+              <a:t>HTTPS</a:t>
+            </a:r>
+          </a:p>
+          <a:p>
+            <a:endParaRPr lang="pt-PT" sz="2000" dirty="0">
+              <a:solidFill>
+                <a:schemeClr val="bg1"/>
+              </a:solidFill>
+            </a:endParaRPr>
+          </a:p>
+          <a:p>
+            <a:r>
+              <a:rPr lang="pt-PT" sz="2000" dirty="0" smtClean="0">
+                <a:solidFill>
+                  <a:schemeClr val="bg1"/>
+                </a:solidFill>
+              </a:rPr>
+              <a:t>SOAP XML</a:t>
+            </a:r>
+            <a:endParaRPr lang="pt-PT" sz="2000" dirty="0">
+              <a:solidFill>
+                <a:schemeClr val="bg1"/>
+              </a:solidFill>
+            </a:endParaRPr>
+          </a:p>
+        </p:txBody>
+      </p:sp>
+      <p:pic>
+        <p:nvPicPr>
+          <p:cNvPr id="7" name="Picture 6"/>
+          <p:cNvPicPr>
+            <a:picLocks noChangeAspect="1"/>
+          </p:cNvPicPr>
+          <p:nvPr/>
+        </p:nvPicPr>
+        <p:blipFill>
+          <a:blip r:embed="rId2">
+            <a:extLst>
+              <a:ext uri="{28A0092B-C50C-407E-A947-70E740481C1C}">
+                <a14:useLocalDpi xmlns:a14="http://schemas.microsoft.com/office/drawing/2010/main" val="0"/>
+              </a:ext>
+            </a:extLst>
+          </a:blip>
+          <a:stretch>
+            <a:fillRect/>
+          </a:stretch>
+        </p:blipFill>
+        <p:spPr>
+          <a:xfrm>
+            <a:off x="6136217" y="2530099"/>
+            <a:ext cx="4266667" cy="2333333"/>
+          </a:xfrm>
+          <a:prstGeom prst="rect">
+            <a:avLst/>
+          </a:prstGeom>
+        </p:spPr>
+      </p:pic>
     </p:spTree>
     <p:extLst>
       <p:ext uri="{BB962C8B-B14F-4D97-AF65-F5344CB8AC3E}">
@@ -25759,6 +25794,13 @@
   <p:clrMapOvr>
     <a:masterClrMapping/>
   </p:clrMapOvr>
+  <p:timing>
+    <p:tnLst>
+      <p:par>
+        <p:cTn id="1" dur="indefinite" restart="never" nodeType="tmRoot"/>
+      </p:par>
+    </p:tnLst>
+  </p:timing>
 </p:sld>
 </file>
 
@@ -25789,16 +25831,25 @@
             <p:ph type="title"/>
           </p:nvPr>
         </p:nvSpPr>
-        <p:spPr/>
+        <p:spPr>
+          <a:xfrm>
+            <a:off x="444500" y="542925"/>
+            <a:ext cx="11214100" cy="590931"/>
+          </a:xfrm>
+        </p:spPr>
         <p:txBody>
           <a:bodyPr/>
           <a:lstStyle/>
           <a:p>
             <a:r>
-              <a:rPr lang="pt-PT" dirty="0" smtClean="0"/>
-              <a:t>Fundos de Compensação</a:t>
+              <a:rPr lang="pt-PT" sz="3600" dirty="0" smtClean="0"/>
+              <a:t>Fundos </a:t>
             </a:r>
-            <a:endParaRPr lang="pt-PT" dirty="0"/>
+            <a:r>
+              <a:rPr lang="pt-PT" sz="3600" dirty="0"/>
+              <a:t>de Compensação</a:t>
+            </a:r>
+            <a:endParaRPr lang="pt-PT" sz="3600" dirty="0"/>
           </a:p>
         </p:txBody>
       </p:sp>
@@ -25836,25 +25887,83 @@
             <p:ph type="body" sz="quarter" idx="13"/>
           </p:nvPr>
         </p:nvSpPr>
-        <p:spPr/>
+        <p:spPr>
+          <a:xfrm>
+            <a:off x="444500" y="2289068"/>
+            <a:ext cx="6718300" cy="3429560"/>
+          </a:xfrm>
+        </p:spPr>
         <p:txBody>
           <a:bodyPr/>
           <a:lstStyle/>
           <a:p>
-            <a:endParaRPr lang="pt-PT"/>
+            <a:r>
+              <a:rPr lang="pt-PT" sz="2000" dirty="0" smtClean="0"/>
+              <a:t>Registo de um novo trabalhador</a:t>
+            </a:r>
+          </a:p>
+          <a:p>
+            <a:endParaRPr lang="pt-PT" sz="2000" dirty="0"/>
+          </a:p>
+          <a:p>
+            <a:r>
+              <a:rPr lang="pt-PT" sz="2000" dirty="0" smtClean="0"/>
+              <a:t>Reporte de terminação de contrato de um trabalhador</a:t>
+            </a:r>
+          </a:p>
+          <a:p>
+            <a:endParaRPr lang="pt-PT" sz="2000" dirty="0"/>
+          </a:p>
+          <a:p>
+            <a:r>
+              <a:rPr lang="pt-PT" sz="2000" dirty="0" smtClean="0"/>
+              <a:t>Alteração dos dados de contrato</a:t>
+            </a:r>
+            <a:endParaRPr lang="pt-PT" sz="2000" dirty="0"/>
           </a:p>
         </p:txBody>
       </p:sp>
+      <p:pic>
+        <p:nvPicPr>
+          <p:cNvPr id="5" name="Picture 4"/>
+          <p:cNvPicPr>
+            <a:picLocks noChangeAspect="1"/>
+          </p:cNvPicPr>
+          <p:nvPr/>
+        </p:nvPicPr>
+        <p:blipFill>
+          <a:blip r:embed="rId2"/>
+          <a:stretch>
+            <a:fillRect/>
+          </a:stretch>
+        </p:blipFill>
+        <p:spPr>
+          <a:xfrm>
+            <a:off x="567238" y="5171915"/>
+            <a:ext cx="4124901" cy="1143160"/>
+          </a:xfrm>
+          <a:prstGeom prst="rect">
+            <a:avLst/>
+          </a:prstGeom>
+        </p:spPr>
+      </p:pic>
     </p:spTree>
     <p:extLst>
       <p:ext uri="{BB962C8B-B14F-4D97-AF65-F5344CB8AC3E}">
-        <p14:creationId xmlns:p14="http://schemas.microsoft.com/office/powerpoint/2010/main" val="942175089"/>
+        <p14:creationId xmlns:p14="http://schemas.microsoft.com/office/powerpoint/2010/main" val="1450914168"/>
       </p:ext>
     </p:extLst>
   </p:cSld>
   <p:clrMapOvr>
     <a:masterClrMapping/>
   </p:clrMapOvr>
+  <p:timing>
+    <p:tnLst>
+      <p:par>
+        <p:cTn id="1" dur="indefinite" restart="never" nodeType="tmRoot"/>
+      </p:par>
+    </p:tnLst>
+  </p:timing>
 </p:sld>
 </file>
 
@@ -25885,16 +25994,21 @@
             <p:ph type="title"/>
           </p:nvPr>
         </p:nvSpPr>
-        <p:spPr/>
+        <p:spPr>
+          <a:xfrm>
+            <a:off x="444500" y="542925"/>
+            <a:ext cx="11214100" cy="590931"/>
+          </a:xfrm>
+        </p:spPr>
         <p:txBody>
           <a:bodyPr/>
           <a:lstStyle/>
           <a:p>
             <a:r>
-              <a:rPr lang="pt-PT" dirty="0" smtClean="0"/>
+              <a:rPr lang="pt-PT" sz="3600" dirty="0"/>
               <a:t>Segurança Social</a:t>
             </a:r>
-            <a:endParaRPr lang="pt-PT" dirty="0"/>
+            <a:endParaRPr lang="pt-PT" sz="3600" dirty="0"/>
           </a:p>
         </p:txBody>
       </p:sp>
@@ -25932,25 +26046,92 @@
             <p:ph type="body" sz="quarter" idx="13"/>
           </p:nvPr>
         </p:nvSpPr>
-        <p:spPr/>
+        <p:spPr>
+          <a:xfrm>
+            <a:off x="444500" y="2506190"/>
+            <a:ext cx="7288010" cy="1707199"/>
+          </a:xfrm>
+        </p:spPr>
         <p:txBody>
           <a:bodyPr/>
           <a:lstStyle/>
           <a:p>
-            <a:endParaRPr lang="pt-PT"/>
+            <a:r>
+              <a:rPr lang="pt-PT" sz="2000" dirty="0" smtClean="0"/>
+              <a:t>Submissão do vínculo de contrato</a:t>
+            </a:r>
+            <a:endParaRPr lang="pt-PT" sz="2000" dirty="0"/>
+          </a:p>
+          <a:p>
+            <a:r>
+              <a:rPr lang="pt-PT" sz="2000" dirty="0" smtClean="0"/>
+              <a:t>Submissão da declaração mensal de renumerações</a:t>
+            </a:r>
+            <a:endParaRPr lang="pt-PT" sz="2000" dirty="0"/>
+          </a:p>
+          <a:p>
+            <a:r>
+              <a:rPr lang="pt-PT" sz="2000" dirty="0" smtClean="0"/>
+              <a:t>Atualização da declaração mensal de renumerações</a:t>
+            </a:r>
+            <a:endParaRPr lang="pt-PT" sz="2000" dirty="0"/>
+          </a:p>
+          <a:p>
+            <a:r>
+              <a:rPr lang="pt-PT" sz="2000" dirty="0" smtClean="0"/>
+              <a:t>Consulta do estado da declaração mensal de renumerações</a:t>
+            </a:r>
+            <a:endParaRPr lang="pt-PT" sz="2000" dirty="0"/>
           </a:p>
         </p:txBody>
       </p:sp>
+      <p:pic>
+        <p:nvPicPr>
+          <p:cNvPr id="6" name="Picture 5"/>
+          <p:cNvPicPr>
+            <a:picLocks noChangeAspect="1"/>
+          </p:cNvPicPr>
+          <p:nvPr/>
+        </p:nvPicPr>
+        <p:blipFill>
+          <a:blip r:embed="rId2">
+            <a:extLst>
+              <a:ext uri="{28A0092B-C50C-407E-A947-70E740481C1C}">
+                <a14:useLocalDpi xmlns:a14="http://schemas.microsoft.com/office/drawing/2010/main" val="0"/>
+              </a:ext>
+            </a:extLst>
+          </a:blip>
+          <a:stretch>
+            <a:fillRect/>
+          </a:stretch>
+        </p:blipFill>
+        <p:spPr>
+          <a:xfrm>
+            <a:off x="8260029" y="4213389"/>
+            <a:ext cx="2992171" cy="1890019"/>
+          </a:xfrm>
+          <a:prstGeom prst="rect">
+            <a:avLst/>
+          </a:prstGeom>
+        </p:spPr>
+      </p:pic>
     </p:spTree>
     <p:extLst>
       <p:ext uri="{BB962C8B-B14F-4D97-AF65-F5344CB8AC3E}">
-        <p14:creationId xmlns:p14="http://schemas.microsoft.com/office/powerpoint/2010/main" val="166116310"/>
+        <p14:creationId xmlns:p14="http://schemas.microsoft.com/office/powerpoint/2010/main" val="942175089"/>
       </p:ext>
     </p:extLst>
   </p:cSld>
   <p:clrMapOvr>
     <a:masterClrMapping/>
   </p:clrMapOvr>
+  <p:timing>
+    <p:tnLst>
+      <p:par>
+        <p:cTn id="1" dur="indefinite" restart="never" nodeType="tmRoot"/>
+      </p:par>
+    </p:tnLst>
+  </p:timing>
 </p:sld>
 </file>
 
@@ -25976,7 +26157,7 @@
           <p:cNvPr id="5" name="Title 4">
             <a:extLst>
               <a:ext uri="{FF2B5EF4-FFF2-40B4-BE49-F238E27FC236}">
-                <a16:creationId xmlns="" xmlns:a16="http://schemas.microsoft.com/office/drawing/2014/main" id="{201323FB-427E-4A8D-B473-AB0657D8D23B}"/>
+                <a16:creationId xmlns:a16="http://schemas.microsoft.com/office/drawing/2014/main" xmlns="" id="{201323FB-427E-4A8D-B473-AB0657D8D23B}"/>
               </a:ext>
             </a:extLst>
           </p:cNvPr>
@@ -26016,7 +26197,7 @@
           <p:cNvPr id="6" name="Table 5">
             <a:extLst>
               <a:ext uri="{FF2B5EF4-FFF2-40B4-BE49-F238E27FC236}">
-                <a16:creationId xmlns="" xmlns:a16="http://schemas.microsoft.com/office/drawing/2014/main" id="{E8EEB296-8554-4D20-B3B8-C0BBC380A58D}"/>
+                <a16:creationId xmlns:a16="http://schemas.microsoft.com/office/drawing/2014/main" xmlns="" id="{E8EEB296-8554-4D20-B3B8-C0BBC380A58D}"/>
               </a:ext>
             </a:extLst>
           </p:cNvPr>
@@ -26045,14 +26226,14 @@
                 <a:gridCol w="3015392">
                   <a:extLst>
                     <a:ext uri="{9D8B030D-6E8A-4147-A177-3AD203B41FA5}">
-                      <a16:colId xmlns="" xmlns:a16="http://schemas.microsoft.com/office/drawing/2014/main" val="3559833401"/>
+                      <a16:colId xmlns:a16="http://schemas.microsoft.com/office/drawing/2014/main" xmlns="" val="3559833401"/>
                     </a:ext>
                   </a:extLst>
                 </a:gridCol>
                 <a:gridCol w="6987746">
                   <a:extLst>
                     <a:ext uri="{9D8B030D-6E8A-4147-A177-3AD203B41FA5}">
-                      <a16:colId xmlns="" xmlns:a16="http://schemas.microsoft.com/office/drawing/2014/main" val="82523989"/>
+                      <a16:colId xmlns:a16="http://schemas.microsoft.com/office/drawing/2014/main" xmlns="" val="82523989"/>
                     </a:ext>
                   </a:extLst>
                 </a:gridCol>
@@ -26222,7 +26403,7 @@
                 </a:tc>
                 <a:extLst>
                   <a:ext uri="{0D108BD9-81ED-4DB2-BD59-A6C34878D82A}">
-                    <a16:rowId xmlns="" xmlns:a16="http://schemas.microsoft.com/office/drawing/2014/main" val="3766630617"/>
+                    <a16:rowId xmlns:a16="http://schemas.microsoft.com/office/drawing/2014/main" xmlns="" val="3766630617"/>
                   </a:ext>
                 </a:extLst>
               </a:tr>
@@ -26374,7 +26555,7 @@
                 </a:tc>
                 <a:extLst>
                   <a:ext uri="{0D108BD9-81ED-4DB2-BD59-A6C34878D82A}">
-                    <a16:rowId xmlns="" xmlns:a16="http://schemas.microsoft.com/office/drawing/2014/main" val="3446274366"/>
+                    <a16:rowId xmlns:a16="http://schemas.microsoft.com/office/drawing/2014/main" xmlns="" val="3446274366"/>
                   </a:ext>
                 </a:extLst>
               </a:tr>
@@ -26526,7 +26707,7 @@
                 </a:tc>
                 <a:extLst>
                   <a:ext uri="{0D108BD9-81ED-4DB2-BD59-A6C34878D82A}">
-                    <a16:rowId xmlns="" xmlns:a16="http://schemas.microsoft.com/office/drawing/2014/main" val="3736384641"/>
+                    <a16:rowId xmlns:a16="http://schemas.microsoft.com/office/drawing/2014/main" xmlns="" val="3736384641"/>
                   </a:ext>
                 </a:extLst>
               </a:tr>
@@ -26663,7 +26844,7 @@
                 </a:tc>
                 <a:extLst>
                   <a:ext uri="{0D108BD9-81ED-4DB2-BD59-A6C34878D82A}">
-                    <a16:rowId xmlns="" xmlns:a16="http://schemas.microsoft.com/office/drawing/2014/main" val="3090935587"/>
+                    <a16:rowId xmlns:a16="http://schemas.microsoft.com/office/drawing/2014/main" xmlns="" val="3090935587"/>
                   </a:ext>
                 </a:extLst>
               </a:tr>
@@ -26921,16 +27102,7 @@
                           </a:solidFill>
                           <a:latin typeface="+mn-lt"/>
                         </a:rPr>
-                        <a:t> </a:t>
-                      </a:r>
-                      <a:r>
-                        <a:rPr lang="pt-PT" sz="1400" baseline="0" noProof="0" dirty="0" smtClean="0">
-                          <a:solidFill>
-                            <a:schemeClr val="bg1"/>
-                          </a:solidFill>
-                          <a:latin typeface="+mn-lt"/>
-                        </a:rPr>
-                        <a:t>dígitos com duas casas decimais</a:t>
+                        <a:t> dígitos com duas casas decimais</a:t>
                       </a:r>
                       <a:endParaRPr lang="pt-PT" sz="1400" noProof="0" dirty="0">
                         <a:solidFill>
@@ -26990,7 +27162,7 @@
                 </a:tc>
                 <a:extLst>
                   <a:ext uri="{0D108BD9-81ED-4DB2-BD59-A6C34878D82A}">
-                    <a16:rowId xmlns="" xmlns:a16="http://schemas.microsoft.com/office/drawing/2014/main" val="446909641"/>
+                    <a16:rowId xmlns:a16="http://schemas.microsoft.com/office/drawing/2014/main" xmlns="" val="446909641"/>
                   </a:ext>
                 </a:extLst>
               </a:tr>
@@ -27084,16 +27256,7 @@
                           </a:solidFill>
                           <a:latin typeface="+mn-lt"/>
                         </a:rPr>
-                        <a:t> </a:t>
-                      </a:r>
-                      <a:r>
-                        <a:rPr lang="pt-PT" sz="1400" baseline="0" noProof="0" dirty="0" smtClean="0">
-                          <a:solidFill>
-                            <a:schemeClr val="bg1"/>
-                          </a:solidFill>
-                          <a:latin typeface="+mn-lt"/>
-                        </a:rPr>
-                        <a:t>dígitos com duas casas decimais</a:t>
+                        <a:t> dígitos com duas casas decimais</a:t>
                       </a:r>
                       <a:endParaRPr lang="pt-PT" sz="1400" noProof="0" dirty="0">
                         <a:solidFill>
@@ -27155,7 +27318,7 @@
                 </a:tc>
                 <a:extLst>
                   <a:ext uri="{0D108BD9-81ED-4DB2-BD59-A6C34878D82A}">
-                    <a16:rowId xmlns="" xmlns:a16="http://schemas.microsoft.com/office/drawing/2014/main" val="3472044516"/>
+                    <a16:rowId xmlns:a16="http://schemas.microsoft.com/office/drawing/2014/main" xmlns="" val="3472044516"/>
                   </a:ext>
                 </a:extLst>
               </a:tr>
@@ -27168,7 +27331,7 @@
           <p:cNvPr id="2" name="Slide Number Placeholder 1">
             <a:extLst>
               <a:ext uri="{FF2B5EF4-FFF2-40B4-BE49-F238E27FC236}">
-                <a16:creationId xmlns="" xmlns:a16="http://schemas.microsoft.com/office/drawing/2014/main" id="{E4398C1C-6656-4A73-A680-62A81CDC27FD}"/>
+                <a16:creationId xmlns:a16="http://schemas.microsoft.com/office/drawing/2014/main" xmlns="" id="{E4398C1C-6656-4A73-A680-62A81CDC27FD}"/>
               </a:ext>
             </a:extLst>
           </p:cNvPr>
@@ -27203,6 +27366,13 @@
   <p:clrMapOvr>
     <a:masterClrMapping/>
   </p:clrMapOvr>
+  <p:timing>
+    <p:tnLst>
+      <p:par>
+        <p:cTn id="1" dur="indefinite" restart="never" nodeType="tmRoot"/>
+      </p:par>
+    </p:tnLst>
+  </p:timing>
 </p:sld>
 </file>
 
@@ -27228,7 +27398,7 @@
           <p:cNvPr id="5" name="Title 4">
             <a:extLst>
               <a:ext uri="{FF2B5EF4-FFF2-40B4-BE49-F238E27FC236}">
-                <a16:creationId xmlns="" xmlns:a16="http://schemas.microsoft.com/office/drawing/2014/main" id="{201323FB-427E-4A8D-B473-AB0657D8D23B}"/>
+                <a16:creationId xmlns:a16="http://schemas.microsoft.com/office/drawing/2014/main" xmlns="" id="{201323FB-427E-4A8D-B473-AB0657D8D23B}"/>
               </a:ext>
             </a:extLst>
           </p:cNvPr>
@@ -27268,7 +27438,7 @@
           <p:cNvPr id="6" name="Table 5">
             <a:extLst>
               <a:ext uri="{FF2B5EF4-FFF2-40B4-BE49-F238E27FC236}">
-                <a16:creationId xmlns="" xmlns:a16="http://schemas.microsoft.com/office/drawing/2014/main" id="{E8EEB296-8554-4D20-B3B8-C0BBC380A58D}"/>
+                <a16:creationId xmlns:a16="http://schemas.microsoft.com/office/drawing/2014/main" xmlns="" id="{E8EEB296-8554-4D20-B3B8-C0BBC380A58D}"/>
               </a:ext>
             </a:extLst>
           </p:cNvPr>
@@ -27297,14 +27467,14 @@
                 <a:gridCol w="3015392">
                   <a:extLst>
                     <a:ext uri="{9D8B030D-6E8A-4147-A177-3AD203B41FA5}">
-                      <a16:colId xmlns="" xmlns:a16="http://schemas.microsoft.com/office/drawing/2014/main" val="3559833401"/>
+                      <a16:colId xmlns:a16="http://schemas.microsoft.com/office/drawing/2014/main" xmlns="" val="3559833401"/>
                     </a:ext>
                   </a:extLst>
                 </a:gridCol>
                 <a:gridCol w="6987746">
                   <a:extLst>
                     <a:ext uri="{9D8B030D-6E8A-4147-A177-3AD203B41FA5}">
-                      <a16:colId xmlns="" xmlns:a16="http://schemas.microsoft.com/office/drawing/2014/main" val="82523989"/>
+                      <a16:colId xmlns:a16="http://schemas.microsoft.com/office/drawing/2014/main" xmlns="" val="82523989"/>
                     </a:ext>
                   </a:extLst>
                 </a:gridCol>
@@ -27474,7 +27644,7 @@
                 </a:tc>
                 <a:extLst>
                   <a:ext uri="{0D108BD9-81ED-4DB2-BD59-A6C34878D82A}">
-                    <a16:rowId xmlns="" xmlns:a16="http://schemas.microsoft.com/office/drawing/2014/main" val="3766630617"/>
+                    <a16:rowId xmlns:a16="http://schemas.microsoft.com/office/drawing/2014/main" xmlns="" val="3766630617"/>
                   </a:ext>
                 </a:extLst>
               </a:tr>
@@ -27626,7 +27796,7 @@
                 </a:tc>
                 <a:extLst>
                   <a:ext uri="{0D108BD9-81ED-4DB2-BD59-A6C34878D82A}">
-                    <a16:rowId xmlns="" xmlns:a16="http://schemas.microsoft.com/office/drawing/2014/main" val="3446274366"/>
+                    <a16:rowId xmlns:a16="http://schemas.microsoft.com/office/drawing/2014/main" xmlns="" val="3446274366"/>
                   </a:ext>
                 </a:extLst>
               </a:tr>
@@ -27782,7 +27952,7 @@
                 </a:tc>
                 <a:extLst>
                   <a:ext uri="{0D108BD9-81ED-4DB2-BD59-A6C34878D82A}">
-                    <a16:rowId xmlns="" xmlns:a16="http://schemas.microsoft.com/office/drawing/2014/main" val="1758271508"/>
+                    <a16:rowId xmlns:a16="http://schemas.microsoft.com/office/drawing/2014/main" xmlns="" val="1758271508"/>
                   </a:ext>
                 </a:extLst>
               </a:tr>
@@ -27934,7 +28104,7 @@
                 </a:tc>
                 <a:extLst>
                   <a:ext uri="{0D108BD9-81ED-4DB2-BD59-A6C34878D82A}">
-                    <a16:rowId xmlns="" xmlns:a16="http://schemas.microsoft.com/office/drawing/2014/main" val="3736384641"/>
+                    <a16:rowId xmlns:a16="http://schemas.microsoft.com/office/drawing/2014/main" xmlns="" val="3736384641"/>
                   </a:ext>
                 </a:extLst>
               </a:tr>
@@ -28071,7 +28241,7 @@
                 </a:tc>
                 <a:extLst>
                   <a:ext uri="{0D108BD9-81ED-4DB2-BD59-A6C34878D82A}">
-                    <a16:rowId xmlns="" xmlns:a16="http://schemas.microsoft.com/office/drawing/2014/main" val="3090935587"/>
+                    <a16:rowId xmlns:a16="http://schemas.microsoft.com/office/drawing/2014/main" xmlns="" val="3090935587"/>
                   </a:ext>
                 </a:extLst>
               </a:tr>
@@ -28510,7 +28680,7 @@
           <p:cNvPr id="2" name="Slide Number Placeholder 1">
             <a:extLst>
               <a:ext uri="{FF2B5EF4-FFF2-40B4-BE49-F238E27FC236}">
-                <a16:creationId xmlns="" xmlns:a16="http://schemas.microsoft.com/office/drawing/2014/main" id="{E4398C1C-6656-4A73-A680-62A81CDC27FD}"/>
+                <a16:creationId xmlns:a16="http://schemas.microsoft.com/office/drawing/2014/main" xmlns="" id="{E4398C1C-6656-4A73-A680-62A81CDC27FD}"/>
               </a:ext>
             </a:extLst>
           </p:cNvPr>
@@ -28545,6 +28715,13 @@
   <p:clrMapOvr>
     <a:masterClrMapping/>
   </p:clrMapOvr>
+  <p:timing>
+    <p:tnLst>
+      <p:par>
+        <p:cTn id="1" dur="indefinite" restart="never" nodeType="tmRoot"/>
+      </p:par>
+    </p:tnLst>
+  </p:timing>
 </p:sld>
 </file>
 
@@ -28570,7 +28747,7 @@
           <p:cNvPr id="5" name="Title 4">
             <a:extLst>
               <a:ext uri="{FF2B5EF4-FFF2-40B4-BE49-F238E27FC236}">
-                <a16:creationId xmlns="" xmlns:a16="http://schemas.microsoft.com/office/drawing/2014/main" id="{201323FB-427E-4A8D-B473-AB0657D8D23B}"/>
+                <a16:creationId xmlns:a16="http://schemas.microsoft.com/office/drawing/2014/main" xmlns="" id="{201323FB-427E-4A8D-B473-AB0657D8D23B}"/>
               </a:ext>
             </a:extLst>
           </p:cNvPr>
@@ -28610,7 +28787,7 @@
           <p:cNvPr id="6" name="Table 5">
             <a:extLst>
               <a:ext uri="{FF2B5EF4-FFF2-40B4-BE49-F238E27FC236}">
-                <a16:creationId xmlns="" xmlns:a16="http://schemas.microsoft.com/office/drawing/2014/main" id="{E8EEB296-8554-4D20-B3B8-C0BBC380A58D}"/>
+                <a16:creationId xmlns:a16="http://schemas.microsoft.com/office/drawing/2014/main" xmlns="" id="{E8EEB296-8554-4D20-B3B8-C0BBC380A58D}"/>
               </a:ext>
             </a:extLst>
           </p:cNvPr>
@@ -28639,14 +28816,14 @@
                 <a:gridCol w="3015392">
                   <a:extLst>
                     <a:ext uri="{9D8B030D-6E8A-4147-A177-3AD203B41FA5}">
-                      <a16:colId xmlns="" xmlns:a16="http://schemas.microsoft.com/office/drawing/2014/main" val="3559833401"/>
+                      <a16:colId xmlns:a16="http://schemas.microsoft.com/office/drawing/2014/main" xmlns="" val="3559833401"/>
                     </a:ext>
                   </a:extLst>
                 </a:gridCol>
                 <a:gridCol w="6987746">
                   <a:extLst>
                     <a:ext uri="{9D8B030D-6E8A-4147-A177-3AD203B41FA5}">
-                      <a16:colId xmlns="" xmlns:a16="http://schemas.microsoft.com/office/drawing/2014/main" val="82523989"/>
+                      <a16:colId xmlns:a16="http://schemas.microsoft.com/office/drawing/2014/main" xmlns="" val="82523989"/>
                     </a:ext>
                   </a:extLst>
                 </a:gridCol>
@@ -28816,7 +28993,7 @@
                 </a:tc>
                 <a:extLst>
                   <a:ext uri="{0D108BD9-81ED-4DB2-BD59-A6C34878D82A}">
-                    <a16:rowId xmlns="" xmlns:a16="http://schemas.microsoft.com/office/drawing/2014/main" val="3766630617"/>
+                    <a16:rowId xmlns:a16="http://schemas.microsoft.com/office/drawing/2014/main" xmlns="" val="3766630617"/>
                   </a:ext>
                 </a:extLst>
               </a:tr>
@@ -28908,16 +29085,7 @@
                           </a:solidFill>
                           <a:latin typeface="+mn-lt"/>
                         </a:rPr>
-                        <a:t> </a:t>
-                      </a:r>
-                      <a:r>
-                        <a:rPr lang="pt-PT" sz="1400" baseline="0" noProof="0" dirty="0" smtClean="0">
-                          <a:solidFill>
-                            <a:schemeClr val="bg1"/>
-                          </a:solidFill>
-                          <a:latin typeface="+mn-lt"/>
-                        </a:rPr>
-                        <a:t>dígitos com duas casas decimais</a:t>
+                        <a:t> dígitos com duas casas decimais</a:t>
                       </a:r>
                       <a:endParaRPr lang="pt-PT" sz="1400" noProof="0" dirty="0">
                         <a:solidFill>
@@ -28977,7 +29145,7 @@
                 </a:tc>
                 <a:extLst>
                   <a:ext uri="{0D108BD9-81ED-4DB2-BD59-A6C34878D82A}">
-                    <a16:rowId xmlns="" xmlns:a16="http://schemas.microsoft.com/office/drawing/2014/main" val="3446274366"/>
+                    <a16:rowId xmlns:a16="http://schemas.microsoft.com/office/drawing/2014/main" xmlns="" val="3446274366"/>
                   </a:ext>
                 </a:extLst>
               </a:tr>
@@ -29071,16 +29239,7 @@
                           </a:solidFill>
                           <a:latin typeface="+mn-lt"/>
                         </a:rPr>
-                        <a:t> </a:t>
-                      </a:r>
-                      <a:r>
-                        <a:rPr lang="pt-PT" sz="1400" baseline="0" noProof="0" dirty="0" smtClean="0">
-                          <a:solidFill>
-                            <a:schemeClr val="bg1"/>
-                          </a:solidFill>
-                          <a:latin typeface="+mn-lt"/>
-                        </a:rPr>
-                        <a:t>dígitos com duas casas decimais</a:t>
+                        <a:t> dígitos com duas casas decimais</a:t>
                       </a:r>
                       <a:endParaRPr lang="pt-PT" sz="1400" noProof="0" dirty="0">
                         <a:solidFill>
@@ -29142,7 +29301,7 @@
                 </a:tc>
                 <a:extLst>
                   <a:ext uri="{0D108BD9-81ED-4DB2-BD59-A6C34878D82A}">
-                    <a16:rowId xmlns="" xmlns:a16="http://schemas.microsoft.com/office/drawing/2014/main" val="1758271508"/>
+                    <a16:rowId xmlns:a16="http://schemas.microsoft.com/office/drawing/2014/main" xmlns="" val="1758271508"/>
                   </a:ext>
                 </a:extLst>
               </a:tr>
@@ -29294,7 +29453,7 @@
                 </a:tc>
                 <a:extLst>
                   <a:ext uri="{0D108BD9-81ED-4DB2-BD59-A6C34878D82A}">
-                    <a16:rowId xmlns="" xmlns:a16="http://schemas.microsoft.com/office/drawing/2014/main" val="3736384641"/>
+                    <a16:rowId xmlns:a16="http://schemas.microsoft.com/office/drawing/2014/main" xmlns="" val="3736384641"/>
                   </a:ext>
                 </a:extLst>
               </a:tr>
@@ -29377,14 +29536,6 @@
                         </a:rPr>
                         <a:t>Três dígitos com duas casas decimais</a:t>
                       </a:r>
-                      <a:endParaRPr lang="pt-PT" sz="1400" kern="1200" noProof="0" dirty="0" smtClean="0">
-                        <a:solidFill>
-                          <a:schemeClr val="bg1"/>
-                        </a:solidFill>
-                        <a:latin typeface="+mn-lt"/>
-                        <a:ea typeface="+mn-ea"/>
-                        <a:cs typeface="+mn-cs"/>
-                      </a:endParaRPr>
                     </a:p>
                   </a:txBody>
                   <a:tcPr anchor="ctr">
@@ -29439,7 +29590,7 @@
                 </a:tc>
                 <a:extLst>
                   <a:ext uri="{0D108BD9-81ED-4DB2-BD59-A6C34878D82A}">
-                    <a16:rowId xmlns="" xmlns:a16="http://schemas.microsoft.com/office/drawing/2014/main" val="3090935587"/>
+                    <a16:rowId xmlns:a16="http://schemas.microsoft.com/office/drawing/2014/main" xmlns="" val="3090935587"/>
                   </a:ext>
                 </a:extLst>
               </a:tr>
@@ -29528,14 +29679,6 @@
                         </a:rPr>
                         <a:t>Quatro dígitos com duas casas decimais</a:t>
                       </a:r>
-                      <a:endParaRPr lang="pt-PT" sz="1400" kern="1200" noProof="0" dirty="0" smtClean="0">
-                        <a:solidFill>
-                          <a:schemeClr val="bg1"/>
-                        </a:solidFill>
-                        <a:latin typeface="+mn-lt"/>
-                        <a:ea typeface="+mn-ea"/>
-                        <a:cs typeface="+mn-cs"/>
-                      </a:endParaRPr>
                     </a:p>
                   </a:txBody>
                   <a:tcPr anchor="ctr">
@@ -29674,14 +29817,6 @@
                         </a:rPr>
                         <a:t>Quatro dígitos com duas casas decimais</a:t>
                       </a:r>
-                      <a:endParaRPr lang="pt-PT" sz="1400" kern="1200" noProof="0" dirty="0" smtClean="0">
-                        <a:solidFill>
-                          <a:schemeClr val="bg1"/>
-                        </a:solidFill>
-                        <a:latin typeface="+mn-lt"/>
-                        <a:ea typeface="+mn-ea"/>
-                        <a:cs typeface="+mn-cs"/>
-                      </a:endParaRPr>
                     </a:p>
                   </a:txBody>
                   <a:tcPr anchor="ctr">
@@ -29895,7 +30030,7 @@
           <p:cNvPr id="2" name="Slide Number Placeholder 1">
             <a:extLst>
               <a:ext uri="{FF2B5EF4-FFF2-40B4-BE49-F238E27FC236}">
-                <a16:creationId xmlns="" xmlns:a16="http://schemas.microsoft.com/office/drawing/2014/main" id="{E4398C1C-6656-4A73-A680-62A81CDC27FD}"/>
+                <a16:creationId xmlns:a16="http://schemas.microsoft.com/office/drawing/2014/main" xmlns="" id="{E4398C1C-6656-4A73-A680-62A81CDC27FD}"/>
               </a:ext>
             </a:extLst>
           </p:cNvPr>
@@ -29930,6 +30065,13 @@
   <p:clrMapOvr>
     <a:masterClrMapping/>
   </p:clrMapOvr>
+  <p:timing>
+    <p:tnLst>
+      <p:par>
+        <p:cTn id="1" dur="indefinite" restart="never" nodeType="tmRoot"/>
+      </p:par>
+    </p:tnLst>
+  </p:timing>
 </p:sld>
 </file>
 
@@ -29955,7 +30097,7 @@
           <p:cNvPr id="4" name="Title 3">
             <a:extLst>
               <a:ext uri="{FF2B5EF4-FFF2-40B4-BE49-F238E27FC236}">
-                <a16:creationId xmlns="" xmlns:a16="http://schemas.microsoft.com/office/drawing/2014/main" id="{E3BD8413-C238-49D7-A4E1-E8FEF1811A0E}"/>
+                <a16:creationId xmlns:a16="http://schemas.microsoft.com/office/drawing/2014/main" xmlns="" id="{E3BD8413-C238-49D7-A4E1-E8FEF1811A0E}"/>
               </a:ext>
             </a:extLst>
           </p:cNvPr>
@@ -29983,7 +30125,7 @@
           <p:cNvPr id="2" name="Slide Number Placeholder 1">
             <a:extLst>
               <a:ext uri="{FF2B5EF4-FFF2-40B4-BE49-F238E27FC236}">
-                <a16:creationId xmlns="" xmlns:a16="http://schemas.microsoft.com/office/drawing/2014/main" id="{0B24BF10-2B55-43AB-9F77-F1A1410384A9}"/>
+                <a16:creationId xmlns:a16="http://schemas.microsoft.com/office/drawing/2014/main" xmlns="" id="{0B24BF10-2B55-43AB-9F77-F1A1410384A9}"/>
               </a:ext>
             </a:extLst>
           </p:cNvPr>
@@ -30037,6 +30179,13 @@
   <p:clrMapOvr>
     <a:masterClrMapping/>
   </p:clrMapOvr>
+  <p:timing>
+    <p:tnLst>
+      <p:par>
+        <p:cTn id="1" dur="indefinite" restart="never" nodeType="tmRoot"/>
+      </p:par>
+    </p:tnLst>
+  </p:timing>
 </p:sld>
 </file>
 
@@ -30062,7 +30211,7 @@
           <p:cNvPr id="7" name="Title 6">
             <a:extLst>
               <a:ext uri="{FF2B5EF4-FFF2-40B4-BE49-F238E27FC236}">
-                <a16:creationId xmlns="" xmlns:a16="http://schemas.microsoft.com/office/drawing/2014/main" id="{7875C19A-1AAE-476A-A316-A2CF92D763D3}"/>
+                <a16:creationId xmlns:a16="http://schemas.microsoft.com/office/drawing/2014/main" xmlns="" id="{7875C19A-1AAE-476A-A316-A2CF92D763D3}"/>
               </a:ext>
             </a:extLst>
           </p:cNvPr>
@@ -30073,13 +30222,18 @@
             <p:ph type="title"/>
           </p:nvPr>
         </p:nvSpPr>
-        <p:spPr/>
+        <p:spPr>
+          <a:xfrm>
+            <a:off x="444500" y="542925"/>
+            <a:ext cx="11214100" cy="590931"/>
+          </a:xfrm>
+        </p:spPr>
         <p:txBody>
           <a:bodyPr/>
           <a:lstStyle/>
           <a:p>
             <a:r>
-              <a:rPr lang="pt-PT" dirty="0"/>
+              <a:rPr lang="pt-PT" sz="3600" dirty="0"/>
               <a:t>Especificação de Requisitos</a:t>
             </a:r>
           </a:p>
@@ -30090,7 +30244,7 @@
           <p:cNvPr id="10" name="Text Placeholder 9">
             <a:extLst>
               <a:ext uri="{FF2B5EF4-FFF2-40B4-BE49-F238E27FC236}">
-                <a16:creationId xmlns="" xmlns:a16="http://schemas.microsoft.com/office/drawing/2014/main" id="{EF2BC084-E6DB-4DE7-B309-042A85EBA700}"/>
+                <a16:creationId xmlns:a16="http://schemas.microsoft.com/office/drawing/2014/main" xmlns="" id="{EF2BC084-E6DB-4DE7-B309-042A85EBA700}"/>
               </a:ext>
             </a:extLst>
           </p:cNvPr>
@@ -30177,7 +30331,7 @@
           <p:cNvPr id="2" name="Slide Number Placeholder 1">
             <a:extLst>
               <a:ext uri="{FF2B5EF4-FFF2-40B4-BE49-F238E27FC236}">
-                <a16:creationId xmlns="" xmlns:a16="http://schemas.microsoft.com/office/drawing/2014/main" id="{BE9800F6-D571-48C4-8466-12AA1ADB6599}"/>
+                <a16:creationId xmlns:a16="http://schemas.microsoft.com/office/drawing/2014/main" xmlns="" id="{BE9800F6-D571-48C4-8466-12AA1ADB6599}"/>
               </a:ext>
             </a:extLst>
           </p:cNvPr>
@@ -30212,6 +30366,13 @@
   <p:clrMapOvr>
     <a:masterClrMapping/>
   </p:clrMapOvr>
+  <p:timing>
+    <p:tnLst>
+      <p:par>
+        <p:cTn id="1" dur="indefinite" restart="never" nodeType="tmRoot"/>
+      </p:par>
+    </p:tnLst>
+  </p:timing>
 </p:sld>
 </file>
 
@@ -30242,13 +30403,18 @@
             <p:ph type="title"/>
           </p:nvPr>
         </p:nvSpPr>
-        <p:spPr/>
+        <p:spPr>
+          <a:xfrm>
+            <a:off x="444500" y="542925"/>
+            <a:ext cx="11214100" cy="590931"/>
+          </a:xfrm>
+        </p:spPr>
         <p:txBody>
           <a:bodyPr/>
           <a:lstStyle/>
           <a:p>
             <a:r>
-              <a:rPr lang="pt-PT" dirty="0"/>
+              <a:rPr lang="pt-PT" sz="3600" dirty="0"/>
               <a:t>Esboço de Interface</a:t>
             </a:r>
           </a:p>
@@ -30300,7 +30466,7 @@
         </p:blipFill>
         <p:spPr>
           <a:xfrm>
-            <a:off x="4155209" y="1963795"/>
+            <a:off x="4503521" y="1896289"/>
             <a:ext cx="3096057" cy="3600953"/>
           </a:xfrm>
           <a:prstGeom prst="rect">
@@ -30318,6 +30484,13 @@
   <p:clrMapOvr>
     <a:masterClrMapping/>
   </p:clrMapOvr>
+  <p:timing>
+    <p:tnLst>
+      <p:par>
+        <p:cTn id="1" dur="indefinite" restart="never" nodeType="tmRoot"/>
+      </p:par>
+    </p:tnLst>
+  </p:timing>
 </p:sld>
 </file>
 
@@ -30343,7 +30516,7 @@
           <p:cNvPr id="4" name="Title 3">
             <a:extLst>
               <a:ext uri="{FF2B5EF4-FFF2-40B4-BE49-F238E27FC236}">
-                <a16:creationId xmlns="" xmlns:a16="http://schemas.microsoft.com/office/drawing/2014/main" id="{315E3981-F0D7-482C-A8E0-6A57700BECA7}"/>
+                <a16:creationId xmlns:a16="http://schemas.microsoft.com/office/drawing/2014/main" xmlns="" id="{315E3981-F0D7-482C-A8E0-6A57700BECA7}"/>
               </a:ext>
             </a:extLst>
           </p:cNvPr>
@@ -30354,13 +30527,18 @@
             <p:ph type="title"/>
           </p:nvPr>
         </p:nvSpPr>
-        <p:spPr/>
+        <p:spPr>
+          <a:xfrm>
+            <a:off x="444500" y="542925"/>
+            <a:ext cx="11214100" cy="590931"/>
+          </a:xfrm>
+        </p:spPr>
         <p:txBody>
           <a:bodyPr/>
           <a:lstStyle/>
           <a:p>
             <a:r>
-              <a:rPr lang="pt-PT" dirty="0"/>
+              <a:rPr lang="pt-PT" sz="3600" dirty="0"/>
               <a:t>Sprints e Testes</a:t>
             </a:r>
           </a:p>
@@ -30371,7 +30549,7 @@
           <p:cNvPr id="2" name="Slide Number Placeholder 1">
             <a:extLst>
               <a:ext uri="{FF2B5EF4-FFF2-40B4-BE49-F238E27FC236}">
-                <a16:creationId xmlns="" xmlns:a16="http://schemas.microsoft.com/office/drawing/2014/main" id="{520FC4EE-F318-4344-9E3C-B950ADB63865}"/>
+                <a16:creationId xmlns:a16="http://schemas.microsoft.com/office/drawing/2014/main" xmlns="" id="{520FC4EE-F318-4344-9E3C-B950ADB63865}"/>
               </a:ext>
             </a:extLst>
           </p:cNvPr>
@@ -30401,7 +30579,7 @@
           <p:cNvPr id="8" name="Text Placeholder 7">
             <a:extLst>
               <a:ext uri="{FF2B5EF4-FFF2-40B4-BE49-F238E27FC236}">
-                <a16:creationId xmlns="" xmlns:a16="http://schemas.microsoft.com/office/drawing/2014/main" id="{47DC4E62-1A34-4F98-A451-214F1808519C}"/>
+                <a16:creationId xmlns:a16="http://schemas.microsoft.com/office/drawing/2014/main" xmlns="" id="{47DC4E62-1A34-4F98-A451-214F1808519C}"/>
               </a:ext>
             </a:extLst>
           </p:cNvPr>
@@ -30412,19 +30590,29 @@
             <p:ph type="body" sz="quarter" idx="2"/>
           </p:nvPr>
         </p:nvSpPr>
-        <p:spPr/>
+        <p:spPr>
+          <a:xfrm>
+            <a:off x="1211615" y="2014122"/>
+            <a:ext cx="3145367" cy="3684588"/>
+          </a:xfrm>
+        </p:spPr>
         <p:txBody>
           <a:bodyPr>
             <a:normAutofit/>
           </a:bodyPr>
           <a:lstStyle/>
           <a:p>
+            <a:pPr marL="0" indent="0" algn="ctr">
+              <a:buNone/>
+            </a:pPr>
             <a:r>
               <a:rPr lang="pt-PT" sz="2400" dirty="0"/>
-              <a:t>Sprints quinzenais</a:t>
+              <a:t>Sprints </a:t>
             </a:r>
-          </a:p>
-          <a:p>
+            <a:r>
+              <a:rPr lang="pt-PT" sz="2400" dirty="0" smtClean="0"/>
+              <a:t>quinzenais</a:t>
+            </a:r>
             <a:endParaRPr lang="pt-PT" sz="2400" dirty="0"/>
           </a:p>
         </p:txBody>
@@ -30434,7 +30622,7 @@
           <p:cNvPr id="6" name="Text Placeholder 5">
             <a:extLst>
               <a:ext uri="{FF2B5EF4-FFF2-40B4-BE49-F238E27FC236}">
-                <a16:creationId xmlns="" xmlns:a16="http://schemas.microsoft.com/office/drawing/2014/main" id="{000A9570-5EF6-4AFB-9FCA-7C8998E3FEB1}"/>
+                <a16:creationId xmlns:a16="http://schemas.microsoft.com/office/drawing/2014/main" xmlns="" id="{000A9570-5EF6-4AFB-9FCA-7C8998E3FEB1}"/>
               </a:ext>
             </a:extLst>
           </p:cNvPr>
@@ -30445,13 +30633,23 @@
             <p:ph type="body" sz="quarter" idx="4"/>
           </p:nvPr>
         </p:nvSpPr>
-        <p:spPr/>
+        <p:spPr>
+          <a:xfrm>
+            <a:off x="6070882" y="2014122"/>
+            <a:ext cx="5181318" cy="3684588"/>
+          </a:xfrm>
+        </p:spPr>
         <p:txBody>
-          <a:bodyPr/>
+          <a:bodyPr>
+            <a:normAutofit/>
+          </a:bodyPr>
           <a:lstStyle/>
           <a:p>
+            <a:pPr marL="0" indent="0" algn="ctr">
+              <a:buNone/>
+            </a:pPr>
             <a:r>
-              <a:rPr lang="pt-PT" dirty="0"/>
+              <a:rPr lang="pt-PT" sz="2400" dirty="0"/>
               <a:t>Testes manuais e automatizados</a:t>
             </a:r>
           </a:p>
@@ -30478,7 +30676,7 @@
         </p:blipFill>
         <p:spPr>
           <a:xfrm>
-            <a:off x="730293" y="3252565"/>
+            <a:off x="1458725" y="2761612"/>
             <a:ext cx="2651145" cy="2559092"/>
           </a:xfrm>
           <a:prstGeom prst="rect">
@@ -30502,8 +30700,8 @@
         </p:blipFill>
         <p:spPr>
           <a:xfrm>
-            <a:off x="6475412" y="3448180"/>
-            <a:ext cx="3791643" cy="2363477"/>
+            <a:off x="6765719" y="2761612"/>
+            <a:ext cx="3791643" cy="2559092"/>
           </a:xfrm>
           <a:prstGeom prst="rect">
             <a:avLst/>
@@ -30520,6 +30718,13 @@
   <p:clrMapOvr>
     <a:masterClrMapping/>
   </p:clrMapOvr>
+  <p:timing>
+    <p:tnLst>
+      <p:par>
+        <p:cTn id="1" dur="indefinite" restart="never" nodeType="tmRoot"/>
+      </p:par>
+    </p:tnLst>
+  </p:timing>
 </p:sld>
 </file>
 
@@ -30545,7 +30750,7 @@
           <p:cNvPr id="7" name="Title 6">
             <a:extLst>
               <a:ext uri="{FF2B5EF4-FFF2-40B4-BE49-F238E27FC236}">
-                <a16:creationId xmlns="" xmlns:a16="http://schemas.microsoft.com/office/drawing/2014/main" id="{7875C19A-1AAE-476A-A316-A2CF92D763D3}"/>
+                <a16:creationId xmlns:a16="http://schemas.microsoft.com/office/drawing/2014/main" xmlns="" id="{7875C19A-1AAE-476A-A316-A2CF92D763D3}"/>
               </a:ext>
             </a:extLst>
           </p:cNvPr>
@@ -30573,7 +30778,7 @@
           <p:cNvPr id="10" name="Text Placeholder 9">
             <a:extLst>
               <a:ext uri="{FF2B5EF4-FFF2-40B4-BE49-F238E27FC236}">
-                <a16:creationId xmlns="" xmlns:a16="http://schemas.microsoft.com/office/drawing/2014/main" id="{EF2BC084-E6DB-4DE7-B309-042A85EBA700}"/>
+                <a16:creationId xmlns:a16="http://schemas.microsoft.com/office/drawing/2014/main" xmlns="" id="{EF2BC084-E6DB-4DE7-B309-042A85EBA700}"/>
               </a:ext>
             </a:extLst>
           </p:cNvPr>
@@ -30587,7 +30792,7 @@
         <p:spPr>
           <a:xfrm>
             <a:off x="444500" y="1658205"/>
-            <a:ext cx="6718300" cy="3704477"/>
+            <a:ext cx="2998308" cy="3704477"/>
           </a:xfrm>
         </p:spPr>
         <p:txBody>
@@ -30595,32 +30800,32 @@
           <a:lstStyle/>
           <a:p>
             <a:r>
-              <a:rPr lang="en-US" dirty="0" err="1"/>
+              <a:rPr lang="en-US" sz="2000" dirty="0" err="1"/>
               <a:t>TortoiseSVN</a:t>
             </a:r>
-            <a:endParaRPr lang="en-US" dirty="0"/>
+            <a:endParaRPr lang="en-US" sz="2000" dirty="0"/>
+          </a:p>
+          <a:p>
+            <a:endParaRPr lang="en-US" sz="2000" dirty="0"/>
+          </a:p>
+          <a:p>
+            <a:endParaRPr lang="en-US" sz="2000" dirty="0"/>
+          </a:p>
+          <a:p>
+            <a:endParaRPr lang="en-US" sz="2000" dirty="0"/>
           </a:p>
           <a:p>
             <a:endParaRPr lang="en-US" dirty="0"/>
           </a:p>
           <a:p>
-            <a:endParaRPr lang="en-US" dirty="0"/>
-          </a:p>
-          <a:p>
-            <a:endParaRPr lang="en-US" dirty="0"/>
-          </a:p>
-          <a:p>
-            <a:endParaRPr lang="en-US" dirty="0"/>
-          </a:p>
-          <a:p>
-            <a:endParaRPr lang="en-US" dirty="0"/>
-          </a:p>
-          <a:p>
-            <a:endParaRPr lang="en-US" dirty="0"/>
+            <a:pPr marL="0" indent="0">
+              <a:buNone/>
+            </a:pPr>
+            <a:endParaRPr lang="en-US" sz="1800" dirty="0"/>
           </a:p>
           <a:p>
             <a:r>
-              <a:rPr lang="en-US" dirty="0"/>
+              <a:rPr lang="en-US" sz="2000" dirty="0"/>
               <a:t>Jenkins</a:t>
             </a:r>
           </a:p>
@@ -30631,7 +30836,7 @@
           <p:cNvPr id="2" name="Slide Number Placeholder 1">
             <a:extLst>
               <a:ext uri="{FF2B5EF4-FFF2-40B4-BE49-F238E27FC236}">
-                <a16:creationId xmlns="" xmlns:a16="http://schemas.microsoft.com/office/drawing/2014/main" id="{BE9800F6-D571-48C4-8466-12AA1ADB6599}"/>
+                <a16:creationId xmlns:a16="http://schemas.microsoft.com/office/drawing/2014/main" xmlns="" id="{BE9800F6-D571-48C4-8466-12AA1ADB6599}"/>
               </a:ext>
             </a:extLst>
           </p:cNvPr>
@@ -30678,7 +30883,7 @@
         </p:blipFill>
         <p:spPr>
           <a:xfrm>
-            <a:off x="443051" y="2283912"/>
+            <a:off x="571928" y="2283912"/>
             <a:ext cx="2683876" cy="1610326"/>
           </a:xfrm>
           <a:prstGeom prst="rect">
@@ -30708,7 +30913,7 @@
         </p:blipFill>
         <p:spPr>
           <a:xfrm>
-            <a:off x="443051" y="4779884"/>
+            <a:off x="571928" y="4779884"/>
             <a:ext cx="2683876" cy="1660164"/>
           </a:xfrm>
           <a:prstGeom prst="rect">
@@ -30716,6 +30921,460 @@
           </a:prstGeom>
         </p:spPr>
       </p:pic>
+      <p:sp>
+        <p:nvSpPr>
+          <p:cNvPr id="8" name="Text Placeholder 9">
+            <a:extLst>
+              <a:ext uri="{FF2B5EF4-FFF2-40B4-BE49-F238E27FC236}">
+                <a16:creationId xmlns:a16="http://schemas.microsoft.com/office/drawing/2014/main" xmlns="" id="{EF2BC084-E6DB-4DE7-B309-042A85EBA700}"/>
+              </a:ext>
+            </a:extLst>
+          </p:cNvPr>
+          <p:cNvSpPr txBox="1">
+            <a:spLocks/>
+          </p:cNvSpPr>
+          <p:nvPr/>
+        </p:nvSpPr>
+        <p:spPr>
+          <a:xfrm>
+            <a:off x="3442808" y="2883596"/>
+            <a:ext cx="6718300" cy="410958"/>
+          </a:xfrm>
+          <a:prstGeom prst="rect">
+            <a:avLst/>
+          </a:prstGeom>
+        </p:spPr>
+        <p:txBody>
+          <a:bodyPr vert="horz" lIns="91440" tIns="45720" rIns="91440" bIns="45720" rtlCol="0">
+            <a:noAutofit/>
+          </a:bodyPr>
+          <a:lstStyle>
+            <a:lvl1pPr marL="228600" indent="-228600" algn="l" defTabSz="914400" rtl="0" eaLnBrk="1" latinLnBrk="0" hangingPunct="1">
+              <a:lnSpc>
+                <a:spcPct val="100000"/>
+              </a:lnSpc>
+              <a:spcBef>
+                <a:spcPts val="600"/>
+              </a:spcBef>
+              <a:spcAft>
+                <a:spcPts val="400"/>
+              </a:spcAft>
+              <a:buClr>
+                <a:schemeClr val="accent2"/>
+              </a:buClr>
+              <a:buFont typeface="Arial" panose="020B0604020202020204" pitchFamily="34" charset="0"/>
+              <a:buChar char="•"/>
+              <a:defRPr sz="1600" kern="1200">
+                <a:solidFill>
+                  <a:schemeClr val="bg1"/>
+                </a:solidFill>
+                <a:latin typeface="+mn-lt"/>
+                <a:ea typeface="+mn-ea"/>
+                <a:cs typeface="Arial" panose="020B0604020202020204" pitchFamily="34" charset="0"/>
+              </a:defRPr>
+            </a:lvl1pPr>
+            <a:lvl2pPr marL="685800" indent="-228600" algn="l" defTabSz="914400" rtl="0" eaLnBrk="1" latinLnBrk="0" hangingPunct="1">
+              <a:lnSpc>
+                <a:spcPct val="100000"/>
+              </a:lnSpc>
+              <a:spcBef>
+                <a:spcPts val="600"/>
+              </a:spcBef>
+              <a:spcAft>
+                <a:spcPts val="400"/>
+              </a:spcAft>
+              <a:buClr>
+                <a:schemeClr val="accent2"/>
+              </a:buClr>
+              <a:buFont typeface="Arial" panose="020B0604020202020204" pitchFamily="34" charset="0"/>
+              <a:buChar char="•"/>
+              <a:defRPr sz="1400" kern="1200">
+                <a:solidFill>
+                  <a:schemeClr val="bg1"/>
+                </a:solidFill>
+                <a:latin typeface="+mn-lt"/>
+                <a:ea typeface="+mn-ea"/>
+                <a:cs typeface="Arial" panose="020B0604020202020204" pitchFamily="34" charset="0"/>
+              </a:defRPr>
+            </a:lvl2pPr>
+            <a:lvl3pPr marL="1143000" indent="-228600" algn="l" defTabSz="914400" rtl="0" eaLnBrk="1" latinLnBrk="0" hangingPunct="1">
+              <a:lnSpc>
+                <a:spcPct val="100000"/>
+              </a:lnSpc>
+              <a:spcBef>
+                <a:spcPts val="600"/>
+              </a:spcBef>
+              <a:spcAft>
+                <a:spcPts val="400"/>
+              </a:spcAft>
+              <a:buClr>
+                <a:schemeClr val="accent2"/>
+              </a:buClr>
+              <a:buFont typeface="Arial" panose="020B0604020202020204" pitchFamily="34" charset="0"/>
+              <a:buChar char="•"/>
+              <a:defRPr sz="1200" kern="1200">
+                <a:solidFill>
+                  <a:schemeClr val="bg1"/>
+                </a:solidFill>
+                <a:latin typeface="+mn-lt"/>
+                <a:ea typeface="+mn-ea"/>
+                <a:cs typeface="Arial" panose="020B0604020202020204" pitchFamily="34" charset="0"/>
+              </a:defRPr>
+            </a:lvl3pPr>
+            <a:lvl4pPr marL="1600200" indent="-228600" algn="l" defTabSz="914400" rtl="0" eaLnBrk="1" latinLnBrk="0" hangingPunct="1">
+              <a:lnSpc>
+                <a:spcPct val="90000"/>
+              </a:lnSpc>
+              <a:spcBef>
+                <a:spcPts val="500"/>
+              </a:spcBef>
+              <a:buClr>
+                <a:schemeClr val="accent2"/>
+              </a:buClr>
+              <a:buFont typeface="Arial" panose="020B0604020202020204" pitchFamily="34" charset="0"/>
+              <a:buChar char="•"/>
+              <a:defRPr sz="1400" kern="1200">
+                <a:solidFill>
+                  <a:schemeClr val="bg1"/>
+                </a:solidFill>
+                <a:latin typeface="Arial" panose="020B0604020202020204" pitchFamily="34" charset="0"/>
+                <a:ea typeface="+mn-ea"/>
+                <a:cs typeface="Arial" panose="020B0604020202020204" pitchFamily="34" charset="0"/>
+              </a:defRPr>
+            </a:lvl4pPr>
+            <a:lvl5pPr marL="2057400" indent="-228600" algn="l" defTabSz="914400" rtl="0" eaLnBrk="1" latinLnBrk="0" hangingPunct="1">
+              <a:lnSpc>
+                <a:spcPct val="90000"/>
+              </a:lnSpc>
+              <a:spcBef>
+                <a:spcPts val="500"/>
+              </a:spcBef>
+              <a:buClr>
+                <a:schemeClr val="accent2"/>
+              </a:buClr>
+              <a:buFont typeface="Arial" panose="020B0604020202020204" pitchFamily="34" charset="0"/>
+              <a:buChar char="•"/>
+              <a:defRPr sz="1400" kern="1200">
+                <a:solidFill>
+                  <a:schemeClr val="bg1"/>
+                </a:solidFill>
+                <a:latin typeface="Arial" panose="020B0604020202020204" pitchFamily="34" charset="0"/>
+                <a:ea typeface="+mn-ea"/>
+                <a:cs typeface="Arial" panose="020B0604020202020204" pitchFamily="34" charset="0"/>
+              </a:defRPr>
+            </a:lvl5pPr>
+            <a:lvl6pPr marL="2514600" indent="-228600" algn="l" defTabSz="914400" rtl="0" eaLnBrk="1" latinLnBrk="0" hangingPunct="1">
+              <a:lnSpc>
+                <a:spcPct val="90000"/>
+              </a:lnSpc>
+              <a:spcBef>
+                <a:spcPts val="500"/>
+              </a:spcBef>
+              <a:buFont typeface="Arial" panose="020B0604020202020204" pitchFamily="34" charset="0"/>
+              <a:buChar char="•"/>
+              <a:defRPr sz="1800" kern="1200">
+                <a:solidFill>
+                  <a:schemeClr val="tx1"/>
+                </a:solidFill>
+                <a:latin typeface="+mn-lt"/>
+                <a:ea typeface="+mn-ea"/>
+                <a:cs typeface="+mn-cs"/>
+              </a:defRPr>
+            </a:lvl6pPr>
+            <a:lvl7pPr marL="2971800" indent="-228600" algn="l" defTabSz="914400" rtl="0" eaLnBrk="1" latinLnBrk="0" hangingPunct="1">
+              <a:lnSpc>
+                <a:spcPct val="90000"/>
+              </a:lnSpc>
+              <a:spcBef>
+                <a:spcPts val="500"/>
+              </a:spcBef>
+              <a:buFont typeface="Arial" panose="020B0604020202020204" pitchFamily="34" charset="0"/>
+              <a:buChar char="•"/>
+              <a:defRPr sz="1800" kern="1200">
+                <a:solidFill>
+                  <a:schemeClr val="tx1"/>
+                </a:solidFill>
+                <a:latin typeface="+mn-lt"/>
+                <a:ea typeface="+mn-ea"/>
+                <a:cs typeface="+mn-cs"/>
+              </a:defRPr>
+            </a:lvl7pPr>
+            <a:lvl8pPr marL="3429000" indent="-228600" algn="l" defTabSz="914400" rtl="0" eaLnBrk="1" latinLnBrk="0" hangingPunct="1">
+              <a:lnSpc>
+                <a:spcPct val="90000"/>
+              </a:lnSpc>
+              <a:spcBef>
+                <a:spcPts val="500"/>
+              </a:spcBef>
+              <a:buFont typeface="Arial" panose="020B0604020202020204" pitchFamily="34" charset="0"/>
+              <a:buChar char="•"/>
+              <a:defRPr sz="1800" kern="1200">
+                <a:solidFill>
+                  <a:schemeClr val="tx1"/>
+                </a:solidFill>
+                <a:latin typeface="+mn-lt"/>
+                <a:ea typeface="+mn-ea"/>
+                <a:cs typeface="+mn-cs"/>
+              </a:defRPr>
+            </a:lvl8pPr>
+            <a:lvl9pPr marL="3886200" indent="-228600" algn="l" defTabSz="914400" rtl="0" eaLnBrk="1" latinLnBrk="0" hangingPunct="1">
+              <a:lnSpc>
+                <a:spcPct val="90000"/>
+              </a:lnSpc>
+              <a:spcBef>
+                <a:spcPts val="500"/>
+              </a:spcBef>
+              <a:buFont typeface="Arial" panose="020B0604020202020204" pitchFamily="34" charset="0"/>
+              <a:buChar char="•"/>
+              <a:defRPr sz="1800" kern="1200">
+                <a:solidFill>
+                  <a:schemeClr val="tx1"/>
+                </a:solidFill>
+                <a:latin typeface="+mn-lt"/>
+                <a:ea typeface="+mn-ea"/>
+                <a:cs typeface="+mn-cs"/>
+              </a:defRPr>
+            </a:lvl9pPr>
+          </a:lstStyle>
+          <a:p>
+            <a:pPr>
+              <a:buFont typeface="Wingdings" panose="05000000000000000000" pitchFamily="2" charset="2"/>
+              <a:buChar char="Ø"/>
+            </a:pPr>
+            <a:r>
+              <a:rPr lang="pt-PT" sz="2000" dirty="0" smtClean="0"/>
+              <a:t>Repositório Central</a:t>
+            </a:r>
+          </a:p>
+        </p:txBody>
+      </p:sp>
+      <p:sp>
+        <p:nvSpPr>
+          <p:cNvPr id="9" name="Text Placeholder 9">
+            <a:extLst>
+              <a:ext uri="{FF2B5EF4-FFF2-40B4-BE49-F238E27FC236}">
+                <a16:creationId xmlns:a16="http://schemas.microsoft.com/office/drawing/2014/main" xmlns="" id="{EF2BC084-E6DB-4DE7-B309-042A85EBA700}"/>
+              </a:ext>
+            </a:extLst>
+          </p:cNvPr>
+          <p:cNvSpPr txBox="1">
+            <a:spLocks/>
+          </p:cNvSpPr>
+          <p:nvPr/>
+        </p:nvSpPr>
+        <p:spPr>
+          <a:xfrm>
+            <a:off x="3442808" y="5404487"/>
+            <a:ext cx="6718300" cy="410958"/>
+          </a:xfrm>
+          <a:prstGeom prst="rect">
+            <a:avLst/>
+          </a:prstGeom>
+        </p:spPr>
+        <p:txBody>
+          <a:bodyPr vert="horz" lIns="91440" tIns="45720" rIns="91440" bIns="45720" rtlCol="0">
+            <a:noAutofit/>
+          </a:bodyPr>
+          <a:lstStyle>
+            <a:lvl1pPr marL="228600" indent="-228600" algn="l" defTabSz="914400" rtl="0" eaLnBrk="1" latinLnBrk="0" hangingPunct="1">
+              <a:lnSpc>
+                <a:spcPct val="100000"/>
+              </a:lnSpc>
+              <a:spcBef>
+                <a:spcPts val="600"/>
+              </a:spcBef>
+              <a:spcAft>
+                <a:spcPts val="400"/>
+              </a:spcAft>
+              <a:buClr>
+                <a:schemeClr val="accent2"/>
+              </a:buClr>
+              <a:buFont typeface="Arial" panose="020B0604020202020204" pitchFamily="34" charset="0"/>
+              <a:buChar char="•"/>
+              <a:defRPr sz="1600" kern="1200">
+                <a:solidFill>
+                  <a:schemeClr val="bg1"/>
+                </a:solidFill>
+                <a:latin typeface="+mn-lt"/>
+                <a:ea typeface="+mn-ea"/>
+                <a:cs typeface="Arial" panose="020B0604020202020204" pitchFamily="34" charset="0"/>
+              </a:defRPr>
+            </a:lvl1pPr>
+            <a:lvl2pPr marL="685800" indent="-228600" algn="l" defTabSz="914400" rtl="0" eaLnBrk="1" latinLnBrk="0" hangingPunct="1">
+              <a:lnSpc>
+                <a:spcPct val="100000"/>
+              </a:lnSpc>
+              <a:spcBef>
+                <a:spcPts val="600"/>
+              </a:spcBef>
+              <a:spcAft>
+                <a:spcPts val="400"/>
+              </a:spcAft>
+              <a:buClr>
+                <a:schemeClr val="accent2"/>
+              </a:buClr>
+              <a:buFont typeface="Arial" panose="020B0604020202020204" pitchFamily="34" charset="0"/>
+              <a:buChar char="•"/>
+              <a:defRPr sz="1400" kern="1200">
+                <a:solidFill>
+                  <a:schemeClr val="bg1"/>
+                </a:solidFill>
+                <a:latin typeface="+mn-lt"/>
+                <a:ea typeface="+mn-ea"/>
+                <a:cs typeface="Arial" panose="020B0604020202020204" pitchFamily="34" charset="0"/>
+              </a:defRPr>
+            </a:lvl2pPr>
+            <a:lvl3pPr marL="1143000" indent="-228600" algn="l" defTabSz="914400" rtl="0" eaLnBrk="1" latinLnBrk="0" hangingPunct="1">
+              <a:lnSpc>
+                <a:spcPct val="100000"/>
+              </a:lnSpc>
+              <a:spcBef>
+                <a:spcPts val="600"/>
+              </a:spcBef>
+              <a:spcAft>
+                <a:spcPts val="400"/>
+              </a:spcAft>
+              <a:buClr>
+                <a:schemeClr val="accent2"/>
+              </a:buClr>
+              <a:buFont typeface="Arial" panose="020B0604020202020204" pitchFamily="34" charset="0"/>
+              <a:buChar char="•"/>
+              <a:defRPr sz="1200" kern="1200">
+                <a:solidFill>
+                  <a:schemeClr val="bg1"/>
+                </a:solidFill>
+                <a:latin typeface="+mn-lt"/>
+                <a:ea typeface="+mn-ea"/>
+                <a:cs typeface="Arial" panose="020B0604020202020204" pitchFamily="34" charset="0"/>
+              </a:defRPr>
+            </a:lvl3pPr>
+            <a:lvl4pPr marL="1600200" indent="-228600" algn="l" defTabSz="914400" rtl="0" eaLnBrk="1" latinLnBrk="0" hangingPunct="1">
+              <a:lnSpc>
+                <a:spcPct val="90000"/>
+              </a:lnSpc>
+              <a:spcBef>
+                <a:spcPts val="500"/>
+              </a:spcBef>
+              <a:buClr>
+                <a:schemeClr val="accent2"/>
+              </a:buClr>
+              <a:buFont typeface="Arial" panose="020B0604020202020204" pitchFamily="34" charset="0"/>
+              <a:buChar char="•"/>
+              <a:defRPr sz="1400" kern="1200">
+                <a:solidFill>
+                  <a:schemeClr val="bg1"/>
+                </a:solidFill>
+                <a:latin typeface="Arial" panose="020B0604020202020204" pitchFamily="34" charset="0"/>
+                <a:ea typeface="+mn-ea"/>
+                <a:cs typeface="Arial" panose="020B0604020202020204" pitchFamily="34" charset="0"/>
+              </a:defRPr>
+            </a:lvl4pPr>
+            <a:lvl5pPr marL="2057400" indent="-228600" algn="l" defTabSz="914400" rtl="0" eaLnBrk="1" latinLnBrk="0" hangingPunct="1">
+              <a:lnSpc>
+                <a:spcPct val="90000"/>
+              </a:lnSpc>
+              <a:spcBef>
+                <a:spcPts val="500"/>
+              </a:spcBef>
+              <a:buClr>
+                <a:schemeClr val="accent2"/>
+              </a:buClr>
+              <a:buFont typeface="Arial" panose="020B0604020202020204" pitchFamily="34" charset="0"/>
+              <a:buChar char="•"/>
+              <a:defRPr sz="1400" kern="1200">
+                <a:solidFill>
+                  <a:schemeClr val="bg1"/>
+                </a:solidFill>
+                <a:latin typeface="Arial" panose="020B0604020202020204" pitchFamily="34" charset="0"/>
+                <a:ea typeface="+mn-ea"/>
+                <a:cs typeface="Arial" panose="020B0604020202020204" pitchFamily="34" charset="0"/>
+              </a:defRPr>
+            </a:lvl5pPr>
+            <a:lvl6pPr marL="2514600" indent="-228600" algn="l" defTabSz="914400" rtl="0" eaLnBrk="1" latinLnBrk="0" hangingPunct="1">
+              <a:lnSpc>
+                <a:spcPct val="90000"/>
+              </a:lnSpc>
+              <a:spcBef>
+                <a:spcPts val="500"/>
+              </a:spcBef>
+              <a:buFont typeface="Arial" panose="020B0604020202020204" pitchFamily="34" charset="0"/>
+              <a:buChar char="•"/>
+              <a:defRPr sz="1800" kern="1200">
+                <a:solidFill>
+                  <a:schemeClr val="tx1"/>
+                </a:solidFill>
+                <a:latin typeface="+mn-lt"/>
+                <a:ea typeface="+mn-ea"/>
+                <a:cs typeface="+mn-cs"/>
+              </a:defRPr>
+            </a:lvl6pPr>
+            <a:lvl7pPr marL="2971800" indent="-228600" algn="l" defTabSz="914400" rtl="0" eaLnBrk="1" latinLnBrk="0" hangingPunct="1">
+              <a:lnSpc>
+                <a:spcPct val="90000"/>
+              </a:lnSpc>
+              <a:spcBef>
+                <a:spcPts val="500"/>
+              </a:spcBef>
+              <a:buFont typeface="Arial" panose="020B0604020202020204" pitchFamily="34" charset="0"/>
+              <a:buChar char="•"/>
+              <a:defRPr sz="1800" kern="1200">
+                <a:solidFill>
+                  <a:schemeClr val="tx1"/>
+                </a:solidFill>
+                <a:latin typeface="+mn-lt"/>
+                <a:ea typeface="+mn-ea"/>
+                <a:cs typeface="+mn-cs"/>
+              </a:defRPr>
+            </a:lvl7pPr>
+            <a:lvl8pPr marL="3429000" indent="-228600" algn="l" defTabSz="914400" rtl="0" eaLnBrk="1" latinLnBrk="0" hangingPunct="1">
+              <a:lnSpc>
+                <a:spcPct val="90000"/>
+              </a:lnSpc>
+              <a:spcBef>
+                <a:spcPts val="500"/>
+              </a:spcBef>
+              <a:buFont typeface="Arial" panose="020B0604020202020204" pitchFamily="34" charset="0"/>
+              <a:buChar char="•"/>
+              <a:defRPr sz="1800" kern="1200">
+                <a:solidFill>
+                  <a:schemeClr val="tx1"/>
+                </a:solidFill>
+                <a:latin typeface="+mn-lt"/>
+                <a:ea typeface="+mn-ea"/>
+                <a:cs typeface="+mn-cs"/>
+              </a:defRPr>
+            </a:lvl8pPr>
+            <a:lvl9pPr marL="3886200" indent="-228600" algn="l" defTabSz="914400" rtl="0" eaLnBrk="1" latinLnBrk="0" hangingPunct="1">
+              <a:lnSpc>
+                <a:spcPct val="90000"/>
+              </a:lnSpc>
+              <a:spcBef>
+                <a:spcPts val="500"/>
+              </a:spcBef>
+              <a:buFont typeface="Arial" panose="020B0604020202020204" pitchFamily="34" charset="0"/>
+              <a:buChar char="•"/>
+              <a:defRPr sz="1800" kern="1200">
+                <a:solidFill>
+                  <a:schemeClr val="tx1"/>
+                </a:solidFill>
+                <a:latin typeface="+mn-lt"/>
+                <a:ea typeface="+mn-ea"/>
+                <a:cs typeface="+mn-cs"/>
+              </a:defRPr>
+            </a:lvl9pPr>
+          </a:lstStyle>
+          <a:p>
+            <a:pPr>
+              <a:buFont typeface="Wingdings" panose="05000000000000000000" pitchFamily="2" charset="2"/>
+              <a:buChar char="Ø"/>
+            </a:pPr>
+            <a:r>
+              <a:rPr lang="pt-PT" sz="2000" dirty="0" smtClean="0"/>
+              <a:t>Servidor de Automatização</a:t>
+            </a:r>
+          </a:p>
+        </p:txBody>
+      </p:sp>
     </p:spTree>
     <p:extLst>
       <p:ext uri="{BB962C8B-B14F-4D97-AF65-F5344CB8AC3E}">
@@ -30758,7 +31417,7 @@
           <p:cNvPr id="4" name="Title 3">
             <a:extLst>
               <a:ext uri="{FF2B5EF4-FFF2-40B4-BE49-F238E27FC236}">
-                <a16:creationId xmlns="" xmlns:a16="http://schemas.microsoft.com/office/drawing/2014/main" id="{E3BD8413-C238-49D7-A4E1-E8FEF1811A0E}"/>
+                <a16:creationId xmlns:a16="http://schemas.microsoft.com/office/drawing/2014/main" xmlns="" id="{E3BD8413-C238-49D7-A4E1-E8FEF1811A0E}"/>
               </a:ext>
             </a:extLst>
           </p:cNvPr>
@@ -30786,7 +31445,7 @@
           <p:cNvPr id="2" name="Slide Number Placeholder 1">
             <a:extLst>
               <a:ext uri="{FF2B5EF4-FFF2-40B4-BE49-F238E27FC236}">
-                <a16:creationId xmlns="" xmlns:a16="http://schemas.microsoft.com/office/drawing/2014/main" id="{0B24BF10-2B55-43AB-9F77-F1A1410384A9}"/>
+                <a16:creationId xmlns:a16="http://schemas.microsoft.com/office/drawing/2014/main" xmlns="" id="{0B24BF10-2B55-43AB-9F77-F1A1410384A9}"/>
               </a:ext>
             </a:extLst>
           </p:cNvPr>
@@ -30840,6 +31499,13 @@
   <p:clrMapOvr>
     <a:masterClrMapping/>
   </p:clrMapOvr>
+  <p:timing>
+    <p:tnLst>
+      <p:par>
+        <p:cTn id="1" dur="indefinite" restart="never" nodeType="tmRoot"/>
+      </p:par>
+    </p:tnLst>
+  </p:timing>
 </p:sld>
 </file>
 
@@ -30865,7 +31531,7 @@
           <p:cNvPr id="2" name="Title 1">
             <a:extLst>
               <a:ext uri="{FF2B5EF4-FFF2-40B4-BE49-F238E27FC236}">
-                <a16:creationId xmlns="" xmlns:a16="http://schemas.microsoft.com/office/drawing/2014/main" id="{632BE5BF-9922-45FB-8F3F-4446D40A051B}"/>
+                <a16:creationId xmlns:a16="http://schemas.microsoft.com/office/drawing/2014/main" xmlns="" id="{632BE5BF-9922-45FB-8F3F-4446D40A051B}"/>
               </a:ext>
             </a:extLst>
           </p:cNvPr>
@@ -30876,14 +31542,19 @@
             <p:ph type="ctrTitle"/>
           </p:nvPr>
         </p:nvSpPr>
-        <p:spPr/>
+        <p:spPr>
+          <a:xfrm>
+            <a:off x="5217242" y="2807208"/>
+            <a:ext cx="6240374" cy="1243584"/>
+          </a:xfrm>
+        </p:spPr>
         <p:txBody>
           <a:bodyPr/>
           <a:lstStyle/>
           <a:p>
             <a:r>
-              <a:rPr lang="en-US" dirty="0"/>
-              <a:t>Thank You</a:t>
+              <a:rPr lang="en-US" dirty="0" smtClean="0"/>
+              <a:t>Obrigado</a:t>
             </a:r>
             <a:endParaRPr lang="en-GB" dirty="0"/>
           </a:p>
@@ -30899,6 +31570,13 @@
   <p:clrMapOvr>
     <a:masterClrMapping/>
   </p:clrMapOvr>
+  <p:timing>
+    <p:tnLst>
+      <p:par>
+        <p:cTn id="1" dur="indefinite" restart="never" nodeType="tmRoot"/>
+      </p:par>
+    </p:tnLst>
+  </p:timing>
 </p:sld>
 </file>
 
@@ -30921,10 +31599,53 @@
       </p:grpSpPr>
       <p:sp>
         <p:nvSpPr>
+          <p:cNvPr id="5" name="Rectangle 4"/>
+          <p:cNvSpPr/>
+          <p:nvPr/>
+        </p:nvSpPr>
+        <p:spPr>
+          <a:xfrm>
+            <a:off x="3523142" y="2776186"/>
+            <a:ext cx="5056816" cy="2448628"/>
+          </a:xfrm>
+          <a:prstGeom prst="rect">
+            <a:avLst/>
+          </a:prstGeom>
+          <a:solidFill>
+            <a:schemeClr val="bg1"/>
+          </a:solidFill>
+        </p:spPr>
+        <p:style>
+          <a:lnRef idx="2">
+            <a:schemeClr val="accent1">
+              <a:shade val="50000"/>
+            </a:schemeClr>
+          </a:lnRef>
+          <a:fillRef idx="1">
+            <a:schemeClr val="accent1"/>
+          </a:fillRef>
+          <a:effectRef idx="0">
+            <a:schemeClr val="accent1"/>
+          </a:effectRef>
+          <a:fontRef idx="minor">
+            <a:schemeClr val="lt1"/>
+          </a:fontRef>
+        </p:style>
+        <p:txBody>
+          <a:bodyPr rtlCol="0" anchor="ctr"/>
+          <a:lstStyle/>
+          <a:p>
+            <a:pPr algn="ctr"/>
+            <a:endParaRPr lang="pt-PT"/>
+          </a:p>
+        </p:txBody>
+      </p:sp>
+      <p:sp>
+        <p:nvSpPr>
           <p:cNvPr id="7" name="Title 6">
             <a:extLst>
               <a:ext uri="{FF2B5EF4-FFF2-40B4-BE49-F238E27FC236}">
-                <a16:creationId xmlns="" xmlns:a16="http://schemas.microsoft.com/office/drawing/2014/main" id="{7875C19A-1AAE-476A-A316-A2CF92D763D3}"/>
+                <a16:creationId xmlns:a16="http://schemas.microsoft.com/office/drawing/2014/main" xmlns="" id="{7875C19A-1AAE-476A-A316-A2CF92D763D3}"/>
               </a:ext>
             </a:extLst>
           </p:cNvPr>
@@ -30952,7 +31673,7 @@
           <p:cNvPr id="2" name="Slide Number Placeholder 1">
             <a:extLst>
               <a:ext uri="{FF2B5EF4-FFF2-40B4-BE49-F238E27FC236}">
-                <a16:creationId xmlns="" xmlns:a16="http://schemas.microsoft.com/office/drawing/2014/main" id="{BE9800F6-D571-48C4-8466-12AA1ADB6599}"/>
+                <a16:creationId xmlns:a16="http://schemas.microsoft.com/office/drawing/2014/main" xmlns="" id="{BE9800F6-D571-48C4-8466-12AA1ADB6599}"/>
               </a:ext>
             </a:extLst>
           </p:cNvPr>
@@ -30977,6 +31698,36 @@
           </a:p>
         </p:txBody>
       </p:sp>
+      <p:pic>
+        <p:nvPicPr>
+          <p:cNvPr id="4" name="Picture 3"/>
+          <p:cNvPicPr>
+            <a:picLocks noChangeAspect="1"/>
+          </p:cNvPicPr>
+          <p:nvPr/>
+        </p:nvPicPr>
+        <p:blipFill>
+          <a:blip r:embed="rId2">
+            <a:extLst>
+              <a:ext uri="{28A0092B-C50C-407E-A947-70E740481C1C}">
+                <a14:useLocalDpi xmlns:a14="http://schemas.microsoft.com/office/drawing/2010/main" val="0"/>
+              </a:ext>
+            </a:extLst>
+          </a:blip>
+          <a:stretch>
+            <a:fillRect/>
+          </a:stretch>
+        </p:blipFill>
+        <p:spPr>
+          <a:xfrm>
+            <a:off x="3177430" y="1844910"/>
+            <a:ext cx="5748240" cy="4311180"/>
+          </a:xfrm>
+          <a:prstGeom prst="rect">
+            <a:avLst/>
+          </a:prstGeom>
+        </p:spPr>
+      </p:pic>
     </p:spTree>
     <p:extLst>
       <p:ext uri="{BB962C8B-B14F-4D97-AF65-F5344CB8AC3E}">
@@ -31019,7 +31770,7 @@
           <p:cNvPr id="7" name="Title 6">
             <a:extLst>
               <a:ext uri="{FF2B5EF4-FFF2-40B4-BE49-F238E27FC236}">
-                <a16:creationId xmlns="" xmlns:a16="http://schemas.microsoft.com/office/drawing/2014/main" id="{7875C19A-1AAE-476A-A316-A2CF92D763D3}"/>
+                <a16:creationId xmlns:a16="http://schemas.microsoft.com/office/drawing/2014/main" xmlns="" id="{7875C19A-1AAE-476A-A316-A2CF92D763D3}"/>
               </a:ext>
             </a:extLst>
           </p:cNvPr>
@@ -31047,7 +31798,7 @@
           <p:cNvPr id="2" name="Slide Number Placeholder 1">
             <a:extLst>
               <a:ext uri="{FF2B5EF4-FFF2-40B4-BE49-F238E27FC236}">
-                <a16:creationId xmlns="" xmlns:a16="http://schemas.microsoft.com/office/drawing/2014/main" id="{BE9800F6-D571-48C4-8466-12AA1ADB6599}"/>
+                <a16:creationId xmlns:a16="http://schemas.microsoft.com/office/drawing/2014/main" xmlns="" id="{BE9800F6-D571-48C4-8466-12AA1ADB6599}"/>
               </a:ext>
             </a:extLst>
           </p:cNvPr>
@@ -31077,7 +31828,7 @@
           <p:cNvPr id="3" name="Imagem 3" descr="Uma imagem com mesa&#10;&#10;Descrição gerada automaticamente">
             <a:extLst>
               <a:ext uri="{FF2B5EF4-FFF2-40B4-BE49-F238E27FC236}">
-                <a16:creationId xmlns="" xmlns:a16="http://schemas.microsoft.com/office/drawing/2014/main" id="{43B7A53D-CDF0-4650-94A4-8EEBEAFCCA3F}"/>
+                <a16:creationId xmlns:a16="http://schemas.microsoft.com/office/drawing/2014/main" xmlns="" id="{43B7A53D-CDF0-4650-94A4-8EEBEAFCCA3F}"/>
               </a:ext>
             </a:extLst>
           </p:cNvPr>
@@ -31144,7 +31895,7 @@
           <p:cNvPr id="7" name="Title 6">
             <a:extLst>
               <a:ext uri="{FF2B5EF4-FFF2-40B4-BE49-F238E27FC236}">
-                <a16:creationId xmlns="" xmlns:a16="http://schemas.microsoft.com/office/drawing/2014/main" id="{7875C19A-1AAE-476A-A316-A2CF92D763D3}"/>
+                <a16:creationId xmlns:a16="http://schemas.microsoft.com/office/drawing/2014/main" xmlns="" id="{7875C19A-1AAE-476A-A316-A2CF92D763D3}"/>
               </a:ext>
             </a:extLst>
           </p:cNvPr>
@@ -31172,7 +31923,7 @@
           <p:cNvPr id="2" name="Slide Number Placeholder 1">
             <a:extLst>
               <a:ext uri="{FF2B5EF4-FFF2-40B4-BE49-F238E27FC236}">
-                <a16:creationId xmlns="" xmlns:a16="http://schemas.microsoft.com/office/drawing/2014/main" id="{BE9800F6-D571-48C4-8466-12AA1ADB6599}"/>
+                <a16:creationId xmlns:a16="http://schemas.microsoft.com/office/drawing/2014/main" xmlns="" id="{BE9800F6-D571-48C4-8466-12AA1ADB6599}"/>
               </a:ext>
             </a:extLst>
           </p:cNvPr>
@@ -31202,7 +31953,7 @@
           <p:cNvPr id="3" name="Imagem 3" descr="Uma imagem com mesa&#10;&#10;Descrição gerada automaticamente">
             <a:extLst>
               <a:ext uri="{FF2B5EF4-FFF2-40B4-BE49-F238E27FC236}">
-                <a16:creationId xmlns="" xmlns:a16="http://schemas.microsoft.com/office/drawing/2014/main" id="{29D8FD01-84A2-4F81-BFBC-583068BC3446}"/>
+                <a16:creationId xmlns:a16="http://schemas.microsoft.com/office/drawing/2014/main" xmlns="" id="{29D8FD01-84A2-4F81-BFBC-583068BC3446}"/>
               </a:ext>
             </a:extLst>
           </p:cNvPr>
@@ -31219,8 +31970,8 @@
         </p:blipFill>
         <p:spPr>
           <a:xfrm>
-            <a:off x="444795" y="3023139"/>
-            <a:ext cx="3903920" cy="3097722"/>
+            <a:off x="444500" y="3023063"/>
+            <a:ext cx="3903920" cy="3096793"/>
           </a:xfrm>
           <a:prstGeom prst="rect">
             <a:avLst/>
@@ -31232,7 +31983,7 @@
           <p:cNvPr id="4" name="Imagem 4" descr="Uma imagem com mesa&#10;&#10;Descrição gerada automaticamente">
             <a:extLst>
               <a:ext uri="{FF2B5EF4-FFF2-40B4-BE49-F238E27FC236}">
-                <a16:creationId xmlns="" xmlns:a16="http://schemas.microsoft.com/office/drawing/2014/main" id="{DEC5F612-5C42-4F24-B24F-25C9222578F1}"/>
+                <a16:creationId xmlns:a16="http://schemas.microsoft.com/office/drawing/2014/main" xmlns="" id="{DEC5F612-5C42-4F24-B24F-25C9222578F1}"/>
               </a:ext>
             </a:extLst>
           </p:cNvPr>
@@ -31299,7 +32050,7 @@
           <p:cNvPr id="4" name="Title 3">
             <a:extLst>
               <a:ext uri="{FF2B5EF4-FFF2-40B4-BE49-F238E27FC236}">
-                <a16:creationId xmlns="" xmlns:a16="http://schemas.microsoft.com/office/drawing/2014/main" id="{E3BD8413-C238-49D7-A4E1-E8FEF1811A0E}"/>
+                <a16:creationId xmlns:a16="http://schemas.microsoft.com/office/drawing/2014/main" xmlns="" id="{E3BD8413-C238-49D7-A4E1-E8FEF1811A0E}"/>
               </a:ext>
             </a:extLst>
           </p:cNvPr>
@@ -31327,7 +32078,7 @@
           <p:cNvPr id="5" name="Text Placeholder 4">
             <a:extLst>
               <a:ext uri="{FF2B5EF4-FFF2-40B4-BE49-F238E27FC236}">
-                <a16:creationId xmlns="" xmlns:a16="http://schemas.microsoft.com/office/drawing/2014/main" id="{0A95F4DE-39B7-4CE2-BC1E-8B8AE662A895}"/>
+                <a16:creationId xmlns:a16="http://schemas.microsoft.com/office/drawing/2014/main" xmlns="" id="{0A95F4DE-39B7-4CE2-BC1E-8B8AE662A895}"/>
               </a:ext>
             </a:extLst>
           </p:cNvPr>
@@ -31352,7 +32103,7 @@
           <p:cNvPr id="2" name="Slide Number Placeholder 1">
             <a:extLst>
               <a:ext uri="{FF2B5EF4-FFF2-40B4-BE49-F238E27FC236}">
-                <a16:creationId xmlns="" xmlns:a16="http://schemas.microsoft.com/office/drawing/2014/main" id="{0B24BF10-2B55-43AB-9F77-F1A1410384A9}"/>
+                <a16:creationId xmlns:a16="http://schemas.microsoft.com/office/drawing/2014/main" xmlns="" id="{0B24BF10-2B55-43AB-9F77-F1A1410384A9}"/>
               </a:ext>
             </a:extLst>
           </p:cNvPr>
@@ -31387,6 +32138,13 @@
   <p:clrMapOvr>
     <a:masterClrMapping/>
   </p:clrMapOvr>
+  <p:timing>
+    <p:tnLst>
+      <p:par>
+        <p:cTn id="1" dur="indefinite" restart="never" nodeType="tmRoot"/>
+      </p:par>
+    </p:tnLst>
+  </p:timing>
 </p:sld>
 </file>
 
@@ -31412,7 +32170,7 @@
           <p:cNvPr id="6" name="Title 5">
             <a:extLst>
               <a:ext uri="{FF2B5EF4-FFF2-40B4-BE49-F238E27FC236}">
-                <a16:creationId xmlns="" xmlns:a16="http://schemas.microsoft.com/office/drawing/2014/main" id="{A4CD37D6-FE32-48E3-A3AD-F07BE6A19FA1}"/>
+                <a16:creationId xmlns:a16="http://schemas.microsoft.com/office/drawing/2014/main" xmlns="" id="{A4CD37D6-FE32-48E3-A3AD-F07BE6A19FA1}"/>
               </a:ext>
             </a:extLst>
           </p:cNvPr>
@@ -31443,10 +32201,6 @@
               <a:rPr lang="en-GB" sz="2700" dirty="0"/>
               <a:t>It is important to understand fully the characteristics</a:t>
             </a:r>
-            <a:r>
-              <a:rPr lang="en-GB" sz="2700" dirty="0"/>
-              <a:t/>
-            </a:r>
             <a:br>
               <a:rPr lang="en-GB" sz="2700" dirty="0"/>
             </a:br>
@@ -31454,20 +32208,12 @@
               <a:rPr lang="en-GB" sz="2700" dirty="0"/>
               <a:t>of Web Services, in terms of the dos and don'ts for WS,</a:t>
             </a:r>
-            <a:r>
-              <a:rPr lang="en-GB" sz="2700" dirty="0"/>
-              <a:t/>
-            </a:r>
             <a:br>
               <a:rPr lang="en-GB" sz="2700" dirty="0"/>
             </a:br>
             <a:r>
               <a:rPr lang="en-GB" sz="2700" dirty="0"/>
               <a:t>form the basis of the best practices for Web Services</a:t>
-            </a:r>
-            <a:r>
-              <a:rPr lang="en-GB" sz="2700" dirty="0"/>
-              <a:t/>
             </a:r>
             <a:br>
               <a:rPr lang="en-GB" sz="2700" dirty="0"/>
@@ -31512,7 +32258,7 @@
           <p:cNvPr id="2" name="Slide Number Placeholder 1">
             <a:extLst>
               <a:ext uri="{FF2B5EF4-FFF2-40B4-BE49-F238E27FC236}">
-                <a16:creationId xmlns="" xmlns:a16="http://schemas.microsoft.com/office/drawing/2014/main" id="{8EDC7217-2779-44E0-9E6D-3B3879516A1D}"/>
+                <a16:creationId xmlns:a16="http://schemas.microsoft.com/office/drawing/2014/main" xmlns="" id="{8EDC7217-2779-44E0-9E6D-3B3879516A1D}"/>
               </a:ext>
             </a:extLst>
           </p:cNvPr>
@@ -31547,6 +32293,13 @@
   <p:clrMapOvr>
     <a:masterClrMapping/>
   </p:clrMapOvr>
+  <p:timing>
+    <p:tnLst>
+      <p:par>
+        <p:cTn id="1" dur="indefinite" restart="never" nodeType="tmRoot"/>
+      </p:par>
+    </p:tnLst>
+  </p:timing>
 </p:sld>
 </file>
 
@@ -31572,7 +32325,7 @@
           <p:cNvPr id="6" name="Title 5">
             <a:extLst>
               <a:ext uri="{FF2B5EF4-FFF2-40B4-BE49-F238E27FC236}">
-                <a16:creationId xmlns="" xmlns:a16="http://schemas.microsoft.com/office/drawing/2014/main" id="{A4CD37D6-FE32-48E3-A3AD-F07BE6A19FA1}"/>
+                <a16:creationId xmlns:a16="http://schemas.microsoft.com/office/drawing/2014/main" xmlns="" id="{A4CD37D6-FE32-48E3-A3AD-F07BE6A19FA1}"/>
               </a:ext>
             </a:extLst>
           </p:cNvPr>
@@ -31621,7 +32374,7 @@
           <p:cNvPr id="2" name="Slide Number Placeholder 1">
             <a:extLst>
               <a:ext uri="{FF2B5EF4-FFF2-40B4-BE49-F238E27FC236}">
-                <a16:creationId xmlns="" xmlns:a16="http://schemas.microsoft.com/office/drawing/2014/main" id="{8EDC7217-2779-44E0-9E6D-3B3879516A1D}"/>
+                <a16:creationId xmlns:a16="http://schemas.microsoft.com/office/drawing/2014/main" xmlns="" id="{8EDC7217-2779-44E0-9E6D-3B3879516A1D}"/>
               </a:ext>
             </a:extLst>
           </p:cNvPr>
@@ -31656,6 +32409,13 @@
   <p:clrMapOvr>
     <a:masterClrMapping/>
   </p:clrMapOvr>
+  <p:timing>
+    <p:tnLst>
+      <p:par>
+        <p:cTn id="1" dur="indefinite" restart="never" nodeType="tmRoot"/>
+      </p:par>
+    </p:tnLst>
+  </p:timing>
 </p:sld>
 </file>
 
@@ -31681,7 +32441,7 @@
           <p:cNvPr id="4" name="Title 3">
             <a:extLst>
               <a:ext uri="{FF2B5EF4-FFF2-40B4-BE49-F238E27FC236}">
-                <a16:creationId xmlns="" xmlns:a16="http://schemas.microsoft.com/office/drawing/2014/main" id="{E3BD8413-C238-49D7-A4E1-E8FEF1811A0E}"/>
+                <a16:creationId xmlns:a16="http://schemas.microsoft.com/office/drawing/2014/main" xmlns="" id="{E3BD8413-C238-49D7-A4E1-E8FEF1811A0E}"/>
               </a:ext>
             </a:extLst>
           </p:cNvPr>
@@ -31711,7 +32471,7 @@
           <p:cNvPr id="2" name="Slide Number Placeholder 1">
             <a:extLst>
               <a:ext uri="{FF2B5EF4-FFF2-40B4-BE49-F238E27FC236}">
-                <a16:creationId xmlns="" xmlns:a16="http://schemas.microsoft.com/office/drawing/2014/main" id="{0B24BF10-2B55-43AB-9F77-F1A1410384A9}"/>
+                <a16:creationId xmlns:a16="http://schemas.microsoft.com/office/drawing/2014/main" xmlns="" id="{0B24BF10-2B55-43AB-9F77-F1A1410384A9}"/>
               </a:ext>
             </a:extLst>
           </p:cNvPr>
@@ -31765,6 +32525,13 @@
   <p:clrMapOvr>
     <a:masterClrMapping/>
   </p:clrMapOvr>
+  <p:timing>
+    <p:tnLst>
+      <p:par>
+        <p:cTn id="1" dur="indefinite" restart="never" nodeType="tmRoot"/>
+      </p:par>
+    </p:tnLst>
+  </p:timing>
 </p:sld>
 </file>
 
@@ -32560,20 +33327,20 @@
 </file>
 
 <file path=customXml/item1.xml><?xml version="1.0" encoding="utf-8"?>
-<p:properties xmlns:p="http://schemas.microsoft.com/office/2006/metadata/properties" xmlns:xsi="http://www.w3.org/2001/XMLSchema-instance" xmlns:pc="http://schemas.microsoft.com/office/infopath/2007/PartnerControls">
-  <documentManagement>
-    <MediaServiceKeyPoints xmlns="71af3243-3dd4-4a8d-8c0d-dd76da1f02a5" xsi:nil="true"/>
-  </documentManagement>
-</p:properties>
-</file>
-
-<file path=customXml/item2.xml><?xml version="1.0" encoding="utf-8"?>
 <?mso-contentType ?>
 <FormTemplates xmlns="http://schemas.microsoft.com/sharepoint/v3/contenttype/forms">
   <Display>DocumentLibraryForm</Display>
   <Edit>DocumentLibraryForm</Edit>
   <New>DocumentLibraryForm</New>
 </FormTemplates>
+</file>
+
+<file path=customXml/item2.xml><?xml version="1.0" encoding="utf-8"?>
+<p:properties xmlns:p="http://schemas.microsoft.com/office/2006/metadata/properties" xmlns:xsi="http://www.w3.org/2001/XMLSchema-instance" xmlns:pc="http://schemas.microsoft.com/office/infopath/2007/PartnerControls">
+  <documentManagement>
+    <MediaServiceKeyPoints xmlns="71af3243-3dd4-4a8d-8c0d-dd76da1f02a5" xsi:nil="true"/>
+  </documentManagement>
+</p:properties>
 </file>
 
 <file path=customXml/item3.xml><?xml version="1.0" encoding="utf-8"?>
@@ -32788,19 +33555,19 @@
 </file>
 
 <file path=customXml/itemProps1.xml><?xml version="1.0" encoding="utf-8"?>
+<ds:datastoreItem xmlns:ds="http://schemas.openxmlformats.org/officeDocument/2006/customXml" ds:itemID="{5B26E0C9-B2AA-42E6-97B6-E1B7D9EAF129}">
+  <ds:schemaRefs>
+    <ds:schemaRef ds:uri="http://schemas.microsoft.com/sharepoint/v3/contenttype/forms"/>
+  </ds:schemaRefs>
+</ds:datastoreItem>
+</file>
+
+<file path=customXml/itemProps2.xml><?xml version="1.0" encoding="utf-8"?>
 <ds:datastoreItem xmlns:ds="http://schemas.openxmlformats.org/officeDocument/2006/customXml" ds:itemID="{F5757914-1161-4661-9696-421FD6935CDD}">
   <ds:schemaRefs>
     <ds:schemaRef ds:uri="http://schemas.microsoft.com/office/2006/metadata/properties"/>
     <ds:schemaRef ds:uri="http://schemas.microsoft.com/office/infopath/2007/PartnerControls"/>
     <ds:schemaRef ds:uri="71af3243-3dd4-4a8d-8c0d-dd76da1f02a5"/>
-  </ds:schemaRefs>
-</ds:datastoreItem>
-</file>
-
-<file path=customXml/itemProps2.xml><?xml version="1.0" encoding="utf-8"?>
-<ds:datastoreItem xmlns:ds="http://schemas.openxmlformats.org/officeDocument/2006/customXml" ds:itemID="{5B26E0C9-B2AA-42E6-97B6-E1B7D9EAF129}">
-  <ds:schemaRefs>
-    <ds:schemaRef ds:uri="http://schemas.microsoft.com/sharepoint/v3/contenttype/forms"/>
   </ds:schemaRefs>
 </ds:datastoreItem>
 </file>
